--- a/Markup UK 2023 slides.pptx
+++ b/Markup UK 2023 slides.pptx
@@ -4053,13 +4053,8 @@
           <a:p>
             <a:r>
               <a:rPr lang="en-GB" dirty="0"/>
-              <a:t>No expansion</a:t>
-            </a:r>
-            <a:r>
-              <a:rPr lang="en-GB"/>
-              <a:t>/inclusion &amp; WHY</a:t>
-            </a:r>
-            <a:endParaRPr lang="en-GB" dirty="0"/>
+              <a:t>No expansion/inclusion &amp; WHY</a:t>
+            </a:r>
           </a:p>
           <a:p>
             <a:r>
@@ -4128,7 +4123,10 @@
           <a:bodyPr/>
           <a:lstStyle/>
           <a:p>
-            <a:endParaRPr lang="en-GB" dirty="0"/>
+            <a:r>
+              <a:rPr lang="en-GB" dirty="0"/>
+              <a:t>Evaluate vs compile</a:t>
+            </a:r>
           </a:p>
         </p:txBody>
       </p:sp>
@@ -4153,7 +4151,14 @@
           <a:bodyPr/>
           <a:lstStyle/>
           <a:p>
-            <a:endParaRPr lang="en-GB"/>
+            <a:r>
+              <a:rPr lang="en-GB" dirty="0"/>
+              <a:t>[diagram the </a:t>
+            </a:r>
+            <a:r>
+              <a:rPr lang="en-GB"/>
+              <a:t>two approaches]</a:t>
+            </a:r>
           </a:p>
         </p:txBody>
       </p:sp>

--- a/Markup UK 2023 slides.pptx
+++ b/Markup UK 2023 slides.pptx
@@ -4,16 +4,30 @@
   <p:sldMasterIdLst>
     <p:sldMasterId id="2147483648" r:id="rId1"/>
   </p:sldMasterIdLst>
+  <p:notesMasterIdLst>
+    <p:notesMasterId r:id="rId22"/>
+  </p:notesMasterIdLst>
   <p:sldIdLst>
     <p:sldId id="256" r:id="rId2"/>
-    <p:sldId id="257" r:id="rId3"/>
-    <p:sldId id="258" r:id="rId4"/>
-    <p:sldId id="259" r:id="rId5"/>
-    <p:sldId id="260" r:id="rId6"/>
-    <p:sldId id="261" r:id="rId7"/>
-    <p:sldId id="262" r:id="rId8"/>
-    <p:sldId id="263" r:id="rId9"/>
-    <p:sldId id="264" r:id="rId10"/>
+    <p:sldId id="267" r:id="rId3"/>
+    <p:sldId id="257" r:id="rId4"/>
+    <p:sldId id="265" r:id="rId5"/>
+    <p:sldId id="258" r:id="rId6"/>
+    <p:sldId id="259" r:id="rId7"/>
+    <p:sldId id="268" r:id="rId8"/>
+    <p:sldId id="269" r:id="rId9"/>
+    <p:sldId id="260" r:id="rId10"/>
+    <p:sldId id="271" r:id="rId11"/>
+    <p:sldId id="270" r:id="rId12"/>
+    <p:sldId id="272" r:id="rId13"/>
+    <p:sldId id="273" r:id="rId14"/>
+    <p:sldId id="274" r:id="rId15"/>
+    <p:sldId id="275" r:id="rId16"/>
+    <p:sldId id="261" r:id="rId17"/>
+    <p:sldId id="262" r:id="rId18"/>
+    <p:sldId id="263" r:id="rId19"/>
+    <p:sldId id="264" r:id="rId20"/>
+    <p:sldId id="266" r:id="rId21"/>
   </p:sldIdLst>
   <p:sldSz cx="12192000" cy="6858000"/>
   <p:notesSz cx="6858000" cy="9144000"/>
@@ -112,7 +126,1624 @@
       </a:defRPr>
     </a:lvl9pPr>
   </p:defaultTextStyle>
+  <p:extLst>
+    <p:ext uri="{EFAFB233-063F-42B5-8137-9DF3F51BA10A}">
+      <p15:sldGuideLst xmlns:p15="http://schemas.microsoft.com/office/powerpoint/2012/main"/>
+    </p:ext>
+  </p:extLst>
 </p:presentation>
+</file>
+
+<file path=ppt/notesMasters/notesMaster1.xml><?xml version="1.0" encoding="utf-8"?>
+<p:notesMaster xmlns:a="http://schemas.openxmlformats.org/drawingml/2006/main" xmlns:r="http://schemas.openxmlformats.org/officeDocument/2006/relationships" xmlns:p="http://schemas.openxmlformats.org/presentationml/2006/main">
+  <p:cSld>
+    <p:bg>
+      <p:bgRef idx="1001">
+        <a:schemeClr val="bg1"/>
+      </p:bgRef>
+    </p:bg>
+    <p:spTree>
+      <p:nvGrpSpPr>
+        <p:cNvPr id="1" name=""/>
+        <p:cNvGrpSpPr/>
+        <p:nvPr/>
+      </p:nvGrpSpPr>
+      <p:grpSpPr>
+        <a:xfrm>
+          <a:off x="0" y="0"/>
+          <a:ext cx="0" cy="0"/>
+          <a:chOff x="0" y="0"/>
+          <a:chExt cx="0" cy="0"/>
+        </a:xfrm>
+      </p:grpSpPr>
+      <p:sp>
+        <p:nvSpPr>
+          <p:cNvPr id="2" name="Header Placeholder 1"/>
+          <p:cNvSpPr>
+            <a:spLocks noGrp="1"/>
+          </p:cNvSpPr>
+          <p:nvPr>
+            <p:ph type="hdr" sz="quarter"/>
+          </p:nvPr>
+        </p:nvSpPr>
+        <p:spPr>
+          <a:xfrm>
+            <a:off x="0" y="0"/>
+            <a:ext cx="2971800" cy="458788"/>
+          </a:xfrm>
+          <a:prstGeom prst="rect">
+            <a:avLst/>
+          </a:prstGeom>
+        </p:spPr>
+        <p:txBody>
+          <a:bodyPr vert="horz" lIns="91440" tIns="45720" rIns="91440" bIns="45720" rtlCol="0"/>
+          <a:lstStyle>
+            <a:lvl1pPr algn="l">
+              <a:defRPr sz="1200"/>
+            </a:lvl1pPr>
+          </a:lstStyle>
+          <a:p>
+            <a:endParaRPr lang="en-GB"/>
+          </a:p>
+        </p:txBody>
+      </p:sp>
+      <p:sp>
+        <p:nvSpPr>
+          <p:cNvPr id="3" name="Date Placeholder 2"/>
+          <p:cNvSpPr>
+            <a:spLocks noGrp="1"/>
+          </p:cNvSpPr>
+          <p:nvPr>
+            <p:ph type="dt" idx="1"/>
+          </p:nvPr>
+        </p:nvSpPr>
+        <p:spPr>
+          <a:xfrm>
+            <a:off x="3884613" y="0"/>
+            <a:ext cx="2971800" cy="458788"/>
+          </a:xfrm>
+          <a:prstGeom prst="rect">
+            <a:avLst/>
+          </a:prstGeom>
+        </p:spPr>
+        <p:txBody>
+          <a:bodyPr vert="horz" lIns="91440" tIns="45720" rIns="91440" bIns="45720" rtlCol="0"/>
+          <a:lstStyle>
+            <a:lvl1pPr algn="r">
+              <a:defRPr sz="1200"/>
+            </a:lvl1pPr>
+          </a:lstStyle>
+          <a:p>
+            <a:fld id="{C3E73E1A-6E0D-4AF6-A1BC-AACCC65B771B}" type="datetimeFigureOut">
+              <a:rPr lang="en-GB" smtClean="0"/>
+              <a:t>29/05/2023</a:t>
+            </a:fld>
+            <a:endParaRPr lang="en-GB"/>
+          </a:p>
+        </p:txBody>
+      </p:sp>
+      <p:sp>
+        <p:nvSpPr>
+          <p:cNvPr id="4" name="Slide Image Placeholder 3"/>
+          <p:cNvSpPr>
+            <a:spLocks noGrp="1" noRot="1" noChangeAspect="1"/>
+          </p:cNvSpPr>
+          <p:nvPr>
+            <p:ph type="sldImg" idx="2"/>
+          </p:nvPr>
+        </p:nvSpPr>
+        <p:spPr>
+          <a:xfrm>
+            <a:off x="685800" y="1143000"/>
+            <a:ext cx="5486400" cy="3086100"/>
+          </a:xfrm>
+          <a:prstGeom prst="rect">
+            <a:avLst/>
+          </a:prstGeom>
+          <a:noFill/>
+          <a:ln w="12700">
+            <a:solidFill>
+              <a:prstClr val="black"/>
+            </a:solidFill>
+          </a:ln>
+        </p:spPr>
+        <p:txBody>
+          <a:bodyPr vert="horz" lIns="91440" tIns="45720" rIns="91440" bIns="45720" rtlCol="0" anchor="ctr"/>
+          <a:lstStyle/>
+          <a:p>
+            <a:endParaRPr lang="en-GB"/>
+          </a:p>
+        </p:txBody>
+      </p:sp>
+      <p:sp>
+        <p:nvSpPr>
+          <p:cNvPr id="5" name="Notes Placeholder 4"/>
+          <p:cNvSpPr>
+            <a:spLocks noGrp="1"/>
+          </p:cNvSpPr>
+          <p:nvPr>
+            <p:ph type="body" sz="quarter" idx="3"/>
+          </p:nvPr>
+        </p:nvSpPr>
+        <p:spPr>
+          <a:xfrm>
+            <a:off x="685800" y="4400550"/>
+            <a:ext cx="5486400" cy="3600450"/>
+          </a:xfrm>
+          <a:prstGeom prst="rect">
+            <a:avLst/>
+          </a:prstGeom>
+        </p:spPr>
+        <p:txBody>
+          <a:bodyPr vert="horz" lIns="91440" tIns="45720" rIns="91440" bIns="45720" rtlCol="0"/>
+          <a:lstStyle/>
+          <a:p>
+            <a:pPr lvl="0"/>
+            <a:r>
+              <a:rPr lang="en-US"/>
+              <a:t>Click to edit Master text styles</a:t>
+            </a:r>
+          </a:p>
+          <a:p>
+            <a:pPr lvl="1"/>
+            <a:r>
+              <a:rPr lang="en-US"/>
+              <a:t>Second level</a:t>
+            </a:r>
+          </a:p>
+          <a:p>
+            <a:pPr lvl="2"/>
+            <a:r>
+              <a:rPr lang="en-US"/>
+              <a:t>Third level</a:t>
+            </a:r>
+          </a:p>
+          <a:p>
+            <a:pPr lvl="3"/>
+            <a:r>
+              <a:rPr lang="en-US"/>
+              <a:t>Fourth level</a:t>
+            </a:r>
+          </a:p>
+          <a:p>
+            <a:pPr lvl="4"/>
+            <a:r>
+              <a:rPr lang="en-US"/>
+              <a:t>Fifth level</a:t>
+            </a:r>
+            <a:endParaRPr lang="en-GB"/>
+          </a:p>
+        </p:txBody>
+      </p:sp>
+      <p:sp>
+        <p:nvSpPr>
+          <p:cNvPr id="6" name="Footer Placeholder 5"/>
+          <p:cNvSpPr>
+            <a:spLocks noGrp="1"/>
+          </p:cNvSpPr>
+          <p:nvPr>
+            <p:ph type="ftr" sz="quarter" idx="4"/>
+          </p:nvPr>
+        </p:nvSpPr>
+        <p:spPr>
+          <a:xfrm>
+            <a:off x="0" y="8685213"/>
+            <a:ext cx="2971800" cy="458787"/>
+          </a:xfrm>
+          <a:prstGeom prst="rect">
+            <a:avLst/>
+          </a:prstGeom>
+        </p:spPr>
+        <p:txBody>
+          <a:bodyPr vert="horz" lIns="91440" tIns="45720" rIns="91440" bIns="45720" rtlCol="0" anchor="b"/>
+          <a:lstStyle>
+            <a:lvl1pPr algn="l">
+              <a:defRPr sz="1200"/>
+            </a:lvl1pPr>
+          </a:lstStyle>
+          <a:p>
+            <a:endParaRPr lang="en-GB"/>
+          </a:p>
+        </p:txBody>
+      </p:sp>
+      <p:sp>
+        <p:nvSpPr>
+          <p:cNvPr id="7" name="Slide Number Placeholder 6"/>
+          <p:cNvSpPr>
+            <a:spLocks noGrp="1"/>
+          </p:cNvSpPr>
+          <p:nvPr>
+            <p:ph type="sldNum" sz="quarter" idx="5"/>
+          </p:nvPr>
+        </p:nvSpPr>
+        <p:spPr>
+          <a:xfrm>
+            <a:off x="3884613" y="8685213"/>
+            <a:ext cx="2971800" cy="458787"/>
+          </a:xfrm>
+          <a:prstGeom prst="rect">
+            <a:avLst/>
+          </a:prstGeom>
+        </p:spPr>
+        <p:txBody>
+          <a:bodyPr vert="horz" lIns="91440" tIns="45720" rIns="91440" bIns="45720" rtlCol="0" anchor="b"/>
+          <a:lstStyle>
+            <a:lvl1pPr algn="r">
+              <a:defRPr sz="1200"/>
+            </a:lvl1pPr>
+          </a:lstStyle>
+          <a:p>
+            <a:fld id="{02BDF569-F48B-4704-ADB2-54F694482806}" type="slidenum">
+              <a:rPr lang="en-GB" smtClean="0"/>
+              <a:t>‹#›</a:t>
+            </a:fld>
+            <a:endParaRPr lang="en-GB"/>
+          </a:p>
+        </p:txBody>
+      </p:sp>
+    </p:spTree>
+    <p:extLst>
+      <p:ext uri="{BB962C8B-B14F-4D97-AF65-F5344CB8AC3E}">
+        <p14:creationId xmlns:p14="http://schemas.microsoft.com/office/powerpoint/2010/main" val="2408106635"/>
+      </p:ext>
+    </p:extLst>
+  </p:cSld>
+  <p:clrMap bg1="lt1" tx1="dk1" bg2="lt2" tx2="dk2" accent1="accent1" accent2="accent2" accent3="accent3" accent4="accent4" accent5="accent5" accent6="accent6" hlink="hlink" folHlink="folHlink"/>
+  <p:notesStyle>
+    <a:lvl1pPr marL="0" algn="l" defTabSz="914400" rtl="0" eaLnBrk="1" latinLnBrk="0" hangingPunct="1">
+      <a:defRPr sz="1200" kern="1200">
+        <a:solidFill>
+          <a:schemeClr val="tx1"/>
+        </a:solidFill>
+        <a:latin typeface="+mn-lt"/>
+        <a:ea typeface="+mn-ea"/>
+        <a:cs typeface="+mn-cs"/>
+      </a:defRPr>
+    </a:lvl1pPr>
+    <a:lvl2pPr marL="457200" algn="l" defTabSz="914400" rtl="0" eaLnBrk="1" latinLnBrk="0" hangingPunct="1">
+      <a:defRPr sz="1200" kern="1200">
+        <a:solidFill>
+          <a:schemeClr val="tx1"/>
+        </a:solidFill>
+        <a:latin typeface="+mn-lt"/>
+        <a:ea typeface="+mn-ea"/>
+        <a:cs typeface="+mn-cs"/>
+      </a:defRPr>
+    </a:lvl2pPr>
+    <a:lvl3pPr marL="914400" algn="l" defTabSz="914400" rtl="0" eaLnBrk="1" latinLnBrk="0" hangingPunct="1">
+      <a:defRPr sz="1200" kern="1200">
+        <a:solidFill>
+          <a:schemeClr val="tx1"/>
+        </a:solidFill>
+        <a:latin typeface="+mn-lt"/>
+        <a:ea typeface="+mn-ea"/>
+        <a:cs typeface="+mn-cs"/>
+      </a:defRPr>
+    </a:lvl3pPr>
+    <a:lvl4pPr marL="1371600" algn="l" defTabSz="914400" rtl="0" eaLnBrk="1" latinLnBrk="0" hangingPunct="1">
+      <a:defRPr sz="1200" kern="1200">
+        <a:solidFill>
+          <a:schemeClr val="tx1"/>
+        </a:solidFill>
+        <a:latin typeface="+mn-lt"/>
+        <a:ea typeface="+mn-ea"/>
+        <a:cs typeface="+mn-cs"/>
+      </a:defRPr>
+    </a:lvl4pPr>
+    <a:lvl5pPr marL="1828800" algn="l" defTabSz="914400" rtl="0" eaLnBrk="1" latinLnBrk="0" hangingPunct="1">
+      <a:defRPr sz="1200" kern="1200">
+        <a:solidFill>
+          <a:schemeClr val="tx1"/>
+        </a:solidFill>
+        <a:latin typeface="+mn-lt"/>
+        <a:ea typeface="+mn-ea"/>
+        <a:cs typeface="+mn-cs"/>
+      </a:defRPr>
+    </a:lvl5pPr>
+    <a:lvl6pPr marL="2286000" algn="l" defTabSz="914400" rtl="0" eaLnBrk="1" latinLnBrk="0" hangingPunct="1">
+      <a:defRPr sz="1200" kern="1200">
+        <a:solidFill>
+          <a:schemeClr val="tx1"/>
+        </a:solidFill>
+        <a:latin typeface="+mn-lt"/>
+        <a:ea typeface="+mn-ea"/>
+        <a:cs typeface="+mn-cs"/>
+      </a:defRPr>
+    </a:lvl6pPr>
+    <a:lvl7pPr marL="2743200" algn="l" defTabSz="914400" rtl="0" eaLnBrk="1" latinLnBrk="0" hangingPunct="1">
+      <a:defRPr sz="1200" kern="1200">
+        <a:solidFill>
+          <a:schemeClr val="tx1"/>
+        </a:solidFill>
+        <a:latin typeface="+mn-lt"/>
+        <a:ea typeface="+mn-ea"/>
+        <a:cs typeface="+mn-cs"/>
+      </a:defRPr>
+    </a:lvl7pPr>
+    <a:lvl8pPr marL="3200400" algn="l" defTabSz="914400" rtl="0" eaLnBrk="1" latinLnBrk="0" hangingPunct="1">
+      <a:defRPr sz="1200" kern="1200">
+        <a:solidFill>
+          <a:schemeClr val="tx1"/>
+        </a:solidFill>
+        <a:latin typeface="+mn-lt"/>
+        <a:ea typeface="+mn-ea"/>
+        <a:cs typeface="+mn-cs"/>
+      </a:defRPr>
+    </a:lvl8pPr>
+    <a:lvl9pPr marL="3657600" algn="l" defTabSz="914400" rtl="0" eaLnBrk="1" latinLnBrk="0" hangingPunct="1">
+      <a:defRPr sz="1200" kern="1200">
+        <a:solidFill>
+          <a:schemeClr val="tx1"/>
+        </a:solidFill>
+        <a:latin typeface="+mn-lt"/>
+        <a:ea typeface="+mn-ea"/>
+        <a:cs typeface="+mn-cs"/>
+      </a:defRPr>
+    </a:lvl9pPr>
+  </p:notesStyle>
+</p:notesMaster>
+</file>
+
+<file path=ppt/notesSlides/notesSlide1.xml><?xml version="1.0" encoding="utf-8"?>
+<p:notes xmlns:a="http://schemas.openxmlformats.org/drawingml/2006/main" xmlns:r="http://schemas.openxmlformats.org/officeDocument/2006/relationships" xmlns:p="http://schemas.openxmlformats.org/presentationml/2006/main">
+  <p:cSld>
+    <p:spTree>
+      <p:nvGrpSpPr>
+        <p:cNvPr id="1" name=""/>
+        <p:cNvGrpSpPr/>
+        <p:nvPr/>
+      </p:nvGrpSpPr>
+      <p:grpSpPr>
+        <a:xfrm>
+          <a:off x="0" y="0"/>
+          <a:ext cx="0" cy="0"/>
+          <a:chOff x="0" y="0"/>
+          <a:chExt cx="0" cy="0"/>
+        </a:xfrm>
+      </p:grpSpPr>
+      <p:sp>
+        <p:nvSpPr>
+          <p:cNvPr id="2" name="Slide Image Placeholder 1"/>
+          <p:cNvSpPr>
+            <a:spLocks noGrp="1" noRot="1" noChangeAspect="1"/>
+          </p:cNvSpPr>
+          <p:nvPr>
+            <p:ph type="sldImg"/>
+          </p:nvPr>
+        </p:nvSpPr>
+        <p:spPr/>
+      </p:sp>
+      <p:sp>
+        <p:nvSpPr>
+          <p:cNvPr id="3" name="Notes Placeholder 2"/>
+          <p:cNvSpPr>
+            <a:spLocks noGrp="1"/>
+          </p:cNvSpPr>
+          <p:nvPr>
+            <p:ph type="body" idx="1"/>
+          </p:nvPr>
+        </p:nvSpPr>
+        <p:spPr/>
+        <p:txBody>
+          <a:bodyPr/>
+          <a:lstStyle/>
+          <a:p>
+            <a:r>
+              <a:rPr lang="en-GB" dirty="0"/>
+              <a:t>What are we going to cover today?</a:t>
+            </a:r>
+          </a:p>
+          <a:p>
+            <a:r>
+              <a:rPr lang="en-GB" dirty="0"/>
+              <a:t>[…]</a:t>
+            </a:r>
+          </a:p>
+        </p:txBody>
+      </p:sp>
+      <p:sp>
+        <p:nvSpPr>
+          <p:cNvPr id="4" name="Slide Number Placeholder 3"/>
+          <p:cNvSpPr>
+            <a:spLocks noGrp="1"/>
+          </p:cNvSpPr>
+          <p:nvPr>
+            <p:ph type="sldNum" sz="quarter" idx="5"/>
+          </p:nvPr>
+        </p:nvSpPr>
+        <p:spPr/>
+        <p:txBody>
+          <a:bodyPr/>
+          <a:lstStyle/>
+          <a:p>
+            <a:fld id="{02BDF569-F48B-4704-ADB2-54F694482806}" type="slidenum">
+              <a:rPr lang="en-GB" smtClean="0"/>
+              <a:t>2</a:t>
+            </a:fld>
+            <a:endParaRPr lang="en-GB"/>
+          </a:p>
+        </p:txBody>
+      </p:sp>
+    </p:spTree>
+    <p:extLst>
+      <p:ext uri="{BB962C8B-B14F-4D97-AF65-F5344CB8AC3E}">
+        <p14:creationId xmlns:p14="http://schemas.microsoft.com/office/powerpoint/2010/main" val="2249434951"/>
+      </p:ext>
+    </p:extLst>
+  </p:cSld>
+  <p:clrMapOvr>
+    <a:masterClrMapping/>
+  </p:clrMapOvr>
+</p:notes>
+</file>
+
+<file path=ppt/notesSlides/notesSlide10.xml><?xml version="1.0" encoding="utf-8"?>
+<p:notes xmlns:a="http://schemas.openxmlformats.org/drawingml/2006/main" xmlns:r="http://schemas.openxmlformats.org/officeDocument/2006/relationships" xmlns:p="http://schemas.openxmlformats.org/presentationml/2006/main">
+  <p:cSld>
+    <p:spTree>
+      <p:nvGrpSpPr>
+        <p:cNvPr id="1" name=""/>
+        <p:cNvGrpSpPr/>
+        <p:nvPr/>
+      </p:nvGrpSpPr>
+      <p:grpSpPr>
+        <a:xfrm>
+          <a:off x="0" y="0"/>
+          <a:ext cx="0" cy="0"/>
+          <a:chOff x="0" y="0"/>
+          <a:chExt cx="0" cy="0"/>
+        </a:xfrm>
+      </p:grpSpPr>
+      <p:sp>
+        <p:nvSpPr>
+          <p:cNvPr id="2" name="Slide Image Placeholder 1"/>
+          <p:cNvSpPr>
+            <a:spLocks noGrp="1" noRot="1" noChangeAspect="1"/>
+          </p:cNvSpPr>
+          <p:nvPr>
+            <p:ph type="sldImg"/>
+          </p:nvPr>
+        </p:nvSpPr>
+        <p:spPr/>
+      </p:sp>
+      <p:sp>
+        <p:nvSpPr>
+          <p:cNvPr id="3" name="Notes Placeholder 2"/>
+          <p:cNvSpPr>
+            <a:spLocks noGrp="1"/>
+          </p:cNvSpPr>
+          <p:nvPr>
+            <p:ph type="body" idx="1"/>
+          </p:nvPr>
+        </p:nvSpPr>
+        <p:spPr/>
+        <p:txBody>
+          <a:bodyPr/>
+          <a:lstStyle/>
+          <a:p>
+            <a:r>
+              <a:rPr lang="en-GB" dirty="0"/>
+              <a:t>Same approach as at first, but in ISO namespace…</a:t>
+            </a:r>
+          </a:p>
+        </p:txBody>
+      </p:sp>
+      <p:sp>
+        <p:nvSpPr>
+          <p:cNvPr id="4" name="Slide Number Placeholder 3"/>
+          <p:cNvSpPr>
+            <a:spLocks noGrp="1"/>
+          </p:cNvSpPr>
+          <p:nvPr>
+            <p:ph type="sldNum" sz="quarter" idx="5"/>
+          </p:nvPr>
+        </p:nvSpPr>
+        <p:spPr/>
+        <p:txBody>
+          <a:bodyPr/>
+          <a:lstStyle/>
+          <a:p>
+            <a:fld id="{02BDF569-F48B-4704-ADB2-54F694482806}" type="slidenum">
+              <a:rPr lang="en-GB" smtClean="0"/>
+              <a:t>14</a:t>
+            </a:fld>
+            <a:endParaRPr lang="en-GB"/>
+          </a:p>
+        </p:txBody>
+      </p:sp>
+    </p:spTree>
+    <p:extLst>
+      <p:ext uri="{BB962C8B-B14F-4D97-AF65-F5344CB8AC3E}">
+        <p14:creationId xmlns:p14="http://schemas.microsoft.com/office/powerpoint/2010/main" val="1985493438"/>
+      </p:ext>
+    </p:extLst>
+  </p:cSld>
+  <p:clrMapOvr>
+    <a:masterClrMapping/>
+  </p:clrMapOvr>
+</p:notes>
+</file>
+
+<file path=ppt/notesSlides/notesSlide11.xml><?xml version="1.0" encoding="utf-8"?>
+<p:notes xmlns:a="http://schemas.openxmlformats.org/drawingml/2006/main" xmlns:r="http://schemas.openxmlformats.org/officeDocument/2006/relationships" xmlns:p="http://schemas.openxmlformats.org/presentationml/2006/main">
+  <p:cSld>
+    <p:spTree>
+      <p:nvGrpSpPr>
+        <p:cNvPr id="1" name=""/>
+        <p:cNvGrpSpPr/>
+        <p:nvPr/>
+      </p:nvGrpSpPr>
+      <p:grpSpPr>
+        <a:xfrm>
+          <a:off x="0" y="0"/>
+          <a:ext cx="0" cy="0"/>
+          <a:chOff x="0" y="0"/>
+          <a:chExt cx="0" cy="0"/>
+        </a:xfrm>
+      </p:grpSpPr>
+      <p:sp>
+        <p:nvSpPr>
+          <p:cNvPr id="2" name="Slide Image Placeholder 1"/>
+          <p:cNvSpPr>
+            <a:spLocks noGrp="1" noRot="1" noChangeAspect="1"/>
+          </p:cNvSpPr>
+          <p:nvPr>
+            <p:ph type="sldImg"/>
+          </p:nvPr>
+        </p:nvSpPr>
+        <p:spPr/>
+      </p:sp>
+      <p:sp>
+        <p:nvSpPr>
+          <p:cNvPr id="3" name="Notes Placeholder 2"/>
+          <p:cNvSpPr>
+            <a:spLocks noGrp="1"/>
+          </p:cNvSpPr>
+          <p:nvPr>
+            <p:ph type="body" idx="1"/>
+          </p:nvPr>
+        </p:nvSpPr>
+        <p:spPr/>
+        <p:txBody>
+          <a:bodyPr/>
+          <a:lstStyle/>
+          <a:p>
+            <a:r>
+              <a:rPr lang="en-GB" dirty="0"/>
+              <a:t>Now SVRL appears, but still no pattern/rule handling, so no complete SVRL output.</a:t>
+            </a:r>
+          </a:p>
+        </p:txBody>
+      </p:sp>
+      <p:sp>
+        <p:nvSpPr>
+          <p:cNvPr id="4" name="Slide Number Placeholder 3"/>
+          <p:cNvSpPr>
+            <a:spLocks noGrp="1"/>
+          </p:cNvSpPr>
+          <p:nvPr>
+            <p:ph type="sldNum" sz="quarter" idx="5"/>
+          </p:nvPr>
+        </p:nvSpPr>
+        <p:spPr/>
+        <p:txBody>
+          <a:bodyPr/>
+          <a:lstStyle/>
+          <a:p>
+            <a:fld id="{02BDF569-F48B-4704-ADB2-54F694482806}" type="slidenum">
+              <a:rPr lang="en-GB" smtClean="0"/>
+              <a:t>15</a:t>
+            </a:fld>
+            <a:endParaRPr lang="en-GB"/>
+          </a:p>
+        </p:txBody>
+      </p:sp>
+    </p:spTree>
+    <p:extLst>
+      <p:ext uri="{BB962C8B-B14F-4D97-AF65-F5344CB8AC3E}">
+        <p14:creationId xmlns:p14="http://schemas.microsoft.com/office/powerpoint/2010/main" val="160635231"/>
+      </p:ext>
+    </p:extLst>
+  </p:cSld>
+  <p:clrMapOvr>
+    <a:masterClrMapping/>
+  </p:clrMapOvr>
+</p:notes>
+</file>
+
+<file path=ppt/notesSlides/notesSlide2.xml><?xml version="1.0" encoding="utf-8"?>
+<p:notes xmlns:a="http://schemas.openxmlformats.org/drawingml/2006/main" xmlns:r="http://schemas.openxmlformats.org/officeDocument/2006/relationships" xmlns:p="http://schemas.openxmlformats.org/presentationml/2006/main">
+  <p:cSld>
+    <p:spTree>
+      <p:nvGrpSpPr>
+        <p:cNvPr id="1" name=""/>
+        <p:cNvGrpSpPr/>
+        <p:nvPr/>
+      </p:nvGrpSpPr>
+      <p:grpSpPr>
+        <a:xfrm>
+          <a:off x="0" y="0"/>
+          <a:ext cx="0" cy="0"/>
+          <a:chOff x="0" y="0"/>
+          <a:chExt cx="0" cy="0"/>
+        </a:xfrm>
+      </p:grpSpPr>
+      <p:sp>
+        <p:nvSpPr>
+          <p:cNvPr id="2" name="Slide Image Placeholder 1"/>
+          <p:cNvSpPr>
+            <a:spLocks noGrp="1" noRot="1" noChangeAspect="1"/>
+          </p:cNvSpPr>
+          <p:nvPr>
+            <p:ph type="sldImg"/>
+          </p:nvPr>
+        </p:nvSpPr>
+        <p:spPr/>
+      </p:sp>
+      <p:sp>
+        <p:nvSpPr>
+          <p:cNvPr id="3" name="Notes Placeholder 2"/>
+          <p:cNvSpPr>
+            <a:spLocks noGrp="1"/>
+          </p:cNvSpPr>
+          <p:nvPr>
+            <p:ph type="body" idx="1"/>
+          </p:nvPr>
+        </p:nvSpPr>
+        <p:spPr/>
+        <p:txBody>
+          <a:bodyPr/>
+          <a:lstStyle/>
+          <a:p>
+            <a:r>
+              <a:rPr lang="en-GB" dirty="0"/>
+              <a:t>First, a little about me.</a:t>
+            </a:r>
+          </a:p>
+        </p:txBody>
+      </p:sp>
+      <p:sp>
+        <p:nvSpPr>
+          <p:cNvPr id="4" name="Slide Number Placeholder 3"/>
+          <p:cNvSpPr>
+            <a:spLocks noGrp="1"/>
+          </p:cNvSpPr>
+          <p:nvPr>
+            <p:ph type="sldNum" sz="quarter" idx="5"/>
+          </p:nvPr>
+        </p:nvSpPr>
+        <p:spPr/>
+        <p:txBody>
+          <a:bodyPr/>
+          <a:lstStyle/>
+          <a:p>
+            <a:fld id="{02BDF569-F48B-4704-ADB2-54F694482806}" type="slidenum">
+              <a:rPr lang="en-GB" smtClean="0"/>
+              <a:t>3</a:t>
+            </a:fld>
+            <a:endParaRPr lang="en-GB"/>
+          </a:p>
+        </p:txBody>
+      </p:sp>
+    </p:spTree>
+    <p:extLst>
+      <p:ext uri="{BB962C8B-B14F-4D97-AF65-F5344CB8AC3E}">
+        <p14:creationId xmlns:p14="http://schemas.microsoft.com/office/powerpoint/2010/main" val="2910926179"/>
+      </p:ext>
+    </p:extLst>
+  </p:cSld>
+  <p:clrMapOvr>
+    <a:masterClrMapping/>
+  </p:clrMapOvr>
+</p:notes>
+</file>
+
+<file path=ppt/notesSlides/notesSlide3.xml><?xml version="1.0" encoding="utf-8"?>
+<p:notes xmlns:a="http://schemas.openxmlformats.org/drawingml/2006/main" xmlns:r="http://schemas.openxmlformats.org/officeDocument/2006/relationships" xmlns:p="http://schemas.openxmlformats.org/presentationml/2006/main">
+  <p:cSld>
+    <p:spTree>
+      <p:nvGrpSpPr>
+        <p:cNvPr id="1" name=""/>
+        <p:cNvGrpSpPr/>
+        <p:nvPr/>
+      </p:nvGrpSpPr>
+      <p:grpSpPr>
+        <a:xfrm>
+          <a:off x="0" y="0"/>
+          <a:ext cx="0" cy="0"/>
+          <a:chOff x="0" y="0"/>
+          <a:chExt cx="0" cy="0"/>
+        </a:xfrm>
+      </p:grpSpPr>
+      <p:sp>
+        <p:nvSpPr>
+          <p:cNvPr id="2" name="Slide Image Placeholder 1"/>
+          <p:cNvSpPr>
+            <a:spLocks noGrp="1" noRot="1" noChangeAspect="1"/>
+          </p:cNvSpPr>
+          <p:nvPr>
+            <p:ph type="sldImg"/>
+          </p:nvPr>
+        </p:nvSpPr>
+        <p:spPr/>
+      </p:sp>
+      <p:sp>
+        <p:nvSpPr>
+          <p:cNvPr id="3" name="Notes Placeholder 2"/>
+          <p:cNvSpPr>
+            <a:spLocks noGrp="1"/>
+          </p:cNvSpPr>
+          <p:nvPr>
+            <p:ph type="body" idx="1"/>
+          </p:nvPr>
+        </p:nvSpPr>
+        <p:spPr/>
+        <p:txBody>
+          <a:bodyPr/>
+          <a:lstStyle/>
+          <a:p>
+            <a:r>
+              <a:rPr lang="en-GB" dirty="0"/>
+              <a:t>Acronym stands for </a:t>
+            </a:r>
+            <a:r>
+              <a:rPr lang="en-GB" dirty="0" err="1"/>
+              <a:t>Xquery</a:t>
+            </a:r>
+            <a:r>
+              <a:rPr lang="en-GB" dirty="0"/>
+              <a:t> for </a:t>
+            </a:r>
+            <a:r>
+              <a:rPr lang="en-GB" dirty="0" err="1"/>
+              <a:t>Schematron</a:t>
+            </a:r>
+            <a:endParaRPr lang="en-GB" dirty="0"/>
+          </a:p>
+          <a:p>
+            <a:r>
+              <a:rPr lang="en-GB" dirty="0"/>
+              <a:t>But pronounced “excuse”</a:t>
+            </a:r>
+          </a:p>
+        </p:txBody>
+      </p:sp>
+      <p:sp>
+        <p:nvSpPr>
+          <p:cNvPr id="4" name="Slide Number Placeholder 3"/>
+          <p:cNvSpPr>
+            <a:spLocks noGrp="1"/>
+          </p:cNvSpPr>
+          <p:nvPr>
+            <p:ph type="sldNum" sz="quarter" idx="5"/>
+          </p:nvPr>
+        </p:nvSpPr>
+        <p:spPr/>
+        <p:txBody>
+          <a:bodyPr/>
+          <a:lstStyle/>
+          <a:p>
+            <a:fld id="{02BDF569-F48B-4704-ADB2-54F694482806}" type="slidenum">
+              <a:rPr lang="en-GB" smtClean="0"/>
+              <a:t>4</a:t>
+            </a:fld>
+            <a:endParaRPr lang="en-GB"/>
+          </a:p>
+        </p:txBody>
+      </p:sp>
+    </p:spTree>
+    <p:extLst>
+      <p:ext uri="{BB962C8B-B14F-4D97-AF65-F5344CB8AC3E}">
+        <p14:creationId xmlns:p14="http://schemas.microsoft.com/office/powerpoint/2010/main" val="3283317430"/>
+      </p:ext>
+    </p:extLst>
+  </p:cSld>
+  <p:clrMapOvr>
+    <a:masterClrMapping/>
+  </p:clrMapOvr>
+</p:notes>
+</file>
+
+<file path=ppt/notesSlides/notesSlide4.xml><?xml version="1.0" encoding="utf-8"?>
+<p:notes xmlns:a="http://schemas.openxmlformats.org/drawingml/2006/main" xmlns:r="http://schemas.openxmlformats.org/officeDocument/2006/relationships" xmlns:p="http://schemas.openxmlformats.org/presentationml/2006/main">
+  <p:cSld>
+    <p:spTree>
+      <p:nvGrpSpPr>
+        <p:cNvPr id="1" name=""/>
+        <p:cNvGrpSpPr/>
+        <p:nvPr/>
+      </p:nvGrpSpPr>
+      <p:grpSpPr>
+        <a:xfrm>
+          <a:off x="0" y="0"/>
+          <a:ext cx="0" cy="0"/>
+          <a:chOff x="0" y="0"/>
+          <a:chExt cx="0" cy="0"/>
+        </a:xfrm>
+      </p:grpSpPr>
+      <p:sp>
+        <p:nvSpPr>
+          <p:cNvPr id="2" name="Slide Image Placeholder 1"/>
+          <p:cNvSpPr>
+            <a:spLocks noGrp="1" noRot="1" noChangeAspect="1"/>
+          </p:cNvSpPr>
+          <p:nvPr>
+            <p:ph type="sldImg"/>
+          </p:nvPr>
+        </p:nvSpPr>
+        <p:spPr/>
+      </p:sp>
+      <p:sp>
+        <p:nvSpPr>
+          <p:cNvPr id="3" name="Notes Placeholder 2"/>
+          <p:cNvSpPr>
+            <a:spLocks noGrp="1"/>
+          </p:cNvSpPr>
+          <p:nvPr>
+            <p:ph type="body" idx="1"/>
+          </p:nvPr>
+        </p:nvSpPr>
+        <p:spPr/>
+        <p:txBody>
+          <a:bodyPr/>
+          <a:lstStyle/>
+          <a:p>
+            <a:r>
+              <a:rPr lang="en-GB" dirty="0"/>
+              <a:t>Where did the motivation come from?</a:t>
+            </a:r>
+          </a:p>
+          <a:p>
+            <a:pPr marL="171450" indent="-171450">
+              <a:buFontTx/>
+              <a:buChar char="-"/>
+            </a:pPr>
+            <a:r>
+              <a:rPr lang="en-GB" dirty="0"/>
+              <a:t>ISO approved revision in Sep ’22</a:t>
+            </a:r>
+          </a:p>
+          <a:p>
+            <a:pPr marL="171450" indent="-171450">
+              <a:buFontTx/>
+              <a:buChar char="-"/>
+            </a:pPr>
+            <a:r>
+              <a:rPr lang="en-GB" dirty="0"/>
+              <a:t>No ref </a:t>
+            </a:r>
+            <a:r>
+              <a:rPr lang="en-GB" dirty="0" err="1"/>
+              <a:t>impl</a:t>
+            </a:r>
+            <a:r>
+              <a:rPr lang="en-GB" dirty="0"/>
+              <a:t> required by ISO, but having another makes sense, in particular in a different language</a:t>
+            </a:r>
+          </a:p>
+          <a:p>
+            <a:pPr marL="171450" indent="-171450">
+              <a:buFontTx/>
+              <a:buChar char="-"/>
+            </a:pPr>
+            <a:r>
+              <a:rPr lang="en-GB" dirty="0" err="1"/>
+              <a:t>Xquery</a:t>
+            </a:r>
+            <a:r>
+              <a:rPr lang="en-GB" dirty="0"/>
+              <a:t> is the obvious choice: query language binding specified but not defined</a:t>
+            </a:r>
+          </a:p>
+          <a:p>
+            <a:pPr marL="171450" indent="-171450">
+              <a:buFontTx/>
+              <a:buChar char="-"/>
+            </a:pPr>
+            <a:r>
+              <a:rPr lang="en-GB" dirty="0"/>
+              <a:t>Hope to learn better what that QLB should look like by doing this!</a:t>
+            </a:r>
+          </a:p>
+          <a:p>
+            <a:pPr marL="171450" indent="-171450">
+              <a:buFontTx/>
+              <a:buChar char="-"/>
+            </a:pPr>
+            <a:r>
+              <a:rPr lang="en-GB" dirty="0"/>
+              <a:t>Appeal of rapid dev – concise &amp; declarative syntax</a:t>
+            </a:r>
+          </a:p>
+          <a:p>
+            <a:pPr marL="171450" indent="-171450">
+              <a:buFontTx/>
+              <a:buChar char="-"/>
+            </a:pPr>
+            <a:r>
+              <a:rPr lang="en-GB" dirty="0"/>
+              <a:t>Have urged community to produce more </a:t>
+            </a:r>
+            <a:r>
+              <a:rPr lang="en-GB" dirty="0" err="1"/>
+              <a:t>impls</a:t>
+            </a:r>
+            <a:r>
+              <a:rPr lang="en-GB" dirty="0"/>
+              <a:t> -- time to step up myself</a:t>
+            </a:r>
+          </a:p>
+          <a:p>
+            <a:pPr marL="171450" indent="-171450">
+              <a:buFontTx/>
+              <a:buChar char="-"/>
+            </a:pPr>
+            <a:r>
+              <a:rPr lang="en-GB" dirty="0"/>
+              <a:t>End user: integration into </a:t>
+            </a:r>
+            <a:r>
+              <a:rPr lang="en-GB" dirty="0" err="1"/>
+              <a:t>Xquery</a:t>
+            </a:r>
+            <a:r>
+              <a:rPr lang="en-GB" dirty="0"/>
+              <a:t>-based system/workflow</a:t>
+            </a:r>
+          </a:p>
+        </p:txBody>
+      </p:sp>
+      <p:sp>
+        <p:nvSpPr>
+          <p:cNvPr id="4" name="Slide Number Placeholder 3"/>
+          <p:cNvSpPr>
+            <a:spLocks noGrp="1"/>
+          </p:cNvSpPr>
+          <p:nvPr>
+            <p:ph type="sldNum" sz="quarter" idx="5"/>
+          </p:nvPr>
+        </p:nvSpPr>
+        <p:spPr/>
+        <p:txBody>
+          <a:bodyPr/>
+          <a:lstStyle/>
+          <a:p>
+            <a:fld id="{02BDF569-F48B-4704-ADB2-54F694482806}" type="slidenum">
+              <a:rPr lang="en-GB" smtClean="0"/>
+              <a:t>5</a:t>
+            </a:fld>
+            <a:endParaRPr lang="en-GB"/>
+          </a:p>
+        </p:txBody>
+      </p:sp>
+    </p:spTree>
+    <p:extLst>
+      <p:ext uri="{BB962C8B-B14F-4D97-AF65-F5344CB8AC3E}">
+        <p14:creationId xmlns:p14="http://schemas.microsoft.com/office/powerpoint/2010/main" val="319828983"/>
+      </p:ext>
+    </p:extLst>
+  </p:cSld>
+  <p:clrMapOvr>
+    <a:masterClrMapping/>
+  </p:clrMapOvr>
+</p:notes>
+</file>
+
+<file path=ppt/notesSlides/notesSlide5.xml><?xml version="1.0" encoding="utf-8"?>
+<p:notes xmlns:a="http://schemas.openxmlformats.org/drawingml/2006/main" xmlns:r="http://schemas.openxmlformats.org/officeDocument/2006/relationships" xmlns:p="http://schemas.openxmlformats.org/presentationml/2006/main">
+  <p:cSld>
+    <p:spTree>
+      <p:nvGrpSpPr>
+        <p:cNvPr id="1" name=""/>
+        <p:cNvGrpSpPr/>
+        <p:nvPr/>
+      </p:nvGrpSpPr>
+      <p:grpSpPr>
+        <a:xfrm>
+          <a:off x="0" y="0"/>
+          <a:ext cx="0" cy="0"/>
+          <a:chOff x="0" y="0"/>
+          <a:chExt cx="0" cy="0"/>
+        </a:xfrm>
+      </p:grpSpPr>
+      <p:sp>
+        <p:nvSpPr>
+          <p:cNvPr id="2" name="Slide Image Placeholder 1"/>
+          <p:cNvSpPr>
+            <a:spLocks noGrp="1" noRot="1" noChangeAspect="1"/>
+          </p:cNvSpPr>
+          <p:nvPr>
+            <p:ph type="sldImg"/>
+          </p:nvPr>
+        </p:nvSpPr>
+        <p:spPr/>
+      </p:sp>
+      <p:sp>
+        <p:nvSpPr>
+          <p:cNvPr id="3" name="Notes Placeholder 2"/>
+          <p:cNvSpPr>
+            <a:spLocks noGrp="1"/>
+          </p:cNvSpPr>
+          <p:nvPr>
+            <p:ph type="body" idx="1"/>
+          </p:nvPr>
+        </p:nvSpPr>
+        <p:spPr/>
+        <p:txBody>
+          <a:bodyPr/>
+          <a:lstStyle/>
+          <a:p>
+            <a:pPr marL="171450" indent="-171450">
+              <a:buFontTx/>
+              <a:buChar char="-"/>
+            </a:pPr>
+            <a:r>
+              <a:rPr lang="en-GB" dirty="0"/>
+              <a:t>Conformance over performance: this is where the </a:t>
+            </a:r>
+            <a:r>
+              <a:rPr lang="en-GB" dirty="0" err="1"/>
+              <a:t>impl</a:t>
+            </a:r>
+            <a:r>
+              <a:rPr lang="en-GB" dirty="0"/>
+              <a:t> is not just native, but </a:t>
+            </a:r>
+            <a:r>
+              <a:rPr lang="en-GB" i="1" dirty="0"/>
+              <a:t>naïve</a:t>
+            </a:r>
+            <a:r>
+              <a:rPr lang="en-GB" i="0" dirty="0"/>
+              <a:t> </a:t>
+            </a:r>
+            <a:r>
+              <a:rPr lang="en-GB" i="0" dirty="0" err="1"/>
+              <a:t>Xquery</a:t>
+            </a:r>
+            <a:endParaRPr lang="en-GB" i="0" dirty="0"/>
+          </a:p>
+          <a:p>
+            <a:pPr marL="171450" indent="-171450">
+              <a:buFontTx/>
+              <a:buChar char="-"/>
+            </a:pPr>
+            <a:r>
+              <a:rPr lang="en-GB" i="0" dirty="0"/>
+              <a:t>“Dynamic evaluation” – come back to that in a moment</a:t>
+            </a:r>
+          </a:p>
+          <a:p>
+            <a:pPr marL="171450" indent="-171450">
+              <a:buFontTx/>
+              <a:buChar char="-"/>
+            </a:pPr>
+            <a:r>
+              <a:rPr lang="en-GB" i="0" dirty="0"/>
+              <a:t>“Compiled” schemas produced by this software to be portable between engines as far as </a:t>
+            </a:r>
+            <a:r>
+              <a:rPr lang="en-GB" i="0" dirty="0" err="1"/>
+              <a:t>poss</a:t>
+            </a:r>
+            <a:endParaRPr lang="en-GB" i="0" dirty="0"/>
+          </a:p>
+          <a:p>
+            <a:pPr marL="171450" indent="-171450">
+              <a:buFontTx/>
+              <a:buChar char="-"/>
+            </a:pPr>
+            <a:r>
+              <a:rPr lang="en-GB" i="0" dirty="0"/>
+              <a:t>Although not mandated by the standard, SVRL output</a:t>
+            </a:r>
+            <a:endParaRPr lang="en-GB" dirty="0"/>
+          </a:p>
+          <a:p>
+            <a:pPr marL="171450" indent="-171450">
+              <a:buFontTx/>
+              <a:buChar char="-"/>
+            </a:pPr>
+            <a:endParaRPr lang="en-GB" dirty="0"/>
+          </a:p>
+        </p:txBody>
+      </p:sp>
+      <p:sp>
+        <p:nvSpPr>
+          <p:cNvPr id="4" name="Slide Number Placeholder 3"/>
+          <p:cNvSpPr>
+            <a:spLocks noGrp="1"/>
+          </p:cNvSpPr>
+          <p:nvPr>
+            <p:ph type="sldNum" sz="quarter" idx="5"/>
+          </p:nvPr>
+        </p:nvSpPr>
+        <p:spPr/>
+        <p:txBody>
+          <a:bodyPr/>
+          <a:lstStyle/>
+          <a:p>
+            <a:fld id="{02BDF569-F48B-4704-ADB2-54F694482806}" type="slidenum">
+              <a:rPr lang="en-GB" smtClean="0"/>
+              <a:t>6</a:t>
+            </a:fld>
+            <a:endParaRPr lang="en-GB"/>
+          </a:p>
+        </p:txBody>
+      </p:sp>
+    </p:spTree>
+    <p:extLst>
+      <p:ext uri="{BB962C8B-B14F-4D97-AF65-F5344CB8AC3E}">
+        <p14:creationId xmlns:p14="http://schemas.microsoft.com/office/powerpoint/2010/main" val="3370639080"/>
+      </p:ext>
+    </p:extLst>
+  </p:cSld>
+  <p:clrMapOvr>
+    <a:masterClrMapping/>
+  </p:clrMapOvr>
+</p:notes>
+</file>
+
+<file path=ppt/notesSlides/notesSlide6.xml><?xml version="1.0" encoding="utf-8"?>
+<p:notes xmlns:a="http://schemas.openxmlformats.org/drawingml/2006/main" xmlns:r="http://schemas.openxmlformats.org/officeDocument/2006/relationships" xmlns:p="http://schemas.openxmlformats.org/presentationml/2006/main">
+  <p:cSld>
+    <p:spTree>
+      <p:nvGrpSpPr>
+        <p:cNvPr id="1" name=""/>
+        <p:cNvGrpSpPr/>
+        <p:nvPr/>
+      </p:nvGrpSpPr>
+      <p:grpSpPr>
+        <a:xfrm>
+          <a:off x="0" y="0"/>
+          <a:ext cx="0" cy="0"/>
+          <a:chOff x="0" y="0"/>
+          <a:chExt cx="0" cy="0"/>
+        </a:xfrm>
+      </p:grpSpPr>
+      <p:sp>
+        <p:nvSpPr>
+          <p:cNvPr id="2" name="Slide Image Placeholder 1"/>
+          <p:cNvSpPr>
+            <a:spLocks noGrp="1" noRot="1" noChangeAspect="1"/>
+          </p:cNvSpPr>
+          <p:nvPr>
+            <p:ph type="sldImg"/>
+          </p:nvPr>
+        </p:nvSpPr>
+        <p:spPr/>
+      </p:sp>
+      <p:sp>
+        <p:nvSpPr>
+          <p:cNvPr id="3" name="Notes Placeholder 2"/>
+          <p:cNvSpPr>
+            <a:spLocks noGrp="1"/>
+          </p:cNvSpPr>
+          <p:nvPr>
+            <p:ph type="body" idx="1"/>
+          </p:nvPr>
+        </p:nvSpPr>
+        <p:spPr/>
+        <p:txBody>
+          <a:bodyPr/>
+          <a:lstStyle/>
+          <a:p>
+            <a:r>
+              <a:rPr lang="en-GB" dirty="0"/>
+              <a:t>- Re dynamic evaluation, this is what the processing model looks like for e.g. XSLT </a:t>
+            </a:r>
+            <a:r>
+              <a:rPr lang="en-GB" dirty="0" err="1"/>
+              <a:t>impls</a:t>
+            </a:r>
+            <a:endParaRPr lang="en-GB" dirty="0"/>
+          </a:p>
+        </p:txBody>
+      </p:sp>
+      <p:sp>
+        <p:nvSpPr>
+          <p:cNvPr id="4" name="Slide Number Placeholder 3"/>
+          <p:cNvSpPr>
+            <a:spLocks noGrp="1"/>
+          </p:cNvSpPr>
+          <p:nvPr>
+            <p:ph type="sldNum" sz="quarter" idx="5"/>
+          </p:nvPr>
+        </p:nvSpPr>
+        <p:spPr/>
+        <p:txBody>
+          <a:bodyPr/>
+          <a:lstStyle/>
+          <a:p>
+            <a:fld id="{02BDF569-F48B-4704-ADB2-54F694482806}" type="slidenum">
+              <a:rPr lang="en-GB" smtClean="0"/>
+              <a:t>7</a:t>
+            </a:fld>
+            <a:endParaRPr lang="en-GB"/>
+          </a:p>
+        </p:txBody>
+      </p:sp>
+    </p:spTree>
+    <p:extLst>
+      <p:ext uri="{BB962C8B-B14F-4D97-AF65-F5344CB8AC3E}">
+        <p14:creationId xmlns:p14="http://schemas.microsoft.com/office/powerpoint/2010/main" val="2074892177"/>
+      </p:ext>
+    </p:extLst>
+  </p:cSld>
+  <p:clrMapOvr>
+    <a:masterClrMapping/>
+  </p:clrMapOvr>
+</p:notes>
+</file>
+
+<file path=ppt/notesSlides/notesSlide7.xml><?xml version="1.0" encoding="utf-8"?>
+<p:notes xmlns:a="http://schemas.openxmlformats.org/drawingml/2006/main" xmlns:r="http://schemas.openxmlformats.org/officeDocument/2006/relationships" xmlns:p="http://schemas.openxmlformats.org/presentationml/2006/main">
+  <p:cSld>
+    <p:spTree>
+      <p:nvGrpSpPr>
+        <p:cNvPr id="1" name=""/>
+        <p:cNvGrpSpPr/>
+        <p:nvPr/>
+      </p:nvGrpSpPr>
+      <p:grpSpPr>
+        <a:xfrm>
+          <a:off x="0" y="0"/>
+          <a:ext cx="0" cy="0"/>
+          <a:chOff x="0" y="0"/>
+          <a:chExt cx="0" cy="0"/>
+        </a:xfrm>
+      </p:grpSpPr>
+      <p:sp>
+        <p:nvSpPr>
+          <p:cNvPr id="2" name="Slide Image Placeholder 1"/>
+          <p:cNvSpPr>
+            <a:spLocks noGrp="1" noRot="1" noChangeAspect="1"/>
+          </p:cNvSpPr>
+          <p:nvPr>
+            <p:ph type="sldImg"/>
+          </p:nvPr>
+        </p:nvSpPr>
+        <p:spPr/>
+      </p:sp>
+      <p:sp>
+        <p:nvSpPr>
+          <p:cNvPr id="3" name="Notes Placeholder 2"/>
+          <p:cNvSpPr>
+            <a:spLocks noGrp="1"/>
+          </p:cNvSpPr>
+          <p:nvPr>
+            <p:ph type="body" idx="1"/>
+          </p:nvPr>
+        </p:nvSpPr>
+        <p:spPr/>
+        <p:txBody>
+          <a:bodyPr/>
+          <a:lstStyle/>
+          <a:p>
+            <a:pPr marL="171450" indent="-171450">
+              <a:buFontTx/>
+              <a:buChar char="-"/>
+            </a:pPr>
+            <a:r>
+              <a:rPr lang="en-GB" dirty="0"/>
+              <a:t>Pre-processing steps still in place, but no compilation step</a:t>
+            </a:r>
+          </a:p>
+          <a:p>
+            <a:pPr marL="171450" indent="-171450">
+              <a:buFontTx/>
+              <a:buChar char="-"/>
+            </a:pPr>
+            <a:r>
+              <a:rPr lang="en-GB" dirty="0"/>
+              <a:t>Q. Why? A. no absolute need for compile step, so curious what it would through up doing it this way; also: previous experience of </a:t>
+            </a:r>
+            <a:r>
+              <a:rPr lang="en-GB" dirty="0" err="1"/>
+              <a:t>XMLProbe</a:t>
+            </a:r>
+            <a:r>
+              <a:rPr lang="en-GB" dirty="0"/>
+              <a:t>/</a:t>
+            </a:r>
+            <a:r>
+              <a:rPr lang="en-GB" dirty="0" err="1"/>
+              <a:t>Probatron</a:t>
+            </a:r>
+            <a:r>
+              <a:rPr lang="en-GB" dirty="0"/>
+              <a:t> (XPath </a:t>
+            </a:r>
+            <a:r>
+              <a:rPr lang="en-GB" dirty="0" err="1"/>
+              <a:t>impl</a:t>
+            </a:r>
+            <a:r>
+              <a:rPr lang="en-GB" dirty="0"/>
+              <a:t>)</a:t>
+            </a:r>
+          </a:p>
+        </p:txBody>
+      </p:sp>
+      <p:sp>
+        <p:nvSpPr>
+          <p:cNvPr id="4" name="Slide Number Placeholder 3"/>
+          <p:cNvSpPr>
+            <a:spLocks noGrp="1"/>
+          </p:cNvSpPr>
+          <p:nvPr>
+            <p:ph type="sldNum" sz="quarter" idx="5"/>
+          </p:nvPr>
+        </p:nvSpPr>
+        <p:spPr/>
+        <p:txBody>
+          <a:bodyPr/>
+          <a:lstStyle/>
+          <a:p>
+            <a:fld id="{02BDF569-F48B-4704-ADB2-54F694482806}" type="slidenum">
+              <a:rPr lang="en-GB" smtClean="0"/>
+              <a:t>8</a:t>
+            </a:fld>
+            <a:endParaRPr lang="en-GB"/>
+          </a:p>
+        </p:txBody>
+      </p:sp>
+    </p:spTree>
+    <p:extLst>
+      <p:ext uri="{BB962C8B-B14F-4D97-AF65-F5344CB8AC3E}">
+        <p14:creationId xmlns:p14="http://schemas.microsoft.com/office/powerpoint/2010/main" val="3044856684"/>
+      </p:ext>
+    </p:extLst>
+  </p:cSld>
+  <p:clrMapOvr>
+    <a:masterClrMapping/>
+  </p:clrMapOvr>
+</p:notes>
+</file>
+
+<file path=ppt/notesSlides/notesSlide8.xml><?xml version="1.0" encoding="utf-8"?>
+<p:notes xmlns:a="http://schemas.openxmlformats.org/drawingml/2006/main" xmlns:r="http://schemas.openxmlformats.org/officeDocument/2006/relationships" xmlns:p="http://schemas.openxmlformats.org/presentationml/2006/main">
+  <p:cSld>
+    <p:spTree>
+      <p:nvGrpSpPr>
+        <p:cNvPr id="1" name=""/>
+        <p:cNvGrpSpPr/>
+        <p:nvPr/>
+      </p:nvGrpSpPr>
+      <p:grpSpPr>
+        <a:xfrm>
+          <a:off x="0" y="0"/>
+          <a:ext cx="0" cy="0"/>
+          <a:chOff x="0" y="0"/>
+          <a:chExt cx="0" cy="0"/>
+        </a:xfrm>
+      </p:grpSpPr>
+      <p:sp>
+        <p:nvSpPr>
+          <p:cNvPr id="2" name="Slide Image Placeholder 1"/>
+          <p:cNvSpPr>
+            <a:spLocks noGrp="1" noRot="1" noChangeAspect="1"/>
+          </p:cNvSpPr>
+          <p:nvPr>
+            <p:ph type="sldImg"/>
+          </p:nvPr>
+        </p:nvSpPr>
+        <p:spPr/>
+      </p:sp>
+      <p:sp>
+        <p:nvSpPr>
+          <p:cNvPr id="3" name="Notes Placeholder 2"/>
+          <p:cNvSpPr>
+            <a:spLocks noGrp="1"/>
+          </p:cNvSpPr>
+          <p:nvPr>
+            <p:ph type="body" idx="1"/>
+          </p:nvPr>
+        </p:nvSpPr>
+        <p:spPr/>
+        <p:txBody>
+          <a:bodyPr/>
+          <a:lstStyle/>
+          <a:p>
+            <a:r>
+              <a:rPr lang="en-GB" dirty="0"/>
+              <a:t>Joking aside: this isn’t a conference about AI, but let’s see what it said.</a:t>
+            </a:r>
+          </a:p>
+          <a:p>
+            <a:endParaRPr lang="en-GB" dirty="0"/>
+          </a:p>
+          <a:p>
+            <a:r>
+              <a:rPr lang="en-GB" dirty="0"/>
+              <a:t>First question.</a:t>
+            </a:r>
+          </a:p>
+          <a:p>
+            <a:r>
+              <a:rPr lang="en-GB" dirty="0"/>
+              <a:t>(Answer is shortened, for space reasons)</a:t>
+            </a:r>
+          </a:p>
+          <a:p>
+            <a:r>
+              <a:rPr lang="en-GB" dirty="0"/>
+              <a:t>Reasonable attempt – Boolean result, though.</a:t>
+            </a:r>
+          </a:p>
+          <a:p>
+            <a:endParaRPr lang="en-GB" dirty="0"/>
+          </a:p>
+          <a:p>
+            <a:r>
+              <a:rPr lang="en-GB" dirty="0"/>
+              <a:t>No handling of patterns or rules</a:t>
+            </a:r>
+          </a:p>
+          <a:p>
+            <a:endParaRPr lang="en-GB" b="1" dirty="0"/>
+          </a:p>
+          <a:p>
+            <a:r>
+              <a:rPr lang="en-GB" b="1" dirty="0"/>
+              <a:t>Q. Can anyone spot what’s odd here?</a:t>
+            </a:r>
+          </a:p>
+          <a:p>
+            <a:r>
+              <a:rPr lang="en-GB" dirty="0"/>
+              <a:t>A. Pre-ISO namespace!!</a:t>
+            </a:r>
+          </a:p>
+        </p:txBody>
+      </p:sp>
+      <p:sp>
+        <p:nvSpPr>
+          <p:cNvPr id="4" name="Slide Number Placeholder 3"/>
+          <p:cNvSpPr>
+            <a:spLocks noGrp="1"/>
+          </p:cNvSpPr>
+          <p:nvPr>
+            <p:ph type="sldNum" sz="quarter" idx="5"/>
+          </p:nvPr>
+        </p:nvSpPr>
+        <p:spPr/>
+        <p:txBody>
+          <a:bodyPr/>
+          <a:lstStyle/>
+          <a:p>
+            <a:fld id="{02BDF569-F48B-4704-ADB2-54F694482806}" type="slidenum">
+              <a:rPr lang="en-GB" smtClean="0"/>
+              <a:t>12</a:t>
+            </a:fld>
+            <a:endParaRPr lang="en-GB"/>
+          </a:p>
+        </p:txBody>
+      </p:sp>
+    </p:spTree>
+    <p:extLst>
+      <p:ext uri="{BB962C8B-B14F-4D97-AF65-F5344CB8AC3E}">
+        <p14:creationId xmlns:p14="http://schemas.microsoft.com/office/powerpoint/2010/main" val="3905409614"/>
+      </p:ext>
+    </p:extLst>
+  </p:cSld>
+  <p:clrMapOvr>
+    <a:masterClrMapping/>
+  </p:clrMapOvr>
+</p:notes>
+</file>
+
+<file path=ppt/notesSlides/notesSlide9.xml><?xml version="1.0" encoding="utf-8"?>
+<p:notes xmlns:a="http://schemas.openxmlformats.org/drawingml/2006/main" xmlns:r="http://schemas.openxmlformats.org/officeDocument/2006/relationships" xmlns:p="http://schemas.openxmlformats.org/presentationml/2006/main">
+  <p:cSld>
+    <p:spTree>
+      <p:nvGrpSpPr>
+        <p:cNvPr id="1" name=""/>
+        <p:cNvGrpSpPr/>
+        <p:nvPr/>
+      </p:nvGrpSpPr>
+      <p:grpSpPr>
+        <a:xfrm>
+          <a:off x="0" y="0"/>
+          <a:ext cx="0" cy="0"/>
+          <a:chOff x="0" y="0"/>
+          <a:chExt cx="0" cy="0"/>
+        </a:xfrm>
+      </p:grpSpPr>
+      <p:sp>
+        <p:nvSpPr>
+          <p:cNvPr id="2" name="Slide Image Placeholder 1"/>
+          <p:cNvSpPr>
+            <a:spLocks noGrp="1" noRot="1" noChangeAspect="1"/>
+          </p:cNvSpPr>
+          <p:nvPr>
+            <p:ph type="sldImg"/>
+          </p:nvPr>
+        </p:nvSpPr>
+        <p:spPr/>
+      </p:sp>
+      <p:sp>
+        <p:nvSpPr>
+          <p:cNvPr id="3" name="Notes Placeholder 2"/>
+          <p:cNvSpPr>
+            <a:spLocks noGrp="1"/>
+          </p:cNvSpPr>
+          <p:nvPr>
+            <p:ph type="body" idx="1"/>
+          </p:nvPr>
+        </p:nvSpPr>
+        <p:spPr/>
+        <p:txBody>
+          <a:bodyPr/>
+          <a:lstStyle/>
+          <a:p>
+            <a:r>
+              <a:rPr lang="en-GB" dirty="0"/>
+              <a:t>So I asked specifically for ISO SCH and XQY 3.1, to see if that made a difference.</a:t>
+            </a:r>
+          </a:p>
+          <a:p>
+            <a:endParaRPr lang="en-GB" dirty="0"/>
+          </a:p>
+          <a:p>
+            <a:r>
+              <a:rPr lang="en-GB" dirty="0"/>
+              <a:t>This time, it proudly declares the ISO namespace (see top).</a:t>
+            </a:r>
+          </a:p>
+          <a:p>
+            <a:endParaRPr lang="en-GB" dirty="0"/>
+          </a:p>
+          <a:p>
+            <a:r>
+              <a:rPr lang="en-GB" dirty="0"/>
+              <a:t>BUT it uses the XSLT </a:t>
+            </a:r>
+            <a:r>
+              <a:rPr lang="en-GB" dirty="0" err="1"/>
+              <a:t>impl</a:t>
+            </a:r>
+            <a:r>
+              <a:rPr lang="en-GB" dirty="0"/>
+              <a:t>!</a:t>
+            </a:r>
+          </a:p>
+        </p:txBody>
+      </p:sp>
+      <p:sp>
+        <p:nvSpPr>
+          <p:cNvPr id="4" name="Slide Number Placeholder 3"/>
+          <p:cNvSpPr>
+            <a:spLocks noGrp="1"/>
+          </p:cNvSpPr>
+          <p:nvPr>
+            <p:ph type="sldNum" sz="quarter" idx="5"/>
+          </p:nvPr>
+        </p:nvSpPr>
+        <p:spPr/>
+        <p:txBody>
+          <a:bodyPr/>
+          <a:lstStyle/>
+          <a:p>
+            <a:fld id="{02BDF569-F48B-4704-ADB2-54F694482806}" type="slidenum">
+              <a:rPr lang="en-GB" smtClean="0"/>
+              <a:t>13</a:t>
+            </a:fld>
+            <a:endParaRPr lang="en-GB"/>
+          </a:p>
+        </p:txBody>
+      </p:sp>
+    </p:spTree>
+    <p:extLst>
+      <p:ext uri="{BB962C8B-B14F-4D97-AF65-F5344CB8AC3E}">
+        <p14:creationId xmlns:p14="http://schemas.microsoft.com/office/powerpoint/2010/main" val="630851917"/>
+      </p:ext>
+    </p:extLst>
+  </p:cSld>
+  <p:clrMapOvr>
+    <a:masterClrMapping/>
+  </p:clrMapOvr>
+</p:notes>
 </file>
 
 <file path=ppt/slideLayouts/slideLayout1.xml><?xml version="1.0" encoding="utf-8"?>
@@ -264,7 +1895,7 @@
           <a:p>
             <a:fld id="{0327C2F3-2C31-4D30-A357-2908E3F9AE5A}" type="datetimeFigureOut">
               <a:rPr lang="en-GB" smtClean="0"/>
-              <a:t>26/05/2023</a:t>
+              <a:t>29/05/2023</a:t>
             </a:fld>
             <a:endParaRPr lang="en-GB"/>
           </a:p>
@@ -464,7 +2095,7 @@
           <a:p>
             <a:fld id="{0327C2F3-2C31-4D30-A357-2908E3F9AE5A}" type="datetimeFigureOut">
               <a:rPr lang="en-GB" smtClean="0"/>
-              <a:t>26/05/2023</a:t>
+              <a:t>29/05/2023</a:t>
             </a:fld>
             <a:endParaRPr lang="en-GB"/>
           </a:p>
@@ -674,7 +2305,7 @@
           <a:p>
             <a:fld id="{0327C2F3-2C31-4D30-A357-2908E3F9AE5A}" type="datetimeFigureOut">
               <a:rPr lang="en-GB" smtClean="0"/>
-              <a:t>26/05/2023</a:t>
+              <a:t>29/05/2023</a:t>
             </a:fld>
             <a:endParaRPr lang="en-GB"/>
           </a:p>
@@ -874,7 +2505,7 @@
           <a:p>
             <a:fld id="{0327C2F3-2C31-4D30-A357-2908E3F9AE5A}" type="datetimeFigureOut">
               <a:rPr lang="en-GB" smtClean="0"/>
-              <a:t>26/05/2023</a:t>
+              <a:t>29/05/2023</a:t>
             </a:fld>
             <a:endParaRPr lang="en-GB"/>
           </a:p>
@@ -1150,7 +2781,7 @@
           <a:p>
             <a:fld id="{0327C2F3-2C31-4D30-A357-2908E3F9AE5A}" type="datetimeFigureOut">
               <a:rPr lang="en-GB" smtClean="0"/>
-              <a:t>26/05/2023</a:t>
+              <a:t>29/05/2023</a:t>
             </a:fld>
             <a:endParaRPr lang="en-GB"/>
           </a:p>
@@ -1418,7 +3049,7 @@
           <a:p>
             <a:fld id="{0327C2F3-2C31-4D30-A357-2908E3F9AE5A}" type="datetimeFigureOut">
               <a:rPr lang="en-GB" smtClean="0"/>
-              <a:t>26/05/2023</a:t>
+              <a:t>29/05/2023</a:t>
             </a:fld>
             <a:endParaRPr lang="en-GB"/>
           </a:p>
@@ -1833,7 +3464,7 @@
           <a:p>
             <a:fld id="{0327C2F3-2C31-4D30-A357-2908E3F9AE5A}" type="datetimeFigureOut">
               <a:rPr lang="en-GB" smtClean="0"/>
-              <a:t>26/05/2023</a:t>
+              <a:t>29/05/2023</a:t>
             </a:fld>
             <a:endParaRPr lang="en-GB"/>
           </a:p>
@@ -1975,7 +3606,7 @@
           <a:p>
             <a:fld id="{0327C2F3-2C31-4D30-A357-2908E3F9AE5A}" type="datetimeFigureOut">
               <a:rPr lang="en-GB" smtClean="0"/>
-              <a:t>26/05/2023</a:t>
+              <a:t>29/05/2023</a:t>
             </a:fld>
             <a:endParaRPr lang="en-GB"/>
           </a:p>
@@ -2088,7 +3719,7 @@
           <a:p>
             <a:fld id="{0327C2F3-2C31-4D30-A357-2908E3F9AE5A}" type="datetimeFigureOut">
               <a:rPr lang="en-GB" smtClean="0"/>
-              <a:t>26/05/2023</a:t>
+              <a:t>29/05/2023</a:t>
             </a:fld>
             <a:endParaRPr lang="en-GB"/>
           </a:p>
@@ -2401,7 +4032,7 @@
           <a:p>
             <a:fld id="{0327C2F3-2C31-4D30-A357-2908E3F9AE5A}" type="datetimeFigureOut">
               <a:rPr lang="en-GB" smtClean="0"/>
-              <a:t>26/05/2023</a:t>
+              <a:t>29/05/2023</a:t>
             </a:fld>
             <a:endParaRPr lang="en-GB"/>
           </a:p>
@@ -2690,7 +4321,7 @@
           <a:p>
             <a:fld id="{0327C2F3-2C31-4D30-A357-2908E3F9AE5A}" type="datetimeFigureOut">
               <a:rPr lang="en-GB" smtClean="0"/>
-              <a:t>26/05/2023</a:t>
+              <a:t>29/05/2023</a:t>
             </a:fld>
             <a:endParaRPr lang="en-GB"/>
           </a:p>
@@ -2933,7 +4564,7 @@
           <a:p>
             <a:fld id="{0327C2F3-2C31-4D30-A357-2908E3F9AE5A}" type="datetimeFigureOut">
               <a:rPr lang="en-GB" smtClean="0"/>
-              <a:t>26/05/2023</a:t>
+              <a:t>29/05/2023</a:t>
             </a:fld>
             <a:endParaRPr lang="en-GB"/>
           </a:p>
@@ -3445,6 +5076,2107 @@
 </p:sld>
 </file>
 
+<file path=ppt/slides/slide10.xml><?xml version="1.0" encoding="utf-8"?>
+<p:sld xmlns:a="http://schemas.openxmlformats.org/drawingml/2006/main" xmlns:r="http://schemas.openxmlformats.org/officeDocument/2006/relationships" xmlns:p="http://schemas.openxmlformats.org/presentationml/2006/main">
+  <p:cSld>
+    <p:spTree>
+      <p:nvGrpSpPr>
+        <p:cNvPr id="1" name=""/>
+        <p:cNvGrpSpPr/>
+        <p:nvPr/>
+      </p:nvGrpSpPr>
+      <p:grpSpPr>
+        <a:xfrm>
+          <a:off x="0" y="0"/>
+          <a:ext cx="0" cy="0"/>
+          <a:chOff x="0" y="0"/>
+          <a:chExt cx="0" cy="0"/>
+        </a:xfrm>
+      </p:grpSpPr>
+      <p:sp>
+        <p:nvSpPr>
+          <p:cNvPr id="3" name="Content Placeholder 2">
+            <a:extLst>
+              <a:ext uri="{FF2B5EF4-FFF2-40B4-BE49-F238E27FC236}">
+                <a16:creationId xmlns:a16="http://schemas.microsoft.com/office/drawing/2014/main" id="{8F3B8AF2-EBAB-4825-840C-058B9D734782}"/>
+              </a:ext>
+            </a:extLst>
+          </p:cNvPr>
+          <p:cNvSpPr>
+            <a:spLocks noGrp="1"/>
+          </p:cNvSpPr>
+          <p:nvPr>
+            <p:ph idx="1"/>
+          </p:nvPr>
+        </p:nvSpPr>
+        <p:spPr>
+          <a:xfrm>
+            <a:off x="838200" y="1435510"/>
+            <a:ext cx="10515600" cy="4741453"/>
+          </a:xfrm>
+        </p:spPr>
+        <p:txBody>
+          <a:bodyPr>
+            <a:normAutofit/>
+          </a:bodyPr>
+          <a:lstStyle/>
+          <a:p>
+            <a:pPr marL="0" indent="0">
+              <a:buNone/>
+            </a:pPr>
+            <a:endParaRPr lang="en-GB" sz="9600" dirty="0"/>
+          </a:p>
+          <a:p>
+            <a:pPr marL="0" indent="0" algn="ctr">
+              <a:buNone/>
+            </a:pPr>
+            <a:r>
+              <a:rPr lang="en-GB" sz="9600" dirty="0"/>
+              <a:t>Ask </a:t>
+            </a:r>
+            <a:r>
+              <a:rPr lang="en-GB" sz="9600" dirty="0" err="1"/>
+              <a:t>ChatGPT</a:t>
+            </a:r>
+            <a:r>
+              <a:rPr lang="en-GB" sz="9600" dirty="0"/>
+              <a:t>!</a:t>
+            </a:r>
+          </a:p>
+        </p:txBody>
+      </p:sp>
+    </p:spTree>
+    <p:extLst>
+      <p:ext uri="{BB962C8B-B14F-4D97-AF65-F5344CB8AC3E}">
+        <p14:creationId xmlns:p14="http://schemas.microsoft.com/office/powerpoint/2010/main" val="3453189509"/>
+      </p:ext>
+    </p:extLst>
+  </p:cSld>
+  <p:clrMapOvr>
+    <a:masterClrMapping/>
+  </p:clrMapOvr>
+</p:sld>
+</file>
+
+<file path=ppt/slides/slide11.xml><?xml version="1.0" encoding="utf-8"?>
+<p:sld xmlns:a="http://schemas.openxmlformats.org/drawingml/2006/main" xmlns:r="http://schemas.openxmlformats.org/officeDocument/2006/relationships" xmlns:p="http://schemas.openxmlformats.org/presentationml/2006/main">
+  <p:cSld>
+    <p:spTree>
+      <p:nvGrpSpPr>
+        <p:cNvPr id="1" name=""/>
+        <p:cNvGrpSpPr/>
+        <p:nvPr/>
+      </p:nvGrpSpPr>
+      <p:grpSpPr>
+        <a:xfrm>
+          <a:off x="0" y="0"/>
+          <a:ext cx="0" cy="0"/>
+          <a:chOff x="0" y="0"/>
+          <a:chExt cx="0" cy="0"/>
+        </a:xfrm>
+      </p:grpSpPr>
+      <p:sp>
+        <p:nvSpPr>
+          <p:cNvPr id="2" name="Title 1">
+            <a:extLst>
+              <a:ext uri="{FF2B5EF4-FFF2-40B4-BE49-F238E27FC236}">
+                <a16:creationId xmlns:a16="http://schemas.microsoft.com/office/drawing/2014/main" id="{A983E35C-8894-4776-86DF-EAACF757D02F}"/>
+              </a:ext>
+            </a:extLst>
+          </p:cNvPr>
+          <p:cNvSpPr>
+            <a:spLocks noGrp="1"/>
+          </p:cNvSpPr>
+          <p:nvPr>
+            <p:ph type="title"/>
+          </p:nvPr>
+        </p:nvSpPr>
+        <p:spPr/>
+        <p:txBody>
+          <a:bodyPr/>
+          <a:lstStyle/>
+          <a:p>
+            <a:endParaRPr lang="en-GB" dirty="0"/>
+          </a:p>
+        </p:txBody>
+      </p:sp>
+      <p:pic>
+        <p:nvPicPr>
+          <p:cNvPr id="5" name="Content Placeholder 4">
+            <a:extLst>
+              <a:ext uri="{FF2B5EF4-FFF2-40B4-BE49-F238E27FC236}">
+                <a16:creationId xmlns:a16="http://schemas.microsoft.com/office/drawing/2014/main" id="{41EB6DF5-F184-4DBA-9979-FDFFBDFDD428}"/>
+              </a:ext>
+            </a:extLst>
+          </p:cNvPr>
+          <p:cNvPicPr>
+            <a:picLocks noGrp="1" noChangeAspect="1"/>
+          </p:cNvPicPr>
+          <p:nvPr>
+            <p:ph idx="1"/>
+          </p:nvPr>
+        </p:nvPicPr>
+        <p:blipFill>
+          <a:blip r:embed="rId2">
+            <a:extLst>
+              <a:ext uri="{28A0092B-C50C-407E-A947-70E740481C1C}">
+                <a14:useLocalDpi xmlns:a14="http://schemas.microsoft.com/office/drawing/2010/main" val="0"/>
+              </a:ext>
+            </a:extLst>
+          </a:blip>
+          <a:stretch>
+            <a:fillRect/>
+          </a:stretch>
+        </p:blipFill>
+        <p:spPr>
+          <a:xfrm>
+            <a:off x="2198714" y="1285875"/>
+            <a:ext cx="7524750" cy="4286250"/>
+          </a:xfrm>
+        </p:spPr>
+      </p:pic>
+      <p:sp>
+        <p:nvSpPr>
+          <p:cNvPr id="6" name="TextBox 5">
+            <a:extLst>
+              <a:ext uri="{FF2B5EF4-FFF2-40B4-BE49-F238E27FC236}">
+                <a16:creationId xmlns:a16="http://schemas.microsoft.com/office/drawing/2014/main" id="{8ADE2836-C544-4495-B19A-3B582DDC3EA7}"/>
+              </a:ext>
+            </a:extLst>
+          </p:cNvPr>
+          <p:cNvSpPr txBox="1"/>
+          <p:nvPr/>
+        </p:nvSpPr>
+        <p:spPr>
+          <a:xfrm>
+            <a:off x="5747519" y="5572125"/>
+            <a:ext cx="3975945" cy="369332"/>
+          </a:xfrm>
+          <a:prstGeom prst="rect">
+            <a:avLst/>
+          </a:prstGeom>
+          <a:noFill/>
+        </p:spPr>
+        <p:txBody>
+          <a:bodyPr wrap="square" rtlCol="0">
+            <a:spAutoFit/>
+          </a:bodyPr>
+          <a:lstStyle/>
+          <a:p>
+            <a:pPr algn="r"/>
+            <a:r>
+              <a:rPr lang="en-GB" dirty="0">
+                <a:solidFill>
+                  <a:schemeClr val="bg2">
+                    <a:lumMod val="75000"/>
+                  </a:schemeClr>
+                </a:solidFill>
+              </a:rPr>
+              <a:t>Credit: Victor </a:t>
+            </a:r>
+            <a:r>
+              <a:rPr lang="en-GB" dirty="0" err="1">
+                <a:solidFill>
+                  <a:schemeClr val="bg2">
+                    <a:lumMod val="75000"/>
+                  </a:schemeClr>
+                </a:solidFill>
+              </a:rPr>
+              <a:t>Metelskiy</a:t>
+            </a:r>
+            <a:r>
+              <a:rPr lang="en-GB" dirty="0">
+                <a:solidFill>
+                  <a:schemeClr val="bg2">
+                    <a:lumMod val="75000"/>
+                  </a:schemeClr>
+                </a:solidFill>
+              </a:rPr>
+              <a:t>/Shutterstock</a:t>
+            </a:r>
+          </a:p>
+        </p:txBody>
+      </p:sp>
+    </p:spTree>
+    <p:extLst>
+      <p:ext uri="{BB962C8B-B14F-4D97-AF65-F5344CB8AC3E}">
+        <p14:creationId xmlns:p14="http://schemas.microsoft.com/office/powerpoint/2010/main" val="2727151737"/>
+      </p:ext>
+    </p:extLst>
+  </p:cSld>
+  <p:clrMapOvr>
+    <a:masterClrMapping/>
+  </p:clrMapOvr>
+</p:sld>
+</file>
+
+<file path=ppt/slides/slide12.xml><?xml version="1.0" encoding="utf-8"?>
+<p:sld xmlns:a="http://schemas.openxmlformats.org/drawingml/2006/main" xmlns:r="http://schemas.openxmlformats.org/officeDocument/2006/relationships" xmlns:p="http://schemas.openxmlformats.org/presentationml/2006/main">
+  <p:cSld>
+    <p:spTree>
+      <p:nvGrpSpPr>
+        <p:cNvPr id="1" name=""/>
+        <p:cNvGrpSpPr/>
+        <p:nvPr/>
+      </p:nvGrpSpPr>
+      <p:grpSpPr>
+        <a:xfrm>
+          <a:off x="0" y="0"/>
+          <a:ext cx="0" cy="0"/>
+          <a:chOff x="0" y="0"/>
+          <a:chExt cx="0" cy="0"/>
+        </a:xfrm>
+      </p:grpSpPr>
+      <p:sp>
+        <p:nvSpPr>
+          <p:cNvPr id="2" name="Title 1">
+            <a:extLst>
+              <a:ext uri="{FF2B5EF4-FFF2-40B4-BE49-F238E27FC236}">
+                <a16:creationId xmlns:a16="http://schemas.microsoft.com/office/drawing/2014/main" id="{A983E35C-8894-4776-86DF-EAACF757D02F}"/>
+              </a:ext>
+            </a:extLst>
+          </p:cNvPr>
+          <p:cNvSpPr>
+            <a:spLocks noGrp="1"/>
+          </p:cNvSpPr>
+          <p:nvPr>
+            <p:ph type="title"/>
+          </p:nvPr>
+        </p:nvSpPr>
+        <p:spPr/>
+        <p:txBody>
+          <a:bodyPr/>
+          <a:lstStyle/>
+          <a:p>
+            <a:r>
+              <a:rPr lang="en-GB" dirty="0"/>
+              <a:t>"Implement </a:t>
+            </a:r>
+            <a:r>
+              <a:rPr lang="en-GB" dirty="0" err="1"/>
+              <a:t>Schematron</a:t>
+            </a:r>
+            <a:r>
+              <a:rPr lang="en-GB" dirty="0"/>
+              <a:t> in XQuery"</a:t>
+            </a:r>
+          </a:p>
+        </p:txBody>
+      </p:sp>
+      <p:sp>
+        <p:nvSpPr>
+          <p:cNvPr id="3" name="Content Placeholder 2">
+            <a:extLst>
+              <a:ext uri="{FF2B5EF4-FFF2-40B4-BE49-F238E27FC236}">
+                <a16:creationId xmlns:a16="http://schemas.microsoft.com/office/drawing/2014/main" id="{8F3B8AF2-EBAB-4825-840C-058B9D734782}"/>
+              </a:ext>
+            </a:extLst>
+          </p:cNvPr>
+          <p:cNvSpPr>
+            <a:spLocks noGrp="1"/>
+          </p:cNvSpPr>
+          <p:nvPr>
+            <p:ph idx="1"/>
+          </p:nvPr>
+        </p:nvSpPr>
+        <p:spPr/>
+        <p:txBody>
+          <a:bodyPr>
+            <a:normAutofit fontScale="62500" lnSpcReduction="20000"/>
+          </a:bodyPr>
+          <a:lstStyle/>
+          <a:p>
+            <a:pPr marL="0" indent="0">
+              <a:buNone/>
+            </a:pPr>
+            <a:r>
+              <a:rPr lang="de-DE" dirty="0">
+                <a:latin typeface="Courier New" panose="02070309020205020404" pitchFamily="49" charset="0"/>
+                <a:cs typeface="Courier New" panose="02070309020205020404" pitchFamily="49" charset="0"/>
+              </a:rPr>
+              <a:t>let $schematron := &lt;schema xmlns="http://www.ascc.net/xml/schematron"&gt;[...]</a:t>
+            </a:r>
+            <a:endParaRPr lang="en-GB" dirty="0">
+              <a:latin typeface="Courier New" panose="02070309020205020404" pitchFamily="49" charset="0"/>
+              <a:cs typeface="Courier New" panose="02070309020205020404" pitchFamily="49" charset="0"/>
+            </a:endParaRPr>
+          </a:p>
+          <a:p>
+            <a:pPr marL="0" indent="0">
+              <a:buNone/>
+            </a:pPr>
+            <a:r>
+              <a:rPr lang="en-GB" dirty="0">
+                <a:latin typeface="Courier New" panose="02070309020205020404" pitchFamily="49" charset="0"/>
+                <a:cs typeface="Courier New" panose="02070309020205020404" pitchFamily="49" charset="0"/>
+              </a:rPr>
+              <a:t>let $assertions := $</a:t>
+            </a:r>
+            <a:r>
+              <a:rPr lang="en-GB" dirty="0" err="1">
+                <a:latin typeface="Courier New" panose="02070309020205020404" pitchFamily="49" charset="0"/>
+                <a:cs typeface="Courier New" panose="02070309020205020404" pitchFamily="49" charset="0"/>
+              </a:rPr>
+              <a:t>schematron</a:t>
+            </a:r>
+            <a:r>
+              <a:rPr lang="en-GB" dirty="0">
+                <a:latin typeface="Courier New" panose="02070309020205020404" pitchFamily="49" charset="0"/>
+                <a:cs typeface="Courier New" panose="02070309020205020404" pitchFamily="49" charset="0"/>
+              </a:rPr>
+              <a:t>//</a:t>
+            </a:r>
+            <a:r>
+              <a:rPr lang="en-GB" dirty="0" err="1">
+                <a:latin typeface="Courier New" panose="02070309020205020404" pitchFamily="49" charset="0"/>
+                <a:cs typeface="Courier New" panose="02070309020205020404" pitchFamily="49" charset="0"/>
+              </a:rPr>
+              <a:t>sch:assert</a:t>
+            </a:r>
+            <a:endParaRPr lang="en-GB" dirty="0">
+              <a:latin typeface="Courier New" panose="02070309020205020404" pitchFamily="49" charset="0"/>
+              <a:cs typeface="Courier New" panose="02070309020205020404" pitchFamily="49" charset="0"/>
+            </a:endParaRPr>
+          </a:p>
+          <a:p>
+            <a:pPr marL="0" indent="0">
+              <a:buNone/>
+            </a:pPr>
+            <a:r>
+              <a:rPr lang="en-GB" dirty="0">
+                <a:latin typeface="Courier New" panose="02070309020205020404" pitchFamily="49" charset="0"/>
+                <a:cs typeface="Courier New" panose="02070309020205020404" pitchFamily="49" charset="0"/>
+              </a:rPr>
+              <a:t>return (</a:t>
+            </a:r>
+          </a:p>
+          <a:p>
+            <a:pPr marL="0" indent="0">
+              <a:buNone/>
+            </a:pPr>
+            <a:r>
+              <a:rPr lang="en-GB" dirty="0">
+                <a:latin typeface="Courier New" panose="02070309020205020404" pitchFamily="49" charset="0"/>
+                <a:cs typeface="Courier New" panose="02070309020205020404" pitchFamily="49" charset="0"/>
+              </a:rPr>
+              <a:t>    every $assert in $assertions satisfies (</a:t>
+            </a:r>
+          </a:p>
+          <a:p>
+            <a:pPr marL="0" indent="0">
+              <a:buNone/>
+            </a:pPr>
+            <a:r>
+              <a:rPr lang="en-GB" dirty="0">
+                <a:latin typeface="Courier New" panose="02070309020205020404" pitchFamily="49" charset="0"/>
+                <a:cs typeface="Courier New" panose="02070309020205020404" pitchFamily="49" charset="0"/>
+              </a:rPr>
+              <a:t>      let $test := $assert/@test</a:t>
+            </a:r>
+          </a:p>
+          <a:p>
+            <a:pPr marL="0" indent="0">
+              <a:buNone/>
+            </a:pPr>
+            <a:r>
+              <a:rPr lang="en-GB" dirty="0">
+                <a:latin typeface="Courier New" panose="02070309020205020404" pitchFamily="49" charset="0"/>
+                <a:cs typeface="Courier New" panose="02070309020205020404" pitchFamily="49" charset="0"/>
+              </a:rPr>
+              <a:t>      return (</a:t>
+            </a:r>
+          </a:p>
+          <a:p>
+            <a:pPr marL="0" indent="0">
+              <a:buNone/>
+            </a:pPr>
+            <a:r>
+              <a:rPr lang="en-GB" dirty="0">
+                <a:latin typeface="Courier New" panose="02070309020205020404" pitchFamily="49" charset="0"/>
+                <a:cs typeface="Courier New" panose="02070309020205020404" pitchFamily="49" charset="0"/>
+              </a:rPr>
+              <a:t>        if (exists($assert/@role) and $assert/@role = 'warning') then</a:t>
+            </a:r>
+          </a:p>
+          <a:p>
+            <a:pPr marL="0" indent="0">
+              <a:buNone/>
+            </a:pPr>
+            <a:r>
+              <a:rPr lang="en-GB" dirty="0">
+                <a:latin typeface="Courier New" panose="02070309020205020404" pitchFamily="49" charset="0"/>
+                <a:cs typeface="Courier New" panose="02070309020205020404" pitchFamily="49" charset="0"/>
+              </a:rPr>
+              <a:t>          count($xml[not($test)]) </a:t>
+            </a:r>
+            <a:r>
+              <a:rPr lang="en-GB" dirty="0" err="1">
+                <a:latin typeface="Courier New" panose="02070309020205020404" pitchFamily="49" charset="0"/>
+                <a:cs typeface="Courier New" panose="02070309020205020404" pitchFamily="49" charset="0"/>
+              </a:rPr>
+              <a:t>eq</a:t>
+            </a:r>
+            <a:r>
+              <a:rPr lang="en-GB" dirty="0">
+                <a:latin typeface="Courier New" panose="02070309020205020404" pitchFamily="49" charset="0"/>
+                <a:cs typeface="Courier New" panose="02070309020205020404" pitchFamily="49" charset="0"/>
+              </a:rPr>
+              <a:t> 0</a:t>
+            </a:r>
+          </a:p>
+          <a:p>
+            <a:pPr marL="0" indent="0">
+              <a:buNone/>
+            </a:pPr>
+            <a:r>
+              <a:rPr lang="en-GB" dirty="0">
+                <a:latin typeface="Courier New" panose="02070309020205020404" pitchFamily="49" charset="0"/>
+                <a:cs typeface="Courier New" panose="02070309020205020404" pitchFamily="49" charset="0"/>
+              </a:rPr>
+              <a:t>        else</a:t>
+            </a:r>
+          </a:p>
+          <a:p>
+            <a:pPr marL="0" indent="0">
+              <a:buNone/>
+            </a:pPr>
+            <a:r>
+              <a:rPr lang="en-GB" dirty="0">
+                <a:latin typeface="Courier New" panose="02070309020205020404" pitchFamily="49" charset="0"/>
+                <a:cs typeface="Courier New" panose="02070309020205020404" pitchFamily="49" charset="0"/>
+              </a:rPr>
+              <a:t>          exists($xml[$test])</a:t>
+            </a:r>
+          </a:p>
+          <a:p>
+            <a:pPr marL="0" indent="0">
+              <a:buNone/>
+            </a:pPr>
+            <a:r>
+              <a:rPr lang="en-GB" dirty="0">
+                <a:latin typeface="Courier New" panose="02070309020205020404" pitchFamily="49" charset="0"/>
+                <a:cs typeface="Courier New" panose="02070309020205020404" pitchFamily="49" charset="0"/>
+              </a:rPr>
+              <a:t>      )</a:t>
+            </a:r>
+          </a:p>
+          <a:p>
+            <a:pPr marL="0" indent="0">
+              <a:buNone/>
+            </a:pPr>
+            <a:r>
+              <a:rPr lang="en-GB" dirty="0">
+                <a:latin typeface="Courier New" panose="02070309020205020404" pitchFamily="49" charset="0"/>
+                <a:cs typeface="Courier New" panose="02070309020205020404" pitchFamily="49" charset="0"/>
+              </a:rPr>
+              <a:t>    )</a:t>
+            </a:r>
+          </a:p>
+        </p:txBody>
+      </p:sp>
+    </p:spTree>
+    <p:extLst>
+      <p:ext uri="{BB962C8B-B14F-4D97-AF65-F5344CB8AC3E}">
+        <p14:creationId xmlns:p14="http://schemas.microsoft.com/office/powerpoint/2010/main" val="3287669211"/>
+      </p:ext>
+    </p:extLst>
+  </p:cSld>
+  <p:clrMapOvr>
+    <a:masterClrMapping/>
+  </p:clrMapOvr>
+</p:sld>
+</file>
+
+<file path=ppt/slides/slide13.xml><?xml version="1.0" encoding="utf-8"?>
+<p:sld xmlns:a="http://schemas.openxmlformats.org/drawingml/2006/main" xmlns:r="http://schemas.openxmlformats.org/officeDocument/2006/relationships" xmlns:p="http://schemas.openxmlformats.org/presentationml/2006/main">
+  <p:cSld>
+    <p:spTree>
+      <p:nvGrpSpPr>
+        <p:cNvPr id="1" name=""/>
+        <p:cNvGrpSpPr/>
+        <p:nvPr/>
+      </p:nvGrpSpPr>
+      <p:grpSpPr>
+        <a:xfrm>
+          <a:off x="0" y="0"/>
+          <a:ext cx="0" cy="0"/>
+          <a:chOff x="0" y="0"/>
+          <a:chExt cx="0" cy="0"/>
+        </a:xfrm>
+      </p:grpSpPr>
+      <p:sp>
+        <p:nvSpPr>
+          <p:cNvPr id="2" name="Title 1">
+            <a:extLst>
+              <a:ext uri="{FF2B5EF4-FFF2-40B4-BE49-F238E27FC236}">
+                <a16:creationId xmlns:a16="http://schemas.microsoft.com/office/drawing/2014/main" id="{A983E35C-8894-4776-86DF-EAACF757D02F}"/>
+              </a:ext>
+            </a:extLst>
+          </p:cNvPr>
+          <p:cNvSpPr>
+            <a:spLocks noGrp="1"/>
+          </p:cNvSpPr>
+          <p:nvPr>
+            <p:ph type="title"/>
+          </p:nvPr>
+        </p:nvSpPr>
+        <p:spPr/>
+        <p:txBody>
+          <a:bodyPr/>
+          <a:lstStyle/>
+          <a:p>
+            <a:r>
+              <a:rPr lang="en-GB" dirty="0"/>
+              <a:t>“Implement </a:t>
+            </a:r>
+            <a:r>
+              <a:rPr lang="en-GB" b="1" dirty="0"/>
+              <a:t>ISO</a:t>
+            </a:r>
+            <a:r>
+              <a:rPr lang="en-GB" dirty="0"/>
+              <a:t> </a:t>
+            </a:r>
+            <a:r>
+              <a:rPr lang="en-GB" dirty="0" err="1"/>
+              <a:t>Schematron</a:t>
+            </a:r>
+            <a:r>
+              <a:rPr lang="en-GB" dirty="0"/>
+              <a:t> in XQuery </a:t>
+            </a:r>
+            <a:r>
+              <a:rPr lang="en-GB" b="1" dirty="0"/>
+              <a:t>3.1</a:t>
+            </a:r>
+            <a:r>
+              <a:rPr lang="en-GB" dirty="0"/>
+              <a:t>"</a:t>
+            </a:r>
+          </a:p>
+        </p:txBody>
+      </p:sp>
+      <p:sp>
+        <p:nvSpPr>
+          <p:cNvPr id="3" name="Content Placeholder 2">
+            <a:extLst>
+              <a:ext uri="{FF2B5EF4-FFF2-40B4-BE49-F238E27FC236}">
+                <a16:creationId xmlns:a16="http://schemas.microsoft.com/office/drawing/2014/main" id="{8F3B8AF2-EBAB-4825-840C-058B9D734782}"/>
+              </a:ext>
+            </a:extLst>
+          </p:cNvPr>
+          <p:cNvSpPr>
+            <a:spLocks noGrp="1"/>
+          </p:cNvSpPr>
+          <p:nvPr>
+            <p:ph idx="1"/>
+          </p:nvPr>
+        </p:nvSpPr>
+        <p:spPr/>
+        <p:txBody>
+          <a:bodyPr>
+            <a:normAutofit/>
+          </a:bodyPr>
+          <a:lstStyle/>
+          <a:p>
+            <a:pPr marL="0" indent="0">
+              <a:buNone/>
+            </a:pPr>
+            <a:r>
+              <a:rPr lang="en-GB" sz="1800" dirty="0">
+                <a:latin typeface="Courier New" panose="02070309020205020404" pitchFamily="49" charset="0"/>
+                <a:cs typeface="Courier New" panose="02070309020205020404" pitchFamily="49" charset="0"/>
+              </a:rPr>
+              <a:t>declare namespace </a:t>
+            </a:r>
+            <a:r>
+              <a:rPr lang="en-GB" sz="1800" dirty="0" err="1">
+                <a:latin typeface="Courier New" panose="02070309020205020404" pitchFamily="49" charset="0"/>
+                <a:cs typeface="Courier New" panose="02070309020205020404" pitchFamily="49" charset="0"/>
+              </a:rPr>
+              <a:t>sch</a:t>
+            </a:r>
+            <a:r>
+              <a:rPr lang="en-GB" sz="1800" dirty="0">
+                <a:latin typeface="Courier New" panose="02070309020205020404" pitchFamily="49" charset="0"/>
+                <a:cs typeface="Courier New" panose="02070309020205020404" pitchFamily="49" charset="0"/>
+              </a:rPr>
+              <a:t> = </a:t>
+            </a:r>
+            <a:r>
+              <a:rPr lang="en-GB" sz="1800" b="1" dirty="0">
+                <a:latin typeface="Courier New" panose="02070309020205020404" pitchFamily="49" charset="0"/>
+                <a:cs typeface="Courier New" panose="02070309020205020404" pitchFamily="49" charset="0"/>
+              </a:rPr>
+              <a:t>"http://purl.oclc.org/</a:t>
+            </a:r>
+            <a:r>
+              <a:rPr lang="en-GB" sz="1800" b="1" dirty="0" err="1">
+                <a:latin typeface="Courier New" panose="02070309020205020404" pitchFamily="49" charset="0"/>
+                <a:cs typeface="Courier New" panose="02070309020205020404" pitchFamily="49" charset="0"/>
+              </a:rPr>
+              <a:t>dsdl</a:t>
+            </a:r>
+            <a:r>
+              <a:rPr lang="en-GB" sz="1800" b="1" dirty="0">
+                <a:latin typeface="Courier New" panose="02070309020205020404" pitchFamily="49" charset="0"/>
+                <a:cs typeface="Courier New" panose="02070309020205020404" pitchFamily="49" charset="0"/>
+              </a:rPr>
+              <a:t>/</a:t>
+            </a:r>
+            <a:r>
+              <a:rPr lang="en-GB" sz="1800" b="1" dirty="0" err="1">
+                <a:latin typeface="Courier New" panose="02070309020205020404" pitchFamily="49" charset="0"/>
+                <a:cs typeface="Courier New" panose="02070309020205020404" pitchFamily="49" charset="0"/>
+              </a:rPr>
+              <a:t>schematron</a:t>
+            </a:r>
+            <a:r>
+              <a:rPr lang="en-GB" sz="1800" b="1" dirty="0">
+                <a:latin typeface="Courier New" panose="02070309020205020404" pitchFamily="49" charset="0"/>
+                <a:cs typeface="Courier New" panose="02070309020205020404" pitchFamily="49" charset="0"/>
+              </a:rPr>
+              <a:t>"</a:t>
+            </a:r>
+            <a:r>
+              <a:rPr lang="en-GB" sz="1800" dirty="0">
+                <a:latin typeface="Courier New" panose="02070309020205020404" pitchFamily="49" charset="0"/>
+                <a:cs typeface="Courier New" panose="02070309020205020404" pitchFamily="49" charset="0"/>
+              </a:rPr>
+              <a:t>;</a:t>
+            </a:r>
+          </a:p>
+          <a:p>
+            <a:pPr marL="0" indent="0">
+              <a:buNone/>
+            </a:pPr>
+            <a:r>
+              <a:rPr lang="en-GB" sz="1800" dirty="0">
+                <a:latin typeface="Courier New" panose="02070309020205020404" pitchFamily="49" charset="0"/>
+                <a:cs typeface="Courier New" panose="02070309020205020404" pitchFamily="49" charset="0"/>
+              </a:rPr>
+              <a:t>declare function </a:t>
+            </a:r>
+            <a:r>
+              <a:rPr lang="en-GB" sz="1800" dirty="0" err="1">
+                <a:latin typeface="Courier New" panose="02070309020205020404" pitchFamily="49" charset="0"/>
+                <a:cs typeface="Courier New" panose="02070309020205020404" pitchFamily="49" charset="0"/>
+              </a:rPr>
+              <a:t>local:schematron</a:t>
+            </a:r>
+            <a:r>
+              <a:rPr lang="en-GB" sz="1800" dirty="0">
+                <a:latin typeface="Courier New" panose="02070309020205020404" pitchFamily="49" charset="0"/>
+                <a:cs typeface="Courier New" panose="02070309020205020404" pitchFamily="49" charset="0"/>
+              </a:rPr>
+              <a:t>($xml as node(), $</a:t>
+            </a:r>
+            <a:r>
+              <a:rPr lang="en-GB" sz="1800" dirty="0" err="1">
+                <a:latin typeface="Courier New" panose="02070309020205020404" pitchFamily="49" charset="0"/>
+                <a:cs typeface="Courier New" panose="02070309020205020404" pitchFamily="49" charset="0"/>
+              </a:rPr>
+              <a:t>schematron</a:t>
+            </a:r>
+            <a:r>
+              <a:rPr lang="en-GB" sz="1800" dirty="0">
+                <a:latin typeface="Courier New" panose="02070309020205020404" pitchFamily="49" charset="0"/>
+                <a:cs typeface="Courier New" panose="02070309020205020404" pitchFamily="49" charset="0"/>
+              </a:rPr>
+              <a:t> as node()) as </a:t>
+            </a:r>
+            <a:r>
+              <a:rPr lang="en-GB" sz="1800" dirty="0" err="1">
+                <a:latin typeface="Courier New" panose="02070309020205020404" pitchFamily="49" charset="0"/>
+                <a:cs typeface="Courier New" panose="02070309020205020404" pitchFamily="49" charset="0"/>
+              </a:rPr>
+              <a:t>xs:boolean</a:t>
+            </a:r>
+            <a:r>
+              <a:rPr lang="en-GB" sz="1800" dirty="0">
+                <a:latin typeface="Courier New" panose="02070309020205020404" pitchFamily="49" charset="0"/>
+                <a:cs typeface="Courier New" panose="02070309020205020404" pitchFamily="49" charset="0"/>
+              </a:rPr>
+              <a:t> {</a:t>
+            </a:r>
+          </a:p>
+          <a:p>
+            <a:pPr marL="0" indent="0">
+              <a:buNone/>
+            </a:pPr>
+            <a:r>
+              <a:rPr lang="en-GB" sz="1800" dirty="0">
+                <a:latin typeface="Courier New" panose="02070309020205020404" pitchFamily="49" charset="0"/>
+                <a:cs typeface="Courier New" panose="02070309020205020404" pitchFamily="49" charset="0"/>
+              </a:rPr>
+              <a:t>  let $</a:t>
+            </a:r>
+            <a:r>
+              <a:rPr lang="en-GB" sz="1800" dirty="0" err="1">
+                <a:latin typeface="Courier New" panose="02070309020205020404" pitchFamily="49" charset="0"/>
+                <a:cs typeface="Courier New" panose="02070309020205020404" pitchFamily="49" charset="0"/>
+              </a:rPr>
+              <a:t>schematronXSLT</a:t>
+            </a:r>
+            <a:r>
+              <a:rPr lang="en-GB" sz="1800" dirty="0">
+                <a:latin typeface="Courier New" panose="02070309020205020404" pitchFamily="49" charset="0"/>
+                <a:cs typeface="Courier New" panose="02070309020205020404" pitchFamily="49" charset="0"/>
+              </a:rPr>
+              <a:t> := </a:t>
+            </a:r>
+            <a:r>
+              <a:rPr lang="en-GB" sz="1800" b="1" dirty="0">
+                <a:latin typeface="Courier New" panose="02070309020205020404" pitchFamily="49" charset="0"/>
+                <a:cs typeface="Courier New" panose="02070309020205020404" pitchFamily="49" charset="0"/>
+              </a:rPr>
+              <a:t>$</a:t>
+            </a:r>
+            <a:r>
+              <a:rPr lang="en-GB" sz="1800" b="1" dirty="0" err="1">
+                <a:latin typeface="Courier New" panose="02070309020205020404" pitchFamily="49" charset="0"/>
+                <a:cs typeface="Courier New" panose="02070309020205020404" pitchFamily="49" charset="0"/>
+              </a:rPr>
+              <a:t>schematron</a:t>
+            </a:r>
+            <a:r>
+              <a:rPr lang="en-GB" sz="1800" b="1" dirty="0">
+                <a:latin typeface="Courier New" panose="02070309020205020404" pitchFamily="49" charset="0"/>
+                <a:cs typeface="Courier New" panose="02070309020205020404" pitchFamily="49" charset="0"/>
+              </a:rPr>
+              <a:t>/</a:t>
+            </a:r>
+            <a:r>
+              <a:rPr lang="en-GB" sz="1800" b="1" dirty="0" err="1">
+                <a:latin typeface="Courier New" panose="02070309020205020404" pitchFamily="49" charset="0"/>
+                <a:cs typeface="Courier New" panose="02070309020205020404" pitchFamily="49" charset="0"/>
+              </a:rPr>
+              <a:t>sch:schema</a:t>
+            </a:r>
+            <a:r>
+              <a:rPr lang="en-GB" sz="1800" b="1" dirty="0">
+                <a:latin typeface="Courier New" panose="02070309020205020404" pitchFamily="49" charset="0"/>
+                <a:cs typeface="Courier New" panose="02070309020205020404" pitchFamily="49" charset="0"/>
+              </a:rPr>
+              <a:t>/</a:t>
+            </a:r>
+            <a:r>
+              <a:rPr lang="en-GB" sz="1800" b="1" dirty="0" err="1">
+                <a:latin typeface="Courier New" panose="02070309020205020404" pitchFamily="49" charset="0"/>
+                <a:cs typeface="Courier New" panose="02070309020205020404" pitchFamily="49" charset="0"/>
+              </a:rPr>
+              <a:t>xsl:stylesheet</a:t>
+            </a:r>
+            <a:endParaRPr lang="en-GB" sz="1800" b="1" dirty="0">
+              <a:latin typeface="Courier New" panose="02070309020205020404" pitchFamily="49" charset="0"/>
+              <a:cs typeface="Courier New" panose="02070309020205020404" pitchFamily="49" charset="0"/>
+            </a:endParaRPr>
+          </a:p>
+          <a:p>
+            <a:pPr marL="0" indent="0">
+              <a:buNone/>
+            </a:pPr>
+            <a:r>
+              <a:rPr lang="en-GB" sz="1800" dirty="0">
+                <a:latin typeface="Courier New" panose="02070309020205020404" pitchFamily="49" charset="0"/>
+                <a:cs typeface="Courier New" panose="02070309020205020404" pitchFamily="49" charset="0"/>
+              </a:rPr>
+              <a:t>  let $assertions := $</a:t>
+            </a:r>
+            <a:r>
+              <a:rPr lang="en-GB" sz="1800" dirty="0" err="1">
+                <a:latin typeface="Courier New" panose="02070309020205020404" pitchFamily="49" charset="0"/>
+                <a:cs typeface="Courier New" panose="02070309020205020404" pitchFamily="49" charset="0"/>
+              </a:rPr>
+              <a:t>schematronXSLT</a:t>
+            </a:r>
+            <a:r>
+              <a:rPr lang="en-GB" sz="1800" dirty="0">
+                <a:latin typeface="Courier New" panose="02070309020205020404" pitchFamily="49" charset="0"/>
+                <a:cs typeface="Courier New" panose="02070309020205020404" pitchFamily="49" charset="0"/>
+              </a:rPr>
+              <a:t>/</a:t>
+            </a:r>
+            <a:r>
+              <a:rPr lang="en-GB" sz="1800" dirty="0" err="1">
+                <a:latin typeface="Courier New" panose="02070309020205020404" pitchFamily="49" charset="0"/>
+                <a:cs typeface="Courier New" panose="02070309020205020404" pitchFamily="49" charset="0"/>
+              </a:rPr>
+              <a:t>sch:pattern</a:t>
+            </a:r>
+            <a:r>
+              <a:rPr lang="en-GB" sz="1800" dirty="0">
+                <a:latin typeface="Courier New" panose="02070309020205020404" pitchFamily="49" charset="0"/>
+                <a:cs typeface="Courier New" panose="02070309020205020404" pitchFamily="49" charset="0"/>
+              </a:rPr>
+              <a:t>/</a:t>
+            </a:r>
+            <a:r>
+              <a:rPr lang="en-GB" sz="1800" dirty="0" err="1">
+                <a:latin typeface="Courier New" panose="02070309020205020404" pitchFamily="49" charset="0"/>
+                <a:cs typeface="Courier New" panose="02070309020205020404" pitchFamily="49" charset="0"/>
+              </a:rPr>
+              <a:t>sch:rule</a:t>
+            </a:r>
+            <a:r>
+              <a:rPr lang="en-GB" sz="1800" dirty="0">
+                <a:latin typeface="Courier New" panose="02070309020205020404" pitchFamily="49" charset="0"/>
+                <a:cs typeface="Courier New" panose="02070309020205020404" pitchFamily="49" charset="0"/>
+              </a:rPr>
+              <a:t>/</a:t>
+            </a:r>
+            <a:r>
+              <a:rPr lang="en-GB" sz="1800" dirty="0" err="1">
+                <a:latin typeface="Courier New" panose="02070309020205020404" pitchFamily="49" charset="0"/>
+                <a:cs typeface="Courier New" panose="02070309020205020404" pitchFamily="49" charset="0"/>
+              </a:rPr>
+              <a:t>sch:assert</a:t>
+            </a:r>
+            <a:endParaRPr lang="en-GB" sz="1800" dirty="0">
+              <a:latin typeface="Courier New" panose="02070309020205020404" pitchFamily="49" charset="0"/>
+              <a:cs typeface="Courier New" panose="02070309020205020404" pitchFamily="49" charset="0"/>
+            </a:endParaRPr>
+          </a:p>
+          <a:p>
+            <a:pPr marL="0" indent="0">
+              <a:buNone/>
+            </a:pPr>
+            <a:r>
+              <a:rPr lang="en-GB" sz="1800" dirty="0">
+                <a:latin typeface="Courier New" panose="02070309020205020404" pitchFamily="49" charset="0"/>
+                <a:cs typeface="Courier New" panose="02070309020205020404" pitchFamily="49" charset="0"/>
+              </a:rPr>
+              <a:t>  let $reports := $</a:t>
+            </a:r>
+            <a:r>
+              <a:rPr lang="en-GB" sz="1800" dirty="0" err="1">
+                <a:latin typeface="Courier New" panose="02070309020205020404" pitchFamily="49" charset="0"/>
+                <a:cs typeface="Courier New" panose="02070309020205020404" pitchFamily="49" charset="0"/>
+              </a:rPr>
+              <a:t>schematronXSLT</a:t>
+            </a:r>
+            <a:r>
+              <a:rPr lang="en-GB" sz="1800" dirty="0">
+                <a:latin typeface="Courier New" panose="02070309020205020404" pitchFamily="49" charset="0"/>
+                <a:cs typeface="Courier New" panose="02070309020205020404" pitchFamily="49" charset="0"/>
+              </a:rPr>
+              <a:t>/</a:t>
+            </a:r>
+            <a:r>
+              <a:rPr lang="en-GB" sz="1800" dirty="0" err="1">
+                <a:latin typeface="Courier New" panose="02070309020205020404" pitchFamily="49" charset="0"/>
+                <a:cs typeface="Courier New" panose="02070309020205020404" pitchFamily="49" charset="0"/>
+              </a:rPr>
+              <a:t>sch:pattern</a:t>
+            </a:r>
+            <a:r>
+              <a:rPr lang="en-GB" sz="1800" dirty="0">
+                <a:latin typeface="Courier New" panose="02070309020205020404" pitchFamily="49" charset="0"/>
+                <a:cs typeface="Courier New" panose="02070309020205020404" pitchFamily="49" charset="0"/>
+              </a:rPr>
+              <a:t>/</a:t>
+            </a:r>
+            <a:r>
+              <a:rPr lang="en-GB" sz="1800" dirty="0" err="1">
+                <a:latin typeface="Courier New" panose="02070309020205020404" pitchFamily="49" charset="0"/>
+                <a:cs typeface="Courier New" panose="02070309020205020404" pitchFamily="49" charset="0"/>
+              </a:rPr>
+              <a:t>sch:rule</a:t>
+            </a:r>
+            <a:r>
+              <a:rPr lang="en-GB" sz="1800" dirty="0">
+                <a:latin typeface="Courier New" panose="02070309020205020404" pitchFamily="49" charset="0"/>
+                <a:cs typeface="Courier New" panose="02070309020205020404" pitchFamily="49" charset="0"/>
+              </a:rPr>
+              <a:t>/</a:t>
+            </a:r>
+            <a:r>
+              <a:rPr lang="en-GB" sz="1800" dirty="0" err="1">
+                <a:latin typeface="Courier New" panose="02070309020205020404" pitchFamily="49" charset="0"/>
+                <a:cs typeface="Courier New" panose="02070309020205020404" pitchFamily="49" charset="0"/>
+              </a:rPr>
+              <a:t>sch:report</a:t>
+            </a:r>
+            <a:endParaRPr lang="en-GB" sz="1800" dirty="0">
+              <a:latin typeface="Courier New" panose="02070309020205020404" pitchFamily="49" charset="0"/>
+              <a:cs typeface="Courier New" panose="02070309020205020404" pitchFamily="49" charset="0"/>
+            </a:endParaRPr>
+          </a:p>
+          <a:p>
+            <a:pPr marL="0" indent="0">
+              <a:buNone/>
+            </a:pPr>
+            <a:r>
+              <a:rPr lang="en-GB" sz="1800" dirty="0">
+                <a:latin typeface="Courier New" panose="02070309020205020404" pitchFamily="49" charset="0"/>
+                <a:cs typeface="Courier New" panose="02070309020205020404" pitchFamily="49" charset="0"/>
+              </a:rPr>
+              <a:t>  let $transformed := transform(</a:t>
+            </a:r>
+          </a:p>
+          <a:p>
+            <a:pPr marL="0" indent="0">
+              <a:buNone/>
+            </a:pPr>
+            <a:r>
+              <a:rPr lang="en-GB" sz="1800" dirty="0">
+                <a:latin typeface="Courier New" panose="02070309020205020404" pitchFamily="49" charset="0"/>
+                <a:cs typeface="Courier New" panose="02070309020205020404" pitchFamily="49" charset="0"/>
+              </a:rPr>
+              <a:t>    $xml,</a:t>
+            </a:r>
+          </a:p>
+          <a:p>
+            <a:pPr marL="0" indent="0">
+              <a:buNone/>
+            </a:pPr>
+            <a:r>
+              <a:rPr lang="en-GB" sz="1800" dirty="0">
+                <a:latin typeface="Courier New" panose="02070309020205020404" pitchFamily="49" charset="0"/>
+                <a:cs typeface="Courier New" panose="02070309020205020404" pitchFamily="49" charset="0"/>
+              </a:rPr>
+              <a:t>    $</a:t>
+            </a:r>
+            <a:r>
+              <a:rPr lang="en-GB" sz="1800" dirty="0" err="1">
+                <a:latin typeface="Courier New" panose="02070309020205020404" pitchFamily="49" charset="0"/>
+                <a:cs typeface="Courier New" panose="02070309020205020404" pitchFamily="49" charset="0"/>
+              </a:rPr>
+              <a:t>schematronXSLT</a:t>
+            </a:r>
+            <a:r>
+              <a:rPr lang="en-GB" sz="1800" dirty="0">
+                <a:latin typeface="Courier New" panose="02070309020205020404" pitchFamily="49" charset="0"/>
+                <a:cs typeface="Courier New" panose="02070309020205020404" pitchFamily="49" charset="0"/>
+              </a:rPr>
+              <a:t>,</a:t>
+            </a:r>
+          </a:p>
+          <a:p>
+            <a:pPr marL="0" indent="0">
+              <a:buNone/>
+            </a:pPr>
+            <a:r>
+              <a:rPr lang="en-GB" sz="1800" dirty="0">
+                <a:latin typeface="Courier New" panose="02070309020205020404" pitchFamily="49" charset="0"/>
+                <a:cs typeface="Courier New" panose="02070309020205020404" pitchFamily="49" charset="0"/>
+              </a:rPr>
+              <a:t>    map { 'validation-mode': 'lax' }</a:t>
+            </a:r>
+          </a:p>
+          <a:p>
+            <a:pPr marL="0" indent="0">
+              <a:buNone/>
+            </a:pPr>
+            <a:r>
+              <a:rPr lang="en-GB" sz="1800" dirty="0">
+                <a:latin typeface="Courier New" panose="02070309020205020404" pitchFamily="49" charset="0"/>
+                <a:cs typeface="Courier New" panose="02070309020205020404" pitchFamily="49" charset="0"/>
+              </a:rPr>
+              <a:t>  )</a:t>
+            </a:r>
+          </a:p>
+          <a:p>
+            <a:pPr marL="0" indent="0">
+              <a:buNone/>
+            </a:pPr>
+            <a:r>
+              <a:rPr lang="en-GB" sz="1800" dirty="0">
+                <a:latin typeface="Courier New" panose="02070309020205020404" pitchFamily="49" charset="0"/>
+                <a:cs typeface="Courier New" panose="02070309020205020404" pitchFamily="49" charset="0"/>
+              </a:rPr>
+              <a:t>[...]</a:t>
+            </a:r>
+          </a:p>
+        </p:txBody>
+      </p:sp>
+    </p:spTree>
+    <p:extLst>
+      <p:ext uri="{BB962C8B-B14F-4D97-AF65-F5344CB8AC3E}">
+        <p14:creationId xmlns:p14="http://schemas.microsoft.com/office/powerpoint/2010/main" val="3081243603"/>
+      </p:ext>
+    </p:extLst>
+  </p:cSld>
+  <p:clrMapOvr>
+    <a:masterClrMapping/>
+  </p:clrMapOvr>
+</p:sld>
+</file>
+
+<file path=ppt/slides/slide14.xml><?xml version="1.0" encoding="utf-8"?>
+<p:sld xmlns:a="http://schemas.openxmlformats.org/drawingml/2006/main" xmlns:r="http://schemas.openxmlformats.org/officeDocument/2006/relationships" xmlns:p="http://schemas.openxmlformats.org/presentationml/2006/main">
+  <p:cSld>
+    <p:spTree>
+      <p:nvGrpSpPr>
+        <p:cNvPr id="1" name=""/>
+        <p:cNvGrpSpPr/>
+        <p:nvPr/>
+      </p:nvGrpSpPr>
+      <p:grpSpPr>
+        <a:xfrm>
+          <a:off x="0" y="0"/>
+          <a:ext cx="0" cy="0"/>
+          <a:chOff x="0" y="0"/>
+          <a:chExt cx="0" cy="0"/>
+        </a:xfrm>
+      </p:grpSpPr>
+      <p:sp>
+        <p:nvSpPr>
+          <p:cNvPr id="2" name="Title 1">
+            <a:extLst>
+              <a:ext uri="{FF2B5EF4-FFF2-40B4-BE49-F238E27FC236}">
+                <a16:creationId xmlns:a16="http://schemas.microsoft.com/office/drawing/2014/main" id="{A983E35C-8894-4776-86DF-EAACF757D02F}"/>
+              </a:ext>
+            </a:extLst>
+          </p:cNvPr>
+          <p:cNvSpPr>
+            <a:spLocks noGrp="1"/>
+          </p:cNvSpPr>
+          <p:nvPr>
+            <p:ph type="title"/>
+          </p:nvPr>
+        </p:nvSpPr>
+        <p:spPr/>
+        <p:txBody>
+          <a:bodyPr/>
+          <a:lstStyle/>
+          <a:p>
+            <a:r>
+              <a:rPr lang="en-GB" dirty="0"/>
+              <a:t>"Implement </a:t>
+            </a:r>
+            <a:r>
+              <a:rPr lang="en-GB" i="1" dirty="0"/>
+              <a:t>natively</a:t>
+            </a:r>
+            <a:r>
+              <a:rPr lang="en-GB" dirty="0"/>
+              <a:t> […]"</a:t>
+            </a:r>
+          </a:p>
+        </p:txBody>
+      </p:sp>
+      <p:sp>
+        <p:nvSpPr>
+          <p:cNvPr id="3" name="Content Placeholder 2">
+            <a:extLst>
+              <a:ext uri="{FF2B5EF4-FFF2-40B4-BE49-F238E27FC236}">
+                <a16:creationId xmlns:a16="http://schemas.microsoft.com/office/drawing/2014/main" id="{8F3B8AF2-EBAB-4825-840C-058B9D734782}"/>
+              </a:ext>
+            </a:extLst>
+          </p:cNvPr>
+          <p:cNvSpPr>
+            <a:spLocks noGrp="1"/>
+          </p:cNvSpPr>
+          <p:nvPr>
+            <p:ph idx="1"/>
+          </p:nvPr>
+        </p:nvSpPr>
+        <p:spPr/>
+        <p:txBody>
+          <a:bodyPr>
+            <a:normAutofit lnSpcReduction="10000"/>
+          </a:bodyPr>
+          <a:lstStyle/>
+          <a:p>
+            <a:pPr marL="0" indent="0">
+              <a:buNone/>
+            </a:pPr>
+            <a:r>
+              <a:rPr lang="en-GB" sz="1800" dirty="0">
+                <a:latin typeface="Courier New" panose="02070309020205020404" pitchFamily="49" charset="0"/>
+                <a:cs typeface="Courier New" panose="02070309020205020404" pitchFamily="49" charset="0"/>
+              </a:rPr>
+              <a:t>declare namespace </a:t>
+            </a:r>
+            <a:r>
+              <a:rPr lang="en-GB" sz="1800" dirty="0" err="1">
+                <a:latin typeface="Courier New" panose="02070309020205020404" pitchFamily="49" charset="0"/>
+                <a:cs typeface="Courier New" panose="02070309020205020404" pitchFamily="49" charset="0"/>
+              </a:rPr>
+              <a:t>sch</a:t>
+            </a:r>
+            <a:r>
+              <a:rPr lang="en-GB" sz="1800" dirty="0">
+                <a:latin typeface="Courier New" panose="02070309020205020404" pitchFamily="49" charset="0"/>
+                <a:cs typeface="Courier New" panose="02070309020205020404" pitchFamily="49" charset="0"/>
+              </a:rPr>
+              <a:t> = "http://purl.oclc.org/</a:t>
+            </a:r>
+            <a:r>
+              <a:rPr lang="en-GB" sz="1800" dirty="0" err="1">
+                <a:latin typeface="Courier New" panose="02070309020205020404" pitchFamily="49" charset="0"/>
+                <a:cs typeface="Courier New" panose="02070309020205020404" pitchFamily="49" charset="0"/>
+              </a:rPr>
+              <a:t>dsdl</a:t>
+            </a:r>
+            <a:r>
+              <a:rPr lang="en-GB" sz="1800" dirty="0">
+                <a:latin typeface="Courier New" panose="02070309020205020404" pitchFamily="49" charset="0"/>
+                <a:cs typeface="Courier New" panose="02070309020205020404" pitchFamily="49" charset="0"/>
+              </a:rPr>
+              <a:t>/</a:t>
+            </a:r>
+            <a:r>
+              <a:rPr lang="en-GB" sz="1800" dirty="0" err="1">
+                <a:latin typeface="Courier New" panose="02070309020205020404" pitchFamily="49" charset="0"/>
+                <a:cs typeface="Courier New" panose="02070309020205020404" pitchFamily="49" charset="0"/>
+              </a:rPr>
+              <a:t>schematron</a:t>
+            </a:r>
+            <a:r>
+              <a:rPr lang="en-GB" sz="1800" dirty="0">
+                <a:latin typeface="Courier New" panose="02070309020205020404" pitchFamily="49" charset="0"/>
+                <a:cs typeface="Courier New" panose="02070309020205020404" pitchFamily="49" charset="0"/>
+              </a:rPr>
+              <a:t>";</a:t>
+            </a:r>
+          </a:p>
+          <a:p>
+            <a:pPr marL="0" indent="0">
+              <a:buNone/>
+            </a:pPr>
+            <a:r>
+              <a:rPr lang="en-GB" sz="1800" dirty="0">
+                <a:latin typeface="Courier New" panose="02070309020205020404" pitchFamily="49" charset="0"/>
+                <a:cs typeface="Courier New" panose="02070309020205020404" pitchFamily="49" charset="0"/>
+              </a:rPr>
+              <a:t>let $assertions := $</a:t>
+            </a:r>
+            <a:r>
+              <a:rPr lang="en-GB" sz="1800" dirty="0" err="1">
+                <a:latin typeface="Courier New" panose="02070309020205020404" pitchFamily="49" charset="0"/>
+                <a:cs typeface="Courier New" panose="02070309020205020404" pitchFamily="49" charset="0"/>
+              </a:rPr>
+              <a:t>schematron</a:t>
+            </a:r>
+            <a:r>
+              <a:rPr lang="en-GB" sz="1800" dirty="0">
+                <a:latin typeface="Courier New" panose="02070309020205020404" pitchFamily="49" charset="0"/>
+                <a:cs typeface="Courier New" panose="02070309020205020404" pitchFamily="49" charset="0"/>
+              </a:rPr>
+              <a:t>//</a:t>
+            </a:r>
+            <a:r>
+              <a:rPr lang="en-GB" sz="1800" dirty="0" err="1">
+                <a:latin typeface="Courier New" panose="02070309020205020404" pitchFamily="49" charset="0"/>
+                <a:cs typeface="Courier New" panose="02070309020205020404" pitchFamily="49" charset="0"/>
+              </a:rPr>
+              <a:t>sch:assert</a:t>
+            </a:r>
+            <a:endParaRPr lang="en-GB" sz="1800" dirty="0">
+              <a:latin typeface="Courier New" panose="02070309020205020404" pitchFamily="49" charset="0"/>
+              <a:cs typeface="Courier New" panose="02070309020205020404" pitchFamily="49" charset="0"/>
+            </a:endParaRPr>
+          </a:p>
+          <a:p>
+            <a:pPr marL="0" indent="0">
+              <a:buNone/>
+            </a:pPr>
+            <a:r>
+              <a:rPr lang="en-GB" sz="1800" dirty="0">
+                <a:latin typeface="Courier New" panose="02070309020205020404" pitchFamily="49" charset="0"/>
+                <a:cs typeface="Courier New" panose="02070309020205020404" pitchFamily="49" charset="0"/>
+              </a:rPr>
+              <a:t>return (</a:t>
+            </a:r>
+          </a:p>
+          <a:p>
+            <a:pPr marL="0" indent="0">
+              <a:buNone/>
+            </a:pPr>
+            <a:r>
+              <a:rPr lang="en-GB" sz="1800" dirty="0">
+                <a:latin typeface="Courier New" panose="02070309020205020404" pitchFamily="49" charset="0"/>
+                <a:cs typeface="Courier New" panose="02070309020205020404" pitchFamily="49" charset="0"/>
+              </a:rPr>
+              <a:t>    every $assert in $assertions satisfies (</a:t>
+            </a:r>
+          </a:p>
+          <a:p>
+            <a:pPr marL="0" indent="0">
+              <a:buNone/>
+            </a:pPr>
+            <a:r>
+              <a:rPr lang="en-GB" sz="1800" dirty="0">
+                <a:latin typeface="Courier New" panose="02070309020205020404" pitchFamily="49" charset="0"/>
+                <a:cs typeface="Courier New" panose="02070309020205020404" pitchFamily="49" charset="0"/>
+              </a:rPr>
+              <a:t>      let $test := $assert/@test</a:t>
+            </a:r>
+          </a:p>
+          <a:p>
+            <a:pPr marL="0" indent="0">
+              <a:buNone/>
+            </a:pPr>
+            <a:r>
+              <a:rPr lang="en-GB" sz="1800" dirty="0">
+                <a:latin typeface="Courier New" panose="02070309020205020404" pitchFamily="49" charset="0"/>
+                <a:cs typeface="Courier New" panose="02070309020205020404" pitchFamily="49" charset="0"/>
+              </a:rPr>
+              <a:t>      return (</a:t>
+            </a:r>
+          </a:p>
+          <a:p>
+            <a:pPr marL="0" indent="0">
+              <a:buNone/>
+            </a:pPr>
+            <a:r>
+              <a:rPr lang="en-GB" sz="1800" dirty="0">
+                <a:latin typeface="Courier New" panose="02070309020205020404" pitchFamily="49" charset="0"/>
+                <a:cs typeface="Courier New" panose="02070309020205020404" pitchFamily="49" charset="0"/>
+              </a:rPr>
+              <a:t>        if (exists($assert/@role) and $assert/@role = 'warning') then</a:t>
+            </a:r>
+          </a:p>
+          <a:p>
+            <a:pPr marL="0" indent="0">
+              <a:buNone/>
+            </a:pPr>
+            <a:r>
+              <a:rPr lang="en-GB" sz="1800" dirty="0">
+                <a:latin typeface="Courier New" panose="02070309020205020404" pitchFamily="49" charset="0"/>
+                <a:cs typeface="Courier New" panose="02070309020205020404" pitchFamily="49" charset="0"/>
+              </a:rPr>
+              <a:t>          count($xml[not($test)]) </a:t>
+            </a:r>
+            <a:r>
+              <a:rPr lang="en-GB" sz="1800" dirty="0" err="1">
+                <a:latin typeface="Courier New" panose="02070309020205020404" pitchFamily="49" charset="0"/>
+                <a:cs typeface="Courier New" panose="02070309020205020404" pitchFamily="49" charset="0"/>
+              </a:rPr>
+              <a:t>eq</a:t>
+            </a:r>
+            <a:r>
+              <a:rPr lang="en-GB" sz="1800" dirty="0">
+                <a:latin typeface="Courier New" panose="02070309020205020404" pitchFamily="49" charset="0"/>
+                <a:cs typeface="Courier New" panose="02070309020205020404" pitchFamily="49" charset="0"/>
+              </a:rPr>
+              <a:t> 0</a:t>
+            </a:r>
+          </a:p>
+          <a:p>
+            <a:pPr marL="0" indent="0">
+              <a:buNone/>
+            </a:pPr>
+            <a:r>
+              <a:rPr lang="en-GB" sz="1800" dirty="0">
+                <a:latin typeface="Courier New" panose="02070309020205020404" pitchFamily="49" charset="0"/>
+                <a:cs typeface="Courier New" panose="02070309020205020404" pitchFamily="49" charset="0"/>
+              </a:rPr>
+              <a:t>        else</a:t>
+            </a:r>
+          </a:p>
+          <a:p>
+            <a:pPr marL="0" indent="0">
+              <a:buNone/>
+            </a:pPr>
+            <a:r>
+              <a:rPr lang="en-GB" sz="1800" dirty="0">
+                <a:latin typeface="Courier New" panose="02070309020205020404" pitchFamily="49" charset="0"/>
+                <a:cs typeface="Courier New" panose="02070309020205020404" pitchFamily="49" charset="0"/>
+              </a:rPr>
+              <a:t>          exists($xml[$test])</a:t>
+            </a:r>
+          </a:p>
+          <a:p>
+            <a:pPr marL="0" indent="0">
+              <a:buNone/>
+            </a:pPr>
+            <a:r>
+              <a:rPr lang="en-GB" sz="1800" dirty="0">
+                <a:latin typeface="Courier New" panose="02070309020205020404" pitchFamily="49" charset="0"/>
+                <a:cs typeface="Courier New" panose="02070309020205020404" pitchFamily="49" charset="0"/>
+              </a:rPr>
+              <a:t>      )</a:t>
+            </a:r>
+          </a:p>
+          <a:p>
+            <a:pPr marL="0" indent="0">
+              <a:buNone/>
+            </a:pPr>
+            <a:r>
+              <a:rPr lang="en-GB" sz="1800" dirty="0">
+                <a:latin typeface="Courier New" panose="02070309020205020404" pitchFamily="49" charset="0"/>
+                <a:cs typeface="Courier New" panose="02070309020205020404" pitchFamily="49" charset="0"/>
+              </a:rPr>
+              <a:t>    )</a:t>
+            </a:r>
+          </a:p>
+          <a:p>
+            <a:pPr marL="0" indent="0">
+              <a:buNone/>
+            </a:pPr>
+            <a:endParaRPr lang="en-GB" sz="1800" dirty="0">
+              <a:latin typeface="Courier New" panose="02070309020205020404" pitchFamily="49" charset="0"/>
+              <a:cs typeface="Courier New" panose="02070309020205020404" pitchFamily="49" charset="0"/>
+            </a:endParaRPr>
+          </a:p>
+        </p:txBody>
+      </p:sp>
+    </p:spTree>
+    <p:extLst>
+      <p:ext uri="{BB962C8B-B14F-4D97-AF65-F5344CB8AC3E}">
+        <p14:creationId xmlns:p14="http://schemas.microsoft.com/office/powerpoint/2010/main" val="2640866411"/>
+      </p:ext>
+    </p:extLst>
+  </p:cSld>
+  <p:clrMapOvr>
+    <a:masterClrMapping/>
+  </p:clrMapOvr>
+</p:sld>
+</file>
+
+<file path=ppt/slides/slide15.xml><?xml version="1.0" encoding="utf-8"?>
+<p:sld xmlns:a="http://schemas.openxmlformats.org/drawingml/2006/main" xmlns:r="http://schemas.openxmlformats.org/officeDocument/2006/relationships" xmlns:p="http://schemas.openxmlformats.org/presentationml/2006/main">
+  <p:cSld>
+    <p:spTree>
+      <p:nvGrpSpPr>
+        <p:cNvPr id="1" name=""/>
+        <p:cNvGrpSpPr/>
+        <p:nvPr/>
+      </p:nvGrpSpPr>
+      <p:grpSpPr>
+        <a:xfrm>
+          <a:off x="0" y="0"/>
+          <a:ext cx="0" cy="0"/>
+          <a:chOff x="0" y="0"/>
+          <a:chExt cx="0" cy="0"/>
+        </a:xfrm>
+      </p:grpSpPr>
+      <p:sp>
+        <p:nvSpPr>
+          <p:cNvPr id="2" name="Title 1">
+            <a:extLst>
+              <a:ext uri="{FF2B5EF4-FFF2-40B4-BE49-F238E27FC236}">
+                <a16:creationId xmlns:a16="http://schemas.microsoft.com/office/drawing/2014/main" id="{A983E35C-8894-4776-86DF-EAACF757D02F}"/>
+              </a:ext>
+            </a:extLst>
+          </p:cNvPr>
+          <p:cNvSpPr>
+            <a:spLocks noGrp="1"/>
+          </p:cNvSpPr>
+          <p:nvPr>
+            <p:ph type="title"/>
+          </p:nvPr>
+        </p:nvSpPr>
+        <p:spPr/>
+        <p:txBody>
+          <a:bodyPr/>
+          <a:lstStyle/>
+          <a:p>
+            <a:r>
+              <a:rPr lang="en-GB" dirty="0"/>
+              <a:t>“Now include an SVRL report"</a:t>
+            </a:r>
+          </a:p>
+        </p:txBody>
+      </p:sp>
+      <p:sp>
+        <p:nvSpPr>
+          <p:cNvPr id="3" name="Content Placeholder 2">
+            <a:extLst>
+              <a:ext uri="{FF2B5EF4-FFF2-40B4-BE49-F238E27FC236}">
+                <a16:creationId xmlns:a16="http://schemas.microsoft.com/office/drawing/2014/main" id="{8F3B8AF2-EBAB-4825-840C-058B9D734782}"/>
+              </a:ext>
+            </a:extLst>
+          </p:cNvPr>
+          <p:cNvSpPr>
+            <a:spLocks noGrp="1"/>
+          </p:cNvSpPr>
+          <p:nvPr>
+            <p:ph idx="1"/>
+          </p:nvPr>
+        </p:nvSpPr>
+        <p:spPr/>
+        <p:txBody>
+          <a:bodyPr>
+            <a:normAutofit fontScale="92500" lnSpcReduction="10000"/>
+          </a:bodyPr>
+          <a:lstStyle/>
+          <a:p>
+            <a:pPr marL="0" indent="0">
+              <a:buNone/>
+            </a:pPr>
+            <a:r>
+              <a:rPr lang="en-GB" sz="1800" dirty="0">
+                <a:latin typeface="Courier New" panose="02070309020205020404" pitchFamily="49" charset="0"/>
+                <a:cs typeface="Courier New" panose="02070309020205020404" pitchFamily="49" charset="0"/>
+              </a:rPr>
+              <a:t>for $assert in $assertions return</a:t>
+            </a:r>
+          </a:p>
+          <a:p>
+            <a:pPr marL="0" indent="0">
+              <a:buNone/>
+            </a:pPr>
+            <a:r>
+              <a:rPr lang="en-GB" sz="1800" dirty="0">
+                <a:latin typeface="Courier New" panose="02070309020205020404" pitchFamily="49" charset="0"/>
+                <a:cs typeface="Courier New" panose="02070309020205020404" pitchFamily="49" charset="0"/>
+              </a:rPr>
+              <a:t>        if (exists($assert/@role) and $assert/@role = 'warning') then</a:t>
+            </a:r>
+          </a:p>
+          <a:p>
+            <a:pPr marL="0" indent="0">
+              <a:buNone/>
+            </a:pPr>
+            <a:r>
+              <a:rPr lang="en-GB" sz="1800" dirty="0">
+                <a:latin typeface="Courier New" panose="02070309020205020404" pitchFamily="49" charset="0"/>
+                <a:cs typeface="Courier New" panose="02070309020205020404" pitchFamily="49" charset="0"/>
+              </a:rPr>
+              <a:t>          if (count($xml[not($assert/@test)]) </a:t>
+            </a:r>
+            <a:r>
+              <a:rPr lang="en-GB" sz="1800" dirty="0" err="1">
+                <a:latin typeface="Courier New" panose="02070309020205020404" pitchFamily="49" charset="0"/>
+                <a:cs typeface="Courier New" panose="02070309020205020404" pitchFamily="49" charset="0"/>
+              </a:rPr>
+              <a:t>eq</a:t>
+            </a:r>
+            <a:r>
+              <a:rPr lang="en-GB" sz="1800" dirty="0">
+                <a:latin typeface="Courier New" panose="02070309020205020404" pitchFamily="49" charset="0"/>
+                <a:cs typeface="Courier New" panose="02070309020205020404" pitchFamily="49" charset="0"/>
+              </a:rPr>
+              <a:t> 0) then ()</a:t>
+            </a:r>
+          </a:p>
+          <a:p>
+            <a:pPr marL="0" indent="0">
+              <a:buNone/>
+            </a:pPr>
+            <a:r>
+              <a:rPr lang="en-GB" sz="1800" dirty="0">
+                <a:latin typeface="Courier New" panose="02070309020205020404" pitchFamily="49" charset="0"/>
+                <a:cs typeface="Courier New" panose="02070309020205020404" pitchFamily="49" charset="0"/>
+              </a:rPr>
+              <a:t>          else</a:t>
+            </a:r>
+          </a:p>
+          <a:p>
+            <a:pPr marL="0" indent="0">
+              <a:buNone/>
+            </a:pPr>
+            <a:r>
+              <a:rPr lang="en-GB" sz="1800" dirty="0">
+                <a:latin typeface="Courier New" panose="02070309020205020404" pitchFamily="49" charset="0"/>
+                <a:cs typeface="Courier New" panose="02070309020205020404" pitchFamily="49" charset="0"/>
+              </a:rPr>
+              <a:t>            &lt;</a:t>
+            </a:r>
+            <a:r>
+              <a:rPr lang="en-GB" sz="1800" dirty="0" err="1">
+                <a:latin typeface="Courier New" panose="02070309020205020404" pitchFamily="49" charset="0"/>
+                <a:cs typeface="Courier New" panose="02070309020205020404" pitchFamily="49" charset="0"/>
+              </a:rPr>
+              <a:t>svrl:failed-assert</a:t>
+            </a:r>
+            <a:r>
+              <a:rPr lang="en-GB" sz="1800" dirty="0">
+                <a:latin typeface="Courier New" panose="02070309020205020404" pitchFamily="49" charset="0"/>
+                <a:cs typeface="Courier New" panose="02070309020205020404" pitchFamily="49" charset="0"/>
+              </a:rPr>
+              <a:t> test="{$assert/@test}" role="warning"&gt;</a:t>
+            </a:r>
+          </a:p>
+          <a:p>
+            <a:pPr marL="0" indent="0">
+              <a:buNone/>
+            </a:pPr>
+            <a:r>
+              <a:rPr lang="en-GB" sz="1800" dirty="0">
+                <a:latin typeface="Courier New" panose="02070309020205020404" pitchFamily="49" charset="0"/>
+                <a:cs typeface="Courier New" panose="02070309020205020404" pitchFamily="49" charset="0"/>
+              </a:rPr>
+              <a:t>              &lt;</a:t>
+            </a:r>
+            <a:r>
+              <a:rPr lang="en-GB" sz="1800" dirty="0" err="1">
+                <a:latin typeface="Courier New" panose="02070309020205020404" pitchFamily="49" charset="0"/>
+                <a:cs typeface="Courier New" panose="02070309020205020404" pitchFamily="49" charset="0"/>
+              </a:rPr>
+              <a:t>svrl:text</a:t>
+            </a:r>
+            <a:r>
+              <a:rPr lang="en-GB" sz="1800" dirty="0">
+                <a:latin typeface="Courier New" panose="02070309020205020404" pitchFamily="49" charset="0"/>
+                <a:cs typeface="Courier New" panose="02070309020205020404" pitchFamily="49" charset="0"/>
+              </a:rPr>
+              <a:t>&gt;{data($assert)}&lt;/</a:t>
+            </a:r>
+            <a:r>
+              <a:rPr lang="en-GB" sz="1800" dirty="0" err="1">
+                <a:latin typeface="Courier New" panose="02070309020205020404" pitchFamily="49" charset="0"/>
+                <a:cs typeface="Courier New" panose="02070309020205020404" pitchFamily="49" charset="0"/>
+              </a:rPr>
+              <a:t>svrl:text</a:t>
+            </a:r>
+            <a:r>
+              <a:rPr lang="en-GB" sz="1800" dirty="0">
+                <a:latin typeface="Courier New" panose="02070309020205020404" pitchFamily="49" charset="0"/>
+                <a:cs typeface="Courier New" panose="02070309020205020404" pitchFamily="49" charset="0"/>
+              </a:rPr>
+              <a:t>&gt;</a:t>
+            </a:r>
+          </a:p>
+          <a:p>
+            <a:pPr marL="0" indent="0">
+              <a:buNone/>
+            </a:pPr>
+            <a:r>
+              <a:rPr lang="en-GB" sz="1800" dirty="0">
+                <a:latin typeface="Courier New" panose="02070309020205020404" pitchFamily="49" charset="0"/>
+                <a:cs typeface="Courier New" panose="02070309020205020404" pitchFamily="49" charset="0"/>
+              </a:rPr>
+              <a:t>            &lt;/</a:t>
+            </a:r>
+            <a:r>
+              <a:rPr lang="en-GB" sz="1800" dirty="0" err="1">
+                <a:latin typeface="Courier New" panose="02070309020205020404" pitchFamily="49" charset="0"/>
+                <a:cs typeface="Courier New" panose="02070309020205020404" pitchFamily="49" charset="0"/>
+              </a:rPr>
+              <a:t>svrl:failed-assert</a:t>
+            </a:r>
+            <a:r>
+              <a:rPr lang="en-GB" sz="1800" dirty="0">
+                <a:latin typeface="Courier New" panose="02070309020205020404" pitchFamily="49" charset="0"/>
+                <a:cs typeface="Courier New" panose="02070309020205020404" pitchFamily="49" charset="0"/>
+              </a:rPr>
+              <a:t>&gt;</a:t>
+            </a:r>
+          </a:p>
+          <a:p>
+            <a:pPr marL="0" indent="0">
+              <a:buNone/>
+            </a:pPr>
+            <a:r>
+              <a:rPr lang="en-GB" sz="1800" dirty="0">
+                <a:latin typeface="Courier New" panose="02070309020205020404" pitchFamily="49" charset="0"/>
+                <a:cs typeface="Courier New" panose="02070309020205020404" pitchFamily="49" charset="0"/>
+              </a:rPr>
+              <a:t>        else</a:t>
+            </a:r>
+          </a:p>
+          <a:p>
+            <a:pPr marL="0" indent="0">
+              <a:buNone/>
+            </a:pPr>
+            <a:r>
+              <a:rPr lang="en-GB" sz="1800" dirty="0">
+                <a:latin typeface="Courier New" panose="02070309020205020404" pitchFamily="49" charset="0"/>
+                <a:cs typeface="Courier New" panose="02070309020205020404" pitchFamily="49" charset="0"/>
+              </a:rPr>
+              <a:t>          if (exists($xml[$assert/@test])) then ()</a:t>
+            </a:r>
+          </a:p>
+          <a:p>
+            <a:pPr marL="0" indent="0">
+              <a:buNone/>
+            </a:pPr>
+            <a:r>
+              <a:rPr lang="en-GB" sz="1800" dirty="0">
+                <a:latin typeface="Courier New" panose="02070309020205020404" pitchFamily="49" charset="0"/>
+                <a:cs typeface="Courier New" panose="02070309020205020404" pitchFamily="49" charset="0"/>
+              </a:rPr>
+              <a:t>          else</a:t>
+            </a:r>
+          </a:p>
+          <a:p>
+            <a:pPr marL="0" indent="0">
+              <a:buNone/>
+            </a:pPr>
+            <a:r>
+              <a:rPr lang="en-GB" sz="1800" dirty="0">
+                <a:latin typeface="Courier New" panose="02070309020205020404" pitchFamily="49" charset="0"/>
+                <a:cs typeface="Courier New" panose="02070309020205020404" pitchFamily="49" charset="0"/>
+              </a:rPr>
+              <a:t>            &lt;</a:t>
+            </a:r>
+            <a:r>
+              <a:rPr lang="en-GB" sz="1800" dirty="0" err="1">
+                <a:latin typeface="Courier New" panose="02070309020205020404" pitchFamily="49" charset="0"/>
+                <a:cs typeface="Courier New" panose="02070309020205020404" pitchFamily="49" charset="0"/>
+              </a:rPr>
+              <a:t>svrl:failed-assert</a:t>
+            </a:r>
+            <a:r>
+              <a:rPr lang="en-GB" sz="1800" dirty="0">
+                <a:latin typeface="Courier New" panose="02070309020205020404" pitchFamily="49" charset="0"/>
+                <a:cs typeface="Courier New" panose="02070309020205020404" pitchFamily="49" charset="0"/>
+              </a:rPr>
+              <a:t> test="{$assert/@test}"&gt;</a:t>
+            </a:r>
+          </a:p>
+          <a:p>
+            <a:pPr marL="0" indent="0">
+              <a:buNone/>
+            </a:pPr>
+            <a:r>
+              <a:rPr lang="en-GB" sz="1800" dirty="0">
+                <a:latin typeface="Courier New" panose="02070309020205020404" pitchFamily="49" charset="0"/>
+                <a:cs typeface="Courier New" panose="02070309020205020404" pitchFamily="49" charset="0"/>
+              </a:rPr>
+              <a:t>              &lt;</a:t>
+            </a:r>
+            <a:r>
+              <a:rPr lang="en-GB" sz="1800" dirty="0" err="1">
+                <a:latin typeface="Courier New" panose="02070309020205020404" pitchFamily="49" charset="0"/>
+                <a:cs typeface="Courier New" panose="02070309020205020404" pitchFamily="49" charset="0"/>
+              </a:rPr>
+              <a:t>svrl:text</a:t>
+            </a:r>
+            <a:r>
+              <a:rPr lang="en-GB" sz="1800" dirty="0">
+                <a:latin typeface="Courier New" panose="02070309020205020404" pitchFamily="49" charset="0"/>
+                <a:cs typeface="Courier New" panose="02070309020205020404" pitchFamily="49" charset="0"/>
+              </a:rPr>
+              <a:t>&gt;{data($assert)}&lt;/</a:t>
+            </a:r>
+            <a:r>
+              <a:rPr lang="en-GB" sz="1800" dirty="0" err="1">
+                <a:latin typeface="Courier New" panose="02070309020205020404" pitchFamily="49" charset="0"/>
+                <a:cs typeface="Courier New" panose="02070309020205020404" pitchFamily="49" charset="0"/>
+              </a:rPr>
+              <a:t>svrl:text</a:t>
+            </a:r>
+            <a:r>
+              <a:rPr lang="en-GB" sz="1800" dirty="0">
+                <a:latin typeface="Courier New" panose="02070309020205020404" pitchFamily="49" charset="0"/>
+                <a:cs typeface="Courier New" panose="02070309020205020404" pitchFamily="49" charset="0"/>
+              </a:rPr>
+              <a:t>&gt;</a:t>
+            </a:r>
+          </a:p>
+          <a:p>
+            <a:pPr marL="0" indent="0">
+              <a:buNone/>
+            </a:pPr>
+            <a:r>
+              <a:rPr lang="en-GB" sz="1800" dirty="0">
+                <a:latin typeface="Courier New" panose="02070309020205020404" pitchFamily="49" charset="0"/>
+                <a:cs typeface="Courier New" panose="02070309020205020404" pitchFamily="49" charset="0"/>
+              </a:rPr>
+              <a:t>            &lt;/</a:t>
+            </a:r>
+            <a:r>
+              <a:rPr lang="en-GB" sz="1800" dirty="0" err="1">
+                <a:latin typeface="Courier New" panose="02070309020205020404" pitchFamily="49" charset="0"/>
+                <a:cs typeface="Courier New" panose="02070309020205020404" pitchFamily="49" charset="0"/>
+              </a:rPr>
+              <a:t>svrl:failed-assert</a:t>
+            </a:r>
+            <a:r>
+              <a:rPr lang="en-GB" sz="1800" dirty="0">
+                <a:latin typeface="Courier New" panose="02070309020205020404" pitchFamily="49" charset="0"/>
+                <a:cs typeface="Courier New" panose="02070309020205020404" pitchFamily="49" charset="0"/>
+              </a:rPr>
+              <a:t>&gt;</a:t>
+            </a:r>
+          </a:p>
+          <a:p>
+            <a:pPr marL="0" indent="0">
+              <a:buNone/>
+            </a:pPr>
+            <a:endParaRPr lang="en-GB" sz="1800" dirty="0">
+              <a:latin typeface="Courier New" panose="02070309020205020404" pitchFamily="49" charset="0"/>
+              <a:cs typeface="Courier New" panose="02070309020205020404" pitchFamily="49" charset="0"/>
+            </a:endParaRPr>
+          </a:p>
+        </p:txBody>
+      </p:sp>
+    </p:spTree>
+    <p:extLst>
+      <p:ext uri="{BB962C8B-B14F-4D97-AF65-F5344CB8AC3E}">
+        <p14:creationId xmlns:p14="http://schemas.microsoft.com/office/powerpoint/2010/main" val="1306449728"/>
+      </p:ext>
+    </p:extLst>
+  </p:cSld>
+  <p:clrMapOvr>
+    <a:masterClrMapping/>
+  </p:clrMapOvr>
+</p:sld>
+</file>
+
+<file path=ppt/slides/slide16.xml><?xml version="1.0" encoding="utf-8"?>
+<p:sld xmlns:a="http://schemas.openxmlformats.org/drawingml/2006/main" xmlns:r="http://schemas.openxmlformats.org/officeDocument/2006/relationships" xmlns:p="http://schemas.openxmlformats.org/presentationml/2006/main">
+  <p:cSld>
+    <p:spTree>
+      <p:nvGrpSpPr>
+        <p:cNvPr id="1" name=""/>
+        <p:cNvGrpSpPr/>
+        <p:nvPr/>
+      </p:nvGrpSpPr>
+      <p:grpSpPr>
+        <a:xfrm>
+          <a:off x="0" y="0"/>
+          <a:ext cx="0" cy="0"/>
+          <a:chOff x="0" y="0"/>
+          <a:chExt cx="0" cy="0"/>
+        </a:xfrm>
+      </p:grpSpPr>
+      <p:sp>
+        <p:nvSpPr>
+          <p:cNvPr id="2" name="Title 1">
+            <a:extLst>
+              <a:ext uri="{FF2B5EF4-FFF2-40B4-BE49-F238E27FC236}">
+                <a16:creationId xmlns:a16="http://schemas.microsoft.com/office/drawing/2014/main" id="{2FB356C2-06C4-442A-A402-479E04F3D635}"/>
+              </a:ext>
+            </a:extLst>
+          </p:cNvPr>
+          <p:cNvSpPr>
+            <a:spLocks noGrp="1"/>
+          </p:cNvSpPr>
+          <p:nvPr>
+            <p:ph type="title"/>
+          </p:nvPr>
+        </p:nvSpPr>
+        <p:spPr/>
+        <p:txBody>
+          <a:bodyPr/>
+          <a:lstStyle/>
+          <a:p>
+            <a:r>
+              <a:rPr lang="en-GB" dirty="0"/>
+              <a:t>Schema structure</a:t>
+            </a:r>
+          </a:p>
+        </p:txBody>
+      </p:sp>
+      <p:sp>
+        <p:nvSpPr>
+          <p:cNvPr id="3" name="Content Placeholder 2">
+            <a:extLst>
+              <a:ext uri="{FF2B5EF4-FFF2-40B4-BE49-F238E27FC236}">
+                <a16:creationId xmlns:a16="http://schemas.microsoft.com/office/drawing/2014/main" id="{1ED63B97-EB0E-4A38-A817-3F0BF69F104B}"/>
+              </a:ext>
+            </a:extLst>
+          </p:cNvPr>
+          <p:cNvSpPr>
+            <a:spLocks noGrp="1"/>
+          </p:cNvSpPr>
+          <p:nvPr>
+            <p:ph idx="1"/>
+          </p:nvPr>
+        </p:nvSpPr>
+        <p:spPr/>
+        <p:txBody>
+          <a:bodyPr/>
+          <a:lstStyle/>
+          <a:p>
+            <a:r>
+              <a:rPr lang="en-GB" dirty="0"/>
+              <a:t>Before diving into approach, an overview of </a:t>
+            </a:r>
+            <a:r>
+              <a:rPr lang="en-GB" dirty="0" err="1"/>
+              <a:t>Schematron</a:t>
+            </a:r>
+            <a:r>
+              <a:rPr lang="en-GB" dirty="0"/>
+              <a:t> schema structure: </a:t>
+            </a:r>
+          </a:p>
+          <a:p>
+            <a:pPr lvl="1"/>
+            <a:r>
+              <a:rPr lang="en-GB" dirty="0"/>
+              <a:t>Phase, pattern, rule, constraints (diagram)</a:t>
+            </a:r>
+          </a:p>
+        </p:txBody>
+      </p:sp>
+    </p:spTree>
+    <p:extLst>
+      <p:ext uri="{BB962C8B-B14F-4D97-AF65-F5344CB8AC3E}">
+        <p14:creationId xmlns:p14="http://schemas.microsoft.com/office/powerpoint/2010/main" val="2745836092"/>
+      </p:ext>
+    </p:extLst>
+  </p:cSld>
+  <p:clrMapOvr>
+    <a:masterClrMapping/>
+  </p:clrMapOvr>
+</p:sld>
+</file>
+
+<file path=ppt/slides/slide17.xml><?xml version="1.0" encoding="utf-8"?>
+<p:sld xmlns:a="http://schemas.openxmlformats.org/drawingml/2006/main" xmlns:r="http://schemas.openxmlformats.org/officeDocument/2006/relationships" xmlns:p="http://schemas.openxmlformats.org/presentationml/2006/main">
+  <p:cSld>
+    <p:spTree>
+      <p:nvGrpSpPr>
+        <p:cNvPr id="1" name=""/>
+        <p:cNvGrpSpPr/>
+        <p:nvPr/>
+      </p:nvGrpSpPr>
+      <p:grpSpPr>
+        <a:xfrm>
+          <a:off x="0" y="0"/>
+          <a:ext cx="0" cy="0"/>
+          <a:chOff x="0" y="0"/>
+          <a:chExt cx="0" cy="0"/>
+        </a:xfrm>
+      </p:grpSpPr>
+      <p:sp>
+        <p:nvSpPr>
+          <p:cNvPr id="2" name="Title 1">
+            <a:extLst>
+              <a:ext uri="{FF2B5EF4-FFF2-40B4-BE49-F238E27FC236}">
+                <a16:creationId xmlns:a16="http://schemas.microsoft.com/office/drawing/2014/main" id="{EEA90060-1A29-470E-866E-70D5A351A181}"/>
+              </a:ext>
+            </a:extLst>
+          </p:cNvPr>
+          <p:cNvSpPr>
+            <a:spLocks noGrp="1"/>
+          </p:cNvSpPr>
+          <p:nvPr>
+            <p:ph type="title"/>
+          </p:nvPr>
+        </p:nvSpPr>
+        <p:spPr/>
+        <p:txBody>
+          <a:bodyPr/>
+          <a:lstStyle/>
+          <a:p>
+            <a:r>
+              <a:rPr lang="en-GB" dirty="0"/>
+              <a:t>Processing model</a:t>
+            </a:r>
+          </a:p>
+        </p:txBody>
+      </p:sp>
+      <p:sp>
+        <p:nvSpPr>
+          <p:cNvPr id="3" name="Content Placeholder 2">
+            <a:extLst>
+              <a:ext uri="{FF2B5EF4-FFF2-40B4-BE49-F238E27FC236}">
+                <a16:creationId xmlns:a16="http://schemas.microsoft.com/office/drawing/2014/main" id="{41DDF197-3764-4F6C-A6DB-E8373BD993B1}"/>
+              </a:ext>
+            </a:extLst>
+          </p:cNvPr>
+          <p:cNvSpPr>
+            <a:spLocks noGrp="1"/>
+          </p:cNvSpPr>
+          <p:nvPr>
+            <p:ph idx="1"/>
+          </p:nvPr>
+        </p:nvSpPr>
+        <p:spPr/>
+        <p:txBody>
+          <a:bodyPr/>
+          <a:lstStyle/>
+          <a:p>
+            <a:r>
+              <a:rPr lang="en-GB" dirty="0"/>
+              <a:t>Include, expand, compile</a:t>
+            </a:r>
+          </a:p>
+        </p:txBody>
+      </p:sp>
+    </p:spTree>
+    <p:extLst>
+      <p:ext uri="{BB962C8B-B14F-4D97-AF65-F5344CB8AC3E}">
+        <p14:creationId xmlns:p14="http://schemas.microsoft.com/office/powerpoint/2010/main" val="387842745"/>
+      </p:ext>
+    </p:extLst>
+  </p:cSld>
+  <p:clrMapOvr>
+    <a:masterClrMapping/>
+  </p:clrMapOvr>
+</p:sld>
+</file>
+
+<file path=ppt/slides/slide18.xml><?xml version="1.0" encoding="utf-8"?>
+<p:sld xmlns:a="http://schemas.openxmlformats.org/drawingml/2006/main" xmlns:r="http://schemas.openxmlformats.org/officeDocument/2006/relationships" xmlns:p="http://schemas.openxmlformats.org/presentationml/2006/main">
+  <p:cSld>
+    <p:spTree>
+      <p:nvGrpSpPr>
+        <p:cNvPr id="1" name=""/>
+        <p:cNvGrpSpPr/>
+        <p:nvPr/>
+      </p:nvGrpSpPr>
+      <p:grpSpPr>
+        <a:xfrm>
+          <a:off x="0" y="0"/>
+          <a:ext cx="0" cy="0"/>
+          <a:chOff x="0" y="0"/>
+          <a:chExt cx="0" cy="0"/>
+        </a:xfrm>
+      </p:grpSpPr>
+      <p:sp>
+        <p:nvSpPr>
+          <p:cNvPr id="2" name="Title 1">
+            <a:extLst>
+              <a:ext uri="{FF2B5EF4-FFF2-40B4-BE49-F238E27FC236}">
+                <a16:creationId xmlns:a16="http://schemas.microsoft.com/office/drawing/2014/main" id="{6775A2C5-0F9E-4A8E-B122-59CE8682FDCF}"/>
+              </a:ext>
+            </a:extLst>
+          </p:cNvPr>
+          <p:cNvSpPr>
+            <a:spLocks noGrp="1"/>
+          </p:cNvSpPr>
+          <p:nvPr>
+            <p:ph type="title"/>
+          </p:nvPr>
+        </p:nvSpPr>
+        <p:spPr/>
+        <p:txBody>
+          <a:bodyPr/>
+          <a:lstStyle/>
+          <a:p>
+            <a:r>
+              <a:rPr lang="en-GB" dirty="0"/>
+              <a:t>Caveats</a:t>
+            </a:r>
+          </a:p>
+        </p:txBody>
+      </p:sp>
+      <p:sp>
+        <p:nvSpPr>
+          <p:cNvPr id="3" name="Content Placeholder 2">
+            <a:extLst>
+              <a:ext uri="{FF2B5EF4-FFF2-40B4-BE49-F238E27FC236}">
+                <a16:creationId xmlns:a16="http://schemas.microsoft.com/office/drawing/2014/main" id="{3C3FBDD6-99E9-4118-909C-CF9C85026BBE}"/>
+              </a:ext>
+            </a:extLst>
+          </p:cNvPr>
+          <p:cNvSpPr>
+            <a:spLocks noGrp="1"/>
+          </p:cNvSpPr>
+          <p:nvPr>
+            <p:ph idx="1"/>
+          </p:nvPr>
+        </p:nvSpPr>
+        <p:spPr/>
+        <p:txBody>
+          <a:bodyPr/>
+          <a:lstStyle/>
+          <a:p>
+            <a:r>
+              <a:rPr lang="en-GB" dirty="0"/>
+              <a:t>No expansion/inclusion &amp; WHY</a:t>
+            </a:r>
+          </a:p>
+          <a:p>
+            <a:r>
+              <a:rPr lang="en-GB" dirty="0"/>
+              <a:t>BUT </a:t>
+            </a:r>
+            <a:r>
+              <a:rPr lang="en-GB" i="1" dirty="0"/>
+              <a:t>dynamic evaluation</a:t>
+            </a:r>
+            <a:r>
+              <a:rPr lang="en-GB" dirty="0"/>
+              <a:t> as well as compilation</a:t>
+            </a:r>
+          </a:p>
+        </p:txBody>
+      </p:sp>
+    </p:spTree>
+    <p:extLst>
+      <p:ext uri="{BB962C8B-B14F-4D97-AF65-F5344CB8AC3E}">
+        <p14:creationId xmlns:p14="http://schemas.microsoft.com/office/powerpoint/2010/main" val="1039456742"/>
+      </p:ext>
+    </p:extLst>
+  </p:cSld>
+  <p:clrMapOvr>
+    <a:masterClrMapping/>
+  </p:clrMapOvr>
+</p:sld>
+</file>
+
+<file path=ppt/slides/slide19.xml><?xml version="1.0" encoding="utf-8"?>
+<p:sld xmlns:a="http://schemas.openxmlformats.org/drawingml/2006/main" xmlns:r="http://schemas.openxmlformats.org/officeDocument/2006/relationships" xmlns:p="http://schemas.openxmlformats.org/presentationml/2006/main">
+  <p:cSld>
+    <p:spTree>
+      <p:nvGrpSpPr>
+        <p:cNvPr id="1" name=""/>
+        <p:cNvGrpSpPr/>
+        <p:nvPr/>
+      </p:nvGrpSpPr>
+      <p:grpSpPr>
+        <a:xfrm>
+          <a:off x="0" y="0"/>
+          <a:ext cx="0" cy="0"/>
+          <a:chOff x="0" y="0"/>
+          <a:chExt cx="0" cy="0"/>
+        </a:xfrm>
+      </p:grpSpPr>
+      <p:sp>
+        <p:nvSpPr>
+          <p:cNvPr id="2" name="Title 1">
+            <a:extLst>
+              <a:ext uri="{FF2B5EF4-FFF2-40B4-BE49-F238E27FC236}">
+                <a16:creationId xmlns:a16="http://schemas.microsoft.com/office/drawing/2014/main" id="{F8E39FCD-263E-49E9-A9BA-2CC51CD18818}"/>
+              </a:ext>
+            </a:extLst>
+          </p:cNvPr>
+          <p:cNvSpPr>
+            <a:spLocks noGrp="1"/>
+          </p:cNvSpPr>
+          <p:nvPr>
+            <p:ph type="title"/>
+          </p:nvPr>
+        </p:nvSpPr>
+        <p:spPr/>
+        <p:txBody>
+          <a:bodyPr/>
+          <a:lstStyle/>
+          <a:p>
+            <a:r>
+              <a:rPr lang="en-GB" dirty="0"/>
+              <a:t>Evaluate vs compile</a:t>
+            </a:r>
+          </a:p>
+        </p:txBody>
+      </p:sp>
+      <p:sp>
+        <p:nvSpPr>
+          <p:cNvPr id="3" name="Content Placeholder 2">
+            <a:extLst>
+              <a:ext uri="{FF2B5EF4-FFF2-40B4-BE49-F238E27FC236}">
+                <a16:creationId xmlns:a16="http://schemas.microsoft.com/office/drawing/2014/main" id="{E6BBAF03-F045-4E55-9DD4-E380087EC493}"/>
+              </a:ext>
+            </a:extLst>
+          </p:cNvPr>
+          <p:cNvSpPr>
+            <a:spLocks noGrp="1"/>
+          </p:cNvSpPr>
+          <p:nvPr>
+            <p:ph idx="1"/>
+          </p:nvPr>
+        </p:nvSpPr>
+        <p:spPr/>
+        <p:txBody>
+          <a:bodyPr/>
+          <a:lstStyle/>
+          <a:p>
+            <a:r>
+              <a:rPr lang="en-GB" dirty="0"/>
+              <a:t>[diagram the </a:t>
+            </a:r>
+            <a:r>
+              <a:rPr lang="en-GB"/>
+              <a:t>two approaches]</a:t>
+            </a:r>
+          </a:p>
+        </p:txBody>
+      </p:sp>
+    </p:spTree>
+    <p:extLst>
+      <p:ext uri="{BB962C8B-B14F-4D97-AF65-F5344CB8AC3E}">
+        <p14:creationId xmlns:p14="http://schemas.microsoft.com/office/powerpoint/2010/main" val="2214602858"/>
+      </p:ext>
+    </p:extLst>
+  </p:cSld>
+  <p:clrMapOvr>
+    <a:masterClrMapping/>
+  </p:clrMapOvr>
+</p:sld>
+</file>
+
 <file path=ppt/slides/slide2.xml><?xml version="1.0" encoding="utf-8"?>
 <p:sld xmlns:a="http://schemas.openxmlformats.org/drawingml/2006/main" xmlns:r="http://schemas.openxmlformats.org/officeDocument/2006/relationships" xmlns:p="http://schemas.openxmlformats.org/presentationml/2006/main">
   <p:cSld>
@@ -3467,7 +7199,7 @@
           <p:cNvPr id="2" name="Title 1">
             <a:extLst>
               <a:ext uri="{FF2B5EF4-FFF2-40B4-BE49-F238E27FC236}">
-                <a16:creationId xmlns:a16="http://schemas.microsoft.com/office/drawing/2014/main" id="{2445436C-6011-42E9-98AC-CEA1EDBE1D1B}"/>
+                <a16:creationId xmlns:a16="http://schemas.microsoft.com/office/drawing/2014/main" id="{784B8410-C00C-4672-BBB7-2BBC71FCE1E3}"/>
               </a:ext>
             </a:extLst>
           </p:cNvPr>
@@ -3485,7 +7217,7 @@
           <a:p>
             <a:r>
               <a:rPr lang="en-GB" dirty="0"/>
-              <a:t>About me(?)</a:t>
+              <a:t>Agenda(?)</a:t>
             </a:r>
           </a:p>
         </p:txBody>
@@ -3495,7 +7227,7 @@
           <p:cNvPr id="3" name="Content Placeholder 2">
             <a:extLst>
               <a:ext uri="{FF2B5EF4-FFF2-40B4-BE49-F238E27FC236}">
-                <a16:creationId xmlns:a16="http://schemas.microsoft.com/office/drawing/2014/main" id="{12D5AB50-1D19-46BB-86AA-778CC5B5EDB5}"/>
+                <a16:creationId xmlns:a16="http://schemas.microsoft.com/office/drawing/2014/main" id="{63E9798D-91A3-4B18-902F-7250FD444FFC}"/>
               </a:ext>
             </a:extLst>
           </p:cNvPr>
@@ -3511,14 +7243,135 @@
           <a:bodyPr/>
           <a:lstStyle/>
           <a:p>
-            <a:endParaRPr lang="en-GB"/>
+            <a:r>
+              <a:rPr lang="en-GB" dirty="0"/>
+              <a:t>What it is</a:t>
+            </a:r>
+          </a:p>
+          <a:p>
+            <a:r>
+              <a:rPr lang="en-GB" dirty="0"/>
+              <a:t>Why do it</a:t>
+            </a:r>
+          </a:p>
+          <a:p>
+            <a:r>
+              <a:rPr lang="en-GB" dirty="0"/>
+              <a:t>Design goals</a:t>
+            </a:r>
+          </a:p>
+          <a:p>
+            <a:r>
+              <a:rPr lang="en-GB" dirty="0"/>
+              <a:t>[…]</a:t>
+            </a:r>
           </a:p>
         </p:txBody>
       </p:sp>
     </p:spTree>
     <p:extLst>
       <p:ext uri="{BB962C8B-B14F-4D97-AF65-F5344CB8AC3E}">
-        <p14:creationId xmlns:p14="http://schemas.microsoft.com/office/powerpoint/2010/main" val="1778811556"/>
+        <p14:creationId xmlns:p14="http://schemas.microsoft.com/office/powerpoint/2010/main" val="822120073"/>
+      </p:ext>
+    </p:extLst>
+  </p:cSld>
+  <p:clrMapOvr>
+    <a:masterClrMapping/>
+  </p:clrMapOvr>
+</p:sld>
+</file>
+
+<file path=ppt/slides/slide20.xml><?xml version="1.0" encoding="utf-8"?>
+<p:sld xmlns:a="http://schemas.openxmlformats.org/drawingml/2006/main" xmlns:r="http://schemas.openxmlformats.org/officeDocument/2006/relationships" xmlns:p="http://schemas.openxmlformats.org/presentationml/2006/main">
+  <p:cSld>
+    <p:spTree>
+      <p:nvGrpSpPr>
+        <p:cNvPr id="1" name=""/>
+        <p:cNvGrpSpPr/>
+        <p:nvPr/>
+      </p:nvGrpSpPr>
+      <p:grpSpPr>
+        <a:xfrm>
+          <a:off x="0" y="0"/>
+          <a:ext cx="0" cy="0"/>
+          <a:chOff x="0" y="0"/>
+          <a:chExt cx="0" cy="0"/>
+        </a:xfrm>
+      </p:grpSpPr>
+      <p:sp>
+        <p:nvSpPr>
+          <p:cNvPr id="4" name="Title 3">
+            <a:extLst>
+              <a:ext uri="{FF2B5EF4-FFF2-40B4-BE49-F238E27FC236}">
+                <a16:creationId xmlns:a16="http://schemas.microsoft.com/office/drawing/2014/main" id="{0FBCD12B-A862-4465-B004-BAB5D6FC010C}"/>
+              </a:ext>
+            </a:extLst>
+          </p:cNvPr>
+          <p:cNvSpPr>
+            <a:spLocks noGrp="1"/>
+          </p:cNvSpPr>
+          <p:nvPr>
+            <p:ph type="title"/>
+          </p:nvPr>
+        </p:nvSpPr>
+        <p:spPr/>
+        <p:txBody>
+          <a:bodyPr/>
+          <a:lstStyle/>
+          <a:p>
+            <a:r>
+              <a:rPr lang="en-GB" dirty="0"/>
+              <a:t>Questions?</a:t>
+            </a:r>
+          </a:p>
+        </p:txBody>
+      </p:sp>
+      <p:sp>
+        <p:nvSpPr>
+          <p:cNvPr id="5" name="Content Placeholder 4">
+            <a:extLst>
+              <a:ext uri="{FF2B5EF4-FFF2-40B4-BE49-F238E27FC236}">
+                <a16:creationId xmlns:a16="http://schemas.microsoft.com/office/drawing/2014/main" id="{AD6F4A95-0701-4FDE-BA89-6FCDE959403B}"/>
+              </a:ext>
+            </a:extLst>
+          </p:cNvPr>
+          <p:cNvSpPr>
+            <a:spLocks noGrp="1"/>
+          </p:cNvSpPr>
+          <p:nvPr>
+            <p:ph idx="1"/>
+          </p:nvPr>
+        </p:nvSpPr>
+        <p:spPr/>
+        <p:txBody>
+          <a:bodyPr/>
+          <a:lstStyle/>
+          <a:p>
+            <a:r>
+              <a:rPr lang="en-GB" dirty="0"/>
+              <a:t>[</a:t>
+            </a:r>
+            <a:r>
+              <a:rPr lang="en-GB" dirty="0" err="1"/>
+              <a:t>github</a:t>
+            </a:r>
+            <a:r>
+              <a:rPr lang="en-GB" dirty="0"/>
+              <a:t> link]</a:t>
+            </a:r>
+          </a:p>
+          <a:p>
+            <a:r>
+              <a:rPr lang="en-GB" dirty="0"/>
+              <a:t>[contact details]</a:t>
+            </a:r>
+          </a:p>
+        </p:txBody>
+      </p:sp>
+    </p:spTree>
+    <p:extLst>
+      <p:ext uri="{BB962C8B-B14F-4D97-AF65-F5344CB8AC3E}">
+        <p14:creationId xmlns:p14="http://schemas.microsoft.com/office/powerpoint/2010/main" val="3254607614"/>
       </p:ext>
     </p:extLst>
   </p:cSld>
@@ -3550,7 +7403,7 @@
           <p:cNvPr id="2" name="Title 1">
             <a:extLst>
               <a:ext uri="{FF2B5EF4-FFF2-40B4-BE49-F238E27FC236}">
-                <a16:creationId xmlns:a16="http://schemas.microsoft.com/office/drawing/2014/main" id="{D94960CE-AA87-4ECC-B035-B00C0A6C8655}"/>
+                <a16:creationId xmlns:a16="http://schemas.microsoft.com/office/drawing/2014/main" id="{2445436C-6011-42E9-98AC-CEA1EDBE1D1B}"/>
               </a:ext>
             </a:extLst>
           </p:cNvPr>
@@ -3568,7 +7421,7 @@
           <a:p>
             <a:r>
               <a:rPr lang="en-GB" dirty="0"/>
-              <a:t>Why do this?</a:t>
+              <a:t>About me</a:t>
             </a:r>
           </a:p>
         </p:txBody>
@@ -3578,7 +7431,7 @@
           <p:cNvPr id="3" name="Content Placeholder 2">
             <a:extLst>
               <a:ext uri="{FF2B5EF4-FFF2-40B4-BE49-F238E27FC236}">
-                <a16:creationId xmlns:a16="http://schemas.microsoft.com/office/drawing/2014/main" id="{944931B2-19D0-42BD-AA04-7F1A24A87D8E}"/>
+                <a16:creationId xmlns:a16="http://schemas.microsoft.com/office/drawing/2014/main" id="{12D5AB50-1D19-46BB-86AA-778CC5B5EDB5}"/>
               </a:ext>
             </a:extLst>
           </p:cNvPr>
@@ -3594,14 +7447,29 @@
           <a:bodyPr/>
           <a:lstStyle/>
           <a:p>
-            <a:endParaRPr lang="en-GB"/>
+            <a:r>
+              <a:rPr lang="en-GB" dirty="0"/>
+              <a:t>Project editor, ISO/IEC 19757-3</a:t>
+            </a:r>
+          </a:p>
+          <a:p>
+            <a:r>
+              <a:rPr lang="en-GB" dirty="0"/>
+              <a:t>Convenor, ISO/IEC JTC 1/SC 34/WG 10</a:t>
+            </a:r>
+          </a:p>
+          <a:p>
+            <a:r>
+              <a:rPr lang="en-GB" dirty="0"/>
+              <a:t>Work at publisher based in London</a:t>
+            </a:r>
           </a:p>
         </p:txBody>
       </p:sp>
     </p:spTree>
     <p:extLst>
       <p:ext uri="{BB962C8B-B14F-4D97-AF65-F5344CB8AC3E}">
-        <p14:creationId xmlns:p14="http://schemas.microsoft.com/office/powerpoint/2010/main" val="3426143160"/>
+        <p14:creationId xmlns:p14="http://schemas.microsoft.com/office/powerpoint/2010/main" val="1778811556"/>
       </p:ext>
     </p:extLst>
   </p:cSld>
@@ -3633,7 +7501,7 @@
           <p:cNvPr id="2" name="Title 1">
             <a:extLst>
               <a:ext uri="{FF2B5EF4-FFF2-40B4-BE49-F238E27FC236}">
-                <a16:creationId xmlns:a16="http://schemas.microsoft.com/office/drawing/2014/main" id="{98ADF1FD-191D-443B-A3A1-A43027567AC0}"/>
+                <a16:creationId xmlns:a16="http://schemas.microsoft.com/office/drawing/2014/main" id="{F2D4080F-24BE-44A7-84E8-CADF778B2EB5}"/>
               </a:ext>
             </a:extLst>
           </p:cNvPr>
@@ -3651,7 +7519,7 @@
           <a:p>
             <a:r>
               <a:rPr lang="en-GB" dirty="0"/>
-              <a:t>What design goals?</a:t>
+              <a:t>About XQS</a:t>
             </a:r>
           </a:p>
         </p:txBody>
@@ -3661,7 +7529,7 @@
           <p:cNvPr id="3" name="Content Placeholder 2">
             <a:extLst>
               <a:ext uri="{FF2B5EF4-FFF2-40B4-BE49-F238E27FC236}">
-                <a16:creationId xmlns:a16="http://schemas.microsoft.com/office/drawing/2014/main" id="{42DAAE02-845A-44F5-81F9-7894B1596095}"/>
+                <a16:creationId xmlns:a16="http://schemas.microsoft.com/office/drawing/2014/main" id="{CD1D035C-C364-4021-BEDE-3C5F181DE2EA}"/>
               </a:ext>
             </a:extLst>
           </p:cNvPr>
@@ -3676,6 +7544,61 @@
         <p:txBody>
           <a:bodyPr/>
           <a:lstStyle/>
+          <a:p>
+            <a:r>
+              <a:rPr lang="en-GB" dirty="0"/>
+              <a:t>XQS = XQuery for </a:t>
+            </a:r>
+            <a:r>
+              <a:rPr lang="en-GB" dirty="0" err="1"/>
+              <a:t>Schematron</a:t>
+            </a:r>
+            <a:endParaRPr lang="en-GB" dirty="0"/>
+          </a:p>
+          <a:p>
+            <a:r>
+              <a:rPr lang="en-GB" dirty="0"/>
+              <a:t>Pronounced /</a:t>
+            </a:r>
+            <a:r>
+              <a:rPr lang="en-GB" dirty="0" err="1"/>
+              <a:t>ɛksˈkjuːz</a:t>
+            </a:r>
+            <a:r>
+              <a:rPr lang="en-GB" dirty="0"/>
+              <a:t>/</a:t>
+            </a:r>
+          </a:p>
+          <a:p>
+            <a:r>
+              <a:rPr lang="en-GB" dirty="0"/>
+              <a:t>Written in pure XQuery</a:t>
+            </a:r>
+          </a:p>
+          <a:p>
+            <a:r>
+              <a:rPr lang="en-GB" dirty="0" err="1"/>
+              <a:t>BaseX</a:t>
+            </a:r>
+            <a:r>
+              <a:rPr lang="en-GB" dirty="0"/>
+              <a:t> dialect of 3.1</a:t>
+            </a:r>
+          </a:p>
+          <a:p>
+            <a:r>
+              <a:rPr lang="en-GB" dirty="0"/>
+              <a:t>Tested under </a:t>
+            </a:r>
+            <a:r>
+              <a:rPr lang="en-GB" dirty="0" err="1"/>
+              <a:t>BaseX</a:t>
+            </a:r>
+            <a:r>
+              <a:rPr lang="en-GB" dirty="0"/>
+              <a:t> 10.x</a:t>
+            </a:r>
+          </a:p>
           <a:p>
             <a:endParaRPr lang="en-GB" dirty="0"/>
           </a:p>
@@ -3684,7 +7607,7 @@
     </p:spTree>
     <p:extLst>
       <p:ext uri="{BB962C8B-B14F-4D97-AF65-F5344CB8AC3E}">
-        <p14:creationId xmlns:p14="http://schemas.microsoft.com/office/powerpoint/2010/main" val="4132843633"/>
+        <p14:creationId xmlns:p14="http://schemas.microsoft.com/office/powerpoint/2010/main" val="3517387580"/>
       </p:ext>
     </p:extLst>
   </p:cSld>
@@ -3716,7 +7639,7 @@
           <p:cNvPr id="2" name="Title 1">
             <a:extLst>
               <a:ext uri="{FF2B5EF4-FFF2-40B4-BE49-F238E27FC236}">
-                <a16:creationId xmlns:a16="http://schemas.microsoft.com/office/drawing/2014/main" id="{A983E35C-8894-4776-86DF-EAACF757D02F}"/>
+                <a16:creationId xmlns:a16="http://schemas.microsoft.com/office/drawing/2014/main" id="{D94960CE-AA87-4ECC-B035-B00C0A6C8655}"/>
               </a:ext>
             </a:extLst>
           </p:cNvPr>
@@ -3734,7 +7657,7 @@
           <a:p>
             <a:r>
               <a:rPr lang="en-GB" dirty="0"/>
-              <a:t>How to do this?</a:t>
+              <a:t>Why do this?</a:t>
             </a:r>
           </a:p>
         </p:txBody>
@@ -3744,7 +7667,7 @@
           <p:cNvPr id="3" name="Content Placeholder 2">
             <a:extLst>
               <a:ext uri="{FF2B5EF4-FFF2-40B4-BE49-F238E27FC236}">
-                <a16:creationId xmlns:a16="http://schemas.microsoft.com/office/drawing/2014/main" id="{8F3B8AF2-EBAB-4825-840C-058B9D734782}"/>
+                <a16:creationId xmlns:a16="http://schemas.microsoft.com/office/drawing/2014/main" id="{944931B2-19D0-42BD-AA04-7F1A24A87D8E}"/>
               </a:ext>
             </a:extLst>
           </p:cNvPr>
@@ -3761,34 +7684,49 @@
           <a:lstStyle/>
           <a:p>
             <a:r>
-              <a:rPr lang="en-GB" dirty="0" err="1"/>
-              <a:t>ChatGPT</a:t>
-            </a:r>
-            <a:r>
-              <a:rPr lang="en-GB" dirty="0"/>
-              <a:t>!!</a:t>
-            </a:r>
-          </a:p>
-          <a:p>
-            <a:r>
-              <a:rPr lang="en-GB" dirty="0"/>
-              <a:t>Its answers help clarify the precise </a:t>
-            </a:r>
-            <a:r>
-              <a:rPr lang="en-GB" dirty="0" err="1"/>
-              <a:t>reqts</a:t>
-            </a:r>
-            <a:r>
-              <a:rPr lang="en-GB" dirty="0"/>
-              <a:t> (ISO, SVRL, no XSLT)</a:t>
-            </a:r>
+              <a:rPr lang="en-GB" dirty="0"/>
+              <a:t>ISO approved new work to revise standard</a:t>
+            </a:r>
+          </a:p>
+          <a:p>
+            <a:r>
+              <a:rPr lang="en-GB" dirty="0"/>
+              <a:t>Second “reference” implementation</a:t>
+            </a:r>
+          </a:p>
+          <a:p>
+            <a:r>
+              <a:rPr lang="en-GB" dirty="0"/>
+              <a:t>XQuery QLB reserved, but not defined</a:t>
+            </a:r>
+          </a:p>
+          <a:p>
+            <a:r>
+              <a:rPr lang="en-GB" dirty="0"/>
+              <a:t>Rapid development?</a:t>
+            </a:r>
+          </a:p>
+          <a:p>
+            <a:r>
+              <a:rPr lang="en-GB" dirty="0"/>
+              <a:t>Advocacy at meetups</a:t>
+            </a:r>
+          </a:p>
+          <a:p>
+            <a:r>
+              <a:rPr lang="en-GB" dirty="0"/>
+              <a:t>End-user benefits</a:t>
+            </a:r>
+          </a:p>
+          <a:p>
+            <a:endParaRPr lang="en-GB" dirty="0"/>
           </a:p>
         </p:txBody>
       </p:sp>
     </p:spTree>
     <p:extLst>
       <p:ext uri="{BB962C8B-B14F-4D97-AF65-F5344CB8AC3E}">
-        <p14:creationId xmlns:p14="http://schemas.microsoft.com/office/powerpoint/2010/main" val="4047396875"/>
+        <p14:creationId xmlns:p14="http://schemas.microsoft.com/office/powerpoint/2010/main" val="3426143160"/>
       </p:ext>
     </p:extLst>
   </p:cSld>
@@ -3820,7 +7758,7 @@
           <p:cNvPr id="2" name="Title 1">
             <a:extLst>
               <a:ext uri="{FF2B5EF4-FFF2-40B4-BE49-F238E27FC236}">
-                <a16:creationId xmlns:a16="http://schemas.microsoft.com/office/drawing/2014/main" id="{2FB356C2-06C4-442A-A402-479E04F3D635}"/>
+                <a16:creationId xmlns:a16="http://schemas.microsoft.com/office/drawing/2014/main" id="{98ADF1FD-191D-443B-A3A1-A43027567AC0}"/>
               </a:ext>
             </a:extLst>
           </p:cNvPr>
@@ -3838,7 +7776,7 @@
           <a:p>
             <a:r>
               <a:rPr lang="en-GB" dirty="0"/>
-              <a:t>Schema structure</a:t>
+              <a:t>What design goals?</a:t>
             </a:r>
           </a:p>
         </p:txBody>
@@ -3848,7 +7786,7 @@
           <p:cNvPr id="3" name="Content Placeholder 2">
             <a:extLst>
               <a:ext uri="{FF2B5EF4-FFF2-40B4-BE49-F238E27FC236}">
-                <a16:creationId xmlns:a16="http://schemas.microsoft.com/office/drawing/2014/main" id="{1ED63B97-EB0E-4A38-A817-3F0BF69F104B}"/>
+                <a16:creationId xmlns:a16="http://schemas.microsoft.com/office/drawing/2014/main" id="{42DAAE02-845A-44F5-81F9-7894B1596095}"/>
               </a:ext>
             </a:extLst>
           </p:cNvPr>
@@ -3866,30 +7804,46 @@
           <a:p>
             <a:r>
               <a:rPr lang="en-GB" dirty="0"/>
-              <a:t>Before diving into approach, an overview of </a:t>
-            </a:r>
-            <a:r>
-              <a:rPr lang="en-GB" dirty="0" err="1"/>
-              <a:t>Schematron</a:t>
-            </a:r>
-            <a:r>
-              <a:rPr lang="en-GB" dirty="0"/>
-              <a:t> schema structure: </a:t>
+              <a:t>Conformance over performance</a:t>
             </a:r>
           </a:p>
           <a:p>
             <a:pPr lvl="1"/>
             <a:r>
               <a:rPr lang="en-GB" dirty="0"/>
-              <a:t>Phase, pattern, rule, constraints (diagram)</a:t>
-            </a:r>
+              <a:t>No optimization at this stage</a:t>
+            </a:r>
+          </a:p>
+          <a:p>
+            <a:r>
+              <a:rPr lang="en-GB" dirty="0"/>
+              <a:t>”Dynamic evaluation” of schemas</a:t>
+            </a:r>
+          </a:p>
+          <a:p>
+            <a:r>
+              <a:rPr lang="en-GB" dirty="0"/>
+              <a:t>Portability of “compiled” schemas</a:t>
+            </a:r>
+          </a:p>
+          <a:p>
+            <a:r>
+              <a:rPr lang="en-GB" dirty="0"/>
+              <a:t>(SVRL output)</a:t>
+            </a:r>
+          </a:p>
+          <a:p>
+            <a:endParaRPr lang="en-GB" dirty="0"/>
+          </a:p>
+          <a:p>
+            <a:endParaRPr lang="en-GB" dirty="0"/>
           </a:p>
         </p:txBody>
       </p:sp>
     </p:spTree>
     <p:extLst>
       <p:ext uri="{BB962C8B-B14F-4D97-AF65-F5344CB8AC3E}">
-        <p14:creationId xmlns:p14="http://schemas.microsoft.com/office/powerpoint/2010/main" val="2745836092"/>
+        <p14:creationId xmlns:p14="http://schemas.microsoft.com/office/powerpoint/2010/main" val="4132843633"/>
       </p:ext>
     </p:extLst>
   </p:cSld>
@@ -3921,7 +7875,7 @@
           <p:cNvPr id="2" name="Title 1">
             <a:extLst>
               <a:ext uri="{FF2B5EF4-FFF2-40B4-BE49-F238E27FC236}">
-                <a16:creationId xmlns:a16="http://schemas.microsoft.com/office/drawing/2014/main" id="{EEA90060-1A29-470E-866E-70D5A351A181}"/>
+                <a16:creationId xmlns:a16="http://schemas.microsoft.com/office/drawing/2014/main" id="{F7884621-ED6F-4B94-AD2D-192517995F65}"/>
               </a:ext>
             </a:extLst>
           </p:cNvPr>
@@ -3939,43 +7893,50 @@
           <a:p>
             <a:r>
               <a:rPr lang="en-GB" dirty="0"/>
-              <a:t>Processing model</a:t>
-            </a:r>
-          </a:p>
-        </p:txBody>
-      </p:sp>
-      <p:sp>
-        <p:nvSpPr>
-          <p:cNvPr id="3" name="Content Placeholder 2">
-            <a:extLst>
-              <a:ext uri="{FF2B5EF4-FFF2-40B4-BE49-F238E27FC236}">
-                <a16:creationId xmlns:a16="http://schemas.microsoft.com/office/drawing/2014/main" id="{41DDF197-3764-4F6C-A6DB-E8373BD993B1}"/>
-              </a:ext>
-            </a:extLst>
-          </p:cNvPr>
-          <p:cNvSpPr>
-            <a:spLocks noGrp="1"/>
-          </p:cNvSpPr>
+              <a:t>Typical processing</a:t>
+            </a:r>
+          </a:p>
+        </p:txBody>
+      </p:sp>
+      <p:pic>
+        <p:nvPicPr>
+          <p:cNvPr id="5" name="Content Placeholder 4">
+            <a:extLst>
+              <a:ext uri="{FF2B5EF4-FFF2-40B4-BE49-F238E27FC236}">
+                <a16:creationId xmlns:a16="http://schemas.microsoft.com/office/drawing/2014/main" id="{60AF93C2-4CD3-43B6-837B-A61B2C8C404D}"/>
+              </a:ext>
+            </a:extLst>
+          </p:cNvPr>
+          <p:cNvPicPr>
+            <a:picLocks noGrp="1" noChangeAspect="1"/>
+          </p:cNvPicPr>
           <p:nvPr>
             <p:ph idx="1"/>
           </p:nvPr>
-        </p:nvSpPr>
-        <p:spPr/>
-        <p:txBody>
-          <a:bodyPr/>
-          <a:lstStyle/>
-          <a:p>
-            <a:r>
-              <a:rPr lang="en-GB" dirty="0"/>
-              <a:t>Include, expand, compile</a:t>
-            </a:r>
-          </a:p>
-        </p:txBody>
-      </p:sp>
+        </p:nvPicPr>
+        <p:blipFill>
+          <a:blip r:embed="rId3">
+            <a:extLst>
+              <a:ext uri="{28A0092B-C50C-407E-A947-70E740481C1C}">
+                <a14:useLocalDpi xmlns:a14="http://schemas.microsoft.com/office/drawing/2010/main" val="0"/>
+              </a:ext>
+            </a:extLst>
+          </a:blip>
+          <a:stretch>
+            <a:fillRect/>
+          </a:stretch>
+        </p:blipFill>
+        <p:spPr>
+          <a:xfrm>
+            <a:off x="2990850" y="2205831"/>
+            <a:ext cx="6210300" cy="3590925"/>
+          </a:xfrm>
+        </p:spPr>
+      </p:pic>
     </p:spTree>
     <p:extLst>
       <p:ext uri="{BB962C8B-B14F-4D97-AF65-F5344CB8AC3E}">
-        <p14:creationId xmlns:p14="http://schemas.microsoft.com/office/powerpoint/2010/main" val="387842745"/>
+        <p14:creationId xmlns:p14="http://schemas.microsoft.com/office/powerpoint/2010/main" val="3977667911"/>
       </p:ext>
     </p:extLst>
   </p:cSld>
@@ -4007,7 +7968,7 @@
           <p:cNvPr id="2" name="Title 1">
             <a:extLst>
               <a:ext uri="{FF2B5EF4-FFF2-40B4-BE49-F238E27FC236}">
-                <a16:creationId xmlns:a16="http://schemas.microsoft.com/office/drawing/2014/main" id="{6775A2C5-0F9E-4A8E-B122-59CE8682FDCF}"/>
+                <a16:creationId xmlns:a16="http://schemas.microsoft.com/office/drawing/2014/main" id="{5379ACC0-E370-4D14-A548-AC557FCDD920}"/>
               </a:ext>
             </a:extLst>
           </p:cNvPr>
@@ -4025,57 +7986,50 @@
           <a:p>
             <a:r>
               <a:rPr lang="en-GB" dirty="0"/>
-              <a:t>Caveats</a:t>
-            </a:r>
-          </a:p>
-        </p:txBody>
-      </p:sp>
-      <p:sp>
-        <p:nvSpPr>
-          <p:cNvPr id="3" name="Content Placeholder 2">
-            <a:extLst>
-              <a:ext uri="{FF2B5EF4-FFF2-40B4-BE49-F238E27FC236}">
-                <a16:creationId xmlns:a16="http://schemas.microsoft.com/office/drawing/2014/main" id="{3C3FBDD6-99E9-4118-909C-CF9C85026BBE}"/>
-              </a:ext>
-            </a:extLst>
-          </p:cNvPr>
-          <p:cNvSpPr>
-            <a:spLocks noGrp="1"/>
-          </p:cNvSpPr>
+              <a:t>Dynamic evaluation</a:t>
+            </a:r>
+          </a:p>
+        </p:txBody>
+      </p:sp>
+      <p:pic>
+        <p:nvPicPr>
+          <p:cNvPr id="5" name="Content Placeholder 4">
+            <a:extLst>
+              <a:ext uri="{FF2B5EF4-FFF2-40B4-BE49-F238E27FC236}">
+                <a16:creationId xmlns:a16="http://schemas.microsoft.com/office/drawing/2014/main" id="{9F32604D-9A1F-41B9-86E0-3ADDD0A2801B}"/>
+              </a:ext>
+            </a:extLst>
+          </p:cNvPr>
+          <p:cNvPicPr>
+            <a:picLocks noGrp="1" noChangeAspect="1"/>
+          </p:cNvPicPr>
           <p:nvPr>
             <p:ph idx="1"/>
           </p:nvPr>
-        </p:nvSpPr>
-        <p:spPr/>
-        <p:txBody>
-          <a:bodyPr/>
-          <a:lstStyle/>
-          <a:p>
-            <a:r>
-              <a:rPr lang="en-GB" dirty="0"/>
-              <a:t>No expansion/inclusion &amp; WHY</a:t>
-            </a:r>
-          </a:p>
-          <a:p>
-            <a:r>
-              <a:rPr lang="en-GB" dirty="0"/>
-              <a:t>BUT </a:t>
-            </a:r>
-            <a:r>
-              <a:rPr lang="en-GB" i="1" dirty="0"/>
-              <a:t>dynamic evaluation</a:t>
-            </a:r>
-            <a:r>
-              <a:rPr lang="en-GB" dirty="0"/>
-              <a:t> as well as compilation</a:t>
-            </a:r>
-          </a:p>
-        </p:txBody>
-      </p:sp>
+        </p:nvPicPr>
+        <p:blipFill>
+          <a:blip r:embed="rId3">
+            <a:extLst>
+              <a:ext uri="{28A0092B-C50C-407E-A947-70E740481C1C}">
+                <a14:useLocalDpi xmlns:a14="http://schemas.microsoft.com/office/drawing/2010/main" val="0"/>
+              </a:ext>
+            </a:extLst>
+          </a:blip>
+          <a:stretch>
+            <a:fillRect/>
+          </a:stretch>
+        </p:blipFill>
+        <p:spPr>
+          <a:xfrm>
+            <a:off x="2990850" y="2201069"/>
+            <a:ext cx="6210300" cy="3600450"/>
+          </a:xfrm>
+        </p:spPr>
+      </p:pic>
     </p:spTree>
     <p:extLst>
       <p:ext uri="{BB962C8B-B14F-4D97-AF65-F5344CB8AC3E}">
-        <p14:creationId xmlns:p14="http://schemas.microsoft.com/office/powerpoint/2010/main" val="1039456742"/>
+        <p14:creationId xmlns:p14="http://schemas.microsoft.com/office/powerpoint/2010/main" val="2564230119"/>
       </p:ext>
     </p:extLst>
   </p:cSld>
@@ -4107,7 +8061,7 @@
           <p:cNvPr id="2" name="Title 1">
             <a:extLst>
               <a:ext uri="{FF2B5EF4-FFF2-40B4-BE49-F238E27FC236}">
-                <a16:creationId xmlns:a16="http://schemas.microsoft.com/office/drawing/2014/main" id="{F8E39FCD-263E-49E9-A9BA-2CC51CD18818}"/>
+                <a16:creationId xmlns:a16="http://schemas.microsoft.com/office/drawing/2014/main" id="{A983E35C-8894-4776-86DF-EAACF757D02F}"/>
               </a:ext>
             </a:extLst>
           </p:cNvPr>
@@ -4125,47 +8079,50 @@
           <a:p>
             <a:r>
               <a:rPr lang="en-GB" dirty="0"/>
-              <a:t>Evaluate vs compile</a:t>
-            </a:r>
-          </a:p>
-        </p:txBody>
-      </p:sp>
-      <p:sp>
-        <p:nvSpPr>
-          <p:cNvPr id="3" name="Content Placeholder 2">
-            <a:extLst>
-              <a:ext uri="{FF2B5EF4-FFF2-40B4-BE49-F238E27FC236}">
-                <a16:creationId xmlns:a16="http://schemas.microsoft.com/office/drawing/2014/main" id="{E6BBAF03-F045-4E55-9DD4-E380087EC493}"/>
-              </a:ext>
-            </a:extLst>
-          </p:cNvPr>
-          <p:cNvSpPr>
-            <a:spLocks noGrp="1"/>
-          </p:cNvSpPr>
+              <a:t>How to do this?</a:t>
+            </a:r>
+          </a:p>
+        </p:txBody>
+      </p:sp>
+      <p:pic>
+        <p:nvPicPr>
+          <p:cNvPr id="9" name="Content Placeholder 8">
+            <a:extLst>
+              <a:ext uri="{FF2B5EF4-FFF2-40B4-BE49-F238E27FC236}">
+                <a16:creationId xmlns:a16="http://schemas.microsoft.com/office/drawing/2014/main" id="{552CFC33-29A6-48D4-A0DC-015D03021846}"/>
+              </a:ext>
+            </a:extLst>
+          </p:cNvPr>
+          <p:cNvPicPr>
+            <a:picLocks noGrp="1" noChangeAspect="1"/>
+          </p:cNvPicPr>
           <p:nvPr>
             <p:ph idx="1"/>
           </p:nvPr>
-        </p:nvSpPr>
-        <p:spPr/>
-        <p:txBody>
-          <a:bodyPr/>
-          <a:lstStyle/>
-          <a:p>
-            <a:r>
-              <a:rPr lang="en-GB" dirty="0"/>
-              <a:t>[diagram the </a:t>
-            </a:r>
-            <a:r>
-              <a:rPr lang="en-GB"/>
-              <a:t>two approaches]</a:t>
-            </a:r>
-          </a:p>
-        </p:txBody>
-      </p:sp>
+        </p:nvPicPr>
+        <p:blipFill>
+          <a:blip r:embed="rId2">
+            <a:extLst>
+              <a:ext uri="{28A0092B-C50C-407E-A947-70E740481C1C}">
+                <a14:useLocalDpi xmlns:a14="http://schemas.microsoft.com/office/drawing/2010/main" val="0"/>
+              </a:ext>
+            </a:extLst>
+          </a:blip>
+          <a:stretch>
+            <a:fillRect/>
+          </a:stretch>
+        </p:blipFill>
+        <p:spPr>
+          <a:xfrm>
+            <a:off x="4148839" y="2415693"/>
+            <a:ext cx="3661035" cy="3078598"/>
+          </a:xfrm>
+        </p:spPr>
+      </p:pic>
     </p:spTree>
     <p:extLst>
       <p:ext uri="{BB962C8B-B14F-4D97-AF65-F5344CB8AC3E}">
-        <p14:creationId xmlns:p14="http://schemas.microsoft.com/office/powerpoint/2010/main" val="2214602858"/>
+        <p14:creationId xmlns:p14="http://schemas.microsoft.com/office/powerpoint/2010/main" val="4047396875"/>
       </p:ext>
     </p:extLst>
   </p:cSld>
@@ -4468,4 +8425,299 @@
     </a:ext>
   </a:extLst>
 </a:theme>
+</file>
+
+<file path=ppt/theme/theme2.xml><?xml version="1.0" encoding="utf-8"?>
+<a:theme xmlns:a="http://schemas.openxmlformats.org/drawingml/2006/main" name="Office Theme">
+  <a:themeElements>
+    <a:clrScheme name="Office">
+      <a:dk1>
+        <a:sysClr val="windowText" lastClr="000000"/>
+      </a:dk1>
+      <a:lt1>
+        <a:sysClr val="window" lastClr="FFFFFF"/>
+      </a:lt1>
+      <a:dk2>
+        <a:srgbClr val="44546A"/>
+      </a:dk2>
+      <a:lt2>
+        <a:srgbClr val="E7E6E6"/>
+      </a:lt2>
+      <a:accent1>
+        <a:srgbClr val="4472C4"/>
+      </a:accent1>
+      <a:accent2>
+        <a:srgbClr val="ED7D31"/>
+      </a:accent2>
+      <a:accent3>
+        <a:srgbClr val="A5A5A5"/>
+      </a:accent3>
+      <a:accent4>
+        <a:srgbClr val="FFC000"/>
+      </a:accent4>
+      <a:accent5>
+        <a:srgbClr val="5B9BD5"/>
+      </a:accent5>
+      <a:accent6>
+        <a:srgbClr val="70AD47"/>
+      </a:accent6>
+      <a:hlink>
+        <a:srgbClr val="0563C1"/>
+      </a:hlink>
+      <a:folHlink>
+        <a:srgbClr val="954F72"/>
+      </a:folHlink>
+    </a:clrScheme>
+    <a:fontScheme name="Office">
+      <a:majorFont>
+        <a:latin typeface="Calibri Light" panose="020F0302020204030204"/>
+        <a:ea typeface=""/>
+        <a:cs typeface=""/>
+        <a:font script="Jpan" typeface="游ゴシック Light"/>
+        <a:font script="Hang" typeface="맑은 고딕"/>
+        <a:font script="Hans" typeface="等线 Light"/>
+        <a:font script="Hant" typeface="新細明體"/>
+        <a:font script="Arab" typeface="Times New Roman"/>
+        <a:font script="Hebr" typeface="Times New Roman"/>
+        <a:font script="Thai" typeface="Angsana New"/>
+        <a:font script="Ethi" typeface="Nyala"/>
+        <a:font script="Beng" typeface="Vrinda"/>
+        <a:font script="Gujr" typeface="Shruti"/>
+        <a:font script="Khmr" typeface="MoolBoran"/>
+        <a:font script="Knda" typeface="Tunga"/>
+        <a:font script="Guru" typeface="Raavi"/>
+        <a:font script="Cans" typeface="Euphemia"/>
+        <a:font script="Cher" typeface="Plantagenet Cherokee"/>
+        <a:font script="Yiii" typeface="Microsoft Yi Baiti"/>
+        <a:font script="Tibt" typeface="Microsoft Himalaya"/>
+        <a:font script="Thaa" typeface="MV Boli"/>
+        <a:font script="Deva" typeface="Mangal"/>
+        <a:font script="Telu" typeface="Gautami"/>
+        <a:font script="Taml" typeface="Latha"/>
+        <a:font script="Syrc" typeface="Estrangelo Edessa"/>
+        <a:font script="Orya" typeface="Kalinga"/>
+        <a:font script="Mlym" typeface="Kartika"/>
+        <a:font script="Laoo" typeface="DokChampa"/>
+        <a:font script="Sinh" typeface="Iskoola Pota"/>
+        <a:font script="Mong" typeface="Mongolian Baiti"/>
+        <a:font script="Viet" typeface="Times New Roman"/>
+        <a:font script="Uigh" typeface="Microsoft Uighur"/>
+        <a:font script="Geor" typeface="Sylfaen"/>
+        <a:font script="Armn" typeface="Arial"/>
+        <a:font script="Bugi" typeface="Leelawadee UI"/>
+        <a:font script="Bopo" typeface="Microsoft JhengHei"/>
+        <a:font script="Java" typeface="Javanese Text"/>
+        <a:font script="Lisu" typeface="Segoe UI"/>
+        <a:font script="Mymr" typeface="Myanmar Text"/>
+        <a:font script="Nkoo" typeface="Ebrima"/>
+        <a:font script="Olck" typeface="Nirmala UI"/>
+        <a:font script="Osma" typeface="Ebrima"/>
+        <a:font script="Phag" typeface="Phagspa"/>
+        <a:font script="Syrn" typeface="Estrangelo Edessa"/>
+        <a:font script="Syrj" typeface="Estrangelo Edessa"/>
+        <a:font script="Syre" typeface="Estrangelo Edessa"/>
+        <a:font script="Sora" typeface="Nirmala UI"/>
+        <a:font script="Tale" typeface="Microsoft Tai Le"/>
+        <a:font script="Talu" typeface="Microsoft New Tai Lue"/>
+        <a:font script="Tfng" typeface="Ebrima"/>
+      </a:majorFont>
+      <a:minorFont>
+        <a:latin typeface="Calibri" panose="020F0502020204030204"/>
+        <a:ea typeface=""/>
+        <a:cs typeface=""/>
+        <a:font script="Jpan" typeface="游ゴシック"/>
+        <a:font script="Hang" typeface="맑은 고딕"/>
+        <a:font script="Hans" typeface="等线"/>
+        <a:font script="Hant" typeface="新細明體"/>
+        <a:font script="Arab" typeface="Arial"/>
+        <a:font script="Hebr" typeface="Arial"/>
+        <a:font script="Thai" typeface="Cordia New"/>
+        <a:font script="Ethi" typeface="Nyala"/>
+        <a:font script="Beng" typeface="Vrinda"/>
+        <a:font script="Gujr" typeface="Shruti"/>
+        <a:font script="Khmr" typeface="DaunPenh"/>
+        <a:font script="Knda" typeface="Tunga"/>
+        <a:font script="Guru" typeface="Raavi"/>
+        <a:font script="Cans" typeface="Euphemia"/>
+        <a:font script="Cher" typeface="Plantagenet Cherokee"/>
+        <a:font script="Yiii" typeface="Microsoft Yi Baiti"/>
+        <a:font script="Tibt" typeface="Microsoft Himalaya"/>
+        <a:font script="Thaa" typeface="MV Boli"/>
+        <a:font script="Deva" typeface="Mangal"/>
+        <a:font script="Telu" typeface="Gautami"/>
+        <a:font script="Taml" typeface="Latha"/>
+        <a:font script="Syrc" typeface="Estrangelo Edessa"/>
+        <a:font script="Orya" typeface="Kalinga"/>
+        <a:font script="Mlym" typeface="Kartika"/>
+        <a:font script="Laoo" typeface="DokChampa"/>
+        <a:font script="Sinh" typeface="Iskoola Pota"/>
+        <a:font script="Mong" typeface="Mongolian Baiti"/>
+        <a:font script="Viet" typeface="Arial"/>
+        <a:font script="Uigh" typeface="Microsoft Uighur"/>
+        <a:font script="Geor" typeface="Sylfaen"/>
+        <a:font script="Armn" typeface="Arial"/>
+        <a:font script="Bugi" typeface="Leelawadee UI"/>
+        <a:font script="Bopo" typeface="Microsoft JhengHei"/>
+        <a:font script="Java" typeface="Javanese Text"/>
+        <a:font script="Lisu" typeface="Segoe UI"/>
+        <a:font script="Mymr" typeface="Myanmar Text"/>
+        <a:font script="Nkoo" typeface="Ebrima"/>
+        <a:font script="Olck" typeface="Nirmala UI"/>
+        <a:font script="Osma" typeface="Ebrima"/>
+        <a:font script="Phag" typeface="Phagspa"/>
+        <a:font script="Syrn" typeface="Estrangelo Edessa"/>
+        <a:font script="Syrj" typeface="Estrangelo Edessa"/>
+        <a:font script="Syre" typeface="Estrangelo Edessa"/>
+        <a:font script="Sora" typeface="Nirmala UI"/>
+        <a:font script="Tale" typeface="Microsoft Tai Le"/>
+        <a:font script="Talu" typeface="Microsoft New Tai Lue"/>
+        <a:font script="Tfng" typeface="Ebrima"/>
+      </a:minorFont>
+    </a:fontScheme>
+    <a:fmtScheme name="Office">
+      <a:fillStyleLst>
+        <a:solidFill>
+          <a:schemeClr val="phClr"/>
+        </a:solidFill>
+        <a:gradFill rotWithShape="1">
+          <a:gsLst>
+            <a:gs pos="0">
+              <a:schemeClr val="phClr">
+                <a:lumMod val="110000"/>
+                <a:satMod val="105000"/>
+                <a:tint val="67000"/>
+              </a:schemeClr>
+            </a:gs>
+            <a:gs pos="50000">
+              <a:schemeClr val="phClr">
+                <a:lumMod val="105000"/>
+                <a:satMod val="103000"/>
+                <a:tint val="73000"/>
+              </a:schemeClr>
+            </a:gs>
+            <a:gs pos="100000">
+              <a:schemeClr val="phClr">
+                <a:lumMod val="105000"/>
+                <a:satMod val="109000"/>
+                <a:tint val="81000"/>
+              </a:schemeClr>
+            </a:gs>
+          </a:gsLst>
+          <a:lin ang="5400000" scaled="0"/>
+        </a:gradFill>
+        <a:gradFill rotWithShape="1">
+          <a:gsLst>
+            <a:gs pos="0">
+              <a:schemeClr val="phClr">
+                <a:satMod val="103000"/>
+                <a:lumMod val="102000"/>
+                <a:tint val="94000"/>
+              </a:schemeClr>
+            </a:gs>
+            <a:gs pos="50000">
+              <a:schemeClr val="phClr">
+                <a:satMod val="110000"/>
+                <a:lumMod val="100000"/>
+                <a:shade val="100000"/>
+              </a:schemeClr>
+            </a:gs>
+            <a:gs pos="100000">
+              <a:schemeClr val="phClr">
+                <a:lumMod val="99000"/>
+                <a:satMod val="120000"/>
+                <a:shade val="78000"/>
+              </a:schemeClr>
+            </a:gs>
+          </a:gsLst>
+          <a:lin ang="5400000" scaled="0"/>
+        </a:gradFill>
+      </a:fillStyleLst>
+      <a:lnStyleLst>
+        <a:ln w="6350" cap="flat" cmpd="sng" algn="ctr">
+          <a:solidFill>
+            <a:schemeClr val="phClr"/>
+          </a:solidFill>
+          <a:prstDash val="solid"/>
+          <a:miter lim="800000"/>
+        </a:ln>
+        <a:ln w="12700" cap="flat" cmpd="sng" algn="ctr">
+          <a:solidFill>
+            <a:schemeClr val="phClr"/>
+          </a:solidFill>
+          <a:prstDash val="solid"/>
+          <a:miter lim="800000"/>
+        </a:ln>
+        <a:ln w="19050" cap="flat" cmpd="sng" algn="ctr">
+          <a:solidFill>
+            <a:schemeClr val="phClr"/>
+          </a:solidFill>
+          <a:prstDash val="solid"/>
+          <a:miter lim="800000"/>
+        </a:ln>
+      </a:lnStyleLst>
+      <a:effectStyleLst>
+        <a:effectStyle>
+          <a:effectLst/>
+        </a:effectStyle>
+        <a:effectStyle>
+          <a:effectLst/>
+        </a:effectStyle>
+        <a:effectStyle>
+          <a:effectLst>
+            <a:outerShdw blurRad="57150" dist="19050" dir="5400000" algn="ctr" rotWithShape="0">
+              <a:srgbClr val="000000">
+                <a:alpha val="63000"/>
+              </a:srgbClr>
+            </a:outerShdw>
+          </a:effectLst>
+        </a:effectStyle>
+      </a:effectStyleLst>
+      <a:bgFillStyleLst>
+        <a:solidFill>
+          <a:schemeClr val="phClr"/>
+        </a:solidFill>
+        <a:solidFill>
+          <a:schemeClr val="phClr">
+            <a:tint val="95000"/>
+            <a:satMod val="170000"/>
+          </a:schemeClr>
+        </a:solidFill>
+        <a:gradFill rotWithShape="1">
+          <a:gsLst>
+            <a:gs pos="0">
+              <a:schemeClr val="phClr">
+                <a:tint val="93000"/>
+                <a:satMod val="150000"/>
+                <a:shade val="98000"/>
+                <a:lumMod val="102000"/>
+              </a:schemeClr>
+            </a:gs>
+            <a:gs pos="50000">
+              <a:schemeClr val="phClr">
+                <a:tint val="98000"/>
+                <a:satMod val="130000"/>
+                <a:shade val="90000"/>
+                <a:lumMod val="103000"/>
+              </a:schemeClr>
+            </a:gs>
+            <a:gs pos="100000">
+              <a:schemeClr val="phClr">
+                <a:shade val="63000"/>
+                <a:satMod val="120000"/>
+              </a:schemeClr>
+            </a:gs>
+          </a:gsLst>
+          <a:lin ang="5400000" scaled="0"/>
+        </a:gradFill>
+      </a:bgFillStyleLst>
+    </a:fmtScheme>
+  </a:themeElements>
+  <a:objectDefaults/>
+  <a:extraClrSchemeLst/>
+  <a:extLst>
+    <a:ext uri="{05A4C25C-085E-4340-85A3-A5531E510DB2}">
+      <thm15:themeFamily xmlns:thm15="http://schemas.microsoft.com/office/thememl/2012/main" name="Office Theme" id="{62F939B6-93AF-4DB8-9C6B-D6C7DFDC589F}" vid="{4A3C46E8-61CC-4603-A589-7422A47A8E4A}"/>
+    </a:ext>
+  </a:extLst>
+</a:theme>
 </file>
--- a/Markup UK 2023 slides.pptx
+++ b/Markup UK 2023 slides.pptx
@@ -5,7 +5,7 @@
     <p:sldMasterId id="2147483648" r:id="rId1"/>
   </p:sldMasterIdLst>
   <p:notesMasterIdLst>
-    <p:notesMasterId r:id="rId22"/>
+    <p:notesMasterId r:id="rId23"/>
   </p:notesMasterIdLst>
   <p:sldIdLst>
     <p:sldId id="256" r:id="rId2"/>
@@ -23,11 +23,12 @@
     <p:sldId id="273" r:id="rId14"/>
     <p:sldId id="274" r:id="rId15"/>
     <p:sldId id="275" r:id="rId16"/>
-    <p:sldId id="261" r:id="rId17"/>
-    <p:sldId id="262" r:id="rId18"/>
-    <p:sldId id="263" r:id="rId19"/>
-    <p:sldId id="264" r:id="rId20"/>
-    <p:sldId id="266" r:id="rId21"/>
+    <p:sldId id="276" r:id="rId17"/>
+    <p:sldId id="261" r:id="rId18"/>
+    <p:sldId id="262" r:id="rId19"/>
+    <p:sldId id="263" r:id="rId20"/>
+    <p:sldId id="264" r:id="rId21"/>
+    <p:sldId id="266" r:id="rId22"/>
   </p:sldIdLst>
   <p:sldSz cx="12192000" cy="6858000"/>
   <p:notesSz cx="6858000" cy="9144000"/>
@@ -742,6 +743,111 @@
     <p:extLst>
       <p:ext uri="{BB962C8B-B14F-4D97-AF65-F5344CB8AC3E}">
         <p14:creationId xmlns:p14="http://schemas.microsoft.com/office/powerpoint/2010/main" val="160635231"/>
+      </p:ext>
+    </p:extLst>
+  </p:cSld>
+  <p:clrMapOvr>
+    <a:masterClrMapping/>
+  </p:clrMapOvr>
+</p:notes>
+</file>
+
+<file path=ppt/notesSlides/notesSlide12.xml><?xml version="1.0" encoding="utf-8"?>
+<p:notes xmlns:a="http://schemas.openxmlformats.org/drawingml/2006/main" xmlns:r="http://schemas.openxmlformats.org/officeDocument/2006/relationships" xmlns:p="http://schemas.openxmlformats.org/presentationml/2006/main">
+  <p:cSld>
+    <p:spTree>
+      <p:nvGrpSpPr>
+        <p:cNvPr id="1" name=""/>
+        <p:cNvGrpSpPr/>
+        <p:nvPr/>
+      </p:nvGrpSpPr>
+      <p:grpSpPr>
+        <a:xfrm>
+          <a:off x="0" y="0"/>
+          <a:ext cx="0" cy="0"/>
+          <a:chOff x="0" y="0"/>
+          <a:chExt cx="0" cy="0"/>
+        </a:xfrm>
+      </p:grpSpPr>
+      <p:sp>
+        <p:nvSpPr>
+          <p:cNvPr id="2" name="Slide Image Placeholder 1"/>
+          <p:cNvSpPr>
+            <a:spLocks noGrp="1" noRot="1" noChangeAspect="1"/>
+          </p:cNvSpPr>
+          <p:nvPr>
+            <p:ph type="sldImg"/>
+          </p:nvPr>
+        </p:nvSpPr>
+        <p:spPr/>
+      </p:sp>
+      <p:sp>
+        <p:nvSpPr>
+          <p:cNvPr id="3" name="Notes Placeholder 2"/>
+          <p:cNvSpPr>
+            <a:spLocks noGrp="1"/>
+          </p:cNvSpPr>
+          <p:nvPr>
+            <p:ph type="body" idx="1"/>
+          </p:nvPr>
+        </p:nvSpPr>
+        <p:spPr/>
+        <p:txBody>
+          <a:bodyPr/>
+          <a:lstStyle/>
+          <a:p>
+            <a:r>
+              <a:rPr lang="en-GB" dirty="0"/>
+              <a:t>Before diving into approach, an overview of </a:t>
+            </a:r>
+            <a:r>
+              <a:rPr lang="en-GB" dirty="0" err="1"/>
+              <a:t>Schematron</a:t>
+            </a:r>
+            <a:r>
+              <a:rPr lang="en-GB" dirty="0"/>
+              <a:t> schema structure: </a:t>
+            </a:r>
+          </a:p>
+          <a:p>
+            <a:pPr lvl="1"/>
+            <a:r>
+              <a:rPr lang="en-GB" dirty="0"/>
+              <a:t>Phase, pattern, rule, constraints (diagram)</a:t>
+            </a:r>
+          </a:p>
+          <a:p>
+            <a:endParaRPr lang="en-GB" dirty="0"/>
+          </a:p>
+        </p:txBody>
+      </p:sp>
+      <p:sp>
+        <p:nvSpPr>
+          <p:cNvPr id="4" name="Slide Number Placeholder 3"/>
+          <p:cNvSpPr>
+            <a:spLocks noGrp="1"/>
+          </p:cNvSpPr>
+          <p:nvPr>
+            <p:ph type="sldNum" sz="quarter" idx="5"/>
+          </p:nvPr>
+        </p:nvSpPr>
+        <p:spPr/>
+        <p:txBody>
+          <a:bodyPr/>
+          <a:lstStyle/>
+          <a:p>
+            <a:fld id="{02BDF569-F48B-4704-ADB2-54F694482806}" type="slidenum">
+              <a:rPr lang="en-GB" smtClean="0"/>
+              <a:t>17</a:t>
+            </a:fld>
+            <a:endParaRPr lang="en-GB"/>
+          </a:p>
+        </p:txBody>
+      </p:sp>
+    </p:spTree>
+    <p:extLst>
+      <p:ext uri="{BB962C8B-B14F-4D97-AF65-F5344CB8AC3E}">
+        <p14:creationId xmlns:p14="http://schemas.microsoft.com/office/powerpoint/2010/main" val="545447209"/>
       </p:ext>
     </p:extLst>
   </p:cSld>
@@ -6151,7 +6257,7 @@
             </a:r>
             <a:r>
               <a:rPr lang="en-GB" dirty="0"/>
-              <a:t> […]"</a:t>
+              <a:t> [etc.]"</a:t>
             </a:r>
           </a:p>
         </p:txBody>
@@ -6565,21 +6671,106 @@
                 <a:latin typeface="Courier New" panose="02070309020205020404" pitchFamily="49" charset="0"/>
                 <a:cs typeface="Courier New" panose="02070309020205020404" pitchFamily="49" charset="0"/>
               </a:rPr>
-              <a:t>            &lt;</a:t>
-            </a:r>
-            <a:r>
-              <a:rPr lang="en-GB" sz="1800" dirty="0" err="1">
+              <a:t>            </a:t>
+            </a:r>
+            <a:r>
+              <a:rPr lang="en-GB" sz="1800" b="1" dirty="0">
+                <a:latin typeface="Courier New" panose="02070309020205020404" pitchFamily="49" charset="0"/>
+                <a:cs typeface="Courier New" panose="02070309020205020404" pitchFamily="49" charset="0"/>
+              </a:rPr>
+              <a:t>&lt;</a:t>
+            </a:r>
+            <a:r>
+              <a:rPr lang="en-GB" sz="1800" b="1" dirty="0" err="1">
                 <a:latin typeface="Courier New" panose="02070309020205020404" pitchFamily="49" charset="0"/>
                 <a:cs typeface="Courier New" panose="02070309020205020404" pitchFamily="49" charset="0"/>
               </a:rPr>
               <a:t>svrl:failed-assert</a:t>
             </a:r>
             <a:r>
+              <a:rPr lang="en-GB" sz="1800" b="1" dirty="0">
+                <a:latin typeface="Courier New" panose="02070309020205020404" pitchFamily="49" charset="0"/>
+                <a:cs typeface="Courier New" panose="02070309020205020404" pitchFamily="49" charset="0"/>
+              </a:rPr>
+              <a:t> test="{$assert/@test}" role="warning"&gt;</a:t>
+            </a:r>
+          </a:p>
+          <a:p>
+            <a:pPr marL="0" indent="0">
+              <a:buNone/>
+            </a:pPr>
+            <a:r>
+              <a:rPr lang="en-GB" sz="1800" b="1" dirty="0">
+                <a:latin typeface="Courier New" panose="02070309020205020404" pitchFamily="49" charset="0"/>
+                <a:cs typeface="Courier New" panose="02070309020205020404" pitchFamily="49" charset="0"/>
+              </a:rPr>
+              <a:t>              &lt;</a:t>
+            </a:r>
+            <a:r>
+              <a:rPr lang="en-GB" sz="1800" b="1" dirty="0" err="1">
+                <a:latin typeface="Courier New" panose="02070309020205020404" pitchFamily="49" charset="0"/>
+                <a:cs typeface="Courier New" panose="02070309020205020404" pitchFamily="49" charset="0"/>
+              </a:rPr>
+              <a:t>svrl:text</a:t>
+            </a:r>
+            <a:r>
+              <a:rPr lang="en-GB" sz="1800" b="1" dirty="0">
+                <a:latin typeface="Courier New" panose="02070309020205020404" pitchFamily="49" charset="0"/>
+                <a:cs typeface="Courier New" panose="02070309020205020404" pitchFamily="49" charset="0"/>
+              </a:rPr>
+              <a:t>&gt;{data($assert)}&lt;/</a:t>
+            </a:r>
+            <a:r>
+              <a:rPr lang="en-GB" sz="1800" b="1" dirty="0" err="1">
+                <a:latin typeface="Courier New" panose="02070309020205020404" pitchFamily="49" charset="0"/>
+                <a:cs typeface="Courier New" panose="02070309020205020404" pitchFamily="49" charset="0"/>
+              </a:rPr>
+              <a:t>svrl:text</a:t>
+            </a:r>
+            <a:r>
+              <a:rPr lang="en-GB" sz="1800" b="1" dirty="0">
+                <a:latin typeface="Courier New" panose="02070309020205020404" pitchFamily="49" charset="0"/>
+                <a:cs typeface="Courier New" panose="02070309020205020404" pitchFamily="49" charset="0"/>
+              </a:rPr>
+              <a:t>&gt;</a:t>
+            </a:r>
+          </a:p>
+          <a:p>
+            <a:pPr marL="0" indent="0">
+              <a:buNone/>
+            </a:pPr>
+            <a:r>
+              <a:rPr lang="en-GB" sz="1800" b="1" dirty="0">
+                <a:latin typeface="Courier New" panose="02070309020205020404" pitchFamily="49" charset="0"/>
+                <a:cs typeface="Courier New" panose="02070309020205020404" pitchFamily="49" charset="0"/>
+              </a:rPr>
+              <a:t>            &lt;/</a:t>
+            </a:r>
+            <a:r>
+              <a:rPr lang="en-GB" sz="1800" b="1" dirty="0" err="1">
+                <a:latin typeface="Courier New" panose="02070309020205020404" pitchFamily="49" charset="0"/>
+                <a:cs typeface="Courier New" panose="02070309020205020404" pitchFamily="49" charset="0"/>
+              </a:rPr>
+              <a:t>svrl:failed-assert</a:t>
+            </a:r>
+            <a:r>
+              <a:rPr lang="en-GB" sz="1800" b="1" dirty="0">
+                <a:latin typeface="Courier New" panose="02070309020205020404" pitchFamily="49" charset="0"/>
+                <a:cs typeface="Courier New" panose="02070309020205020404" pitchFamily="49" charset="0"/>
+              </a:rPr>
+              <a:t>&gt;</a:t>
+            </a:r>
+          </a:p>
+          <a:p>
+            <a:pPr marL="0" indent="0">
+              <a:buNone/>
+            </a:pPr>
+            <a:r>
               <a:rPr lang="en-GB" sz="1800" dirty="0">
                 <a:latin typeface="Courier New" panose="02070309020205020404" pitchFamily="49" charset="0"/>
                 <a:cs typeface="Courier New" panose="02070309020205020404" pitchFamily="49" charset="0"/>
               </a:rPr>
-              <a:t> test="{$assert/@test}" role="warning"&gt;</a:t>
+              <a:t>        else</a:t>
             </a:r>
           </a:p>
           <a:p>
@@ -6591,31 +6782,88 @@
                 <a:latin typeface="Courier New" panose="02070309020205020404" pitchFamily="49" charset="0"/>
                 <a:cs typeface="Courier New" panose="02070309020205020404" pitchFamily="49" charset="0"/>
               </a:rPr>
+              <a:t>          if (exists($xml[$assert/@test])) then ()</a:t>
+            </a:r>
+          </a:p>
+          <a:p>
+            <a:pPr marL="0" indent="0">
+              <a:buNone/>
+            </a:pPr>
+            <a:r>
+              <a:rPr lang="en-GB" sz="1800" dirty="0">
+                <a:latin typeface="Courier New" panose="02070309020205020404" pitchFamily="49" charset="0"/>
+                <a:cs typeface="Courier New" panose="02070309020205020404" pitchFamily="49" charset="0"/>
+              </a:rPr>
+              <a:t>          else</a:t>
+            </a:r>
+          </a:p>
+          <a:p>
+            <a:pPr marL="0" indent="0">
+              <a:buNone/>
+            </a:pPr>
+            <a:r>
+              <a:rPr lang="en-GB" sz="1800" dirty="0">
+                <a:latin typeface="Courier New" panose="02070309020205020404" pitchFamily="49" charset="0"/>
+                <a:cs typeface="Courier New" panose="02070309020205020404" pitchFamily="49" charset="0"/>
+              </a:rPr>
+              <a:t>            </a:t>
+            </a:r>
+            <a:r>
+              <a:rPr lang="en-GB" sz="1800" b="1" dirty="0">
+                <a:latin typeface="Courier New" panose="02070309020205020404" pitchFamily="49" charset="0"/>
+                <a:cs typeface="Courier New" panose="02070309020205020404" pitchFamily="49" charset="0"/>
+              </a:rPr>
+              <a:t>&lt;</a:t>
+            </a:r>
+            <a:r>
+              <a:rPr lang="en-GB" sz="1800" b="1" dirty="0" err="1">
+                <a:latin typeface="Courier New" panose="02070309020205020404" pitchFamily="49" charset="0"/>
+                <a:cs typeface="Courier New" panose="02070309020205020404" pitchFamily="49" charset="0"/>
+              </a:rPr>
+              <a:t>svrl:failed-assert</a:t>
+            </a:r>
+            <a:r>
+              <a:rPr lang="en-GB" sz="1800" b="1" dirty="0">
+                <a:latin typeface="Courier New" panose="02070309020205020404" pitchFamily="49" charset="0"/>
+                <a:cs typeface="Courier New" panose="02070309020205020404" pitchFamily="49" charset="0"/>
+              </a:rPr>
+              <a:t> test="{$assert/@test}"&gt;</a:t>
+            </a:r>
+          </a:p>
+          <a:p>
+            <a:pPr marL="0" indent="0">
+              <a:buNone/>
+            </a:pPr>
+            <a:r>
+              <a:rPr lang="en-GB" sz="1800" b="1" dirty="0">
+                <a:latin typeface="Courier New" panose="02070309020205020404" pitchFamily="49" charset="0"/>
+                <a:cs typeface="Courier New" panose="02070309020205020404" pitchFamily="49" charset="0"/>
+              </a:rPr>
               <a:t>              &lt;</a:t>
             </a:r>
             <a:r>
-              <a:rPr lang="en-GB" sz="1800" dirty="0" err="1">
+              <a:rPr lang="en-GB" sz="1800" b="1" dirty="0" err="1">
                 <a:latin typeface="Courier New" panose="02070309020205020404" pitchFamily="49" charset="0"/>
                 <a:cs typeface="Courier New" panose="02070309020205020404" pitchFamily="49" charset="0"/>
               </a:rPr>
               <a:t>svrl:text</a:t>
             </a:r>
             <a:r>
-              <a:rPr lang="en-GB" sz="1800" dirty="0">
+              <a:rPr lang="en-GB" sz="1800" b="1" dirty="0">
                 <a:latin typeface="Courier New" panose="02070309020205020404" pitchFamily="49" charset="0"/>
                 <a:cs typeface="Courier New" panose="02070309020205020404" pitchFamily="49" charset="0"/>
               </a:rPr>
               <a:t>&gt;{data($assert)}&lt;/</a:t>
             </a:r>
             <a:r>
-              <a:rPr lang="en-GB" sz="1800" dirty="0" err="1">
+              <a:rPr lang="en-GB" sz="1800" b="1" dirty="0" err="1">
                 <a:latin typeface="Courier New" panose="02070309020205020404" pitchFamily="49" charset="0"/>
                 <a:cs typeface="Courier New" panose="02070309020205020404" pitchFamily="49" charset="0"/>
               </a:rPr>
               <a:t>svrl:text</a:t>
             </a:r>
             <a:r>
-              <a:rPr lang="en-GB" sz="1800" dirty="0">
+              <a:rPr lang="en-GB" sz="1800" b="1" dirty="0">
                 <a:latin typeface="Courier New" panose="02070309020205020404" pitchFamily="49" charset="0"/>
                 <a:cs typeface="Courier New" panose="02070309020205020404" pitchFamily="49" charset="0"/>
               </a:rPr>
@@ -6627,149 +6875,21 @@
               <a:buNone/>
             </a:pPr>
             <a:r>
-              <a:rPr lang="en-GB" sz="1800" dirty="0">
+              <a:rPr lang="en-GB" sz="1800" b="1" dirty="0">
                 <a:latin typeface="Courier New" panose="02070309020205020404" pitchFamily="49" charset="0"/>
                 <a:cs typeface="Courier New" panose="02070309020205020404" pitchFamily="49" charset="0"/>
               </a:rPr>
               <a:t>            &lt;/</a:t>
             </a:r>
             <a:r>
-              <a:rPr lang="en-GB" sz="1800" dirty="0" err="1">
+              <a:rPr lang="en-GB" sz="1800" b="1" dirty="0" err="1">
                 <a:latin typeface="Courier New" panose="02070309020205020404" pitchFamily="49" charset="0"/>
                 <a:cs typeface="Courier New" panose="02070309020205020404" pitchFamily="49" charset="0"/>
               </a:rPr>
               <a:t>svrl:failed-assert</a:t>
             </a:r>
             <a:r>
-              <a:rPr lang="en-GB" sz="1800" dirty="0">
-                <a:latin typeface="Courier New" panose="02070309020205020404" pitchFamily="49" charset="0"/>
-                <a:cs typeface="Courier New" panose="02070309020205020404" pitchFamily="49" charset="0"/>
-              </a:rPr>
-              <a:t>&gt;</a:t>
-            </a:r>
-          </a:p>
-          <a:p>
-            <a:pPr marL="0" indent="0">
-              <a:buNone/>
-            </a:pPr>
-            <a:r>
-              <a:rPr lang="en-GB" sz="1800" dirty="0">
-                <a:latin typeface="Courier New" panose="02070309020205020404" pitchFamily="49" charset="0"/>
-                <a:cs typeface="Courier New" panose="02070309020205020404" pitchFamily="49" charset="0"/>
-              </a:rPr>
-              <a:t>        else</a:t>
-            </a:r>
-          </a:p>
-          <a:p>
-            <a:pPr marL="0" indent="0">
-              <a:buNone/>
-            </a:pPr>
-            <a:r>
-              <a:rPr lang="en-GB" sz="1800" dirty="0">
-                <a:latin typeface="Courier New" panose="02070309020205020404" pitchFamily="49" charset="0"/>
-                <a:cs typeface="Courier New" panose="02070309020205020404" pitchFamily="49" charset="0"/>
-              </a:rPr>
-              <a:t>          if (exists($xml[$assert/@test])) then ()</a:t>
-            </a:r>
-          </a:p>
-          <a:p>
-            <a:pPr marL="0" indent="0">
-              <a:buNone/>
-            </a:pPr>
-            <a:r>
-              <a:rPr lang="en-GB" sz="1800" dirty="0">
-                <a:latin typeface="Courier New" panose="02070309020205020404" pitchFamily="49" charset="0"/>
-                <a:cs typeface="Courier New" panose="02070309020205020404" pitchFamily="49" charset="0"/>
-              </a:rPr>
-              <a:t>          else</a:t>
-            </a:r>
-          </a:p>
-          <a:p>
-            <a:pPr marL="0" indent="0">
-              <a:buNone/>
-            </a:pPr>
-            <a:r>
-              <a:rPr lang="en-GB" sz="1800" dirty="0">
-                <a:latin typeface="Courier New" panose="02070309020205020404" pitchFamily="49" charset="0"/>
-                <a:cs typeface="Courier New" panose="02070309020205020404" pitchFamily="49" charset="0"/>
-              </a:rPr>
-              <a:t>            &lt;</a:t>
-            </a:r>
-            <a:r>
-              <a:rPr lang="en-GB" sz="1800" dirty="0" err="1">
-                <a:latin typeface="Courier New" panose="02070309020205020404" pitchFamily="49" charset="0"/>
-                <a:cs typeface="Courier New" panose="02070309020205020404" pitchFamily="49" charset="0"/>
-              </a:rPr>
-              <a:t>svrl:failed-assert</a:t>
-            </a:r>
-            <a:r>
-              <a:rPr lang="en-GB" sz="1800" dirty="0">
-                <a:latin typeface="Courier New" panose="02070309020205020404" pitchFamily="49" charset="0"/>
-                <a:cs typeface="Courier New" panose="02070309020205020404" pitchFamily="49" charset="0"/>
-              </a:rPr>
-              <a:t> test="{$assert/@test}"&gt;</a:t>
-            </a:r>
-          </a:p>
-          <a:p>
-            <a:pPr marL="0" indent="0">
-              <a:buNone/>
-            </a:pPr>
-            <a:r>
-              <a:rPr lang="en-GB" sz="1800" dirty="0">
-                <a:latin typeface="Courier New" panose="02070309020205020404" pitchFamily="49" charset="0"/>
-                <a:cs typeface="Courier New" panose="02070309020205020404" pitchFamily="49" charset="0"/>
-              </a:rPr>
-              <a:t>              &lt;</a:t>
-            </a:r>
-            <a:r>
-              <a:rPr lang="en-GB" sz="1800" dirty="0" err="1">
-                <a:latin typeface="Courier New" panose="02070309020205020404" pitchFamily="49" charset="0"/>
-                <a:cs typeface="Courier New" panose="02070309020205020404" pitchFamily="49" charset="0"/>
-              </a:rPr>
-              <a:t>svrl:text</a:t>
-            </a:r>
-            <a:r>
-              <a:rPr lang="en-GB" sz="1800" dirty="0">
-                <a:latin typeface="Courier New" panose="02070309020205020404" pitchFamily="49" charset="0"/>
-                <a:cs typeface="Courier New" panose="02070309020205020404" pitchFamily="49" charset="0"/>
-              </a:rPr>
-              <a:t>&gt;{data($assert)}&lt;/</a:t>
-            </a:r>
-            <a:r>
-              <a:rPr lang="en-GB" sz="1800" dirty="0" err="1">
-                <a:latin typeface="Courier New" panose="02070309020205020404" pitchFamily="49" charset="0"/>
-                <a:cs typeface="Courier New" panose="02070309020205020404" pitchFamily="49" charset="0"/>
-              </a:rPr>
-              <a:t>svrl:text</a:t>
-            </a:r>
-            <a:r>
-              <a:rPr lang="en-GB" sz="1800" dirty="0">
-                <a:latin typeface="Courier New" panose="02070309020205020404" pitchFamily="49" charset="0"/>
-                <a:cs typeface="Courier New" panose="02070309020205020404" pitchFamily="49" charset="0"/>
-              </a:rPr>
-              <a:t>&gt;</a:t>
-            </a:r>
-          </a:p>
-          <a:p>
-            <a:pPr marL="0" indent="0">
-              <a:buNone/>
-            </a:pPr>
-            <a:r>
-              <a:rPr lang="en-GB" sz="1800" dirty="0">
-                <a:latin typeface="Courier New" panose="02070309020205020404" pitchFamily="49" charset="0"/>
-                <a:cs typeface="Courier New" panose="02070309020205020404" pitchFamily="49" charset="0"/>
-              </a:rPr>
-              <a:t>            &lt;/</a:t>
-            </a:r>
-            <a:r>
-              <a:rPr lang="en-GB" sz="1800" dirty="0" err="1">
-                <a:latin typeface="Courier New" panose="02070309020205020404" pitchFamily="49" charset="0"/>
-                <a:cs typeface="Courier New" panose="02070309020205020404" pitchFamily="49" charset="0"/>
-              </a:rPr>
-              <a:t>svrl:failed-assert</a:t>
-            </a:r>
-            <a:r>
-              <a:rPr lang="en-GB" sz="1800" dirty="0">
+              <a:rPr lang="en-GB" sz="1800" b="1" dirty="0">
                 <a:latin typeface="Courier New" panose="02070309020205020404" pitchFamily="49" charset="0"/>
                 <a:cs typeface="Courier New" panose="02070309020205020404" pitchFamily="49" charset="0"/>
               </a:rPr>
@@ -6822,7 +6942,7 @@
           <p:cNvPr id="2" name="Title 1">
             <a:extLst>
               <a:ext uri="{FF2B5EF4-FFF2-40B4-BE49-F238E27FC236}">
-                <a16:creationId xmlns:a16="http://schemas.microsoft.com/office/drawing/2014/main" id="{2FB356C2-06C4-442A-A402-479E04F3D635}"/>
+                <a16:creationId xmlns:a16="http://schemas.microsoft.com/office/drawing/2014/main" id="{6C57D578-CC16-4CA5-A771-965CFCC68AAA}"/>
               </a:ext>
             </a:extLst>
           </p:cNvPr>
@@ -6840,7 +6960,15 @@
           <a:p>
             <a:r>
               <a:rPr lang="en-GB" dirty="0"/>
-              <a:t>Schema structure</a:t>
+              <a:t>How asking </a:t>
+            </a:r>
+            <a:r>
+              <a:rPr lang="en-GB" dirty="0" err="1"/>
+              <a:t>ChatGPT</a:t>
+            </a:r>
+            <a:r>
+              <a:rPr lang="en-GB" dirty="0"/>
+              <a:t> helped</a:t>
             </a:r>
           </a:p>
         </p:txBody>
@@ -6850,7 +6978,7 @@
           <p:cNvPr id="3" name="Content Placeholder 2">
             <a:extLst>
               <a:ext uri="{FF2B5EF4-FFF2-40B4-BE49-F238E27FC236}">
-                <a16:creationId xmlns:a16="http://schemas.microsoft.com/office/drawing/2014/main" id="{1ED63B97-EB0E-4A38-A817-3F0BF69F104B}"/>
+                <a16:creationId xmlns:a16="http://schemas.microsoft.com/office/drawing/2014/main" id="{7F0F360A-24D7-4E74-B904-FE874F7F6273}"/>
               </a:ext>
             </a:extLst>
           </p:cNvPr>
@@ -6868,22 +6996,7 @@
           <a:p>
             <a:r>
               <a:rPr lang="en-GB" dirty="0"/>
-              <a:t>Before diving into approach, an overview of </a:t>
-            </a:r>
-            <a:r>
-              <a:rPr lang="en-GB" dirty="0" err="1"/>
-              <a:t>Schematron</a:t>
-            </a:r>
-            <a:r>
-              <a:rPr lang="en-GB" dirty="0"/>
-              <a:t> schema structure: </a:t>
-            </a:r>
-          </a:p>
-          <a:p>
-            <a:pPr lvl="1"/>
-            <a:r>
-              <a:rPr lang="en-GB" dirty="0"/>
-              <a:t>Phase, pattern, rule, constraints (diagram)</a:t>
+              <a:t>ISO; XQuery; SVRL</a:t>
             </a:r>
           </a:p>
         </p:txBody>
@@ -6891,7 +7004,7 @@
     </p:spTree>
     <p:extLst>
       <p:ext uri="{BB962C8B-B14F-4D97-AF65-F5344CB8AC3E}">
-        <p14:creationId xmlns:p14="http://schemas.microsoft.com/office/powerpoint/2010/main" val="2745836092"/>
+        <p14:creationId xmlns:p14="http://schemas.microsoft.com/office/powerpoint/2010/main" val="303467115"/>
       </p:ext>
     </p:extLst>
   </p:cSld>
@@ -6923,7 +7036,7 @@
           <p:cNvPr id="2" name="Title 1">
             <a:extLst>
               <a:ext uri="{FF2B5EF4-FFF2-40B4-BE49-F238E27FC236}">
-                <a16:creationId xmlns:a16="http://schemas.microsoft.com/office/drawing/2014/main" id="{EEA90060-1A29-470E-866E-70D5A351A181}"/>
+                <a16:creationId xmlns:a16="http://schemas.microsoft.com/office/drawing/2014/main" id="{2FB356C2-06C4-442A-A402-479E04F3D635}"/>
               </a:ext>
             </a:extLst>
           </p:cNvPr>
@@ -6941,43 +7054,50 @@
           <a:p>
             <a:r>
               <a:rPr lang="en-GB" dirty="0"/>
-              <a:t>Processing model</a:t>
-            </a:r>
-          </a:p>
-        </p:txBody>
-      </p:sp>
-      <p:sp>
-        <p:nvSpPr>
-          <p:cNvPr id="3" name="Content Placeholder 2">
-            <a:extLst>
-              <a:ext uri="{FF2B5EF4-FFF2-40B4-BE49-F238E27FC236}">
-                <a16:creationId xmlns:a16="http://schemas.microsoft.com/office/drawing/2014/main" id="{41DDF197-3764-4F6C-A6DB-E8373BD993B1}"/>
-              </a:ext>
-            </a:extLst>
-          </p:cNvPr>
-          <p:cNvSpPr>
-            <a:spLocks noGrp="1"/>
-          </p:cNvSpPr>
+              <a:t>Schema structure</a:t>
+            </a:r>
+          </a:p>
+        </p:txBody>
+      </p:sp>
+      <p:pic>
+        <p:nvPicPr>
+          <p:cNvPr id="5" name="Content Placeholder 4">
+            <a:extLst>
+              <a:ext uri="{FF2B5EF4-FFF2-40B4-BE49-F238E27FC236}">
+                <a16:creationId xmlns:a16="http://schemas.microsoft.com/office/drawing/2014/main" id="{7BB7C2D9-CCD6-495D-9EB3-54F0A69EEA49}"/>
+              </a:ext>
+            </a:extLst>
+          </p:cNvPr>
+          <p:cNvPicPr>
+            <a:picLocks noGrp="1" noChangeAspect="1"/>
+          </p:cNvPicPr>
           <p:nvPr>
             <p:ph idx="1"/>
           </p:nvPr>
-        </p:nvSpPr>
-        <p:spPr/>
-        <p:txBody>
-          <a:bodyPr/>
-          <a:lstStyle/>
-          <a:p>
-            <a:r>
-              <a:rPr lang="en-GB" dirty="0"/>
-              <a:t>Include, expand, compile</a:t>
-            </a:r>
-          </a:p>
-        </p:txBody>
-      </p:sp>
+        </p:nvPicPr>
+        <p:blipFill>
+          <a:blip r:embed="rId3">
+            <a:extLst>
+              <a:ext uri="{28A0092B-C50C-407E-A947-70E740481C1C}">
+                <a14:useLocalDpi xmlns:a14="http://schemas.microsoft.com/office/drawing/2010/main" val="0"/>
+              </a:ext>
+            </a:extLst>
+          </a:blip>
+          <a:stretch>
+            <a:fillRect/>
+          </a:stretch>
+        </p:blipFill>
+        <p:spPr>
+          <a:xfrm>
+            <a:off x="4310062" y="1643062"/>
+            <a:ext cx="3571875" cy="3571875"/>
+          </a:xfrm>
+        </p:spPr>
+      </p:pic>
     </p:spTree>
     <p:extLst>
       <p:ext uri="{BB962C8B-B14F-4D97-AF65-F5344CB8AC3E}">
-        <p14:creationId xmlns:p14="http://schemas.microsoft.com/office/powerpoint/2010/main" val="387842745"/>
+        <p14:creationId xmlns:p14="http://schemas.microsoft.com/office/powerpoint/2010/main" val="2745836092"/>
       </p:ext>
     </p:extLst>
   </p:cSld>
@@ -7009,7 +7129,7 @@
           <p:cNvPr id="2" name="Title 1">
             <a:extLst>
               <a:ext uri="{FF2B5EF4-FFF2-40B4-BE49-F238E27FC236}">
-                <a16:creationId xmlns:a16="http://schemas.microsoft.com/office/drawing/2014/main" id="{6775A2C5-0F9E-4A8E-B122-59CE8682FDCF}"/>
+                <a16:creationId xmlns:a16="http://schemas.microsoft.com/office/drawing/2014/main" id="{EEA90060-1A29-470E-866E-70D5A351A181}"/>
               </a:ext>
             </a:extLst>
           </p:cNvPr>
@@ -7027,7 +7147,7 @@
           <a:p>
             <a:r>
               <a:rPr lang="en-GB" dirty="0"/>
-              <a:t>Caveats</a:t>
+              <a:t>Processing model</a:t>
             </a:r>
           </a:p>
         </p:txBody>
@@ -7037,7 +7157,7 @@
           <p:cNvPr id="3" name="Content Placeholder 2">
             <a:extLst>
               <a:ext uri="{FF2B5EF4-FFF2-40B4-BE49-F238E27FC236}">
-                <a16:creationId xmlns:a16="http://schemas.microsoft.com/office/drawing/2014/main" id="{3C3FBDD6-99E9-4118-909C-CF9C85026BBE}"/>
+                <a16:creationId xmlns:a16="http://schemas.microsoft.com/office/drawing/2014/main" id="{41DDF197-3764-4F6C-A6DB-E8373BD993B1}"/>
               </a:ext>
             </a:extLst>
           </p:cNvPr>
@@ -7055,21 +7175,7 @@
           <a:p>
             <a:r>
               <a:rPr lang="en-GB" dirty="0"/>
-              <a:t>No expansion/inclusion &amp; WHY</a:t>
-            </a:r>
-          </a:p>
-          <a:p>
-            <a:r>
-              <a:rPr lang="en-GB" dirty="0"/>
-              <a:t>BUT </a:t>
-            </a:r>
-            <a:r>
-              <a:rPr lang="en-GB" i="1" dirty="0"/>
-              <a:t>dynamic evaluation</a:t>
-            </a:r>
-            <a:r>
-              <a:rPr lang="en-GB" dirty="0"/>
-              <a:t> as well as compilation</a:t>
+              <a:t>Include, expand, compile</a:t>
             </a:r>
           </a:p>
         </p:txBody>
@@ -7077,7 +7183,7 @@
     </p:spTree>
     <p:extLst>
       <p:ext uri="{BB962C8B-B14F-4D97-AF65-F5344CB8AC3E}">
-        <p14:creationId xmlns:p14="http://schemas.microsoft.com/office/powerpoint/2010/main" val="1039456742"/>
+        <p14:creationId xmlns:p14="http://schemas.microsoft.com/office/powerpoint/2010/main" val="387842745"/>
       </p:ext>
     </p:extLst>
   </p:cSld>
@@ -7109,7 +7215,7 @@
           <p:cNvPr id="2" name="Title 1">
             <a:extLst>
               <a:ext uri="{FF2B5EF4-FFF2-40B4-BE49-F238E27FC236}">
-                <a16:creationId xmlns:a16="http://schemas.microsoft.com/office/drawing/2014/main" id="{F8E39FCD-263E-49E9-A9BA-2CC51CD18818}"/>
+                <a16:creationId xmlns:a16="http://schemas.microsoft.com/office/drawing/2014/main" id="{6775A2C5-0F9E-4A8E-B122-59CE8682FDCF}"/>
               </a:ext>
             </a:extLst>
           </p:cNvPr>
@@ -7127,7 +7233,7 @@
           <a:p>
             <a:r>
               <a:rPr lang="en-GB" dirty="0"/>
-              <a:t>Evaluate vs compile</a:t>
+              <a:t>Caveats</a:t>
             </a:r>
           </a:p>
         </p:txBody>
@@ -7137,7 +7243,7 @@
           <p:cNvPr id="3" name="Content Placeholder 2">
             <a:extLst>
               <a:ext uri="{FF2B5EF4-FFF2-40B4-BE49-F238E27FC236}">
-                <a16:creationId xmlns:a16="http://schemas.microsoft.com/office/drawing/2014/main" id="{E6BBAF03-F045-4E55-9DD4-E380087EC493}"/>
+                <a16:creationId xmlns:a16="http://schemas.microsoft.com/office/drawing/2014/main" id="{3C3FBDD6-99E9-4118-909C-CF9C85026BBE}"/>
               </a:ext>
             </a:extLst>
           </p:cNvPr>
@@ -7155,11 +7261,21 @@
           <a:p>
             <a:r>
               <a:rPr lang="en-GB" dirty="0"/>
-              <a:t>[diagram the </a:t>
-            </a:r>
-            <a:r>
-              <a:rPr lang="en-GB"/>
-              <a:t>two approaches]</a:t>
+              <a:t>No expansion/inclusion &amp; WHY</a:t>
+            </a:r>
+          </a:p>
+          <a:p>
+            <a:r>
+              <a:rPr lang="en-GB" dirty="0"/>
+              <a:t>BUT </a:t>
+            </a:r>
+            <a:r>
+              <a:rPr lang="en-GB" i="1" dirty="0"/>
+              <a:t>dynamic evaluation</a:t>
+            </a:r>
+            <a:r>
+              <a:rPr lang="en-GB" dirty="0"/>
+              <a:t> as well as compilation</a:t>
             </a:r>
           </a:p>
         </p:txBody>
@@ -7167,7 +7283,7 @@
     </p:spTree>
     <p:extLst>
       <p:ext uri="{BB962C8B-B14F-4D97-AF65-F5344CB8AC3E}">
-        <p14:creationId xmlns:p14="http://schemas.microsoft.com/office/powerpoint/2010/main" val="2214602858"/>
+        <p14:creationId xmlns:p14="http://schemas.microsoft.com/office/powerpoint/2010/main" val="1039456742"/>
       </p:ext>
     </p:extLst>
   </p:cSld>
@@ -7282,6 +7398,96 @@
 </file>
 
 <file path=ppt/slides/slide20.xml><?xml version="1.0" encoding="utf-8"?>
+<p:sld xmlns:a="http://schemas.openxmlformats.org/drawingml/2006/main" xmlns:r="http://schemas.openxmlformats.org/officeDocument/2006/relationships" xmlns:p="http://schemas.openxmlformats.org/presentationml/2006/main">
+  <p:cSld>
+    <p:spTree>
+      <p:nvGrpSpPr>
+        <p:cNvPr id="1" name=""/>
+        <p:cNvGrpSpPr/>
+        <p:nvPr/>
+      </p:nvGrpSpPr>
+      <p:grpSpPr>
+        <a:xfrm>
+          <a:off x="0" y="0"/>
+          <a:ext cx="0" cy="0"/>
+          <a:chOff x="0" y="0"/>
+          <a:chExt cx="0" cy="0"/>
+        </a:xfrm>
+      </p:grpSpPr>
+      <p:sp>
+        <p:nvSpPr>
+          <p:cNvPr id="2" name="Title 1">
+            <a:extLst>
+              <a:ext uri="{FF2B5EF4-FFF2-40B4-BE49-F238E27FC236}">
+                <a16:creationId xmlns:a16="http://schemas.microsoft.com/office/drawing/2014/main" id="{F8E39FCD-263E-49E9-A9BA-2CC51CD18818}"/>
+              </a:ext>
+            </a:extLst>
+          </p:cNvPr>
+          <p:cNvSpPr>
+            <a:spLocks noGrp="1"/>
+          </p:cNvSpPr>
+          <p:nvPr>
+            <p:ph type="title"/>
+          </p:nvPr>
+        </p:nvSpPr>
+        <p:spPr/>
+        <p:txBody>
+          <a:bodyPr/>
+          <a:lstStyle/>
+          <a:p>
+            <a:r>
+              <a:rPr lang="en-GB" dirty="0"/>
+              <a:t>Evaluate vs compile</a:t>
+            </a:r>
+          </a:p>
+        </p:txBody>
+      </p:sp>
+      <p:sp>
+        <p:nvSpPr>
+          <p:cNvPr id="3" name="Content Placeholder 2">
+            <a:extLst>
+              <a:ext uri="{FF2B5EF4-FFF2-40B4-BE49-F238E27FC236}">
+                <a16:creationId xmlns:a16="http://schemas.microsoft.com/office/drawing/2014/main" id="{E6BBAF03-F045-4E55-9DD4-E380087EC493}"/>
+              </a:ext>
+            </a:extLst>
+          </p:cNvPr>
+          <p:cNvSpPr>
+            <a:spLocks noGrp="1"/>
+          </p:cNvSpPr>
+          <p:nvPr>
+            <p:ph idx="1"/>
+          </p:nvPr>
+        </p:nvSpPr>
+        <p:spPr/>
+        <p:txBody>
+          <a:bodyPr/>
+          <a:lstStyle/>
+          <a:p>
+            <a:r>
+              <a:rPr lang="en-GB" dirty="0"/>
+              <a:t>[diagram the </a:t>
+            </a:r>
+            <a:r>
+              <a:rPr lang="en-GB"/>
+              <a:t>two approaches]</a:t>
+            </a:r>
+          </a:p>
+        </p:txBody>
+      </p:sp>
+    </p:spTree>
+    <p:extLst>
+      <p:ext uri="{BB962C8B-B14F-4D97-AF65-F5344CB8AC3E}">
+        <p14:creationId xmlns:p14="http://schemas.microsoft.com/office/powerpoint/2010/main" val="2214602858"/>
+      </p:ext>
+    </p:extLst>
+  </p:cSld>
+  <p:clrMapOvr>
+    <a:masterClrMapping/>
+  </p:clrMapOvr>
+</p:sld>
+</file>
+
+<file path=ppt/slides/slide21.xml><?xml version="1.0" encoding="utf-8"?>
 <p:sld xmlns:a="http://schemas.openxmlformats.org/drawingml/2006/main" xmlns:r="http://schemas.openxmlformats.org/officeDocument/2006/relationships" xmlns:p="http://schemas.openxmlformats.org/presentationml/2006/main">
   <p:cSld>
     <p:spTree>

--- a/Markup UK 2023 slides.pptx
+++ b/Markup UK 2023 slides.pptx
@@ -5,7 +5,7 @@
     <p:sldMasterId id="2147483648" r:id="rId1"/>
   </p:sldMasterIdLst>
   <p:notesMasterIdLst>
-    <p:notesMasterId r:id="rId23"/>
+    <p:notesMasterId r:id="rId35"/>
   </p:notesMasterIdLst>
   <p:sldIdLst>
     <p:sldId id="256" r:id="rId2"/>
@@ -14,21 +14,33 @@
     <p:sldId id="265" r:id="rId5"/>
     <p:sldId id="258" r:id="rId6"/>
     <p:sldId id="259" r:id="rId7"/>
-    <p:sldId id="268" r:id="rId8"/>
-    <p:sldId id="269" r:id="rId9"/>
-    <p:sldId id="260" r:id="rId10"/>
-    <p:sldId id="271" r:id="rId11"/>
-    <p:sldId id="270" r:id="rId12"/>
-    <p:sldId id="272" r:id="rId13"/>
-    <p:sldId id="273" r:id="rId14"/>
-    <p:sldId id="274" r:id="rId15"/>
-    <p:sldId id="275" r:id="rId16"/>
-    <p:sldId id="276" r:id="rId17"/>
+    <p:sldId id="260" r:id="rId8"/>
+    <p:sldId id="271" r:id="rId9"/>
+    <p:sldId id="270" r:id="rId10"/>
+    <p:sldId id="272" r:id="rId11"/>
+    <p:sldId id="273" r:id="rId12"/>
+    <p:sldId id="274" r:id="rId13"/>
+    <p:sldId id="275" r:id="rId14"/>
+    <p:sldId id="276" r:id="rId15"/>
+    <p:sldId id="268" r:id="rId16"/>
+    <p:sldId id="269" r:id="rId17"/>
     <p:sldId id="261" r:id="rId18"/>
-    <p:sldId id="262" r:id="rId19"/>
-    <p:sldId id="263" r:id="rId20"/>
-    <p:sldId id="264" r:id="rId21"/>
-    <p:sldId id="266" r:id="rId22"/>
+    <p:sldId id="279" r:id="rId19"/>
+    <p:sldId id="264" r:id="rId20"/>
+    <p:sldId id="278" r:id="rId21"/>
+    <p:sldId id="283" r:id="rId22"/>
+    <p:sldId id="284" r:id="rId23"/>
+    <p:sldId id="285" r:id="rId24"/>
+    <p:sldId id="286" r:id="rId25"/>
+    <p:sldId id="287" r:id="rId26"/>
+    <p:sldId id="288" r:id="rId27"/>
+    <p:sldId id="277" r:id="rId28"/>
+    <p:sldId id="289" r:id="rId29"/>
+    <p:sldId id="280" r:id="rId30"/>
+    <p:sldId id="263" r:id="rId31"/>
+    <p:sldId id="282" r:id="rId32"/>
+    <p:sldId id="281" r:id="rId33"/>
+    <p:sldId id="266" r:id="rId34"/>
   </p:sldIdLst>
   <p:sldSz cx="12192000" cy="6858000"/>
   <p:notesSz cx="6858000" cy="9144000"/>
@@ -624,7 +636,33 @@
           <a:p>
             <a:r>
               <a:rPr lang="en-GB" dirty="0"/>
-              <a:t>Same approach as at first, but in ISO namespace…</a:t>
+              <a:t>So I asked specifically for ISO SCH and XQY 3.1, to see if that made a difference.</a:t>
+            </a:r>
+          </a:p>
+          <a:p>
+            <a:endParaRPr lang="en-GB" dirty="0"/>
+          </a:p>
+          <a:p>
+            <a:r>
+              <a:rPr lang="en-GB" dirty="0"/>
+              <a:t>This time, it proudly declares the ISO namespace (see top).</a:t>
+            </a:r>
+          </a:p>
+          <a:p>
+            <a:endParaRPr lang="en-GB" dirty="0"/>
+          </a:p>
+          <a:p>
+            <a:r>
+              <a:rPr lang="en-GB" dirty="0"/>
+              <a:t>BUT it uses the XSLT </a:t>
+            </a:r>
+            <a:r>
+              <a:rPr lang="en-GB" dirty="0" err="1"/>
+              <a:t>impl</a:t>
+            </a:r>
+            <a:r>
+              <a:rPr lang="en-GB" dirty="0"/>
+              <a:t>!</a:t>
             </a:r>
           </a:p>
         </p:txBody>
@@ -646,7 +684,7 @@
           <a:p>
             <a:fld id="{02BDF569-F48B-4704-ADB2-54F694482806}" type="slidenum">
               <a:rPr lang="en-GB" smtClean="0"/>
-              <a:t>14</a:t>
+              <a:t>11</a:t>
             </a:fld>
             <a:endParaRPr lang="en-GB"/>
           </a:p>
@@ -655,7 +693,7 @@
     </p:spTree>
     <p:extLst>
       <p:ext uri="{BB962C8B-B14F-4D97-AF65-F5344CB8AC3E}">
-        <p14:creationId xmlns:p14="http://schemas.microsoft.com/office/powerpoint/2010/main" val="1985493438"/>
+        <p14:creationId xmlns:p14="http://schemas.microsoft.com/office/powerpoint/2010/main" val="630851917"/>
       </p:ext>
     </p:extLst>
   </p:cSld>
@@ -711,7 +749,7 @@
           <a:p>
             <a:r>
               <a:rPr lang="en-GB" dirty="0"/>
-              <a:t>Now SVRL appears, but still no pattern/rule handling, so no complete SVRL output.</a:t>
+              <a:t>Same approach as at first, but in ISO namespace…</a:t>
             </a:r>
           </a:p>
         </p:txBody>
@@ -733,7 +771,7 @@
           <a:p>
             <a:fld id="{02BDF569-F48B-4704-ADB2-54F694482806}" type="slidenum">
               <a:rPr lang="en-GB" smtClean="0"/>
-              <a:t>15</a:t>
+              <a:t>12</a:t>
             </a:fld>
             <a:endParaRPr lang="en-GB"/>
           </a:p>
@@ -742,7 +780,7 @@
     </p:spTree>
     <p:extLst>
       <p:ext uri="{BB962C8B-B14F-4D97-AF65-F5344CB8AC3E}">
-        <p14:creationId xmlns:p14="http://schemas.microsoft.com/office/powerpoint/2010/main" val="160635231"/>
+        <p14:creationId xmlns:p14="http://schemas.microsoft.com/office/powerpoint/2010/main" val="1985493438"/>
       </p:ext>
     </p:extLst>
   </p:cSld>
@@ -798,6 +836,438 @@
           <a:p>
             <a:r>
               <a:rPr lang="en-GB" dirty="0"/>
+              <a:t>Now SVRL appears, but still no pattern/rule handling, so no complete SVRL output.</a:t>
+            </a:r>
+          </a:p>
+        </p:txBody>
+      </p:sp>
+      <p:sp>
+        <p:nvSpPr>
+          <p:cNvPr id="4" name="Slide Number Placeholder 3"/>
+          <p:cNvSpPr>
+            <a:spLocks noGrp="1"/>
+          </p:cNvSpPr>
+          <p:nvPr>
+            <p:ph type="sldNum" sz="quarter" idx="5"/>
+          </p:nvPr>
+        </p:nvSpPr>
+        <p:spPr/>
+        <p:txBody>
+          <a:bodyPr/>
+          <a:lstStyle/>
+          <a:p>
+            <a:fld id="{02BDF569-F48B-4704-ADB2-54F694482806}" type="slidenum">
+              <a:rPr lang="en-GB" smtClean="0"/>
+              <a:t>13</a:t>
+            </a:fld>
+            <a:endParaRPr lang="en-GB"/>
+          </a:p>
+        </p:txBody>
+      </p:sp>
+    </p:spTree>
+    <p:extLst>
+      <p:ext uri="{BB962C8B-B14F-4D97-AF65-F5344CB8AC3E}">
+        <p14:creationId xmlns:p14="http://schemas.microsoft.com/office/powerpoint/2010/main" val="160635231"/>
+      </p:ext>
+    </p:extLst>
+  </p:cSld>
+  <p:clrMapOvr>
+    <a:masterClrMapping/>
+  </p:clrMapOvr>
+</p:notes>
+</file>
+
+<file path=ppt/notesSlides/notesSlide13.xml><?xml version="1.0" encoding="utf-8"?>
+<p:notes xmlns:a="http://schemas.openxmlformats.org/drawingml/2006/main" xmlns:r="http://schemas.openxmlformats.org/officeDocument/2006/relationships" xmlns:p="http://schemas.openxmlformats.org/presentationml/2006/main">
+  <p:cSld>
+    <p:spTree>
+      <p:nvGrpSpPr>
+        <p:cNvPr id="1" name=""/>
+        <p:cNvGrpSpPr/>
+        <p:nvPr/>
+      </p:nvGrpSpPr>
+      <p:grpSpPr>
+        <a:xfrm>
+          <a:off x="0" y="0"/>
+          <a:ext cx="0" cy="0"/>
+          <a:chOff x="0" y="0"/>
+          <a:chExt cx="0" cy="0"/>
+        </a:xfrm>
+      </p:grpSpPr>
+      <p:sp>
+        <p:nvSpPr>
+          <p:cNvPr id="2" name="Slide Image Placeholder 1"/>
+          <p:cNvSpPr>
+            <a:spLocks noGrp="1" noRot="1" noChangeAspect="1"/>
+          </p:cNvSpPr>
+          <p:nvPr>
+            <p:ph type="sldImg"/>
+          </p:nvPr>
+        </p:nvSpPr>
+        <p:spPr/>
+      </p:sp>
+      <p:sp>
+        <p:nvSpPr>
+          <p:cNvPr id="3" name="Notes Placeholder 2"/>
+          <p:cNvSpPr>
+            <a:spLocks noGrp="1"/>
+          </p:cNvSpPr>
+          <p:nvPr>
+            <p:ph type="body" idx="1"/>
+          </p:nvPr>
+        </p:nvSpPr>
+        <p:spPr/>
+        <p:txBody>
+          <a:bodyPr/>
+          <a:lstStyle/>
+          <a:p>
+            <a:r>
+              <a:rPr lang="en-GB" dirty="0"/>
+              <a:t>The quality of the questions I asked </a:t>
+            </a:r>
+            <a:r>
+              <a:rPr lang="en-GB" dirty="0" err="1"/>
+              <a:t>ChatGPT</a:t>
+            </a:r>
+            <a:r>
+              <a:rPr lang="en-GB" dirty="0"/>
+              <a:t> probably didn’t help.</a:t>
+            </a:r>
+          </a:p>
+          <a:p>
+            <a:r>
+              <a:rPr lang="en-GB" dirty="0"/>
+              <a:t>Reason I did this and shared it here is it helped clarify the goals a bit.</a:t>
+            </a:r>
+          </a:p>
+          <a:p>
+            <a:endParaRPr lang="en-GB" dirty="0"/>
+          </a:p>
+        </p:txBody>
+      </p:sp>
+      <p:sp>
+        <p:nvSpPr>
+          <p:cNvPr id="4" name="Slide Number Placeholder 3"/>
+          <p:cNvSpPr>
+            <a:spLocks noGrp="1"/>
+          </p:cNvSpPr>
+          <p:nvPr>
+            <p:ph type="sldNum" sz="quarter" idx="5"/>
+          </p:nvPr>
+        </p:nvSpPr>
+        <p:spPr/>
+        <p:txBody>
+          <a:bodyPr/>
+          <a:lstStyle/>
+          <a:p>
+            <a:fld id="{02BDF569-F48B-4704-ADB2-54F694482806}" type="slidenum">
+              <a:rPr lang="en-GB" smtClean="0"/>
+              <a:t>14</a:t>
+            </a:fld>
+            <a:endParaRPr lang="en-GB"/>
+          </a:p>
+        </p:txBody>
+      </p:sp>
+    </p:spTree>
+    <p:extLst>
+      <p:ext uri="{BB962C8B-B14F-4D97-AF65-F5344CB8AC3E}">
+        <p14:creationId xmlns:p14="http://schemas.microsoft.com/office/powerpoint/2010/main" val="3865569298"/>
+      </p:ext>
+    </p:extLst>
+  </p:cSld>
+  <p:clrMapOvr>
+    <a:masterClrMapping/>
+  </p:clrMapOvr>
+</p:notes>
+</file>
+
+<file path=ppt/notesSlides/notesSlide14.xml><?xml version="1.0" encoding="utf-8"?>
+<p:notes xmlns:a="http://schemas.openxmlformats.org/drawingml/2006/main" xmlns:r="http://schemas.openxmlformats.org/officeDocument/2006/relationships" xmlns:p="http://schemas.openxmlformats.org/presentationml/2006/main">
+  <p:cSld>
+    <p:spTree>
+      <p:nvGrpSpPr>
+        <p:cNvPr id="1" name=""/>
+        <p:cNvGrpSpPr/>
+        <p:nvPr/>
+      </p:nvGrpSpPr>
+      <p:grpSpPr>
+        <a:xfrm>
+          <a:off x="0" y="0"/>
+          <a:ext cx="0" cy="0"/>
+          <a:chOff x="0" y="0"/>
+          <a:chExt cx="0" cy="0"/>
+        </a:xfrm>
+      </p:grpSpPr>
+      <p:sp>
+        <p:nvSpPr>
+          <p:cNvPr id="2" name="Slide Image Placeholder 1"/>
+          <p:cNvSpPr>
+            <a:spLocks noGrp="1" noRot="1" noChangeAspect="1"/>
+          </p:cNvSpPr>
+          <p:nvPr>
+            <p:ph type="sldImg"/>
+          </p:nvPr>
+        </p:nvSpPr>
+        <p:spPr/>
+      </p:sp>
+      <p:sp>
+        <p:nvSpPr>
+          <p:cNvPr id="3" name="Notes Placeholder 2"/>
+          <p:cNvSpPr>
+            <a:spLocks noGrp="1"/>
+          </p:cNvSpPr>
+          <p:nvPr>
+            <p:ph type="body" idx="1"/>
+          </p:nvPr>
+        </p:nvSpPr>
+        <p:spPr/>
+        <p:txBody>
+          <a:bodyPr/>
+          <a:lstStyle/>
+          <a:p>
+            <a:pPr marL="171450" indent="-171450">
+              <a:buFontTx/>
+              <a:buChar char="-"/>
+            </a:pPr>
+            <a:r>
+              <a:rPr lang="en-GB" dirty="0"/>
+              <a:t>To come back to “dynamic evaluation” brief that I mentioned before</a:t>
+            </a:r>
+          </a:p>
+          <a:p>
+            <a:pPr marL="171450" indent="-171450">
+              <a:buFontTx/>
+              <a:buChar char="-"/>
+            </a:pPr>
+            <a:r>
+              <a:rPr lang="en-GB" dirty="0"/>
+              <a:t>this is what the processing model looks like for e.g. XSLT </a:t>
+            </a:r>
+            <a:r>
+              <a:rPr lang="en-GB" dirty="0" err="1"/>
+              <a:t>impls</a:t>
+            </a:r>
+            <a:endParaRPr lang="en-GB" dirty="0"/>
+          </a:p>
+          <a:p>
+            <a:pPr marL="171450" indent="-171450">
+              <a:buFontTx/>
+              <a:buChar char="-"/>
+            </a:pPr>
+            <a:r>
+              <a:rPr lang="en-GB" dirty="0"/>
+              <a:t>[WALK THROUGH]</a:t>
+            </a:r>
+          </a:p>
+        </p:txBody>
+      </p:sp>
+      <p:sp>
+        <p:nvSpPr>
+          <p:cNvPr id="4" name="Slide Number Placeholder 3"/>
+          <p:cNvSpPr>
+            <a:spLocks noGrp="1"/>
+          </p:cNvSpPr>
+          <p:nvPr>
+            <p:ph type="sldNum" sz="quarter" idx="5"/>
+          </p:nvPr>
+        </p:nvSpPr>
+        <p:spPr/>
+        <p:txBody>
+          <a:bodyPr/>
+          <a:lstStyle/>
+          <a:p>
+            <a:fld id="{02BDF569-F48B-4704-ADB2-54F694482806}" type="slidenum">
+              <a:rPr lang="en-GB" smtClean="0"/>
+              <a:t>15</a:t>
+            </a:fld>
+            <a:endParaRPr lang="en-GB"/>
+          </a:p>
+        </p:txBody>
+      </p:sp>
+    </p:spTree>
+    <p:extLst>
+      <p:ext uri="{BB962C8B-B14F-4D97-AF65-F5344CB8AC3E}">
+        <p14:creationId xmlns:p14="http://schemas.microsoft.com/office/powerpoint/2010/main" val="2074892177"/>
+      </p:ext>
+    </p:extLst>
+  </p:cSld>
+  <p:clrMapOvr>
+    <a:masterClrMapping/>
+  </p:clrMapOvr>
+</p:notes>
+</file>
+
+<file path=ppt/notesSlides/notesSlide15.xml><?xml version="1.0" encoding="utf-8"?>
+<p:notes xmlns:a="http://schemas.openxmlformats.org/drawingml/2006/main" xmlns:r="http://schemas.openxmlformats.org/officeDocument/2006/relationships" xmlns:p="http://schemas.openxmlformats.org/presentationml/2006/main">
+  <p:cSld>
+    <p:spTree>
+      <p:nvGrpSpPr>
+        <p:cNvPr id="1" name=""/>
+        <p:cNvGrpSpPr/>
+        <p:nvPr/>
+      </p:nvGrpSpPr>
+      <p:grpSpPr>
+        <a:xfrm>
+          <a:off x="0" y="0"/>
+          <a:ext cx="0" cy="0"/>
+          <a:chOff x="0" y="0"/>
+          <a:chExt cx="0" cy="0"/>
+        </a:xfrm>
+      </p:grpSpPr>
+      <p:sp>
+        <p:nvSpPr>
+          <p:cNvPr id="2" name="Slide Image Placeholder 1"/>
+          <p:cNvSpPr>
+            <a:spLocks noGrp="1" noRot="1" noChangeAspect="1"/>
+          </p:cNvSpPr>
+          <p:nvPr>
+            <p:ph type="sldImg"/>
+          </p:nvPr>
+        </p:nvSpPr>
+        <p:spPr/>
+      </p:sp>
+      <p:sp>
+        <p:nvSpPr>
+          <p:cNvPr id="3" name="Notes Placeholder 2"/>
+          <p:cNvSpPr>
+            <a:spLocks noGrp="1"/>
+          </p:cNvSpPr>
+          <p:nvPr>
+            <p:ph type="body" idx="1"/>
+          </p:nvPr>
+        </p:nvSpPr>
+        <p:spPr/>
+        <p:txBody>
+          <a:bodyPr/>
+          <a:lstStyle/>
+          <a:p>
+            <a:pPr marL="171450" indent="-171450">
+              <a:buFontTx/>
+              <a:buChar char="-"/>
+            </a:pPr>
+            <a:r>
+              <a:rPr lang="en-GB" dirty="0"/>
+              <a:t>Pre-processing steps still in place, but no compilation step</a:t>
+            </a:r>
+          </a:p>
+          <a:p>
+            <a:pPr marL="171450" indent="-171450">
+              <a:buFontTx/>
+              <a:buChar char="-"/>
+            </a:pPr>
+            <a:r>
+              <a:rPr lang="en-GB" dirty="0"/>
+              <a:t>Q. Why? A. no absolute need for compile step, so curious what it would throw up doing it this way; also: previous experience of </a:t>
+            </a:r>
+            <a:r>
+              <a:rPr lang="en-GB" dirty="0" err="1"/>
+              <a:t>XMLProbe</a:t>
+            </a:r>
+            <a:r>
+              <a:rPr lang="en-GB" dirty="0"/>
+              <a:t>/</a:t>
+            </a:r>
+            <a:r>
+              <a:rPr lang="en-GB" dirty="0" err="1"/>
+              <a:t>Probatron</a:t>
+            </a:r>
+            <a:r>
+              <a:rPr lang="en-GB" dirty="0"/>
+              <a:t> (XPath </a:t>
+            </a:r>
+            <a:r>
+              <a:rPr lang="en-GB" dirty="0" err="1"/>
+              <a:t>impl</a:t>
+            </a:r>
+            <a:r>
+              <a:rPr lang="en-GB" dirty="0"/>
+              <a:t>)</a:t>
+            </a:r>
+          </a:p>
+        </p:txBody>
+      </p:sp>
+      <p:sp>
+        <p:nvSpPr>
+          <p:cNvPr id="4" name="Slide Number Placeholder 3"/>
+          <p:cNvSpPr>
+            <a:spLocks noGrp="1"/>
+          </p:cNvSpPr>
+          <p:nvPr>
+            <p:ph type="sldNum" sz="quarter" idx="5"/>
+          </p:nvPr>
+        </p:nvSpPr>
+        <p:spPr/>
+        <p:txBody>
+          <a:bodyPr/>
+          <a:lstStyle/>
+          <a:p>
+            <a:fld id="{02BDF569-F48B-4704-ADB2-54F694482806}" type="slidenum">
+              <a:rPr lang="en-GB" smtClean="0"/>
+              <a:t>16</a:t>
+            </a:fld>
+            <a:endParaRPr lang="en-GB"/>
+          </a:p>
+        </p:txBody>
+      </p:sp>
+    </p:spTree>
+    <p:extLst>
+      <p:ext uri="{BB962C8B-B14F-4D97-AF65-F5344CB8AC3E}">
+        <p14:creationId xmlns:p14="http://schemas.microsoft.com/office/powerpoint/2010/main" val="3044856684"/>
+      </p:ext>
+    </p:extLst>
+  </p:cSld>
+  <p:clrMapOvr>
+    <a:masterClrMapping/>
+  </p:clrMapOvr>
+</p:notes>
+</file>
+
+<file path=ppt/notesSlides/notesSlide16.xml><?xml version="1.0" encoding="utf-8"?>
+<p:notes xmlns:a="http://schemas.openxmlformats.org/drawingml/2006/main" xmlns:r="http://schemas.openxmlformats.org/officeDocument/2006/relationships" xmlns:p="http://schemas.openxmlformats.org/presentationml/2006/main">
+  <p:cSld>
+    <p:spTree>
+      <p:nvGrpSpPr>
+        <p:cNvPr id="1" name=""/>
+        <p:cNvGrpSpPr/>
+        <p:nvPr/>
+      </p:nvGrpSpPr>
+      <p:grpSpPr>
+        <a:xfrm>
+          <a:off x="0" y="0"/>
+          <a:ext cx="0" cy="0"/>
+          <a:chOff x="0" y="0"/>
+          <a:chExt cx="0" cy="0"/>
+        </a:xfrm>
+      </p:grpSpPr>
+      <p:sp>
+        <p:nvSpPr>
+          <p:cNvPr id="2" name="Slide Image Placeholder 1"/>
+          <p:cNvSpPr>
+            <a:spLocks noGrp="1" noRot="1" noChangeAspect="1"/>
+          </p:cNvSpPr>
+          <p:nvPr>
+            <p:ph type="sldImg"/>
+          </p:nvPr>
+        </p:nvSpPr>
+        <p:spPr/>
+      </p:sp>
+      <p:sp>
+        <p:nvSpPr>
+          <p:cNvPr id="3" name="Notes Placeholder 2"/>
+          <p:cNvSpPr>
+            <a:spLocks noGrp="1"/>
+          </p:cNvSpPr>
+          <p:nvPr>
+            <p:ph type="body" idx="1"/>
+          </p:nvPr>
+        </p:nvSpPr>
+        <p:spPr/>
+        <p:txBody>
+          <a:bodyPr/>
+          <a:lstStyle/>
+          <a:p>
+            <a:r>
+              <a:rPr lang="en-GB" dirty="0"/>
               <a:t>Before diving into approach, an overview of </a:t>
             </a:r>
             <a:r>
@@ -848,6 +1318,374 @@
     <p:extLst>
       <p:ext uri="{BB962C8B-B14F-4D97-AF65-F5344CB8AC3E}">
         <p14:creationId xmlns:p14="http://schemas.microsoft.com/office/powerpoint/2010/main" val="545447209"/>
+      </p:ext>
+    </p:extLst>
+  </p:cSld>
+  <p:clrMapOvr>
+    <a:masterClrMapping/>
+  </p:clrMapOvr>
+</p:notes>
+</file>
+
+<file path=ppt/notesSlides/notesSlide17.xml><?xml version="1.0" encoding="utf-8"?>
+<p:notes xmlns:a="http://schemas.openxmlformats.org/drawingml/2006/main" xmlns:r="http://schemas.openxmlformats.org/officeDocument/2006/relationships" xmlns:p="http://schemas.openxmlformats.org/presentationml/2006/main">
+  <p:cSld>
+    <p:spTree>
+      <p:nvGrpSpPr>
+        <p:cNvPr id="1" name=""/>
+        <p:cNvGrpSpPr/>
+        <p:nvPr/>
+      </p:nvGrpSpPr>
+      <p:grpSpPr>
+        <a:xfrm>
+          <a:off x="0" y="0"/>
+          <a:ext cx="0" cy="0"/>
+          <a:chOff x="0" y="0"/>
+          <a:chExt cx="0" cy="0"/>
+        </a:xfrm>
+      </p:grpSpPr>
+      <p:sp>
+        <p:nvSpPr>
+          <p:cNvPr id="2" name="Slide Image Placeholder 1"/>
+          <p:cNvSpPr>
+            <a:spLocks noGrp="1" noRot="1" noChangeAspect="1"/>
+          </p:cNvSpPr>
+          <p:nvPr>
+            <p:ph type="sldImg"/>
+          </p:nvPr>
+        </p:nvSpPr>
+        <p:spPr/>
+      </p:sp>
+      <p:sp>
+        <p:nvSpPr>
+          <p:cNvPr id="3" name="Notes Placeholder 2"/>
+          <p:cNvSpPr>
+            <a:spLocks noGrp="1"/>
+          </p:cNvSpPr>
+          <p:nvPr>
+            <p:ph type="body" idx="1"/>
+          </p:nvPr>
+        </p:nvSpPr>
+        <p:spPr/>
+        <p:txBody>
+          <a:bodyPr/>
+          <a:lstStyle/>
+          <a:p>
+            <a:r>
+              <a:rPr lang="en-GB" dirty="0"/>
+              <a:t>With this new QLB, we have to make some decisions about things like evaluation context, i.e. what is the input to the schema and its rules etc?</a:t>
+            </a:r>
+          </a:p>
+          <a:p>
+            <a:pPr marL="171450" indent="-171450">
+              <a:buFontTx/>
+              <a:buChar char="-"/>
+            </a:pPr>
+            <a:r>
+              <a:rPr lang="en-GB" dirty="0"/>
+              <a:t>XQY allows us to address multiple docs, but standard and other bindings speak of one, so going with that strict interpretation</a:t>
+            </a:r>
+          </a:p>
+          <a:p>
+            <a:pPr marL="171450" indent="-171450">
+              <a:buFontTx/>
+              <a:buChar char="-"/>
+            </a:pPr>
+            <a:r>
+              <a:rPr lang="en-GB" dirty="0"/>
+              <a:t>Rule context (what selects items to be tested) must be a node</a:t>
+            </a:r>
+          </a:p>
+          <a:p>
+            <a:pPr marL="171450" indent="-171450">
+              <a:buFontTx/>
+              <a:buChar char="-"/>
+            </a:pPr>
+            <a:r>
+              <a:rPr lang="en-GB" dirty="0"/>
+              <a:t>This expression will be evaluated in context of document root</a:t>
+            </a:r>
+          </a:p>
+          <a:p>
+            <a:pPr marL="171450" indent="-171450">
+              <a:buFontTx/>
+              <a:buChar char="-"/>
+            </a:pPr>
+            <a:r>
+              <a:rPr lang="en-GB" dirty="0"/>
+              <a:t>Implication for schema authors used to XSLT </a:t>
+            </a:r>
+            <a:r>
+              <a:rPr lang="en-GB" dirty="0" err="1"/>
+              <a:t>impls</a:t>
+            </a:r>
+            <a:r>
+              <a:rPr lang="en-GB" dirty="0"/>
+              <a:t> is that a path like the one shown will only match the root element!!</a:t>
+            </a:r>
+          </a:p>
+          <a:p>
+            <a:pPr marL="171450" indent="-171450">
+              <a:buFontTx/>
+              <a:buChar char="-"/>
+            </a:pPr>
+            <a:endParaRPr lang="en-GB" dirty="0"/>
+          </a:p>
+        </p:txBody>
+      </p:sp>
+      <p:sp>
+        <p:nvSpPr>
+          <p:cNvPr id="4" name="Slide Number Placeholder 3"/>
+          <p:cNvSpPr>
+            <a:spLocks noGrp="1"/>
+          </p:cNvSpPr>
+          <p:nvPr>
+            <p:ph type="sldNum" sz="quarter" idx="5"/>
+          </p:nvPr>
+        </p:nvSpPr>
+        <p:spPr/>
+        <p:txBody>
+          <a:bodyPr/>
+          <a:lstStyle/>
+          <a:p>
+            <a:fld id="{02BDF569-F48B-4704-ADB2-54F694482806}" type="slidenum">
+              <a:rPr lang="en-GB" smtClean="0"/>
+              <a:t>18</a:t>
+            </a:fld>
+            <a:endParaRPr lang="en-GB"/>
+          </a:p>
+        </p:txBody>
+      </p:sp>
+    </p:spTree>
+    <p:extLst>
+      <p:ext uri="{BB962C8B-B14F-4D97-AF65-F5344CB8AC3E}">
+        <p14:creationId xmlns:p14="http://schemas.microsoft.com/office/powerpoint/2010/main" val="1799557693"/>
+      </p:ext>
+    </p:extLst>
+  </p:cSld>
+  <p:clrMapOvr>
+    <a:masterClrMapping/>
+  </p:clrMapOvr>
+</p:notes>
+</file>
+
+<file path=ppt/notesSlides/notesSlide18.xml><?xml version="1.0" encoding="utf-8"?>
+<p:notes xmlns:a="http://schemas.openxmlformats.org/drawingml/2006/main" xmlns:r="http://schemas.openxmlformats.org/officeDocument/2006/relationships" xmlns:p="http://schemas.openxmlformats.org/presentationml/2006/main">
+  <p:cSld>
+    <p:spTree>
+      <p:nvGrpSpPr>
+        <p:cNvPr id="1" name=""/>
+        <p:cNvGrpSpPr/>
+        <p:nvPr/>
+      </p:nvGrpSpPr>
+      <p:grpSpPr>
+        <a:xfrm>
+          <a:off x="0" y="0"/>
+          <a:ext cx="0" cy="0"/>
+          <a:chOff x="0" y="0"/>
+          <a:chExt cx="0" cy="0"/>
+        </a:xfrm>
+      </p:grpSpPr>
+      <p:sp>
+        <p:nvSpPr>
+          <p:cNvPr id="2" name="Slide Image Placeholder 1"/>
+          <p:cNvSpPr>
+            <a:spLocks noGrp="1" noRot="1" noChangeAspect="1"/>
+          </p:cNvSpPr>
+          <p:nvPr>
+            <p:ph type="sldImg"/>
+          </p:nvPr>
+        </p:nvSpPr>
+        <p:spPr/>
+      </p:sp>
+      <p:sp>
+        <p:nvSpPr>
+          <p:cNvPr id="3" name="Notes Placeholder 2"/>
+          <p:cNvSpPr>
+            <a:spLocks noGrp="1"/>
+          </p:cNvSpPr>
+          <p:nvPr>
+            <p:ph type="body" idx="1"/>
+          </p:nvPr>
+        </p:nvSpPr>
+        <p:spPr/>
+        <p:txBody>
+          <a:bodyPr/>
+          <a:lstStyle/>
+          <a:p>
+            <a:r>
+              <a:rPr lang="en-GB" dirty="0"/>
+              <a:t>Let’s look at the two approaches, the two methods of validation available with XQS.</a:t>
+            </a:r>
+          </a:p>
+        </p:txBody>
+      </p:sp>
+      <p:sp>
+        <p:nvSpPr>
+          <p:cNvPr id="4" name="Slide Number Placeholder 3"/>
+          <p:cNvSpPr>
+            <a:spLocks noGrp="1"/>
+          </p:cNvSpPr>
+          <p:nvPr>
+            <p:ph type="sldNum" sz="quarter" idx="5"/>
+          </p:nvPr>
+        </p:nvSpPr>
+        <p:spPr/>
+        <p:txBody>
+          <a:bodyPr/>
+          <a:lstStyle/>
+          <a:p>
+            <a:fld id="{02BDF569-F48B-4704-ADB2-54F694482806}" type="slidenum">
+              <a:rPr lang="en-GB" smtClean="0"/>
+              <a:t>19</a:t>
+            </a:fld>
+            <a:endParaRPr lang="en-GB"/>
+          </a:p>
+        </p:txBody>
+      </p:sp>
+    </p:spTree>
+    <p:extLst>
+      <p:ext uri="{BB962C8B-B14F-4D97-AF65-F5344CB8AC3E}">
+        <p14:creationId xmlns:p14="http://schemas.microsoft.com/office/powerpoint/2010/main" val="1640006825"/>
+      </p:ext>
+    </p:extLst>
+  </p:cSld>
+  <p:clrMapOvr>
+    <a:masterClrMapping/>
+  </p:clrMapOvr>
+</p:notes>
+</file>
+
+<file path=ppt/notesSlides/notesSlide19.xml><?xml version="1.0" encoding="utf-8"?>
+<p:notes xmlns:a="http://schemas.openxmlformats.org/drawingml/2006/main" xmlns:r="http://schemas.openxmlformats.org/officeDocument/2006/relationships" xmlns:p="http://schemas.openxmlformats.org/presentationml/2006/main">
+  <p:cSld>
+    <p:spTree>
+      <p:nvGrpSpPr>
+        <p:cNvPr id="1" name=""/>
+        <p:cNvGrpSpPr/>
+        <p:nvPr/>
+      </p:nvGrpSpPr>
+      <p:grpSpPr>
+        <a:xfrm>
+          <a:off x="0" y="0"/>
+          <a:ext cx="0" cy="0"/>
+          <a:chOff x="0" y="0"/>
+          <a:chExt cx="0" cy="0"/>
+        </a:xfrm>
+      </p:grpSpPr>
+      <p:sp>
+        <p:nvSpPr>
+          <p:cNvPr id="2" name="Slide Image Placeholder 1"/>
+          <p:cNvSpPr>
+            <a:spLocks noGrp="1" noRot="1" noChangeAspect="1"/>
+          </p:cNvSpPr>
+          <p:nvPr>
+            <p:ph type="sldImg"/>
+          </p:nvPr>
+        </p:nvSpPr>
+        <p:spPr/>
+      </p:sp>
+      <p:sp>
+        <p:nvSpPr>
+          <p:cNvPr id="3" name="Notes Placeholder 2"/>
+          <p:cNvSpPr>
+            <a:spLocks noGrp="1"/>
+          </p:cNvSpPr>
+          <p:nvPr>
+            <p:ph type="body" idx="1"/>
+          </p:nvPr>
+        </p:nvSpPr>
+        <p:spPr/>
+        <p:txBody>
+          <a:bodyPr/>
+          <a:lstStyle/>
+          <a:p>
+            <a:r>
+              <a:rPr lang="en-GB" dirty="0"/>
+              <a:t>In the evaluation portion, we first:</a:t>
+            </a:r>
+          </a:p>
+          <a:p>
+            <a:pPr marL="171450" indent="-171450">
+              <a:buFontTx/>
+              <a:buChar char="-"/>
+            </a:pPr>
+            <a:r>
+              <a:rPr lang="en-GB" dirty="0"/>
+              <a:t>Build </a:t>
+            </a:r>
+            <a:r>
+              <a:rPr lang="en-GB" dirty="0" err="1"/>
+              <a:t>prolog</a:t>
+            </a:r>
+            <a:r>
+              <a:rPr lang="en-GB" dirty="0"/>
+              <a:t> of </a:t>
+            </a:r>
+            <a:r>
+              <a:rPr lang="en-GB" dirty="0" err="1"/>
+              <a:t>nss</a:t>
+            </a:r>
+            <a:r>
+              <a:rPr lang="en-GB" dirty="0"/>
+              <a:t>, local vars and UDFs</a:t>
+            </a:r>
+          </a:p>
+          <a:p>
+            <a:pPr marL="171450" indent="-171450">
+              <a:buFontTx/>
+              <a:buChar char="-"/>
+            </a:pPr>
+            <a:r>
+              <a:rPr lang="en-GB" dirty="0"/>
+              <a:t>Pass to </a:t>
+            </a:r>
+            <a:r>
+              <a:rPr lang="en-GB" dirty="0" err="1"/>
+              <a:t>BaseX</a:t>
+            </a:r>
+            <a:r>
+              <a:rPr lang="en-GB" dirty="0"/>
+              <a:t>-specific </a:t>
+            </a:r>
+            <a:r>
+              <a:rPr lang="en-GB" dirty="0" err="1"/>
+              <a:t>xquery:eval</a:t>
+            </a:r>
+            <a:r>
+              <a:rPr lang="en-GB" dirty="0"/>
+              <a:t>() function, with map of global variable bindings and the instance document itself (key is empty string)</a:t>
+            </a:r>
+          </a:p>
+        </p:txBody>
+      </p:sp>
+      <p:sp>
+        <p:nvSpPr>
+          <p:cNvPr id="4" name="Slide Number Placeholder 3"/>
+          <p:cNvSpPr>
+            <a:spLocks noGrp="1"/>
+          </p:cNvSpPr>
+          <p:nvPr>
+            <p:ph type="sldNum" sz="quarter" idx="5"/>
+          </p:nvPr>
+        </p:nvSpPr>
+        <p:spPr/>
+        <p:txBody>
+          <a:bodyPr/>
+          <a:lstStyle/>
+          <a:p>
+            <a:fld id="{02BDF569-F48B-4704-ADB2-54F694482806}" type="slidenum">
+              <a:rPr lang="en-GB" smtClean="0"/>
+              <a:t>20</a:t>
+            </a:fld>
+            <a:endParaRPr lang="en-GB"/>
+          </a:p>
+        </p:txBody>
+      </p:sp>
+    </p:spTree>
+    <p:extLst>
+      <p:ext uri="{BB962C8B-B14F-4D97-AF65-F5344CB8AC3E}">
+        <p14:creationId xmlns:p14="http://schemas.microsoft.com/office/powerpoint/2010/main" val="15920639"/>
       </p:ext>
     </p:extLst>
   </p:cSld>
@@ -935,6 +1773,973 @@
     <p:extLst>
       <p:ext uri="{BB962C8B-B14F-4D97-AF65-F5344CB8AC3E}">
         <p14:creationId xmlns:p14="http://schemas.microsoft.com/office/powerpoint/2010/main" val="2910926179"/>
+      </p:ext>
+    </p:extLst>
+  </p:cSld>
+  <p:clrMapOvr>
+    <a:masterClrMapping/>
+  </p:clrMapOvr>
+</p:notes>
+</file>
+
+<file path=ppt/notesSlides/notesSlide20.xml><?xml version="1.0" encoding="utf-8"?>
+<p:notes xmlns:a="http://schemas.openxmlformats.org/drawingml/2006/main" xmlns:r="http://schemas.openxmlformats.org/officeDocument/2006/relationships" xmlns:p="http://schemas.openxmlformats.org/presentationml/2006/main">
+  <p:cSld>
+    <p:spTree>
+      <p:nvGrpSpPr>
+        <p:cNvPr id="1" name=""/>
+        <p:cNvGrpSpPr/>
+        <p:nvPr/>
+      </p:nvGrpSpPr>
+      <p:grpSpPr>
+        <a:xfrm>
+          <a:off x="0" y="0"/>
+          <a:ext cx="0" cy="0"/>
+          <a:chOff x="0" y="0"/>
+          <a:chExt cx="0" cy="0"/>
+        </a:xfrm>
+      </p:grpSpPr>
+      <p:sp>
+        <p:nvSpPr>
+          <p:cNvPr id="2" name="Slide Image Placeholder 1"/>
+          <p:cNvSpPr>
+            <a:spLocks noGrp="1" noRot="1" noChangeAspect="1"/>
+          </p:cNvSpPr>
+          <p:nvPr>
+            <p:ph type="sldImg"/>
+          </p:nvPr>
+        </p:nvSpPr>
+        <p:spPr/>
+      </p:sp>
+      <p:sp>
+        <p:nvSpPr>
+          <p:cNvPr id="3" name="Notes Placeholder 2"/>
+          <p:cNvSpPr>
+            <a:spLocks noGrp="1"/>
+          </p:cNvSpPr>
+          <p:nvPr>
+            <p:ph type="body" idx="1"/>
+          </p:nvPr>
+        </p:nvSpPr>
+        <p:spPr/>
+        <p:txBody>
+          <a:bodyPr/>
+          <a:lstStyle/>
+          <a:p>
+            <a:r>
+              <a:rPr lang="en-GB" sz="1200" b="0" i="0" kern="1200" dirty="0">
+                <a:solidFill>
+                  <a:schemeClr val="tx1"/>
+                </a:solidFill>
+                <a:effectLst/>
+                <a:latin typeface="+mn-lt"/>
+                <a:ea typeface="+mn-ea"/>
+                <a:cs typeface="+mn-cs"/>
+              </a:rPr>
+              <a:t>Patterns are essentially a grouping mechanism for rules. </a:t>
+            </a:r>
+          </a:p>
+          <a:p>
+            <a:pPr marL="171450" indent="-171450">
+              <a:buFontTx/>
+              <a:buChar char="-"/>
+            </a:pPr>
+            <a:r>
+              <a:rPr lang="en-GB" sz="1200" b="0" i="0" kern="1200" dirty="0">
+                <a:solidFill>
+                  <a:schemeClr val="tx1"/>
+                </a:solidFill>
+                <a:effectLst/>
+                <a:latin typeface="+mn-lt"/>
+                <a:ea typeface="+mn-ea"/>
+                <a:cs typeface="+mn-cs"/>
+              </a:rPr>
+              <a:t>contain variables unusual because local in scope to the containing pattern, but are evaluated in the context of the instance document root</a:t>
+            </a:r>
+          </a:p>
+          <a:p>
+            <a:pPr marL="171450" indent="-171450">
+              <a:buFontTx/>
+              <a:buChar char="-"/>
+            </a:pPr>
+            <a:r>
+              <a:rPr lang="en-GB" sz="1200" b="0" i="0" kern="1200" dirty="0">
+                <a:solidFill>
+                  <a:schemeClr val="tx1"/>
+                </a:solidFill>
+                <a:effectLst/>
+                <a:latin typeface="+mn-lt"/>
+                <a:ea typeface="+mn-ea"/>
+                <a:cs typeface="+mn-cs"/>
+              </a:rPr>
+              <a:t>change in scope but not context means the map of bindings must be updated for every pattern</a:t>
+            </a:r>
+          </a:p>
+          <a:p>
+            <a:pPr marL="171450" indent="-171450">
+              <a:buFontTx/>
+              <a:buChar char="-"/>
+            </a:pPr>
+            <a:r>
+              <a:rPr lang="en-GB" sz="1200" b="0" i="0" kern="1200" dirty="0">
+                <a:solidFill>
+                  <a:schemeClr val="tx1"/>
+                </a:solidFill>
+                <a:effectLst/>
+                <a:latin typeface="+mn-lt"/>
+                <a:ea typeface="+mn-ea"/>
+                <a:cs typeface="+mn-cs"/>
+              </a:rPr>
+              <a:t>This means XQS implements pattern variables as local, which behaviour differs from that of the XSLT implementations.</a:t>
+            </a:r>
+          </a:p>
+          <a:p>
+            <a:endParaRPr lang="en-GB" dirty="0"/>
+          </a:p>
+        </p:txBody>
+      </p:sp>
+      <p:sp>
+        <p:nvSpPr>
+          <p:cNvPr id="4" name="Slide Number Placeholder 3"/>
+          <p:cNvSpPr>
+            <a:spLocks noGrp="1"/>
+          </p:cNvSpPr>
+          <p:nvPr>
+            <p:ph type="sldNum" sz="quarter" idx="5"/>
+          </p:nvPr>
+        </p:nvSpPr>
+        <p:spPr/>
+        <p:txBody>
+          <a:bodyPr/>
+          <a:lstStyle/>
+          <a:p>
+            <a:fld id="{02BDF569-F48B-4704-ADB2-54F694482806}" type="slidenum">
+              <a:rPr lang="en-GB" smtClean="0"/>
+              <a:t>21</a:t>
+            </a:fld>
+            <a:endParaRPr lang="en-GB"/>
+          </a:p>
+        </p:txBody>
+      </p:sp>
+    </p:spTree>
+    <p:extLst>
+      <p:ext uri="{BB962C8B-B14F-4D97-AF65-F5344CB8AC3E}">
+        <p14:creationId xmlns:p14="http://schemas.microsoft.com/office/powerpoint/2010/main" val="2319367447"/>
+      </p:ext>
+    </p:extLst>
+  </p:cSld>
+  <p:clrMapOvr>
+    <a:masterClrMapping/>
+  </p:clrMapOvr>
+</p:notes>
+</file>
+
+<file path=ppt/notesSlides/notesSlide21.xml><?xml version="1.0" encoding="utf-8"?>
+<p:notes xmlns:a="http://schemas.openxmlformats.org/drawingml/2006/main" xmlns:r="http://schemas.openxmlformats.org/officeDocument/2006/relationships" xmlns:p="http://schemas.openxmlformats.org/presentationml/2006/main">
+  <p:cSld>
+    <p:spTree>
+      <p:nvGrpSpPr>
+        <p:cNvPr id="1" name=""/>
+        <p:cNvGrpSpPr/>
+        <p:nvPr/>
+      </p:nvGrpSpPr>
+      <p:grpSpPr>
+        <a:xfrm>
+          <a:off x="0" y="0"/>
+          <a:ext cx="0" cy="0"/>
+          <a:chOff x="0" y="0"/>
+          <a:chExt cx="0" cy="0"/>
+        </a:xfrm>
+      </p:grpSpPr>
+      <p:sp>
+        <p:nvSpPr>
+          <p:cNvPr id="2" name="Slide Image Placeholder 1"/>
+          <p:cNvSpPr>
+            <a:spLocks noGrp="1" noRot="1" noChangeAspect="1"/>
+          </p:cNvSpPr>
+          <p:nvPr>
+            <p:ph type="sldImg"/>
+          </p:nvPr>
+        </p:nvSpPr>
+        <p:spPr/>
+      </p:sp>
+      <p:sp>
+        <p:nvSpPr>
+          <p:cNvPr id="3" name="Notes Placeholder 2"/>
+          <p:cNvSpPr>
+            <a:spLocks noGrp="1"/>
+          </p:cNvSpPr>
+          <p:nvPr>
+            <p:ph type="body" idx="1"/>
+          </p:nvPr>
+        </p:nvSpPr>
+        <p:spPr/>
+        <p:txBody>
+          <a:bodyPr/>
+          <a:lstStyle/>
+          <a:p>
+            <a:r>
+              <a:rPr lang="en-GB" dirty="0"/>
+              <a:t>Another feature of patterns, introduced in 2016 edition of standard.</a:t>
+            </a:r>
+          </a:p>
+          <a:p>
+            <a:pPr marL="171450" indent="-171450">
+              <a:buFontTx/>
+              <a:buChar char="-"/>
+            </a:pPr>
+            <a:r>
+              <a:rPr lang="en-GB" dirty="0"/>
+              <a:t>Allows other, “subordinate” documents to be validated</a:t>
+            </a:r>
+          </a:p>
+          <a:p>
+            <a:pPr marL="171450" indent="-171450">
+              <a:buFontTx/>
+              <a:buChar char="-"/>
+            </a:pPr>
+            <a:r>
+              <a:rPr lang="en-GB" dirty="0"/>
+              <a:t>Here, path in bold evaluated against document root</a:t>
+            </a:r>
+          </a:p>
+          <a:p>
+            <a:pPr marL="171450" indent="-171450">
+              <a:buFontTx/>
+              <a:buChar char="-"/>
+            </a:pPr>
+            <a:r>
+              <a:rPr lang="en-GB" dirty="0"/>
+              <a:t>Documents at resulting URIs are accessed</a:t>
+            </a:r>
+          </a:p>
+          <a:p>
+            <a:pPr marL="171450" indent="-171450">
+              <a:buFontTx/>
+              <a:buChar char="-"/>
+            </a:pPr>
+            <a:r>
+              <a:rPr lang="en-GB" dirty="0"/>
+              <a:t>Rules applied to them</a:t>
+            </a:r>
+          </a:p>
+        </p:txBody>
+      </p:sp>
+      <p:sp>
+        <p:nvSpPr>
+          <p:cNvPr id="4" name="Slide Number Placeholder 3"/>
+          <p:cNvSpPr>
+            <a:spLocks noGrp="1"/>
+          </p:cNvSpPr>
+          <p:nvPr>
+            <p:ph type="sldNum" sz="quarter" idx="5"/>
+          </p:nvPr>
+        </p:nvSpPr>
+        <p:spPr/>
+        <p:txBody>
+          <a:bodyPr/>
+          <a:lstStyle/>
+          <a:p>
+            <a:fld id="{02BDF569-F48B-4704-ADB2-54F694482806}" type="slidenum">
+              <a:rPr lang="en-GB" smtClean="0"/>
+              <a:t>22</a:t>
+            </a:fld>
+            <a:endParaRPr lang="en-GB"/>
+          </a:p>
+        </p:txBody>
+      </p:sp>
+    </p:spTree>
+    <p:extLst>
+      <p:ext uri="{BB962C8B-B14F-4D97-AF65-F5344CB8AC3E}">
+        <p14:creationId xmlns:p14="http://schemas.microsoft.com/office/powerpoint/2010/main" val="2869343566"/>
+      </p:ext>
+    </p:extLst>
+  </p:cSld>
+  <p:clrMapOvr>
+    <a:masterClrMapping/>
+  </p:clrMapOvr>
+</p:notes>
+</file>
+
+<file path=ppt/notesSlides/notesSlide22.xml><?xml version="1.0" encoding="utf-8"?>
+<p:notes xmlns:a="http://schemas.openxmlformats.org/drawingml/2006/main" xmlns:r="http://schemas.openxmlformats.org/officeDocument/2006/relationships" xmlns:p="http://schemas.openxmlformats.org/presentationml/2006/main">
+  <p:cSld>
+    <p:spTree>
+      <p:nvGrpSpPr>
+        <p:cNvPr id="1" name=""/>
+        <p:cNvGrpSpPr/>
+        <p:nvPr/>
+      </p:nvGrpSpPr>
+      <p:grpSpPr>
+        <a:xfrm>
+          <a:off x="0" y="0"/>
+          <a:ext cx="0" cy="0"/>
+          <a:chOff x="0" y="0"/>
+          <a:chExt cx="0" cy="0"/>
+        </a:xfrm>
+      </p:grpSpPr>
+      <p:sp>
+        <p:nvSpPr>
+          <p:cNvPr id="2" name="Slide Image Placeholder 1"/>
+          <p:cNvSpPr>
+            <a:spLocks noGrp="1" noRot="1" noChangeAspect="1"/>
+          </p:cNvSpPr>
+          <p:nvPr>
+            <p:ph type="sldImg"/>
+          </p:nvPr>
+        </p:nvSpPr>
+        <p:spPr/>
+      </p:sp>
+      <p:sp>
+        <p:nvSpPr>
+          <p:cNvPr id="3" name="Notes Placeholder 2"/>
+          <p:cNvSpPr>
+            <a:spLocks noGrp="1"/>
+          </p:cNvSpPr>
+          <p:nvPr>
+            <p:ph type="body" idx="1"/>
+          </p:nvPr>
+        </p:nvSpPr>
+        <p:spPr/>
+        <p:txBody>
+          <a:bodyPr/>
+          <a:lstStyle/>
+          <a:p>
+            <a:endParaRPr lang="en-GB" dirty="0"/>
+          </a:p>
+        </p:txBody>
+      </p:sp>
+      <p:sp>
+        <p:nvSpPr>
+          <p:cNvPr id="4" name="Slide Number Placeholder 3"/>
+          <p:cNvSpPr>
+            <a:spLocks noGrp="1"/>
+          </p:cNvSpPr>
+          <p:nvPr>
+            <p:ph type="sldNum" sz="quarter" idx="5"/>
+          </p:nvPr>
+        </p:nvSpPr>
+        <p:spPr/>
+        <p:txBody>
+          <a:bodyPr/>
+          <a:lstStyle/>
+          <a:p>
+            <a:fld id="{02BDF569-F48B-4704-ADB2-54F694482806}" type="slidenum">
+              <a:rPr lang="en-GB" smtClean="0"/>
+              <a:t>23</a:t>
+            </a:fld>
+            <a:endParaRPr lang="en-GB"/>
+          </a:p>
+        </p:txBody>
+      </p:sp>
+    </p:spTree>
+    <p:extLst>
+      <p:ext uri="{BB962C8B-B14F-4D97-AF65-F5344CB8AC3E}">
+        <p14:creationId xmlns:p14="http://schemas.microsoft.com/office/powerpoint/2010/main" val="1769381839"/>
+      </p:ext>
+    </p:extLst>
+  </p:cSld>
+  <p:clrMapOvr>
+    <a:masterClrMapping/>
+  </p:clrMapOvr>
+</p:notes>
+</file>
+
+<file path=ppt/notesSlides/notesSlide23.xml><?xml version="1.0" encoding="utf-8"?>
+<p:notes xmlns:a="http://schemas.openxmlformats.org/drawingml/2006/main" xmlns:r="http://schemas.openxmlformats.org/officeDocument/2006/relationships" xmlns:p="http://schemas.openxmlformats.org/presentationml/2006/main">
+  <p:cSld>
+    <p:spTree>
+      <p:nvGrpSpPr>
+        <p:cNvPr id="1" name=""/>
+        <p:cNvGrpSpPr/>
+        <p:nvPr/>
+      </p:nvGrpSpPr>
+      <p:grpSpPr>
+        <a:xfrm>
+          <a:off x="0" y="0"/>
+          <a:ext cx="0" cy="0"/>
+          <a:chOff x="0" y="0"/>
+          <a:chExt cx="0" cy="0"/>
+        </a:xfrm>
+      </p:grpSpPr>
+      <p:sp>
+        <p:nvSpPr>
+          <p:cNvPr id="2" name="Slide Image Placeholder 1"/>
+          <p:cNvSpPr>
+            <a:spLocks noGrp="1" noRot="1" noChangeAspect="1"/>
+          </p:cNvSpPr>
+          <p:nvPr>
+            <p:ph type="sldImg"/>
+          </p:nvPr>
+        </p:nvSpPr>
+        <p:spPr/>
+      </p:sp>
+      <p:sp>
+        <p:nvSpPr>
+          <p:cNvPr id="3" name="Notes Placeholder 2"/>
+          <p:cNvSpPr>
+            <a:spLocks noGrp="1"/>
+          </p:cNvSpPr>
+          <p:nvPr>
+            <p:ph type="body" idx="1"/>
+          </p:nvPr>
+        </p:nvSpPr>
+        <p:spPr/>
+        <p:txBody>
+          <a:bodyPr/>
+          <a:lstStyle/>
+          <a:p>
+            <a:r>
+              <a:rPr lang="en-GB" dirty="0"/>
+              <a:t>Rules in SCH are supposed to behave like an if/then/else statement.</a:t>
+            </a:r>
+          </a:p>
+          <a:p>
+            <a:r>
+              <a:rPr lang="en-GB" dirty="0"/>
+              <a:t>i.e. if a rule context matches (“fires”), no further rules in that pattern are processed</a:t>
+            </a:r>
+          </a:p>
+          <a:p>
+            <a:endParaRPr lang="en-GB" dirty="0"/>
+          </a:p>
+          <a:p>
+            <a:r>
+              <a:rPr lang="en-GB" dirty="0"/>
+              <a:t>XQS implements this as tail recursion.</a:t>
+            </a:r>
+          </a:p>
+          <a:p>
+            <a:endParaRPr lang="en-GB" dirty="0"/>
+          </a:p>
+          <a:p>
+            <a:r>
+              <a:rPr lang="en-GB" dirty="0"/>
+              <a:t>Here, the call to </a:t>
+            </a:r>
+            <a:r>
+              <a:rPr lang="en-GB" dirty="0" err="1"/>
+              <a:t>eval:rule</a:t>
+            </a:r>
+            <a:r>
+              <a:rPr lang="en-GB" dirty="0"/>
+              <a:t>() returns some SVRL, or the empty sequence if there is no match.</a:t>
+            </a:r>
+          </a:p>
+        </p:txBody>
+      </p:sp>
+      <p:sp>
+        <p:nvSpPr>
+          <p:cNvPr id="4" name="Slide Number Placeholder 3"/>
+          <p:cNvSpPr>
+            <a:spLocks noGrp="1"/>
+          </p:cNvSpPr>
+          <p:nvPr>
+            <p:ph type="sldNum" sz="quarter" idx="5"/>
+          </p:nvPr>
+        </p:nvSpPr>
+        <p:spPr/>
+        <p:txBody>
+          <a:bodyPr/>
+          <a:lstStyle/>
+          <a:p>
+            <a:fld id="{02BDF569-F48B-4704-ADB2-54F694482806}" type="slidenum">
+              <a:rPr lang="en-GB" smtClean="0"/>
+              <a:t>24</a:t>
+            </a:fld>
+            <a:endParaRPr lang="en-GB"/>
+          </a:p>
+        </p:txBody>
+      </p:sp>
+    </p:spTree>
+    <p:extLst>
+      <p:ext uri="{BB962C8B-B14F-4D97-AF65-F5344CB8AC3E}">
+        <p14:creationId xmlns:p14="http://schemas.microsoft.com/office/powerpoint/2010/main" val="2381812239"/>
+      </p:ext>
+    </p:extLst>
+  </p:cSld>
+  <p:clrMapOvr>
+    <a:masterClrMapping/>
+  </p:clrMapOvr>
+</p:notes>
+</file>
+
+<file path=ppt/notesSlides/notesSlide24.xml><?xml version="1.0" encoding="utf-8"?>
+<p:notes xmlns:a="http://schemas.openxmlformats.org/drawingml/2006/main" xmlns:r="http://schemas.openxmlformats.org/officeDocument/2006/relationships" xmlns:p="http://schemas.openxmlformats.org/presentationml/2006/main">
+  <p:cSld>
+    <p:spTree>
+      <p:nvGrpSpPr>
+        <p:cNvPr id="1" name=""/>
+        <p:cNvGrpSpPr/>
+        <p:nvPr/>
+      </p:nvGrpSpPr>
+      <p:grpSpPr>
+        <a:xfrm>
+          <a:off x="0" y="0"/>
+          <a:ext cx="0" cy="0"/>
+          <a:chOff x="0" y="0"/>
+          <a:chExt cx="0" cy="0"/>
+        </a:xfrm>
+      </p:grpSpPr>
+      <p:sp>
+        <p:nvSpPr>
+          <p:cNvPr id="2" name="Slide Image Placeholder 1"/>
+          <p:cNvSpPr>
+            <a:spLocks noGrp="1" noRot="1" noChangeAspect="1"/>
+          </p:cNvSpPr>
+          <p:nvPr>
+            <p:ph type="sldImg"/>
+          </p:nvPr>
+        </p:nvSpPr>
+        <p:spPr/>
+      </p:sp>
+      <p:sp>
+        <p:nvSpPr>
+          <p:cNvPr id="3" name="Notes Placeholder 2"/>
+          <p:cNvSpPr>
+            <a:spLocks noGrp="1"/>
+          </p:cNvSpPr>
+          <p:nvPr>
+            <p:ph type="body" idx="1"/>
+          </p:nvPr>
+        </p:nvSpPr>
+        <p:spPr/>
+        <p:txBody>
+          <a:bodyPr/>
+          <a:lstStyle/>
+          <a:p>
+            <a:r>
+              <a:rPr lang="en-GB" dirty="0"/>
+              <a:t>One side-effect of this dynamic evaluation approach is that syntax errors can lurk in a branch of code never reached, cf. interpreted languages like Python.</a:t>
+            </a:r>
+          </a:p>
+          <a:p>
+            <a:endParaRPr lang="en-GB" dirty="0"/>
+          </a:p>
+          <a:p>
+            <a:r>
+              <a:rPr lang="en-GB" dirty="0"/>
+              <a:t>Here, the faulty XPath will only be seen and detected by the processor if the rule context matches.</a:t>
+            </a:r>
+          </a:p>
+          <a:p>
+            <a:endParaRPr lang="en-GB" dirty="0"/>
+          </a:p>
+          <a:p>
+            <a:r>
+              <a:rPr lang="en-GB" dirty="0"/>
+              <a:t>One remedy is to parse expressions ahead of time, using </a:t>
+            </a:r>
+            <a:r>
+              <a:rPr lang="en-GB" dirty="0" err="1"/>
+              <a:t>BaseX’s</a:t>
+            </a:r>
+            <a:r>
+              <a:rPr lang="en-GB" dirty="0"/>
+              <a:t> </a:t>
+            </a:r>
+            <a:r>
+              <a:rPr lang="en-GB" dirty="0" err="1"/>
+              <a:t>xquery:parse</a:t>
+            </a:r>
+            <a:r>
+              <a:rPr lang="en-GB" dirty="0"/>
+              <a:t>(), which throws an error on invalid XQuery.</a:t>
+            </a:r>
+          </a:p>
+        </p:txBody>
+      </p:sp>
+      <p:sp>
+        <p:nvSpPr>
+          <p:cNvPr id="4" name="Slide Number Placeholder 3"/>
+          <p:cNvSpPr>
+            <a:spLocks noGrp="1"/>
+          </p:cNvSpPr>
+          <p:nvPr>
+            <p:ph type="sldNum" sz="quarter" idx="5"/>
+          </p:nvPr>
+        </p:nvSpPr>
+        <p:spPr/>
+        <p:txBody>
+          <a:bodyPr/>
+          <a:lstStyle/>
+          <a:p>
+            <a:fld id="{02BDF569-F48B-4704-ADB2-54F694482806}" type="slidenum">
+              <a:rPr lang="en-GB" smtClean="0"/>
+              <a:t>25</a:t>
+            </a:fld>
+            <a:endParaRPr lang="en-GB"/>
+          </a:p>
+        </p:txBody>
+      </p:sp>
+    </p:spTree>
+    <p:extLst>
+      <p:ext uri="{BB962C8B-B14F-4D97-AF65-F5344CB8AC3E}">
+        <p14:creationId xmlns:p14="http://schemas.microsoft.com/office/powerpoint/2010/main" val="1855877711"/>
+      </p:ext>
+    </p:extLst>
+  </p:cSld>
+  <p:clrMapOvr>
+    <a:masterClrMapping/>
+  </p:clrMapOvr>
+</p:notes>
+</file>
+
+<file path=ppt/notesSlides/notesSlide25.xml><?xml version="1.0" encoding="utf-8"?>
+<p:notes xmlns:a="http://schemas.openxmlformats.org/drawingml/2006/main" xmlns:r="http://schemas.openxmlformats.org/officeDocument/2006/relationships" xmlns:p="http://schemas.openxmlformats.org/presentationml/2006/main">
+  <p:cSld>
+    <p:spTree>
+      <p:nvGrpSpPr>
+        <p:cNvPr id="1" name=""/>
+        <p:cNvGrpSpPr/>
+        <p:nvPr/>
+      </p:nvGrpSpPr>
+      <p:grpSpPr>
+        <a:xfrm>
+          <a:off x="0" y="0"/>
+          <a:ext cx="0" cy="0"/>
+          <a:chOff x="0" y="0"/>
+          <a:chExt cx="0" cy="0"/>
+        </a:xfrm>
+      </p:grpSpPr>
+      <p:sp>
+        <p:nvSpPr>
+          <p:cNvPr id="2" name="Slide Image Placeholder 1"/>
+          <p:cNvSpPr>
+            <a:spLocks noGrp="1" noRot="1" noChangeAspect="1"/>
+          </p:cNvSpPr>
+          <p:nvPr>
+            <p:ph type="sldImg"/>
+          </p:nvPr>
+        </p:nvSpPr>
+        <p:spPr/>
+      </p:sp>
+      <p:sp>
+        <p:nvSpPr>
+          <p:cNvPr id="3" name="Notes Placeholder 2"/>
+          <p:cNvSpPr>
+            <a:spLocks noGrp="1"/>
+          </p:cNvSpPr>
+          <p:nvPr>
+            <p:ph type="body" idx="1"/>
+          </p:nvPr>
+        </p:nvSpPr>
+        <p:spPr/>
+        <p:txBody>
+          <a:bodyPr/>
+          <a:lstStyle/>
+          <a:p>
+            <a:endParaRPr lang="en-GB" dirty="0"/>
+          </a:p>
+        </p:txBody>
+      </p:sp>
+      <p:sp>
+        <p:nvSpPr>
+          <p:cNvPr id="4" name="Slide Number Placeholder 3"/>
+          <p:cNvSpPr>
+            <a:spLocks noGrp="1"/>
+          </p:cNvSpPr>
+          <p:nvPr>
+            <p:ph type="sldNum" sz="quarter" idx="5"/>
+          </p:nvPr>
+        </p:nvSpPr>
+        <p:spPr/>
+        <p:txBody>
+          <a:bodyPr/>
+          <a:lstStyle/>
+          <a:p>
+            <a:fld id="{02BDF569-F48B-4704-ADB2-54F694482806}" type="slidenum">
+              <a:rPr lang="en-GB" smtClean="0"/>
+              <a:t>26</a:t>
+            </a:fld>
+            <a:endParaRPr lang="en-GB"/>
+          </a:p>
+        </p:txBody>
+      </p:sp>
+    </p:spTree>
+    <p:extLst>
+      <p:ext uri="{BB962C8B-B14F-4D97-AF65-F5344CB8AC3E}">
+        <p14:creationId xmlns:p14="http://schemas.microsoft.com/office/powerpoint/2010/main" val="2482679408"/>
+      </p:ext>
+    </p:extLst>
+  </p:cSld>
+  <p:clrMapOvr>
+    <a:masterClrMapping/>
+  </p:clrMapOvr>
+</p:notes>
+</file>
+
+<file path=ppt/notesSlides/notesSlide26.xml><?xml version="1.0" encoding="utf-8"?>
+<p:notes xmlns:a="http://schemas.openxmlformats.org/drawingml/2006/main" xmlns:r="http://schemas.openxmlformats.org/officeDocument/2006/relationships" xmlns:p="http://schemas.openxmlformats.org/presentationml/2006/main">
+  <p:cSld>
+    <p:spTree>
+      <p:nvGrpSpPr>
+        <p:cNvPr id="1" name=""/>
+        <p:cNvGrpSpPr/>
+        <p:nvPr/>
+      </p:nvGrpSpPr>
+      <p:grpSpPr>
+        <a:xfrm>
+          <a:off x="0" y="0"/>
+          <a:ext cx="0" cy="0"/>
+          <a:chOff x="0" y="0"/>
+          <a:chExt cx="0" cy="0"/>
+        </a:xfrm>
+      </p:grpSpPr>
+      <p:sp>
+        <p:nvSpPr>
+          <p:cNvPr id="2" name="Slide Image Placeholder 1"/>
+          <p:cNvSpPr>
+            <a:spLocks noGrp="1" noRot="1" noChangeAspect="1"/>
+          </p:cNvSpPr>
+          <p:nvPr>
+            <p:ph type="sldImg"/>
+          </p:nvPr>
+        </p:nvSpPr>
+        <p:spPr/>
+      </p:sp>
+      <p:sp>
+        <p:nvSpPr>
+          <p:cNvPr id="3" name="Notes Placeholder 2"/>
+          <p:cNvSpPr>
+            <a:spLocks noGrp="1"/>
+          </p:cNvSpPr>
+          <p:nvPr>
+            <p:ph type="body" idx="1"/>
+          </p:nvPr>
+        </p:nvSpPr>
+        <p:spPr/>
+        <p:txBody>
+          <a:bodyPr/>
+          <a:lstStyle/>
+          <a:p>
+            <a:r>
+              <a:rPr lang="en-GB" dirty="0"/>
+              <a:t>Pros and cons of developing this way</a:t>
+            </a:r>
+          </a:p>
+          <a:p>
+            <a:pPr marL="171450" indent="-171450">
+              <a:buFontTx/>
+              <a:buChar char="-"/>
+            </a:pPr>
+            <a:r>
+              <a:rPr lang="en-GB" dirty="0"/>
+              <a:t>Actual code you can look at and debug</a:t>
+            </a:r>
+          </a:p>
+          <a:p>
+            <a:pPr marL="171450" indent="-171450">
+              <a:buFontTx/>
+              <a:buChar char="-"/>
+            </a:pPr>
+            <a:r>
+              <a:rPr lang="en-GB" dirty="0"/>
+              <a:t>A bit meta, though: e.g. if/then/else statement writing an if/then/else…</a:t>
+            </a:r>
+          </a:p>
+          <a:p>
+            <a:pPr marL="171450" indent="-171450">
+              <a:buFontTx/>
+              <a:buChar char="-"/>
+            </a:pPr>
+            <a:endParaRPr lang="en-GB" dirty="0"/>
+          </a:p>
+          <a:p>
+            <a:pPr marL="0" indent="0">
+              <a:buFontTx/>
+              <a:buNone/>
+            </a:pPr>
+            <a:r>
+              <a:rPr lang="en-GB" dirty="0"/>
+              <a:t>Produces XQY main module</a:t>
+            </a:r>
+          </a:p>
+          <a:p>
+            <a:pPr marL="0" indent="0">
+              <a:buFontTx/>
+              <a:buNone/>
+            </a:pPr>
+            <a:r>
+              <a:rPr lang="en-GB" dirty="0"/>
+              <a:t>Runnable under Saxon (at least) too</a:t>
+            </a:r>
+          </a:p>
+        </p:txBody>
+      </p:sp>
+      <p:sp>
+        <p:nvSpPr>
+          <p:cNvPr id="4" name="Slide Number Placeholder 3"/>
+          <p:cNvSpPr>
+            <a:spLocks noGrp="1"/>
+          </p:cNvSpPr>
+          <p:nvPr>
+            <p:ph type="sldNum" sz="quarter" idx="5"/>
+          </p:nvPr>
+        </p:nvSpPr>
+        <p:spPr/>
+        <p:txBody>
+          <a:bodyPr/>
+          <a:lstStyle/>
+          <a:p>
+            <a:fld id="{02BDF569-F48B-4704-ADB2-54F694482806}" type="slidenum">
+              <a:rPr lang="en-GB" smtClean="0"/>
+              <a:t>27</a:t>
+            </a:fld>
+            <a:endParaRPr lang="en-GB"/>
+          </a:p>
+        </p:txBody>
+      </p:sp>
+    </p:spTree>
+    <p:extLst>
+      <p:ext uri="{BB962C8B-B14F-4D97-AF65-F5344CB8AC3E}">
+        <p14:creationId xmlns:p14="http://schemas.microsoft.com/office/powerpoint/2010/main" val="1733532282"/>
+      </p:ext>
+    </p:extLst>
+  </p:cSld>
+  <p:clrMapOvr>
+    <a:masterClrMapping/>
+  </p:clrMapOvr>
+</p:notes>
+</file>
+
+<file path=ppt/notesSlides/notesSlide27.xml><?xml version="1.0" encoding="utf-8"?>
+<p:notes xmlns:a="http://schemas.openxmlformats.org/drawingml/2006/main" xmlns:r="http://schemas.openxmlformats.org/officeDocument/2006/relationships" xmlns:p="http://schemas.openxmlformats.org/presentationml/2006/main">
+  <p:cSld>
+    <p:spTree>
+      <p:nvGrpSpPr>
+        <p:cNvPr id="1" name=""/>
+        <p:cNvGrpSpPr/>
+        <p:nvPr/>
+      </p:nvGrpSpPr>
+      <p:grpSpPr>
+        <a:xfrm>
+          <a:off x="0" y="0"/>
+          <a:ext cx="0" cy="0"/>
+          <a:chOff x="0" y="0"/>
+          <a:chExt cx="0" cy="0"/>
+        </a:xfrm>
+      </p:grpSpPr>
+      <p:sp>
+        <p:nvSpPr>
+          <p:cNvPr id="2" name="Slide Image Placeholder 1"/>
+          <p:cNvSpPr>
+            <a:spLocks noGrp="1" noRot="1" noChangeAspect="1"/>
+          </p:cNvSpPr>
+          <p:nvPr>
+            <p:ph type="sldImg"/>
+          </p:nvPr>
+        </p:nvSpPr>
+        <p:spPr/>
+      </p:sp>
+      <p:sp>
+        <p:nvSpPr>
+          <p:cNvPr id="3" name="Notes Placeholder 2"/>
+          <p:cNvSpPr>
+            <a:spLocks noGrp="1"/>
+          </p:cNvSpPr>
+          <p:nvPr>
+            <p:ph type="body" idx="1"/>
+          </p:nvPr>
+        </p:nvSpPr>
+        <p:spPr/>
+        <p:txBody>
+          <a:bodyPr/>
+          <a:lstStyle/>
+          <a:p>
+            <a:r>
+              <a:rPr lang="en-GB" dirty="0"/>
+              <a:t>Also a few caveats about XQS:</a:t>
+            </a:r>
+          </a:p>
+          <a:p>
+            <a:pPr marL="171450" indent="-171450">
+              <a:buFontTx/>
+              <a:buChar char="-"/>
+            </a:pPr>
+            <a:r>
+              <a:rPr lang="en-GB" dirty="0"/>
+              <a:t>No expansion/inclusion: deferred for now – still needs doing, but a known quantity; more interest lies in implementing the actual validation logic</a:t>
+            </a:r>
+          </a:p>
+          <a:p>
+            <a:pPr marL="171450" indent="-171450">
+              <a:buFontTx/>
+              <a:buChar char="-"/>
+            </a:pPr>
+            <a:r>
+              <a:rPr lang="en-GB" dirty="0"/>
+              <a:t>So that’s where I’ve focused my efforts</a:t>
+            </a:r>
+          </a:p>
+          <a:p>
+            <a:pPr marL="171450" indent="-171450">
+              <a:buFontTx/>
+              <a:buChar char="-"/>
+            </a:pPr>
+            <a:r>
+              <a:rPr lang="en-GB" dirty="0"/>
+              <a:t>As a trade-off, if you like, there are 2 methods of validating: dynamic &amp; compiled</a:t>
+            </a:r>
+          </a:p>
+          <a:p>
+            <a:pPr marL="171450" indent="-171450">
+              <a:buFontTx/>
+              <a:buChar char="-"/>
+            </a:pPr>
+            <a:r>
+              <a:rPr lang="en-GB" dirty="0" err="1"/>
+              <a:t>BaseX</a:t>
+            </a:r>
+            <a:r>
+              <a:rPr lang="en-GB" dirty="0"/>
+              <a:t> required to run the tool, BUT compiled schemas should be portable: they are generic </a:t>
+            </a:r>
+            <a:r>
+              <a:rPr lang="en-GB" dirty="0" err="1"/>
+              <a:t>Xquery</a:t>
+            </a:r>
+            <a:endParaRPr lang="en-GB" dirty="0"/>
+          </a:p>
+          <a:p>
+            <a:pPr marL="171450" indent="-171450">
+              <a:buFontTx/>
+              <a:buChar char="-"/>
+            </a:pPr>
+            <a:r>
+              <a:rPr lang="en-GB" dirty="0"/>
+              <a:t>And no need to store your documents there – you can just use it as a validation tool</a:t>
+            </a:r>
+          </a:p>
+        </p:txBody>
+      </p:sp>
+      <p:sp>
+        <p:nvSpPr>
+          <p:cNvPr id="4" name="Slide Number Placeholder 3"/>
+          <p:cNvSpPr>
+            <a:spLocks noGrp="1"/>
+          </p:cNvSpPr>
+          <p:nvPr>
+            <p:ph type="sldNum" sz="quarter" idx="5"/>
+          </p:nvPr>
+        </p:nvSpPr>
+        <p:spPr/>
+        <p:txBody>
+          <a:bodyPr/>
+          <a:lstStyle/>
+          <a:p>
+            <a:fld id="{02BDF569-F48B-4704-ADB2-54F694482806}" type="slidenum">
+              <a:rPr lang="en-GB" smtClean="0"/>
+              <a:t>30</a:t>
+            </a:fld>
+            <a:endParaRPr lang="en-GB"/>
+          </a:p>
+        </p:txBody>
+      </p:sp>
+    </p:spTree>
+    <p:extLst>
+      <p:ext uri="{BB962C8B-B14F-4D97-AF65-F5344CB8AC3E}">
+        <p14:creationId xmlns:p14="http://schemas.microsoft.com/office/powerpoint/2010/main" val="7394890"/>
       </p:ext>
     </p:extLst>
   </p:cSld>
@@ -1436,13 +3241,8 @@
           <a:p>
             <a:r>
               <a:rPr lang="en-GB" dirty="0"/>
-              <a:t>- Re dynamic evaluation, this is what the processing model looks like for e.g. XSLT </a:t>
-            </a:r>
-            <a:r>
-              <a:rPr lang="en-GB" dirty="0" err="1"/>
-              <a:t>impls</a:t>
-            </a:r>
-            <a:endParaRPr lang="en-GB" dirty="0"/>
+              <a:t>Well, like anyone curious about the answer to a question in 2023, I thought I would…</a:t>
+            </a:r>
           </a:p>
         </p:txBody>
       </p:sp>
@@ -1472,7 +3272,7 @@
     </p:spTree>
     <p:extLst>
       <p:ext uri="{BB962C8B-B14F-4D97-AF65-F5344CB8AC3E}">
-        <p14:creationId xmlns:p14="http://schemas.microsoft.com/office/powerpoint/2010/main" val="2074892177"/>
+        <p14:creationId xmlns:p14="http://schemas.microsoft.com/office/powerpoint/2010/main" val="1455385979"/>
       </p:ext>
     </p:extLst>
   </p:cSld>
@@ -1526,48 +3326,7 @@
           <a:bodyPr/>
           <a:lstStyle/>
           <a:p>
-            <a:pPr marL="171450" indent="-171450">
-              <a:buFontTx/>
-              <a:buChar char="-"/>
-            </a:pPr>
-            <a:r>
-              <a:rPr lang="en-GB" dirty="0"/>
-              <a:t>Pre-processing steps still in place, but no compilation step</a:t>
-            </a:r>
-          </a:p>
-          <a:p>
-            <a:pPr marL="171450" indent="-171450">
-              <a:buFontTx/>
-              <a:buChar char="-"/>
-            </a:pPr>
-            <a:r>
-              <a:rPr lang="en-GB" dirty="0"/>
-              <a:t>Q. Why? A. no absolute need for compile step, so curious what it would through up doing it this way; also: previous experience of </a:t>
-            </a:r>
-            <a:r>
-              <a:rPr lang="en-GB" dirty="0" err="1"/>
-              <a:t>XMLProbe</a:t>
-            </a:r>
-            <a:r>
-              <a:rPr lang="en-GB" dirty="0"/>
-              <a:t>/</a:t>
-            </a:r>
-            <a:r>
-              <a:rPr lang="en-GB" dirty="0" err="1"/>
-              <a:t>Probatron</a:t>
-            </a:r>
-            <a:r>
-              <a:rPr lang="en-GB" dirty="0"/>
-              <a:t> (XPath </a:t>
-            </a:r>
-            <a:r>
-              <a:rPr lang="en-GB" dirty="0" err="1"/>
-              <a:t>impl</a:t>
-            </a:r>
-            <a:r>
-              <a:rPr lang="en-GB" dirty="0"/>
-              <a:t>)</a:t>
-            </a:r>
+            <a:endParaRPr lang="en-GB" dirty="0"/>
           </a:p>
         </p:txBody>
       </p:sp>
@@ -1597,7 +3356,7 @@
     </p:spTree>
     <p:extLst>
       <p:ext uri="{BB962C8B-B14F-4D97-AF65-F5344CB8AC3E}">
-        <p14:creationId xmlns:p14="http://schemas.microsoft.com/office/powerpoint/2010/main" val="3044856684"/>
+        <p14:creationId xmlns:p14="http://schemas.microsoft.com/office/powerpoint/2010/main" val="395413784"/>
       </p:ext>
     </p:extLst>
   </p:cSld>
@@ -1653,53 +3412,15 @@
           <a:p>
             <a:r>
               <a:rPr lang="en-GB" dirty="0"/>
-              <a:t>Joking aside: this isn’t a conference about AI, but let’s see what it said.</a:t>
-            </a:r>
-          </a:p>
-          <a:p>
+              <a:t>Thank you for listening </a:t>
+            </a:r>
+            <a:r>
+              <a:rPr lang="en-GB" dirty="0">
+                <a:sym typeface="Wingdings" panose="05000000000000000000" pitchFamily="2" charset="2"/>
+              </a:rPr>
+              <a:t></a:t>
+            </a:r>
             <a:endParaRPr lang="en-GB" dirty="0"/>
-          </a:p>
-          <a:p>
-            <a:r>
-              <a:rPr lang="en-GB" dirty="0"/>
-              <a:t>First question.</a:t>
-            </a:r>
-          </a:p>
-          <a:p>
-            <a:r>
-              <a:rPr lang="en-GB" dirty="0"/>
-              <a:t>(Answer is shortened, for space reasons)</a:t>
-            </a:r>
-          </a:p>
-          <a:p>
-            <a:r>
-              <a:rPr lang="en-GB" dirty="0"/>
-              <a:t>Reasonable attempt – Boolean result, though.</a:t>
-            </a:r>
-          </a:p>
-          <a:p>
-            <a:endParaRPr lang="en-GB" dirty="0"/>
-          </a:p>
-          <a:p>
-            <a:r>
-              <a:rPr lang="en-GB" dirty="0"/>
-              <a:t>No handling of patterns or rules</a:t>
-            </a:r>
-          </a:p>
-          <a:p>
-            <a:endParaRPr lang="en-GB" b="1" dirty="0"/>
-          </a:p>
-          <a:p>
-            <a:r>
-              <a:rPr lang="en-GB" b="1" dirty="0"/>
-              <a:t>Q. Can anyone spot what’s odd here?</a:t>
-            </a:r>
-          </a:p>
-          <a:p>
-            <a:r>
-              <a:rPr lang="en-GB" dirty="0"/>
-              <a:t>A. Pre-ISO namespace!!</a:t>
-            </a:r>
           </a:p>
         </p:txBody>
       </p:sp>
@@ -1720,7 +3441,7 @@
           <a:p>
             <a:fld id="{02BDF569-F48B-4704-ADB2-54F694482806}" type="slidenum">
               <a:rPr lang="en-GB" smtClean="0"/>
-              <a:t>12</a:t>
+              <a:t>9</a:t>
             </a:fld>
             <a:endParaRPr lang="en-GB"/>
           </a:p>
@@ -1729,7 +3450,7 @@
     </p:spTree>
     <p:extLst>
       <p:ext uri="{BB962C8B-B14F-4D97-AF65-F5344CB8AC3E}">
-        <p14:creationId xmlns:p14="http://schemas.microsoft.com/office/powerpoint/2010/main" val="3905409614"/>
+        <p14:creationId xmlns:p14="http://schemas.microsoft.com/office/powerpoint/2010/main" val="2514766102"/>
       </p:ext>
     </p:extLst>
   </p:cSld>
@@ -1785,7 +3506,7 @@
           <a:p>
             <a:r>
               <a:rPr lang="en-GB" dirty="0"/>
-              <a:t>So I asked specifically for ISO SCH and XQY 3.1, to see if that made a difference.</a:t>
+              <a:t>Joking aside: this isn’t a conference about AI, but let’s see what it said.</a:t>
             </a:r>
           </a:p>
           <a:p>
@@ -1794,7 +3515,19 @@
           <a:p>
             <a:r>
               <a:rPr lang="en-GB" dirty="0"/>
-              <a:t>This time, it proudly declares the ISO namespace (see top).</a:t>
+              <a:t>First question.</a:t>
+            </a:r>
+          </a:p>
+          <a:p>
+            <a:r>
+              <a:rPr lang="en-GB" dirty="0"/>
+              <a:t>(Answer is shortened, for space reasons)</a:t>
+            </a:r>
+          </a:p>
+          <a:p>
+            <a:r>
+              <a:rPr lang="en-GB" dirty="0"/>
+              <a:t>Reasonable attempt – Boolean result, though.</a:t>
             </a:r>
           </a:p>
           <a:p>
@@ -1803,15 +3536,22 @@
           <a:p>
             <a:r>
               <a:rPr lang="en-GB" dirty="0"/>
-              <a:t>BUT it uses the XSLT </a:t>
-            </a:r>
-            <a:r>
-              <a:rPr lang="en-GB" dirty="0" err="1"/>
-              <a:t>impl</a:t>
-            </a:r>
-            <a:r>
-              <a:rPr lang="en-GB" dirty="0"/>
-              <a:t>!</a:t>
+              <a:t>No handling of patterns or rules</a:t>
+            </a:r>
+          </a:p>
+          <a:p>
+            <a:endParaRPr lang="en-GB" b="1" dirty="0"/>
+          </a:p>
+          <a:p>
+            <a:r>
+              <a:rPr lang="en-GB" b="1" dirty="0"/>
+              <a:t>Q. Can anyone spot what’s odd here?</a:t>
+            </a:r>
+          </a:p>
+          <a:p>
+            <a:r>
+              <a:rPr lang="en-GB" dirty="0"/>
+              <a:t>A. Pre-ISO namespace!!</a:t>
             </a:r>
           </a:p>
         </p:txBody>
@@ -1833,7 +3573,7 @@
           <a:p>
             <a:fld id="{02BDF569-F48B-4704-ADB2-54F694482806}" type="slidenum">
               <a:rPr lang="en-GB" smtClean="0"/>
-              <a:t>13</a:t>
+              <a:t>10</a:t>
             </a:fld>
             <a:endParaRPr lang="en-GB"/>
           </a:p>
@@ -1842,7 +3582,7 @@
     </p:spTree>
     <p:extLst>
       <p:ext uri="{BB962C8B-B14F-4D97-AF65-F5344CB8AC3E}">
-        <p14:creationId xmlns:p14="http://schemas.microsoft.com/office/powerpoint/2010/main" val="630851917"/>
+        <p14:creationId xmlns:p14="http://schemas.microsoft.com/office/powerpoint/2010/main" val="3905409614"/>
       </p:ext>
     </p:extLst>
   </p:cSld>
@@ -5201,6 +6941,42 @@
       </p:grpSpPr>
       <p:sp>
         <p:nvSpPr>
+          <p:cNvPr id="2" name="Title 1">
+            <a:extLst>
+              <a:ext uri="{FF2B5EF4-FFF2-40B4-BE49-F238E27FC236}">
+                <a16:creationId xmlns:a16="http://schemas.microsoft.com/office/drawing/2014/main" id="{A983E35C-8894-4776-86DF-EAACF757D02F}"/>
+              </a:ext>
+            </a:extLst>
+          </p:cNvPr>
+          <p:cNvSpPr>
+            <a:spLocks noGrp="1"/>
+          </p:cNvSpPr>
+          <p:nvPr>
+            <p:ph type="title"/>
+          </p:nvPr>
+        </p:nvSpPr>
+        <p:spPr/>
+        <p:txBody>
+          <a:bodyPr/>
+          <a:lstStyle/>
+          <a:p>
+            <a:r>
+              <a:rPr lang="en-GB" dirty="0"/>
+              <a:t>"Implement </a:t>
+            </a:r>
+            <a:r>
+              <a:rPr lang="en-GB" dirty="0" err="1"/>
+              <a:t>Schematron</a:t>
+            </a:r>
+            <a:r>
+              <a:rPr lang="en-GB" dirty="0"/>
+              <a:t> in XQuery"</a:t>
+            </a:r>
+          </a:p>
+        </p:txBody>
+      </p:sp>
+      <p:sp>
+        <p:nvSpPr>
           <p:cNvPr id="3" name="Content Placeholder 2">
             <a:extLst>
               <a:ext uri="{FF2B5EF4-FFF2-40B4-BE49-F238E27FC236}">
@@ -5215,38 +6991,197 @@
             <p:ph idx="1"/>
           </p:nvPr>
         </p:nvSpPr>
-        <p:spPr>
-          <a:xfrm>
-            <a:off x="838200" y="1435510"/>
-            <a:ext cx="10515600" cy="4741453"/>
-          </a:xfrm>
-        </p:spPr>
+        <p:spPr/>
         <p:txBody>
           <a:bodyPr>
-            <a:normAutofit/>
+            <a:normAutofit fontScale="62500" lnSpcReduction="20000"/>
           </a:bodyPr>
           <a:lstStyle/>
           <a:p>
             <a:pPr marL="0" indent="0">
               <a:buNone/>
             </a:pPr>
-            <a:endParaRPr lang="en-GB" sz="9600" dirty="0"/>
-          </a:p>
-          <a:p>
-            <a:pPr marL="0" indent="0" algn="ctr">
-              <a:buNone/>
-            </a:pPr>
-            <a:r>
-              <a:rPr lang="en-GB" sz="9600" dirty="0"/>
-              <a:t>Ask </a:t>
-            </a:r>
-            <a:r>
-              <a:rPr lang="en-GB" sz="9600" dirty="0" err="1"/>
-              <a:t>ChatGPT</a:t>
-            </a:r>
-            <a:r>
-              <a:rPr lang="en-GB" sz="9600" dirty="0"/>
-              <a:t>!</a:t>
+            <a:r>
+              <a:rPr lang="de-DE" dirty="0">
+                <a:latin typeface="Courier New" panose="02070309020205020404" pitchFamily="49" charset="0"/>
+                <a:cs typeface="Courier New" panose="02070309020205020404" pitchFamily="49" charset="0"/>
+              </a:rPr>
+              <a:t>let $schematron := &lt;schema xmlns="http://www.ascc.net/xml/schematron"&gt;[...]</a:t>
+            </a:r>
+            <a:endParaRPr lang="en-GB" dirty="0">
+              <a:latin typeface="Courier New" panose="02070309020205020404" pitchFamily="49" charset="0"/>
+              <a:cs typeface="Courier New" panose="02070309020205020404" pitchFamily="49" charset="0"/>
+            </a:endParaRPr>
+          </a:p>
+          <a:p>
+            <a:pPr marL="0" indent="0">
+              <a:buNone/>
+            </a:pPr>
+            <a:r>
+              <a:rPr lang="en-GB" dirty="0">
+                <a:latin typeface="Courier New" panose="02070309020205020404" pitchFamily="49" charset="0"/>
+                <a:cs typeface="Courier New" panose="02070309020205020404" pitchFamily="49" charset="0"/>
+              </a:rPr>
+              <a:t>let $assertions := $</a:t>
+            </a:r>
+            <a:r>
+              <a:rPr lang="en-GB" dirty="0" err="1">
+                <a:latin typeface="Courier New" panose="02070309020205020404" pitchFamily="49" charset="0"/>
+                <a:cs typeface="Courier New" panose="02070309020205020404" pitchFamily="49" charset="0"/>
+              </a:rPr>
+              <a:t>schematron</a:t>
+            </a:r>
+            <a:r>
+              <a:rPr lang="en-GB" dirty="0">
+                <a:latin typeface="Courier New" panose="02070309020205020404" pitchFamily="49" charset="0"/>
+                <a:cs typeface="Courier New" panose="02070309020205020404" pitchFamily="49" charset="0"/>
+              </a:rPr>
+              <a:t>//</a:t>
+            </a:r>
+            <a:r>
+              <a:rPr lang="en-GB" dirty="0" err="1">
+                <a:latin typeface="Courier New" panose="02070309020205020404" pitchFamily="49" charset="0"/>
+                <a:cs typeface="Courier New" panose="02070309020205020404" pitchFamily="49" charset="0"/>
+              </a:rPr>
+              <a:t>sch:assert</a:t>
+            </a:r>
+            <a:endParaRPr lang="en-GB" dirty="0">
+              <a:latin typeface="Courier New" panose="02070309020205020404" pitchFamily="49" charset="0"/>
+              <a:cs typeface="Courier New" panose="02070309020205020404" pitchFamily="49" charset="0"/>
+            </a:endParaRPr>
+          </a:p>
+          <a:p>
+            <a:pPr marL="0" indent="0">
+              <a:buNone/>
+            </a:pPr>
+            <a:r>
+              <a:rPr lang="en-GB" dirty="0">
+                <a:latin typeface="Courier New" panose="02070309020205020404" pitchFamily="49" charset="0"/>
+                <a:cs typeface="Courier New" panose="02070309020205020404" pitchFamily="49" charset="0"/>
+              </a:rPr>
+              <a:t>return (</a:t>
+            </a:r>
+          </a:p>
+          <a:p>
+            <a:pPr marL="0" indent="0">
+              <a:buNone/>
+            </a:pPr>
+            <a:r>
+              <a:rPr lang="en-GB" dirty="0">
+                <a:latin typeface="Courier New" panose="02070309020205020404" pitchFamily="49" charset="0"/>
+                <a:cs typeface="Courier New" panose="02070309020205020404" pitchFamily="49" charset="0"/>
+              </a:rPr>
+              <a:t>    every $assert in $assertions satisfies (</a:t>
+            </a:r>
+          </a:p>
+          <a:p>
+            <a:pPr marL="0" indent="0">
+              <a:buNone/>
+            </a:pPr>
+            <a:r>
+              <a:rPr lang="en-GB" dirty="0">
+                <a:latin typeface="Courier New" panose="02070309020205020404" pitchFamily="49" charset="0"/>
+                <a:cs typeface="Courier New" panose="02070309020205020404" pitchFamily="49" charset="0"/>
+              </a:rPr>
+              <a:t>      let $test := $assert/@test</a:t>
+            </a:r>
+          </a:p>
+          <a:p>
+            <a:pPr marL="0" indent="0">
+              <a:buNone/>
+            </a:pPr>
+            <a:r>
+              <a:rPr lang="en-GB" dirty="0">
+                <a:latin typeface="Courier New" panose="02070309020205020404" pitchFamily="49" charset="0"/>
+                <a:cs typeface="Courier New" panose="02070309020205020404" pitchFamily="49" charset="0"/>
+              </a:rPr>
+              <a:t>      return (</a:t>
+            </a:r>
+          </a:p>
+          <a:p>
+            <a:pPr marL="0" indent="0">
+              <a:buNone/>
+            </a:pPr>
+            <a:r>
+              <a:rPr lang="en-GB" dirty="0">
+                <a:latin typeface="Courier New" panose="02070309020205020404" pitchFamily="49" charset="0"/>
+                <a:cs typeface="Courier New" panose="02070309020205020404" pitchFamily="49" charset="0"/>
+              </a:rPr>
+              <a:t>        if (exists($assert/@role) and $assert/@role = 'warning') then</a:t>
+            </a:r>
+          </a:p>
+          <a:p>
+            <a:pPr marL="0" indent="0">
+              <a:buNone/>
+            </a:pPr>
+            <a:r>
+              <a:rPr lang="en-GB" dirty="0">
+                <a:latin typeface="Courier New" panose="02070309020205020404" pitchFamily="49" charset="0"/>
+                <a:cs typeface="Courier New" panose="02070309020205020404" pitchFamily="49" charset="0"/>
+              </a:rPr>
+              <a:t>          count($xml[not($test)]) </a:t>
+            </a:r>
+            <a:r>
+              <a:rPr lang="en-GB" dirty="0" err="1">
+                <a:latin typeface="Courier New" panose="02070309020205020404" pitchFamily="49" charset="0"/>
+                <a:cs typeface="Courier New" panose="02070309020205020404" pitchFamily="49" charset="0"/>
+              </a:rPr>
+              <a:t>eq</a:t>
+            </a:r>
+            <a:r>
+              <a:rPr lang="en-GB" dirty="0">
+                <a:latin typeface="Courier New" panose="02070309020205020404" pitchFamily="49" charset="0"/>
+                <a:cs typeface="Courier New" panose="02070309020205020404" pitchFamily="49" charset="0"/>
+              </a:rPr>
+              <a:t> 0</a:t>
+            </a:r>
+          </a:p>
+          <a:p>
+            <a:pPr marL="0" indent="0">
+              <a:buNone/>
+            </a:pPr>
+            <a:r>
+              <a:rPr lang="en-GB" dirty="0">
+                <a:latin typeface="Courier New" panose="02070309020205020404" pitchFamily="49" charset="0"/>
+                <a:cs typeface="Courier New" panose="02070309020205020404" pitchFamily="49" charset="0"/>
+              </a:rPr>
+              <a:t>        else</a:t>
+            </a:r>
+          </a:p>
+          <a:p>
+            <a:pPr marL="0" indent="0">
+              <a:buNone/>
+            </a:pPr>
+            <a:r>
+              <a:rPr lang="en-GB" dirty="0">
+                <a:latin typeface="Courier New" panose="02070309020205020404" pitchFamily="49" charset="0"/>
+                <a:cs typeface="Courier New" panose="02070309020205020404" pitchFamily="49" charset="0"/>
+              </a:rPr>
+              <a:t>          exists($xml[$test])</a:t>
+            </a:r>
+          </a:p>
+          <a:p>
+            <a:pPr marL="0" indent="0">
+              <a:buNone/>
+            </a:pPr>
+            <a:r>
+              <a:rPr lang="en-GB" dirty="0">
+                <a:latin typeface="Courier New" panose="02070309020205020404" pitchFamily="49" charset="0"/>
+                <a:cs typeface="Courier New" panose="02070309020205020404" pitchFamily="49" charset="0"/>
+              </a:rPr>
+              <a:t>      )</a:t>
+            </a:r>
+          </a:p>
+          <a:p>
+            <a:pPr marL="0" indent="0">
+              <a:buNone/>
+            </a:pPr>
+            <a:r>
+              <a:rPr lang="en-GB" dirty="0">
+                <a:latin typeface="Courier New" panose="02070309020205020404" pitchFamily="49" charset="0"/>
+                <a:cs typeface="Courier New" panose="02070309020205020404" pitchFamily="49" charset="0"/>
+              </a:rPr>
+              <a:t>    )</a:t>
             </a:r>
           </a:p>
         </p:txBody>
@@ -5254,7 +7189,7 @@
     </p:spTree>
     <p:extLst>
       <p:ext uri="{BB962C8B-B14F-4D97-AF65-F5344CB8AC3E}">
-        <p14:creationId xmlns:p14="http://schemas.microsoft.com/office/powerpoint/2010/main" val="3453189509"/>
+        <p14:creationId xmlns:p14="http://schemas.microsoft.com/office/powerpoint/2010/main" val="3287669211"/>
       </p:ext>
     </p:extLst>
   </p:cSld>
@@ -5302,103 +7237,467 @@
           <a:bodyPr/>
           <a:lstStyle/>
           <a:p>
-            <a:endParaRPr lang="en-GB" dirty="0"/>
-          </a:p>
-        </p:txBody>
-      </p:sp>
-      <p:pic>
-        <p:nvPicPr>
-          <p:cNvPr id="5" name="Content Placeholder 4">
+            <a:r>
+              <a:rPr lang="en-GB" dirty="0"/>
+              <a:t>“Implement </a:t>
+            </a:r>
+            <a:r>
+              <a:rPr lang="en-GB" b="1" dirty="0"/>
+              <a:t>ISO</a:t>
+            </a:r>
+            <a:r>
+              <a:rPr lang="en-GB" dirty="0"/>
+              <a:t> </a:t>
+            </a:r>
+            <a:r>
+              <a:rPr lang="en-GB" dirty="0" err="1"/>
+              <a:t>Schematron</a:t>
+            </a:r>
+            <a:r>
+              <a:rPr lang="en-GB" dirty="0"/>
+              <a:t> in XQuery </a:t>
+            </a:r>
+            <a:r>
+              <a:rPr lang="en-GB" b="1" dirty="0"/>
+              <a:t>3.1</a:t>
+            </a:r>
+            <a:r>
+              <a:rPr lang="en-GB" dirty="0"/>
+              <a:t>"</a:t>
+            </a:r>
+          </a:p>
+        </p:txBody>
+      </p:sp>
+      <p:sp>
+        <p:nvSpPr>
+          <p:cNvPr id="3" name="Content Placeholder 2">
             <a:extLst>
               <a:ext uri="{FF2B5EF4-FFF2-40B4-BE49-F238E27FC236}">
-                <a16:creationId xmlns:a16="http://schemas.microsoft.com/office/drawing/2014/main" id="{41EB6DF5-F184-4DBA-9979-FDFFBDFDD428}"/>
+                <a16:creationId xmlns:a16="http://schemas.microsoft.com/office/drawing/2014/main" id="{8F3B8AF2-EBAB-4825-840C-058B9D734782}"/>
               </a:ext>
             </a:extLst>
           </p:cNvPr>
-          <p:cNvPicPr>
-            <a:picLocks noGrp="1" noChangeAspect="1"/>
-          </p:cNvPicPr>
+          <p:cNvSpPr>
+            <a:spLocks noGrp="1"/>
+          </p:cNvSpPr>
           <p:nvPr>
             <p:ph idx="1"/>
           </p:nvPr>
-        </p:nvPicPr>
-        <p:blipFill>
-          <a:blip r:embed="rId2">
-            <a:extLst>
-              <a:ext uri="{28A0092B-C50C-407E-A947-70E740481C1C}">
-                <a14:useLocalDpi xmlns:a14="http://schemas.microsoft.com/office/drawing/2010/main" val="0"/>
-              </a:ext>
-            </a:extLst>
-          </a:blip>
-          <a:stretch>
-            <a:fillRect/>
-          </a:stretch>
-        </p:blipFill>
-        <p:spPr>
-          <a:xfrm>
-            <a:off x="2198714" y="1285875"/>
-            <a:ext cx="7524750" cy="4286250"/>
-          </a:xfrm>
-        </p:spPr>
-      </p:pic>
-      <p:sp>
-        <p:nvSpPr>
-          <p:cNvPr id="6" name="TextBox 5">
-            <a:extLst>
-              <a:ext uri="{FF2B5EF4-FFF2-40B4-BE49-F238E27FC236}">
-                <a16:creationId xmlns:a16="http://schemas.microsoft.com/office/drawing/2014/main" id="{8ADE2836-C544-4495-B19A-3B582DDC3EA7}"/>
-              </a:ext>
-            </a:extLst>
-          </p:cNvPr>
-          <p:cNvSpPr txBox="1"/>
-          <p:nvPr/>
-        </p:nvSpPr>
-        <p:spPr>
-          <a:xfrm>
-            <a:off x="5747519" y="5572125"/>
-            <a:ext cx="3975945" cy="369332"/>
-          </a:xfrm>
-          <a:prstGeom prst="rect">
-            <a:avLst/>
-          </a:prstGeom>
-          <a:noFill/>
-        </p:spPr>
-        <p:txBody>
-          <a:bodyPr wrap="square" rtlCol="0">
-            <a:spAutoFit/>
+        </p:nvSpPr>
+        <p:spPr/>
+        <p:txBody>
+          <a:bodyPr>
+            <a:normAutofit/>
           </a:bodyPr>
           <a:lstStyle/>
           <a:p>
-            <a:pPr algn="r"/>
-            <a:r>
-              <a:rPr lang="en-GB" dirty="0">
-                <a:solidFill>
-                  <a:schemeClr val="bg2">
-                    <a:lumMod val="75000"/>
-                  </a:schemeClr>
-                </a:solidFill>
-              </a:rPr>
-              <a:t>Credit: Victor </a:t>
-            </a:r>
-            <a:r>
-              <a:rPr lang="en-GB" dirty="0" err="1">
-                <a:solidFill>
-                  <a:schemeClr val="bg2">
-                    <a:lumMod val="75000"/>
-                  </a:schemeClr>
-                </a:solidFill>
-              </a:rPr>
-              <a:t>Metelskiy</a:t>
-            </a:r>
-            <a:r>
-              <a:rPr lang="en-GB" dirty="0">
-                <a:solidFill>
-                  <a:schemeClr val="bg2">
-                    <a:lumMod val="75000"/>
-                  </a:schemeClr>
-                </a:solidFill>
-              </a:rPr>
-              <a:t>/Shutterstock</a:t>
+            <a:pPr marL="0" indent="0">
+              <a:buNone/>
+            </a:pPr>
+            <a:r>
+              <a:rPr lang="en-GB" sz="1800" dirty="0">
+                <a:latin typeface="Courier New" panose="02070309020205020404" pitchFamily="49" charset="0"/>
+                <a:cs typeface="Courier New" panose="02070309020205020404" pitchFamily="49" charset="0"/>
+              </a:rPr>
+              <a:t>declare namespace </a:t>
+            </a:r>
+            <a:r>
+              <a:rPr lang="en-GB" sz="1800" dirty="0" err="1">
+                <a:latin typeface="Courier New" panose="02070309020205020404" pitchFamily="49" charset="0"/>
+                <a:cs typeface="Courier New" panose="02070309020205020404" pitchFamily="49" charset="0"/>
+              </a:rPr>
+              <a:t>sch</a:t>
+            </a:r>
+            <a:r>
+              <a:rPr lang="en-GB" sz="1800" dirty="0">
+                <a:latin typeface="Courier New" panose="02070309020205020404" pitchFamily="49" charset="0"/>
+                <a:cs typeface="Courier New" panose="02070309020205020404" pitchFamily="49" charset="0"/>
+              </a:rPr>
+              <a:t> = </a:t>
+            </a:r>
+            <a:r>
+              <a:rPr lang="en-GB" sz="1800" b="1" dirty="0">
+                <a:latin typeface="Courier New" panose="02070309020205020404" pitchFamily="49" charset="0"/>
+                <a:cs typeface="Courier New" panose="02070309020205020404" pitchFamily="49" charset="0"/>
+              </a:rPr>
+              <a:t>"http://purl.oclc.org/</a:t>
+            </a:r>
+            <a:r>
+              <a:rPr lang="en-GB" sz="1800" b="1" dirty="0" err="1">
+                <a:latin typeface="Courier New" panose="02070309020205020404" pitchFamily="49" charset="0"/>
+                <a:cs typeface="Courier New" panose="02070309020205020404" pitchFamily="49" charset="0"/>
+              </a:rPr>
+              <a:t>dsdl</a:t>
+            </a:r>
+            <a:r>
+              <a:rPr lang="en-GB" sz="1800" b="1" dirty="0">
+                <a:latin typeface="Courier New" panose="02070309020205020404" pitchFamily="49" charset="0"/>
+                <a:cs typeface="Courier New" panose="02070309020205020404" pitchFamily="49" charset="0"/>
+              </a:rPr>
+              <a:t>/</a:t>
+            </a:r>
+            <a:r>
+              <a:rPr lang="en-GB" sz="1800" b="1" dirty="0" err="1">
+                <a:latin typeface="Courier New" panose="02070309020205020404" pitchFamily="49" charset="0"/>
+                <a:cs typeface="Courier New" panose="02070309020205020404" pitchFamily="49" charset="0"/>
+              </a:rPr>
+              <a:t>schematron</a:t>
+            </a:r>
+            <a:r>
+              <a:rPr lang="en-GB" sz="1800" b="1" dirty="0">
+                <a:latin typeface="Courier New" panose="02070309020205020404" pitchFamily="49" charset="0"/>
+                <a:cs typeface="Courier New" panose="02070309020205020404" pitchFamily="49" charset="0"/>
+              </a:rPr>
+              <a:t>"</a:t>
+            </a:r>
+            <a:r>
+              <a:rPr lang="en-GB" sz="1800" dirty="0">
+                <a:latin typeface="Courier New" panose="02070309020205020404" pitchFamily="49" charset="0"/>
+                <a:cs typeface="Courier New" panose="02070309020205020404" pitchFamily="49" charset="0"/>
+              </a:rPr>
+              <a:t>;</a:t>
+            </a:r>
+          </a:p>
+          <a:p>
+            <a:pPr marL="0" indent="0">
+              <a:buNone/>
+            </a:pPr>
+            <a:r>
+              <a:rPr lang="en-GB" sz="1800" dirty="0">
+                <a:latin typeface="Courier New" panose="02070309020205020404" pitchFamily="49" charset="0"/>
+                <a:cs typeface="Courier New" panose="02070309020205020404" pitchFamily="49" charset="0"/>
+              </a:rPr>
+              <a:t>declare function </a:t>
+            </a:r>
+            <a:r>
+              <a:rPr lang="en-GB" sz="1800" dirty="0" err="1">
+                <a:latin typeface="Courier New" panose="02070309020205020404" pitchFamily="49" charset="0"/>
+                <a:cs typeface="Courier New" panose="02070309020205020404" pitchFamily="49" charset="0"/>
+              </a:rPr>
+              <a:t>local:schematron</a:t>
+            </a:r>
+            <a:r>
+              <a:rPr lang="en-GB" sz="1800" dirty="0">
+                <a:latin typeface="Courier New" panose="02070309020205020404" pitchFamily="49" charset="0"/>
+                <a:cs typeface="Courier New" panose="02070309020205020404" pitchFamily="49" charset="0"/>
+              </a:rPr>
+              <a:t>($xml as node(), $</a:t>
+            </a:r>
+            <a:r>
+              <a:rPr lang="en-GB" sz="1800" dirty="0" err="1">
+                <a:latin typeface="Courier New" panose="02070309020205020404" pitchFamily="49" charset="0"/>
+                <a:cs typeface="Courier New" panose="02070309020205020404" pitchFamily="49" charset="0"/>
+              </a:rPr>
+              <a:t>schematron</a:t>
+            </a:r>
+            <a:r>
+              <a:rPr lang="en-GB" sz="1800" dirty="0">
+                <a:latin typeface="Courier New" panose="02070309020205020404" pitchFamily="49" charset="0"/>
+                <a:cs typeface="Courier New" panose="02070309020205020404" pitchFamily="49" charset="0"/>
+              </a:rPr>
+              <a:t> as node()) as </a:t>
+            </a:r>
+            <a:r>
+              <a:rPr lang="en-GB" sz="1800" dirty="0" err="1">
+                <a:latin typeface="Courier New" panose="02070309020205020404" pitchFamily="49" charset="0"/>
+                <a:cs typeface="Courier New" panose="02070309020205020404" pitchFamily="49" charset="0"/>
+              </a:rPr>
+              <a:t>xs:boolean</a:t>
+            </a:r>
+            <a:r>
+              <a:rPr lang="en-GB" sz="1800" dirty="0">
+                <a:latin typeface="Courier New" panose="02070309020205020404" pitchFamily="49" charset="0"/>
+                <a:cs typeface="Courier New" panose="02070309020205020404" pitchFamily="49" charset="0"/>
+              </a:rPr>
+              <a:t> {</a:t>
+            </a:r>
+          </a:p>
+          <a:p>
+            <a:pPr marL="0" indent="0">
+              <a:buNone/>
+            </a:pPr>
+            <a:r>
+              <a:rPr lang="en-GB" sz="1800" dirty="0">
+                <a:latin typeface="Courier New" panose="02070309020205020404" pitchFamily="49" charset="0"/>
+                <a:cs typeface="Courier New" panose="02070309020205020404" pitchFamily="49" charset="0"/>
+              </a:rPr>
+              <a:t>  let $</a:t>
+            </a:r>
+            <a:r>
+              <a:rPr lang="en-GB" sz="1800" dirty="0" err="1">
+                <a:latin typeface="Courier New" panose="02070309020205020404" pitchFamily="49" charset="0"/>
+                <a:cs typeface="Courier New" panose="02070309020205020404" pitchFamily="49" charset="0"/>
+              </a:rPr>
+              <a:t>schematronXSLT</a:t>
+            </a:r>
+            <a:r>
+              <a:rPr lang="en-GB" sz="1800" dirty="0">
+                <a:latin typeface="Courier New" panose="02070309020205020404" pitchFamily="49" charset="0"/>
+                <a:cs typeface="Courier New" panose="02070309020205020404" pitchFamily="49" charset="0"/>
+              </a:rPr>
+              <a:t> := </a:t>
+            </a:r>
+            <a:r>
+              <a:rPr lang="en-GB" sz="1800" b="1" dirty="0">
+                <a:latin typeface="Courier New" panose="02070309020205020404" pitchFamily="49" charset="0"/>
+                <a:cs typeface="Courier New" panose="02070309020205020404" pitchFamily="49" charset="0"/>
+              </a:rPr>
+              <a:t>$</a:t>
+            </a:r>
+            <a:r>
+              <a:rPr lang="en-GB" sz="1800" b="1" dirty="0" err="1">
+                <a:latin typeface="Courier New" panose="02070309020205020404" pitchFamily="49" charset="0"/>
+                <a:cs typeface="Courier New" panose="02070309020205020404" pitchFamily="49" charset="0"/>
+              </a:rPr>
+              <a:t>schematron</a:t>
+            </a:r>
+            <a:r>
+              <a:rPr lang="en-GB" sz="1800" b="1" dirty="0">
+                <a:latin typeface="Courier New" panose="02070309020205020404" pitchFamily="49" charset="0"/>
+                <a:cs typeface="Courier New" panose="02070309020205020404" pitchFamily="49" charset="0"/>
+              </a:rPr>
+              <a:t>/</a:t>
+            </a:r>
+            <a:r>
+              <a:rPr lang="en-GB" sz="1800" b="1" dirty="0" err="1">
+                <a:latin typeface="Courier New" panose="02070309020205020404" pitchFamily="49" charset="0"/>
+                <a:cs typeface="Courier New" panose="02070309020205020404" pitchFamily="49" charset="0"/>
+              </a:rPr>
+              <a:t>sch:schema</a:t>
+            </a:r>
+            <a:r>
+              <a:rPr lang="en-GB" sz="1800" b="1" dirty="0">
+                <a:latin typeface="Courier New" panose="02070309020205020404" pitchFamily="49" charset="0"/>
+                <a:cs typeface="Courier New" panose="02070309020205020404" pitchFamily="49" charset="0"/>
+              </a:rPr>
+              <a:t>/</a:t>
+            </a:r>
+            <a:r>
+              <a:rPr lang="en-GB" sz="1800" b="1" dirty="0" err="1">
+                <a:latin typeface="Courier New" panose="02070309020205020404" pitchFamily="49" charset="0"/>
+                <a:cs typeface="Courier New" panose="02070309020205020404" pitchFamily="49" charset="0"/>
+              </a:rPr>
+              <a:t>xsl:stylesheet</a:t>
+            </a:r>
+            <a:endParaRPr lang="en-GB" sz="1800" b="1" dirty="0">
+              <a:latin typeface="Courier New" panose="02070309020205020404" pitchFamily="49" charset="0"/>
+              <a:cs typeface="Courier New" panose="02070309020205020404" pitchFamily="49" charset="0"/>
+            </a:endParaRPr>
+          </a:p>
+          <a:p>
+            <a:pPr marL="0" indent="0">
+              <a:buNone/>
+            </a:pPr>
+            <a:r>
+              <a:rPr lang="en-GB" sz="1800" dirty="0">
+                <a:latin typeface="Courier New" panose="02070309020205020404" pitchFamily="49" charset="0"/>
+                <a:cs typeface="Courier New" panose="02070309020205020404" pitchFamily="49" charset="0"/>
+              </a:rPr>
+              <a:t>  let $assertions := $</a:t>
+            </a:r>
+            <a:r>
+              <a:rPr lang="en-GB" sz="1800" dirty="0" err="1">
+                <a:latin typeface="Courier New" panose="02070309020205020404" pitchFamily="49" charset="0"/>
+                <a:cs typeface="Courier New" panose="02070309020205020404" pitchFamily="49" charset="0"/>
+              </a:rPr>
+              <a:t>schematronXSLT</a:t>
+            </a:r>
+            <a:r>
+              <a:rPr lang="en-GB" sz="1800" dirty="0">
+                <a:latin typeface="Courier New" panose="02070309020205020404" pitchFamily="49" charset="0"/>
+                <a:cs typeface="Courier New" panose="02070309020205020404" pitchFamily="49" charset="0"/>
+              </a:rPr>
+              <a:t>/</a:t>
+            </a:r>
+            <a:r>
+              <a:rPr lang="en-GB" sz="1800" dirty="0" err="1">
+                <a:latin typeface="Courier New" panose="02070309020205020404" pitchFamily="49" charset="0"/>
+                <a:cs typeface="Courier New" panose="02070309020205020404" pitchFamily="49" charset="0"/>
+              </a:rPr>
+              <a:t>sch:pattern</a:t>
+            </a:r>
+            <a:r>
+              <a:rPr lang="en-GB" sz="1800" dirty="0">
+                <a:latin typeface="Courier New" panose="02070309020205020404" pitchFamily="49" charset="0"/>
+                <a:cs typeface="Courier New" panose="02070309020205020404" pitchFamily="49" charset="0"/>
+              </a:rPr>
+              <a:t>/</a:t>
+            </a:r>
+            <a:r>
+              <a:rPr lang="en-GB" sz="1800" dirty="0" err="1">
+                <a:latin typeface="Courier New" panose="02070309020205020404" pitchFamily="49" charset="0"/>
+                <a:cs typeface="Courier New" panose="02070309020205020404" pitchFamily="49" charset="0"/>
+              </a:rPr>
+              <a:t>sch:rule</a:t>
+            </a:r>
+            <a:r>
+              <a:rPr lang="en-GB" sz="1800" dirty="0">
+                <a:latin typeface="Courier New" panose="02070309020205020404" pitchFamily="49" charset="0"/>
+                <a:cs typeface="Courier New" panose="02070309020205020404" pitchFamily="49" charset="0"/>
+              </a:rPr>
+              <a:t>/</a:t>
+            </a:r>
+            <a:r>
+              <a:rPr lang="en-GB" sz="1800" dirty="0" err="1">
+                <a:latin typeface="Courier New" panose="02070309020205020404" pitchFamily="49" charset="0"/>
+                <a:cs typeface="Courier New" panose="02070309020205020404" pitchFamily="49" charset="0"/>
+              </a:rPr>
+              <a:t>sch:assert</a:t>
+            </a:r>
+            <a:endParaRPr lang="en-GB" sz="1800" dirty="0">
+              <a:latin typeface="Courier New" panose="02070309020205020404" pitchFamily="49" charset="0"/>
+              <a:cs typeface="Courier New" panose="02070309020205020404" pitchFamily="49" charset="0"/>
+            </a:endParaRPr>
+          </a:p>
+          <a:p>
+            <a:pPr marL="0" indent="0">
+              <a:buNone/>
+            </a:pPr>
+            <a:r>
+              <a:rPr lang="en-GB" sz="1800" dirty="0">
+                <a:latin typeface="Courier New" panose="02070309020205020404" pitchFamily="49" charset="0"/>
+                <a:cs typeface="Courier New" panose="02070309020205020404" pitchFamily="49" charset="0"/>
+              </a:rPr>
+              <a:t>  let $reports := $</a:t>
+            </a:r>
+            <a:r>
+              <a:rPr lang="en-GB" sz="1800" dirty="0" err="1">
+                <a:latin typeface="Courier New" panose="02070309020205020404" pitchFamily="49" charset="0"/>
+                <a:cs typeface="Courier New" panose="02070309020205020404" pitchFamily="49" charset="0"/>
+              </a:rPr>
+              <a:t>schematronXSLT</a:t>
+            </a:r>
+            <a:r>
+              <a:rPr lang="en-GB" sz="1800" dirty="0">
+                <a:latin typeface="Courier New" panose="02070309020205020404" pitchFamily="49" charset="0"/>
+                <a:cs typeface="Courier New" panose="02070309020205020404" pitchFamily="49" charset="0"/>
+              </a:rPr>
+              <a:t>/</a:t>
+            </a:r>
+            <a:r>
+              <a:rPr lang="en-GB" sz="1800" dirty="0" err="1">
+                <a:latin typeface="Courier New" panose="02070309020205020404" pitchFamily="49" charset="0"/>
+                <a:cs typeface="Courier New" panose="02070309020205020404" pitchFamily="49" charset="0"/>
+              </a:rPr>
+              <a:t>sch:pattern</a:t>
+            </a:r>
+            <a:r>
+              <a:rPr lang="en-GB" sz="1800" dirty="0">
+                <a:latin typeface="Courier New" panose="02070309020205020404" pitchFamily="49" charset="0"/>
+                <a:cs typeface="Courier New" panose="02070309020205020404" pitchFamily="49" charset="0"/>
+              </a:rPr>
+              <a:t>/</a:t>
+            </a:r>
+            <a:r>
+              <a:rPr lang="en-GB" sz="1800" dirty="0" err="1">
+                <a:latin typeface="Courier New" panose="02070309020205020404" pitchFamily="49" charset="0"/>
+                <a:cs typeface="Courier New" panose="02070309020205020404" pitchFamily="49" charset="0"/>
+              </a:rPr>
+              <a:t>sch:rule</a:t>
+            </a:r>
+            <a:r>
+              <a:rPr lang="en-GB" sz="1800" dirty="0">
+                <a:latin typeface="Courier New" panose="02070309020205020404" pitchFamily="49" charset="0"/>
+                <a:cs typeface="Courier New" panose="02070309020205020404" pitchFamily="49" charset="0"/>
+              </a:rPr>
+              <a:t>/</a:t>
+            </a:r>
+            <a:r>
+              <a:rPr lang="en-GB" sz="1800" dirty="0" err="1">
+                <a:latin typeface="Courier New" panose="02070309020205020404" pitchFamily="49" charset="0"/>
+                <a:cs typeface="Courier New" panose="02070309020205020404" pitchFamily="49" charset="0"/>
+              </a:rPr>
+              <a:t>sch:report</a:t>
+            </a:r>
+            <a:endParaRPr lang="en-GB" sz="1800" dirty="0">
+              <a:latin typeface="Courier New" panose="02070309020205020404" pitchFamily="49" charset="0"/>
+              <a:cs typeface="Courier New" panose="02070309020205020404" pitchFamily="49" charset="0"/>
+            </a:endParaRPr>
+          </a:p>
+          <a:p>
+            <a:pPr marL="0" indent="0">
+              <a:buNone/>
+            </a:pPr>
+            <a:r>
+              <a:rPr lang="en-GB" sz="1800" dirty="0">
+                <a:latin typeface="Courier New" panose="02070309020205020404" pitchFamily="49" charset="0"/>
+                <a:cs typeface="Courier New" panose="02070309020205020404" pitchFamily="49" charset="0"/>
+              </a:rPr>
+              <a:t>  let $transformed := transform(</a:t>
+            </a:r>
+          </a:p>
+          <a:p>
+            <a:pPr marL="0" indent="0">
+              <a:buNone/>
+            </a:pPr>
+            <a:r>
+              <a:rPr lang="en-GB" sz="1800" dirty="0">
+                <a:latin typeface="Courier New" panose="02070309020205020404" pitchFamily="49" charset="0"/>
+                <a:cs typeface="Courier New" panose="02070309020205020404" pitchFamily="49" charset="0"/>
+              </a:rPr>
+              <a:t>    $xml,</a:t>
+            </a:r>
+          </a:p>
+          <a:p>
+            <a:pPr marL="0" indent="0">
+              <a:buNone/>
+            </a:pPr>
+            <a:r>
+              <a:rPr lang="en-GB" sz="1800" dirty="0">
+                <a:latin typeface="Courier New" panose="02070309020205020404" pitchFamily="49" charset="0"/>
+                <a:cs typeface="Courier New" panose="02070309020205020404" pitchFamily="49" charset="0"/>
+              </a:rPr>
+              <a:t>    $</a:t>
+            </a:r>
+            <a:r>
+              <a:rPr lang="en-GB" sz="1800" dirty="0" err="1">
+                <a:latin typeface="Courier New" panose="02070309020205020404" pitchFamily="49" charset="0"/>
+                <a:cs typeface="Courier New" panose="02070309020205020404" pitchFamily="49" charset="0"/>
+              </a:rPr>
+              <a:t>schematronXSLT</a:t>
+            </a:r>
+            <a:r>
+              <a:rPr lang="en-GB" sz="1800" dirty="0">
+                <a:latin typeface="Courier New" panose="02070309020205020404" pitchFamily="49" charset="0"/>
+                <a:cs typeface="Courier New" panose="02070309020205020404" pitchFamily="49" charset="0"/>
+              </a:rPr>
+              <a:t>,</a:t>
+            </a:r>
+          </a:p>
+          <a:p>
+            <a:pPr marL="0" indent="0">
+              <a:buNone/>
+            </a:pPr>
+            <a:r>
+              <a:rPr lang="en-GB" sz="1800" dirty="0">
+                <a:latin typeface="Courier New" panose="02070309020205020404" pitchFamily="49" charset="0"/>
+                <a:cs typeface="Courier New" panose="02070309020205020404" pitchFamily="49" charset="0"/>
+              </a:rPr>
+              <a:t>    map { 'validation-mode': 'lax' }</a:t>
+            </a:r>
+          </a:p>
+          <a:p>
+            <a:pPr marL="0" indent="0">
+              <a:buNone/>
+            </a:pPr>
+            <a:r>
+              <a:rPr lang="en-GB" sz="1800" dirty="0">
+                <a:latin typeface="Courier New" panose="02070309020205020404" pitchFamily="49" charset="0"/>
+                <a:cs typeface="Courier New" panose="02070309020205020404" pitchFamily="49" charset="0"/>
+              </a:rPr>
+              <a:t>  )</a:t>
+            </a:r>
+          </a:p>
+          <a:p>
+            <a:pPr marL="0" indent="0">
+              <a:buNone/>
+            </a:pPr>
+            <a:r>
+              <a:rPr lang="en-GB" sz="1800" dirty="0">
+                <a:latin typeface="Courier New" panose="02070309020205020404" pitchFamily="49" charset="0"/>
+                <a:cs typeface="Courier New" panose="02070309020205020404" pitchFamily="49" charset="0"/>
+              </a:rPr>
+              <a:t>[...]</a:t>
             </a:r>
           </a:p>
         </p:txBody>
@@ -5406,7 +7705,7 @@
     </p:spTree>
     <p:extLst>
       <p:ext uri="{BB962C8B-B14F-4D97-AF65-F5344CB8AC3E}">
-        <p14:creationId xmlns:p14="http://schemas.microsoft.com/office/powerpoint/2010/main" val="2727151737"/>
+        <p14:creationId xmlns:p14="http://schemas.microsoft.com/office/powerpoint/2010/main" val="3081243603"/>
       </p:ext>
     </p:extLst>
   </p:cSld>
@@ -5459,12 +7758,12 @@
               <a:t>"Implement </a:t>
             </a:r>
             <a:r>
-              <a:rPr lang="en-GB" dirty="0" err="1"/>
-              <a:t>Schematron</a:t>
-            </a:r>
-            <a:r>
-              <a:rPr lang="en-GB" dirty="0"/>
-              <a:t> in XQuery"</a:t>
+              <a:rPr lang="en-GB" i="1" dirty="0"/>
+              <a:t>natively</a:t>
+            </a:r>
+            <a:r>
+              <a:rPr lang="en-GB" dirty="0"/>
+              <a:t> [etc.]"</a:t>
             </a:r>
           </a:p>
         </p:txBody>
@@ -5488,7 +7787,7 @@
         <p:spPr/>
         <p:txBody>
           <a:bodyPr>
-            <a:normAutofit fontScale="62500" lnSpcReduction="20000"/>
+            <a:normAutofit lnSpcReduction="10000"/>
           </a:bodyPr>
           <a:lstStyle/>
           <a:p>
@@ -5496,13 +7795,88 @@
               <a:buNone/>
             </a:pPr>
             <a:r>
-              <a:rPr lang="de-DE" dirty="0">
-                <a:latin typeface="Courier New" panose="02070309020205020404" pitchFamily="49" charset="0"/>
-                <a:cs typeface="Courier New" panose="02070309020205020404" pitchFamily="49" charset="0"/>
-              </a:rPr>
-              <a:t>let $schematron := &lt;schema xmlns="http://www.ascc.net/xml/schematron"&gt;[...]</a:t>
-            </a:r>
-            <a:endParaRPr lang="en-GB" dirty="0">
+              <a:rPr lang="en-GB" sz="1800" dirty="0">
+                <a:latin typeface="Courier New" panose="02070309020205020404" pitchFamily="49" charset="0"/>
+                <a:cs typeface="Courier New" panose="02070309020205020404" pitchFamily="49" charset="0"/>
+              </a:rPr>
+              <a:t>declare namespace </a:t>
+            </a:r>
+            <a:r>
+              <a:rPr lang="en-GB" sz="1800" dirty="0" err="1">
+                <a:latin typeface="Courier New" panose="02070309020205020404" pitchFamily="49" charset="0"/>
+                <a:cs typeface="Courier New" panose="02070309020205020404" pitchFamily="49" charset="0"/>
+              </a:rPr>
+              <a:t>sch</a:t>
+            </a:r>
+            <a:r>
+              <a:rPr lang="en-GB" sz="1800" dirty="0">
+                <a:latin typeface="Courier New" panose="02070309020205020404" pitchFamily="49" charset="0"/>
+                <a:cs typeface="Courier New" panose="02070309020205020404" pitchFamily="49" charset="0"/>
+              </a:rPr>
+              <a:t> = "http://purl.oclc.org/</a:t>
+            </a:r>
+            <a:r>
+              <a:rPr lang="en-GB" sz="1800" dirty="0" err="1">
+                <a:latin typeface="Courier New" panose="02070309020205020404" pitchFamily="49" charset="0"/>
+                <a:cs typeface="Courier New" panose="02070309020205020404" pitchFamily="49" charset="0"/>
+              </a:rPr>
+              <a:t>dsdl</a:t>
+            </a:r>
+            <a:r>
+              <a:rPr lang="en-GB" sz="1800" dirty="0">
+                <a:latin typeface="Courier New" panose="02070309020205020404" pitchFamily="49" charset="0"/>
+                <a:cs typeface="Courier New" panose="02070309020205020404" pitchFamily="49" charset="0"/>
+              </a:rPr>
+              <a:t>/</a:t>
+            </a:r>
+            <a:r>
+              <a:rPr lang="en-GB" sz="1800" dirty="0" err="1">
+                <a:latin typeface="Courier New" panose="02070309020205020404" pitchFamily="49" charset="0"/>
+                <a:cs typeface="Courier New" panose="02070309020205020404" pitchFamily="49" charset="0"/>
+              </a:rPr>
+              <a:t>schematron</a:t>
+            </a:r>
+            <a:r>
+              <a:rPr lang="en-GB" sz="1800" dirty="0">
+                <a:latin typeface="Courier New" panose="02070309020205020404" pitchFamily="49" charset="0"/>
+                <a:cs typeface="Courier New" panose="02070309020205020404" pitchFamily="49" charset="0"/>
+              </a:rPr>
+              <a:t>";</a:t>
+            </a:r>
+          </a:p>
+          <a:p>
+            <a:pPr marL="0" indent="0">
+              <a:buNone/>
+            </a:pPr>
+            <a:r>
+              <a:rPr lang="en-GB" sz="1800" dirty="0">
+                <a:latin typeface="Courier New" panose="02070309020205020404" pitchFamily="49" charset="0"/>
+                <a:cs typeface="Courier New" panose="02070309020205020404" pitchFamily="49" charset="0"/>
+              </a:rPr>
+              <a:t>let $assertions := $</a:t>
+            </a:r>
+            <a:r>
+              <a:rPr lang="en-GB" sz="1800" dirty="0" err="1">
+                <a:latin typeface="Courier New" panose="02070309020205020404" pitchFamily="49" charset="0"/>
+                <a:cs typeface="Courier New" panose="02070309020205020404" pitchFamily="49" charset="0"/>
+              </a:rPr>
+              <a:t>schematron</a:t>
+            </a:r>
+            <a:r>
+              <a:rPr lang="en-GB" sz="1800" dirty="0">
+                <a:latin typeface="Courier New" panose="02070309020205020404" pitchFamily="49" charset="0"/>
+                <a:cs typeface="Courier New" panose="02070309020205020404" pitchFamily="49" charset="0"/>
+              </a:rPr>
+              <a:t>//</a:t>
+            </a:r>
+            <a:r>
+              <a:rPr lang="en-GB" sz="1800" dirty="0" err="1">
+                <a:latin typeface="Courier New" panose="02070309020205020404" pitchFamily="49" charset="0"/>
+                <a:cs typeface="Courier New" panose="02070309020205020404" pitchFamily="49" charset="0"/>
+              </a:rPr>
+              <a:t>sch:assert</a:t>
+            </a:r>
+            <a:endParaRPr lang="en-GB" sz="1800" dirty="0">
               <a:latin typeface="Courier New" panose="02070309020205020404" pitchFamily="49" charset="0"/>
               <a:cs typeface="Courier New" panose="02070309020205020404" pitchFamily="49" charset="0"/>
             </a:endParaRPr>
@@ -5512,178 +7886,150 @@
               <a:buNone/>
             </a:pPr>
             <a:r>
-              <a:rPr lang="en-GB" dirty="0">
-                <a:latin typeface="Courier New" panose="02070309020205020404" pitchFamily="49" charset="0"/>
-                <a:cs typeface="Courier New" panose="02070309020205020404" pitchFamily="49" charset="0"/>
-              </a:rPr>
-              <a:t>let $assertions := $</a:t>
-            </a:r>
-            <a:r>
-              <a:rPr lang="en-GB" dirty="0" err="1">
-                <a:latin typeface="Courier New" panose="02070309020205020404" pitchFamily="49" charset="0"/>
-                <a:cs typeface="Courier New" panose="02070309020205020404" pitchFamily="49" charset="0"/>
-              </a:rPr>
-              <a:t>schematron</a:t>
-            </a:r>
-            <a:r>
-              <a:rPr lang="en-GB" dirty="0">
-                <a:latin typeface="Courier New" panose="02070309020205020404" pitchFamily="49" charset="0"/>
-                <a:cs typeface="Courier New" panose="02070309020205020404" pitchFamily="49" charset="0"/>
-              </a:rPr>
-              <a:t>//</a:t>
-            </a:r>
-            <a:r>
-              <a:rPr lang="en-GB" dirty="0" err="1">
-                <a:latin typeface="Courier New" panose="02070309020205020404" pitchFamily="49" charset="0"/>
-                <a:cs typeface="Courier New" panose="02070309020205020404" pitchFamily="49" charset="0"/>
-              </a:rPr>
-              <a:t>sch:assert</a:t>
-            </a:r>
-            <a:endParaRPr lang="en-GB" dirty="0">
+              <a:rPr lang="en-GB" sz="1800" dirty="0">
+                <a:latin typeface="Courier New" panose="02070309020205020404" pitchFamily="49" charset="0"/>
+                <a:cs typeface="Courier New" panose="02070309020205020404" pitchFamily="49" charset="0"/>
+              </a:rPr>
+              <a:t>return (</a:t>
+            </a:r>
+          </a:p>
+          <a:p>
+            <a:pPr marL="0" indent="0">
+              <a:buNone/>
+            </a:pPr>
+            <a:r>
+              <a:rPr lang="en-GB" sz="1800" dirty="0">
+                <a:latin typeface="Courier New" panose="02070309020205020404" pitchFamily="49" charset="0"/>
+                <a:cs typeface="Courier New" panose="02070309020205020404" pitchFamily="49" charset="0"/>
+              </a:rPr>
+              <a:t>    every $assert in $assertions satisfies (</a:t>
+            </a:r>
+          </a:p>
+          <a:p>
+            <a:pPr marL="0" indent="0">
+              <a:buNone/>
+            </a:pPr>
+            <a:r>
+              <a:rPr lang="en-GB" sz="1800" dirty="0">
+                <a:latin typeface="Courier New" panose="02070309020205020404" pitchFamily="49" charset="0"/>
+                <a:cs typeface="Courier New" panose="02070309020205020404" pitchFamily="49" charset="0"/>
+              </a:rPr>
+              <a:t>      let $test := $assert/@test</a:t>
+            </a:r>
+          </a:p>
+          <a:p>
+            <a:pPr marL="0" indent="0">
+              <a:buNone/>
+            </a:pPr>
+            <a:r>
+              <a:rPr lang="en-GB" sz="1800" dirty="0">
+                <a:latin typeface="Courier New" panose="02070309020205020404" pitchFamily="49" charset="0"/>
+                <a:cs typeface="Courier New" panose="02070309020205020404" pitchFamily="49" charset="0"/>
+              </a:rPr>
+              <a:t>      return (</a:t>
+            </a:r>
+          </a:p>
+          <a:p>
+            <a:pPr marL="0" indent="0">
+              <a:buNone/>
+            </a:pPr>
+            <a:r>
+              <a:rPr lang="en-GB" sz="1800" dirty="0">
+                <a:latin typeface="Courier New" panose="02070309020205020404" pitchFamily="49" charset="0"/>
+                <a:cs typeface="Courier New" panose="02070309020205020404" pitchFamily="49" charset="0"/>
+              </a:rPr>
+              <a:t>        if (exists($assert/@role) and $assert/@role = 'warning') then</a:t>
+            </a:r>
+          </a:p>
+          <a:p>
+            <a:pPr marL="0" indent="0">
+              <a:buNone/>
+            </a:pPr>
+            <a:r>
+              <a:rPr lang="en-GB" sz="1800" dirty="0">
+                <a:latin typeface="Courier New" panose="02070309020205020404" pitchFamily="49" charset="0"/>
+                <a:cs typeface="Courier New" panose="02070309020205020404" pitchFamily="49" charset="0"/>
+              </a:rPr>
+              <a:t>          count($xml[not($test)]) </a:t>
+            </a:r>
+            <a:r>
+              <a:rPr lang="en-GB" sz="1800" dirty="0" err="1">
+                <a:latin typeface="Courier New" panose="02070309020205020404" pitchFamily="49" charset="0"/>
+                <a:cs typeface="Courier New" panose="02070309020205020404" pitchFamily="49" charset="0"/>
+              </a:rPr>
+              <a:t>eq</a:t>
+            </a:r>
+            <a:r>
+              <a:rPr lang="en-GB" sz="1800" dirty="0">
+                <a:latin typeface="Courier New" panose="02070309020205020404" pitchFamily="49" charset="0"/>
+                <a:cs typeface="Courier New" panose="02070309020205020404" pitchFamily="49" charset="0"/>
+              </a:rPr>
+              <a:t> 0</a:t>
+            </a:r>
+          </a:p>
+          <a:p>
+            <a:pPr marL="0" indent="0">
+              <a:buNone/>
+            </a:pPr>
+            <a:r>
+              <a:rPr lang="en-GB" sz="1800" dirty="0">
+                <a:latin typeface="Courier New" panose="02070309020205020404" pitchFamily="49" charset="0"/>
+                <a:cs typeface="Courier New" panose="02070309020205020404" pitchFamily="49" charset="0"/>
+              </a:rPr>
+              <a:t>        else</a:t>
+            </a:r>
+          </a:p>
+          <a:p>
+            <a:pPr marL="0" indent="0">
+              <a:buNone/>
+            </a:pPr>
+            <a:r>
+              <a:rPr lang="en-GB" sz="1800" dirty="0">
+                <a:latin typeface="Courier New" panose="02070309020205020404" pitchFamily="49" charset="0"/>
+                <a:cs typeface="Courier New" panose="02070309020205020404" pitchFamily="49" charset="0"/>
+              </a:rPr>
+              <a:t>          exists($xml[$test])</a:t>
+            </a:r>
+          </a:p>
+          <a:p>
+            <a:pPr marL="0" indent="0">
+              <a:buNone/>
+            </a:pPr>
+            <a:r>
+              <a:rPr lang="en-GB" sz="1800" dirty="0">
+                <a:latin typeface="Courier New" panose="02070309020205020404" pitchFamily="49" charset="0"/>
+                <a:cs typeface="Courier New" panose="02070309020205020404" pitchFamily="49" charset="0"/>
+              </a:rPr>
+              <a:t>      )</a:t>
+            </a:r>
+          </a:p>
+          <a:p>
+            <a:pPr marL="0" indent="0">
+              <a:buNone/>
+            </a:pPr>
+            <a:r>
+              <a:rPr lang="en-GB" sz="1800" dirty="0">
+                <a:latin typeface="Courier New" panose="02070309020205020404" pitchFamily="49" charset="0"/>
+                <a:cs typeface="Courier New" panose="02070309020205020404" pitchFamily="49" charset="0"/>
+              </a:rPr>
+              <a:t>    )</a:t>
+            </a:r>
+          </a:p>
+          <a:p>
+            <a:pPr marL="0" indent="0">
+              <a:buNone/>
+            </a:pPr>
+            <a:endParaRPr lang="en-GB" sz="1800" dirty="0">
               <a:latin typeface="Courier New" panose="02070309020205020404" pitchFamily="49" charset="0"/>
               <a:cs typeface="Courier New" panose="02070309020205020404" pitchFamily="49" charset="0"/>
             </a:endParaRPr>
           </a:p>
-          <a:p>
-            <a:pPr marL="0" indent="0">
-              <a:buNone/>
-            </a:pPr>
-            <a:r>
-              <a:rPr lang="en-GB" dirty="0">
-                <a:latin typeface="Courier New" panose="02070309020205020404" pitchFamily="49" charset="0"/>
-                <a:cs typeface="Courier New" panose="02070309020205020404" pitchFamily="49" charset="0"/>
-              </a:rPr>
-              <a:t>return (</a:t>
-            </a:r>
-          </a:p>
-          <a:p>
-            <a:pPr marL="0" indent="0">
-              <a:buNone/>
-            </a:pPr>
-            <a:r>
-              <a:rPr lang="en-GB" dirty="0">
-                <a:latin typeface="Courier New" panose="02070309020205020404" pitchFamily="49" charset="0"/>
-                <a:cs typeface="Courier New" panose="02070309020205020404" pitchFamily="49" charset="0"/>
-              </a:rPr>
-              <a:t>    every $assert in $assertions satisfies (</a:t>
-            </a:r>
-          </a:p>
-          <a:p>
-            <a:pPr marL="0" indent="0">
-              <a:buNone/>
-            </a:pPr>
-            <a:r>
-              <a:rPr lang="en-GB" dirty="0">
-                <a:latin typeface="Courier New" panose="02070309020205020404" pitchFamily="49" charset="0"/>
-                <a:cs typeface="Courier New" panose="02070309020205020404" pitchFamily="49" charset="0"/>
-              </a:rPr>
-              <a:t>      let $test := $assert/@test</a:t>
-            </a:r>
-          </a:p>
-          <a:p>
-            <a:pPr marL="0" indent="0">
-              <a:buNone/>
-            </a:pPr>
-            <a:r>
-              <a:rPr lang="en-GB" dirty="0">
-                <a:latin typeface="Courier New" panose="02070309020205020404" pitchFamily="49" charset="0"/>
-                <a:cs typeface="Courier New" panose="02070309020205020404" pitchFamily="49" charset="0"/>
-              </a:rPr>
-              <a:t>      return (</a:t>
-            </a:r>
-          </a:p>
-          <a:p>
-            <a:pPr marL="0" indent="0">
-              <a:buNone/>
-            </a:pPr>
-            <a:r>
-              <a:rPr lang="en-GB" dirty="0">
-                <a:latin typeface="Courier New" panose="02070309020205020404" pitchFamily="49" charset="0"/>
-                <a:cs typeface="Courier New" panose="02070309020205020404" pitchFamily="49" charset="0"/>
-              </a:rPr>
-              <a:t>        if (exists($assert/@role) and $assert/@role = 'warning') then</a:t>
-            </a:r>
-          </a:p>
-          <a:p>
-            <a:pPr marL="0" indent="0">
-              <a:buNone/>
-            </a:pPr>
-            <a:r>
-              <a:rPr lang="en-GB" dirty="0">
-                <a:latin typeface="Courier New" panose="02070309020205020404" pitchFamily="49" charset="0"/>
-                <a:cs typeface="Courier New" panose="02070309020205020404" pitchFamily="49" charset="0"/>
-              </a:rPr>
-              <a:t>          count($xml[not($test)]) </a:t>
-            </a:r>
-            <a:r>
-              <a:rPr lang="en-GB" dirty="0" err="1">
-                <a:latin typeface="Courier New" panose="02070309020205020404" pitchFamily="49" charset="0"/>
-                <a:cs typeface="Courier New" panose="02070309020205020404" pitchFamily="49" charset="0"/>
-              </a:rPr>
-              <a:t>eq</a:t>
-            </a:r>
-            <a:r>
-              <a:rPr lang="en-GB" dirty="0">
-                <a:latin typeface="Courier New" panose="02070309020205020404" pitchFamily="49" charset="0"/>
-                <a:cs typeface="Courier New" panose="02070309020205020404" pitchFamily="49" charset="0"/>
-              </a:rPr>
-              <a:t> 0</a:t>
-            </a:r>
-          </a:p>
-          <a:p>
-            <a:pPr marL="0" indent="0">
-              <a:buNone/>
-            </a:pPr>
-            <a:r>
-              <a:rPr lang="en-GB" dirty="0">
-                <a:latin typeface="Courier New" panose="02070309020205020404" pitchFamily="49" charset="0"/>
-                <a:cs typeface="Courier New" panose="02070309020205020404" pitchFamily="49" charset="0"/>
-              </a:rPr>
-              <a:t>        else</a:t>
-            </a:r>
-          </a:p>
-          <a:p>
-            <a:pPr marL="0" indent="0">
-              <a:buNone/>
-            </a:pPr>
-            <a:r>
-              <a:rPr lang="en-GB" dirty="0">
-                <a:latin typeface="Courier New" panose="02070309020205020404" pitchFamily="49" charset="0"/>
-                <a:cs typeface="Courier New" panose="02070309020205020404" pitchFamily="49" charset="0"/>
-              </a:rPr>
-              <a:t>          exists($xml[$test])</a:t>
-            </a:r>
-          </a:p>
-          <a:p>
-            <a:pPr marL="0" indent="0">
-              <a:buNone/>
-            </a:pPr>
-            <a:r>
-              <a:rPr lang="en-GB" dirty="0">
-                <a:latin typeface="Courier New" panose="02070309020205020404" pitchFamily="49" charset="0"/>
-                <a:cs typeface="Courier New" panose="02070309020205020404" pitchFamily="49" charset="0"/>
-              </a:rPr>
-              <a:t>      )</a:t>
-            </a:r>
-          </a:p>
-          <a:p>
-            <a:pPr marL="0" indent="0">
-              <a:buNone/>
-            </a:pPr>
-            <a:r>
-              <a:rPr lang="en-GB" dirty="0">
-                <a:latin typeface="Courier New" panose="02070309020205020404" pitchFamily="49" charset="0"/>
-                <a:cs typeface="Courier New" panose="02070309020205020404" pitchFamily="49" charset="0"/>
-              </a:rPr>
-              <a:t>    )</a:t>
-            </a:r>
-          </a:p>
         </p:txBody>
       </p:sp>
     </p:spTree>
     <p:extLst>
       <p:ext uri="{BB962C8B-B14F-4D97-AF65-F5344CB8AC3E}">
-        <p14:creationId xmlns:p14="http://schemas.microsoft.com/office/powerpoint/2010/main" val="3287669211"/>
+        <p14:creationId xmlns:p14="http://schemas.microsoft.com/office/powerpoint/2010/main" val="2640866411"/>
       </p:ext>
     </p:extLst>
   </p:cSld>
@@ -5733,31 +8079,7 @@
           <a:p>
             <a:r>
               <a:rPr lang="en-GB" dirty="0"/>
-              <a:t>“Implement </a:t>
-            </a:r>
-            <a:r>
-              <a:rPr lang="en-GB" b="1" dirty="0"/>
-              <a:t>ISO</a:t>
-            </a:r>
-            <a:r>
-              <a:rPr lang="en-GB" dirty="0"/>
-              <a:t> </a:t>
-            </a:r>
-            <a:r>
-              <a:rPr lang="en-GB" dirty="0" err="1"/>
-              <a:t>Schematron</a:t>
-            </a:r>
-            <a:r>
-              <a:rPr lang="en-GB" dirty="0"/>
-              <a:t> in XQuery </a:t>
-            </a:r>
-            <a:r>
-              <a:rPr lang="en-GB" b="1" dirty="0"/>
-              <a:t>3.1</a:t>
-            </a:r>
-            <a:r>
-              <a:rPr lang="en-GB" dirty="0"/>
-              <a:t>"</a:t>
+              <a:t>“Now include an SVRL report"</a:t>
             </a:r>
           </a:p>
         </p:txBody>
@@ -5781,7 +8103,7 @@
         <p:spPr/>
         <p:txBody>
           <a:bodyPr>
-            <a:normAutofit/>
+            <a:normAutofit fontScale="92500" lnSpcReduction="10000"/>
           </a:bodyPr>
           <a:lstStyle/>
           <a:p>
@@ -5793,63 +8115,168 @@
                 <a:latin typeface="Courier New" panose="02070309020205020404" pitchFamily="49" charset="0"/>
                 <a:cs typeface="Courier New" panose="02070309020205020404" pitchFamily="49" charset="0"/>
               </a:rPr>
-              <a:t>declare namespace </a:t>
+              <a:t>for $assert in $assertions return</a:t>
+            </a:r>
+          </a:p>
+          <a:p>
+            <a:pPr marL="0" indent="0">
+              <a:buNone/>
+            </a:pPr>
+            <a:r>
+              <a:rPr lang="en-GB" sz="1800" dirty="0">
+                <a:latin typeface="Courier New" panose="02070309020205020404" pitchFamily="49" charset="0"/>
+                <a:cs typeface="Courier New" panose="02070309020205020404" pitchFamily="49" charset="0"/>
+              </a:rPr>
+              <a:t>        if (exists($assert/@role) and $assert/@role = 'warning') then</a:t>
+            </a:r>
+          </a:p>
+          <a:p>
+            <a:pPr marL="0" indent="0">
+              <a:buNone/>
+            </a:pPr>
+            <a:r>
+              <a:rPr lang="en-GB" sz="1800" dirty="0">
+                <a:latin typeface="Courier New" panose="02070309020205020404" pitchFamily="49" charset="0"/>
+                <a:cs typeface="Courier New" panose="02070309020205020404" pitchFamily="49" charset="0"/>
+              </a:rPr>
+              <a:t>          if (count($xml[not($assert/@test)]) </a:t>
             </a:r>
             <a:r>
               <a:rPr lang="en-GB" sz="1800" dirty="0" err="1">
                 <a:latin typeface="Courier New" panose="02070309020205020404" pitchFamily="49" charset="0"/>
                 <a:cs typeface="Courier New" panose="02070309020205020404" pitchFamily="49" charset="0"/>
               </a:rPr>
-              <a:t>sch</a:t>
+              <a:t>eq</a:t>
             </a:r>
             <a:r>
               <a:rPr lang="en-GB" sz="1800" dirty="0">
                 <a:latin typeface="Courier New" panose="02070309020205020404" pitchFamily="49" charset="0"/>
                 <a:cs typeface="Courier New" panose="02070309020205020404" pitchFamily="49" charset="0"/>
               </a:rPr>
-              <a:t> = </a:t>
+              <a:t> 0) then ()</a:t>
+            </a:r>
+          </a:p>
+          <a:p>
+            <a:pPr marL="0" indent="0">
+              <a:buNone/>
+            </a:pPr>
+            <a:r>
+              <a:rPr lang="en-GB" sz="1800" dirty="0">
+                <a:latin typeface="Courier New" panose="02070309020205020404" pitchFamily="49" charset="0"/>
+                <a:cs typeface="Courier New" panose="02070309020205020404" pitchFamily="49" charset="0"/>
+              </a:rPr>
+              <a:t>          else</a:t>
+            </a:r>
+          </a:p>
+          <a:p>
+            <a:pPr marL="0" indent="0">
+              <a:buNone/>
+            </a:pPr>
+            <a:r>
+              <a:rPr lang="en-GB" sz="1800" dirty="0">
+                <a:latin typeface="Courier New" panose="02070309020205020404" pitchFamily="49" charset="0"/>
+                <a:cs typeface="Courier New" panose="02070309020205020404" pitchFamily="49" charset="0"/>
+              </a:rPr>
+              <a:t>            </a:t>
             </a:r>
             <a:r>
               <a:rPr lang="en-GB" sz="1800" b="1" dirty="0">
                 <a:latin typeface="Courier New" panose="02070309020205020404" pitchFamily="49" charset="0"/>
                 <a:cs typeface="Courier New" panose="02070309020205020404" pitchFamily="49" charset="0"/>
               </a:rPr>
-              <a:t>"http://purl.oclc.org/</a:t>
+              <a:t>&lt;</a:t>
             </a:r>
             <a:r>
               <a:rPr lang="en-GB" sz="1800" b="1" dirty="0" err="1">
                 <a:latin typeface="Courier New" panose="02070309020205020404" pitchFamily="49" charset="0"/>
                 <a:cs typeface="Courier New" panose="02070309020205020404" pitchFamily="49" charset="0"/>
               </a:rPr>
-              <a:t>dsdl</a:t>
+              <a:t>svrl:failed-assert</a:t>
             </a:r>
             <a:r>
               <a:rPr lang="en-GB" sz="1800" b="1" dirty="0">
                 <a:latin typeface="Courier New" panose="02070309020205020404" pitchFamily="49" charset="0"/>
                 <a:cs typeface="Courier New" panose="02070309020205020404" pitchFamily="49" charset="0"/>
               </a:rPr>
-              <a:t>/</a:t>
+              <a:t> test="{$assert/@test}" role="warning"&gt;</a:t>
+            </a:r>
+          </a:p>
+          <a:p>
+            <a:pPr marL="0" indent="0">
+              <a:buNone/>
+            </a:pPr>
+            <a:r>
+              <a:rPr lang="en-GB" sz="1800" b="1" dirty="0">
+                <a:latin typeface="Courier New" panose="02070309020205020404" pitchFamily="49" charset="0"/>
+                <a:cs typeface="Courier New" panose="02070309020205020404" pitchFamily="49" charset="0"/>
+              </a:rPr>
+              <a:t>              &lt;</a:t>
             </a:r>
             <a:r>
               <a:rPr lang="en-GB" sz="1800" b="1" dirty="0" err="1">
                 <a:latin typeface="Courier New" panose="02070309020205020404" pitchFamily="49" charset="0"/>
                 <a:cs typeface="Courier New" panose="02070309020205020404" pitchFamily="49" charset="0"/>
               </a:rPr>
-              <a:t>schematron</a:t>
+              <a:t>svrl:text</a:t>
             </a:r>
             <a:r>
               <a:rPr lang="en-GB" sz="1800" b="1" dirty="0">
                 <a:latin typeface="Courier New" panose="02070309020205020404" pitchFamily="49" charset="0"/>
                 <a:cs typeface="Courier New" panose="02070309020205020404" pitchFamily="49" charset="0"/>
               </a:rPr>
-              <a:t>"</a:t>
-            </a:r>
+              <a:t>&gt;{data($assert)}&lt;/</a:t>
+            </a:r>
+            <a:r>
+              <a:rPr lang="en-GB" sz="1800" b="1" dirty="0" err="1">
+                <a:latin typeface="Courier New" panose="02070309020205020404" pitchFamily="49" charset="0"/>
+                <a:cs typeface="Courier New" panose="02070309020205020404" pitchFamily="49" charset="0"/>
+              </a:rPr>
+              <a:t>svrl:text</a:t>
+            </a:r>
+            <a:r>
+              <a:rPr lang="en-GB" sz="1800" b="1" dirty="0">
+                <a:latin typeface="Courier New" panose="02070309020205020404" pitchFamily="49" charset="0"/>
+                <a:cs typeface="Courier New" panose="02070309020205020404" pitchFamily="49" charset="0"/>
+              </a:rPr>
+              <a:t>&gt;</a:t>
+            </a:r>
+          </a:p>
+          <a:p>
+            <a:pPr marL="0" indent="0">
+              <a:buNone/>
+            </a:pPr>
+            <a:r>
+              <a:rPr lang="en-GB" sz="1800" b="1" dirty="0">
+                <a:latin typeface="Courier New" panose="02070309020205020404" pitchFamily="49" charset="0"/>
+                <a:cs typeface="Courier New" panose="02070309020205020404" pitchFamily="49" charset="0"/>
+              </a:rPr>
+              <a:t>            &lt;/</a:t>
+            </a:r>
+            <a:r>
+              <a:rPr lang="en-GB" sz="1800" b="1" dirty="0" err="1">
+                <a:latin typeface="Courier New" panose="02070309020205020404" pitchFamily="49" charset="0"/>
+                <a:cs typeface="Courier New" panose="02070309020205020404" pitchFamily="49" charset="0"/>
+              </a:rPr>
+              <a:t>svrl:failed-assert</a:t>
+            </a:r>
+            <a:r>
+              <a:rPr lang="en-GB" sz="1800" b="1" dirty="0">
+                <a:latin typeface="Courier New" panose="02070309020205020404" pitchFamily="49" charset="0"/>
+                <a:cs typeface="Courier New" panose="02070309020205020404" pitchFamily="49" charset="0"/>
+              </a:rPr>
+              <a:t>&gt;</a:t>
+            </a:r>
+          </a:p>
+          <a:p>
+            <a:pPr marL="0" indent="0">
+              <a:buNone/>
+            </a:pPr>
             <a:r>
               <a:rPr lang="en-GB" sz="1800" dirty="0">
                 <a:latin typeface="Courier New" panose="02070309020205020404" pitchFamily="49" charset="0"/>
                 <a:cs typeface="Courier New" panose="02070309020205020404" pitchFamily="49" charset="0"/>
               </a:rPr>
-              <a:t>;</a:t>
+              <a:t>        else</a:t>
             </a:r>
           </a:p>
           <a:p>
@@ -5861,49 +8288,52 @@
                 <a:latin typeface="Courier New" panose="02070309020205020404" pitchFamily="49" charset="0"/>
                 <a:cs typeface="Courier New" panose="02070309020205020404" pitchFamily="49" charset="0"/>
               </a:rPr>
-              <a:t>declare function </a:t>
-            </a:r>
-            <a:r>
-              <a:rPr lang="en-GB" sz="1800" dirty="0" err="1">
-                <a:latin typeface="Courier New" panose="02070309020205020404" pitchFamily="49" charset="0"/>
-                <a:cs typeface="Courier New" panose="02070309020205020404" pitchFamily="49" charset="0"/>
-              </a:rPr>
-              <a:t>local:schematron</a:t>
-            </a:r>
+              <a:t>          if (exists($xml[$assert/@test])) then ()</a:t>
+            </a:r>
+          </a:p>
+          <a:p>
+            <a:pPr marL="0" indent="0">
+              <a:buNone/>
+            </a:pPr>
             <a:r>
               <a:rPr lang="en-GB" sz="1800" dirty="0">
                 <a:latin typeface="Courier New" panose="02070309020205020404" pitchFamily="49" charset="0"/>
                 <a:cs typeface="Courier New" panose="02070309020205020404" pitchFamily="49" charset="0"/>
               </a:rPr>
-              <a:t>($xml as node(), $</a:t>
-            </a:r>
-            <a:r>
-              <a:rPr lang="en-GB" sz="1800" dirty="0" err="1">
-                <a:latin typeface="Courier New" panose="02070309020205020404" pitchFamily="49" charset="0"/>
-                <a:cs typeface="Courier New" panose="02070309020205020404" pitchFamily="49" charset="0"/>
-              </a:rPr>
-              <a:t>schematron</a:t>
-            </a:r>
+              <a:t>          else</a:t>
+            </a:r>
+          </a:p>
+          <a:p>
+            <a:pPr marL="0" indent="0">
+              <a:buNone/>
+            </a:pPr>
             <a:r>
               <a:rPr lang="en-GB" sz="1800" dirty="0">
                 <a:latin typeface="Courier New" panose="02070309020205020404" pitchFamily="49" charset="0"/>
                 <a:cs typeface="Courier New" panose="02070309020205020404" pitchFamily="49" charset="0"/>
               </a:rPr>
-              <a:t> as node()) as </a:t>
-            </a:r>
-            <a:r>
-              <a:rPr lang="en-GB" sz="1800" dirty="0" err="1">
-                <a:latin typeface="Courier New" panose="02070309020205020404" pitchFamily="49" charset="0"/>
-                <a:cs typeface="Courier New" panose="02070309020205020404" pitchFamily="49" charset="0"/>
-              </a:rPr>
-              <a:t>xs:boolean</a:t>
-            </a:r>
-            <a:r>
-              <a:rPr lang="en-GB" sz="1800" dirty="0">
-                <a:latin typeface="Courier New" panose="02070309020205020404" pitchFamily="49" charset="0"/>
-                <a:cs typeface="Courier New" panose="02070309020205020404" pitchFamily="49" charset="0"/>
-              </a:rPr>
-              <a:t> {</a:t>
+              <a:t>            </a:t>
+            </a:r>
+            <a:r>
+              <a:rPr lang="en-GB" sz="1800" b="1" dirty="0">
+                <a:latin typeface="Courier New" panose="02070309020205020404" pitchFamily="49" charset="0"/>
+                <a:cs typeface="Courier New" panose="02070309020205020404" pitchFamily="49" charset="0"/>
+              </a:rPr>
+              <a:t>&lt;</a:t>
+            </a:r>
+            <a:r>
+              <a:rPr lang="en-GB" sz="1800" b="1" dirty="0" err="1">
+                <a:latin typeface="Courier New" panose="02070309020205020404" pitchFamily="49" charset="0"/>
+                <a:cs typeface="Courier New" panose="02070309020205020404" pitchFamily="49" charset="0"/>
+              </a:rPr>
+              <a:t>svrl:failed-assert</a:t>
+            </a:r>
+            <a:r>
+              <a:rPr lang="en-GB" sz="1800" b="1" dirty="0">
+                <a:latin typeface="Courier New" panose="02070309020205020404" pitchFamily="49" charset="0"/>
+                <a:cs typeface="Courier New" panose="02070309020205020404" pitchFamily="49" charset="0"/>
+              </a:rPr>
+              <a:t> test="{$assert/@test}"&gt;</a:t>
             </a:r>
           </a:p>
           <a:p>
@@ -5911,295 +8341,82 @@
               <a:buNone/>
             </a:pPr>
             <a:r>
-              <a:rPr lang="en-GB" sz="1800" dirty="0">
-                <a:latin typeface="Courier New" panose="02070309020205020404" pitchFamily="49" charset="0"/>
-                <a:cs typeface="Courier New" panose="02070309020205020404" pitchFamily="49" charset="0"/>
-              </a:rPr>
-              <a:t>  let $</a:t>
-            </a:r>
-            <a:r>
-              <a:rPr lang="en-GB" sz="1800" dirty="0" err="1">
-                <a:latin typeface="Courier New" panose="02070309020205020404" pitchFamily="49" charset="0"/>
-                <a:cs typeface="Courier New" panose="02070309020205020404" pitchFamily="49" charset="0"/>
-              </a:rPr>
-              <a:t>schematronXSLT</a:t>
-            </a:r>
-            <a:r>
-              <a:rPr lang="en-GB" sz="1800" dirty="0">
-                <a:latin typeface="Courier New" panose="02070309020205020404" pitchFamily="49" charset="0"/>
-                <a:cs typeface="Courier New" panose="02070309020205020404" pitchFamily="49" charset="0"/>
-              </a:rPr>
-              <a:t> := </a:t>
-            </a:r>
-            <a:r>
               <a:rPr lang="en-GB" sz="1800" b="1" dirty="0">
                 <a:latin typeface="Courier New" panose="02070309020205020404" pitchFamily="49" charset="0"/>
                 <a:cs typeface="Courier New" panose="02070309020205020404" pitchFamily="49" charset="0"/>
               </a:rPr>
-              <a:t>$</a:t>
+              <a:t>              &lt;</a:t>
             </a:r>
             <a:r>
               <a:rPr lang="en-GB" sz="1800" b="1" dirty="0" err="1">
                 <a:latin typeface="Courier New" panose="02070309020205020404" pitchFamily="49" charset="0"/>
                 <a:cs typeface="Courier New" panose="02070309020205020404" pitchFamily="49" charset="0"/>
               </a:rPr>
-              <a:t>schematron</a:t>
+              <a:t>svrl:text</a:t>
             </a:r>
             <a:r>
               <a:rPr lang="en-GB" sz="1800" b="1" dirty="0">
                 <a:latin typeface="Courier New" panose="02070309020205020404" pitchFamily="49" charset="0"/>
                 <a:cs typeface="Courier New" panose="02070309020205020404" pitchFamily="49" charset="0"/>
               </a:rPr>
-              <a:t>/</a:t>
+              <a:t>&gt;{data($assert)}&lt;/</a:t>
             </a:r>
             <a:r>
               <a:rPr lang="en-GB" sz="1800" b="1" dirty="0" err="1">
                 <a:latin typeface="Courier New" panose="02070309020205020404" pitchFamily="49" charset="0"/>
                 <a:cs typeface="Courier New" panose="02070309020205020404" pitchFamily="49" charset="0"/>
               </a:rPr>
-              <a:t>sch:schema</a:t>
+              <a:t>svrl:text</a:t>
             </a:r>
             <a:r>
               <a:rPr lang="en-GB" sz="1800" b="1" dirty="0">
                 <a:latin typeface="Courier New" panose="02070309020205020404" pitchFamily="49" charset="0"/>
                 <a:cs typeface="Courier New" panose="02070309020205020404" pitchFamily="49" charset="0"/>
               </a:rPr>
-              <a:t>/</a:t>
+              <a:t>&gt;</a:t>
+            </a:r>
+          </a:p>
+          <a:p>
+            <a:pPr marL="0" indent="0">
+              <a:buNone/>
+            </a:pPr>
+            <a:r>
+              <a:rPr lang="en-GB" sz="1800" b="1" dirty="0">
+                <a:latin typeface="Courier New" panose="02070309020205020404" pitchFamily="49" charset="0"/>
+                <a:cs typeface="Courier New" panose="02070309020205020404" pitchFamily="49" charset="0"/>
+              </a:rPr>
+              <a:t>            &lt;/</a:t>
             </a:r>
             <a:r>
               <a:rPr lang="en-GB" sz="1800" b="1" dirty="0" err="1">
                 <a:latin typeface="Courier New" panose="02070309020205020404" pitchFamily="49" charset="0"/>
                 <a:cs typeface="Courier New" panose="02070309020205020404" pitchFamily="49" charset="0"/>
               </a:rPr>
-              <a:t>xsl:stylesheet</a:t>
-            </a:r>
-            <a:endParaRPr lang="en-GB" sz="1800" b="1" dirty="0">
-              <a:latin typeface="Courier New" panose="02070309020205020404" pitchFamily="49" charset="0"/>
-              <a:cs typeface="Courier New" panose="02070309020205020404" pitchFamily="49" charset="0"/>
-            </a:endParaRPr>
+              <a:t>svrl:failed-assert</a:t>
+            </a:r>
+            <a:r>
+              <a:rPr lang="en-GB" sz="1800" b="1" dirty="0">
+                <a:latin typeface="Courier New" panose="02070309020205020404" pitchFamily="49" charset="0"/>
+                <a:cs typeface="Courier New" panose="02070309020205020404" pitchFamily="49" charset="0"/>
+              </a:rPr>
+              <a:t>&gt;</a:t>
+            </a:r>
           </a:p>
           <a:p>
             <a:pPr marL="0" indent="0">
               <a:buNone/>
             </a:pPr>
-            <a:r>
-              <a:rPr lang="en-GB" sz="1800" dirty="0">
-                <a:latin typeface="Courier New" panose="02070309020205020404" pitchFamily="49" charset="0"/>
-                <a:cs typeface="Courier New" panose="02070309020205020404" pitchFamily="49" charset="0"/>
-              </a:rPr>
-              <a:t>  let $assertions := $</a:t>
-            </a:r>
-            <a:r>
-              <a:rPr lang="en-GB" sz="1800" dirty="0" err="1">
-                <a:latin typeface="Courier New" panose="02070309020205020404" pitchFamily="49" charset="0"/>
-                <a:cs typeface="Courier New" panose="02070309020205020404" pitchFamily="49" charset="0"/>
-              </a:rPr>
-              <a:t>schematronXSLT</a:t>
-            </a:r>
-            <a:r>
-              <a:rPr lang="en-GB" sz="1800" dirty="0">
-                <a:latin typeface="Courier New" panose="02070309020205020404" pitchFamily="49" charset="0"/>
-                <a:cs typeface="Courier New" panose="02070309020205020404" pitchFamily="49" charset="0"/>
-              </a:rPr>
-              <a:t>/</a:t>
-            </a:r>
-            <a:r>
-              <a:rPr lang="en-GB" sz="1800" dirty="0" err="1">
-                <a:latin typeface="Courier New" panose="02070309020205020404" pitchFamily="49" charset="0"/>
-                <a:cs typeface="Courier New" panose="02070309020205020404" pitchFamily="49" charset="0"/>
-              </a:rPr>
-              <a:t>sch:pattern</a:t>
-            </a:r>
-            <a:r>
-              <a:rPr lang="en-GB" sz="1800" dirty="0">
-                <a:latin typeface="Courier New" panose="02070309020205020404" pitchFamily="49" charset="0"/>
-                <a:cs typeface="Courier New" panose="02070309020205020404" pitchFamily="49" charset="0"/>
-              </a:rPr>
-              <a:t>/</a:t>
-            </a:r>
-            <a:r>
-              <a:rPr lang="en-GB" sz="1800" dirty="0" err="1">
-                <a:latin typeface="Courier New" panose="02070309020205020404" pitchFamily="49" charset="0"/>
-                <a:cs typeface="Courier New" panose="02070309020205020404" pitchFamily="49" charset="0"/>
-              </a:rPr>
-              <a:t>sch:rule</a:t>
-            </a:r>
-            <a:r>
-              <a:rPr lang="en-GB" sz="1800" dirty="0">
-                <a:latin typeface="Courier New" panose="02070309020205020404" pitchFamily="49" charset="0"/>
-                <a:cs typeface="Courier New" panose="02070309020205020404" pitchFamily="49" charset="0"/>
-              </a:rPr>
-              <a:t>/</a:t>
-            </a:r>
-            <a:r>
-              <a:rPr lang="en-GB" sz="1800" dirty="0" err="1">
-                <a:latin typeface="Courier New" panose="02070309020205020404" pitchFamily="49" charset="0"/>
-                <a:cs typeface="Courier New" panose="02070309020205020404" pitchFamily="49" charset="0"/>
-              </a:rPr>
-              <a:t>sch:assert</a:t>
-            </a:r>
             <a:endParaRPr lang="en-GB" sz="1800" dirty="0">
               <a:latin typeface="Courier New" panose="02070309020205020404" pitchFamily="49" charset="0"/>
               <a:cs typeface="Courier New" panose="02070309020205020404" pitchFamily="49" charset="0"/>
             </a:endParaRPr>
           </a:p>
-          <a:p>
-            <a:pPr marL="0" indent="0">
-              <a:buNone/>
-            </a:pPr>
-            <a:r>
-              <a:rPr lang="en-GB" sz="1800" dirty="0">
-                <a:latin typeface="Courier New" panose="02070309020205020404" pitchFamily="49" charset="0"/>
-                <a:cs typeface="Courier New" panose="02070309020205020404" pitchFamily="49" charset="0"/>
-              </a:rPr>
-              <a:t>  let $reports := $</a:t>
-            </a:r>
-            <a:r>
-              <a:rPr lang="en-GB" sz="1800" dirty="0" err="1">
-                <a:latin typeface="Courier New" panose="02070309020205020404" pitchFamily="49" charset="0"/>
-                <a:cs typeface="Courier New" panose="02070309020205020404" pitchFamily="49" charset="0"/>
-              </a:rPr>
-              <a:t>schematronXSLT</a:t>
-            </a:r>
-            <a:r>
-              <a:rPr lang="en-GB" sz="1800" dirty="0">
-                <a:latin typeface="Courier New" panose="02070309020205020404" pitchFamily="49" charset="0"/>
-                <a:cs typeface="Courier New" panose="02070309020205020404" pitchFamily="49" charset="0"/>
-              </a:rPr>
-              <a:t>/</a:t>
-            </a:r>
-            <a:r>
-              <a:rPr lang="en-GB" sz="1800" dirty="0" err="1">
-                <a:latin typeface="Courier New" panose="02070309020205020404" pitchFamily="49" charset="0"/>
-                <a:cs typeface="Courier New" panose="02070309020205020404" pitchFamily="49" charset="0"/>
-              </a:rPr>
-              <a:t>sch:pattern</a:t>
-            </a:r>
-            <a:r>
-              <a:rPr lang="en-GB" sz="1800" dirty="0">
-                <a:latin typeface="Courier New" panose="02070309020205020404" pitchFamily="49" charset="0"/>
-                <a:cs typeface="Courier New" panose="02070309020205020404" pitchFamily="49" charset="0"/>
-              </a:rPr>
-              <a:t>/</a:t>
-            </a:r>
-            <a:r>
-              <a:rPr lang="en-GB" sz="1800" dirty="0" err="1">
-                <a:latin typeface="Courier New" panose="02070309020205020404" pitchFamily="49" charset="0"/>
-                <a:cs typeface="Courier New" panose="02070309020205020404" pitchFamily="49" charset="0"/>
-              </a:rPr>
-              <a:t>sch:rule</a:t>
-            </a:r>
-            <a:r>
-              <a:rPr lang="en-GB" sz="1800" dirty="0">
-                <a:latin typeface="Courier New" panose="02070309020205020404" pitchFamily="49" charset="0"/>
-                <a:cs typeface="Courier New" panose="02070309020205020404" pitchFamily="49" charset="0"/>
-              </a:rPr>
-              <a:t>/</a:t>
-            </a:r>
-            <a:r>
-              <a:rPr lang="en-GB" sz="1800" dirty="0" err="1">
-                <a:latin typeface="Courier New" panose="02070309020205020404" pitchFamily="49" charset="0"/>
-                <a:cs typeface="Courier New" panose="02070309020205020404" pitchFamily="49" charset="0"/>
-              </a:rPr>
-              <a:t>sch:report</a:t>
-            </a:r>
-            <a:endParaRPr lang="en-GB" sz="1800" dirty="0">
-              <a:latin typeface="Courier New" panose="02070309020205020404" pitchFamily="49" charset="0"/>
-              <a:cs typeface="Courier New" panose="02070309020205020404" pitchFamily="49" charset="0"/>
-            </a:endParaRPr>
-          </a:p>
-          <a:p>
-            <a:pPr marL="0" indent="0">
-              <a:buNone/>
-            </a:pPr>
-            <a:r>
-              <a:rPr lang="en-GB" sz="1800" dirty="0">
-                <a:latin typeface="Courier New" panose="02070309020205020404" pitchFamily="49" charset="0"/>
-                <a:cs typeface="Courier New" panose="02070309020205020404" pitchFamily="49" charset="0"/>
-              </a:rPr>
-              <a:t>  let $transformed := transform(</a:t>
-            </a:r>
-          </a:p>
-          <a:p>
-            <a:pPr marL="0" indent="0">
-              <a:buNone/>
-            </a:pPr>
-            <a:r>
-              <a:rPr lang="en-GB" sz="1800" dirty="0">
-                <a:latin typeface="Courier New" panose="02070309020205020404" pitchFamily="49" charset="0"/>
-                <a:cs typeface="Courier New" panose="02070309020205020404" pitchFamily="49" charset="0"/>
-              </a:rPr>
-              <a:t>    $xml,</a:t>
-            </a:r>
-          </a:p>
-          <a:p>
-            <a:pPr marL="0" indent="0">
-              <a:buNone/>
-            </a:pPr>
-            <a:r>
-              <a:rPr lang="en-GB" sz="1800" dirty="0">
-                <a:latin typeface="Courier New" panose="02070309020205020404" pitchFamily="49" charset="0"/>
-                <a:cs typeface="Courier New" panose="02070309020205020404" pitchFamily="49" charset="0"/>
-              </a:rPr>
-              <a:t>    $</a:t>
-            </a:r>
-            <a:r>
-              <a:rPr lang="en-GB" sz="1800" dirty="0" err="1">
-                <a:latin typeface="Courier New" panose="02070309020205020404" pitchFamily="49" charset="0"/>
-                <a:cs typeface="Courier New" panose="02070309020205020404" pitchFamily="49" charset="0"/>
-              </a:rPr>
-              <a:t>schematronXSLT</a:t>
-            </a:r>
-            <a:r>
-              <a:rPr lang="en-GB" sz="1800" dirty="0">
-                <a:latin typeface="Courier New" panose="02070309020205020404" pitchFamily="49" charset="0"/>
-                <a:cs typeface="Courier New" panose="02070309020205020404" pitchFamily="49" charset="0"/>
-              </a:rPr>
-              <a:t>,</a:t>
-            </a:r>
-          </a:p>
-          <a:p>
-            <a:pPr marL="0" indent="0">
-              <a:buNone/>
-            </a:pPr>
-            <a:r>
-              <a:rPr lang="en-GB" sz="1800" dirty="0">
-                <a:latin typeface="Courier New" panose="02070309020205020404" pitchFamily="49" charset="0"/>
-                <a:cs typeface="Courier New" panose="02070309020205020404" pitchFamily="49" charset="0"/>
-              </a:rPr>
-              <a:t>    map { 'validation-mode': 'lax' }</a:t>
-            </a:r>
-          </a:p>
-          <a:p>
-            <a:pPr marL="0" indent="0">
-              <a:buNone/>
-            </a:pPr>
-            <a:r>
-              <a:rPr lang="en-GB" sz="1800" dirty="0">
-                <a:latin typeface="Courier New" panose="02070309020205020404" pitchFamily="49" charset="0"/>
-                <a:cs typeface="Courier New" panose="02070309020205020404" pitchFamily="49" charset="0"/>
-              </a:rPr>
-              <a:t>  )</a:t>
-            </a:r>
-          </a:p>
-          <a:p>
-            <a:pPr marL="0" indent="0">
-              <a:buNone/>
-            </a:pPr>
-            <a:r>
-              <a:rPr lang="en-GB" sz="1800" dirty="0">
-                <a:latin typeface="Courier New" panose="02070309020205020404" pitchFamily="49" charset="0"/>
-                <a:cs typeface="Courier New" panose="02070309020205020404" pitchFamily="49" charset="0"/>
-              </a:rPr>
-              <a:t>[...]</a:t>
-            </a:r>
-          </a:p>
         </p:txBody>
       </p:sp>
     </p:spTree>
     <p:extLst>
       <p:ext uri="{BB962C8B-B14F-4D97-AF65-F5344CB8AC3E}">
-        <p14:creationId xmlns:p14="http://schemas.microsoft.com/office/powerpoint/2010/main" val="3081243603"/>
+        <p14:creationId xmlns:p14="http://schemas.microsoft.com/office/powerpoint/2010/main" val="1306449728"/>
       </p:ext>
     </p:extLst>
   </p:cSld>
@@ -6231,7 +8448,7 @@
           <p:cNvPr id="2" name="Title 1">
             <a:extLst>
               <a:ext uri="{FF2B5EF4-FFF2-40B4-BE49-F238E27FC236}">
-                <a16:creationId xmlns:a16="http://schemas.microsoft.com/office/drawing/2014/main" id="{A983E35C-8894-4776-86DF-EAACF757D02F}"/>
+                <a16:creationId xmlns:a16="http://schemas.microsoft.com/office/drawing/2014/main" id="{6C57D578-CC16-4CA5-A771-965CFCC68AAA}"/>
               </a:ext>
             </a:extLst>
           </p:cNvPr>
@@ -6249,15 +8466,15 @@
           <a:p>
             <a:r>
               <a:rPr lang="en-GB" dirty="0"/>
-              <a:t>"Implement </a:t>
-            </a:r>
-            <a:r>
-              <a:rPr lang="en-GB" i="1" dirty="0"/>
-              <a:t>natively</a:t>
-            </a:r>
-            <a:r>
-              <a:rPr lang="en-GB" dirty="0"/>
-              <a:t> [etc.]"</a:t>
+              <a:t>Did </a:t>
+            </a:r>
+            <a:r>
+              <a:rPr lang="en-GB" dirty="0" err="1"/>
+              <a:t>ChatGPT</a:t>
+            </a:r>
+            <a:r>
+              <a:rPr lang="en-GB" dirty="0"/>
+              <a:t> help?</a:t>
             </a:r>
           </a:p>
         </p:txBody>
@@ -6267,7 +8484,7 @@
           <p:cNvPr id="3" name="Content Placeholder 2">
             <a:extLst>
               <a:ext uri="{FF2B5EF4-FFF2-40B4-BE49-F238E27FC236}">
-                <a16:creationId xmlns:a16="http://schemas.microsoft.com/office/drawing/2014/main" id="{8F3B8AF2-EBAB-4825-840C-058B9D734782}"/>
+                <a16:creationId xmlns:a16="http://schemas.microsoft.com/office/drawing/2014/main" id="{7F0F360A-24D7-4E74-B904-FE874F7F6273}"/>
               </a:ext>
             </a:extLst>
           </p:cNvPr>
@@ -6280,250 +8497,32 @@
         </p:nvSpPr>
         <p:spPr/>
         <p:txBody>
-          <a:bodyPr>
-            <a:normAutofit lnSpcReduction="10000"/>
-          </a:bodyPr>
-          <a:lstStyle/>
-          <a:p>
-            <a:pPr marL="0" indent="0">
-              <a:buNone/>
-            </a:pPr>
-            <a:r>
-              <a:rPr lang="en-GB" sz="1800" dirty="0">
-                <a:latin typeface="Courier New" panose="02070309020205020404" pitchFamily="49" charset="0"/>
-                <a:cs typeface="Courier New" panose="02070309020205020404" pitchFamily="49" charset="0"/>
-              </a:rPr>
-              <a:t>declare namespace </a:t>
-            </a:r>
-            <a:r>
-              <a:rPr lang="en-GB" sz="1800" dirty="0" err="1">
-                <a:latin typeface="Courier New" panose="02070309020205020404" pitchFamily="49" charset="0"/>
-                <a:cs typeface="Courier New" panose="02070309020205020404" pitchFamily="49" charset="0"/>
-              </a:rPr>
-              <a:t>sch</a:t>
-            </a:r>
-            <a:r>
-              <a:rPr lang="en-GB" sz="1800" dirty="0">
-                <a:latin typeface="Courier New" panose="02070309020205020404" pitchFamily="49" charset="0"/>
-                <a:cs typeface="Courier New" panose="02070309020205020404" pitchFamily="49" charset="0"/>
-              </a:rPr>
-              <a:t> = "http://purl.oclc.org/</a:t>
-            </a:r>
-            <a:r>
-              <a:rPr lang="en-GB" sz="1800" dirty="0" err="1">
-                <a:latin typeface="Courier New" panose="02070309020205020404" pitchFamily="49" charset="0"/>
-                <a:cs typeface="Courier New" panose="02070309020205020404" pitchFamily="49" charset="0"/>
-              </a:rPr>
-              <a:t>dsdl</a:t>
-            </a:r>
-            <a:r>
-              <a:rPr lang="en-GB" sz="1800" dirty="0">
-                <a:latin typeface="Courier New" panose="02070309020205020404" pitchFamily="49" charset="0"/>
-                <a:cs typeface="Courier New" panose="02070309020205020404" pitchFamily="49" charset="0"/>
-              </a:rPr>
-              <a:t>/</a:t>
-            </a:r>
-            <a:r>
-              <a:rPr lang="en-GB" sz="1800" dirty="0" err="1">
-                <a:latin typeface="Courier New" panose="02070309020205020404" pitchFamily="49" charset="0"/>
-                <a:cs typeface="Courier New" panose="02070309020205020404" pitchFamily="49" charset="0"/>
-              </a:rPr>
-              <a:t>schematron</a:t>
-            </a:r>
-            <a:r>
-              <a:rPr lang="en-GB" sz="1800" dirty="0">
-                <a:latin typeface="Courier New" panose="02070309020205020404" pitchFamily="49" charset="0"/>
-                <a:cs typeface="Courier New" panose="02070309020205020404" pitchFamily="49" charset="0"/>
-              </a:rPr>
-              <a:t>";</a:t>
-            </a:r>
-          </a:p>
-          <a:p>
-            <a:pPr marL="0" indent="0">
-              <a:buNone/>
-            </a:pPr>
-            <a:r>
-              <a:rPr lang="en-GB" sz="1800" dirty="0">
-                <a:latin typeface="Courier New" panose="02070309020205020404" pitchFamily="49" charset="0"/>
-                <a:cs typeface="Courier New" panose="02070309020205020404" pitchFamily="49" charset="0"/>
-              </a:rPr>
-              <a:t>let $assertions := $</a:t>
-            </a:r>
-            <a:r>
-              <a:rPr lang="en-GB" sz="1800" dirty="0" err="1">
-                <a:latin typeface="Courier New" panose="02070309020205020404" pitchFamily="49" charset="0"/>
-                <a:cs typeface="Courier New" panose="02070309020205020404" pitchFamily="49" charset="0"/>
-              </a:rPr>
-              <a:t>schematron</a:t>
-            </a:r>
-            <a:r>
-              <a:rPr lang="en-GB" sz="1800" dirty="0">
-                <a:latin typeface="Courier New" panose="02070309020205020404" pitchFamily="49" charset="0"/>
-                <a:cs typeface="Courier New" panose="02070309020205020404" pitchFamily="49" charset="0"/>
-              </a:rPr>
-              <a:t>//</a:t>
-            </a:r>
-            <a:r>
-              <a:rPr lang="en-GB" sz="1800" dirty="0" err="1">
-                <a:latin typeface="Courier New" panose="02070309020205020404" pitchFamily="49" charset="0"/>
-                <a:cs typeface="Courier New" panose="02070309020205020404" pitchFamily="49" charset="0"/>
-              </a:rPr>
-              <a:t>sch:assert</a:t>
-            </a:r>
-            <a:endParaRPr lang="en-GB" sz="1800" dirty="0">
-              <a:latin typeface="Courier New" panose="02070309020205020404" pitchFamily="49" charset="0"/>
-              <a:cs typeface="Courier New" panose="02070309020205020404" pitchFamily="49" charset="0"/>
-            </a:endParaRPr>
-          </a:p>
-          <a:p>
-            <a:pPr marL="0" indent="0">
-              <a:buNone/>
-            </a:pPr>
-            <a:r>
-              <a:rPr lang="en-GB" sz="1800" dirty="0">
-                <a:latin typeface="Courier New" panose="02070309020205020404" pitchFamily="49" charset="0"/>
-                <a:cs typeface="Courier New" panose="02070309020205020404" pitchFamily="49" charset="0"/>
-              </a:rPr>
-              <a:t>return (</a:t>
-            </a:r>
-          </a:p>
-          <a:p>
-            <a:pPr marL="0" indent="0">
-              <a:buNone/>
-            </a:pPr>
-            <a:r>
-              <a:rPr lang="en-GB" sz="1800" dirty="0">
-                <a:latin typeface="Courier New" panose="02070309020205020404" pitchFamily="49" charset="0"/>
-                <a:cs typeface="Courier New" panose="02070309020205020404" pitchFamily="49" charset="0"/>
-              </a:rPr>
-              <a:t>    every $assert in $assertions satisfies (</a:t>
-            </a:r>
-          </a:p>
-          <a:p>
-            <a:pPr marL="0" indent="0">
-              <a:buNone/>
-            </a:pPr>
-            <a:r>
-              <a:rPr lang="en-GB" sz="1800" dirty="0">
-                <a:latin typeface="Courier New" panose="02070309020205020404" pitchFamily="49" charset="0"/>
-                <a:cs typeface="Courier New" panose="02070309020205020404" pitchFamily="49" charset="0"/>
-              </a:rPr>
-              <a:t>      let $test := $assert/@test</a:t>
-            </a:r>
-          </a:p>
-          <a:p>
-            <a:pPr marL="0" indent="0">
-              <a:buNone/>
-            </a:pPr>
-            <a:r>
-              <a:rPr lang="en-GB" sz="1800" dirty="0">
-                <a:latin typeface="Courier New" panose="02070309020205020404" pitchFamily="49" charset="0"/>
-                <a:cs typeface="Courier New" panose="02070309020205020404" pitchFamily="49" charset="0"/>
-              </a:rPr>
-              <a:t>      return (</a:t>
-            </a:r>
-          </a:p>
-          <a:p>
-            <a:pPr marL="0" indent="0">
-              <a:buNone/>
-            </a:pPr>
-            <a:r>
-              <a:rPr lang="en-GB" sz="1800" dirty="0">
-                <a:latin typeface="Courier New" panose="02070309020205020404" pitchFamily="49" charset="0"/>
-                <a:cs typeface="Courier New" panose="02070309020205020404" pitchFamily="49" charset="0"/>
-              </a:rPr>
-              <a:t>        if (exists($assert/@role) and $assert/@role = 'warning') then</a:t>
-            </a:r>
-          </a:p>
-          <a:p>
-            <a:pPr marL="0" indent="0">
-              <a:buNone/>
-            </a:pPr>
-            <a:r>
-              <a:rPr lang="en-GB" sz="1800" dirty="0">
-                <a:latin typeface="Courier New" panose="02070309020205020404" pitchFamily="49" charset="0"/>
-                <a:cs typeface="Courier New" panose="02070309020205020404" pitchFamily="49" charset="0"/>
-              </a:rPr>
-              <a:t>          count($xml[not($test)]) </a:t>
-            </a:r>
-            <a:r>
-              <a:rPr lang="en-GB" sz="1800" dirty="0" err="1">
-                <a:latin typeface="Courier New" panose="02070309020205020404" pitchFamily="49" charset="0"/>
-                <a:cs typeface="Courier New" panose="02070309020205020404" pitchFamily="49" charset="0"/>
-              </a:rPr>
-              <a:t>eq</a:t>
-            </a:r>
-            <a:r>
-              <a:rPr lang="en-GB" sz="1800" dirty="0">
-                <a:latin typeface="Courier New" panose="02070309020205020404" pitchFamily="49" charset="0"/>
-                <a:cs typeface="Courier New" panose="02070309020205020404" pitchFamily="49" charset="0"/>
-              </a:rPr>
-              <a:t> 0</a:t>
-            </a:r>
-          </a:p>
-          <a:p>
-            <a:pPr marL="0" indent="0">
-              <a:buNone/>
-            </a:pPr>
-            <a:r>
-              <a:rPr lang="en-GB" sz="1800" dirty="0">
-                <a:latin typeface="Courier New" panose="02070309020205020404" pitchFamily="49" charset="0"/>
-                <a:cs typeface="Courier New" panose="02070309020205020404" pitchFamily="49" charset="0"/>
-              </a:rPr>
-              <a:t>        else</a:t>
-            </a:r>
-          </a:p>
-          <a:p>
-            <a:pPr marL="0" indent="0">
-              <a:buNone/>
-            </a:pPr>
-            <a:r>
-              <a:rPr lang="en-GB" sz="1800" dirty="0">
-                <a:latin typeface="Courier New" panose="02070309020205020404" pitchFamily="49" charset="0"/>
-                <a:cs typeface="Courier New" panose="02070309020205020404" pitchFamily="49" charset="0"/>
-              </a:rPr>
-              <a:t>          exists($xml[$test])</a:t>
-            </a:r>
-          </a:p>
-          <a:p>
-            <a:pPr marL="0" indent="0">
-              <a:buNone/>
-            </a:pPr>
-            <a:r>
-              <a:rPr lang="en-GB" sz="1800" dirty="0">
-                <a:latin typeface="Courier New" panose="02070309020205020404" pitchFamily="49" charset="0"/>
-                <a:cs typeface="Courier New" panose="02070309020205020404" pitchFamily="49" charset="0"/>
-              </a:rPr>
-              <a:t>      )</a:t>
-            </a:r>
-          </a:p>
-          <a:p>
-            <a:pPr marL="0" indent="0">
-              <a:buNone/>
-            </a:pPr>
-            <a:r>
-              <a:rPr lang="en-GB" sz="1800" dirty="0">
-                <a:latin typeface="Courier New" panose="02070309020205020404" pitchFamily="49" charset="0"/>
-                <a:cs typeface="Courier New" panose="02070309020205020404" pitchFamily="49" charset="0"/>
-              </a:rPr>
-              <a:t>    )</a:t>
-            </a:r>
-          </a:p>
-          <a:p>
-            <a:pPr marL="0" indent="0">
-              <a:buNone/>
-            </a:pPr>
-            <a:endParaRPr lang="en-GB" sz="1800" dirty="0">
-              <a:latin typeface="Courier New" panose="02070309020205020404" pitchFamily="49" charset="0"/>
-              <a:cs typeface="Courier New" panose="02070309020205020404" pitchFamily="49" charset="0"/>
-            </a:endParaRPr>
+          <a:bodyPr/>
+          <a:lstStyle/>
+          <a:p>
+            <a:r>
+              <a:rPr lang="en-GB" dirty="0"/>
+              <a:t>ISO</a:t>
+            </a:r>
+          </a:p>
+          <a:p>
+            <a:r>
+              <a:rPr lang="en-GB" dirty="0"/>
+              <a:t>Native XQuery</a:t>
+            </a:r>
+          </a:p>
+          <a:p>
+            <a:r>
+              <a:rPr lang="en-GB" dirty="0"/>
+              <a:t>SVRL</a:t>
+            </a:r>
           </a:p>
         </p:txBody>
       </p:sp>
     </p:spTree>
     <p:extLst>
       <p:ext uri="{BB962C8B-B14F-4D97-AF65-F5344CB8AC3E}">
-        <p14:creationId xmlns:p14="http://schemas.microsoft.com/office/powerpoint/2010/main" val="2640866411"/>
+        <p14:creationId xmlns:p14="http://schemas.microsoft.com/office/powerpoint/2010/main" val="303467115"/>
       </p:ext>
     </p:extLst>
   </p:cSld>
@@ -6555,7 +8554,7 @@
           <p:cNvPr id="2" name="Title 1">
             <a:extLst>
               <a:ext uri="{FF2B5EF4-FFF2-40B4-BE49-F238E27FC236}">
-                <a16:creationId xmlns:a16="http://schemas.microsoft.com/office/drawing/2014/main" id="{A983E35C-8894-4776-86DF-EAACF757D02F}"/>
+                <a16:creationId xmlns:a16="http://schemas.microsoft.com/office/drawing/2014/main" id="{F7884621-ED6F-4B94-AD2D-192517995F65}"/>
               </a:ext>
             </a:extLst>
           </p:cNvPr>
@@ -6573,344 +8572,50 @@
           <a:p>
             <a:r>
               <a:rPr lang="en-GB" dirty="0"/>
-              <a:t>“Now include an SVRL report"</a:t>
-            </a:r>
-          </a:p>
-        </p:txBody>
-      </p:sp>
-      <p:sp>
-        <p:nvSpPr>
-          <p:cNvPr id="3" name="Content Placeholder 2">
+              <a:t>Typical processing</a:t>
+            </a:r>
+          </a:p>
+        </p:txBody>
+      </p:sp>
+      <p:pic>
+        <p:nvPicPr>
+          <p:cNvPr id="5" name="Content Placeholder 4">
             <a:extLst>
               <a:ext uri="{FF2B5EF4-FFF2-40B4-BE49-F238E27FC236}">
-                <a16:creationId xmlns:a16="http://schemas.microsoft.com/office/drawing/2014/main" id="{8F3B8AF2-EBAB-4825-840C-058B9D734782}"/>
+                <a16:creationId xmlns:a16="http://schemas.microsoft.com/office/drawing/2014/main" id="{60AF93C2-4CD3-43B6-837B-A61B2C8C404D}"/>
               </a:ext>
             </a:extLst>
           </p:cNvPr>
-          <p:cNvSpPr>
-            <a:spLocks noGrp="1"/>
-          </p:cNvSpPr>
+          <p:cNvPicPr>
+            <a:picLocks noGrp="1" noChangeAspect="1"/>
+          </p:cNvPicPr>
           <p:nvPr>
             <p:ph idx="1"/>
           </p:nvPr>
-        </p:nvSpPr>
-        <p:spPr/>
-        <p:txBody>
-          <a:bodyPr>
-            <a:normAutofit fontScale="92500" lnSpcReduction="10000"/>
-          </a:bodyPr>
-          <a:lstStyle/>
-          <a:p>
-            <a:pPr marL="0" indent="0">
-              <a:buNone/>
-            </a:pPr>
-            <a:r>
-              <a:rPr lang="en-GB" sz="1800" dirty="0">
-                <a:latin typeface="Courier New" panose="02070309020205020404" pitchFamily="49" charset="0"/>
-                <a:cs typeface="Courier New" panose="02070309020205020404" pitchFamily="49" charset="0"/>
-              </a:rPr>
-              <a:t>for $assert in $assertions return</a:t>
-            </a:r>
-          </a:p>
-          <a:p>
-            <a:pPr marL="0" indent="0">
-              <a:buNone/>
-            </a:pPr>
-            <a:r>
-              <a:rPr lang="en-GB" sz="1800" dirty="0">
-                <a:latin typeface="Courier New" panose="02070309020205020404" pitchFamily="49" charset="0"/>
-                <a:cs typeface="Courier New" panose="02070309020205020404" pitchFamily="49" charset="0"/>
-              </a:rPr>
-              <a:t>        if (exists($assert/@role) and $assert/@role = 'warning') then</a:t>
-            </a:r>
-          </a:p>
-          <a:p>
-            <a:pPr marL="0" indent="0">
-              <a:buNone/>
-            </a:pPr>
-            <a:r>
-              <a:rPr lang="en-GB" sz="1800" dirty="0">
-                <a:latin typeface="Courier New" panose="02070309020205020404" pitchFamily="49" charset="0"/>
-                <a:cs typeface="Courier New" panose="02070309020205020404" pitchFamily="49" charset="0"/>
-              </a:rPr>
-              <a:t>          if (count($xml[not($assert/@test)]) </a:t>
-            </a:r>
-            <a:r>
-              <a:rPr lang="en-GB" sz="1800" dirty="0" err="1">
-                <a:latin typeface="Courier New" panose="02070309020205020404" pitchFamily="49" charset="0"/>
-                <a:cs typeface="Courier New" panose="02070309020205020404" pitchFamily="49" charset="0"/>
-              </a:rPr>
-              <a:t>eq</a:t>
-            </a:r>
-            <a:r>
-              <a:rPr lang="en-GB" sz="1800" dirty="0">
-                <a:latin typeface="Courier New" panose="02070309020205020404" pitchFamily="49" charset="0"/>
-                <a:cs typeface="Courier New" panose="02070309020205020404" pitchFamily="49" charset="0"/>
-              </a:rPr>
-              <a:t> 0) then ()</a:t>
-            </a:r>
-          </a:p>
-          <a:p>
-            <a:pPr marL="0" indent="0">
-              <a:buNone/>
-            </a:pPr>
-            <a:r>
-              <a:rPr lang="en-GB" sz="1800" dirty="0">
-                <a:latin typeface="Courier New" panose="02070309020205020404" pitchFamily="49" charset="0"/>
-                <a:cs typeface="Courier New" panose="02070309020205020404" pitchFamily="49" charset="0"/>
-              </a:rPr>
-              <a:t>          else</a:t>
-            </a:r>
-          </a:p>
-          <a:p>
-            <a:pPr marL="0" indent="0">
-              <a:buNone/>
-            </a:pPr>
-            <a:r>
-              <a:rPr lang="en-GB" sz="1800" dirty="0">
-                <a:latin typeface="Courier New" panose="02070309020205020404" pitchFamily="49" charset="0"/>
-                <a:cs typeface="Courier New" panose="02070309020205020404" pitchFamily="49" charset="0"/>
-              </a:rPr>
-              <a:t>            </a:t>
-            </a:r>
-            <a:r>
-              <a:rPr lang="en-GB" sz="1800" b="1" dirty="0">
-                <a:latin typeface="Courier New" panose="02070309020205020404" pitchFamily="49" charset="0"/>
-                <a:cs typeface="Courier New" panose="02070309020205020404" pitchFamily="49" charset="0"/>
-              </a:rPr>
-              <a:t>&lt;</a:t>
-            </a:r>
-            <a:r>
-              <a:rPr lang="en-GB" sz="1800" b="1" dirty="0" err="1">
-                <a:latin typeface="Courier New" panose="02070309020205020404" pitchFamily="49" charset="0"/>
-                <a:cs typeface="Courier New" panose="02070309020205020404" pitchFamily="49" charset="0"/>
-              </a:rPr>
-              <a:t>svrl:failed-assert</a:t>
-            </a:r>
-            <a:r>
-              <a:rPr lang="en-GB" sz="1800" b="1" dirty="0">
-                <a:latin typeface="Courier New" panose="02070309020205020404" pitchFamily="49" charset="0"/>
-                <a:cs typeface="Courier New" panose="02070309020205020404" pitchFamily="49" charset="0"/>
-              </a:rPr>
-              <a:t> test="{$assert/@test}" role="warning"&gt;</a:t>
-            </a:r>
-          </a:p>
-          <a:p>
-            <a:pPr marL="0" indent="0">
-              <a:buNone/>
-            </a:pPr>
-            <a:r>
-              <a:rPr lang="en-GB" sz="1800" b="1" dirty="0">
-                <a:latin typeface="Courier New" panose="02070309020205020404" pitchFamily="49" charset="0"/>
-                <a:cs typeface="Courier New" panose="02070309020205020404" pitchFamily="49" charset="0"/>
-              </a:rPr>
-              <a:t>              &lt;</a:t>
-            </a:r>
-            <a:r>
-              <a:rPr lang="en-GB" sz="1800" b="1" dirty="0" err="1">
-                <a:latin typeface="Courier New" panose="02070309020205020404" pitchFamily="49" charset="0"/>
-                <a:cs typeface="Courier New" panose="02070309020205020404" pitchFamily="49" charset="0"/>
-              </a:rPr>
-              <a:t>svrl:text</a:t>
-            </a:r>
-            <a:r>
-              <a:rPr lang="en-GB" sz="1800" b="1" dirty="0">
-                <a:latin typeface="Courier New" panose="02070309020205020404" pitchFamily="49" charset="0"/>
-                <a:cs typeface="Courier New" panose="02070309020205020404" pitchFamily="49" charset="0"/>
-              </a:rPr>
-              <a:t>&gt;{data($assert)}&lt;/</a:t>
-            </a:r>
-            <a:r>
-              <a:rPr lang="en-GB" sz="1800" b="1" dirty="0" err="1">
-                <a:latin typeface="Courier New" panose="02070309020205020404" pitchFamily="49" charset="0"/>
-                <a:cs typeface="Courier New" panose="02070309020205020404" pitchFamily="49" charset="0"/>
-              </a:rPr>
-              <a:t>svrl:text</a:t>
-            </a:r>
-            <a:r>
-              <a:rPr lang="en-GB" sz="1800" b="1" dirty="0">
-                <a:latin typeface="Courier New" panose="02070309020205020404" pitchFamily="49" charset="0"/>
-                <a:cs typeface="Courier New" panose="02070309020205020404" pitchFamily="49" charset="0"/>
-              </a:rPr>
-              <a:t>&gt;</a:t>
-            </a:r>
-          </a:p>
-          <a:p>
-            <a:pPr marL="0" indent="0">
-              <a:buNone/>
-            </a:pPr>
-            <a:r>
-              <a:rPr lang="en-GB" sz="1800" b="1" dirty="0">
-                <a:latin typeface="Courier New" panose="02070309020205020404" pitchFamily="49" charset="0"/>
-                <a:cs typeface="Courier New" panose="02070309020205020404" pitchFamily="49" charset="0"/>
-              </a:rPr>
-              <a:t>            &lt;/</a:t>
-            </a:r>
-            <a:r>
-              <a:rPr lang="en-GB" sz="1800" b="1" dirty="0" err="1">
-                <a:latin typeface="Courier New" panose="02070309020205020404" pitchFamily="49" charset="0"/>
-                <a:cs typeface="Courier New" panose="02070309020205020404" pitchFamily="49" charset="0"/>
-              </a:rPr>
-              <a:t>svrl:failed-assert</a:t>
-            </a:r>
-            <a:r>
-              <a:rPr lang="en-GB" sz="1800" b="1" dirty="0">
-                <a:latin typeface="Courier New" panose="02070309020205020404" pitchFamily="49" charset="0"/>
-                <a:cs typeface="Courier New" panose="02070309020205020404" pitchFamily="49" charset="0"/>
-              </a:rPr>
-              <a:t>&gt;</a:t>
-            </a:r>
-          </a:p>
-          <a:p>
-            <a:pPr marL="0" indent="0">
-              <a:buNone/>
-            </a:pPr>
-            <a:r>
-              <a:rPr lang="en-GB" sz="1800" dirty="0">
-                <a:latin typeface="Courier New" panose="02070309020205020404" pitchFamily="49" charset="0"/>
-                <a:cs typeface="Courier New" panose="02070309020205020404" pitchFamily="49" charset="0"/>
-              </a:rPr>
-              <a:t>        else</a:t>
-            </a:r>
-          </a:p>
-          <a:p>
-            <a:pPr marL="0" indent="0">
-              <a:buNone/>
-            </a:pPr>
-            <a:r>
-              <a:rPr lang="en-GB" sz="1800" dirty="0">
-                <a:latin typeface="Courier New" panose="02070309020205020404" pitchFamily="49" charset="0"/>
-                <a:cs typeface="Courier New" panose="02070309020205020404" pitchFamily="49" charset="0"/>
-              </a:rPr>
-              <a:t>          if (exists($xml[$assert/@test])) then ()</a:t>
-            </a:r>
-          </a:p>
-          <a:p>
-            <a:pPr marL="0" indent="0">
-              <a:buNone/>
-            </a:pPr>
-            <a:r>
-              <a:rPr lang="en-GB" sz="1800" dirty="0">
-                <a:latin typeface="Courier New" panose="02070309020205020404" pitchFamily="49" charset="0"/>
-                <a:cs typeface="Courier New" panose="02070309020205020404" pitchFamily="49" charset="0"/>
-              </a:rPr>
-              <a:t>          else</a:t>
-            </a:r>
-          </a:p>
-          <a:p>
-            <a:pPr marL="0" indent="0">
-              <a:buNone/>
-            </a:pPr>
-            <a:r>
-              <a:rPr lang="en-GB" sz="1800" dirty="0">
-                <a:latin typeface="Courier New" panose="02070309020205020404" pitchFamily="49" charset="0"/>
-                <a:cs typeface="Courier New" panose="02070309020205020404" pitchFamily="49" charset="0"/>
-              </a:rPr>
-              <a:t>            </a:t>
-            </a:r>
-            <a:r>
-              <a:rPr lang="en-GB" sz="1800" b="1" dirty="0">
-                <a:latin typeface="Courier New" panose="02070309020205020404" pitchFamily="49" charset="0"/>
-                <a:cs typeface="Courier New" panose="02070309020205020404" pitchFamily="49" charset="0"/>
-              </a:rPr>
-              <a:t>&lt;</a:t>
-            </a:r>
-            <a:r>
-              <a:rPr lang="en-GB" sz="1800" b="1" dirty="0" err="1">
-                <a:latin typeface="Courier New" panose="02070309020205020404" pitchFamily="49" charset="0"/>
-                <a:cs typeface="Courier New" panose="02070309020205020404" pitchFamily="49" charset="0"/>
-              </a:rPr>
-              <a:t>svrl:failed-assert</a:t>
-            </a:r>
-            <a:r>
-              <a:rPr lang="en-GB" sz="1800" b="1" dirty="0">
-                <a:latin typeface="Courier New" panose="02070309020205020404" pitchFamily="49" charset="0"/>
-                <a:cs typeface="Courier New" panose="02070309020205020404" pitchFamily="49" charset="0"/>
-              </a:rPr>
-              <a:t> test="{$assert/@test}"&gt;</a:t>
-            </a:r>
-          </a:p>
-          <a:p>
-            <a:pPr marL="0" indent="0">
-              <a:buNone/>
-            </a:pPr>
-            <a:r>
-              <a:rPr lang="en-GB" sz="1800" b="1" dirty="0">
-                <a:latin typeface="Courier New" panose="02070309020205020404" pitchFamily="49" charset="0"/>
-                <a:cs typeface="Courier New" panose="02070309020205020404" pitchFamily="49" charset="0"/>
-              </a:rPr>
-              <a:t>              &lt;</a:t>
-            </a:r>
-            <a:r>
-              <a:rPr lang="en-GB" sz="1800" b="1" dirty="0" err="1">
-                <a:latin typeface="Courier New" panose="02070309020205020404" pitchFamily="49" charset="0"/>
-                <a:cs typeface="Courier New" panose="02070309020205020404" pitchFamily="49" charset="0"/>
-              </a:rPr>
-              <a:t>svrl:text</a:t>
-            </a:r>
-            <a:r>
-              <a:rPr lang="en-GB" sz="1800" b="1" dirty="0">
-                <a:latin typeface="Courier New" panose="02070309020205020404" pitchFamily="49" charset="0"/>
-                <a:cs typeface="Courier New" panose="02070309020205020404" pitchFamily="49" charset="0"/>
-              </a:rPr>
-              <a:t>&gt;{data($assert)}&lt;/</a:t>
-            </a:r>
-            <a:r>
-              <a:rPr lang="en-GB" sz="1800" b="1" dirty="0" err="1">
-                <a:latin typeface="Courier New" panose="02070309020205020404" pitchFamily="49" charset="0"/>
-                <a:cs typeface="Courier New" panose="02070309020205020404" pitchFamily="49" charset="0"/>
-              </a:rPr>
-              <a:t>svrl:text</a:t>
-            </a:r>
-            <a:r>
-              <a:rPr lang="en-GB" sz="1800" b="1" dirty="0">
-                <a:latin typeface="Courier New" panose="02070309020205020404" pitchFamily="49" charset="0"/>
-                <a:cs typeface="Courier New" panose="02070309020205020404" pitchFamily="49" charset="0"/>
-              </a:rPr>
-              <a:t>&gt;</a:t>
-            </a:r>
-          </a:p>
-          <a:p>
-            <a:pPr marL="0" indent="0">
-              <a:buNone/>
-            </a:pPr>
-            <a:r>
-              <a:rPr lang="en-GB" sz="1800" b="1" dirty="0">
-                <a:latin typeface="Courier New" panose="02070309020205020404" pitchFamily="49" charset="0"/>
-                <a:cs typeface="Courier New" panose="02070309020205020404" pitchFamily="49" charset="0"/>
-              </a:rPr>
-              <a:t>            &lt;/</a:t>
-            </a:r>
-            <a:r>
-              <a:rPr lang="en-GB" sz="1800" b="1" dirty="0" err="1">
-                <a:latin typeface="Courier New" panose="02070309020205020404" pitchFamily="49" charset="0"/>
-                <a:cs typeface="Courier New" panose="02070309020205020404" pitchFamily="49" charset="0"/>
-              </a:rPr>
-              <a:t>svrl:failed-assert</a:t>
-            </a:r>
-            <a:r>
-              <a:rPr lang="en-GB" sz="1800" b="1" dirty="0">
-                <a:latin typeface="Courier New" panose="02070309020205020404" pitchFamily="49" charset="0"/>
-                <a:cs typeface="Courier New" panose="02070309020205020404" pitchFamily="49" charset="0"/>
-              </a:rPr>
-              <a:t>&gt;</a:t>
-            </a:r>
-          </a:p>
-          <a:p>
-            <a:pPr marL="0" indent="0">
-              <a:buNone/>
-            </a:pPr>
-            <a:endParaRPr lang="en-GB" sz="1800" dirty="0">
-              <a:latin typeface="Courier New" panose="02070309020205020404" pitchFamily="49" charset="0"/>
-              <a:cs typeface="Courier New" panose="02070309020205020404" pitchFamily="49" charset="0"/>
-            </a:endParaRPr>
-          </a:p>
-        </p:txBody>
-      </p:sp>
+        </p:nvPicPr>
+        <p:blipFill>
+          <a:blip r:embed="rId3">
+            <a:extLst>
+              <a:ext uri="{28A0092B-C50C-407E-A947-70E740481C1C}">
+                <a14:useLocalDpi xmlns:a14="http://schemas.microsoft.com/office/drawing/2010/main" val="0"/>
+              </a:ext>
+            </a:extLst>
+          </a:blip>
+          <a:stretch>
+            <a:fillRect/>
+          </a:stretch>
+        </p:blipFill>
+        <p:spPr>
+          <a:xfrm>
+            <a:off x="2990850" y="2205831"/>
+            <a:ext cx="6210300" cy="3590925"/>
+          </a:xfrm>
+        </p:spPr>
+      </p:pic>
     </p:spTree>
     <p:extLst>
       <p:ext uri="{BB962C8B-B14F-4D97-AF65-F5344CB8AC3E}">
-        <p14:creationId xmlns:p14="http://schemas.microsoft.com/office/powerpoint/2010/main" val="1306449728"/>
+        <p14:creationId xmlns:p14="http://schemas.microsoft.com/office/powerpoint/2010/main" val="3977667911"/>
       </p:ext>
     </p:extLst>
   </p:cSld>
@@ -6942,7 +8647,7 @@
           <p:cNvPr id="2" name="Title 1">
             <a:extLst>
               <a:ext uri="{FF2B5EF4-FFF2-40B4-BE49-F238E27FC236}">
-                <a16:creationId xmlns:a16="http://schemas.microsoft.com/office/drawing/2014/main" id="{6C57D578-CC16-4CA5-A771-965CFCC68AAA}"/>
+                <a16:creationId xmlns:a16="http://schemas.microsoft.com/office/drawing/2014/main" id="{5379ACC0-E370-4D14-A548-AC557FCDD920}"/>
               </a:ext>
             </a:extLst>
           </p:cNvPr>
@@ -6960,51 +8665,50 @@
           <a:p>
             <a:r>
               <a:rPr lang="en-GB" dirty="0"/>
-              <a:t>How asking </a:t>
-            </a:r>
-            <a:r>
-              <a:rPr lang="en-GB" dirty="0" err="1"/>
-              <a:t>ChatGPT</a:t>
-            </a:r>
-            <a:r>
-              <a:rPr lang="en-GB" dirty="0"/>
-              <a:t> helped</a:t>
-            </a:r>
-          </a:p>
-        </p:txBody>
-      </p:sp>
-      <p:sp>
-        <p:nvSpPr>
-          <p:cNvPr id="3" name="Content Placeholder 2">
+              <a:t>Dynamic evaluation</a:t>
+            </a:r>
+          </a:p>
+        </p:txBody>
+      </p:sp>
+      <p:pic>
+        <p:nvPicPr>
+          <p:cNvPr id="5" name="Content Placeholder 4">
             <a:extLst>
               <a:ext uri="{FF2B5EF4-FFF2-40B4-BE49-F238E27FC236}">
-                <a16:creationId xmlns:a16="http://schemas.microsoft.com/office/drawing/2014/main" id="{7F0F360A-24D7-4E74-B904-FE874F7F6273}"/>
+                <a16:creationId xmlns:a16="http://schemas.microsoft.com/office/drawing/2014/main" id="{9F32604D-9A1F-41B9-86E0-3ADDD0A2801B}"/>
               </a:ext>
             </a:extLst>
           </p:cNvPr>
-          <p:cNvSpPr>
-            <a:spLocks noGrp="1"/>
-          </p:cNvSpPr>
+          <p:cNvPicPr>
+            <a:picLocks noGrp="1" noChangeAspect="1"/>
+          </p:cNvPicPr>
           <p:nvPr>
             <p:ph idx="1"/>
           </p:nvPr>
-        </p:nvSpPr>
-        <p:spPr/>
-        <p:txBody>
-          <a:bodyPr/>
-          <a:lstStyle/>
-          <a:p>
-            <a:r>
-              <a:rPr lang="en-GB" dirty="0"/>
-              <a:t>ISO; XQuery; SVRL</a:t>
-            </a:r>
-          </a:p>
-        </p:txBody>
-      </p:sp>
+        </p:nvPicPr>
+        <p:blipFill>
+          <a:blip r:embed="rId3">
+            <a:extLst>
+              <a:ext uri="{28A0092B-C50C-407E-A947-70E740481C1C}">
+                <a14:useLocalDpi xmlns:a14="http://schemas.microsoft.com/office/drawing/2010/main" val="0"/>
+              </a:ext>
+            </a:extLst>
+          </a:blip>
+          <a:stretch>
+            <a:fillRect/>
+          </a:stretch>
+        </p:blipFill>
+        <p:spPr>
+          <a:xfrm>
+            <a:off x="2990850" y="2201069"/>
+            <a:ext cx="6210300" cy="3600450"/>
+          </a:xfrm>
+        </p:spPr>
+      </p:pic>
     </p:spTree>
     <p:extLst>
       <p:ext uri="{BB962C8B-B14F-4D97-AF65-F5344CB8AC3E}">
-        <p14:creationId xmlns:p14="http://schemas.microsoft.com/office/powerpoint/2010/main" val="303467115"/>
+        <p14:creationId xmlns:p14="http://schemas.microsoft.com/office/powerpoint/2010/main" val="2564230119"/>
       </p:ext>
     </p:extLst>
   </p:cSld>
@@ -7129,7 +8833,7 @@
           <p:cNvPr id="2" name="Title 1">
             <a:extLst>
               <a:ext uri="{FF2B5EF4-FFF2-40B4-BE49-F238E27FC236}">
-                <a16:creationId xmlns:a16="http://schemas.microsoft.com/office/drawing/2014/main" id="{EEA90060-1A29-470E-866E-70D5A351A181}"/>
+                <a16:creationId xmlns:a16="http://schemas.microsoft.com/office/drawing/2014/main" id="{C75BCAAA-214C-4B53-827D-64ADD7DC8161}"/>
               </a:ext>
             </a:extLst>
           </p:cNvPr>
@@ -7147,7 +8851,7 @@
           <a:p>
             <a:r>
               <a:rPr lang="en-GB" dirty="0"/>
-              <a:t>Processing model</a:t>
+              <a:t>Design decisions</a:t>
             </a:r>
           </a:p>
         </p:txBody>
@@ -7157,7 +8861,7 @@
           <p:cNvPr id="3" name="Content Placeholder 2">
             <a:extLst>
               <a:ext uri="{FF2B5EF4-FFF2-40B4-BE49-F238E27FC236}">
-                <a16:creationId xmlns:a16="http://schemas.microsoft.com/office/drawing/2014/main" id="{41DDF197-3764-4F6C-A6DB-E8373BD993B1}"/>
+                <a16:creationId xmlns:a16="http://schemas.microsoft.com/office/drawing/2014/main" id="{C404F084-E5C1-432A-AF1C-51225A382578}"/>
               </a:ext>
             </a:extLst>
           </p:cNvPr>
@@ -7175,7 +8879,113 @@
           <a:p>
             <a:r>
               <a:rPr lang="en-GB" dirty="0"/>
-              <a:t>Include, expand, compile</a:t>
+              <a:t>Schema expects </a:t>
+            </a:r>
+            <a:r>
+              <a:rPr lang="en-GB" b="1" dirty="0"/>
+              <a:t>single </a:t>
+            </a:r>
+            <a:r>
+              <a:rPr lang="en-GB" dirty="0"/>
+              <a:t>document</a:t>
+            </a:r>
+          </a:p>
+          <a:p>
+            <a:r>
+              <a:rPr lang="en-GB" dirty="0"/>
+              <a:t>Rule context must be a node(s)</a:t>
+            </a:r>
+          </a:p>
+          <a:p>
+            <a:pPr lvl="1"/>
+            <a:r>
+              <a:rPr lang="en-GB" dirty="0"/>
+              <a:t>Evaluated against </a:t>
+            </a:r>
+            <a:r>
+              <a:rPr lang="en-GB" b="1" dirty="0"/>
+              <a:t>document root</a:t>
+            </a:r>
+          </a:p>
+          <a:p>
+            <a:pPr marL="0" indent="0">
+              <a:buNone/>
+            </a:pPr>
+            <a:r>
+              <a:rPr lang="en-GB" dirty="0"/>
+              <a:t>	XSLT: 	</a:t>
+            </a:r>
+            <a:r>
+              <a:rPr lang="en-GB" dirty="0">
+                <a:latin typeface="Courier New" panose="02070309020205020404" pitchFamily="49" charset="0"/>
+                <a:cs typeface="Courier New" panose="02070309020205020404" pitchFamily="49" charset="0"/>
+              </a:rPr>
+              <a:t>&lt;</a:t>
+            </a:r>
+            <a:r>
+              <a:rPr lang="en-GB" dirty="0" err="1">
+                <a:latin typeface="Courier New" panose="02070309020205020404" pitchFamily="49" charset="0"/>
+                <a:cs typeface="Courier New" panose="02070309020205020404" pitchFamily="49" charset="0"/>
+              </a:rPr>
+              <a:t>sch:rule</a:t>
+            </a:r>
+            <a:r>
+              <a:rPr lang="en-GB" dirty="0">
+                <a:latin typeface="Courier New" panose="02070309020205020404" pitchFamily="49" charset="0"/>
+                <a:cs typeface="Courier New" panose="02070309020205020404" pitchFamily="49" charset="0"/>
+              </a:rPr>
+              <a:t> context="*"&gt;</a:t>
+            </a:r>
+          </a:p>
+          <a:p>
+            <a:pPr marL="0" indent="0">
+              <a:buNone/>
+            </a:pPr>
+            <a:r>
+              <a:rPr lang="en-GB" dirty="0">
+                <a:latin typeface="Courier New" panose="02070309020205020404" pitchFamily="49" charset="0"/>
+                <a:cs typeface="Courier New" panose="02070309020205020404" pitchFamily="49" charset="0"/>
+              </a:rPr>
+              <a:t>	</a:t>
+            </a:r>
+            <a:r>
+              <a:rPr lang="en-GB" dirty="0"/>
+              <a:t>XQS: 	</a:t>
+            </a:r>
+            <a:r>
+              <a:rPr lang="en-GB" dirty="0">
+                <a:latin typeface="Courier New" panose="02070309020205020404" pitchFamily="49" charset="0"/>
+                <a:cs typeface="Courier New" panose="02070309020205020404" pitchFamily="49" charset="0"/>
+              </a:rPr>
+              <a:t>&lt;</a:t>
+            </a:r>
+            <a:r>
+              <a:rPr lang="en-GB" dirty="0" err="1">
+                <a:latin typeface="Courier New" panose="02070309020205020404" pitchFamily="49" charset="0"/>
+                <a:cs typeface="Courier New" panose="02070309020205020404" pitchFamily="49" charset="0"/>
+              </a:rPr>
+              <a:t>sch:rule</a:t>
+            </a:r>
+            <a:r>
+              <a:rPr lang="en-GB" dirty="0">
+                <a:latin typeface="Courier New" panose="02070309020205020404" pitchFamily="49" charset="0"/>
+                <a:cs typeface="Courier New" panose="02070309020205020404" pitchFamily="49" charset="0"/>
+              </a:rPr>
+              <a:t> context="</a:t>
+            </a:r>
+            <a:r>
+              <a:rPr lang="en-GB" b="1" dirty="0">
+                <a:latin typeface="Courier New" panose="02070309020205020404" pitchFamily="49" charset="0"/>
+                <a:cs typeface="Courier New" panose="02070309020205020404" pitchFamily="49" charset="0"/>
+              </a:rPr>
+              <a:t>//*"</a:t>
+            </a:r>
+            <a:r>
+              <a:rPr lang="en-GB" dirty="0">
+                <a:latin typeface="Courier New" panose="02070309020205020404" pitchFamily="49" charset="0"/>
+                <a:cs typeface="Courier New" panose="02070309020205020404" pitchFamily="49" charset="0"/>
+              </a:rPr>
+              <a:t>&gt;</a:t>
             </a:r>
           </a:p>
         </p:txBody>
@@ -7183,7 +8993,7 @@
     </p:spTree>
     <p:extLst>
       <p:ext uri="{BB962C8B-B14F-4D97-AF65-F5344CB8AC3E}">
-        <p14:creationId xmlns:p14="http://schemas.microsoft.com/office/powerpoint/2010/main" val="387842745"/>
+        <p14:creationId xmlns:p14="http://schemas.microsoft.com/office/powerpoint/2010/main" val="1719482087"/>
       </p:ext>
     </p:extLst>
   </p:cSld>
@@ -7215,7 +9025,7 @@
           <p:cNvPr id="2" name="Title 1">
             <a:extLst>
               <a:ext uri="{FF2B5EF4-FFF2-40B4-BE49-F238E27FC236}">
-                <a16:creationId xmlns:a16="http://schemas.microsoft.com/office/drawing/2014/main" id="{6775A2C5-0F9E-4A8E-B122-59CE8682FDCF}"/>
+                <a16:creationId xmlns:a16="http://schemas.microsoft.com/office/drawing/2014/main" id="{F8E39FCD-263E-49E9-A9BA-2CC51CD18818}"/>
               </a:ext>
             </a:extLst>
           </p:cNvPr>
@@ -7233,7 +9043,7 @@
           <a:p>
             <a:r>
               <a:rPr lang="en-GB" dirty="0"/>
-              <a:t>Caveats</a:t>
+              <a:t>Evaluate vs compile</a:t>
             </a:r>
           </a:p>
         </p:txBody>
@@ -7243,7 +9053,7 @@
           <p:cNvPr id="3" name="Content Placeholder 2">
             <a:extLst>
               <a:ext uri="{FF2B5EF4-FFF2-40B4-BE49-F238E27FC236}">
-                <a16:creationId xmlns:a16="http://schemas.microsoft.com/office/drawing/2014/main" id="{3C3FBDD6-99E9-4118-909C-CF9C85026BBE}"/>
+                <a16:creationId xmlns:a16="http://schemas.microsoft.com/office/drawing/2014/main" id="{E6BBAF03-F045-4E55-9DD4-E380087EC493}"/>
               </a:ext>
             </a:extLst>
           </p:cNvPr>
@@ -7261,21 +9071,11 @@
           <a:p>
             <a:r>
               <a:rPr lang="en-GB" dirty="0"/>
-              <a:t>No expansion/inclusion &amp; WHY</a:t>
-            </a:r>
-          </a:p>
-          <a:p>
-            <a:r>
-              <a:rPr lang="en-GB" dirty="0"/>
-              <a:t>BUT </a:t>
-            </a:r>
-            <a:r>
-              <a:rPr lang="en-GB" i="1" dirty="0"/>
-              <a:t>dynamic evaluation</a:t>
-            </a:r>
-            <a:r>
-              <a:rPr lang="en-GB" dirty="0"/>
-              <a:t> as well as compilation</a:t>
+              <a:t>[diagram the </a:t>
+            </a:r>
+            <a:r>
+              <a:rPr lang="en-GB"/>
+              <a:t>two approaches]</a:t>
             </a:r>
           </a:p>
         </p:txBody>
@@ -7283,7 +9083,7 @@
     </p:spTree>
     <p:extLst>
       <p:ext uri="{BB962C8B-B14F-4D97-AF65-F5344CB8AC3E}">
-        <p14:creationId xmlns:p14="http://schemas.microsoft.com/office/powerpoint/2010/main" val="1039456742"/>
+        <p14:creationId xmlns:p14="http://schemas.microsoft.com/office/powerpoint/2010/main" val="2214602858"/>
       </p:ext>
     </p:extLst>
   </p:cSld>
@@ -7294,7 +9094,7 @@
 </file>
 
 <file path=ppt/slides/slide2.xml><?xml version="1.0" encoding="utf-8"?>
-<p:sld xmlns:a="http://schemas.openxmlformats.org/drawingml/2006/main" xmlns:r="http://schemas.openxmlformats.org/officeDocument/2006/relationships" xmlns:p="http://schemas.openxmlformats.org/presentationml/2006/main">
+<p:sld xmlns:a="http://schemas.openxmlformats.org/drawingml/2006/main" xmlns:r="http://schemas.openxmlformats.org/officeDocument/2006/relationships" xmlns:p="http://schemas.openxmlformats.org/presentationml/2006/main" show="0">
   <p:cSld>
     <p:spTree>
       <p:nvGrpSpPr>
@@ -7419,7 +9219,7 @@
           <p:cNvPr id="2" name="Title 1">
             <a:extLst>
               <a:ext uri="{FF2B5EF4-FFF2-40B4-BE49-F238E27FC236}">
-                <a16:creationId xmlns:a16="http://schemas.microsoft.com/office/drawing/2014/main" id="{F8E39FCD-263E-49E9-A9BA-2CC51CD18818}"/>
+                <a16:creationId xmlns:a16="http://schemas.microsoft.com/office/drawing/2014/main" id="{D860E216-A8CD-4F03-BA02-489BD391FAD2}"/>
               </a:ext>
             </a:extLst>
           </p:cNvPr>
@@ -7437,7 +9237,7 @@
           <a:p>
             <a:r>
               <a:rPr lang="en-GB" dirty="0"/>
-              <a:t>Evaluate vs compile</a:t>
+              <a:t>Evaluate schema</a:t>
             </a:r>
           </a:p>
         </p:txBody>
@@ -7447,7 +9247,7 @@
           <p:cNvPr id="3" name="Content Placeholder 2">
             <a:extLst>
               <a:ext uri="{FF2B5EF4-FFF2-40B4-BE49-F238E27FC236}">
-                <a16:creationId xmlns:a16="http://schemas.microsoft.com/office/drawing/2014/main" id="{E6BBAF03-F045-4E55-9DD4-E380087EC493}"/>
+                <a16:creationId xmlns:a16="http://schemas.microsoft.com/office/drawing/2014/main" id="{41929A8B-7EE7-4152-A0D7-044421860480}"/>
               </a:ext>
             </a:extLst>
           </p:cNvPr>
@@ -7465,11 +9265,81 @@
           <a:p>
             <a:r>
               <a:rPr lang="en-GB" dirty="0"/>
-              <a:t>[diagram the </a:t>
-            </a:r>
-            <a:r>
-              <a:rPr lang="en-GB"/>
-              <a:t>two approaches]</a:t>
+              <a:t>Assemble </a:t>
+            </a:r>
+            <a:r>
+              <a:rPr lang="en-GB" dirty="0" err="1"/>
+              <a:t>prolog</a:t>
+            </a:r>
+            <a:r>
+              <a:rPr lang="en-GB" dirty="0"/>
+              <a:t> of validation context:</a:t>
+            </a:r>
+          </a:p>
+          <a:p>
+            <a:pPr lvl="1"/>
+            <a:r>
+              <a:rPr lang="en-GB" dirty="0"/>
+              <a:t>Namespaces</a:t>
+            </a:r>
+          </a:p>
+          <a:p>
+            <a:pPr lvl="1"/>
+            <a:r>
+              <a:rPr lang="en-GB" dirty="0"/>
+              <a:t>Local variables</a:t>
+            </a:r>
+          </a:p>
+          <a:p>
+            <a:pPr lvl="1"/>
+            <a:r>
+              <a:rPr lang="en-GB" dirty="0"/>
+              <a:t>User-defined functions</a:t>
+            </a:r>
+          </a:p>
+          <a:p>
+            <a:r>
+              <a:rPr lang="en-GB" dirty="0"/>
+              <a:t>Invoke </a:t>
+            </a:r>
+            <a:r>
+              <a:rPr lang="en-GB" dirty="0" err="1">
+                <a:latin typeface="Courier New" panose="02070309020205020404" pitchFamily="49" charset="0"/>
+                <a:cs typeface="Courier New" panose="02070309020205020404" pitchFamily="49" charset="0"/>
+              </a:rPr>
+              <a:t>xquery:eval</a:t>
+            </a:r>
+            <a:r>
+              <a:rPr lang="en-GB" dirty="0">
+                <a:latin typeface="Courier New" panose="02070309020205020404" pitchFamily="49" charset="0"/>
+                <a:cs typeface="Courier New" panose="02070309020205020404" pitchFamily="49" charset="0"/>
+              </a:rPr>
+              <a:t>()</a:t>
+            </a:r>
+            <a:r>
+              <a:rPr lang="en-GB" dirty="0"/>
+              <a:t>, passing:</a:t>
+            </a:r>
+          </a:p>
+          <a:p>
+            <a:pPr lvl="1"/>
+            <a:r>
+              <a:rPr lang="en-GB" dirty="0"/>
+              <a:t>Global variables, as external variables</a:t>
+            </a:r>
+          </a:p>
+          <a:p>
+            <a:pPr lvl="1"/>
+            <a:r>
+              <a:rPr lang="en-GB" dirty="0"/>
+              <a:t>Instance document, as </a:t>
+            </a:r>
+            <a:r>
+              <a:rPr lang="en-GB" dirty="0">
+                <a:latin typeface="Courier New" panose="02070309020205020404" pitchFamily="49" charset="0"/>
+                <a:cs typeface="Courier New" panose="02070309020205020404" pitchFamily="49" charset="0"/>
+              </a:rPr>
+              <a:t>map{"":doc(…)}</a:t>
             </a:r>
           </a:p>
         </p:txBody>
@@ -7477,7 +9347,7 @@
     </p:spTree>
     <p:extLst>
       <p:ext uri="{BB962C8B-B14F-4D97-AF65-F5344CB8AC3E}">
-        <p14:creationId xmlns:p14="http://schemas.microsoft.com/office/powerpoint/2010/main" val="2214602858"/>
+        <p14:creationId xmlns:p14="http://schemas.microsoft.com/office/powerpoint/2010/main" val="2503234922"/>
       </p:ext>
     </p:extLst>
   </p:cSld>
@@ -7506,10 +9376,10 @@
       </p:grpSpPr>
       <p:sp>
         <p:nvSpPr>
-          <p:cNvPr id="4" name="Title 3">
+          <p:cNvPr id="2" name="Title 1">
             <a:extLst>
               <a:ext uri="{FF2B5EF4-FFF2-40B4-BE49-F238E27FC236}">
-                <a16:creationId xmlns:a16="http://schemas.microsoft.com/office/drawing/2014/main" id="{0FBCD12B-A862-4465-B004-BAB5D6FC010C}"/>
+                <a16:creationId xmlns:a16="http://schemas.microsoft.com/office/drawing/2014/main" id="{505F3D2D-CABD-439A-B3C9-048E9D9395D0}"/>
               </a:ext>
             </a:extLst>
           </p:cNvPr>
@@ -7527,17 +9397,17 @@
           <a:p>
             <a:r>
               <a:rPr lang="en-GB" dirty="0"/>
-              <a:t>Questions?</a:t>
-            </a:r>
-          </a:p>
-        </p:txBody>
-      </p:sp>
-      <p:sp>
-        <p:nvSpPr>
-          <p:cNvPr id="5" name="Content Placeholder 4">
+              <a:t>Pattern variables</a:t>
+            </a:r>
+          </a:p>
+        </p:txBody>
+      </p:sp>
+      <p:sp>
+        <p:nvSpPr>
+          <p:cNvPr id="3" name="Content Placeholder 2">
             <a:extLst>
               <a:ext uri="{FF2B5EF4-FFF2-40B4-BE49-F238E27FC236}">
-                <a16:creationId xmlns:a16="http://schemas.microsoft.com/office/drawing/2014/main" id="{AD6F4A95-0701-4FDE-BA89-6FCDE959403B}"/>
+                <a16:creationId xmlns:a16="http://schemas.microsoft.com/office/drawing/2014/main" id="{F48A3B96-B970-4670-9B86-C03B011DD55A}"/>
               </a:ext>
             </a:extLst>
           </p:cNvPr>
@@ -7555,21 +9425,37 @@
           <a:p>
             <a:r>
               <a:rPr lang="en-GB" dirty="0"/>
-              <a:t>[</a:t>
+              <a:t>Local scope</a:t>
+            </a:r>
+          </a:p>
+          <a:p>
+            <a:r>
+              <a:rPr lang="en-GB" dirty="0"/>
+              <a:t>Evaluated against document root</a:t>
+            </a:r>
+          </a:p>
+          <a:p>
+            <a:r>
+              <a:rPr lang="en-GB" dirty="0"/>
+              <a:t>Entail updating bindings per pattern</a:t>
+            </a:r>
+          </a:p>
+          <a:p>
+            <a:r>
+              <a:rPr lang="en-GB" dirty="0"/>
+              <a:t>XSLT </a:t>
             </a:r>
             <a:r>
               <a:rPr lang="en-GB" dirty="0" err="1"/>
-              <a:t>github</a:t>
-            </a:r>
-            <a:r>
-              <a:rPr lang="en-GB" dirty="0"/>
-              <a:t> link]</a:t>
-            </a:r>
-          </a:p>
-          <a:p>
-            <a:r>
-              <a:rPr lang="en-GB" dirty="0"/>
-              <a:t>[contact details]</a:t>
+              <a:t>impls</a:t>
+            </a:r>
+            <a:r>
+              <a:rPr lang="en-GB" dirty="0"/>
+              <a:t> make scope </a:t>
+            </a:r>
+            <a:r>
+              <a:rPr lang="en-GB" i="1" dirty="0"/>
+              <a:t>global</a:t>
             </a:r>
           </a:p>
         </p:txBody>
@@ -7577,7 +9463,1709 @@
     </p:spTree>
     <p:extLst>
       <p:ext uri="{BB962C8B-B14F-4D97-AF65-F5344CB8AC3E}">
-        <p14:creationId xmlns:p14="http://schemas.microsoft.com/office/powerpoint/2010/main" val="3254607614"/>
+        <p14:creationId xmlns:p14="http://schemas.microsoft.com/office/powerpoint/2010/main" val="2357505551"/>
+      </p:ext>
+    </p:extLst>
+  </p:cSld>
+  <p:clrMapOvr>
+    <a:masterClrMapping/>
+  </p:clrMapOvr>
+</p:sld>
+</file>
+
+<file path=ppt/slides/slide22.xml><?xml version="1.0" encoding="utf-8"?>
+<p:sld xmlns:a="http://schemas.openxmlformats.org/drawingml/2006/main" xmlns:r="http://schemas.openxmlformats.org/officeDocument/2006/relationships" xmlns:p="http://schemas.openxmlformats.org/presentationml/2006/main">
+  <p:cSld>
+    <p:spTree>
+      <p:nvGrpSpPr>
+        <p:cNvPr id="1" name=""/>
+        <p:cNvGrpSpPr/>
+        <p:nvPr/>
+      </p:nvGrpSpPr>
+      <p:grpSpPr>
+        <a:xfrm>
+          <a:off x="0" y="0"/>
+          <a:ext cx="0" cy="0"/>
+          <a:chOff x="0" y="0"/>
+          <a:chExt cx="0" cy="0"/>
+        </a:xfrm>
+      </p:grpSpPr>
+      <p:sp>
+        <p:nvSpPr>
+          <p:cNvPr id="2" name="Title 1">
+            <a:extLst>
+              <a:ext uri="{FF2B5EF4-FFF2-40B4-BE49-F238E27FC236}">
+                <a16:creationId xmlns:a16="http://schemas.microsoft.com/office/drawing/2014/main" id="{314556EE-E4E4-497E-ACE6-F0C32524F70B}"/>
+              </a:ext>
+            </a:extLst>
+          </p:cNvPr>
+          <p:cNvSpPr>
+            <a:spLocks noGrp="1"/>
+          </p:cNvSpPr>
+          <p:nvPr>
+            <p:ph type="title"/>
+          </p:nvPr>
+        </p:nvSpPr>
+        <p:spPr/>
+        <p:txBody>
+          <a:bodyPr/>
+          <a:lstStyle/>
+          <a:p>
+            <a:r>
+              <a:rPr lang="en-GB" dirty="0">
+                <a:latin typeface="Courier New" panose="02070309020205020404" pitchFamily="49" charset="0"/>
+                <a:cs typeface="Courier New" panose="02070309020205020404" pitchFamily="49" charset="0"/>
+              </a:rPr>
+              <a:t>documents</a:t>
+            </a:r>
+            <a:r>
+              <a:rPr lang="en-GB" dirty="0"/>
+              <a:t> attribute</a:t>
+            </a:r>
+          </a:p>
+        </p:txBody>
+      </p:sp>
+      <p:sp>
+        <p:nvSpPr>
+          <p:cNvPr id="5" name="Rectangle 2">
+            <a:extLst>
+              <a:ext uri="{FF2B5EF4-FFF2-40B4-BE49-F238E27FC236}">
+                <a16:creationId xmlns:a16="http://schemas.microsoft.com/office/drawing/2014/main" id="{C181D66F-101D-4D37-9052-1B245BD8BE40}"/>
+              </a:ext>
+            </a:extLst>
+          </p:cNvPr>
+          <p:cNvSpPr>
+            <a:spLocks noGrp="1" noChangeArrowheads="1"/>
+          </p:cNvSpPr>
+          <p:nvPr>
+            <p:ph idx="1"/>
+          </p:nvPr>
+        </p:nvSpPr>
+        <p:spPr bwMode="auto">
+          <a:xfrm>
+            <a:off x="838200" y="1828340"/>
+            <a:ext cx="9850774" cy="3539430"/>
+          </a:xfrm>
+          <a:prstGeom prst="rect">
+            <a:avLst/>
+          </a:prstGeom>
+          <a:noFill/>
+          <a:ln>
+            <a:noFill/>
+          </a:ln>
+          <a:effectLst/>
+          <a:extLst>
+            <a:ext uri="{909E8E84-426E-40DD-AFC4-6F175D3DCCD1}">
+              <a14:hiddenFill xmlns:a14="http://schemas.microsoft.com/office/drawing/2010/main">
+                <a:solidFill>
+                  <a:schemeClr val="accent1"/>
+                </a:solidFill>
+              </a14:hiddenFill>
+            </a:ext>
+            <a:ext uri="{91240B29-F687-4F45-9708-019B960494DF}">
+              <a14:hiddenLine xmlns:a14="http://schemas.microsoft.com/office/drawing/2010/main" w="9525">
+                <a:solidFill>
+                  <a:schemeClr val="tx1"/>
+                </a:solidFill>
+                <a:miter lim="800000"/>
+                <a:headEnd/>
+                <a:tailEnd/>
+              </a14:hiddenLine>
+            </a:ext>
+            <a:ext uri="{AF507438-7753-43E0-B8FC-AC1667EBCBE1}">
+              <a14:hiddenEffects xmlns:a14="http://schemas.microsoft.com/office/drawing/2010/main">
+                <a:effectLst>
+                  <a:outerShdw dist="35921" dir="2700000" algn="ctr" rotWithShape="0">
+                    <a:schemeClr val="bg2"/>
+                  </a:outerShdw>
+                </a:effectLst>
+              </a14:hiddenEffects>
+            </a:ext>
+          </a:extLst>
+        </p:spPr>
+        <p:txBody>
+          <a:bodyPr vert="horz" wrap="none" lIns="91440" tIns="45720" rIns="91440" bIns="45720" numCol="1" anchor="ctr" anchorCtr="0" compatLnSpc="1">
+            <a:prstTxWarp prst="textNoShape">
+              <a:avLst/>
+            </a:prstTxWarp>
+            <a:spAutoFit/>
+          </a:bodyPr>
+          <a:lstStyle/>
+          <a:p>
+            <a:pPr marL="0" indent="0" eaLnBrk="0" fontAlgn="base" hangingPunct="0">
+              <a:lnSpc>
+                <a:spcPct val="100000"/>
+              </a:lnSpc>
+              <a:spcBef>
+                <a:spcPct val="0"/>
+              </a:spcBef>
+              <a:spcAft>
+                <a:spcPct val="0"/>
+              </a:spcAft>
+              <a:buNone/>
+            </a:pPr>
+            <a:r>
+              <a:rPr lang="en-GB" dirty="0"/>
+              <a:t>Validate “subordinate” documents:</a:t>
+            </a:r>
+          </a:p>
+          <a:p>
+            <a:pPr marL="0" indent="0" eaLnBrk="0" fontAlgn="base" hangingPunct="0">
+              <a:lnSpc>
+                <a:spcPct val="100000"/>
+              </a:lnSpc>
+              <a:spcBef>
+                <a:spcPct val="0"/>
+              </a:spcBef>
+              <a:spcAft>
+                <a:spcPct val="0"/>
+              </a:spcAft>
+              <a:buNone/>
+            </a:pPr>
+            <a:endParaRPr lang="en-GB" altLang="en-US" dirty="0">
+              <a:latin typeface="Courier New" panose="02070309020205020404" pitchFamily="49" charset="0"/>
+              <a:cs typeface="Courier New" panose="02070309020205020404" pitchFamily="49" charset="0"/>
+            </a:endParaRPr>
+          </a:p>
+          <a:p>
+            <a:pPr marL="0" indent="0" eaLnBrk="0" fontAlgn="base" hangingPunct="0">
+              <a:lnSpc>
+                <a:spcPct val="100000"/>
+              </a:lnSpc>
+              <a:spcBef>
+                <a:spcPct val="0"/>
+              </a:spcBef>
+              <a:spcAft>
+                <a:spcPct val="0"/>
+              </a:spcAft>
+              <a:buNone/>
+            </a:pPr>
+            <a:endParaRPr lang="en-GB" altLang="en-US" dirty="0">
+              <a:latin typeface="Courier New" panose="02070309020205020404" pitchFamily="49" charset="0"/>
+              <a:cs typeface="Courier New" panose="02070309020205020404" pitchFamily="49" charset="0"/>
+            </a:endParaRPr>
+          </a:p>
+          <a:p>
+            <a:pPr marL="0" marR="0" lvl="0" indent="0" algn="l" defTabSz="914400" rtl="0" eaLnBrk="0" fontAlgn="base" latinLnBrk="0" hangingPunct="0">
+              <a:lnSpc>
+                <a:spcPct val="100000"/>
+              </a:lnSpc>
+              <a:spcBef>
+                <a:spcPct val="0"/>
+              </a:spcBef>
+              <a:spcAft>
+                <a:spcPct val="0"/>
+              </a:spcAft>
+              <a:buClrTx/>
+              <a:buSzTx/>
+              <a:buFontTx/>
+              <a:buNone/>
+              <a:tabLst/>
+            </a:pPr>
+            <a:r>
+              <a:rPr kumimoji="0" lang="en-US" altLang="en-US" i="0" u="none" strike="noStrike" cap="none" normalizeH="0" baseline="0" dirty="0">
+                <a:ln>
+                  <a:noFill/>
+                </a:ln>
+                <a:effectLst/>
+                <a:latin typeface="Courier New" panose="02070309020205020404" pitchFamily="49" charset="0"/>
+                <a:cs typeface="Courier New" panose="02070309020205020404" pitchFamily="49" charset="0"/>
+              </a:rPr>
+              <a:t>&lt;</a:t>
+            </a:r>
+            <a:r>
+              <a:rPr kumimoji="0" lang="en-US" altLang="en-US" i="0" u="none" strike="noStrike" cap="none" normalizeH="0" baseline="0" dirty="0" err="1">
+                <a:ln>
+                  <a:noFill/>
+                </a:ln>
+                <a:effectLst/>
+                <a:latin typeface="Courier New" panose="02070309020205020404" pitchFamily="49" charset="0"/>
+                <a:cs typeface="Courier New" panose="02070309020205020404" pitchFamily="49" charset="0"/>
+              </a:rPr>
+              <a:t>sch:pattern</a:t>
+            </a:r>
+            <a:r>
+              <a:rPr kumimoji="0" lang="en-US" altLang="en-US" i="0" u="none" strike="noStrike" cap="none" normalizeH="0" baseline="0" dirty="0">
+                <a:ln>
+                  <a:noFill/>
+                </a:ln>
+                <a:effectLst/>
+                <a:latin typeface="Courier New" panose="02070309020205020404" pitchFamily="49" charset="0"/>
+                <a:cs typeface="Courier New" panose="02070309020205020404" pitchFamily="49" charset="0"/>
+              </a:rPr>
+              <a:t> documents="</a:t>
+            </a:r>
+            <a:r>
+              <a:rPr kumimoji="0" lang="en-US" altLang="en-US" b="1" i="0" u="none" strike="noStrike" cap="none" normalizeH="0" baseline="0" dirty="0">
+                <a:ln>
+                  <a:noFill/>
+                </a:ln>
+                <a:effectLst/>
+                <a:latin typeface="Courier New" panose="02070309020205020404" pitchFamily="49" charset="0"/>
+                <a:cs typeface="Courier New" panose="02070309020205020404" pitchFamily="49" charset="0"/>
+              </a:rPr>
+              <a:t>/element/@secondary</a:t>
+            </a:r>
+            <a:r>
+              <a:rPr kumimoji="0" lang="en-US" altLang="en-US" i="0" u="none" strike="noStrike" cap="none" normalizeH="0" baseline="0" dirty="0">
+                <a:ln>
+                  <a:noFill/>
+                </a:ln>
+                <a:effectLst/>
+                <a:latin typeface="Courier New" panose="02070309020205020404" pitchFamily="49" charset="0"/>
+                <a:cs typeface="Courier New" panose="02070309020205020404" pitchFamily="49" charset="0"/>
+              </a:rPr>
+              <a:t>"&gt;</a:t>
+            </a:r>
+            <a:endParaRPr lang="en-US" altLang="en-US" dirty="0">
+              <a:latin typeface="Courier New" panose="02070309020205020404" pitchFamily="49" charset="0"/>
+              <a:cs typeface="Courier New" panose="02070309020205020404" pitchFamily="49" charset="0"/>
+            </a:endParaRPr>
+          </a:p>
+          <a:p>
+            <a:pPr marL="0" marR="0" lvl="0" indent="0" algn="l" defTabSz="914400" rtl="0" eaLnBrk="0" fontAlgn="base" latinLnBrk="0" hangingPunct="0">
+              <a:lnSpc>
+                <a:spcPct val="100000"/>
+              </a:lnSpc>
+              <a:spcBef>
+                <a:spcPct val="0"/>
+              </a:spcBef>
+              <a:spcAft>
+                <a:spcPct val="0"/>
+              </a:spcAft>
+              <a:buClrTx/>
+              <a:buSzTx/>
+              <a:buFontTx/>
+              <a:buNone/>
+              <a:tabLst/>
+            </a:pPr>
+            <a:r>
+              <a:rPr kumimoji="0" lang="en-US" altLang="en-US" i="0" u="none" strike="noStrike" cap="none" normalizeH="0" baseline="0" dirty="0">
+                <a:ln>
+                  <a:noFill/>
+                </a:ln>
+                <a:effectLst/>
+                <a:latin typeface="Courier New" panose="02070309020205020404" pitchFamily="49" charset="0"/>
+                <a:cs typeface="Courier New" panose="02070309020205020404" pitchFamily="49" charset="0"/>
+              </a:rPr>
+              <a:t>	&lt;</a:t>
+            </a:r>
+            <a:r>
+              <a:rPr kumimoji="0" lang="en-US" altLang="en-US" i="0" u="none" strike="noStrike" cap="none" normalizeH="0" baseline="0" dirty="0" err="1">
+                <a:ln>
+                  <a:noFill/>
+                </a:ln>
+                <a:effectLst/>
+                <a:latin typeface="Courier New" panose="02070309020205020404" pitchFamily="49" charset="0"/>
+                <a:cs typeface="Courier New" panose="02070309020205020404" pitchFamily="49" charset="0"/>
+              </a:rPr>
+              <a:t>sch:rule</a:t>
+            </a:r>
+            <a:r>
+              <a:rPr kumimoji="0" lang="en-US" altLang="en-US" i="0" u="none" strike="noStrike" cap="none" normalizeH="0" baseline="0" dirty="0">
+                <a:ln>
+                  <a:noFill/>
+                </a:ln>
+                <a:effectLst/>
+                <a:latin typeface="Courier New" panose="02070309020205020404" pitchFamily="49" charset="0"/>
+                <a:cs typeface="Courier New" panose="02070309020205020404" pitchFamily="49" charset="0"/>
+              </a:rPr>
+              <a:t> context="/"&gt; </a:t>
+            </a:r>
+          </a:p>
+          <a:p>
+            <a:pPr marL="0" marR="0" lvl="0" indent="0" algn="l" defTabSz="914400" rtl="0" eaLnBrk="0" fontAlgn="base" latinLnBrk="0" hangingPunct="0">
+              <a:lnSpc>
+                <a:spcPct val="100000"/>
+              </a:lnSpc>
+              <a:spcBef>
+                <a:spcPct val="0"/>
+              </a:spcBef>
+              <a:spcAft>
+                <a:spcPct val="0"/>
+              </a:spcAft>
+              <a:buClrTx/>
+              <a:buSzTx/>
+              <a:buFontTx/>
+              <a:buNone/>
+              <a:tabLst/>
+            </a:pPr>
+            <a:r>
+              <a:rPr kumimoji="0" lang="en-US" altLang="en-US" i="0" u="none" strike="noStrike" cap="none" normalizeH="0" baseline="0" dirty="0">
+                <a:ln>
+                  <a:noFill/>
+                </a:ln>
+                <a:effectLst/>
+                <a:latin typeface="Courier New" panose="02070309020205020404" pitchFamily="49" charset="0"/>
+                <a:cs typeface="Courier New" panose="02070309020205020404" pitchFamily="49" charset="0"/>
+              </a:rPr>
+              <a:t>		&lt;</a:t>
+            </a:r>
+            <a:r>
+              <a:rPr kumimoji="0" lang="en-US" altLang="en-US" i="0" u="none" strike="noStrike" cap="none" normalizeH="0" baseline="0" dirty="0" err="1">
+                <a:ln>
+                  <a:noFill/>
+                </a:ln>
+                <a:effectLst/>
+                <a:latin typeface="Courier New" panose="02070309020205020404" pitchFamily="49" charset="0"/>
+                <a:cs typeface="Courier New" panose="02070309020205020404" pitchFamily="49" charset="0"/>
+              </a:rPr>
+              <a:t>sch:report</a:t>
+            </a:r>
+            <a:r>
+              <a:rPr kumimoji="0" lang="en-US" altLang="en-US" i="0" u="none" strike="noStrike" cap="none" normalizeH="0" baseline="0" dirty="0">
+                <a:ln>
+                  <a:noFill/>
+                </a:ln>
+                <a:effectLst/>
+                <a:latin typeface="Courier New" panose="02070309020205020404" pitchFamily="49" charset="0"/>
+                <a:cs typeface="Courier New" panose="02070309020205020404" pitchFamily="49" charset="0"/>
+              </a:rPr>
+              <a:t> test="root"/&gt;</a:t>
+            </a:r>
+            <a:endParaRPr lang="en-US" altLang="en-US" dirty="0">
+              <a:latin typeface="Courier New" panose="02070309020205020404" pitchFamily="49" charset="0"/>
+              <a:cs typeface="Courier New" panose="02070309020205020404" pitchFamily="49" charset="0"/>
+            </a:endParaRPr>
+          </a:p>
+          <a:p>
+            <a:pPr marL="0" marR="0" lvl="0" indent="0" algn="l" defTabSz="914400" rtl="0" eaLnBrk="0" fontAlgn="base" latinLnBrk="0" hangingPunct="0">
+              <a:lnSpc>
+                <a:spcPct val="100000"/>
+              </a:lnSpc>
+              <a:spcBef>
+                <a:spcPct val="0"/>
+              </a:spcBef>
+              <a:spcAft>
+                <a:spcPct val="0"/>
+              </a:spcAft>
+              <a:buClrTx/>
+              <a:buSzTx/>
+              <a:buFontTx/>
+              <a:buNone/>
+              <a:tabLst/>
+            </a:pPr>
+            <a:r>
+              <a:rPr kumimoji="0" lang="en-US" altLang="en-US" i="0" u="none" strike="noStrike" cap="none" normalizeH="0" baseline="0" dirty="0">
+                <a:ln>
+                  <a:noFill/>
+                </a:ln>
+                <a:effectLst/>
+                <a:latin typeface="Courier New" panose="02070309020205020404" pitchFamily="49" charset="0"/>
+                <a:cs typeface="Courier New" panose="02070309020205020404" pitchFamily="49" charset="0"/>
+              </a:rPr>
+              <a:t>	&lt;/</a:t>
+            </a:r>
+            <a:r>
+              <a:rPr kumimoji="0" lang="en-US" altLang="en-US" i="0" u="none" strike="noStrike" cap="none" normalizeH="0" baseline="0" dirty="0" err="1">
+                <a:ln>
+                  <a:noFill/>
+                </a:ln>
+                <a:effectLst/>
+                <a:latin typeface="Courier New" panose="02070309020205020404" pitchFamily="49" charset="0"/>
+                <a:cs typeface="Courier New" panose="02070309020205020404" pitchFamily="49" charset="0"/>
+              </a:rPr>
+              <a:t>sch:rule</a:t>
+            </a:r>
+            <a:r>
+              <a:rPr kumimoji="0" lang="en-US" altLang="en-US" i="0" u="none" strike="noStrike" cap="none" normalizeH="0" baseline="0" dirty="0">
+                <a:ln>
+                  <a:noFill/>
+                </a:ln>
+                <a:effectLst/>
+                <a:latin typeface="Courier New" panose="02070309020205020404" pitchFamily="49" charset="0"/>
+                <a:cs typeface="Courier New" panose="02070309020205020404" pitchFamily="49" charset="0"/>
+              </a:rPr>
+              <a:t>&gt;</a:t>
+            </a:r>
+            <a:endParaRPr lang="en-US" altLang="en-US" dirty="0">
+              <a:latin typeface="Courier New" panose="02070309020205020404" pitchFamily="49" charset="0"/>
+              <a:cs typeface="Courier New" panose="02070309020205020404" pitchFamily="49" charset="0"/>
+            </a:endParaRPr>
+          </a:p>
+          <a:p>
+            <a:pPr marL="0" marR="0" lvl="0" indent="0" algn="l" defTabSz="914400" rtl="0" eaLnBrk="0" fontAlgn="base" latinLnBrk="0" hangingPunct="0">
+              <a:lnSpc>
+                <a:spcPct val="100000"/>
+              </a:lnSpc>
+              <a:spcBef>
+                <a:spcPct val="0"/>
+              </a:spcBef>
+              <a:spcAft>
+                <a:spcPct val="0"/>
+              </a:spcAft>
+              <a:buClrTx/>
+              <a:buSzTx/>
+              <a:buFontTx/>
+              <a:buNone/>
+              <a:tabLst/>
+            </a:pPr>
+            <a:r>
+              <a:rPr kumimoji="0" lang="en-US" altLang="en-US" i="0" u="none" strike="noStrike" cap="none" normalizeH="0" baseline="0" dirty="0">
+                <a:ln>
+                  <a:noFill/>
+                </a:ln>
+                <a:effectLst/>
+                <a:latin typeface="Courier New" panose="02070309020205020404" pitchFamily="49" charset="0"/>
+                <a:cs typeface="Courier New" panose="02070309020205020404" pitchFamily="49" charset="0"/>
+              </a:rPr>
+              <a:t>&lt;/</a:t>
+            </a:r>
+            <a:r>
+              <a:rPr kumimoji="0" lang="en-US" altLang="en-US" i="0" u="none" strike="noStrike" cap="none" normalizeH="0" baseline="0" dirty="0" err="1">
+                <a:ln>
+                  <a:noFill/>
+                </a:ln>
+                <a:effectLst/>
+                <a:latin typeface="Courier New" panose="02070309020205020404" pitchFamily="49" charset="0"/>
+                <a:cs typeface="Courier New" panose="02070309020205020404" pitchFamily="49" charset="0"/>
+              </a:rPr>
+              <a:t>sch:pattern</a:t>
+            </a:r>
+            <a:r>
+              <a:rPr kumimoji="0" lang="en-US" altLang="en-US" i="0" u="none" strike="noStrike" cap="none" normalizeH="0" baseline="0" dirty="0">
+                <a:ln>
+                  <a:noFill/>
+                </a:ln>
+                <a:effectLst/>
+                <a:latin typeface="Courier New" panose="02070309020205020404" pitchFamily="49" charset="0"/>
+                <a:cs typeface="Courier New" panose="02070309020205020404" pitchFamily="49" charset="0"/>
+              </a:rPr>
+              <a:t>&gt; </a:t>
+            </a:r>
+          </a:p>
+        </p:txBody>
+      </p:sp>
+    </p:spTree>
+    <p:extLst>
+      <p:ext uri="{BB962C8B-B14F-4D97-AF65-F5344CB8AC3E}">
+        <p14:creationId xmlns:p14="http://schemas.microsoft.com/office/powerpoint/2010/main" val="1075125005"/>
+      </p:ext>
+    </p:extLst>
+  </p:cSld>
+  <p:clrMapOvr>
+    <a:masterClrMapping/>
+  </p:clrMapOvr>
+</p:sld>
+</file>
+
+<file path=ppt/slides/slide23.xml><?xml version="1.0" encoding="utf-8"?>
+<p:sld xmlns:a="http://schemas.openxmlformats.org/drawingml/2006/main" xmlns:r="http://schemas.openxmlformats.org/officeDocument/2006/relationships" xmlns:p="http://schemas.openxmlformats.org/presentationml/2006/main">
+  <p:cSld>
+    <p:spTree>
+      <p:nvGrpSpPr>
+        <p:cNvPr id="1" name=""/>
+        <p:cNvGrpSpPr/>
+        <p:nvPr/>
+      </p:nvGrpSpPr>
+      <p:grpSpPr>
+        <a:xfrm>
+          <a:off x="0" y="0"/>
+          <a:ext cx="0" cy="0"/>
+          <a:chOff x="0" y="0"/>
+          <a:chExt cx="0" cy="0"/>
+        </a:xfrm>
+      </p:grpSpPr>
+      <p:sp>
+        <p:nvSpPr>
+          <p:cNvPr id="2" name="Title 1">
+            <a:extLst>
+              <a:ext uri="{FF2B5EF4-FFF2-40B4-BE49-F238E27FC236}">
+                <a16:creationId xmlns:a16="http://schemas.microsoft.com/office/drawing/2014/main" id="{0615A9F1-0279-4FD0-ACA0-DBE2EFC1A1AB}"/>
+              </a:ext>
+            </a:extLst>
+          </p:cNvPr>
+          <p:cNvSpPr>
+            <a:spLocks noGrp="1"/>
+          </p:cNvSpPr>
+          <p:nvPr>
+            <p:ph type="title"/>
+          </p:nvPr>
+        </p:nvSpPr>
+        <p:spPr/>
+        <p:txBody>
+          <a:bodyPr/>
+          <a:lstStyle/>
+          <a:p>
+            <a:r>
+              <a:rPr lang="en-GB" dirty="0">
+                <a:latin typeface="Courier New" panose="02070309020205020404" pitchFamily="49" charset="0"/>
+                <a:cs typeface="Courier New" panose="02070309020205020404" pitchFamily="49" charset="0"/>
+              </a:rPr>
+              <a:t>documents</a:t>
+            </a:r>
+            <a:r>
+              <a:rPr lang="en-GB" dirty="0"/>
+              <a:t> attribute underspecified?</a:t>
+            </a:r>
+          </a:p>
+        </p:txBody>
+      </p:sp>
+      <p:sp>
+        <p:nvSpPr>
+          <p:cNvPr id="3" name="Content Placeholder 2">
+            <a:extLst>
+              <a:ext uri="{FF2B5EF4-FFF2-40B4-BE49-F238E27FC236}">
+                <a16:creationId xmlns:a16="http://schemas.microsoft.com/office/drawing/2014/main" id="{238B71B9-3DA0-4314-97F2-DEAC6DDF27D3}"/>
+              </a:ext>
+            </a:extLst>
+          </p:cNvPr>
+          <p:cNvSpPr>
+            <a:spLocks noGrp="1"/>
+          </p:cNvSpPr>
+          <p:nvPr>
+            <p:ph idx="1"/>
+          </p:nvPr>
+        </p:nvSpPr>
+        <p:spPr/>
+        <p:txBody>
+          <a:bodyPr/>
+          <a:lstStyle/>
+          <a:p>
+            <a:pPr marL="514350" indent="-514350">
+              <a:buFont typeface="+mj-lt"/>
+              <a:buAutoNum type="arabicPeriod"/>
+            </a:pPr>
+            <a:r>
+              <a:rPr lang="en-GB" dirty="0"/>
+              <a:t>Rules apply to </a:t>
+            </a:r>
+            <a:r>
+              <a:rPr lang="en-GB" b="1" dirty="0"/>
+              <a:t>instance</a:t>
+            </a:r>
+            <a:r>
+              <a:rPr lang="en-GB" dirty="0"/>
+              <a:t> document </a:t>
+            </a:r>
+            <a:r>
+              <a:rPr lang="en-GB" i="1" dirty="0"/>
+              <a:t>as well</a:t>
+            </a:r>
+            <a:r>
+              <a:rPr lang="en-GB" dirty="0"/>
+              <a:t>? Presumably not.</a:t>
+            </a:r>
+          </a:p>
+          <a:p>
+            <a:pPr marL="514350" indent="-514350">
+              <a:buFont typeface="+mj-lt"/>
+              <a:buAutoNum type="arabicPeriod"/>
+            </a:pPr>
+            <a:r>
+              <a:rPr lang="en-GB" dirty="0"/>
+              <a:t>Are pattern variables in scope? e.g.</a:t>
+            </a:r>
+          </a:p>
+          <a:p>
+            <a:pPr marL="0" indent="0">
+              <a:buNone/>
+            </a:pPr>
+            <a:endParaRPr lang="en-GB" dirty="0">
+              <a:latin typeface="Courier New" panose="02070309020205020404" pitchFamily="49" charset="0"/>
+              <a:cs typeface="Courier New" panose="02070309020205020404" pitchFamily="49" charset="0"/>
+            </a:endParaRPr>
+          </a:p>
+          <a:p>
+            <a:pPr marL="0" indent="0">
+              <a:buNone/>
+            </a:pPr>
+            <a:r>
+              <a:rPr lang="en-GB" dirty="0">
+                <a:latin typeface="Courier New" panose="02070309020205020404" pitchFamily="49" charset="0"/>
+                <a:cs typeface="Courier New" panose="02070309020205020404" pitchFamily="49" charset="0"/>
+              </a:rPr>
+              <a:t>  &lt;pattern</a:t>
+            </a:r>
+          </a:p>
+          <a:p>
+            <a:pPr marL="0" indent="0">
+              <a:buNone/>
+            </a:pPr>
+            <a:r>
+              <a:rPr lang="en-GB" dirty="0">
+                <a:latin typeface="Courier New" panose="02070309020205020404" pitchFamily="49" charset="0"/>
+                <a:cs typeface="Courier New" panose="02070309020205020404" pitchFamily="49" charset="0"/>
+              </a:rPr>
+              <a:t>  documents=‘/other/docs[not(@path = </a:t>
+            </a:r>
+            <a:r>
+              <a:rPr lang="en-GB" b="1" dirty="0">
+                <a:latin typeface="Courier New" panose="02070309020205020404" pitchFamily="49" charset="0"/>
+                <a:cs typeface="Courier New" panose="02070309020205020404" pitchFamily="49" charset="0"/>
+              </a:rPr>
+              <a:t>$these</a:t>
+            </a:r>
+            <a:r>
+              <a:rPr lang="en-GB" dirty="0">
+                <a:latin typeface="Courier New" panose="02070309020205020404" pitchFamily="49" charset="0"/>
+                <a:cs typeface="Courier New" panose="02070309020205020404" pitchFamily="49" charset="0"/>
+              </a:rPr>
+              <a:t>)]’&gt;</a:t>
+            </a:r>
+          </a:p>
+          <a:p>
+            <a:pPr marL="0" indent="0">
+              <a:buNone/>
+            </a:pPr>
+            <a:r>
+              <a:rPr lang="en-GB" dirty="0">
+                <a:latin typeface="Courier New" panose="02070309020205020404" pitchFamily="49" charset="0"/>
+                <a:cs typeface="Courier New" panose="02070309020205020404" pitchFamily="49" charset="0"/>
+              </a:rPr>
+              <a:t>	&lt;let name=‘these’ value=‘not-me.xml’/&gt;...</a:t>
+            </a:r>
+          </a:p>
+          <a:p>
+            <a:pPr marL="0" indent="0">
+              <a:buNone/>
+            </a:pPr>
+            <a:endParaRPr lang="en-GB" dirty="0">
+              <a:latin typeface="Courier New" panose="02070309020205020404" pitchFamily="49" charset="0"/>
+              <a:cs typeface="Courier New" panose="02070309020205020404" pitchFamily="49" charset="0"/>
+            </a:endParaRPr>
+          </a:p>
+          <a:p>
+            <a:pPr marL="0" indent="0">
+              <a:buNone/>
+            </a:pPr>
+            <a:r>
+              <a:rPr lang="en-GB" dirty="0"/>
+              <a:t>XQS assumes so.</a:t>
+            </a:r>
+          </a:p>
+          <a:p>
+            <a:pPr marL="0" indent="0">
+              <a:buNone/>
+            </a:pPr>
+            <a:endParaRPr lang="en-GB" dirty="0">
+              <a:latin typeface="Courier New" panose="02070309020205020404" pitchFamily="49" charset="0"/>
+              <a:cs typeface="Courier New" panose="02070309020205020404" pitchFamily="49" charset="0"/>
+            </a:endParaRPr>
+          </a:p>
+        </p:txBody>
+      </p:sp>
+    </p:spTree>
+    <p:extLst>
+      <p:ext uri="{BB962C8B-B14F-4D97-AF65-F5344CB8AC3E}">
+        <p14:creationId xmlns:p14="http://schemas.microsoft.com/office/powerpoint/2010/main" val="154519701"/>
+      </p:ext>
+    </p:extLst>
+  </p:cSld>
+  <p:clrMapOvr>
+    <a:masterClrMapping/>
+  </p:clrMapOvr>
+</p:sld>
+</file>
+
+<file path=ppt/slides/slide24.xml><?xml version="1.0" encoding="utf-8"?>
+<p:sld xmlns:a="http://schemas.openxmlformats.org/drawingml/2006/main" xmlns:r="http://schemas.openxmlformats.org/officeDocument/2006/relationships" xmlns:p="http://schemas.openxmlformats.org/presentationml/2006/main">
+  <p:cSld>
+    <p:spTree>
+      <p:nvGrpSpPr>
+        <p:cNvPr id="1" name=""/>
+        <p:cNvGrpSpPr/>
+        <p:nvPr/>
+      </p:nvGrpSpPr>
+      <p:grpSpPr>
+        <a:xfrm>
+          <a:off x="0" y="0"/>
+          <a:ext cx="0" cy="0"/>
+          <a:chOff x="0" y="0"/>
+          <a:chExt cx="0" cy="0"/>
+        </a:xfrm>
+      </p:grpSpPr>
+      <p:sp>
+        <p:nvSpPr>
+          <p:cNvPr id="2" name="Title 1">
+            <a:extLst>
+              <a:ext uri="{FF2B5EF4-FFF2-40B4-BE49-F238E27FC236}">
+                <a16:creationId xmlns:a16="http://schemas.microsoft.com/office/drawing/2014/main" id="{11EA74FB-8330-4915-9386-2E6B0C28DD6C}"/>
+              </a:ext>
+            </a:extLst>
+          </p:cNvPr>
+          <p:cNvSpPr>
+            <a:spLocks noGrp="1"/>
+          </p:cNvSpPr>
+          <p:nvPr>
+            <p:ph type="title"/>
+          </p:nvPr>
+        </p:nvSpPr>
+        <p:spPr/>
+        <p:txBody>
+          <a:bodyPr/>
+          <a:lstStyle/>
+          <a:p>
+            <a:r>
+              <a:rPr lang="en-GB" dirty="0"/>
+              <a:t>Rules as if-then-else</a:t>
+            </a:r>
+          </a:p>
+        </p:txBody>
+      </p:sp>
+      <p:sp>
+        <p:nvSpPr>
+          <p:cNvPr id="3" name="Content Placeholder 2">
+            <a:extLst>
+              <a:ext uri="{FF2B5EF4-FFF2-40B4-BE49-F238E27FC236}">
+                <a16:creationId xmlns:a16="http://schemas.microsoft.com/office/drawing/2014/main" id="{9035933B-4233-452F-A32B-E2C56FC6F996}"/>
+              </a:ext>
+            </a:extLst>
+          </p:cNvPr>
+          <p:cNvSpPr>
+            <a:spLocks noGrp="1"/>
+          </p:cNvSpPr>
+          <p:nvPr>
+            <p:ph idx="1"/>
+          </p:nvPr>
+        </p:nvSpPr>
+        <p:spPr/>
+        <p:txBody>
+          <a:bodyPr>
+            <a:normAutofit fontScale="77500" lnSpcReduction="20000"/>
+          </a:bodyPr>
+          <a:lstStyle/>
+          <a:p>
+            <a:pPr marL="0" indent="0">
+              <a:buNone/>
+            </a:pPr>
+            <a:r>
+              <a:rPr lang="en-GB" dirty="0">
+                <a:latin typeface="Courier New" panose="02070309020205020404" pitchFamily="49" charset="0"/>
+                <a:cs typeface="Courier New" panose="02070309020205020404" pitchFamily="49" charset="0"/>
+              </a:rPr>
+              <a:t>declare function </a:t>
+            </a:r>
+            <a:r>
+              <a:rPr lang="en-GB" dirty="0" err="1">
+                <a:latin typeface="Courier New" panose="02070309020205020404" pitchFamily="49" charset="0"/>
+                <a:cs typeface="Courier New" panose="02070309020205020404" pitchFamily="49" charset="0"/>
+              </a:rPr>
+              <a:t>eval:rules</a:t>
+            </a:r>
+            <a:r>
+              <a:rPr lang="en-GB" dirty="0">
+                <a:latin typeface="Courier New" panose="02070309020205020404" pitchFamily="49" charset="0"/>
+                <a:cs typeface="Courier New" panose="02070309020205020404" pitchFamily="49" charset="0"/>
+              </a:rPr>
+              <a:t>($rules as element(</a:t>
+            </a:r>
+            <a:r>
+              <a:rPr lang="en-GB" dirty="0" err="1">
+                <a:latin typeface="Courier New" panose="02070309020205020404" pitchFamily="49" charset="0"/>
+                <a:cs typeface="Courier New" panose="02070309020205020404" pitchFamily="49" charset="0"/>
+              </a:rPr>
+              <a:t>sch:rule</a:t>
+            </a:r>
+            <a:r>
+              <a:rPr lang="en-GB" dirty="0">
+                <a:latin typeface="Courier New" panose="02070309020205020404" pitchFamily="49" charset="0"/>
+                <a:cs typeface="Courier New" panose="02070309020205020404" pitchFamily="49" charset="0"/>
+              </a:rPr>
+              <a:t>)*, $</a:t>
+            </a:r>
+            <a:r>
+              <a:rPr lang="en-GB" dirty="0" err="1">
+                <a:latin typeface="Courier New" panose="02070309020205020404" pitchFamily="49" charset="0"/>
+                <a:cs typeface="Courier New" panose="02070309020205020404" pitchFamily="49" charset="0"/>
+              </a:rPr>
+              <a:t>prolog</a:t>
+            </a:r>
+            <a:r>
+              <a:rPr lang="en-GB" dirty="0">
+                <a:latin typeface="Courier New" panose="02070309020205020404" pitchFamily="49" charset="0"/>
+                <a:cs typeface="Courier New" panose="02070309020205020404" pitchFamily="49" charset="0"/>
+              </a:rPr>
+              <a:t> as </a:t>
+            </a:r>
+            <a:r>
+              <a:rPr lang="en-GB" dirty="0" err="1">
+                <a:latin typeface="Courier New" panose="02070309020205020404" pitchFamily="49" charset="0"/>
+                <a:cs typeface="Courier New" panose="02070309020205020404" pitchFamily="49" charset="0"/>
+              </a:rPr>
+              <a:t>xs:string</a:t>
+            </a:r>
+            <a:r>
+              <a:rPr lang="en-GB" dirty="0">
+                <a:latin typeface="Courier New" panose="02070309020205020404" pitchFamily="49" charset="0"/>
+                <a:cs typeface="Courier New" panose="02070309020205020404" pitchFamily="49" charset="0"/>
+              </a:rPr>
+              <a:t>?, $context as map(*)) as element()*</a:t>
+            </a:r>
+          </a:p>
+          <a:p>
+            <a:pPr marL="0" indent="0">
+              <a:buNone/>
+            </a:pPr>
+            <a:r>
+              <a:rPr lang="en-GB" dirty="0">
+                <a:latin typeface="Courier New" panose="02070309020205020404" pitchFamily="49" charset="0"/>
+                <a:cs typeface="Courier New" panose="02070309020205020404" pitchFamily="49" charset="0"/>
+              </a:rPr>
+              <a:t>{</a:t>
+            </a:r>
+          </a:p>
+          <a:p>
+            <a:pPr marL="0" indent="0">
+              <a:buNone/>
+            </a:pPr>
+            <a:r>
+              <a:rPr lang="en-GB" dirty="0">
+                <a:latin typeface="Courier New" panose="02070309020205020404" pitchFamily="49" charset="0"/>
+                <a:cs typeface="Courier New" panose="02070309020205020404" pitchFamily="49" charset="0"/>
+              </a:rPr>
+              <a:t>  if(empty($rules))</a:t>
+            </a:r>
+          </a:p>
+          <a:p>
+            <a:pPr marL="0" indent="0">
+              <a:buNone/>
+            </a:pPr>
+            <a:r>
+              <a:rPr lang="en-GB" dirty="0">
+                <a:latin typeface="Courier New" panose="02070309020205020404" pitchFamily="49" charset="0"/>
+                <a:cs typeface="Courier New" panose="02070309020205020404" pitchFamily="49" charset="0"/>
+              </a:rPr>
+              <a:t>  then ()</a:t>
+            </a:r>
+          </a:p>
+          <a:p>
+            <a:pPr marL="0" indent="0">
+              <a:buNone/>
+            </a:pPr>
+            <a:r>
+              <a:rPr lang="en-GB" dirty="0">
+                <a:latin typeface="Courier New" panose="02070309020205020404" pitchFamily="49" charset="0"/>
+                <a:cs typeface="Courier New" panose="02070309020205020404" pitchFamily="49" charset="0"/>
+              </a:rPr>
+              <a:t>  else</a:t>
+            </a:r>
+          </a:p>
+          <a:p>
+            <a:pPr marL="0" indent="0">
+              <a:buNone/>
+            </a:pPr>
+            <a:r>
+              <a:rPr lang="en-GB" dirty="0">
+                <a:latin typeface="Courier New" panose="02070309020205020404" pitchFamily="49" charset="0"/>
+                <a:cs typeface="Courier New" panose="02070309020205020404" pitchFamily="49" charset="0"/>
+              </a:rPr>
+              <a:t>    let $result := </a:t>
+            </a:r>
+            <a:r>
+              <a:rPr lang="en-GB" b="1" dirty="0" err="1">
+                <a:latin typeface="Courier New" panose="02070309020205020404" pitchFamily="49" charset="0"/>
+                <a:cs typeface="Courier New" panose="02070309020205020404" pitchFamily="49" charset="0"/>
+              </a:rPr>
+              <a:t>eval:rule</a:t>
+            </a:r>
+            <a:r>
+              <a:rPr lang="en-GB" b="1" dirty="0">
+                <a:latin typeface="Courier New" panose="02070309020205020404" pitchFamily="49" charset="0"/>
+                <a:cs typeface="Courier New" panose="02070309020205020404" pitchFamily="49" charset="0"/>
+              </a:rPr>
+              <a:t>(head($rules), $</a:t>
+            </a:r>
+            <a:r>
+              <a:rPr lang="en-GB" b="1" dirty="0" err="1">
+                <a:latin typeface="Courier New" panose="02070309020205020404" pitchFamily="49" charset="0"/>
+                <a:cs typeface="Courier New" panose="02070309020205020404" pitchFamily="49" charset="0"/>
+              </a:rPr>
+              <a:t>prolog</a:t>
+            </a:r>
+            <a:r>
+              <a:rPr lang="en-GB" b="1" dirty="0">
+                <a:latin typeface="Courier New" panose="02070309020205020404" pitchFamily="49" charset="0"/>
+                <a:cs typeface="Courier New" panose="02070309020205020404" pitchFamily="49" charset="0"/>
+              </a:rPr>
+              <a:t>, $context)</a:t>
+            </a:r>
+          </a:p>
+          <a:p>
+            <a:pPr marL="0" indent="0">
+              <a:buNone/>
+            </a:pPr>
+            <a:r>
+              <a:rPr lang="en-GB" dirty="0">
+                <a:latin typeface="Courier New" panose="02070309020205020404" pitchFamily="49" charset="0"/>
+                <a:cs typeface="Courier New" panose="02070309020205020404" pitchFamily="49" charset="0"/>
+              </a:rPr>
+              <a:t>    return if($result)</a:t>
+            </a:r>
+          </a:p>
+          <a:p>
+            <a:pPr marL="0" indent="0">
+              <a:buNone/>
+            </a:pPr>
+            <a:r>
+              <a:rPr lang="en-GB" dirty="0">
+                <a:latin typeface="Courier New" panose="02070309020205020404" pitchFamily="49" charset="0"/>
+                <a:cs typeface="Courier New" panose="02070309020205020404" pitchFamily="49" charset="0"/>
+              </a:rPr>
+              <a:t>    then $result</a:t>
+            </a:r>
+          </a:p>
+          <a:p>
+            <a:pPr marL="0" indent="0">
+              <a:buNone/>
+            </a:pPr>
+            <a:r>
+              <a:rPr lang="en-GB" dirty="0">
+                <a:latin typeface="Courier New" panose="02070309020205020404" pitchFamily="49" charset="0"/>
+                <a:cs typeface="Courier New" panose="02070309020205020404" pitchFamily="49" charset="0"/>
+              </a:rPr>
+              <a:t>    else </a:t>
+            </a:r>
+            <a:r>
+              <a:rPr lang="en-GB" b="1" dirty="0" err="1">
+                <a:latin typeface="Courier New" panose="02070309020205020404" pitchFamily="49" charset="0"/>
+                <a:cs typeface="Courier New" panose="02070309020205020404" pitchFamily="49" charset="0"/>
+              </a:rPr>
+              <a:t>eval:rules</a:t>
+            </a:r>
+            <a:r>
+              <a:rPr lang="en-GB" b="1" dirty="0">
+                <a:latin typeface="Courier New" panose="02070309020205020404" pitchFamily="49" charset="0"/>
+                <a:cs typeface="Courier New" panose="02070309020205020404" pitchFamily="49" charset="0"/>
+              </a:rPr>
+              <a:t>(tail($rules), $</a:t>
+            </a:r>
+            <a:r>
+              <a:rPr lang="en-GB" b="1" dirty="0" err="1">
+                <a:latin typeface="Courier New" panose="02070309020205020404" pitchFamily="49" charset="0"/>
+                <a:cs typeface="Courier New" panose="02070309020205020404" pitchFamily="49" charset="0"/>
+              </a:rPr>
+              <a:t>prolog</a:t>
+            </a:r>
+            <a:r>
+              <a:rPr lang="en-GB" b="1" dirty="0">
+                <a:latin typeface="Courier New" panose="02070309020205020404" pitchFamily="49" charset="0"/>
+                <a:cs typeface="Courier New" panose="02070309020205020404" pitchFamily="49" charset="0"/>
+              </a:rPr>
+              <a:t>, $context)</a:t>
+            </a:r>
+          </a:p>
+          <a:p>
+            <a:pPr marL="0" indent="0">
+              <a:buNone/>
+            </a:pPr>
+            <a:r>
+              <a:rPr lang="en-GB" dirty="0">
+                <a:latin typeface="Courier New" panose="02070309020205020404" pitchFamily="49" charset="0"/>
+                <a:cs typeface="Courier New" panose="02070309020205020404" pitchFamily="49" charset="0"/>
+              </a:rPr>
+              <a:t>};</a:t>
+            </a:r>
+          </a:p>
+        </p:txBody>
+      </p:sp>
+    </p:spTree>
+    <p:extLst>
+      <p:ext uri="{BB962C8B-B14F-4D97-AF65-F5344CB8AC3E}">
+        <p14:creationId xmlns:p14="http://schemas.microsoft.com/office/powerpoint/2010/main" val="1450008964"/>
+      </p:ext>
+    </p:extLst>
+  </p:cSld>
+  <p:clrMapOvr>
+    <a:masterClrMapping/>
+  </p:clrMapOvr>
+</p:sld>
+</file>
+
+<file path=ppt/slides/slide25.xml><?xml version="1.0" encoding="utf-8"?>
+<p:sld xmlns:a="http://schemas.openxmlformats.org/drawingml/2006/main" xmlns:r="http://schemas.openxmlformats.org/officeDocument/2006/relationships" xmlns:p="http://schemas.openxmlformats.org/presentationml/2006/main">
+  <p:cSld>
+    <p:spTree>
+      <p:nvGrpSpPr>
+        <p:cNvPr id="1" name=""/>
+        <p:cNvGrpSpPr/>
+        <p:nvPr/>
+      </p:nvGrpSpPr>
+      <p:grpSpPr>
+        <a:xfrm>
+          <a:off x="0" y="0"/>
+          <a:ext cx="0" cy="0"/>
+          <a:chOff x="0" y="0"/>
+          <a:chExt cx="0" cy="0"/>
+        </a:xfrm>
+      </p:grpSpPr>
+      <p:sp>
+        <p:nvSpPr>
+          <p:cNvPr id="2" name="Title 1">
+            <a:extLst>
+              <a:ext uri="{FF2B5EF4-FFF2-40B4-BE49-F238E27FC236}">
+                <a16:creationId xmlns:a16="http://schemas.microsoft.com/office/drawing/2014/main" id="{AA8B0EB9-6F49-44E1-89EA-FBBFC96F4CAF}"/>
+              </a:ext>
+            </a:extLst>
+          </p:cNvPr>
+          <p:cNvSpPr>
+            <a:spLocks noGrp="1"/>
+          </p:cNvSpPr>
+          <p:nvPr>
+            <p:ph type="title"/>
+          </p:nvPr>
+        </p:nvSpPr>
+        <p:spPr/>
+        <p:txBody>
+          <a:bodyPr/>
+          <a:lstStyle/>
+          <a:p>
+            <a:r>
+              <a:rPr lang="en-GB" dirty="0"/>
+              <a:t>Hidden syntax errors</a:t>
+            </a:r>
+          </a:p>
+        </p:txBody>
+      </p:sp>
+      <p:sp>
+        <p:nvSpPr>
+          <p:cNvPr id="3" name="Content Placeholder 2">
+            <a:extLst>
+              <a:ext uri="{FF2B5EF4-FFF2-40B4-BE49-F238E27FC236}">
+                <a16:creationId xmlns:a16="http://schemas.microsoft.com/office/drawing/2014/main" id="{CEFDA6AB-AA81-462E-9433-90B7BF6DD222}"/>
+              </a:ext>
+            </a:extLst>
+          </p:cNvPr>
+          <p:cNvSpPr>
+            <a:spLocks noGrp="1"/>
+          </p:cNvSpPr>
+          <p:nvPr>
+            <p:ph idx="1"/>
+          </p:nvPr>
+        </p:nvSpPr>
+        <p:spPr/>
+        <p:txBody>
+          <a:bodyPr/>
+          <a:lstStyle/>
+          <a:p>
+            <a:pPr marL="0" indent="0">
+              <a:buNone/>
+            </a:pPr>
+            <a:r>
+              <a:rPr lang="en-GB" dirty="0">
+                <a:latin typeface="+mj-lt"/>
+                <a:cs typeface="Courier New" panose="02070309020205020404" pitchFamily="49" charset="0"/>
+              </a:rPr>
+              <a:t>Analogous to interpreted languages:</a:t>
+            </a:r>
+          </a:p>
+          <a:p>
+            <a:pPr marL="0" indent="0">
+              <a:buNone/>
+            </a:pPr>
+            <a:endParaRPr lang="en-GB" dirty="0">
+              <a:latin typeface="Courier New" panose="02070309020205020404" pitchFamily="49" charset="0"/>
+              <a:cs typeface="Courier New" panose="02070309020205020404" pitchFamily="49" charset="0"/>
+            </a:endParaRPr>
+          </a:p>
+          <a:p>
+            <a:pPr marL="0" indent="0">
+              <a:buNone/>
+            </a:pPr>
+            <a:r>
+              <a:rPr lang="en-GB" dirty="0">
+                <a:latin typeface="Courier New" panose="02070309020205020404" pitchFamily="49" charset="0"/>
+                <a:cs typeface="Courier New" panose="02070309020205020404" pitchFamily="49" charset="0"/>
+              </a:rPr>
+              <a:t>&lt;</a:t>
+            </a:r>
+            <a:r>
+              <a:rPr lang="en-GB" dirty="0" err="1">
+                <a:latin typeface="Courier New" panose="02070309020205020404" pitchFamily="49" charset="0"/>
+                <a:cs typeface="Courier New" panose="02070309020205020404" pitchFamily="49" charset="0"/>
+              </a:rPr>
+              <a:t>sch:rule</a:t>
+            </a:r>
+            <a:r>
+              <a:rPr lang="en-GB" dirty="0">
+                <a:latin typeface="Courier New" panose="02070309020205020404" pitchFamily="49" charset="0"/>
+                <a:cs typeface="Courier New" panose="02070309020205020404" pitchFamily="49" charset="0"/>
+              </a:rPr>
+              <a:t> context="/.."&gt;</a:t>
+            </a:r>
+          </a:p>
+          <a:p>
+            <a:pPr marL="0" indent="0">
+              <a:buNone/>
+            </a:pPr>
+            <a:r>
+              <a:rPr lang="en-GB" dirty="0">
+                <a:latin typeface="Courier New" panose="02070309020205020404" pitchFamily="49" charset="0"/>
+                <a:cs typeface="Courier New" panose="02070309020205020404" pitchFamily="49" charset="0"/>
+              </a:rPr>
+              <a:t>    &lt;</a:t>
+            </a:r>
+            <a:r>
+              <a:rPr lang="en-GB" dirty="0" err="1">
+                <a:latin typeface="Courier New" panose="02070309020205020404" pitchFamily="49" charset="0"/>
+                <a:cs typeface="Courier New" panose="02070309020205020404" pitchFamily="49" charset="0"/>
+              </a:rPr>
+              <a:t>sch:report</a:t>
+            </a:r>
+            <a:r>
+              <a:rPr lang="en-GB" dirty="0">
+                <a:latin typeface="Courier New" panose="02070309020205020404" pitchFamily="49" charset="0"/>
+                <a:cs typeface="Courier New" panose="02070309020205020404" pitchFamily="49" charset="0"/>
+              </a:rPr>
+              <a:t> test="</a:t>
+            </a:r>
+            <a:r>
+              <a:rPr lang="en-GB" b="1" dirty="0">
+                <a:latin typeface="Courier New" panose="02070309020205020404" pitchFamily="49" charset="0"/>
+                <a:cs typeface="Courier New" panose="02070309020205020404" pitchFamily="49" charset="0"/>
+              </a:rPr>
+              <a:t>???</a:t>
+            </a:r>
+            <a:r>
+              <a:rPr lang="en-GB" dirty="0">
+                <a:latin typeface="Courier New" panose="02070309020205020404" pitchFamily="49" charset="0"/>
+                <a:cs typeface="Courier New" panose="02070309020205020404" pitchFamily="49" charset="0"/>
+              </a:rPr>
+              <a:t>"&gt;[...]&lt;/</a:t>
+            </a:r>
+            <a:r>
+              <a:rPr lang="en-GB" dirty="0" err="1">
+                <a:latin typeface="Courier New" panose="02070309020205020404" pitchFamily="49" charset="0"/>
+                <a:cs typeface="Courier New" panose="02070309020205020404" pitchFamily="49" charset="0"/>
+              </a:rPr>
+              <a:t>sch:report</a:t>
+            </a:r>
+            <a:r>
+              <a:rPr lang="en-GB" dirty="0">
+                <a:latin typeface="Courier New" panose="02070309020205020404" pitchFamily="49" charset="0"/>
+                <a:cs typeface="Courier New" panose="02070309020205020404" pitchFamily="49" charset="0"/>
+              </a:rPr>
+              <a:t>&gt;</a:t>
+            </a:r>
+          </a:p>
+          <a:p>
+            <a:pPr marL="0" indent="0">
+              <a:buNone/>
+            </a:pPr>
+            <a:r>
+              <a:rPr lang="en-GB" dirty="0">
+                <a:latin typeface="Courier New" panose="02070309020205020404" pitchFamily="49" charset="0"/>
+                <a:cs typeface="Courier New" panose="02070309020205020404" pitchFamily="49" charset="0"/>
+              </a:rPr>
+              <a:t>&lt;/</a:t>
+            </a:r>
+            <a:r>
+              <a:rPr lang="en-GB" dirty="0" err="1">
+                <a:latin typeface="Courier New" panose="02070309020205020404" pitchFamily="49" charset="0"/>
+                <a:cs typeface="Courier New" panose="02070309020205020404" pitchFamily="49" charset="0"/>
+              </a:rPr>
+              <a:t>sch:rule</a:t>
+            </a:r>
+            <a:r>
+              <a:rPr lang="en-GB" dirty="0">
+                <a:latin typeface="Courier New" panose="02070309020205020404" pitchFamily="49" charset="0"/>
+                <a:cs typeface="Courier New" panose="02070309020205020404" pitchFamily="49" charset="0"/>
+              </a:rPr>
+              <a:t>&gt;</a:t>
+            </a:r>
+          </a:p>
+          <a:p>
+            <a:pPr marL="0" indent="0">
+              <a:buNone/>
+            </a:pPr>
+            <a:endParaRPr lang="en-GB" dirty="0">
+              <a:latin typeface="Courier New" panose="02070309020205020404" pitchFamily="49" charset="0"/>
+              <a:cs typeface="Courier New" panose="02070309020205020404" pitchFamily="49" charset="0"/>
+            </a:endParaRPr>
+          </a:p>
+          <a:p>
+            <a:pPr marL="0" indent="0">
+              <a:buNone/>
+            </a:pPr>
+            <a:r>
+              <a:rPr lang="en-GB" i="1" dirty="0">
+                <a:cs typeface="Courier New" panose="02070309020205020404" pitchFamily="49" charset="0"/>
+              </a:rPr>
+              <a:t>Remedy: </a:t>
+            </a:r>
+            <a:r>
+              <a:rPr lang="en-GB" dirty="0" err="1">
+                <a:latin typeface="Courier New" panose="02070309020205020404" pitchFamily="49" charset="0"/>
+                <a:cs typeface="Courier New" panose="02070309020205020404" pitchFamily="49" charset="0"/>
+              </a:rPr>
+              <a:t>xquery:parse</a:t>
+            </a:r>
+            <a:r>
+              <a:rPr lang="en-GB" dirty="0">
+                <a:latin typeface="Courier New" panose="02070309020205020404" pitchFamily="49" charset="0"/>
+                <a:cs typeface="Courier New" panose="02070309020205020404" pitchFamily="49" charset="0"/>
+              </a:rPr>
+              <a:t>()</a:t>
+            </a:r>
+          </a:p>
+          <a:p>
+            <a:pPr marL="0" indent="0">
+              <a:buNone/>
+            </a:pPr>
+            <a:endParaRPr lang="en-GB" dirty="0">
+              <a:latin typeface="Courier New" panose="02070309020205020404" pitchFamily="49" charset="0"/>
+              <a:cs typeface="Courier New" panose="02070309020205020404" pitchFamily="49" charset="0"/>
+            </a:endParaRPr>
+          </a:p>
+        </p:txBody>
+      </p:sp>
+    </p:spTree>
+    <p:extLst>
+      <p:ext uri="{BB962C8B-B14F-4D97-AF65-F5344CB8AC3E}">
+        <p14:creationId xmlns:p14="http://schemas.microsoft.com/office/powerpoint/2010/main" val="1223542012"/>
+      </p:ext>
+    </p:extLst>
+  </p:cSld>
+  <p:clrMapOvr>
+    <a:masterClrMapping/>
+  </p:clrMapOvr>
+</p:sld>
+</file>
+
+<file path=ppt/slides/slide26.xml><?xml version="1.0" encoding="utf-8"?>
+<p:sld xmlns:a="http://schemas.openxmlformats.org/drawingml/2006/main" xmlns:r="http://schemas.openxmlformats.org/officeDocument/2006/relationships" xmlns:p="http://schemas.openxmlformats.org/presentationml/2006/main">
+  <p:cSld>
+    <p:spTree>
+      <p:nvGrpSpPr>
+        <p:cNvPr id="1" name=""/>
+        <p:cNvGrpSpPr/>
+        <p:nvPr/>
+      </p:nvGrpSpPr>
+      <p:grpSpPr>
+        <a:xfrm>
+          <a:off x="0" y="0"/>
+          <a:ext cx="0" cy="0"/>
+          <a:chOff x="0" y="0"/>
+          <a:chExt cx="0" cy="0"/>
+        </a:xfrm>
+      </p:grpSpPr>
+      <p:sp>
+        <p:nvSpPr>
+          <p:cNvPr id="2" name="Title 1">
+            <a:extLst>
+              <a:ext uri="{FF2B5EF4-FFF2-40B4-BE49-F238E27FC236}">
+                <a16:creationId xmlns:a16="http://schemas.microsoft.com/office/drawing/2014/main" id="{A4AB8F6A-A471-4F21-8E56-5BD78423DDF6}"/>
+              </a:ext>
+            </a:extLst>
+          </p:cNvPr>
+          <p:cNvSpPr>
+            <a:spLocks noGrp="1"/>
+          </p:cNvSpPr>
+          <p:nvPr>
+            <p:ph type="title"/>
+          </p:nvPr>
+        </p:nvSpPr>
+        <p:spPr/>
+        <p:txBody>
+          <a:bodyPr/>
+          <a:lstStyle/>
+          <a:p>
+            <a:r>
+              <a:rPr lang="en-GB" dirty="0"/>
+              <a:t>Global read lock</a:t>
+            </a:r>
+          </a:p>
+        </p:txBody>
+      </p:sp>
+      <p:sp>
+        <p:nvSpPr>
+          <p:cNvPr id="3" name="Content Placeholder 2">
+            <a:extLst>
+              <a:ext uri="{FF2B5EF4-FFF2-40B4-BE49-F238E27FC236}">
+                <a16:creationId xmlns:a16="http://schemas.microsoft.com/office/drawing/2014/main" id="{B4C353DE-393C-4166-B4D9-06CCFABA6BC9}"/>
+              </a:ext>
+            </a:extLst>
+          </p:cNvPr>
+          <p:cNvSpPr>
+            <a:spLocks noGrp="1"/>
+          </p:cNvSpPr>
+          <p:nvPr>
+            <p:ph idx="1"/>
+          </p:nvPr>
+        </p:nvSpPr>
+        <p:spPr/>
+        <p:txBody>
+          <a:bodyPr/>
+          <a:lstStyle/>
+          <a:p>
+            <a:r>
+              <a:rPr lang="en-GB" dirty="0" err="1">
+                <a:latin typeface="Courier New" panose="02070309020205020404" pitchFamily="49" charset="0"/>
+                <a:cs typeface="Courier New" panose="02070309020205020404" pitchFamily="49" charset="0"/>
+              </a:rPr>
+              <a:t>xquery:eval</a:t>
+            </a:r>
+            <a:r>
+              <a:rPr lang="en-GB" dirty="0">
+                <a:latin typeface="Courier New" panose="02070309020205020404" pitchFamily="49" charset="0"/>
+                <a:cs typeface="Courier New" panose="02070309020205020404" pitchFamily="49" charset="0"/>
+              </a:rPr>
+              <a:t>()</a:t>
+            </a:r>
+            <a:r>
+              <a:rPr lang="en-GB" dirty="0"/>
+              <a:t> imposes this</a:t>
+            </a:r>
+          </a:p>
+          <a:p>
+            <a:r>
+              <a:rPr lang="en-GB" dirty="0"/>
+              <a:t>No issue if not using </a:t>
+            </a:r>
+            <a:r>
+              <a:rPr lang="en-GB" dirty="0" err="1"/>
+              <a:t>BaseX</a:t>
+            </a:r>
+            <a:r>
+              <a:rPr lang="en-GB" dirty="0"/>
+              <a:t> as DB</a:t>
+            </a:r>
+          </a:p>
+          <a:p>
+            <a:r>
+              <a:rPr lang="en-GB" dirty="0"/>
+              <a:t>Otherwise: use compiled schema instead</a:t>
+            </a:r>
+          </a:p>
+        </p:txBody>
+      </p:sp>
+    </p:spTree>
+    <p:extLst>
+      <p:ext uri="{BB962C8B-B14F-4D97-AF65-F5344CB8AC3E}">
+        <p14:creationId xmlns:p14="http://schemas.microsoft.com/office/powerpoint/2010/main" val="933325573"/>
+      </p:ext>
+    </p:extLst>
+  </p:cSld>
+  <p:clrMapOvr>
+    <a:masterClrMapping/>
+  </p:clrMapOvr>
+</p:sld>
+</file>
+
+<file path=ppt/slides/slide27.xml><?xml version="1.0" encoding="utf-8"?>
+<p:sld xmlns:a="http://schemas.openxmlformats.org/drawingml/2006/main" xmlns:r="http://schemas.openxmlformats.org/officeDocument/2006/relationships" xmlns:p="http://schemas.openxmlformats.org/presentationml/2006/main">
+  <p:cSld>
+    <p:spTree>
+      <p:nvGrpSpPr>
+        <p:cNvPr id="1" name=""/>
+        <p:cNvGrpSpPr/>
+        <p:nvPr/>
+      </p:nvGrpSpPr>
+      <p:grpSpPr>
+        <a:xfrm>
+          <a:off x="0" y="0"/>
+          <a:ext cx="0" cy="0"/>
+          <a:chOff x="0" y="0"/>
+          <a:chExt cx="0" cy="0"/>
+        </a:xfrm>
+      </p:grpSpPr>
+      <p:sp>
+        <p:nvSpPr>
+          <p:cNvPr id="2" name="Title 1">
+            <a:extLst>
+              <a:ext uri="{FF2B5EF4-FFF2-40B4-BE49-F238E27FC236}">
+                <a16:creationId xmlns:a16="http://schemas.microsoft.com/office/drawing/2014/main" id="{FB1659E1-3667-499F-BC3D-31CBAF28E2DA}"/>
+              </a:ext>
+            </a:extLst>
+          </p:cNvPr>
+          <p:cNvSpPr>
+            <a:spLocks noGrp="1"/>
+          </p:cNvSpPr>
+          <p:nvPr>
+            <p:ph type="title"/>
+          </p:nvPr>
+        </p:nvSpPr>
+        <p:spPr/>
+        <p:txBody>
+          <a:bodyPr/>
+          <a:lstStyle/>
+          <a:p>
+            <a:r>
+              <a:rPr lang="en-GB" dirty="0"/>
+              <a:t>Compile schema</a:t>
+            </a:r>
+          </a:p>
+        </p:txBody>
+      </p:sp>
+      <p:sp>
+        <p:nvSpPr>
+          <p:cNvPr id="3" name="Content Placeholder 2">
+            <a:extLst>
+              <a:ext uri="{FF2B5EF4-FFF2-40B4-BE49-F238E27FC236}">
+                <a16:creationId xmlns:a16="http://schemas.microsoft.com/office/drawing/2014/main" id="{AF99FFB9-8252-4ED5-A34D-B00C07FCE9FA}"/>
+              </a:ext>
+            </a:extLst>
+          </p:cNvPr>
+          <p:cNvSpPr>
+            <a:spLocks noGrp="1"/>
+          </p:cNvSpPr>
+          <p:nvPr>
+            <p:ph idx="1"/>
+          </p:nvPr>
+        </p:nvSpPr>
+        <p:spPr/>
+        <p:txBody>
+          <a:bodyPr/>
+          <a:lstStyle/>
+          <a:p>
+            <a:r>
+              <a:rPr lang="en-GB" dirty="0"/>
+              <a:t>Tangible code that can be debugged</a:t>
+            </a:r>
+          </a:p>
+          <a:p>
+            <a:r>
+              <a:rPr lang="en-GB" dirty="0"/>
+              <a:t>A bit simpler to write</a:t>
+            </a:r>
+          </a:p>
+          <a:p>
+            <a:r>
+              <a:rPr lang="en-GB" dirty="0"/>
+              <a:t>Function for each pattern, rule, assertion</a:t>
+            </a:r>
+          </a:p>
+          <a:p>
+            <a:r>
+              <a:rPr lang="en-GB" dirty="0"/>
+              <a:t>Output is XQuery main module</a:t>
+            </a:r>
+          </a:p>
+          <a:p>
+            <a:r>
+              <a:rPr lang="en-GB" dirty="0"/>
+              <a:t>Document or URI as external variable</a:t>
+            </a:r>
+          </a:p>
+          <a:p>
+            <a:r>
+              <a:rPr lang="en-GB" dirty="0"/>
+              <a:t>Runs under </a:t>
+            </a:r>
+            <a:r>
+              <a:rPr lang="en-GB" dirty="0" err="1"/>
+              <a:t>BaseX</a:t>
+            </a:r>
+            <a:r>
+              <a:rPr lang="en-GB" dirty="0"/>
+              <a:t> and Saxon (et al.?)</a:t>
+            </a:r>
+          </a:p>
+        </p:txBody>
+      </p:sp>
+    </p:spTree>
+    <p:extLst>
+      <p:ext uri="{BB962C8B-B14F-4D97-AF65-F5344CB8AC3E}">
+        <p14:creationId xmlns:p14="http://schemas.microsoft.com/office/powerpoint/2010/main" val="3964751850"/>
+      </p:ext>
+    </p:extLst>
+  </p:cSld>
+  <p:clrMapOvr>
+    <a:masterClrMapping/>
+  </p:clrMapOvr>
+</p:sld>
+</file>
+
+<file path=ppt/slides/slide28.xml><?xml version="1.0" encoding="utf-8"?>
+<p:sld xmlns:a="http://schemas.openxmlformats.org/drawingml/2006/main" xmlns:r="http://schemas.openxmlformats.org/officeDocument/2006/relationships" xmlns:p="http://schemas.openxmlformats.org/presentationml/2006/main">
+  <p:cSld>
+    <p:spTree>
+      <p:nvGrpSpPr>
+        <p:cNvPr id="1" name=""/>
+        <p:cNvGrpSpPr/>
+        <p:nvPr/>
+      </p:nvGrpSpPr>
+      <p:grpSpPr>
+        <a:xfrm>
+          <a:off x="0" y="0"/>
+          <a:ext cx="0" cy="0"/>
+          <a:chOff x="0" y="0"/>
+          <a:chExt cx="0" cy="0"/>
+        </a:xfrm>
+      </p:grpSpPr>
+      <p:sp>
+        <p:nvSpPr>
+          <p:cNvPr id="2" name="Title 1">
+            <a:extLst>
+              <a:ext uri="{FF2B5EF4-FFF2-40B4-BE49-F238E27FC236}">
+                <a16:creationId xmlns:a16="http://schemas.microsoft.com/office/drawing/2014/main" id="{F96FCF1B-0D3A-4A80-87A0-C78E472EBA72}"/>
+              </a:ext>
+            </a:extLst>
+          </p:cNvPr>
+          <p:cNvSpPr>
+            <a:spLocks noGrp="1"/>
+          </p:cNvSpPr>
+          <p:nvPr>
+            <p:ph type="title"/>
+          </p:nvPr>
+        </p:nvSpPr>
+        <p:spPr/>
+        <p:txBody>
+          <a:bodyPr/>
+          <a:lstStyle/>
+          <a:p>
+            <a:r>
+              <a:rPr lang="en-GB" dirty="0"/>
+              <a:t>Compile complications</a:t>
+            </a:r>
+          </a:p>
+        </p:txBody>
+      </p:sp>
+      <p:sp>
+        <p:nvSpPr>
+          <p:cNvPr id="3" name="Content Placeholder 2">
+            <a:extLst>
+              <a:ext uri="{FF2B5EF4-FFF2-40B4-BE49-F238E27FC236}">
+                <a16:creationId xmlns:a16="http://schemas.microsoft.com/office/drawing/2014/main" id="{D8707E5D-55C2-4D8A-8EAE-4ED38B87597B}"/>
+              </a:ext>
+            </a:extLst>
+          </p:cNvPr>
+          <p:cNvSpPr>
+            <a:spLocks noGrp="1"/>
+          </p:cNvSpPr>
+          <p:nvPr>
+            <p:ph idx="1"/>
+          </p:nvPr>
+        </p:nvSpPr>
+        <p:spPr/>
+        <p:txBody>
+          <a:bodyPr/>
+          <a:lstStyle/>
+          <a:p>
+            <a:r>
+              <a:rPr lang="en-GB" dirty="0"/>
+              <a:t>Assembled XQuery contains (SVRL) nodes and strings</a:t>
+            </a:r>
+          </a:p>
+          <a:p>
+            <a:pPr marL="0" indent="0">
+              <a:buNone/>
+            </a:pPr>
+            <a:r>
+              <a:rPr lang="en-GB" dirty="0">
+                <a:latin typeface="Courier New" panose="02070309020205020404" pitchFamily="49" charset="0"/>
+                <a:cs typeface="Courier New" panose="02070309020205020404" pitchFamily="49" charset="0"/>
+              </a:rPr>
+              <a:t>=&gt; serialize(map{‘method’:’</a:t>
+            </a:r>
+            <a:r>
+              <a:rPr lang="en-GB" dirty="0" err="1">
+                <a:latin typeface="Courier New" panose="02070309020205020404" pitchFamily="49" charset="0"/>
+                <a:cs typeface="Courier New" panose="02070309020205020404" pitchFamily="49" charset="0"/>
+              </a:rPr>
+              <a:t>basex</a:t>
+            </a:r>
+            <a:r>
+              <a:rPr lang="en-GB" dirty="0">
+                <a:latin typeface="Courier New" panose="02070309020205020404" pitchFamily="49" charset="0"/>
+                <a:cs typeface="Courier New" panose="02070309020205020404" pitchFamily="49" charset="0"/>
+              </a:rPr>
+              <a:t>’})</a:t>
+            </a:r>
+          </a:p>
+          <a:p>
+            <a:r>
+              <a:rPr lang="en-GB" dirty="0"/>
+              <a:t>Internal variables in </a:t>
+            </a:r>
+            <a:r>
+              <a:rPr lang="en-GB"/>
+              <a:t>XQS namespace</a:t>
+            </a:r>
+            <a:endParaRPr lang="en-GB" dirty="0"/>
+          </a:p>
+        </p:txBody>
+      </p:sp>
+    </p:spTree>
+    <p:extLst>
+      <p:ext uri="{BB962C8B-B14F-4D97-AF65-F5344CB8AC3E}">
+        <p14:creationId xmlns:p14="http://schemas.microsoft.com/office/powerpoint/2010/main" val="889574556"/>
+      </p:ext>
+    </p:extLst>
+  </p:cSld>
+  <p:clrMapOvr>
+    <a:masterClrMapping/>
+  </p:clrMapOvr>
+</p:sld>
+</file>
+
+<file path=ppt/slides/slide29.xml><?xml version="1.0" encoding="utf-8"?>
+<p:sld xmlns:a="http://schemas.openxmlformats.org/drawingml/2006/main" xmlns:r="http://schemas.openxmlformats.org/officeDocument/2006/relationships" xmlns:p="http://schemas.openxmlformats.org/presentationml/2006/main">
+  <p:cSld>
+    <p:spTree>
+      <p:nvGrpSpPr>
+        <p:cNvPr id="1" name=""/>
+        <p:cNvGrpSpPr/>
+        <p:nvPr/>
+      </p:nvGrpSpPr>
+      <p:grpSpPr>
+        <a:xfrm>
+          <a:off x="0" y="0"/>
+          <a:ext cx="0" cy="0"/>
+          <a:chOff x="0" y="0"/>
+          <a:chExt cx="0" cy="0"/>
+        </a:xfrm>
+      </p:grpSpPr>
+      <p:sp>
+        <p:nvSpPr>
+          <p:cNvPr id="2" name="Title 1">
+            <a:extLst>
+              <a:ext uri="{FF2B5EF4-FFF2-40B4-BE49-F238E27FC236}">
+                <a16:creationId xmlns:a16="http://schemas.microsoft.com/office/drawing/2014/main" id="{5904455B-3142-4F47-92E2-FC5EB907500D}"/>
+              </a:ext>
+            </a:extLst>
+          </p:cNvPr>
+          <p:cNvSpPr>
+            <a:spLocks noGrp="1"/>
+          </p:cNvSpPr>
+          <p:nvPr>
+            <p:ph type="title"/>
+          </p:nvPr>
+        </p:nvSpPr>
+        <p:spPr/>
+        <p:txBody>
+          <a:bodyPr/>
+          <a:lstStyle/>
+          <a:p>
+            <a:r>
+              <a:rPr lang="en-GB" dirty="0"/>
+              <a:t>Other dev highlights</a:t>
+            </a:r>
+          </a:p>
+        </p:txBody>
+      </p:sp>
+      <p:sp>
+        <p:nvSpPr>
+          <p:cNvPr id="3" name="Content Placeholder 2">
+            <a:extLst>
+              <a:ext uri="{FF2B5EF4-FFF2-40B4-BE49-F238E27FC236}">
+                <a16:creationId xmlns:a16="http://schemas.microsoft.com/office/drawing/2014/main" id="{5BA4C3DA-DFEC-413C-A7BB-3226D67F3EFD}"/>
+              </a:ext>
+            </a:extLst>
+          </p:cNvPr>
+          <p:cNvSpPr>
+            <a:spLocks noGrp="1"/>
+          </p:cNvSpPr>
+          <p:nvPr>
+            <p:ph idx="1"/>
+          </p:nvPr>
+        </p:nvSpPr>
+        <p:spPr/>
+        <p:txBody>
+          <a:bodyPr/>
+          <a:lstStyle/>
+          <a:p>
+            <a:r>
+              <a:rPr lang="en-GB" dirty="0"/>
+              <a:t>Pattern/@documents</a:t>
+            </a:r>
+          </a:p>
+        </p:txBody>
+      </p:sp>
+    </p:spTree>
+    <p:extLst>
+      <p:ext uri="{BB962C8B-B14F-4D97-AF65-F5344CB8AC3E}">
+        <p14:creationId xmlns:p14="http://schemas.microsoft.com/office/powerpoint/2010/main" val="1966342733"/>
       </p:ext>
     </p:extLst>
   </p:cSld>
@@ -7685,6 +11273,443 @@
 </p:sld>
 </file>
 
+<file path=ppt/slides/slide30.xml><?xml version="1.0" encoding="utf-8"?>
+<p:sld xmlns:a="http://schemas.openxmlformats.org/drawingml/2006/main" xmlns:r="http://schemas.openxmlformats.org/officeDocument/2006/relationships" xmlns:p="http://schemas.openxmlformats.org/presentationml/2006/main">
+  <p:cSld>
+    <p:spTree>
+      <p:nvGrpSpPr>
+        <p:cNvPr id="1" name=""/>
+        <p:cNvGrpSpPr/>
+        <p:nvPr/>
+      </p:nvGrpSpPr>
+      <p:grpSpPr>
+        <a:xfrm>
+          <a:off x="0" y="0"/>
+          <a:ext cx="0" cy="0"/>
+          <a:chOff x="0" y="0"/>
+          <a:chExt cx="0" cy="0"/>
+        </a:xfrm>
+      </p:grpSpPr>
+      <p:sp>
+        <p:nvSpPr>
+          <p:cNvPr id="2" name="Title 1">
+            <a:extLst>
+              <a:ext uri="{FF2B5EF4-FFF2-40B4-BE49-F238E27FC236}">
+                <a16:creationId xmlns:a16="http://schemas.microsoft.com/office/drawing/2014/main" id="{6775A2C5-0F9E-4A8E-B122-59CE8682FDCF}"/>
+              </a:ext>
+            </a:extLst>
+          </p:cNvPr>
+          <p:cNvSpPr>
+            <a:spLocks noGrp="1"/>
+          </p:cNvSpPr>
+          <p:nvPr>
+            <p:ph type="title"/>
+          </p:nvPr>
+        </p:nvSpPr>
+        <p:spPr/>
+        <p:txBody>
+          <a:bodyPr/>
+          <a:lstStyle/>
+          <a:p>
+            <a:r>
+              <a:rPr lang="en-GB" dirty="0"/>
+              <a:t>Caveats</a:t>
+            </a:r>
+          </a:p>
+        </p:txBody>
+      </p:sp>
+      <p:sp>
+        <p:nvSpPr>
+          <p:cNvPr id="3" name="Content Placeholder 2">
+            <a:extLst>
+              <a:ext uri="{FF2B5EF4-FFF2-40B4-BE49-F238E27FC236}">
+                <a16:creationId xmlns:a16="http://schemas.microsoft.com/office/drawing/2014/main" id="{3C3FBDD6-99E9-4118-909C-CF9C85026BBE}"/>
+              </a:ext>
+            </a:extLst>
+          </p:cNvPr>
+          <p:cNvSpPr>
+            <a:spLocks noGrp="1"/>
+          </p:cNvSpPr>
+          <p:nvPr>
+            <p:ph idx="1"/>
+          </p:nvPr>
+        </p:nvSpPr>
+        <p:spPr/>
+        <p:txBody>
+          <a:bodyPr/>
+          <a:lstStyle/>
+          <a:p>
+            <a:r>
+              <a:rPr lang="en-GB" dirty="0"/>
+              <a:t>Expansion &amp; inclusion deferred</a:t>
+            </a:r>
+          </a:p>
+          <a:p>
+            <a:pPr lvl="1"/>
+            <a:r>
+              <a:rPr lang="en-GB" dirty="0"/>
+              <a:t>BUT </a:t>
+            </a:r>
+            <a:r>
+              <a:rPr lang="en-GB" i="1" dirty="0"/>
+              <a:t>dynamic evaluation</a:t>
+            </a:r>
+            <a:r>
+              <a:rPr lang="en-GB" dirty="0"/>
+              <a:t> as well as compilation</a:t>
+            </a:r>
+          </a:p>
+          <a:p>
+            <a:r>
+              <a:rPr lang="en-GB" dirty="0"/>
+              <a:t>Reliant on </a:t>
+            </a:r>
+            <a:r>
+              <a:rPr lang="en-GB" dirty="0" err="1"/>
+              <a:t>BaseX</a:t>
+            </a:r>
+            <a:endParaRPr lang="en-GB" dirty="0"/>
+          </a:p>
+          <a:p>
+            <a:pPr lvl="1"/>
+            <a:r>
+              <a:rPr lang="en-GB" dirty="0"/>
+              <a:t>BUT compiled schemas (should be) portable</a:t>
+            </a:r>
+          </a:p>
+          <a:p>
+            <a:pPr lvl="1"/>
+            <a:r>
+              <a:rPr lang="en-GB" dirty="0"/>
+              <a:t>No need to store documents in </a:t>
+            </a:r>
+            <a:r>
+              <a:rPr lang="en-GB" dirty="0" err="1"/>
+              <a:t>BaseX</a:t>
+            </a:r>
+            <a:endParaRPr lang="en-GB" dirty="0"/>
+          </a:p>
+        </p:txBody>
+      </p:sp>
+    </p:spTree>
+    <p:extLst>
+      <p:ext uri="{BB962C8B-B14F-4D97-AF65-F5344CB8AC3E}">
+        <p14:creationId xmlns:p14="http://schemas.microsoft.com/office/powerpoint/2010/main" val="1039456742"/>
+      </p:ext>
+    </p:extLst>
+  </p:cSld>
+  <p:clrMapOvr>
+    <a:masterClrMapping/>
+  </p:clrMapOvr>
+</p:sld>
+</file>
+
+<file path=ppt/slides/slide31.xml><?xml version="1.0" encoding="utf-8"?>
+<p:sld xmlns:a="http://schemas.openxmlformats.org/drawingml/2006/main" xmlns:r="http://schemas.openxmlformats.org/officeDocument/2006/relationships" xmlns:p="http://schemas.openxmlformats.org/presentationml/2006/main">
+  <p:cSld>
+    <p:spTree>
+      <p:nvGrpSpPr>
+        <p:cNvPr id="1" name=""/>
+        <p:cNvGrpSpPr/>
+        <p:nvPr/>
+      </p:nvGrpSpPr>
+      <p:grpSpPr>
+        <a:xfrm>
+          <a:off x="0" y="0"/>
+          <a:ext cx="0" cy="0"/>
+          <a:chOff x="0" y="0"/>
+          <a:chExt cx="0" cy="0"/>
+        </a:xfrm>
+      </p:grpSpPr>
+      <p:sp>
+        <p:nvSpPr>
+          <p:cNvPr id="2" name="Title 1">
+            <a:extLst>
+              <a:ext uri="{FF2B5EF4-FFF2-40B4-BE49-F238E27FC236}">
+                <a16:creationId xmlns:a16="http://schemas.microsoft.com/office/drawing/2014/main" id="{CFC0DFF2-8874-4DE0-AC5D-C5EFB1E0DD88}"/>
+              </a:ext>
+            </a:extLst>
+          </p:cNvPr>
+          <p:cNvSpPr>
+            <a:spLocks noGrp="1"/>
+          </p:cNvSpPr>
+          <p:nvPr>
+            <p:ph type="title"/>
+          </p:nvPr>
+        </p:nvSpPr>
+        <p:spPr/>
+        <p:txBody>
+          <a:bodyPr/>
+          <a:lstStyle/>
+          <a:p>
+            <a:r>
+              <a:rPr lang="en-GB" dirty="0"/>
+              <a:t>Lessons learned</a:t>
+            </a:r>
+          </a:p>
+        </p:txBody>
+      </p:sp>
+      <p:sp>
+        <p:nvSpPr>
+          <p:cNvPr id="3" name="Content Placeholder 2">
+            <a:extLst>
+              <a:ext uri="{FF2B5EF4-FFF2-40B4-BE49-F238E27FC236}">
+                <a16:creationId xmlns:a16="http://schemas.microsoft.com/office/drawing/2014/main" id="{AC7CBF8B-EFF1-493E-BA47-16B781096507}"/>
+              </a:ext>
+            </a:extLst>
+          </p:cNvPr>
+          <p:cNvSpPr>
+            <a:spLocks noGrp="1"/>
+          </p:cNvSpPr>
+          <p:nvPr>
+            <p:ph idx="1"/>
+          </p:nvPr>
+        </p:nvSpPr>
+        <p:spPr>
+          <a:xfrm>
+            <a:off x="838200" y="1855121"/>
+            <a:ext cx="10515600" cy="4351338"/>
+          </a:xfrm>
+        </p:spPr>
+        <p:txBody>
+          <a:bodyPr/>
+          <a:lstStyle/>
+          <a:p>
+            <a:r>
+              <a:rPr lang="en-GB" dirty="0"/>
+              <a:t>Start with compiling</a:t>
+            </a:r>
+          </a:p>
+          <a:p>
+            <a:r>
+              <a:rPr lang="en-GB" dirty="0"/>
+              <a:t>More work to maintain two methods and keep in sync</a:t>
+            </a:r>
+          </a:p>
+          <a:p>
+            <a:r>
+              <a:rPr lang="en-GB" dirty="0"/>
+              <a:t>Unit tests essentially the same for both</a:t>
+            </a:r>
+          </a:p>
+          <a:p>
+            <a:endParaRPr lang="en-GB" dirty="0"/>
+          </a:p>
+          <a:p>
+            <a:endParaRPr lang="en-GB" dirty="0"/>
+          </a:p>
+        </p:txBody>
+      </p:sp>
+    </p:spTree>
+    <p:extLst>
+      <p:ext uri="{BB962C8B-B14F-4D97-AF65-F5344CB8AC3E}">
+        <p14:creationId xmlns:p14="http://schemas.microsoft.com/office/powerpoint/2010/main" val="1538454055"/>
+      </p:ext>
+    </p:extLst>
+  </p:cSld>
+  <p:clrMapOvr>
+    <a:masterClrMapping/>
+  </p:clrMapOvr>
+</p:sld>
+</file>
+
+<file path=ppt/slides/slide32.xml><?xml version="1.0" encoding="utf-8"?>
+<p:sld xmlns:a="http://schemas.openxmlformats.org/drawingml/2006/main" xmlns:r="http://schemas.openxmlformats.org/officeDocument/2006/relationships" xmlns:p="http://schemas.openxmlformats.org/presentationml/2006/main">
+  <p:cSld>
+    <p:spTree>
+      <p:nvGrpSpPr>
+        <p:cNvPr id="1" name=""/>
+        <p:cNvGrpSpPr/>
+        <p:nvPr/>
+      </p:nvGrpSpPr>
+      <p:grpSpPr>
+        <a:xfrm>
+          <a:off x="0" y="0"/>
+          <a:ext cx="0" cy="0"/>
+          <a:chOff x="0" y="0"/>
+          <a:chExt cx="0" cy="0"/>
+        </a:xfrm>
+      </p:grpSpPr>
+      <p:sp>
+        <p:nvSpPr>
+          <p:cNvPr id="2" name="Title 1">
+            <a:extLst>
+              <a:ext uri="{FF2B5EF4-FFF2-40B4-BE49-F238E27FC236}">
+                <a16:creationId xmlns:a16="http://schemas.microsoft.com/office/drawing/2014/main" id="{33E997F2-0690-46D5-BE9F-606F0618A286}"/>
+              </a:ext>
+            </a:extLst>
+          </p:cNvPr>
+          <p:cNvSpPr>
+            <a:spLocks noGrp="1"/>
+          </p:cNvSpPr>
+          <p:nvPr>
+            <p:ph type="title"/>
+          </p:nvPr>
+        </p:nvSpPr>
+        <p:spPr/>
+        <p:txBody>
+          <a:bodyPr/>
+          <a:lstStyle/>
+          <a:p>
+            <a:r>
+              <a:rPr lang="en-GB" dirty="0"/>
+              <a:t>Learnings for XQY QLB?</a:t>
+            </a:r>
+          </a:p>
+        </p:txBody>
+      </p:sp>
+      <p:sp>
+        <p:nvSpPr>
+          <p:cNvPr id="3" name="Content Placeholder 2">
+            <a:extLst>
+              <a:ext uri="{FF2B5EF4-FFF2-40B4-BE49-F238E27FC236}">
+                <a16:creationId xmlns:a16="http://schemas.microsoft.com/office/drawing/2014/main" id="{BA5C291A-766A-4484-AE8F-CDDA0DE3CF0C}"/>
+              </a:ext>
+            </a:extLst>
+          </p:cNvPr>
+          <p:cNvSpPr>
+            <a:spLocks noGrp="1"/>
+          </p:cNvSpPr>
+          <p:nvPr>
+            <p:ph idx="1"/>
+          </p:nvPr>
+        </p:nvSpPr>
+        <p:spPr/>
+        <p:txBody>
+          <a:bodyPr/>
+          <a:lstStyle/>
+          <a:p>
+            <a:r>
+              <a:rPr lang="en-GB" dirty="0"/>
+              <a:t>Multiple docs as input?</a:t>
+            </a:r>
+          </a:p>
+        </p:txBody>
+      </p:sp>
+    </p:spTree>
+    <p:extLst>
+      <p:ext uri="{BB962C8B-B14F-4D97-AF65-F5344CB8AC3E}">
+        <p14:creationId xmlns:p14="http://schemas.microsoft.com/office/powerpoint/2010/main" val="3365200930"/>
+      </p:ext>
+    </p:extLst>
+  </p:cSld>
+  <p:clrMapOvr>
+    <a:masterClrMapping/>
+  </p:clrMapOvr>
+</p:sld>
+</file>
+
+<file path=ppt/slides/slide33.xml><?xml version="1.0" encoding="utf-8"?>
+<p:sld xmlns:a="http://schemas.openxmlformats.org/drawingml/2006/main" xmlns:r="http://schemas.openxmlformats.org/officeDocument/2006/relationships" xmlns:p="http://schemas.openxmlformats.org/presentationml/2006/main">
+  <p:cSld>
+    <p:spTree>
+      <p:nvGrpSpPr>
+        <p:cNvPr id="1" name=""/>
+        <p:cNvGrpSpPr/>
+        <p:nvPr/>
+      </p:nvGrpSpPr>
+      <p:grpSpPr>
+        <a:xfrm>
+          <a:off x="0" y="0"/>
+          <a:ext cx="0" cy="0"/>
+          <a:chOff x="0" y="0"/>
+          <a:chExt cx="0" cy="0"/>
+        </a:xfrm>
+      </p:grpSpPr>
+      <p:sp>
+        <p:nvSpPr>
+          <p:cNvPr id="4" name="Title 3">
+            <a:extLst>
+              <a:ext uri="{FF2B5EF4-FFF2-40B4-BE49-F238E27FC236}">
+                <a16:creationId xmlns:a16="http://schemas.microsoft.com/office/drawing/2014/main" id="{0FBCD12B-A862-4465-B004-BAB5D6FC010C}"/>
+              </a:ext>
+            </a:extLst>
+          </p:cNvPr>
+          <p:cNvSpPr>
+            <a:spLocks noGrp="1"/>
+          </p:cNvSpPr>
+          <p:nvPr>
+            <p:ph type="title"/>
+          </p:nvPr>
+        </p:nvSpPr>
+        <p:spPr/>
+        <p:txBody>
+          <a:bodyPr/>
+          <a:lstStyle/>
+          <a:p>
+            <a:r>
+              <a:rPr lang="en-GB" dirty="0"/>
+              <a:t>Questions?</a:t>
+            </a:r>
+          </a:p>
+        </p:txBody>
+      </p:sp>
+      <p:sp>
+        <p:nvSpPr>
+          <p:cNvPr id="5" name="Content Placeholder 4">
+            <a:extLst>
+              <a:ext uri="{FF2B5EF4-FFF2-40B4-BE49-F238E27FC236}">
+                <a16:creationId xmlns:a16="http://schemas.microsoft.com/office/drawing/2014/main" id="{AD6F4A95-0701-4FDE-BA89-6FCDE959403B}"/>
+              </a:ext>
+            </a:extLst>
+          </p:cNvPr>
+          <p:cNvSpPr>
+            <a:spLocks noGrp="1"/>
+          </p:cNvSpPr>
+          <p:nvPr>
+            <p:ph idx="1"/>
+          </p:nvPr>
+        </p:nvSpPr>
+        <p:spPr/>
+        <p:txBody>
+          <a:bodyPr>
+            <a:normAutofit/>
+          </a:bodyPr>
+          <a:lstStyle/>
+          <a:p>
+            <a:pPr marL="0" indent="0" algn="ctr">
+              <a:buNone/>
+            </a:pPr>
+            <a:endParaRPr lang="en-GB" sz="4800" dirty="0"/>
+          </a:p>
+          <a:p>
+            <a:pPr marL="0" indent="0" algn="ctr">
+              <a:buNone/>
+            </a:pPr>
+            <a:endParaRPr lang="en-GB" sz="4800" dirty="0"/>
+          </a:p>
+          <a:p>
+            <a:pPr marL="0" indent="0" algn="ctr">
+              <a:buNone/>
+            </a:pPr>
+            <a:r>
+              <a:rPr lang="en-GB" sz="4800" dirty="0"/>
+              <a:t>github.com/</a:t>
+            </a:r>
+            <a:r>
+              <a:rPr lang="en-GB" sz="4800" dirty="0" err="1"/>
+              <a:t>AndrewSales</a:t>
+            </a:r>
+            <a:r>
+              <a:rPr lang="en-GB" sz="4800" dirty="0"/>
+              <a:t>/XQS</a:t>
+            </a:r>
+          </a:p>
+        </p:txBody>
+      </p:sp>
+    </p:spTree>
+    <p:extLst>
+      <p:ext uri="{BB962C8B-B14F-4D97-AF65-F5344CB8AC3E}">
+        <p14:creationId xmlns:p14="http://schemas.microsoft.com/office/powerpoint/2010/main" val="3254607614"/>
+      </p:ext>
+    </p:extLst>
+  </p:cSld>
+  <p:clrMapOvr>
+    <a:masterClrMapping/>
+  </p:clrMapOvr>
+</p:sld>
+</file>
+
 <file path=ppt/slides/slide4.xml><?xml version="1.0" encoding="utf-8"?>
 <p:sld xmlns:a="http://schemas.openxmlformats.org/drawingml/2006/main" xmlns:r="http://schemas.openxmlformats.org/officeDocument/2006/relationships" xmlns:p="http://schemas.openxmlformats.org/presentationml/2006/main">
   <p:cSld>
@@ -7788,7 +11813,7 @@
             </a:r>
             <a:r>
               <a:rPr lang="en-GB" dirty="0"/>
-              <a:t> dialect of 3.1</a:t>
+              <a:t> dialect of v3.1</a:t>
             </a:r>
           </a:p>
           <a:p>
@@ -8081,7 +12106,7 @@
           <p:cNvPr id="2" name="Title 1">
             <a:extLst>
               <a:ext uri="{FF2B5EF4-FFF2-40B4-BE49-F238E27FC236}">
-                <a16:creationId xmlns:a16="http://schemas.microsoft.com/office/drawing/2014/main" id="{F7884621-ED6F-4B94-AD2D-192517995F65}"/>
+                <a16:creationId xmlns:a16="http://schemas.microsoft.com/office/drawing/2014/main" id="{A983E35C-8894-4776-86DF-EAACF757D02F}"/>
               </a:ext>
             </a:extLst>
           </p:cNvPr>
@@ -8099,17 +12124,17 @@
           <a:p>
             <a:r>
               <a:rPr lang="en-GB" dirty="0"/>
-              <a:t>Typical processing</a:t>
+              <a:t>How to do this?</a:t>
             </a:r>
           </a:p>
         </p:txBody>
       </p:sp>
       <p:pic>
         <p:nvPicPr>
-          <p:cNvPr id="5" name="Content Placeholder 4">
+          <p:cNvPr id="9" name="Content Placeholder 8">
             <a:extLst>
               <a:ext uri="{FF2B5EF4-FFF2-40B4-BE49-F238E27FC236}">
-                <a16:creationId xmlns:a16="http://schemas.microsoft.com/office/drawing/2014/main" id="{60AF93C2-4CD3-43B6-837B-A61B2C8C404D}"/>
+                <a16:creationId xmlns:a16="http://schemas.microsoft.com/office/drawing/2014/main" id="{552CFC33-29A6-48D4-A0DC-015D03021846}"/>
               </a:ext>
             </a:extLst>
           </p:cNvPr>
@@ -8134,15 +12159,15 @@
         </p:blipFill>
         <p:spPr>
           <a:xfrm>
-            <a:off x="2990850" y="2205831"/>
-            <a:ext cx="6210300" cy="3590925"/>
+            <a:off x="4148839" y="2415693"/>
+            <a:ext cx="3661035" cy="3078598"/>
           </a:xfrm>
         </p:spPr>
       </p:pic>
     </p:spTree>
     <p:extLst>
       <p:ext uri="{BB962C8B-B14F-4D97-AF65-F5344CB8AC3E}">
-        <p14:creationId xmlns:p14="http://schemas.microsoft.com/office/powerpoint/2010/main" val="3977667911"/>
+        <p14:creationId xmlns:p14="http://schemas.microsoft.com/office/powerpoint/2010/main" val="4047396875"/>
       </p:ext>
     </p:extLst>
   </p:cSld>
@@ -8171,10 +12196,10 @@
       </p:grpSpPr>
       <p:sp>
         <p:nvSpPr>
-          <p:cNvPr id="2" name="Title 1">
+          <p:cNvPr id="3" name="Content Placeholder 2">
             <a:extLst>
               <a:ext uri="{FF2B5EF4-FFF2-40B4-BE49-F238E27FC236}">
-                <a16:creationId xmlns:a16="http://schemas.microsoft.com/office/drawing/2014/main" id="{5379ACC0-E370-4D14-A548-AC557FCDD920}"/>
+                <a16:creationId xmlns:a16="http://schemas.microsoft.com/office/drawing/2014/main" id="{8F3B8AF2-EBAB-4825-840C-058B9D734782}"/>
               </a:ext>
             </a:extLst>
           </p:cNvPr>
@@ -8182,60 +12207,49 @@
             <a:spLocks noGrp="1"/>
           </p:cNvSpPr>
           <p:nvPr>
-            <p:ph type="title"/>
-          </p:nvPr>
-        </p:nvSpPr>
-        <p:spPr/>
-        <p:txBody>
-          <a:bodyPr/>
-          <a:lstStyle/>
-          <a:p>
-            <a:r>
-              <a:rPr lang="en-GB" dirty="0"/>
-              <a:t>Dynamic evaluation</a:t>
-            </a:r>
-          </a:p>
-        </p:txBody>
-      </p:sp>
-      <p:pic>
-        <p:nvPicPr>
-          <p:cNvPr id="5" name="Content Placeholder 4">
-            <a:extLst>
-              <a:ext uri="{FF2B5EF4-FFF2-40B4-BE49-F238E27FC236}">
-                <a16:creationId xmlns:a16="http://schemas.microsoft.com/office/drawing/2014/main" id="{9F32604D-9A1F-41B9-86E0-3ADDD0A2801B}"/>
-              </a:ext>
-            </a:extLst>
-          </p:cNvPr>
-          <p:cNvPicPr>
-            <a:picLocks noGrp="1" noChangeAspect="1"/>
-          </p:cNvPicPr>
-          <p:nvPr>
             <p:ph idx="1"/>
           </p:nvPr>
-        </p:nvPicPr>
-        <p:blipFill>
-          <a:blip r:embed="rId3">
-            <a:extLst>
-              <a:ext uri="{28A0092B-C50C-407E-A947-70E740481C1C}">
-                <a14:useLocalDpi xmlns:a14="http://schemas.microsoft.com/office/drawing/2010/main" val="0"/>
-              </a:ext>
-            </a:extLst>
-          </a:blip>
-          <a:stretch>
-            <a:fillRect/>
-          </a:stretch>
-        </p:blipFill>
+        </p:nvSpPr>
         <p:spPr>
           <a:xfrm>
-            <a:off x="2990850" y="2201069"/>
-            <a:ext cx="6210300" cy="3600450"/>
+            <a:off x="838200" y="1435510"/>
+            <a:ext cx="10515600" cy="4741453"/>
           </a:xfrm>
         </p:spPr>
-      </p:pic>
+        <p:txBody>
+          <a:bodyPr>
+            <a:normAutofit/>
+          </a:bodyPr>
+          <a:lstStyle/>
+          <a:p>
+            <a:pPr marL="0" indent="0">
+              <a:buNone/>
+            </a:pPr>
+            <a:endParaRPr lang="en-GB" sz="9600" dirty="0"/>
+          </a:p>
+          <a:p>
+            <a:pPr marL="0" indent="0" algn="ctr">
+              <a:buNone/>
+            </a:pPr>
+            <a:r>
+              <a:rPr lang="en-GB" sz="9600" dirty="0"/>
+              <a:t>Ask </a:t>
+            </a:r>
+            <a:r>
+              <a:rPr lang="en-GB" sz="9600" dirty="0" err="1"/>
+              <a:t>ChatGPT</a:t>
+            </a:r>
+            <a:r>
+              <a:rPr lang="en-GB" sz="9600" dirty="0"/>
+              <a:t>!</a:t>
+            </a:r>
+          </a:p>
+        </p:txBody>
+      </p:sp>
     </p:spTree>
     <p:extLst>
       <p:ext uri="{BB962C8B-B14F-4D97-AF65-F5344CB8AC3E}">
-        <p14:creationId xmlns:p14="http://schemas.microsoft.com/office/powerpoint/2010/main" val="2564230119"/>
+        <p14:creationId xmlns:p14="http://schemas.microsoft.com/office/powerpoint/2010/main" val="3453189509"/>
       </p:ext>
     </p:extLst>
   </p:cSld>
@@ -8283,19 +12297,16 @@
           <a:bodyPr/>
           <a:lstStyle/>
           <a:p>
-            <a:r>
-              <a:rPr lang="en-GB" dirty="0"/>
-              <a:t>How to do this?</a:t>
-            </a:r>
+            <a:endParaRPr lang="en-GB" dirty="0"/>
           </a:p>
         </p:txBody>
       </p:sp>
       <p:pic>
         <p:nvPicPr>
-          <p:cNvPr id="9" name="Content Placeholder 8">
+          <p:cNvPr id="5" name="Content Placeholder 4">
             <a:extLst>
               <a:ext uri="{FF2B5EF4-FFF2-40B4-BE49-F238E27FC236}">
-                <a16:creationId xmlns:a16="http://schemas.microsoft.com/office/drawing/2014/main" id="{552CFC33-29A6-48D4-A0DC-015D03021846}"/>
+                <a16:creationId xmlns:a16="http://schemas.microsoft.com/office/drawing/2014/main" id="{41EB6DF5-F184-4DBA-9979-FDFFBDFDD428}"/>
               </a:ext>
             </a:extLst>
           </p:cNvPr>
@@ -8307,7 +12318,7 @@
           </p:nvPr>
         </p:nvPicPr>
         <p:blipFill>
-          <a:blip r:embed="rId2">
+          <a:blip r:embed="rId3">
             <a:extLst>
               <a:ext uri="{28A0092B-C50C-407E-A947-70E740481C1C}">
                 <a14:useLocalDpi xmlns:a14="http://schemas.microsoft.com/office/drawing/2010/main" val="0"/>
@@ -8320,15 +12331,77 @@
         </p:blipFill>
         <p:spPr>
           <a:xfrm>
-            <a:off x="4148839" y="2415693"/>
-            <a:ext cx="3661035" cy="3078598"/>
+            <a:off x="2198714" y="1285875"/>
+            <a:ext cx="7524750" cy="4286250"/>
           </a:xfrm>
         </p:spPr>
       </p:pic>
+      <p:sp>
+        <p:nvSpPr>
+          <p:cNvPr id="6" name="TextBox 5">
+            <a:extLst>
+              <a:ext uri="{FF2B5EF4-FFF2-40B4-BE49-F238E27FC236}">
+                <a16:creationId xmlns:a16="http://schemas.microsoft.com/office/drawing/2014/main" id="{8ADE2836-C544-4495-B19A-3B582DDC3EA7}"/>
+              </a:ext>
+            </a:extLst>
+          </p:cNvPr>
+          <p:cNvSpPr txBox="1"/>
+          <p:nvPr/>
+        </p:nvSpPr>
+        <p:spPr>
+          <a:xfrm>
+            <a:off x="5747519" y="5572125"/>
+            <a:ext cx="3975945" cy="369332"/>
+          </a:xfrm>
+          <a:prstGeom prst="rect">
+            <a:avLst/>
+          </a:prstGeom>
+          <a:noFill/>
+        </p:spPr>
+        <p:txBody>
+          <a:bodyPr wrap="square" rtlCol="0">
+            <a:spAutoFit/>
+          </a:bodyPr>
+          <a:lstStyle/>
+          <a:p>
+            <a:pPr algn="r"/>
+            <a:r>
+              <a:rPr lang="en-GB" dirty="0">
+                <a:solidFill>
+                  <a:schemeClr val="bg2">
+                    <a:lumMod val="75000"/>
+                  </a:schemeClr>
+                </a:solidFill>
+              </a:rPr>
+              <a:t>Credit: Victor </a:t>
+            </a:r>
+            <a:r>
+              <a:rPr lang="en-GB" dirty="0" err="1">
+                <a:solidFill>
+                  <a:schemeClr val="bg2">
+                    <a:lumMod val="75000"/>
+                  </a:schemeClr>
+                </a:solidFill>
+              </a:rPr>
+              <a:t>Metelskiy</a:t>
+            </a:r>
+            <a:r>
+              <a:rPr lang="en-GB" dirty="0">
+                <a:solidFill>
+                  <a:schemeClr val="bg2">
+                    <a:lumMod val="75000"/>
+                  </a:schemeClr>
+                </a:solidFill>
+              </a:rPr>
+              <a:t>/Shutterstock</a:t>
+            </a:r>
+          </a:p>
+        </p:txBody>
+      </p:sp>
     </p:spTree>
     <p:extLst>
       <p:ext uri="{BB962C8B-B14F-4D97-AF65-F5344CB8AC3E}">
-        <p14:creationId xmlns:p14="http://schemas.microsoft.com/office/powerpoint/2010/main" val="4047396875"/>
+        <p14:creationId xmlns:p14="http://schemas.microsoft.com/office/powerpoint/2010/main" val="2727151737"/>
       </p:ext>
     </p:extLst>
   </p:cSld>

--- a/Markup UK 2023 slides.pptx
+++ b/Markup UK 2023 slides.pptx
@@ -13,33 +13,33 @@
     <p:sldId id="257" r:id="rId4"/>
     <p:sldId id="265" r:id="rId5"/>
     <p:sldId id="258" r:id="rId6"/>
-    <p:sldId id="259" r:id="rId7"/>
-    <p:sldId id="260" r:id="rId8"/>
-    <p:sldId id="271" r:id="rId9"/>
-    <p:sldId id="270" r:id="rId10"/>
-    <p:sldId id="272" r:id="rId11"/>
-    <p:sldId id="273" r:id="rId12"/>
-    <p:sldId id="274" r:id="rId13"/>
-    <p:sldId id="275" r:id="rId14"/>
-    <p:sldId id="276" r:id="rId15"/>
-    <p:sldId id="268" r:id="rId16"/>
-    <p:sldId id="269" r:id="rId17"/>
-    <p:sldId id="261" r:id="rId18"/>
-    <p:sldId id="279" r:id="rId19"/>
-    <p:sldId id="264" r:id="rId20"/>
-    <p:sldId id="278" r:id="rId21"/>
-    <p:sldId id="283" r:id="rId22"/>
-    <p:sldId id="284" r:id="rId23"/>
-    <p:sldId id="285" r:id="rId24"/>
-    <p:sldId id="286" r:id="rId25"/>
-    <p:sldId id="287" r:id="rId26"/>
-    <p:sldId id="288" r:id="rId27"/>
-    <p:sldId id="277" r:id="rId28"/>
-    <p:sldId id="289" r:id="rId29"/>
-    <p:sldId id="280" r:id="rId30"/>
-    <p:sldId id="263" r:id="rId31"/>
-    <p:sldId id="282" r:id="rId32"/>
-    <p:sldId id="281" r:id="rId33"/>
+    <p:sldId id="261" r:id="rId7"/>
+    <p:sldId id="268" r:id="rId8"/>
+    <p:sldId id="259" r:id="rId9"/>
+    <p:sldId id="260" r:id="rId10"/>
+    <p:sldId id="271" r:id="rId11"/>
+    <p:sldId id="270" r:id="rId12"/>
+    <p:sldId id="272" r:id="rId13"/>
+    <p:sldId id="273" r:id="rId14"/>
+    <p:sldId id="274" r:id="rId15"/>
+    <p:sldId id="275" r:id="rId16"/>
+    <p:sldId id="276" r:id="rId17"/>
+    <p:sldId id="279" r:id="rId18"/>
+    <p:sldId id="269" r:id="rId19"/>
+    <p:sldId id="278" r:id="rId20"/>
+    <p:sldId id="283" r:id="rId21"/>
+    <p:sldId id="284" r:id="rId22"/>
+    <p:sldId id="285" r:id="rId23"/>
+    <p:sldId id="286" r:id="rId24"/>
+    <p:sldId id="287" r:id="rId25"/>
+    <p:sldId id="288" r:id="rId26"/>
+    <p:sldId id="277" r:id="rId27"/>
+    <p:sldId id="289" r:id="rId28"/>
+    <p:sldId id="280" r:id="rId29"/>
+    <p:sldId id="263" r:id="rId30"/>
+    <p:sldId id="282" r:id="rId31"/>
+    <p:sldId id="281" r:id="rId32"/>
+    <p:sldId id="290" r:id="rId33"/>
     <p:sldId id="266" r:id="rId34"/>
   </p:sldIdLst>
   <p:sldSz cx="12192000" cy="6858000"/>
@@ -229,7 +229,7 @@
           <a:p>
             <a:fld id="{C3E73E1A-6E0D-4AF6-A1BC-AACCC65B771B}" type="datetimeFigureOut">
               <a:rPr lang="en-GB" smtClean="0"/>
-              <a:t>29/05/2023</a:t>
+              <a:t>02/06/2023</a:t>
             </a:fld>
             <a:endParaRPr lang="en-GB"/>
           </a:p>
@@ -636,34 +636,15 @@
           <a:p>
             <a:r>
               <a:rPr lang="en-GB" dirty="0"/>
-              <a:t>So I asked specifically for ISO SCH and XQY 3.1, to see if that made a difference.</a:t>
-            </a:r>
-          </a:p>
-          <a:p>
+              <a:t>Thank you for listening </a:t>
+            </a:r>
+            <a:r>
+              <a:rPr lang="en-GB" dirty="0">
+                <a:sym typeface="Wingdings" panose="05000000000000000000" pitchFamily="2" charset="2"/>
+              </a:rPr>
+              <a:t></a:t>
+            </a:r>
             <a:endParaRPr lang="en-GB" dirty="0"/>
-          </a:p>
-          <a:p>
-            <a:r>
-              <a:rPr lang="en-GB" dirty="0"/>
-              <a:t>This time, it proudly declares the ISO namespace (see top).</a:t>
-            </a:r>
-          </a:p>
-          <a:p>
-            <a:endParaRPr lang="en-GB" dirty="0"/>
-          </a:p>
-          <a:p>
-            <a:r>
-              <a:rPr lang="en-GB" dirty="0"/>
-              <a:t>BUT it uses the XSLT </a:t>
-            </a:r>
-            <a:r>
-              <a:rPr lang="en-GB" dirty="0" err="1"/>
-              <a:t>impl</a:t>
-            </a:r>
-            <a:r>
-              <a:rPr lang="en-GB" dirty="0"/>
-              <a:t>!</a:t>
-            </a:r>
           </a:p>
         </p:txBody>
       </p:sp>
@@ -693,7 +674,7 @@
     </p:spTree>
     <p:extLst>
       <p:ext uri="{BB962C8B-B14F-4D97-AF65-F5344CB8AC3E}">
-        <p14:creationId xmlns:p14="http://schemas.microsoft.com/office/powerpoint/2010/main" val="630851917"/>
+        <p14:creationId xmlns:p14="http://schemas.microsoft.com/office/powerpoint/2010/main" val="2514766102"/>
       </p:ext>
     </p:extLst>
   </p:cSld>
@@ -749,7 +730,52 @@
           <a:p>
             <a:r>
               <a:rPr lang="en-GB" dirty="0"/>
-              <a:t>Same approach as at first, but in ISO namespace…</a:t>
+              <a:t>Joking aside: this isn’t a conference about AI, but let’s see what it said.</a:t>
+            </a:r>
+          </a:p>
+          <a:p>
+            <a:endParaRPr lang="en-GB" dirty="0"/>
+          </a:p>
+          <a:p>
+            <a:r>
+              <a:rPr lang="en-GB" dirty="0"/>
+              <a:t>First question.</a:t>
+            </a:r>
+          </a:p>
+          <a:p>
+            <a:r>
+              <a:rPr lang="en-GB" dirty="0"/>
+              <a:t>(Answer is shortened, for space reasons)</a:t>
+            </a:r>
+          </a:p>
+          <a:p>
+            <a:r>
+              <a:rPr lang="en-GB" dirty="0"/>
+              <a:t>Reasonable attempt – Boolean result, though.</a:t>
+            </a:r>
+          </a:p>
+          <a:p>
+            <a:endParaRPr lang="en-GB" dirty="0"/>
+          </a:p>
+          <a:p>
+            <a:r>
+              <a:rPr lang="en-GB" dirty="0"/>
+              <a:t>No handling of patterns or rules</a:t>
+            </a:r>
+          </a:p>
+          <a:p>
+            <a:endParaRPr lang="en-GB" b="1" dirty="0"/>
+          </a:p>
+          <a:p>
+            <a:r>
+              <a:rPr lang="en-GB" b="1" dirty="0"/>
+              <a:t>Q. Can anyone spot what’s odd here?</a:t>
+            </a:r>
+          </a:p>
+          <a:p>
+            <a:r>
+              <a:rPr lang="en-GB" dirty="0"/>
+              <a:t>A. Pre-ISO namespace!!</a:t>
             </a:r>
           </a:p>
         </p:txBody>
@@ -780,7 +806,7 @@
     </p:spTree>
     <p:extLst>
       <p:ext uri="{BB962C8B-B14F-4D97-AF65-F5344CB8AC3E}">
-        <p14:creationId xmlns:p14="http://schemas.microsoft.com/office/powerpoint/2010/main" val="1985493438"/>
+        <p14:creationId xmlns:p14="http://schemas.microsoft.com/office/powerpoint/2010/main" val="3905409614"/>
       </p:ext>
     </p:extLst>
   </p:cSld>
@@ -836,7 +862,33 @@
           <a:p>
             <a:r>
               <a:rPr lang="en-GB" dirty="0"/>
-              <a:t>Now SVRL appears, but still no pattern/rule handling, so no complete SVRL output.</a:t>
+              <a:t>So I asked specifically for ISO SCH and XQY 3.1, to see if that made a difference.</a:t>
+            </a:r>
+          </a:p>
+          <a:p>
+            <a:endParaRPr lang="en-GB" dirty="0"/>
+          </a:p>
+          <a:p>
+            <a:r>
+              <a:rPr lang="en-GB" dirty="0"/>
+              <a:t>This time, it proudly declares the ISO namespace (see top).</a:t>
+            </a:r>
+          </a:p>
+          <a:p>
+            <a:endParaRPr lang="en-GB" dirty="0"/>
+          </a:p>
+          <a:p>
+            <a:r>
+              <a:rPr lang="en-GB" dirty="0"/>
+              <a:t>BUT it uses the XSLT </a:t>
+            </a:r>
+            <a:r>
+              <a:rPr lang="en-GB" dirty="0" err="1"/>
+              <a:t>impl</a:t>
+            </a:r>
+            <a:r>
+              <a:rPr lang="en-GB" dirty="0"/>
+              <a:t>!</a:t>
             </a:r>
           </a:p>
         </p:txBody>
@@ -867,7 +919,7 @@
     </p:spTree>
     <p:extLst>
       <p:ext uri="{BB962C8B-B14F-4D97-AF65-F5344CB8AC3E}">
-        <p14:creationId xmlns:p14="http://schemas.microsoft.com/office/powerpoint/2010/main" val="160635231"/>
+        <p14:creationId xmlns:p14="http://schemas.microsoft.com/office/powerpoint/2010/main" val="630851917"/>
       </p:ext>
     </p:extLst>
   </p:cSld>
@@ -923,25 +975,8 @@
           <a:p>
             <a:r>
               <a:rPr lang="en-GB" dirty="0"/>
-              <a:t>The quality of the questions I asked </a:t>
-            </a:r>
-            <a:r>
-              <a:rPr lang="en-GB" dirty="0" err="1"/>
-              <a:t>ChatGPT</a:t>
-            </a:r>
-            <a:r>
-              <a:rPr lang="en-GB" dirty="0"/>
-              <a:t> probably didn’t help.</a:t>
-            </a:r>
-          </a:p>
-          <a:p>
-            <a:r>
-              <a:rPr lang="en-GB" dirty="0"/>
-              <a:t>Reason I did this and shared it here is it helped clarify the goals a bit.</a:t>
-            </a:r>
-          </a:p>
-          <a:p>
-            <a:endParaRPr lang="en-GB" dirty="0"/>
+              <a:t>Same approach as at first, but in ISO namespace…</a:t>
+            </a:r>
           </a:p>
         </p:txBody>
       </p:sp>
@@ -971,7 +1006,7 @@
     </p:spTree>
     <p:extLst>
       <p:ext uri="{BB962C8B-B14F-4D97-AF65-F5344CB8AC3E}">
-        <p14:creationId xmlns:p14="http://schemas.microsoft.com/office/powerpoint/2010/main" val="3865569298"/>
+        <p14:creationId xmlns:p14="http://schemas.microsoft.com/office/powerpoint/2010/main" val="1985493438"/>
       </p:ext>
     </p:extLst>
   </p:cSld>
@@ -1025,38 +1060,9 @@
           <a:bodyPr/>
           <a:lstStyle/>
           <a:p>
-            <a:pPr marL="171450" indent="-171450">
-              <a:buFontTx/>
-              <a:buChar char="-"/>
-            </a:pPr>
-            <a:r>
-              <a:rPr lang="en-GB" dirty="0"/>
-              <a:t>To come back to “dynamic evaluation” brief that I mentioned before</a:t>
-            </a:r>
-          </a:p>
-          <a:p>
-            <a:pPr marL="171450" indent="-171450">
-              <a:buFontTx/>
-              <a:buChar char="-"/>
-            </a:pPr>
-            <a:r>
-              <a:rPr lang="en-GB" dirty="0"/>
-              <a:t>this is what the processing model looks like for e.g. XSLT </a:t>
-            </a:r>
-            <a:r>
-              <a:rPr lang="en-GB" dirty="0" err="1"/>
-              <a:t>impls</a:t>
-            </a:r>
-            <a:endParaRPr lang="en-GB" dirty="0"/>
-          </a:p>
-          <a:p>
-            <a:pPr marL="171450" indent="-171450">
-              <a:buFontTx/>
-              <a:buChar char="-"/>
-            </a:pPr>
-            <a:r>
-              <a:rPr lang="en-GB" dirty="0"/>
-              <a:t>[WALK THROUGH]</a:t>
+            <a:r>
+              <a:rPr lang="en-GB" dirty="0"/>
+              <a:t>Now SVRL appears, but still no pattern/rule handling, so no complete SVRL output.</a:t>
             </a:r>
           </a:p>
         </p:txBody>
@@ -1087,7 +1093,7 @@
     </p:spTree>
     <p:extLst>
       <p:ext uri="{BB962C8B-B14F-4D97-AF65-F5344CB8AC3E}">
-        <p14:creationId xmlns:p14="http://schemas.microsoft.com/office/powerpoint/2010/main" val="2074892177"/>
+        <p14:creationId xmlns:p14="http://schemas.microsoft.com/office/powerpoint/2010/main" val="160635231"/>
       </p:ext>
     </p:extLst>
   </p:cSld>
@@ -1141,48 +1147,27 @@
           <a:bodyPr/>
           <a:lstStyle/>
           <a:p>
-            <a:pPr marL="171450" indent="-171450">
-              <a:buFontTx/>
-              <a:buChar char="-"/>
-            </a:pPr>
-            <a:r>
-              <a:rPr lang="en-GB" dirty="0"/>
-              <a:t>Pre-processing steps still in place, but no compilation step</a:t>
-            </a:r>
-          </a:p>
-          <a:p>
-            <a:pPr marL="171450" indent="-171450">
-              <a:buFontTx/>
-              <a:buChar char="-"/>
-            </a:pPr>
-            <a:r>
-              <a:rPr lang="en-GB" dirty="0"/>
-              <a:t>Q. Why? A. no absolute need for compile step, so curious what it would throw up doing it this way; also: previous experience of </a:t>
+            <a:r>
+              <a:rPr lang="en-GB" dirty="0"/>
+              <a:t>The quality of the questions I asked </a:t>
             </a:r>
             <a:r>
               <a:rPr lang="en-GB" dirty="0" err="1"/>
-              <a:t>XMLProbe</a:t>
-            </a:r>
-            <a:r>
-              <a:rPr lang="en-GB" dirty="0"/>
-              <a:t>/</a:t>
-            </a:r>
-            <a:r>
-              <a:rPr lang="en-GB" dirty="0" err="1"/>
-              <a:t>Probatron</a:t>
-            </a:r>
-            <a:r>
-              <a:rPr lang="en-GB" dirty="0"/>
-              <a:t> (XPath </a:t>
-            </a:r>
-            <a:r>
-              <a:rPr lang="en-GB" dirty="0" err="1"/>
-              <a:t>impl</a:t>
-            </a:r>
-            <a:r>
-              <a:rPr lang="en-GB" dirty="0"/>
-              <a:t>)</a:t>
-            </a:r>
+              <a:t>ChatGPT</a:t>
+            </a:r>
+            <a:r>
+              <a:rPr lang="en-GB" dirty="0"/>
+              <a:t> probably didn’t help.</a:t>
+            </a:r>
+          </a:p>
+          <a:p>
+            <a:r>
+              <a:rPr lang="en-GB" dirty="0"/>
+              <a:t>Reason I did this and shared it here is it helped clarify the goals a bit.</a:t>
+            </a:r>
+          </a:p>
+          <a:p>
+            <a:endParaRPr lang="en-GB" dirty="0"/>
           </a:p>
         </p:txBody>
       </p:sp>
@@ -1212,7 +1197,7 @@
     </p:spTree>
     <p:extLst>
       <p:ext uri="{BB962C8B-B14F-4D97-AF65-F5344CB8AC3E}">
-        <p14:creationId xmlns:p14="http://schemas.microsoft.com/office/powerpoint/2010/main" val="3044856684"/>
+        <p14:creationId xmlns:p14="http://schemas.microsoft.com/office/powerpoint/2010/main" val="3865569298"/>
       </p:ext>
     </p:extLst>
   </p:cSld>
@@ -1268,25 +1253,62 @@
           <a:p>
             <a:r>
               <a:rPr lang="en-GB" dirty="0"/>
-              <a:t>Before diving into approach, an overview of </a:t>
+              <a:t>With this new QLB, we have to make some decisions about things like evaluation context, i.e. what is the input to the schema and its rules etc?</a:t>
+            </a:r>
+          </a:p>
+          <a:p>
+            <a:pPr marL="171450" indent="-171450">
+              <a:buFontTx/>
+              <a:buChar char="-"/>
+            </a:pPr>
+            <a:r>
+              <a:rPr lang="en-GB" dirty="0"/>
+              <a:t>XQY allows us to address multiple docs, but standard and other bindings speak of one, so going with that strict interpretation</a:t>
+            </a:r>
+          </a:p>
+          <a:p>
+            <a:pPr marL="171450" indent="-171450">
+              <a:buFontTx/>
+              <a:buChar char="-"/>
+            </a:pPr>
+            <a:r>
+              <a:rPr lang="en-GB" dirty="0"/>
+              <a:t>Rule context (what selects items to be tested) must be a node</a:t>
+            </a:r>
+          </a:p>
+          <a:p>
+            <a:pPr marL="171450" indent="-171450">
+              <a:buFontTx/>
+              <a:buChar char="-"/>
+            </a:pPr>
+            <a:r>
+              <a:rPr lang="en-GB" dirty="0"/>
+              <a:t>This expression will be evaluated in context of document root</a:t>
+            </a:r>
+          </a:p>
+          <a:p>
+            <a:pPr marL="171450" indent="-171450">
+              <a:buFontTx/>
+              <a:buChar char="-"/>
+            </a:pPr>
+            <a:r>
+              <a:rPr lang="en-GB" dirty="0"/>
+              <a:t>Implication for schema authors used to XSLT </a:t>
             </a:r>
             <a:r>
               <a:rPr lang="en-GB" dirty="0" err="1"/>
-              <a:t>Schematron</a:t>
-            </a:r>
-            <a:r>
-              <a:rPr lang="en-GB" dirty="0"/>
-              <a:t> schema structure: </a:t>
-            </a:r>
-          </a:p>
-          <a:p>
-            <a:pPr lvl="1"/>
-            <a:r>
-              <a:rPr lang="en-GB" dirty="0"/>
-              <a:t>Phase, pattern, rule, constraints (diagram)</a:t>
-            </a:r>
-          </a:p>
-          <a:p>
+              <a:t>impls</a:t>
+            </a:r>
+            <a:r>
+              <a:rPr lang="en-GB" dirty="0"/>
+              <a:t> is that a path like the one shown will only match the root element!!</a:t>
+            </a:r>
+          </a:p>
+          <a:p>
+            <a:pPr marL="171450" indent="-171450">
+              <a:buFontTx/>
+              <a:buChar char="-"/>
+            </a:pPr>
             <a:endParaRPr lang="en-GB" dirty="0"/>
           </a:p>
         </p:txBody>
@@ -1317,7 +1339,7 @@
     </p:spTree>
     <p:extLst>
       <p:ext uri="{BB962C8B-B14F-4D97-AF65-F5344CB8AC3E}">
-        <p14:creationId xmlns:p14="http://schemas.microsoft.com/office/powerpoint/2010/main" val="545447209"/>
+        <p14:creationId xmlns:p14="http://schemas.microsoft.com/office/powerpoint/2010/main" val="1799557693"/>
       </p:ext>
     </p:extLst>
   </p:cSld>
@@ -1371,19 +1393,13 @@
           <a:bodyPr/>
           <a:lstStyle/>
           <a:p>
-            <a:r>
-              <a:rPr lang="en-GB" dirty="0"/>
-              <a:t>With this new QLB, we have to make some decisions about things like evaluation context, i.e. what is the input to the schema and its rules etc?</a:t>
-            </a:r>
-          </a:p>
-          <a:p>
             <a:pPr marL="171450" indent="-171450">
               <a:buFontTx/>
               <a:buChar char="-"/>
             </a:pPr>
             <a:r>
               <a:rPr lang="en-GB" dirty="0"/>
-              <a:t>XQY allows us to address multiple docs, but standard and other bindings speak of one, so going with that strict interpretation</a:t>
+              <a:t>So to return to the goal of dynamic evaluation I mentioned earlier.</a:t>
             </a:r>
           </a:p>
           <a:p>
@@ -1393,7 +1409,7 @@
             </a:pPr>
             <a:r>
               <a:rPr lang="en-GB" dirty="0"/>
-              <a:t>Rule context (what selects items to be tested) must be a node</a:t>
+              <a:t>This is what that looks like.</a:t>
             </a:r>
           </a:p>
           <a:p>
@@ -1403,7 +1419,7 @@
             </a:pPr>
             <a:r>
               <a:rPr lang="en-GB" dirty="0"/>
-              <a:t>This expression will be evaluated in context of document root</a:t>
+              <a:t>Pre-processing steps still in place, but no compilation step</a:t>
             </a:r>
           </a:p>
           <a:p>
@@ -1413,23 +1429,32 @@
             </a:pPr>
             <a:r>
               <a:rPr lang="en-GB" dirty="0"/>
-              <a:t>Implication for schema authors used to XSLT </a:t>
+              <a:t>Q. Why? A. no absolute need for compile step, so curious what it would throw up doing it this way; also: previous experience of </a:t>
             </a:r>
             <a:r>
               <a:rPr lang="en-GB" dirty="0" err="1"/>
-              <a:t>impls</a:t>
-            </a:r>
-            <a:r>
-              <a:rPr lang="en-GB" dirty="0"/>
-              <a:t> is that a path like the one shown will only match the root element!!</a:t>
-            </a:r>
-          </a:p>
-          <a:p>
-            <a:pPr marL="171450" indent="-171450">
-              <a:buFontTx/>
-              <a:buChar char="-"/>
-            </a:pPr>
-            <a:endParaRPr lang="en-GB" dirty="0"/>
+              <a:t>XMLProbe</a:t>
+            </a:r>
+            <a:r>
+              <a:rPr lang="en-GB" dirty="0"/>
+              <a:t>/</a:t>
+            </a:r>
+            <a:r>
+              <a:rPr lang="en-GB" dirty="0" err="1"/>
+              <a:t>Probatron</a:t>
+            </a:r>
+            <a:r>
+              <a:rPr lang="en-GB" dirty="0"/>
+              <a:t> (XPath </a:t>
+            </a:r>
+            <a:r>
+              <a:rPr lang="en-GB" dirty="0" err="1"/>
+              <a:t>impl</a:t>
+            </a:r>
+            <a:r>
+              <a:rPr lang="en-GB" dirty="0"/>
+              <a:t>)</a:t>
+            </a:r>
           </a:p>
         </p:txBody>
       </p:sp>
@@ -1459,7 +1484,7 @@
     </p:spTree>
     <p:extLst>
       <p:ext uri="{BB962C8B-B14F-4D97-AF65-F5344CB8AC3E}">
-        <p14:creationId xmlns:p14="http://schemas.microsoft.com/office/powerpoint/2010/main" val="1799557693"/>
+        <p14:creationId xmlns:p14="http://schemas.microsoft.com/office/powerpoint/2010/main" val="3044856684"/>
       </p:ext>
     </p:extLst>
   </p:cSld>
@@ -1515,7 +1540,59 @@
           <a:p>
             <a:r>
               <a:rPr lang="en-GB" dirty="0"/>
-              <a:t>Let’s look at the two approaches, the two methods of validation available with XQS.</a:t>
+              <a:t>In the evaluation portion, we first:</a:t>
+            </a:r>
+          </a:p>
+          <a:p>
+            <a:pPr marL="171450" indent="-171450">
+              <a:buFontTx/>
+              <a:buChar char="-"/>
+            </a:pPr>
+            <a:r>
+              <a:rPr lang="en-GB" dirty="0"/>
+              <a:t>Build </a:t>
+            </a:r>
+            <a:r>
+              <a:rPr lang="en-GB" dirty="0" err="1"/>
+              <a:t>prolog</a:t>
+            </a:r>
+            <a:r>
+              <a:rPr lang="en-GB" dirty="0"/>
+              <a:t> of </a:t>
+            </a:r>
+            <a:r>
+              <a:rPr lang="en-GB" dirty="0" err="1"/>
+              <a:t>nss</a:t>
+            </a:r>
+            <a:r>
+              <a:rPr lang="en-GB" dirty="0"/>
+              <a:t>, local vars and UDFs</a:t>
+            </a:r>
+          </a:p>
+          <a:p>
+            <a:pPr marL="171450" indent="-171450">
+              <a:buFontTx/>
+              <a:buChar char="-"/>
+            </a:pPr>
+            <a:r>
+              <a:rPr lang="en-GB" dirty="0"/>
+              <a:t>Pass to </a:t>
+            </a:r>
+            <a:r>
+              <a:rPr lang="en-GB" dirty="0" err="1"/>
+              <a:t>BaseX</a:t>
+            </a:r>
+            <a:r>
+              <a:rPr lang="en-GB" dirty="0"/>
+              <a:t>-specific </a:t>
+            </a:r>
+            <a:r>
+              <a:rPr lang="en-GB" dirty="0" err="1"/>
+              <a:t>xquery:eval</a:t>
+            </a:r>
+            <a:r>
+              <a:rPr lang="en-GB" dirty="0"/>
+              <a:t>() function, with map of global variable bindings and the instance document itself (key is empty string)</a:t>
             </a:r>
           </a:p>
         </p:txBody>
@@ -1546,7 +1623,7 @@
     </p:spTree>
     <p:extLst>
       <p:ext uri="{BB962C8B-B14F-4D97-AF65-F5344CB8AC3E}">
-        <p14:creationId xmlns:p14="http://schemas.microsoft.com/office/powerpoint/2010/main" val="1640006825"/>
+        <p14:creationId xmlns:p14="http://schemas.microsoft.com/office/powerpoint/2010/main" val="15920639"/>
       </p:ext>
     </p:extLst>
   </p:cSld>
@@ -1601,8 +1678,16 @@
           <a:lstStyle/>
           <a:p>
             <a:r>
-              <a:rPr lang="en-GB" dirty="0"/>
-              <a:t>In the evaluation portion, we first:</a:t>
+              <a:rPr lang="en-GB" sz="1200" b="0" i="0" kern="1200" dirty="0">
+                <a:solidFill>
+                  <a:schemeClr val="tx1"/>
+                </a:solidFill>
+                <a:effectLst/>
+                <a:latin typeface="+mn-lt"/>
+                <a:ea typeface="+mn-ea"/>
+                <a:cs typeface="+mn-cs"/>
+              </a:rPr>
+              <a:t>Patterns are essentially a grouping mechanism for rules. </a:t>
             </a:r>
           </a:p>
           <a:p>
@@ -1611,24 +1696,16 @@
               <a:buChar char="-"/>
             </a:pPr>
             <a:r>
-              <a:rPr lang="en-GB" dirty="0"/>
-              <a:t>Build </a:t>
-            </a:r>
-            <a:r>
-              <a:rPr lang="en-GB" dirty="0" err="1"/>
-              <a:t>prolog</a:t>
-            </a:r>
-            <a:r>
-              <a:rPr lang="en-GB" dirty="0"/>
-              <a:t> of </a:t>
-            </a:r>
-            <a:r>
-              <a:rPr lang="en-GB" dirty="0" err="1"/>
-              <a:t>nss</a:t>
-            </a:r>
-            <a:r>
-              <a:rPr lang="en-GB" dirty="0"/>
-              <a:t>, local vars and UDFs</a:t>
+              <a:rPr lang="en-GB" sz="1200" b="0" i="0" kern="1200" dirty="0">
+                <a:solidFill>
+                  <a:schemeClr val="tx1"/>
+                </a:solidFill>
+                <a:effectLst/>
+                <a:latin typeface="+mn-lt"/>
+                <a:ea typeface="+mn-ea"/>
+                <a:cs typeface="+mn-cs"/>
+              </a:rPr>
+              <a:t>contain variables unusual because local in scope to the containing pattern, but are evaluated in the context of the instance document root</a:t>
             </a:r>
           </a:p>
           <a:p>
@@ -1637,25 +1714,38 @@
               <a:buChar char="-"/>
             </a:pPr>
             <a:r>
-              <a:rPr lang="en-GB" dirty="0"/>
-              <a:t>Pass to </a:t>
-            </a:r>
-            <a:r>
-              <a:rPr lang="en-GB" dirty="0" err="1"/>
-              <a:t>BaseX</a:t>
-            </a:r>
-            <a:r>
-              <a:rPr lang="en-GB" dirty="0"/>
-              <a:t>-specific </a:t>
-            </a:r>
-            <a:r>
-              <a:rPr lang="en-GB" dirty="0" err="1"/>
-              <a:t>xquery:eval</a:t>
-            </a:r>
-            <a:r>
-              <a:rPr lang="en-GB" dirty="0"/>
-              <a:t>() function, with map of global variable bindings and the instance document itself (key is empty string)</a:t>
-            </a:r>
+              <a:rPr lang="en-GB" sz="1200" b="0" i="0" kern="1200" dirty="0">
+                <a:solidFill>
+                  <a:schemeClr val="tx1"/>
+                </a:solidFill>
+                <a:effectLst/>
+                <a:latin typeface="+mn-lt"/>
+                <a:ea typeface="+mn-ea"/>
+                <a:cs typeface="+mn-cs"/>
+              </a:rPr>
+              <a:t>change in scope but not context means the map of bindings must be updated for every pattern</a:t>
+            </a:r>
+          </a:p>
+          <a:p>
+            <a:pPr marL="171450" indent="-171450">
+              <a:buFontTx/>
+              <a:buChar char="-"/>
+            </a:pPr>
+            <a:r>
+              <a:rPr lang="en-GB" sz="1200" b="0" i="0" kern="1200" dirty="0">
+                <a:solidFill>
+                  <a:schemeClr val="tx1"/>
+                </a:solidFill>
+                <a:effectLst/>
+                <a:latin typeface="+mn-lt"/>
+                <a:ea typeface="+mn-ea"/>
+                <a:cs typeface="+mn-cs"/>
+              </a:rPr>
+              <a:t>This means XQS implements pattern variables as local, which behaviour differs from that of the XSLT implementations.</a:t>
+            </a:r>
+          </a:p>
+          <a:p>
+            <a:endParaRPr lang="en-GB" dirty="0"/>
           </a:p>
         </p:txBody>
       </p:sp>
@@ -1685,7 +1775,7 @@
     </p:spTree>
     <p:extLst>
       <p:ext uri="{BB962C8B-B14F-4D97-AF65-F5344CB8AC3E}">
-        <p14:creationId xmlns:p14="http://schemas.microsoft.com/office/powerpoint/2010/main" val="15920639"/>
+        <p14:creationId xmlns:p14="http://schemas.microsoft.com/office/powerpoint/2010/main" val="2319367447"/>
       </p:ext>
     </p:extLst>
   </p:cSld>
@@ -1827,16 +1917,8 @@
           <a:lstStyle/>
           <a:p>
             <a:r>
-              <a:rPr lang="en-GB" sz="1200" b="0" i="0" kern="1200" dirty="0">
-                <a:solidFill>
-                  <a:schemeClr val="tx1"/>
-                </a:solidFill>
-                <a:effectLst/>
-                <a:latin typeface="+mn-lt"/>
-                <a:ea typeface="+mn-ea"/>
-                <a:cs typeface="+mn-cs"/>
-              </a:rPr>
-              <a:t>Patterns are essentially a grouping mechanism for rules. </a:t>
+              <a:rPr lang="en-GB" dirty="0"/>
+              <a:t>Another feature of patterns, introduced in 2016 edition of standard.</a:t>
             </a:r>
           </a:p>
           <a:p>
@@ -1845,16 +1927,8 @@
               <a:buChar char="-"/>
             </a:pPr>
             <a:r>
-              <a:rPr lang="en-GB" sz="1200" b="0" i="0" kern="1200" dirty="0">
-                <a:solidFill>
-                  <a:schemeClr val="tx1"/>
-                </a:solidFill>
-                <a:effectLst/>
-                <a:latin typeface="+mn-lt"/>
-                <a:ea typeface="+mn-ea"/>
-                <a:cs typeface="+mn-cs"/>
-              </a:rPr>
-              <a:t>contain variables unusual because local in scope to the containing pattern, but are evaluated in the context of the instance document root</a:t>
+              <a:rPr lang="en-GB" dirty="0"/>
+              <a:t>Allows other, “subordinate” documents to be validated</a:t>
             </a:r>
           </a:p>
           <a:p>
@@ -1863,16 +1937,8 @@
               <a:buChar char="-"/>
             </a:pPr>
             <a:r>
-              <a:rPr lang="en-GB" sz="1200" b="0" i="0" kern="1200" dirty="0">
-                <a:solidFill>
-                  <a:schemeClr val="tx1"/>
-                </a:solidFill>
-                <a:effectLst/>
-                <a:latin typeface="+mn-lt"/>
-                <a:ea typeface="+mn-ea"/>
-                <a:cs typeface="+mn-cs"/>
-              </a:rPr>
-              <a:t>change in scope but not context means the map of bindings must be updated for every pattern</a:t>
+              <a:rPr lang="en-GB" dirty="0"/>
+              <a:t>Here, path in bold evaluated against document root</a:t>
             </a:r>
           </a:p>
           <a:p>
@@ -1881,20 +1947,19 @@
               <a:buChar char="-"/>
             </a:pPr>
             <a:r>
-              <a:rPr lang="en-GB" sz="1200" b="0" i="0" kern="1200" dirty="0">
-                <a:solidFill>
-                  <a:schemeClr val="tx1"/>
-                </a:solidFill>
-                <a:effectLst/>
-                <a:latin typeface="+mn-lt"/>
-                <a:ea typeface="+mn-ea"/>
-                <a:cs typeface="+mn-cs"/>
-              </a:rPr>
-              <a:t>This means XQS implements pattern variables as local, which behaviour differs from that of the XSLT implementations.</a:t>
-            </a:r>
-          </a:p>
-          <a:p>
-            <a:endParaRPr lang="en-GB" dirty="0"/>
+              <a:rPr lang="en-GB" dirty="0"/>
+              <a:t>Documents at resulting URIs are accessed</a:t>
+            </a:r>
+          </a:p>
+          <a:p>
+            <a:pPr marL="171450" indent="-171450">
+              <a:buFontTx/>
+              <a:buChar char="-"/>
+            </a:pPr>
+            <a:r>
+              <a:rPr lang="en-GB" dirty="0"/>
+              <a:t>Rules applied to them</a:t>
+            </a:r>
           </a:p>
         </p:txBody>
       </p:sp>
@@ -1924,7 +1989,7 @@
     </p:spTree>
     <p:extLst>
       <p:ext uri="{BB962C8B-B14F-4D97-AF65-F5344CB8AC3E}">
-        <p14:creationId xmlns:p14="http://schemas.microsoft.com/office/powerpoint/2010/main" val="2319367447"/>
+        <p14:creationId xmlns:p14="http://schemas.microsoft.com/office/powerpoint/2010/main" val="2869343566"/>
       </p:ext>
     </p:extLst>
   </p:cSld>
@@ -1978,50 +2043,7 @@
           <a:bodyPr/>
           <a:lstStyle/>
           <a:p>
-            <a:r>
-              <a:rPr lang="en-GB" dirty="0"/>
-              <a:t>Another feature of patterns, introduced in 2016 edition of standard.</a:t>
-            </a:r>
-          </a:p>
-          <a:p>
-            <a:pPr marL="171450" indent="-171450">
-              <a:buFontTx/>
-              <a:buChar char="-"/>
-            </a:pPr>
-            <a:r>
-              <a:rPr lang="en-GB" dirty="0"/>
-              <a:t>Allows other, “subordinate” documents to be validated</a:t>
-            </a:r>
-          </a:p>
-          <a:p>
-            <a:pPr marL="171450" indent="-171450">
-              <a:buFontTx/>
-              <a:buChar char="-"/>
-            </a:pPr>
-            <a:r>
-              <a:rPr lang="en-GB" dirty="0"/>
-              <a:t>Here, path in bold evaluated against document root</a:t>
-            </a:r>
-          </a:p>
-          <a:p>
-            <a:pPr marL="171450" indent="-171450">
-              <a:buFontTx/>
-              <a:buChar char="-"/>
-            </a:pPr>
-            <a:r>
-              <a:rPr lang="en-GB" dirty="0"/>
-              <a:t>Documents at resulting URIs are accessed</a:t>
-            </a:r>
-          </a:p>
-          <a:p>
-            <a:pPr marL="171450" indent="-171450">
-              <a:buFontTx/>
-              <a:buChar char="-"/>
-            </a:pPr>
-            <a:r>
-              <a:rPr lang="en-GB" dirty="0"/>
-              <a:t>Rules applied to them</a:t>
-            </a:r>
+            <a:endParaRPr lang="en-GB" dirty="0"/>
           </a:p>
         </p:txBody>
       </p:sp>
@@ -2051,7 +2073,7 @@
     </p:spTree>
     <p:extLst>
       <p:ext uri="{BB962C8B-B14F-4D97-AF65-F5344CB8AC3E}">
-        <p14:creationId xmlns:p14="http://schemas.microsoft.com/office/powerpoint/2010/main" val="2869343566"/>
+        <p14:creationId xmlns:p14="http://schemas.microsoft.com/office/powerpoint/2010/main" val="1769381839"/>
       </p:ext>
     </p:extLst>
   </p:cSld>
@@ -2105,7 +2127,42 @@
           <a:bodyPr/>
           <a:lstStyle/>
           <a:p>
+            <a:r>
+              <a:rPr lang="en-GB" dirty="0"/>
+              <a:t>Rules in SCH are supposed to behave like an if/then/else statement.</a:t>
+            </a:r>
+          </a:p>
+          <a:p>
+            <a:r>
+              <a:rPr lang="en-GB" dirty="0"/>
+              <a:t>i.e. if a rule context matches (“fires”), no further rules in that pattern are processed</a:t>
+            </a:r>
+          </a:p>
+          <a:p>
             <a:endParaRPr lang="en-GB" dirty="0"/>
+          </a:p>
+          <a:p>
+            <a:r>
+              <a:rPr lang="en-GB" dirty="0"/>
+              <a:t>XQS implements this as tail recursion.</a:t>
+            </a:r>
+          </a:p>
+          <a:p>
+            <a:endParaRPr lang="en-GB" dirty="0"/>
+          </a:p>
+          <a:p>
+            <a:r>
+              <a:rPr lang="en-GB" dirty="0"/>
+              <a:t>Here, the call to </a:t>
+            </a:r>
+            <a:r>
+              <a:rPr lang="en-GB" dirty="0" err="1"/>
+              <a:t>eval:rule</a:t>
+            </a:r>
+            <a:r>
+              <a:rPr lang="en-GB" dirty="0"/>
+              <a:t>() returns some SVRL, or the empty sequence if there is no match.</a:t>
+            </a:r>
           </a:p>
         </p:txBody>
       </p:sp>
@@ -2135,7 +2192,7 @@
     </p:spTree>
     <p:extLst>
       <p:ext uri="{BB962C8B-B14F-4D97-AF65-F5344CB8AC3E}">
-        <p14:creationId xmlns:p14="http://schemas.microsoft.com/office/powerpoint/2010/main" val="1769381839"/>
+        <p14:creationId xmlns:p14="http://schemas.microsoft.com/office/powerpoint/2010/main" val="2381812239"/>
       </p:ext>
     </p:extLst>
   </p:cSld>
@@ -2191,13 +2248,7 @@
           <a:p>
             <a:r>
               <a:rPr lang="en-GB" dirty="0"/>
-              <a:t>Rules in SCH are supposed to behave like an if/then/else statement.</a:t>
-            </a:r>
-          </a:p>
-          <a:p>
-            <a:r>
-              <a:rPr lang="en-GB" dirty="0"/>
-              <a:t>i.e. if a rule context matches (“fires”), no further rules in that pattern are processed</a:t>
+              <a:t>One side-effect of this dynamic evaluation approach is that syntax errors can lurk in a branch of code never reached, cf. interpreted languages like Python.</a:t>
             </a:r>
           </a:p>
           <a:p>
@@ -2206,7 +2257,7 @@
           <a:p>
             <a:r>
               <a:rPr lang="en-GB" dirty="0"/>
-              <a:t>XQS implements this as tail recursion.</a:t>
+              <a:t>Here, the faulty XPath will only be seen and detected by the processor if the rule context matches.</a:t>
             </a:r>
           </a:p>
           <a:p>
@@ -2215,15 +2266,23 @@
           <a:p>
             <a:r>
               <a:rPr lang="en-GB" dirty="0"/>
-              <a:t>Here, the call to </a:t>
+              <a:t>One remedy is to parse expressions ahead of time, using </a:t>
             </a:r>
             <a:r>
               <a:rPr lang="en-GB" dirty="0" err="1"/>
-              <a:t>eval:rule</a:t>
-            </a:r>
-            <a:r>
-              <a:rPr lang="en-GB" dirty="0"/>
-              <a:t>() returns some SVRL, or the empty sequence if there is no match.</a:t>
+              <a:t>BaseX’s</a:t>
+            </a:r>
+            <a:r>
+              <a:rPr lang="en-GB" dirty="0"/>
+              <a:t> </a:t>
+            </a:r>
+            <a:r>
+              <a:rPr lang="en-GB" dirty="0" err="1"/>
+              <a:t>xquery:parse</a:t>
+            </a:r>
+            <a:r>
+              <a:rPr lang="en-GB" dirty="0"/>
+              <a:t>(), which throws an error on invalid XQuery.</a:t>
             </a:r>
           </a:p>
         </p:txBody>
@@ -2254,7 +2313,7 @@
     </p:spTree>
     <p:extLst>
       <p:ext uri="{BB962C8B-B14F-4D97-AF65-F5344CB8AC3E}">
-        <p14:creationId xmlns:p14="http://schemas.microsoft.com/office/powerpoint/2010/main" val="2381812239"/>
+        <p14:creationId xmlns:p14="http://schemas.microsoft.com/office/powerpoint/2010/main" val="1855877711"/>
       </p:ext>
     </p:extLst>
   </p:cSld>
@@ -2308,44 +2367,7 @@
           <a:bodyPr/>
           <a:lstStyle/>
           <a:p>
-            <a:r>
-              <a:rPr lang="en-GB" dirty="0"/>
-              <a:t>One side-effect of this dynamic evaluation approach is that syntax errors can lurk in a branch of code never reached, cf. interpreted languages like Python.</a:t>
-            </a:r>
-          </a:p>
-          <a:p>
             <a:endParaRPr lang="en-GB" dirty="0"/>
-          </a:p>
-          <a:p>
-            <a:r>
-              <a:rPr lang="en-GB" dirty="0"/>
-              <a:t>Here, the faulty XPath will only be seen and detected by the processor if the rule context matches.</a:t>
-            </a:r>
-          </a:p>
-          <a:p>
-            <a:endParaRPr lang="en-GB" dirty="0"/>
-          </a:p>
-          <a:p>
-            <a:r>
-              <a:rPr lang="en-GB" dirty="0"/>
-              <a:t>One remedy is to parse expressions ahead of time, using </a:t>
-            </a:r>
-            <a:r>
-              <a:rPr lang="en-GB" dirty="0" err="1"/>
-              <a:t>BaseX’s</a:t>
-            </a:r>
-            <a:r>
-              <a:rPr lang="en-GB" dirty="0"/>
-              <a:t> </a:t>
-            </a:r>
-            <a:r>
-              <a:rPr lang="en-GB" dirty="0" err="1"/>
-              <a:t>xquery:parse</a:t>
-            </a:r>
-            <a:r>
-              <a:rPr lang="en-GB" dirty="0"/>
-              <a:t>(), which throws an error on invalid XQuery.</a:t>
-            </a:r>
           </a:p>
         </p:txBody>
       </p:sp>
@@ -2375,7 +2397,7 @@
     </p:spTree>
     <p:extLst>
       <p:ext uri="{BB962C8B-B14F-4D97-AF65-F5344CB8AC3E}">
-        <p14:creationId xmlns:p14="http://schemas.microsoft.com/office/powerpoint/2010/main" val="1855877711"/>
+        <p14:creationId xmlns:p14="http://schemas.microsoft.com/office/powerpoint/2010/main" val="2482679408"/>
       </p:ext>
     </p:extLst>
   </p:cSld>
@@ -2429,7 +2451,57 @@
           <a:bodyPr/>
           <a:lstStyle/>
           <a:p>
+            <a:r>
+              <a:rPr lang="en-GB" dirty="0"/>
+              <a:t>Pros and cons of developing this way</a:t>
+            </a:r>
+          </a:p>
+          <a:p>
+            <a:pPr marL="171450" indent="-171450">
+              <a:buFontTx/>
+              <a:buChar char="-"/>
+            </a:pPr>
+            <a:r>
+              <a:rPr lang="en-GB" dirty="0"/>
+              <a:t>Actual code you can look at and debug</a:t>
+            </a:r>
+          </a:p>
+          <a:p>
+            <a:pPr marL="171450" indent="-171450">
+              <a:buFontTx/>
+              <a:buChar char="-"/>
+            </a:pPr>
+            <a:r>
+              <a:rPr lang="en-GB" dirty="0"/>
+              <a:t>A bit meta, though: e.g. if/then/else statement writing an if/then/else…</a:t>
+            </a:r>
+          </a:p>
+          <a:p>
+            <a:pPr marL="171450" indent="-171450">
+              <a:buFontTx/>
+              <a:buChar char="-"/>
+            </a:pPr>
             <a:endParaRPr lang="en-GB" dirty="0"/>
+          </a:p>
+          <a:p>
+            <a:pPr marL="0" indent="0">
+              <a:buFontTx/>
+              <a:buNone/>
+            </a:pPr>
+            <a:r>
+              <a:rPr lang="en-GB" dirty="0"/>
+              <a:t>Produces XQY main module</a:t>
+            </a:r>
+          </a:p>
+          <a:p>
+            <a:pPr marL="0" indent="0">
+              <a:buFontTx/>
+              <a:buNone/>
+            </a:pPr>
+            <a:r>
+              <a:rPr lang="en-GB" dirty="0"/>
+              <a:t>Runnable under Saxon (at least) too</a:t>
+            </a:r>
           </a:p>
         </p:txBody>
       </p:sp>
@@ -2459,7 +2531,7 @@
     </p:spTree>
     <p:extLst>
       <p:ext uri="{BB962C8B-B14F-4D97-AF65-F5344CB8AC3E}">
-        <p14:creationId xmlns:p14="http://schemas.microsoft.com/office/powerpoint/2010/main" val="2482679408"/>
+        <p14:creationId xmlns:p14="http://schemas.microsoft.com/office/powerpoint/2010/main" val="1733532282"/>
       </p:ext>
     </p:extLst>
   </p:cSld>
@@ -2515,54 +2587,53 @@
           <a:p>
             <a:r>
               <a:rPr lang="en-GB" dirty="0"/>
-              <a:t>Pros and cons of developing this way</a:t>
-            </a:r>
-          </a:p>
-          <a:p>
-            <a:pPr marL="171450" indent="-171450">
-              <a:buFontTx/>
-              <a:buChar char="-"/>
-            </a:pPr>
-            <a:r>
-              <a:rPr lang="en-GB" dirty="0"/>
-              <a:t>Actual code you can look at and debug</a:t>
-            </a:r>
-          </a:p>
-          <a:p>
-            <a:pPr marL="171450" indent="-171450">
-              <a:buFontTx/>
-              <a:buChar char="-"/>
-            </a:pPr>
-            <a:r>
-              <a:rPr lang="en-GB" dirty="0"/>
-              <a:t>A bit meta, though: e.g. if/then/else statement writing an if/then/else…</a:t>
-            </a:r>
-          </a:p>
-          <a:p>
-            <a:pPr marL="171450" indent="-171450">
-              <a:buFontTx/>
-              <a:buChar char="-"/>
-            </a:pPr>
+              <a:t>The output from compiling consists of both nodes (SVRL elements) and strings.</a:t>
+            </a:r>
+          </a:p>
+          <a:p>
+            <a:r>
+              <a:rPr lang="en-GB" dirty="0"/>
+              <a:t>So simplest was to pass these as a sequence to serialize, with the custom </a:t>
+            </a:r>
+            <a:r>
+              <a:rPr lang="en-GB" dirty="0" err="1"/>
+              <a:t>basex</a:t>
+            </a:r>
+            <a:r>
+              <a:rPr lang="en-GB" dirty="0"/>
+              <a:t> method.</a:t>
+            </a:r>
+          </a:p>
+          <a:p>
             <a:endParaRPr lang="en-GB" dirty="0"/>
           </a:p>
           <a:p>
-            <a:pPr marL="0" indent="0">
-              <a:buFontTx/>
-              <a:buNone/>
-            </a:pPr>
-            <a:r>
-              <a:rPr lang="en-GB" dirty="0"/>
-              <a:t>Produces XQY main module</a:t>
-            </a:r>
-          </a:p>
-          <a:p>
-            <a:pPr marL="0" indent="0">
-              <a:buFontTx/>
-              <a:buNone/>
-            </a:pPr>
-            <a:r>
-              <a:rPr lang="en-GB" dirty="0"/>
-              <a:t>Runnable under Saxon (at least) too</a:t>
+            <a:r>
+              <a:rPr lang="en-GB" dirty="0"/>
+              <a:t>Also, note that the application generates variables for internal use in the XQS namespace.</a:t>
+            </a:r>
+          </a:p>
+          <a:p>
+            <a:r>
+              <a:rPr lang="en-GB" dirty="0"/>
+              <a:t>SO: users should avoid declaring that namespace in their </a:t>
+            </a:r>
+            <a:r>
+              <a:rPr lang="en-GB" dirty="0" err="1"/>
+              <a:t>Schematron</a:t>
+            </a:r>
+            <a:r>
+              <a:rPr lang="en-GB" dirty="0"/>
+              <a:t> schema. Bad things could happen if not…</a:t>
+            </a:r>
+          </a:p>
+          <a:p>
+            <a:endParaRPr lang="en-GB" dirty="0"/>
+          </a:p>
+          <a:p>
+            <a:r>
+              <a:rPr lang="en-GB" dirty="0"/>
+              <a:t>Currently, compilation takes place based on the active phase – need to change that, so compile once and pass phase in at validation-time.</a:t>
             </a:r>
           </a:p>
         </p:txBody>
@@ -2593,7 +2664,7 @@
     </p:spTree>
     <p:extLst>
       <p:ext uri="{BB962C8B-B14F-4D97-AF65-F5344CB8AC3E}">
-        <p14:creationId xmlns:p14="http://schemas.microsoft.com/office/powerpoint/2010/main" val="1733532282"/>
+        <p14:creationId xmlns:p14="http://schemas.microsoft.com/office/powerpoint/2010/main" val="760104978"/>
       </p:ext>
     </p:extLst>
   </p:cSld>
@@ -2649,6 +2720,111 @@
           <a:p>
             <a:r>
               <a:rPr lang="en-GB" dirty="0"/>
+              <a:t>1. UDFs: place before patterns, in XQY namespace</a:t>
+            </a:r>
+          </a:p>
+          <a:p>
+            <a:endParaRPr lang="en-GB" dirty="0"/>
+          </a:p>
+          <a:p>
+            <a:r>
+              <a:rPr lang="en-GB" dirty="0"/>
+              <a:t>2. Maps can be declared as variables currently – require use of @as (argument here for including this in standard, on element let)</a:t>
+            </a:r>
+          </a:p>
+          <a:p>
+            <a:endParaRPr lang="en-GB" dirty="0"/>
+          </a:p>
+          <a:p>
+            <a:r>
+              <a:rPr lang="en-GB" dirty="0"/>
+              <a:t>3. Assignment of arrays &amp; anon functions to variables to come</a:t>
+            </a:r>
+          </a:p>
+        </p:txBody>
+      </p:sp>
+      <p:sp>
+        <p:nvSpPr>
+          <p:cNvPr id="4" name="Slide Number Placeholder 3"/>
+          <p:cNvSpPr>
+            <a:spLocks noGrp="1"/>
+          </p:cNvSpPr>
+          <p:nvPr>
+            <p:ph type="sldNum" sz="quarter" idx="5"/>
+          </p:nvPr>
+        </p:nvSpPr>
+        <p:spPr/>
+        <p:txBody>
+          <a:bodyPr/>
+          <a:lstStyle/>
+          <a:p>
+            <a:fld id="{02BDF569-F48B-4704-ADB2-54F694482806}" type="slidenum">
+              <a:rPr lang="en-GB" smtClean="0"/>
+              <a:t>28</a:t>
+            </a:fld>
+            <a:endParaRPr lang="en-GB"/>
+          </a:p>
+        </p:txBody>
+      </p:sp>
+    </p:spTree>
+    <p:extLst>
+      <p:ext uri="{BB962C8B-B14F-4D97-AF65-F5344CB8AC3E}">
+        <p14:creationId xmlns:p14="http://schemas.microsoft.com/office/powerpoint/2010/main" val="3395182464"/>
+      </p:ext>
+    </p:extLst>
+  </p:cSld>
+  <p:clrMapOvr>
+    <a:masterClrMapping/>
+  </p:clrMapOvr>
+</p:notes>
+</file>
+
+<file path=ppt/notesSlides/notesSlide28.xml><?xml version="1.0" encoding="utf-8"?>
+<p:notes xmlns:a="http://schemas.openxmlformats.org/drawingml/2006/main" xmlns:r="http://schemas.openxmlformats.org/officeDocument/2006/relationships" xmlns:p="http://schemas.openxmlformats.org/presentationml/2006/main">
+  <p:cSld>
+    <p:spTree>
+      <p:nvGrpSpPr>
+        <p:cNvPr id="1" name=""/>
+        <p:cNvGrpSpPr/>
+        <p:nvPr/>
+      </p:nvGrpSpPr>
+      <p:grpSpPr>
+        <a:xfrm>
+          <a:off x="0" y="0"/>
+          <a:ext cx="0" cy="0"/>
+          <a:chOff x="0" y="0"/>
+          <a:chExt cx="0" cy="0"/>
+        </a:xfrm>
+      </p:grpSpPr>
+      <p:sp>
+        <p:nvSpPr>
+          <p:cNvPr id="2" name="Slide Image Placeholder 1"/>
+          <p:cNvSpPr>
+            <a:spLocks noGrp="1" noRot="1" noChangeAspect="1"/>
+          </p:cNvSpPr>
+          <p:nvPr>
+            <p:ph type="sldImg"/>
+          </p:nvPr>
+        </p:nvSpPr>
+        <p:spPr/>
+      </p:sp>
+      <p:sp>
+        <p:nvSpPr>
+          <p:cNvPr id="3" name="Notes Placeholder 2"/>
+          <p:cNvSpPr>
+            <a:spLocks noGrp="1"/>
+          </p:cNvSpPr>
+          <p:nvPr>
+            <p:ph type="body" idx="1"/>
+          </p:nvPr>
+        </p:nvSpPr>
+        <p:spPr/>
+        <p:txBody>
+          <a:bodyPr/>
+          <a:lstStyle/>
+          <a:p>
+            <a:r>
+              <a:rPr lang="en-GB" dirty="0"/>
               <a:t>Also a few caveats about XQS:</a:t>
             </a:r>
           </a:p>
@@ -2709,6 +2885,117 @@
             <a:r>
               <a:rPr lang="en-GB" dirty="0"/>
               <a:t>And no need to store your documents there – you can just use it as a validation tool</a:t>
+            </a:r>
+          </a:p>
+        </p:txBody>
+      </p:sp>
+      <p:sp>
+        <p:nvSpPr>
+          <p:cNvPr id="4" name="Slide Number Placeholder 3"/>
+          <p:cNvSpPr>
+            <a:spLocks noGrp="1"/>
+          </p:cNvSpPr>
+          <p:nvPr>
+            <p:ph type="sldNum" sz="quarter" idx="5"/>
+          </p:nvPr>
+        </p:nvSpPr>
+        <p:spPr/>
+        <p:txBody>
+          <a:bodyPr/>
+          <a:lstStyle/>
+          <a:p>
+            <a:fld id="{02BDF569-F48B-4704-ADB2-54F694482806}" type="slidenum">
+              <a:rPr lang="en-GB" smtClean="0"/>
+              <a:t>29</a:t>
+            </a:fld>
+            <a:endParaRPr lang="en-GB"/>
+          </a:p>
+        </p:txBody>
+      </p:sp>
+    </p:spTree>
+    <p:extLst>
+      <p:ext uri="{BB962C8B-B14F-4D97-AF65-F5344CB8AC3E}">
+        <p14:creationId xmlns:p14="http://schemas.microsoft.com/office/powerpoint/2010/main" val="7394890"/>
+      </p:ext>
+    </p:extLst>
+  </p:cSld>
+  <p:clrMapOvr>
+    <a:masterClrMapping/>
+  </p:clrMapOvr>
+</p:notes>
+</file>
+
+<file path=ppt/notesSlides/notesSlide29.xml><?xml version="1.0" encoding="utf-8"?>
+<p:notes xmlns:a="http://schemas.openxmlformats.org/drawingml/2006/main" xmlns:r="http://schemas.openxmlformats.org/officeDocument/2006/relationships" xmlns:p="http://schemas.openxmlformats.org/presentationml/2006/main">
+  <p:cSld>
+    <p:spTree>
+      <p:nvGrpSpPr>
+        <p:cNvPr id="1" name=""/>
+        <p:cNvGrpSpPr/>
+        <p:nvPr/>
+      </p:nvGrpSpPr>
+      <p:grpSpPr>
+        <a:xfrm>
+          <a:off x="0" y="0"/>
+          <a:ext cx="0" cy="0"/>
+          <a:chOff x="0" y="0"/>
+          <a:chExt cx="0" cy="0"/>
+        </a:xfrm>
+      </p:grpSpPr>
+      <p:sp>
+        <p:nvSpPr>
+          <p:cNvPr id="2" name="Slide Image Placeholder 1"/>
+          <p:cNvSpPr>
+            <a:spLocks noGrp="1" noRot="1" noChangeAspect="1"/>
+          </p:cNvSpPr>
+          <p:nvPr>
+            <p:ph type="sldImg"/>
+          </p:nvPr>
+        </p:nvSpPr>
+        <p:spPr/>
+      </p:sp>
+      <p:sp>
+        <p:nvSpPr>
+          <p:cNvPr id="3" name="Notes Placeholder 2"/>
+          <p:cNvSpPr>
+            <a:spLocks noGrp="1"/>
+          </p:cNvSpPr>
+          <p:nvPr>
+            <p:ph type="body" idx="1"/>
+          </p:nvPr>
+        </p:nvSpPr>
+        <p:spPr/>
+        <p:txBody>
+          <a:bodyPr/>
+          <a:lstStyle/>
+          <a:p>
+            <a:pPr marL="171450" indent="-171450">
+              <a:buFontTx/>
+              <a:buChar char="-"/>
+            </a:pPr>
+            <a:r>
+              <a:rPr lang="en-GB" dirty="0"/>
+              <a:t>Starting with the compilation approach would have been easier</a:t>
+            </a:r>
+          </a:p>
+          <a:p>
+            <a:pPr marL="171450" indent="-171450">
+              <a:buFontTx/>
+              <a:buChar char="-"/>
+            </a:pPr>
+            <a:r>
+              <a:rPr lang="en-GB" dirty="0"/>
+              <a:t>Two methods is more work</a:t>
+            </a:r>
+          </a:p>
+          <a:p>
+            <a:pPr marL="171450" indent="-171450">
+              <a:buFontTx/>
+              <a:buChar char="-"/>
+            </a:pPr>
+            <a:r>
+              <a:rPr lang="en-GB" dirty="0"/>
+              <a:t>Bonus that once evaluation method was written, just change function name in unit tests to get most of suite without further effort</a:t>
             </a:r>
           </a:p>
         </p:txBody>
@@ -2739,7 +3026,7 @@
     </p:spTree>
     <p:extLst>
       <p:ext uri="{BB962C8B-B14F-4D97-AF65-F5344CB8AC3E}">
-        <p14:creationId xmlns:p14="http://schemas.microsoft.com/office/powerpoint/2010/main" val="7394890"/>
+        <p14:creationId xmlns:p14="http://schemas.microsoft.com/office/powerpoint/2010/main" val="888853451"/>
       </p:ext>
     </p:extLst>
   </p:cSld>
@@ -2943,7 +3230,7 @@
             </a:r>
             <a:r>
               <a:rPr lang="en-GB" dirty="0"/>
-              <a:t> is the obvious choice: query language binding specified but not defined</a:t>
+              <a:t> is the obvious choice: query language binding [GLOSS ME] specified but not defined</a:t>
             </a:r>
           </a:p>
           <a:p>
@@ -3084,77 +3371,27 @@
           <a:bodyPr/>
           <a:lstStyle/>
           <a:p>
-            <a:pPr marL="171450" indent="-171450">
-              <a:buFontTx/>
-              <a:buChar char="-"/>
-            </a:pPr>
-            <a:r>
-              <a:rPr lang="en-GB" dirty="0"/>
-              <a:t>Conformance over performance: this is where the </a:t>
+            <a:r>
+              <a:rPr lang="en-GB" dirty="0"/>
+              <a:t>Before diving into any detail, an overview of </a:t>
             </a:r>
             <a:r>
               <a:rPr lang="en-GB" dirty="0" err="1"/>
-              <a:t>impl</a:t>
-            </a:r>
-            <a:r>
-              <a:rPr lang="en-GB" dirty="0"/>
-              <a:t> is not just native, but </a:t>
-            </a:r>
-            <a:r>
-              <a:rPr lang="en-GB" i="1" dirty="0"/>
-              <a:t>naïve</a:t>
-            </a:r>
-            <a:r>
-              <a:rPr lang="en-GB" i="0" dirty="0"/>
-              <a:t> </a:t>
-            </a:r>
-            <a:r>
-              <a:rPr lang="en-GB" i="0" dirty="0" err="1"/>
-              <a:t>Xquery</a:t>
-            </a:r>
-            <a:endParaRPr lang="en-GB" i="0" dirty="0"/>
-          </a:p>
-          <a:p>
-            <a:pPr marL="171450" indent="-171450">
-              <a:buFontTx/>
-              <a:buChar char="-"/>
-            </a:pPr>
-            <a:r>
-              <a:rPr lang="en-GB" i="0" dirty="0"/>
-              <a:t>“Dynamic evaluation” – come back to that in a moment</a:t>
-            </a:r>
-          </a:p>
-          <a:p>
-            <a:pPr marL="171450" indent="-171450">
-              <a:buFontTx/>
-              <a:buChar char="-"/>
-            </a:pPr>
-            <a:r>
-              <a:rPr lang="en-GB" i="0" dirty="0"/>
-              <a:t>“Compiled” schemas produced by this software to be portable between engines as far as </a:t>
-            </a:r>
-            <a:r>
-              <a:rPr lang="en-GB" i="0" dirty="0" err="1"/>
-              <a:t>poss</a:t>
-            </a:r>
-            <a:endParaRPr lang="en-GB" i="0" dirty="0"/>
-          </a:p>
-          <a:p>
-            <a:pPr marL="171450" indent="-171450">
-              <a:buFontTx/>
-              <a:buChar char="-"/>
-            </a:pPr>
-            <a:r>
-              <a:rPr lang="en-GB" i="0" dirty="0"/>
-              <a:t>Although not mandated by the standard, SVRL output</a:t>
-            </a:r>
-            <a:endParaRPr lang="en-GB" dirty="0"/>
-          </a:p>
-          <a:p>
-            <a:pPr marL="171450" indent="-171450">
-              <a:buFontTx/>
-              <a:buChar char="-"/>
-            </a:pPr>
+              <a:t>Schematron</a:t>
+            </a:r>
+            <a:r>
+              <a:rPr lang="en-GB" dirty="0"/>
+              <a:t> schema structure: </a:t>
+            </a:r>
+          </a:p>
+          <a:p>
+            <a:pPr lvl="1"/>
+            <a:r>
+              <a:rPr lang="en-GB" dirty="0"/>
+              <a:t>Phase, pattern, rule, constraints (diagram)</a:t>
+            </a:r>
+          </a:p>
+          <a:p>
             <a:endParaRPr lang="en-GB" dirty="0"/>
           </a:p>
         </p:txBody>
@@ -3185,7 +3422,7 @@
     </p:spTree>
     <p:extLst>
       <p:ext uri="{BB962C8B-B14F-4D97-AF65-F5344CB8AC3E}">
-        <p14:creationId xmlns:p14="http://schemas.microsoft.com/office/powerpoint/2010/main" val="3370639080"/>
+        <p14:creationId xmlns:p14="http://schemas.microsoft.com/office/powerpoint/2010/main" val="545447209"/>
       </p:ext>
     </p:extLst>
   </p:cSld>
@@ -3239,9 +3476,38 @@
           <a:bodyPr/>
           <a:lstStyle/>
           <a:p>
-            <a:r>
-              <a:rPr lang="en-GB" dirty="0"/>
-              <a:t>Well, like anyone curious about the answer to a question in 2023, I thought I would…</a:t>
+            <a:pPr marL="171450" indent="-171450">
+              <a:buFontTx/>
+              <a:buChar char="-"/>
+            </a:pPr>
+            <a:r>
+              <a:rPr lang="en-GB" dirty="0"/>
+              <a:t>this is what the high-level processing model looks like for e.g. XSLT </a:t>
+            </a:r>
+            <a:r>
+              <a:rPr lang="en-GB" dirty="0" err="1"/>
+              <a:t>impls</a:t>
+            </a:r>
+            <a:endParaRPr lang="en-GB" dirty="0"/>
+          </a:p>
+          <a:p>
+            <a:pPr marL="171450" indent="-171450">
+              <a:buFontTx/>
+              <a:buChar char="-"/>
+            </a:pPr>
+            <a:r>
+              <a:rPr lang="en-GB" dirty="0"/>
+              <a:t>[WALK THROUGH]</a:t>
+            </a:r>
+          </a:p>
+          <a:p>
+            <a:pPr marL="171450" indent="-171450">
+              <a:buFontTx/>
+              <a:buChar char="-"/>
+            </a:pPr>
+            <a:r>
+              <a:rPr lang="en-GB" dirty="0"/>
+              <a:t>Gloss SVRL!!</a:t>
             </a:r>
           </a:p>
         </p:txBody>
@@ -3272,7 +3538,7 @@
     </p:spTree>
     <p:extLst>
       <p:ext uri="{BB962C8B-B14F-4D97-AF65-F5344CB8AC3E}">
-        <p14:creationId xmlns:p14="http://schemas.microsoft.com/office/powerpoint/2010/main" val="1455385979"/>
+        <p14:creationId xmlns:p14="http://schemas.microsoft.com/office/powerpoint/2010/main" val="2074892177"/>
       </p:ext>
     </p:extLst>
   </p:cSld>
@@ -3326,6 +3592,102 @@
           <a:bodyPr/>
           <a:lstStyle/>
           <a:p>
+            <a:pPr marL="0" indent="0">
+              <a:buFontTx/>
+              <a:buNone/>
+            </a:pPr>
+            <a:r>
+              <a:rPr lang="en-GB" dirty="0"/>
+              <a:t>But what are the design goal for THIS </a:t>
+            </a:r>
+            <a:r>
+              <a:rPr lang="en-GB" dirty="0" err="1"/>
+              <a:t>impl</a:t>
+            </a:r>
+            <a:r>
+              <a:rPr lang="en-GB" dirty="0"/>
+              <a:t>?</a:t>
+            </a:r>
+          </a:p>
+          <a:p>
+            <a:pPr marL="0" indent="0">
+              <a:buFontTx/>
+              <a:buNone/>
+            </a:pPr>
+            <a:endParaRPr lang="en-GB" dirty="0"/>
+          </a:p>
+          <a:p>
+            <a:pPr marL="171450" indent="-171450">
+              <a:buFontTx/>
+              <a:buChar char="-"/>
+            </a:pPr>
+            <a:r>
+              <a:rPr lang="en-GB" dirty="0"/>
+              <a:t>Conformance over performance: this is where the </a:t>
+            </a:r>
+            <a:r>
+              <a:rPr lang="en-GB" dirty="0" err="1"/>
+              <a:t>impl</a:t>
+            </a:r>
+            <a:r>
+              <a:rPr lang="en-GB" dirty="0"/>
+              <a:t> is not just native, but </a:t>
+            </a:r>
+            <a:r>
+              <a:rPr lang="en-GB" i="1" dirty="0"/>
+              <a:t>naïve</a:t>
+            </a:r>
+            <a:r>
+              <a:rPr lang="en-GB" i="0" dirty="0"/>
+              <a:t> </a:t>
+            </a:r>
+            <a:r>
+              <a:rPr lang="en-GB" i="0" dirty="0" err="1"/>
+              <a:t>Xquery</a:t>
+            </a:r>
+            <a:endParaRPr lang="en-GB" i="0" dirty="0"/>
+          </a:p>
+          <a:p>
+            <a:pPr marL="171450" indent="-171450">
+              <a:buFontTx/>
+              <a:buChar char="-"/>
+            </a:pPr>
+            <a:r>
+              <a:rPr lang="en-GB" i="0" dirty="0"/>
+              <a:t>“Dynamic evaluation” – come back to that in a moment</a:t>
+            </a:r>
+          </a:p>
+          <a:p>
+            <a:pPr marL="171450" indent="-171450">
+              <a:buFontTx/>
+              <a:buChar char="-"/>
+            </a:pPr>
+            <a:r>
+              <a:rPr lang="en-GB" i="0" dirty="0"/>
+              <a:t>“Compiled” schemas produced by this software to be portable between engines as far as </a:t>
+            </a:r>
+            <a:r>
+              <a:rPr lang="en-GB" i="0" dirty="0" err="1"/>
+              <a:t>poss</a:t>
+            </a:r>
+            <a:endParaRPr lang="en-GB" i="0" dirty="0"/>
+          </a:p>
+          <a:p>
+            <a:pPr marL="171450" indent="-171450">
+              <a:buFontTx/>
+              <a:buChar char="-"/>
+            </a:pPr>
+            <a:r>
+              <a:rPr lang="en-GB" i="0" dirty="0"/>
+              <a:t>Although not mandated by the standard, SVRL output</a:t>
+            </a:r>
+            <a:endParaRPr lang="en-GB" dirty="0"/>
+          </a:p>
+          <a:p>
+            <a:pPr marL="171450" indent="-171450">
+              <a:buFontTx/>
+              <a:buChar char="-"/>
+            </a:pPr>
             <a:endParaRPr lang="en-GB" dirty="0"/>
           </a:p>
         </p:txBody>
@@ -3356,7 +3718,7 @@
     </p:spTree>
     <p:extLst>
       <p:ext uri="{BB962C8B-B14F-4D97-AF65-F5344CB8AC3E}">
-        <p14:creationId xmlns:p14="http://schemas.microsoft.com/office/powerpoint/2010/main" val="395413784"/>
+        <p14:creationId xmlns:p14="http://schemas.microsoft.com/office/powerpoint/2010/main" val="3370639080"/>
       </p:ext>
     </p:extLst>
   </p:cSld>
@@ -3412,15 +3774,8 @@
           <a:p>
             <a:r>
               <a:rPr lang="en-GB" dirty="0"/>
-              <a:t>Thank you for listening </a:t>
-            </a:r>
-            <a:r>
-              <a:rPr lang="en-GB" dirty="0">
-                <a:sym typeface="Wingdings" panose="05000000000000000000" pitchFamily="2" charset="2"/>
-              </a:rPr>
-              <a:t></a:t>
-            </a:r>
-            <a:endParaRPr lang="en-GB" dirty="0"/>
+              <a:t>Well, like anyone curious about the answer to a question in 2023, I thought I would…</a:t>
+            </a:r>
           </a:p>
         </p:txBody>
       </p:sp>
@@ -3450,7 +3805,7 @@
     </p:spTree>
     <p:extLst>
       <p:ext uri="{BB962C8B-B14F-4D97-AF65-F5344CB8AC3E}">
-        <p14:creationId xmlns:p14="http://schemas.microsoft.com/office/powerpoint/2010/main" val="2514766102"/>
+        <p14:creationId xmlns:p14="http://schemas.microsoft.com/office/powerpoint/2010/main" val="1455385979"/>
       </p:ext>
     </p:extLst>
   </p:cSld>
@@ -3504,55 +3859,7 @@
           <a:bodyPr/>
           <a:lstStyle/>
           <a:p>
-            <a:r>
-              <a:rPr lang="en-GB" dirty="0"/>
-              <a:t>Joking aside: this isn’t a conference about AI, but let’s see what it said.</a:t>
-            </a:r>
-          </a:p>
-          <a:p>
             <a:endParaRPr lang="en-GB" dirty="0"/>
-          </a:p>
-          <a:p>
-            <a:r>
-              <a:rPr lang="en-GB" dirty="0"/>
-              <a:t>First question.</a:t>
-            </a:r>
-          </a:p>
-          <a:p>
-            <a:r>
-              <a:rPr lang="en-GB" dirty="0"/>
-              <a:t>(Answer is shortened, for space reasons)</a:t>
-            </a:r>
-          </a:p>
-          <a:p>
-            <a:r>
-              <a:rPr lang="en-GB" dirty="0"/>
-              <a:t>Reasonable attempt – Boolean result, though.</a:t>
-            </a:r>
-          </a:p>
-          <a:p>
-            <a:endParaRPr lang="en-GB" dirty="0"/>
-          </a:p>
-          <a:p>
-            <a:r>
-              <a:rPr lang="en-GB" dirty="0"/>
-              <a:t>No handling of patterns or rules</a:t>
-            </a:r>
-          </a:p>
-          <a:p>
-            <a:endParaRPr lang="en-GB" b="1" dirty="0"/>
-          </a:p>
-          <a:p>
-            <a:r>
-              <a:rPr lang="en-GB" b="1" dirty="0"/>
-              <a:t>Q. Can anyone spot what’s odd here?</a:t>
-            </a:r>
-          </a:p>
-          <a:p>
-            <a:r>
-              <a:rPr lang="en-GB" dirty="0"/>
-              <a:t>A. Pre-ISO namespace!!</a:t>
-            </a:r>
           </a:p>
         </p:txBody>
       </p:sp>
@@ -3582,7 +3889,7 @@
     </p:spTree>
     <p:extLst>
       <p:ext uri="{BB962C8B-B14F-4D97-AF65-F5344CB8AC3E}">
-        <p14:creationId xmlns:p14="http://schemas.microsoft.com/office/powerpoint/2010/main" val="3905409614"/>
+        <p14:creationId xmlns:p14="http://schemas.microsoft.com/office/powerpoint/2010/main" val="395413784"/>
       </p:ext>
     </p:extLst>
   </p:cSld>
@@ -3741,7 +4048,7 @@
           <a:p>
             <a:fld id="{0327C2F3-2C31-4D30-A357-2908E3F9AE5A}" type="datetimeFigureOut">
               <a:rPr lang="en-GB" smtClean="0"/>
-              <a:t>29/05/2023</a:t>
+              <a:t>02/06/2023</a:t>
             </a:fld>
             <a:endParaRPr lang="en-GB"/>
           </a:p>
@@ -3941,7 +4248,7 @@
           <a:p>
             <a:fld id="{0327C2F3-2C31-4D30-A357-2908E3F9AE5A}" type="datetimeFigureOut">
               <a:rPr lang="en-GB" smtClean="0"/>
-              <a:t>29/05/2023</a:t>
+              <a:t>02/06/2023</a:t>
             </a:fld>
             <a:endParaRPr lang="en-GB"/>
           </a:p>
@@ -4151,7 +4458,7 @@
           <a:p>
             <a:fld id="{0327C2F3-2C31-4D30-A357-2908E3F9AE5A}" type="datetimeFigureOut">
               <a:rPr lang="en-GB" smtClean="0"/>
-              <a:t>29/05/2023</a:t>
+              <a:t>02/06/2023</a:t>
             </a:fld>
             <a:endParaRPr lang="en-GB"/>
           </a:p>
@@ -4351,7 +4658,7 @@
           <a:p>
             <a:fld id="{0327C2F3-2C31-4D30-A357-2908E3F9AE5A}" type="datetimeFigureOut">
               <a:rPr lang="en-GB" smtClean="0"/>
-              <a:t>29/05/2023</a:t>
+              <a:t>02/06/2023</a:t>
             </a:fld>
             <a:endParaRPr lang="en-GB"/>
           </a:p>
@@ -4627,7 +4934,7 @@
           <a:p>
             <a:fld id="{0327C2F3-2C31-4D30-A357-2908E3F9AE5A}" type="datetimeFigureOut">
               <a:rPr lang="en-GB" smtClean="0"/>
-              <a:t>29/05/2023</a:t>
+              <a:t>02/06/2023</a:t>
             </a:fld>
             <a:endParaRPr lang="en-GB"/>
           </a:p>
@@ -4895,7 +5202,7 @@
           <a:p>
             <a:fld id="{0327C2F3-2C31-4D30-A357-2908E3F9AE5A}" type="datetimeFigureOut">
               <a:rPr lang="en-GB" smtClean="0"/>
-              <a:t>29/05/2023</a:t>
+              <a:t>02/06/2023</a:t>
             </a:fld>
             <a:endParaRPr lang="en-GB"/>
           </a:p>
@@ -5310,7 +5617,7 @@
           <a:p>
             <a:fld id="{0327C2F3-2C31-4D30-A357-2908E3F9AE5A}" type="datetimeFigureOut">
               <a:rPr lang="en-GB" smtClean="0"/>
-              <a:t>29/05/2023</a:t>
+              <a:t>02/06/2023</a:t>
             </a:fld>
             <a:endParaRPr lang="en-GB"/>
           </a:p>
@@ -5452,7 +5759,7 @@
           <a:p>
             <a:fld id="{0327C2F3-2C31-4D30-A357-2908E3F9AE5A}" type="datetimeFigureOut">
               <a:rPr lang="en-GB" smtClean="0"/>
-              <a:t>29/05/2023</a:t>
+              <a:t>02/06/2023</a:t>
             </a:fld>
             <a:endParaRPr lang="en-GB"/>
           </a:p>
@@ -5565,7 +5872,7 @@
           <a:p>
             <a:fld id="{0327C2F3-2C31-4D30-A357-2908E3F9AE5A}" type="datetimeFigureOut">
               <a:rPr lang="en-GB" smtClean="0"/>
-              <a:t>29/05/2023</a:t>
+              <a:t>02/06/2023</a:t>
             </a:fld>
             <a:endParaRPr lang="en-GB"/>
           </a:p>
@@ -5878,7 +6185,7 @@
           <a:p>
             <a:fld id="{0327C2F3-2C31-4D30-A357-2908E3F9AE5A}" type="datetimeFigureOut">
               <a:rPr lang="en-GB" smtClean="0"/>
-              <a:t>29/05/2023</a:t>
+              <a:t>02/06/2023</a:t>
             </a:fld>
             <a:endParaRPr lang="en-GB"/>
           </a:p>
@@ -6167,7 +6474,7 @@
           <a:p>
             <a:fld id="{0327C2F3-2C31-4D30-A357-2908E3F9AE5A}" type="datetimeFigureOut">
               <a:rPr lang="en-GB" smtClean="0"/>
-              <a:t>29/05/2023</a:t>
+              <a:t>02/06/2023</a:t>
             </a:fld>
             <a:endParaRPr lang="en-GB"/>
           </a:p>
@@ -6410,7 +6717,7 @@
           <a:p>
             <a:fld id="{0327C2F3-2C31-4D30-A357-2908E3F9AE5A}" type="datetimeFigureOut">
               <a:rPr lang="en-GB" smtClean="0"/>
-              <a:t>29/05/2023</a:t>
+              <a:t>02/06/2023</a:t>
             </a:fld>
             <a:endParaRPr lang="en-GB"/>
           </a:p>
@@ -6941,42 +7248,6 @@
       </p:grpSpPr>
       <p:sp>
         <p:nvSpPr>
-          <p:cNvPr id="2" name="Title 1">
-            <a:extLst>
-              <a:ext uri="{FF2B5EF4-FFF2-40B4-BE49-F238E27FC236}">
-                <a16:creationId xmlns:a16="http://schemas.microsoft.com/office/drawing/2014/main" id="{A983E35C-8894-4776-86DF-EAACF757D02F}"/>
-              </a:ext>
-            </a:extLst>
-          </p:cNvPr>
-          <p:cNvSpPr>
-            <a:spLocks noGrp="1"/>
-          </p:cNvSpPr>
-          <p:nvPr>
-            <p:ph type="title"/>
-          </p:nvPr>
-        </p:nvSpPr>
-        <p:spPr/>
-        <p:txBody>
-          <a:bodyPr/>
-          <a:lstStyle/>
-          <a:p>
-            <a:r>
-              <a:rPr lang="en-GB" dirty="0"/>
-              <a:t>"Implement </a:t>
-            </a:r>
-            <a:r>
-              <a:rPr lang="en-GB" dirty="0" err="1"/>
-              <a:t>Schematron</a:t>
-            </a:r>
-            <a:r>
-              <a:rPr lang="en-GB" dirty="0"/>
-              <a:t> in XQuery"</a:t>
-            </a:r>
-          </a:p>
-        </p:txBody>
-      </p:sp>
-      <p:sp>
-        <p:nvSpPr>
           <p:cNvPr id="3" name="Content Placeholder 2">
             <a:extLst>
               <a:ext uri="{FF2B5EF4-FFF2-40B4-BE49-F238E27FC236}">
@@ -6991,197 +7262,38 @@
             <p:ph idx="1"/>
           </p:nvPr>
         </p:nvSpPr>
-        <p:spPr/>
+        <p:spPr>
+          <a:xfrm>
+            <a:off x="838200" y="1435510"/>
+            <a:ext cx="10515600" cy="4741453"/>
+          </a:xfrm>
+        </p:spPr>
         <p:txBody>
           <a:bodyPr>
-            <a:normAutofit fontScale="62500" lnSpcReduction="20000"/>
+            <a:normAutofit/>
           </a:bodyPr>
           <a:lstStyle/>
           <a:p>
             <a:pPr marL="0" indent="0">
               <a:buNone/>
             </a:pPr>
-            <a:r>
-              <a:rPr lang="de-DE" dirty="0">
-                <a:latin typeface="Courier New" panose="02070309020205020404" pitchFamily="49" charset="0"/>
-                <a:cs typeface="Courier New" panose="02070309020205020404" pitchFamily="49" charset="0"/>
-              </a:rPr>
-              <a:t>let $schematron := &lt;schema xmlns="http://www.ascc.net/xml/schematron"&gt;[...]</a:t>
-            </a:r>
-            <a:endParaRPr lang="en-GB" dirty="0">
-              <a:latin typeface="Courier New" panose="02070309020205020404" pitchFamily="49" charset="0"/>
-              <a:cs typeface="Courier New" panose="02070309020205020404" pitchFamily="49" charset="0"/>
-            </a:endParaRPr>
-          </a:p>
-          <a:p>
-            <a:pPr marL="0" indent="0">
-              <a:buNone/>
-            </a:pPr>
-            <a:r>
-              <a:rPr lang="en-GB" dirty="0">
-                <a:latin typeface="Courier New" panose="02070309020205020404" pitchFamily="49" charset="0"/>
-                <a:cs typeface="Courier New" panose="02070309020205020404" pitchFamily="49" charset="0"/>
-              </a:rPr>
-              <a:t>let $assertions := $</a:t>
-            </a:r>
-            <a:r>
-              <a:rPr lang="en-GB" dirty="0" err="1">
-                <a:latin typeface="Courier New" panose="02070309020205020404" pitchFamily="49" charset="0"/>
-                <a:cs typeface="Courier New" panose="02070309020205020404" pitchFamily="49" charset="0"/>
-              </a:rPr>
-              <a:t>schematron</a:t>
-            </a:r>
-            <a:r>
-              <a:rPr lang="en-GB" dirty="0">
-                <a:latin typeface="Courier New" panose="02070309020205020404" pitchFamily="49" charset="0"/>
-                <a:cs typeface="Courier New" panose="02070309020205020404" pitchFamily="49" charset="0"/>
-              </a:rPr>
-              <a:t>//</a:t>
-            </a:r>
-            <a:r>
-              <a:rPr lang="en-GB" dirty="0" err="1">
-                <a:latin typeface="Courier New" panose="02070309020205020404" pitchFamily="49" charset="0"/>
-                <a:cs typeface="Courier New" panose="02070309020205020404" pitchFamily="49" charset="0"/>
-              </a:rPr>
-              <a:t>sch:assert</a:t>
-            </a:r>
-            <a:endParaRPr lang="en-GB" dirty="0">
-              <a:latin typeface="Courier New" panose="02070309020205020404" pitchFamily="49" charset="0"/>
-              <a:cs typeface="Courier New" panose="02070309020205020404" pitchFamily="49" charset="0"/>
-            </a:endParaRPr>
-          </a:p>
-          <a:p>
-            <a:pPr marL="0" indent="0">
-              <a:buNone/>
-            </a:pPr>
-            <a:r>
-              <a:rPr lang="en-GB" dirty="0">
-                <a:latin typeface="Courier New" panose="02070309020205020404" pitchFamily="49" charset="0"/>
-                <a:cs typeface="Courier New" panose="02070309020205020404" pitchFamily="49" charset="0"/>
-              </a:rPr>
-              <a:t>return (</a:t>
-            </a:r>
-          </a:p>
-          <a:p>
-            <a:pPr marL="0" indent="0">
-              <a:buNone/>
-            </a:pPr>
-            <a:r>
-              <a:rPr lang="en-GB" dirty="0">
-                <a:latin typeface="Courier New" panose="02070309020205020404" pitchFamily="49" charset="0"/>
-                <a:cs typeface="Courier New" panose="02070309020205020404" pitchFamily="49" charset="0"/>
-              </a:rPr>
-              <a:t>    every $assert in $assertions satisfies (</a:t>
-            </a:r>
-          </a:p>
-          <a:p>
-            <a:pPr marL="0" indent="0">
-              <a:buNone/>
-            </a:pPr>
-            <a:r>
-              <a:rPr lang="en-GB" dirty="0">
-                <a:latin typeface="Courier New" panose="02070309020205020404" pitchFamily="49" charset="0"/>
-                <a:cs typeface="Courier New" panose="02070309020205020404" pitchFamily="49" charset="0"/>
-              </a:rPr>
-              <a:t>      let $test := $assert/@test</a:t>
-            </a:r>
-          </a:p>
-          <a:p>
-            <a:pPr marL="0" indent="0">
-              <a:buNone/>
-            </a:pPr>
-            <a:r>
-              <a:rPr lang="en-GB" dirty="0">
-                <a:latin typeface="Courier New" panose="02070309020205020404" pitchFamily="49" charset="0"/>
-                <a:cs typeface="Courier New" panose="02070309020205020404" pitchFamily="49" charset="0"/>
-              </a:rPr>
-              <a:t>      return (</a:t>
-            </a:r>
-          </a:p>
-          <a:p>
-            <a:pPr marL="0" indent="0">
-              <a:buNone/>
-            </a:pPr>
-            <a:r>
-              <a:rPr lang="en-GB" dirty="0">
-                <a:latin typeface="Courier New" panose="02070309020205020404" pitchFamily="49" charset="0"/>
-                <a:cs typeface="Courier New" panose="02070309020205020404" pitchFamily="49" charset="0"/>
-              </a:rPr>
-              <a:t>        if (exists($assert/@role) and $assert/@role = 'warning') then</a:t>
-            </a:r>
-          </a:p>
-          <a:p>
-            <a:pPr marL="0" indent="0">
-              <a:buNone/>
-            </a:pPr>
-            <a:r>
-              <a:rPr lang="en-GB" dirty="0">
-                <a:latin typeface="Courier New" panose="02070309020205020404" pitchFamily="49" charset="0"/>
-                <a:cs typeface="Courier New" panose="02070309020205020404" pitchFamily="49" charset="0"/>
-              </a:rPr>
-              <a:t>          count($xml[not($test)]) </a:t>
-            </a:r>
-            <a:r>
-              <a:rPr lang="en-GB" dirty="0" err="1">
-                <a:latin typeface="Courier New" panose="02070309020205020404" pitchFamily="49" charset="0"/>
-                <a:cs typeface="Courier New" panose="02070309020205020404" pitchFamily="49" charset="0"/>
-              </a:rPr>
-              <a:t>eq</a:t>
-            </a:r>
-            <a:r>
-              <a:rPr lang="en-GB" dirty="0">
-                <a:latin typeface="Courier New" panose="02070309020205020404" pitchFamily="49" charset="0"/>
-                <a:cs typeface="Courier New" panose="02070309020205020404" pitchFamily="49" charset="0"/>
-              </a:rPr>
-              <a:t> 0</a:t>
-            </a:r>
-          </a:p>
-          <a:p>
-            <a:pPr marL="0" indent="0">
-              <a:buNone/>
-            </a:pPr>
-            <a:r>
-              <a:rPr lang="en-GB" dirty="0">
-                <a:latin typeface="Courier New" panose="02070309020205020404" pitchFamily="49" charset="0"/>
-                <a:cs typeface="Courier New" panose="02070309020205020404" pitchFamily="49" charset="0"/>
-              </a:rPr>
-              <a:t>        else</a:t>
-            </a:r>
-          </a:p>
-          <a:p>
-            <a:pPr marL="0" indent="0">
-              <a:buNone/>
-            </a:pPr>
-            <a:r>
-              <a:rPr lang="en-GB" dirty="0">
-                <a:latin typeface="Courier New" panose="02070309020205020404" pitchFamily="49" charset="0"/>
-                <a:cs typeface="Courier New" panose="02070309020205020404" pitchFamily="49" charset="0"/>
-              </a:rPr>
-              <a:t>          exists($xml[$test])</a:t>
-            </a:r>
-          </a:p>
-          <a:p>
-            <a:pPr marL="0" indent="0">
-              <a:buNone/>
-            </a:pPr>
-            <a:r>
-              <a:rPr lang="en-GB" dirty="0">
-                <a:latin typeface="Courier New" panose="02070309020205020404" pitchFamily="49" charset="0"/>
-                <a:cs typeface="Courier New" panose="02070309020205020404" pitchFamily="49" charset="0"/>
-              </a:rPr>
-              <a:t>      )</a:t>
-            </a:r>
-          </a:p>
-          <a:p>
-            <a:pPr marL="0" indent="0">
-              <a:buNone/>
-            </a:pPr>
-            <a:r>
-              <a:rPr lang="en-GB" dirty="0">
-                <a:latin typeface="Courier New" panose="02070309020205020404" pitchFamily="49" charset="0"/>
-                <a:cs typeface="Courier New" panose="02070309020205020404" pitchFamily="49" charset="0"/>
-              </a:rPr>
-              <a:t>    )</a:t>
+            <a:endParaRPr lang="en-GB" sz="9600" dirty="0"/>
+          </a:p>
+          <a:p>
+            <a:pPr marL="0" indent="0" algn="ctr">
+              <a:buNone/>
+            </a:pPr>
+            <a:r>
+              <a:rPr lang="en-GB" sz="9600" dirty="0"/>
+              <a:t>Ask </a:t>
+            </a:r>
+            <a:r>
+              <a:rPr lang="en-GB" sz="9600" dirty="0" err="1"/>
+              <a:t>ChatGPT</a:t>
+            </a:r>
+            <a:r>
+              <a:rPr lang="en-GB" sz="9600" dirty="0"/>
+              <a:t>!</a:t>
             </a:r>
           </a:p>
         </p:txBody>
@@ -7189,7 +7301,7 @@
     </p:spTree>
     <p:extLst>
       <p:ext uri="{BB962C8B-B14F-4D97-AF65-F5344CB8AC3E}">
-        <p14:creationId xmlns:p14="http://schemas.microsoft.com/office/powerpoint/2010/main" val="3287669211"/>
+        <p14:creationId xmlns:p14="http://schemas.microsoft.com/office/powerpoint/2010/main" val="3453189509"/>
       </p:ext>
     </p:extLst>
   </p:cSld>
@@ -7237,467 +7349,103 @@
           <a:bodyPr/>
           <a:lstStyle/>
           <a:p>
-            <a:r>
-              <a:rPr lang="en-GB" dirty="0"/>
-              <a:t>“Implement </a:t>
-            </a:r>
-            <a:r>
-              <a:rPr lang="en-GB" b="1" dirty="0"/>
-              <a:t>ISO</a:t>
-            </a:r>
-            <a:r>
-              <a:rPr lang="en-GB" dirty="0"/>
-              <a:t> </a:t>
-            </a:r>
-            <a:r>
-              <a:rPr lang="en-GB" dirty="0" err="1"/>
-              <a:t>Schematron</a:t>
-            </a:r>
-            <a:r>
-              <a:rPr lang="en-GB" dirty="0"/>
-              <a:t> in XQuery </a:t>
-            </a:r>
-            <a:r>
-              <a:rPr lang="en-GB" b="1" dirty="0"/>
-              <a:t>3.1</a:t>
-            </a:r>
-            <a:r>
-              <a:rPr lang="en-GB" dirty="0"/>
-              <a:t>"</a:t>
-            </a:r>
-          </a:p>
-        </p:txBody>
-      </p:sp>
-      <p:sp>
-        <p:nvSpPr>
-          <p:cNvPr id="3" name="Content Placeholder 2">
+            <a:endParaRPr lang="en-GB" dirty="0"/>
+          </a:p>
+        </p:txBody>
+      </p:sp>
+      <p:pic>
+        <p:nvPicPr>
+          <p:cNvPr id="5" name="Content Placeholder 4">
             <a:extLst>
               <a:ext uri="{FF2B5EF4-FFF2-40B4-BE49-F238E27FC236}">
-                <a16:creationId xmlns:a16="http://schemas.microsoft.com/office/drawing/2014/main" id="{8F3B8AF2-EBAB-4825-840C-058B9D734782}"/>
+                <a16:creationId xmlns:a16="http://schemas.microsoft.com/office/drawing/2014/main" id="{41EB6DF5-F184-4DBA-9979-FDFFBDFDD428}"/>
               </a:ext>
             </a:extLst>
           </p:cNvPr>
-          <p:cNvSpPr>
-            <a:spLocks noGrp="1"/>
-          </p:cNvSpPr>
+          <p:cNvPicPr>
+            <a:picLocks noGrp="1" noChangeAspect="1"/>
+          </p:cNvPicPr>
           <p:nvPr>
             <p:ph idx="1"/>
           </p:nvPr>
-        </p:nvSpPr>
-        <p:spPr/>
-        <p:txBody>
-          <a:bodyPr>
-            <a:normAutofit/>
+        </p:nvPicPr>
+        <p:blipFill>
+          <a:blip r:embed="rId3">
+            <a:extLst>
+              <a:ext uri="{28A0092B-C50C-407E-A947-70E740481C1C}">
+                <a14:useLocalDpi xmlns:a14="http://schemas.microsoft.com/office/drawing/2010/main" val="0"/>
+              </a:ext>
+            </a:extLst>
+          </a:blip>
+          <a:stretch>
+            <a:fillRect/>
+          </a:stretch>
+        </p:blipFill>
+        <p:spPr>
+          <a:xfrm>
+            <a:off x="2198714" y="1285875"/>
+            <a:ext cx="7524750" cy="4286250"/>
+          </a:xfrm>
+        </p:spPr>
+      </p:pic>
+      <p:sp>
+        <p:nvSpPr>
+          <p:cNvPr id="6" name="TextBox 5">
+            <a:extLst>
+              <a:ext uri="{FF2B5EF4-FFF2-40B4-BE49-F238E27FC236}">
+                <a16:creationId xmlns:a16="http://schemas.microsoft.com/office/drawing/2014/main" id="{8ADE2836-C544-4495-B19A-3B582DDC3EA7}"/>
+              </a:ext>
+            </a:extLst>
+          </p:cNvPr>
+          <p:cNvSpPr txBox="1"/>
+          <p:nvPr/>
+        </p:nvSpPr>
+        <p:spPr>
+          <a:xfrm>
+            <a:off x="5747519" y="5572125"/>
+            <a:ext cx="3975945" cy="369332"/>
+          </a:xfrm>
+          <a:prstGeom prst="rect">
+            <a:avLst/>
+          </a:prstGeom>
+          <a:noFill/>
+        </p:spPr>
+        <p:txBody>
+          <a:bodyPr wrap="square" rtlCol="0">
+            <a:spAutoFit/>
           </a:bodyPr>
           <a:lstStyle/>
           <a:p>
-            <a:pPr marL="0" indent="0">
-              <a:buNone/>
-            </a:pPr>
-            <a:r>
-              <a:rPr lang="en-GB" sz="1800" dirty="0">
-                <a:latin typeface="Courier New" panose="02070309020205020404" pitchFamily="49" charset="0"/>
-                <a:cs typeface="Courier New" panose="02070309020205020404" pitchFamily="49" charset="0"/>
-              </a:rPr>
-              <a:t>declare namespace </a:t>
-            </a:r>
-            <a:r>
-              <a:rPr lang="en-GB" sz="1800" dirty="0" err="1">
-                <a:latin typeface="Courier New" panose="02070309020205020404" pitchFamily="49" charset="0"/>
-                <a:cs typeface="Courier New" panose="02070309020205020404" pitchFamily="49" charset="0"/>
-              </a:rPr>
-              <a:t>sch</a:t>
-            </a:r>
-            <a:r>
-              <a:rPr lang="en-GB" sz="1800" dirty="0">
-                <a:latin typeface="Courier New" panose="02070309020205020404" pitchFamily="49" charset="0"/>
-                <a:cs typeface="Courier New" panose="02070309020205020404" pitchFamily="49" charset="0"/>
-              </a:rPr>
-              <a:t> = </a:t>
-            </a:r>
-            <a:r>
-              <a:rPr lang="en-GB" sz="1800" b="1" dirty="0">
-                <a:latin typeface="Courier New" panose="02070309020205020404" pitchFamily="49" charset="0"/>
-                <a:cs typeface="Courier New" panose="02070309020205020404" pitchFamily="49" charset="0"/>
-              </a:rPr>
-              <a:t>"http://purl.oclc.org/</a:t>
-            </a:r>
-            <a:r>
-              <a:rPr lang="en-GB" sz="1800" b="1" dirty="0" err="1">
-                <a:latin typeface="Courier New" panose="02070309020205020404" pitchFamily="49" charset="0"/>
-                <a:cs typeface="Courier New" panose="02070309020205020404" pitchFamily="49" charset="0"/>
-              </a:rPr>
-              <a:t>dsdl</a:t>
-            </a:r>
-            <a:r>
-              <a:rPr lang="en-GB" sz="1800" b="1" dirty="0">
-                <a:latin typeface="Courier New" panose="02070309020205020404" pitchFamily="49" charset="0"/>
-                <a:cs typeface="Courier New" panose="02070309020205020404" pitchFamily="49" charset="0"/>
-              </a:rPr>
-              <a:t>/</a:t>
-            </a:r>
-            <a:r>
-              <a:rPr lang="en-GB" sz="1800" b="1" dirty="0" err="1">
-                <a:latin typeface="Courier New" panose="02070309020205020404" pitchFamily="49" charset="0"/>
-                <a:cs typeface="Courier New" panose="02070309020205020404" pitchFamily="49" charset="0"/>
-              </a:rPr>
-              <a:t>schematron</a:t>
-            </a:r>
-            <a:r>
-              <a:rPr lang="en-GB" sz="1800" b="1" dirty="0">
-                <a:latin typeface="Courier New" panose="02070309020205020404" pitchFamily="49" charset="0"/>
-                <a:cs typeface="Courier New" panose="02070309020205020404" pitchFamily="49" charset="0"/>
-              </a:rPr>
-              <a:t>"</a:t>
-            </a:r>
-            <a:r>
-              <a:rPr lang="en-GB" sz="1800" dirty="0">
-                <a:latin typeface="Courier New" panose="02070309020205020404" pitchFamily="49" charset="0"/>
-                <a:cs typeface="Courier New" panose="02070309020205020404" pitchFamily="49" charset="0"/>
-              </a:rPr>
-              <a:t>;</a:t>
-            </a:r>
-          </a:p>
-          <a:p>
-            <a:pPr marL="0" indent="0">
-              <a:buNone/>
-            </a:pPr>
-            <a:r>
-              <a:rPr lang="en-GB" sz="1800" dirty="0">
-                <a:latin typeface="Courier New" panose="02070309020205020404" pitchFamily="49" charset="0"/>
-                <a:cs typeface="Courier New" panose="02070309020205020404" pitchFamily="49" charset="0"/>
-              </a:rPr>
-              <a:t>declare function </a:t>
-            </a:r>
-            <a:r>
-              <a:rPr lang="en-GB" sz="1800" dirty="0" err="1">
-                <a:latin typeface="Courier New" panose="02070309020205020404" pitchFamily="49" charset="0"/>
-                <a:cs typeface="Courier New" panose="02070309020205020404" pitchFamily="49" charset="0"/>
-              </a:rPr>
-              <a:t>local:schematron</a:t>
-            </a:r>
-            <a:r>
-              <a:rPr lang="en-GB" sz="1800" dirty="0">
-                <a:latin typeface="Courier New" panose="02070309020205020404" pitchFamily="49" charset="0"/>
-                <a:cs typeface="Courier New" panose="02070309020205020404" pitchFamily="49" charset="0"/>
-              </a:rPr>
-              <a:t>($xml as node(), $</a:t>
-            </a:r>
-            <a:r>
-              <a:rPr lang="en-GB" sz="1800" dirty="0" err="1">
-                <a:latin typeface="Courier New" panose="02070309020205020404" pitchFamily="49" charset="0"/>
-                <a:cs typeface="Courier New" panose="02070309020205020404" pitchFamily="49" charset="0"/>
-              </a:rPr>
-              <a:t>schematron</a:t>
-            </a:r>
-            <a:r>
-              <a:rPr lang="en-GB" sz="1800" dirty="0">
-                <a:latin typeface="Courier New" panose="02070309020205020404" pitchFamily="49" charset="0"/>
-                <a:cs typeface="Courier New" panose="02070309020205020404" pitchFamily="49" charset="0"/>
-              </a:rPr>
-              <a:t> as node()) as </a:t>
-            </a:r>
-            <a:r>
-              <a:rPr lang="en-GB" sz="1800" dirty="0" err="1">
-                <a:latin typeface="Courier New" panose="02070309020205020404" pitchFamily="49" charset="0"/>
-                <a:cs typeface="Courier New" panose="02070309020205020404" pitchFamily="49" charset="0"/>
-              </a:rPr>
-              <a:t>xs:boolean</a:t>
-            </a:r>
-            <a:r>
-              <a:rPr lang="en-GB" sz="1800" dirty="0">
-                <a:latin typeface="Courier New" panose="02070309020205020404" pitchFamily="49" charset="0"/>
-                <a:cs typeface="Courier New" panose="02070309020205020404" pitchFamily="49" charset="0"/>
-              </a:rPr>
-              <a:t> {</a:t>
-            </a:r>
-          </a:p>
-          <a:p>
-            <a:pPr marL="0" indent="0">
-              <a:buNone/>
-            </a:pPr>
-            <a:r>
-              <a:rPr lang="en-GB" sz="1800" dirty="0">
-                <a:latin typeface="Courier New" panose="02070309020205020404" pitchFamily="49" charset="0"/>
-                <a:cs typeface="Courier New" panose="02070309020205020404" pitchFamily="49" charset="0"/>
-              </a:rPr>
-              <a:t>  let $</a:t>
-            </a:r>
-            <a:r>
-              <a:rPr lang="en-GB" sz="1800" dirty="0" err="1">
-                <a:latin typeface="Courier New" panose="02070309020205020404" pitchFamily="49" charset="0"/>
-                <a:cs typeface="Courier New" panose="02070309020205020404" pitchFamily="49" charset="0"/>
-              </a:rPr>
-              <a:t>schematronXSLT</a:t>
-            </a:r>
-            <a:r>
-              <a:rPr lang="en-GB" sz="1800" dirty="0">
-                <a:latin typeface="Courier New" panose="02070309020205020404" pitchFamily="49" charset="0"/>
-                <a:cs typeface="Courier New" panose="02070309020205020404" pitchFamily="49" charset="0"/>
-              </a:rPr>
-              <a:t> := </a:t>
-            </a:r>
-            <a:r>
-              <a:rPr lang="en-GB" sz="1800" b="1" dirty="0">
-                <a:latin typeface="Courier New" panose="02070309020205020404" pitchFamily="49" charset="0"/>
-                <a:cs typeface="Courier New" panose="02070309020205020404" pitchFamily="49" charset="0"/>
-              </a:rPr>
-              <a:t>$</a:t>
-            </a:r>
-            <a:r>
-              <a:rPr lang="en-GB" sz="1800" b="1" dirty="0" err="1">
-                <a:latin typeface="Courier New" panose="02070309020205020404" pitchFamily="49" charset="0"/>
-                <a:cs typeface="Courier New" panose="02070309020205020404" pitchFamily="49" charset="0"/>
-              </a:rPr>
-              <a:t>schematron</a:t>
-            </a:r>
-            <a:r>
-              <a:rPr lang="en-GB" sz="1800" b="1" dirty="0">
-                <a:latin typeface="Courier New" panose="02070309020205020404" pitchFamily="49" charset="0"/>
-                <a:cs typeface="Courier New" panose="02070309020205020404" pitchFamily="49" charset="0"/>
-              </a:rPr>
-              <a:t>/</a:t>
-            </a:r>
-            <a:r>
-              <a:rPr lang="en-GB" sz="1800" b="1" dirty="0" err="1">
-                <a:latin typeface="Courier New" panose="02070309020205020404" pitchFamily="49" charset="0"/>
-                <a:cs typeface="Courier New" panose="02070309020205020404" pitchFamily="49" charset="0"/>
-              </a:rPr>
-              <a:t>sch:schema</a:t>
-            </a:r>
-            <a:r>
-              <a:rPr lang="en-GB" sz="1800" b="1" dirty="0">
-                <a:latin typeface="Courier New" panose="02070309020205020404" pitchFamily="49" charset="0"/>
-                <a:cs typeface="Courier New" panose="02070309020205020404" pitchFamily="49" charset="0"/>
-              </a:rPr>
-              <a:t>/</a:t>
-            </a:r>
-            <a:r>
-              <a:rPr lang="en-GB" sz="1800" b="1" dirty="0" err="1">
-                <a:latin typeface="Courier New" panose="02070309020205020404" pitchFamily="49" charset="0"/>
-                <a:cs typeface="Courier New" panose="02070309020205020404" pitchFamily="49" charset="0"/>
-              </a:rPr>
-              <a:t>xsl:stylesheet</a:t>
-            </a:r>
-            <a:endParaRPr lang="en-GB" sz="1800" b="1" dirty="0">
-              <a:latin typeface="Courier New" panose="02070309020205020404" pitchFamily="49" charset="0"/>
-              <a:cs typeface="Courier New" panose="02070309020205020404" pitchFamily="49" charset="0"/>
-            </a:endParaRPr>
-          </a:p>
-          <a:p>
-            <a:pPr marL="0" indent="0">
-              <a:buNone/>
-            </a:pPr>
-            <a:r>
-              <a:rPr lang="en-GB" sz="1800" dirty="0">
-                <a:latin typeface="Courier New" panose="02070309020205020404" pitchFamily="49" charset="0"/>
-                <a:cs typeface="Courier New" panose="02070309020205020404" pitchFamily="49" charset="0"/>
-              </a:rPr>
-              <a:t>  let $assertions := $</a:t>
-            </a:r>
-            <a:r>
-              <a:rPr lang="en-GB" sz="1800" dirty="0" err="1">
-                <a:latin typeface="Courier New" panose="02070309020205020404" pitchFamily="49" charset="0"/>
-                <a:cs typeface="Courier New" panose="02070309020205020404" pitchFamily="49" charset="0"/>
-              </a:rPr>
-              <a:t>schematronXSLT</a:t>
-            </a:r>
-            <a:r>
-              <a:rPr lang="en-GB" sz="1800" dirty="0">
-                <a:latin typeface="Courier New" panose="02070309020205020404" pitchFamily="49" charset="0"/>
-                <a:cs typeface="Courier New" panose="02070309020205020404" pitchFamily="49" charset="0"/>
-              </a:rPr>
-              <a:t>/</a:t>
-            </a:r>
-            <a:r>
-              <a:rPr lang="en-GB" sz="1800" dirty="0" err="1">
-                <a:latin typeface="Courier New" panose="02070309020205020404" pitchFamily="49" charset="0"/>
-                <a:cs typeface="Courier New" panose="02070309020205020404" pitchFamily="49" charset="0"/>
-              </a:rPr>
-              <a:t>sch:pattern</a:t>
-            </a:r>
-            <a:r>
-              <a:rPr lang="en-GB" sz="1800" dirty="0">
-                <a:latin typeface="Courier New" panose="02070309020205020404" pitchFamily="49" charset="0"/>
-                <a:cs typeface="Courier New" panose="02070309020205020404" pitchFamily="49" charset="0"/>
-              </a:rPr>
-              <a:t>/</a:t>
-            </a:r>
-            <a:r>
-              <a:rPr lang="en-GB" sz="1800" dirty="0" err="1">
-                <a:latin typeface="Courier New" panose="02070309020205020404" pitchFamily="49" charset="0"/>
-                <a:cs typeface="Courier New" panose="02070309020205020404" pitchFamily="49" charset="0"/>
-              </a:rPr>
-              <a:t>sch:rule</a:t>
-            </a:r>
-            <a:r>
-              <a:rPr lang="en-GB" sz="1800" dirty="0">
-                <a:latin typeface="Courier New" panose="02070309020205020404" pitchFamily="49" charset="0"/>
-                <a:cs typeface="Courier New" panose="02070309020205020404" pitchFamily="49" charset="0"/>
-              </a:rPr>
-              <a:t>/</a:t>
-            </a:r>
-            <a:r>
-              <a:rPr lang="en-GB" sz="1800" dirty="0" err="1">
-                <a:latin typeface="Courier New" panose="02070309020205020404" pitchFamily="49" charset="0"/>
-                <a:cs typeface="Courier New" panose="02070309020205020404" pitchFamily="49" charset="0"/>
-              </a:rPr>
-              <a:t>sch:assert</a:t>
-            </a:r>
-            <a:endParaRPr lang="en-GB" sz="1800" dirty="0">
-              <a:latin typeface="Courier New" panose="02070309020205020404" pitchFamily="49" charset="0"/>
-              <a:cs typeface="Courier New" panose="02070309020205020404" pitchFamily="49" charset="0"/>
-            </a:endParaRPr>
-          </a:p>
-          <a:p>
-            <a:pPr marL="0" indent="0">
-              <a:buNone/>
-            </a:pPr>
-            <a:r>
-              <a:rPr lang="en-GB" sz="1800" dirty="0">
-                <a:latin typeface="Courier New" panose="02070309020205020404" pitchFamily="49" charset="0"/>
-                <a:cs typeface="Courier New" panose="02070309020205020404" pitchFamily="49" charset="0"/>
-              </a:rPr>
-              <a:t>  let $reports := $</a:t>
-            </a:r>
-            <a:r>
-              <a:rPr lang="en-GB" sz="1800" dirty="0" err="1">
-                <a:latin typeface="Courier New" panose="02070309020205020404" pitchFamily="49" charset="0"/>
-                <a:cs typeface="Courier New" panose="02070309020205020404" pitchFamily="49" charset="0"/>
-              </a:rPr>
-              <a:t>schematronXSLT</a:t>
-            </a:r>
-            <a:r>
-              <a:rPr lang="en-GB" sz="1800" dirty="0">
-                <a:latin typeface="Courier New" panose="02070309020205020404" pitchFamily="49" charset="0"/>
-                <a:cs typeface="Courier New" panose="02070309020205020404" pitchFamily="49" charset="0"/>
-              </a:rPr>
-              <a:t>/</a:t>
-            </a:r>
-            <a:r>
-              <a:rPr lang="en-GB" sz="1800" dirty="0" err="1">
-                <a:latin typeface="Courier New" panose="02070309020205020404" pitchFamily="49" charset="0"/>
-                <a:cs typeface="Courier New" panose="02070309020205020404" pitchFamily="49" charset="0"/>
-              </a:rPr>
-              <a:t>sch:pattern</a:t>
-            </a:r>
-            <a:r>
-              <a:rPr lang="en-GB" sz="1800" dirty="0">
-                <a:latin typeface="Courier New" panose="02070309020205020404" pitchFamily="49" charset="0"/>
-                <a:cs typeface="Courier New" panose="02070309020205020404" pitchFamily="49" charset="0"/>
-              </a:rPr>
-              <a:t>/</a:t>
-            </a:r>
-            <a:r>
-              <a:rPr lang="en-GB" sz="1800" dirty="0" err="1">
-                <a:latin typeface="Courier New" panose="02070309020205020404" pitchFamily="49" charset="0"/>
-                <a:cs typeface="Courier New" panose="02070309020205020404" pitchFamily="49" charset="0"/>
-              </a:rPr>
-              <a:t>sch:rule</a:t>
-            </a:r>
-            <a:r>
-              <a:rPr lang="en-GB" sz="1800" dirty="0">
-                <a:latin typeface="Courier New" panose="02070309020205020404" pitchFamily="49" charset="0"/>
-                <a:cs typeface="Courier New" panose="02070309020205020404" pitchFamily="49" charset="0"/>
-              </a:rPr>
-              <a:t>/</a:t>
-            </a:r>
-            <a:r>
-              <a:rPr lang="en-GB" sz="1800" dirty="0" err="1">
-                <a:latin typeface="Courier New" panose="02070309020205020404" pitchFamily="49" charset="0"/>
-                <a:cs typeface="Courier New" panose="02070309020205020404" pitchFamily="49" charset="0"/>
-              </a:rPr>
-              <a:t>sch:report</a:t>
-            </a:r>
-            <a:endParaRPr lang="en-GB" sz="1800" dirty="0">
-              <a:latin typeface="Courier New" panose="02070309020205020404" pitchFamily="49" charset="0"/>
-              <a:cs typeface="Courier New" panose="02070309020205020404" pitchFamily="49" charset="0"/>
-            </a:endParaRPr>
-          </a:p>
-          <a:p>
-            <a:pPr marL="0" indent="0">
-              <a:buNone/>
-            </a:pPr>
-            <a:r>
-              <a:rPr lang="en-GB" sz="1800" dirty="0">
-                <a:latin typeface="Courier New" panose="02070309020205020404" pitchFamily="49" charset="0"/>
-                <a:cs typeface="Courier New" panose="02070309020205020404" pitchFamily="49" charset="0"/>
-              </a:rPr>
-              <a:t>  let $transformed := transform(</a:t>
-            </a:r>
-          </a:p>
-          <a:p>
-            <a:pPr marL="0" indent="0">
-              <a:buNone/>
-            </a:pPr>
-            <a:r>
-              <a:rPr lang="en-GB" sz="1800" dirty="0">
-                <a:latin typeface="Courier New" panose="02070309020205020404" pitchFamily="49" charset="0"/>
-                <a:cs typeface="Courier New" panose="02070309020205020404" pitchFamily="49" charset="0"/>
-              </a:rPr>
-              <a:t>    $xml,</a:t>
-            </a:r>
-          </a:p>
-          <a:p>
-            <a:pPr marL="0" indent="0">
-              <a:buNone/>
-            </a:pPr>
-            <a:r>
-              <a:rPr lang="en-GB" sz="1800" dirty="0">
-                <a:latin typeface="Courier New" panose="02070309020205020404" pitchFamily="49" charset="0"/>
-                <a:cs typeface="Courier New" panose="02070309020205020404" pitchFamily="49" charset="0"/>
-              </a:rPr>
-              <a:t>    $</a:t>
-            </a:r>
-            <a:r>
-              <a:rPr lang="en-GB" sz="1800" dirty="0" err="1">
-                <a:latin typeface="Courier New" panose="02070309020205020404" pitchFamily="49" charset="0"/>
-                <a:cs typeface="Courier New" panose="02070309020205020404" pitchFamily="49" charset="0"/>
-              </a:rPr>
-              <a:t>schematronXSLT</a:t>
-            </a:r>
-            <a:r>
-              <a:rPr lang="en-GB" sz="1800" dirty="0">
-                <a:latin typeface="Courier New" panose="02070309020205020404" pitchFamily="49" charset="0"/>
-                <a:cs typeface="Courier New" panose="02070309020205020404" pitchFamily="49" charset="0"/>
-              </a:rPr>
-              <a:t>,</a:t>
-            </a:r>
-          </a:p>
-          <a:p>
-            <a:pPr marL="0" indent="0">
-              <a:buNone/>
-            </a:pPr>
-            <a:r>
-              <a:rPr lang="en-GB" sz="1800" dirty="0">
-                <a:latin typeface="Courier New" panose="02070309020205020404" pitchFamily="49" charset="0"/>
-                <a:cs typeface="Courier New" panose="02070309020205020404" pitchFamily="49" charset="0"/>
-              </a:rPr>
-              <a:t>    map { 'validation-mode': 'lax' }</a:t>
-            </a:r>
-          </a:p>
-          <a:p>
-            <a:pPr marL="0" indent="0">
-              <a:buNone/>
-            </a:pPr>
-            <a:r>
-              <a:rPr lang="en-GB" sz="1800" dirty="0">
-                <a:latin typeface="Courier New" panose="02070309020205020404" pitchFamily="49" charset="0"/>
-                <a:cs typeface="Courier New" panose="02070309020205020404" pitchFamily="49" charset="0"/>
-              </a:rPr>
-              <a:t>  )</a:t>
-            </a:r>
-          </a:p>
-          <a:p>
-            <a:pPr marL="0" indent="0">
-              <a:buNone/>
-            </a:pPr>
-            <a:r>
-              <a:rPr lang="en-GB" sz="1800" dirty="0">
-                <a:latin typeface="Courier New" panose="02070309020205020404" pitchFamily="49" charset="0"/>
-                <a:cs typeface="Courier New" panose="02070309020205020404" pitchFamily="49" charset="0"/>
-              </a:rPr>
-              <a:t>[...]</a:t>
+            <a:pPr algn="r"/>
+            <a:r>
+              <a:rPr lang="en-GB" dirty="0">
+                <a:solidFill>
+                  <a:schemeClr val="bg2">
+                    <a:lumMod val="75000"/>
+                  </a:schemeClr>
+                </a:solidFill>
+              </a:rPr>
+              <a:t>Credit: Victor </a:t>
+            </a:r>
+            <a:r>
+              <a:rPr lang="en-GB" dirty="0" err="1">
+                <a:solidFill>
+                  <a:schemeClr val="bg2">
+                    <a:lumMod val="75000"/>
+                  </a:schemeClr>
+                </a:solidFill>
+              </a:rPr>
+              <a:t>Metelskiy</a:t>
+            </a:r>
+            <a:r>
+              <a:rPr lang="en-GB" dirty="0">
+                <a:solidFill>
+                  <a:schemeClr val="bg2">
+                    <a:lumMod val="75000"/>
+                  </a:schemeClr>
+                </a:solidFill>
+              </a:rPr>
+              <a:t>/Shutterstock</a:t>
             </a:r>
           </a:p>
         </p:txBody>
@@ -7705,7 +7453,7 @@
     </p:spTree>
     <p:extLst>
       <p:ext uri="{BB962C8B-B14F-4D97-AF65-F5344CB8AC3E}">
-        <p14:creationId xmlns:p14="http://schemas.microsoft.com/office/powerpoint/2010/main" val="3081243603"/>
+        <p14:creationId xmlns:p14="http://schemas.microsoft.com/office/powerpoint/2010/main" val="2727151737"/>
       </p:ext>
     </p:extLst>
   </p:cSld>
@@ -7758,12 +7506,12 @@
               <a:t>"Implement </a:t>
             </a:r>
             <a:r>
-              <a:rPr lang="en-GB" i="1" dirty="0"/>
-              <a:t>natively</a:t>
-            </a:r>
-            <a:r>
-              <a:rPr lang="en-GB" dirty="0"/>
-              <a:t> [etc.]"</a:t>
+              <a:rPr lang="en-GB" dirty="0" err="1"/>
+              <a:t>Schematron</a:t>
+            </a:r>
+            <a:r>
+              <a:rPr lang="en-GB" dirty="0"/>
+              <a:t> in XQuery"</a:t>
             </a:r>
           </a:p>
         </p:txBody>
@@ -7787,7 +7535,7 @@
         <p:spPr/>
         <p:txBody>
           <a:bodyPr>
-            <a:normAutofit lnSpcReduction="10000"/>
+            <a:normAutofit fontScale="62500" lnSpcReduction="20000"/>
           </a:bodyPr>
           <a:lstStyle/>
           <a:p>
@@ -7795,88 +7543,13 @@
               <a:buNone/>
             </a:pPr>
             <a:r>
-              <a:rPr lang="en-GB" sz="1800" dirty="0">
-                <a:latin typeface="Courier New" panose="02070309020205020404" pitchFamily="49" charset="0"/>
-                <a:cs typeface="Courier New" panose="02070309020205020404" pitchFamily="49" charset="0"/>
-              </a:rPr>
-              <a:t>declare namespace </a:t>
-            </a:r>
-            <a:r>
-              <a:rPr lang="en-GB" sz="1800" dirty="0" err="1">
-                <a:latin typeface="Courier New" panose="02070309020205020404" pitchFamily="49" charset="0"/>
-                <a:cs typeface="Courier New" panose="02070309020205020404" pitchFamily="49" charset="0"/>
-              </a:rPr>
-              <a:t>sch</a:t>
-            </a:r>
-            <a:r>
-              <a:rPr lang="en-GB" sz="1800" dirty="0">
-                <a:latin typeface="Courier New" panose="02070309020205020404" pitchFamily="49" charset="0"/>
-                <a:cs typeface="Courier New" panose="02070309020205020404" pitchFamily="49" charset="0"/>
-              </a:rPr>
-              <a:t> = "http://purl.oclc.org/</a:t>
-            </a:r>
-            <a:r>
-              <a:rPr lang="en-GB" sz="1800" dirty="0" err="1">
-                <a:latin typeface="Courier New" panose="02070309020205020404" pitchFamily="49" charset="0"/>
-                <a:cs typeface="Courier New" panose="02070309020205020404" pitchFamily="49" charset="0"/>
-              </a:rPr>
-              <a:t>dsdl</a:t>
-            </a:r>
-            <a:r>
-              <a:rPr lang="en-GB" sz="1800" dirty="0">
-                <a:latin typeface="Courier New" panose="02070309020205020404" pitchFamily="49" charset="0"/>
-                <a:cs typeface="Courier New" panose="02070309020205020404" pitchFamily="49" charset="0"/>
-              </a:rPr>
-              <a:t>/</a:t>
-            </a:r>
-            <a:r>
-              <a:rPr lang="en-GB" sz="1800" dirty="0" err="1">
-                <a:latin typeface="Courier New" panose="02070309020205020404" pitchFamily="49" charset="0"/>
-                <a:cs typeface="Courier New" panose="02070309020205020404" pitchFamily="49" charset="0"/>
-              </a:rPr>
-              <a:t>schematron</a:t>
-            </a:r>
-            <a:r>
-              <a:rPr lang="en-GB" sz="1800" dirty="0">
-                <a:latin typeface="Courier New" panose="02070309020205020404" pitchFamily="49" charset="0"/>
-                <a:cs typeface="Courier New" panose="02070309020205020404" pitchFamily="49" charset="0"/>
-              </a:rPr>
-              <a:t>";</a:t>
-            </a:r>
-          </a:p>
-          <a:p>
-            <a:pPr marL="0" indent="0">
-              <a:buNone/>
-            </a:pPr>
-            <a:r>
-              <a:rPr lang="en-GB" sz="1800" dirty="0">
-                <a:latin typeface="Courier New" panose="02070309020205020404" pitchFamily="49" charset="0"/>
-                <a:cs typeface="Courier New" panose="02070309020205020404" pitchFamily="49" charset="0"/>
-              </a:rPr>
-              <a:t>let $assertions := $</a:t>
-            </a:r>
-            <a:r>
-              <a:rPr lang="en-GB" sz="1800" dirty="0" err="1">
-                <a:latin typeface="Courier New" panose="02070309020205020404" pitchFamily="49" charset="0"/>
-                <a:cs typeface="Courier New" panose="02070309020205020404" pitchFamily="49" charset="0"/>
-              </a:rPr>
-              <a:t>schematron</a:t>
-            </a:r>
-            <a:r>
-              <a:rPr lang="en-GB" sz="1800" dirty="0">
-                <a:latin typeface="Courier New" panose="02070309020205020404" pitchFamily="49" charset="0"/>
-                <a:cs typeface="Courier New" panose="02070309020205020404" pitchFamily="49" charset="0"/>
-              </a:rPr>
-              <a:t>//</a:t>
-            </a:r>
-            <a:r>
-              <a:rPr lang="en-GB" sz="1800" dirty="0" err="1">
-                <a:latin typeface="Courier New" panose="02070309020205020404" pitchFamily="49" charset="0"/>
-                <a:cs typeface="Courier New" panose="02070309020205020404" pitchFamily="49" charset="0"/>
-              </a:rPr>
-              <a:t>sch:assert</a:t>
-            </a:r>
-            <a:endParaRPr lang="en-GB" sz="1800" dirty="0">
+              <a:rPr lang="de-DE" dirty="0">
+                <a:latin typeface="Courier New" panose="02070309020205020404" pitchFamily="49" charset="0"/>
+                <a:cs typeface="Courier New" panose="02070309020205020404" pitchFamily="49" charset="0"/>
+              </a:rPr>
+              <a:t>let $schematron := &lt;schema xmlns="http://www.ascc.net/xml/schematron"&gt;[...]</a:t>
+            </a:r>
+            <a:endParaRPr lang="en-GB" dirty="0">
               <a:latin typeface="Courier New" panose="02070309020205020404" pitchFamily="49" charset="0"/>
               <a:cs typeface="Courier New" panose="02070309020205020404" pitchFamily="49" charset="0"/>
             </a:endParaRPr>
@@ -7886,150 +7559,178 @@
               <a:buNone/>
             </a:pPr>
             <a:r>
-              <a:rPr lang="en-GB" sz="1800" dirty="0">
-                <a:latin typeface="Courier New" panose="02070309020205020404" pitchFamily="49" charset="0"/>
-                <a:cs typeface="Courier New" panose="02070309020205020404" pitchFamily="49" charset="0"/>
-              </a:rPr>
-              <a:t>return (</a:t>
-            </a:r>
-          </a:p>
-          <a:p>
-            <a:pPr marL="0" indent="0">
-              <a:buNone/>
-            </a:pPr>
-            <a:r>
-              <a:rPr lang="en-GB" sz="1800" dirty="0">
-                <a:latin typeface="Courier New" panose="02070309020205020404" pitchFamily="49" charset="0"/>
-                <a:cs typeface="Courier New" panose="02070309020205020404" pitchFamily="49" charset="0"/>
-              </a:rPr>
-              <a:t>    every $assert in $assertions satisfies (</a:t>
-            </a:r>
-          </a:p>
-          <a:p>
-            <a:pPr marL="0" indent="0">
-              <a:buNone/>
-            </a:pPr>
-            <a:r>
-              <a:rPr lang="en-GB" sz="1800" dirty="0">
-                <a:latin typeface="Courier New" panose="02070309020205020404" pitchFamily="49" charset="0"/>
-                <a:cs typeface="Courier New" panose="02070309020205020404" pitchFamily="49" charset="0"/>
-              </a:rPr>
-              <a:t>      let $test := $assert/@test</a:t>
-            </a:r>
-          </a:p>
-          <a:p>
-            <a:pPr marL="0" indent="0">
-              <a:buNone/>
-            </a:pPr>
-            <a:r>
-              <a:rPr lang="en-GB" sz="1800" dirty="0">
-                <a:latin typeface="Courier New" panose="02070309020205020404" pitchFamily="49" charset="0"/>
-                <a:cs typeface="Courier New" panose="02070309020205020404" pitchFamily="49" charset="0"/>
-              </a:rPr>
-              <a:t>      return (</a:t>
-            </a:r>
-          </a:p>
-          <a:p>
-            <a:pPr marL="0" indent="0">
-              <a:buNone/>
-            </a:pPr>
-            <a:r>
-              <a:rPr lang="en-GB" sz="1800" dirty="0">
-                <a:latin typeface="Courier New" panose="02070309020205020404" pitchFamily="49" charset="0"/>
-                <a:cs typeface="Courier New" panose="02070309020205020404" pitchFamily="49" charset="0"/>
-              </a:rPr>
-              <a:t>        if (exists($assert/@role) and $assert/@role = 'warning') then</a:t>
-            </a:r>
-          </a:p>
-          <a:p>
-            <a:pPr marL="0" indent="0">
-              <a:buNone/>
-            </a:pPr>
-            <a:r>
-              <a:rPr lang="en-GB" sz="1800" dirty="0">
-                <a:latin typeface="Courier New" panose="02070309020205020404" pitchFamily="49" charset="0"/>
-                <a:cs typeface="Courier New" panose="02070309020205020404" pitchFamily="49" charset="0"/>
-              </a:rPr>
-              <a:t>          count($xml[not($test)]) </a:t>
-            </a:r>
-            <a:r>
-              <a:rPr lang="en-GB" sz="1800" dirty="0" err="1">
-                <a:latin typeface="Courier New" panose="02070309020205020404" pitchFamily="49" charset="0"/>
-                <a:cs typeface="Courier New" panose="02070309020205020404" pitchFamily="49" charset="0"/>
-              </a:rPr>
-              <a:t>eq</a:t>
-            </a:r>
-            <a:r>
-              <a:rPr lang="en-GB" sz="1800" dirty="0">
-                <a:latin typeface="Courier New" panose="02070309020205020404" pitchFamily="49" charset="0"/>
-                <a:cs typeface="Courier New" panose="02070309020205020404" pitchFamily="49" charset="0"/>
-              </a:rPr>
-              <a:t> 0</a:t>
-            </a:r>
-          </a:p>
-          <a:p>
-            <a:pPr marL="0" indent="0">
-              <a:buNone/>
-            </a:pPr>
-            <a:r>
-              <a:rPr lang="en-GB" sz="1800" dirty="0">
-                <a:latin typeface="Courier New" panose="02070309020205020404" pitchFamily="49" charset="0"/>
-                <a:cs typeface="Courier New" panose="02070309020205020404" pitchFamily="49" charset="0"/>
-              </a:rPr>
-              <a:t>        else</a:t>
-            </a:r>
-          </a:p>
-          <a:p>
-            <a:pPr marL="0" indent="0">
-              <a:buNone/>
-            </a:pPr>
-            <a:r>
-              <a:rPr lang="en-GB" sz="1800" dirty="0">
-                <a:latin typeface="Courier New" panose="02070309020205020404" pitchFamily="49" charset="0"/>
-                <a:cs typeface="Courier New" panose="02070309020205020404" pitchFamily="49" charset="0"/>
-              </a:rPr>
-              <a:t>          exists($xml[$test])</a:t>
-            </a:r>
-          </a:p>
-          <a:p>
-            <a:pPr marL="0" indent="0">
-              <a:buNone/>
-            </a:pPr>
-            <a:r>
-              <a:rPr lang="en-GB" sz="1800" dirty="0">
-                <a:latin typeface="Courier New" panose="02070309020205020404" pitchFamily="49" charset="0"/>
-                <a:cs typeface="Courier New" panose="02070309020205020404" pitchFamily="49" charset="0"/>
-              </a:rPr>
-              <a:t>      )</a:t>
-            </a:r>
-          </a:p>
-          <a:p>
-            <a:pPr marL="0" indent="0">
-              <a:buNone/>
-            </a:pPr>
-            <a:r>
-              <a:rPr lang="en-GB" sz="1800" dirty="0">
-                <a:latin typeface="Courier New" panose="02070309020205020404" pitchFamily="49" charset="0"/>
-                <a:cs typeface="Courier New" panose="02070309020205020404" pitchFamily="49" charset="0"/>
-              </a:rPr>
-              <a:t>    )</a:t>
-            </a:r>
-          </a:p>
-          <a:p>
-            <a:pPr marL="0" indent="0">
-              <a:buNone/>
-            </a:pPr>
-            <a:endParaRPr lang="en-GB" sz="1800" dirty="0">
+              <a:rPr lang="en-GB" dirty="0">
+                <a:latin typeface="Courier New" panose="02070309020205020404" pitchFamily="49" charset="0"/>
+                <a:cs typeface="Courier New" panose="02070309020205020404" pitchFamily="49" charset="0"/>
+              </a:rPr>
+              <a:t>let $assertions := $</a:t>
+            </a:r>
+            <a:r>
+              <a:rPr lang="en-GB" dirty="0" err="1">
+                <a:latin typeface="Courier New" panose="02070309020205020404" pitchFamily="49" charset="0"/>
+                <a:cs typeface="Courier New" panose="02070309020205020404" pitchFamily="49" charset="0"/>
+              </a:rPr>
+              <a:t>schematron</a:t>
+            </a:r>
+            <a:r>
+              <a:rPr lang="en-GB" dirty="0">
+                <a:latin typeface="Courier New" panose="02070309020205020404" pitchFamily="49" charset="0"/>
+                <a:cs typeface="Courier New" panose="02070309020205020404" pitchFamily="49" charset="0"/>
+              </a:rPr>
+              <a:t>//</a:t>
+            </a:r>
+            <a:r>
+              <a:rPr lang="en-GB" dirty="0" err="1">
+                <a:latin typeface="Courier New" panose="02070309020205020404" pitchFamily="49" charset="0"/>
+                <a:cs typeface="Courier New" panose="02070309020205020404" pitchFamily="49" charset="0"/>
+              </a:rPr>
+              <a:t>sch:assert</a:t>
+            </a:r>
+            <a:endParaRPr lang="en-GB" dirty="0">
               <a:latin typeface="Courier New" panose="02070309020205020404" pitchFamily="49" charset="0"/>
               <a:cs typeface="Courier New" panose="02070309020205020404" pitchFamily="49" charset="0"/>
             </a:endParaRPr>
           </a:p>
+          <a:p>
+            <a:pPr marL="0" indent="0">
+              <a:buNone/>
+            </a:pPr>
+            <a:r>
+              <a:rPr lang="en-GB" dirty="0">
+                <a:latin typeface="Courier New" panose="02070309020205020404" pitchFamily="49" charset="0"/>
+                <a:cs typeface="Courier New" panose="02070309020205020404" pitchFamily="49" charset="0"/>
+              </a:rPr>
+              <a:t>return (</a:t>
+            </a:r>
+          </a:p>
+          <a:p>
+            <a:pPr marL="0" indent="0">
+              <a:buNone/>
+            </a:pPr>
+            <a:r>
+              <a:rPr lang="en-GB" dirty="0">
+                <a:latin typeface="Courier New" panose="02070309020205020404" pitchFamily="49" charset="0"/>
+                <a:cs typeface="Courier New" panose="02070309020205020404" pitchFamily="49" charset="0"/>
+              </a:rPr>
+              <a:t>    every $assert in $assertions satisfies (</a:t>
+            </a:r>
+          </a:p>
+          <a:p>
+            <a:pPr marL="0" indent="0">
+              <a:buNone/>
+            </a:pPr>
+            <a:r>
+              <a:rPr lang="en-GB" dirty="0">
+                <a:latin typeface="Courier New" panose="02070309020205020404" pitchFamily="49" charset="0"/>
+                <a:cs typeface="Courier New" panose="02070309020205020404" pitchFamily="49" charset="0"/>
+              </a:rPr>
+              <a:t>      let $test := $assert/@test</a:t>
+            </a:r>
+          </a:p>
+          <a:p>
+            <a:pPr marL="0" indent="0">
+              <a:buNone/>
+            </a:pPr>
+            <a:r>
+              <a:rPr lang="en-GB" dirty="0">
+                <a:latin typeface="Courier New" panose="02070309020205020404" pitchFamily="49" charset="0"/>
+                <a:cs typeface="Courier New" panose="02070309020205020404" pitchFamily="49" charset="0"/>
+              </a:rPr>
+              <a:t>      return (</a:t>
+            </a:r>
+          </a:p>
+          <a:p>
+            <a:pPr marL="0" indent="0">
+              <a:buNone/>
+            </a:pPr>
+            <a:r>
+              <a:rPr lang="en-GB" dirty="0">
+                <a:latin typeface="Courier New" panose="02070309020205020404" pitchFamily="49" charset="0"/>
+                <a:cs typeface="Courier New" panose="02070309020205020404" pitchFamily="49" charset="0"/>
+              </a:rPr>
+              <a:t>        if (exists($assert/@role) and $assert/@role = 'warning') then</a:t>
+            </a:r>
+          </a:p>
+          <a:p>
+            <a:pPr marL="0" indent="0">
+              <a:buNone/>
+            </a:pPr>
+            <a:r>
+              <a:rPr lang="en-GB" dirty="0">
+                <a:latin typeface="Courier New" panose="02070309020205020404" pitchFamily="49" charset="0"/>
+                <a:cs typeface="Courier New" panose="02070309020205020404" pitchFamily="49" charset="0"/>
+              </a:rPr>
+              <a:t>          count($xml[not($test)]) </a:t>
+            </a:r>
+            <a:r>
+              <a:rPr lang="en-GB" dirty="0" err="1">
+                <a:latin typeface="Courier New" panose="02070309020205020404" pitchFamily="49" charset="0"/>
+                <a:cs typeface="Courier New" panose="02070309020205020404" pitchFamily="49" charset="0"/>
+              </a:rPr>
+              <a:t>eq</a:t>
+            </a:r>
+            <a:r>
+              <a:rPr lang="en-GB" dirty="0">
+                <a:latin typeface="Courier New" panose="02070309020205020404" pitchFamily="49" charset="0"/>
+                <a:cs typeface="Courier New" panose="02070309020205020404" pitchFamily="49" charset="0"/>
+              </a:rPr>
+              <a:t> 0</a:t>
+            </a:r>
+          </a:p>
+          <a:p>
+            <a:pPr marL="0" indent="0">
+              <a:buNone/>
+            </a:pPr>
+            <a:r>
+              <a:rPr lang="en-GB" dirty="0">
+                <a:latin typeface="Courier New" panose="02070309020205020404" pitchFamily="49" charset="0"/>
+                <a:cs typeface="Courier New" panose="02070309020205020404" pitchFamily="49" charset="0"/>
+              </a:rPr>
+              <a:t>        else</a:t>
+            </a:r>
+          </a:p>
+          <a:p>
+            <a:pPr marL="0" indent="0">
+              <a:buNone/>
+            </a:pPr>
+            <a:r>
+              <a:rPr lang="en-GB" dirty="0">
+                <a:latin typeface="Courier New" panose="02070309020205020404" pitchFamily="49" charset="0"/>
+                <a:cs typeface="Courier New" panose="02070309020205020404" pitchFamily="49" charset="0"/>
+              </a:rPr>
+              <a:t>          exists($xml[$test])</a:t>
+            </a:r>
+          </a:p>
+          <a:p>
+            <a:pPr marL="0" indent="0">
+              <a:buNone/>
+            </a:pPr>
+            <a:r>
+              <a:rPr lang="en-GB" dirty="0">
+                <a:latin typeface="Courier New" panose="02070309020205020404" pitchFamily="49" charset="0"/>
+                <a:cs typeface="Courier New" panose="02070309020205020404" pitchFamily="49" charset="0"/>
+              </a:rPr>
+              <a:t>      )</a:t>
+            </a:r>
+          </a:p>
+          <a:p>
+            <a:pPr marL="0" indent="0">
+              <a:buNone/>
+            </a:pPr>
+            <a:r>
+              <a:rPr lang="en-GB" dirty="0">
+                <a:latin typeface="Courier New" panose="02070309020205020404" pitchFamily="49" charset="0"/>
+                <a:cs typeface="Courier New" panose="02070309020205020404" pitchFamily="49" charset="0"/>
+              </a:rPr>
+              <a:t>    )</a:t>
+            </a:r>
+          </a:p>
         </p:txBody>
       </p:sp>
     </p:spTree>
     <p:extLst>
       <p:ext uri="{BB962C8B-B14F-4D97-AF65-F5344CB8AC3E}">
-        <p14:creationId xmlns:p14="http://schemas.microsoft.com/office/powerpoint/2010/main" val="2640866411"/>
+        <p14:creationId xmlns:p14="http://schemas.microsoft.com/office/powerpoint/2010/main" val="3287669211"/>
       </p:ext>
     </p:extLst>
   </p:cSld>
@@ -8079,7 +7780,31 @@
           <a:p>
             <a:r>
               <a:rPr lang="en-GB" dirty="0"/>
-              <a:t>“Now include an SVRL report"</a:t>
+              <a:t>“Implement </a:t>
+            </a:r>
+            <a:r>
+              <a:rPr lang="en-GB" b="1" dirty="0"/>
+              <a:t>ISO</a:t>
+            </a:r>
+            <a:r>
+              <a:rPr lang="en-GB" dirty="0"/>
+              <a:t> </a:t>
+            </a:r>
+            <a:r>
+              <a:rPr lang="en-GB" dirty="0" err="1"/>
+              <a:t>Schematron</a:t>
+            </a:r>
+            <a:r>
+              <a:rPr lang="en-GB" dirty="0"/>
+              <a:t> in XQuery </a:t>
+            </a:r>
+            <a:r>
+              <a:rPr lang="en-GB" b="1" dirty="0"/>
+              <a:t>3.1</a:t>
+            </a:r>
+            <a:r>
+              <a:rPr lang="en-GB" dirty="0"/>
+              <a:t>"</a:t>
             </a:r>
           </a:p>
         </p:txBody>
@@ -8103,7 +7828,7 @@
         <p:spPr/>
         <p:txBody>
           <a:bodyPr>
-            <a:normAutofit fontScale="92500" lnSpcReduction="10000"/>
+            <a:normAutofit/>
           </a:bodyPr>
           <a:lstStyle/>
           <a:p>
@@ -8115,7 +7840,63 @@
                 <a:latin typeface="Courier New" panose="02070309020205020404" pitchFamily="49" charset="0"/>
                 <a:cs typeface="Courier New" panose="02070309020205020404" pitchFamily="49" charset="0"/>
               </a:rPr>
-              <a:t>for $assert in $assertions return</a:t>
+              <a:t>declare namespace </a:t>
+            </a:r>
+            <a:r>
+              <a:rPr lang="en-GB" sz="1800" dirty="0" err="1">
+                <a:latin typeface="Courier New" panose="02070309020205020404" pitchFamily="49" charset="0"/>
+                <a:cs typeface="Courier New" panose="02070309020205020404" pitchFamily="49" charset="0"/>
+              </a:rPr>
+              <a:t>sch</a:t>
+            </a:r>
+            <a:r>
+              <a:rPr lang="en-GB" sz="1800" dirty="0">
+                <a:latin typeface="Courier New" panose="02070309020205020404" pitchFamily="49" charset="0"/>
+                <a:cs typeface="Courier New" panose="02070309020205020404" pitchFamily="49" charset="0"/>
+              </a:rPr>
+              <a:t> = </a:t>
+            </a:r>
+            <a:r>
+              <a:rPr lang="en-GB" sz="1800" b="1" dirty="0">
+                <a:latin typeface="Courier New" panose="02070309020205020404" pitchFamily="49" charset="0"/>
+                <a:cs typeface="Courier New" panose="02070309020205020404" pitchFamily="49" charset="0"/>
+              </a:rPr>
+              <a:t>"http://purl.oclc.org/</a:t>
+            </a:r>
+            <a:r>
+              <a:rPr lang="en-GB" sz="1800" b="1" dirty="0" err="1">
+                <a:latin typeface="Courier New" panose="02070309020205020404" pitchFamily="49" charset="0"/>
+                <a:cs typeface="Courier New" panose="02070309020205020404" pitchFamily="49" charset="0"/>
+              </a:rPr>
+              <a:t>dsdl</a:t>
+            </a:r>
+            <a:r>
+              <a:rPr lang="en-GB" sz="1800" b="1" dirty="0">
+                <a:latin typeface="Courier New" panose="02070309020205020404" pitchFamily="49" charset="0"/>
+                <a:cs typeface="Courier New" panose="02070309020205020404" pitchFamily="49" charset="0"/>
+              </a:rPr>
+              <a:t>/</a:t>
+            </a:r>
+            <a:r>
+              <a:rPr lang="en-GB" sz="1800" b="1" dirty="0" err="1">
+                <a:latin typeface="Courier New" panose="02070309020205020404" pitchFamily="49" charset="0"/>
+                <a:cs typeface="Courier New" panose="02070309020205020404" pitchFamily="49" charset="0"/>
+              </a:rPr>
+              <a:t>schematron</a:t>
+            </a:r>
+            <a:r>
+              <a:rPr lang="en-GB" sz="1800" b="1" dirty="0">
+                <a:latin typeface="Courier New" panose="02070309020205020404" pitchFamily="49" charset="0"/>
+                <a:cs typeface="Courier New" panose="02070309020205020404" pitchFamily="49" charset="0"/>
+              </a:rPr>
+              <a:t>"</a:t>
+            </a:r>
+            <a:r>
+              <a:rPr lang="en-GB" sz="1800" dirty="0">
+                <a:latin typeface="Courier New" panose="02070309020205020404" pitchFamily="49" charset="0"/>
+                <a:cs typeface="Courier New" panose="02070309020205020404" pitchFamily="49" charset="0"/>
+              </a:rPr>
+              <a:t>;</a:t>
             </a:r>
           </a:p>
           <a:p>
@@ -8127,7 +7908,49 @@
                 <a:latin typeface="Courier New" panose="02070309020205020404" pitchFamily="49" charset="0"/>
                 <a:cs typeface="Courier New" panose="02070309020205020404" pitchFamily="49" charset="0"/>
               </a:rPr>
-              <a:t>        if (exists($assert/@role) and $assert/@role = 'warning') then</a:t>
+              <a:t>declare function </a:t>
+            </a:r>
+            <a:r>
+              <a:rPr lang="en-GB" sz="1800" dirty="0" err="1">
+                <a:latin typeface="Courier New" panose="02070309020205020404" pitchFamily="49" charset="0"/>
+                <a:cs typeface="Courier New" panose="02070309020205020404" pitchFamily="49" charset="0"/>
+              </a:rPr>
+              <a:t>local:schematron</a:t>
+            </a:r>
+            <a:r>
+              <a:rPr lang="en-GB" sz="1800" dirty="0">
+                <a:latin typeface="Courier New" panose="02070309020205020404" pitchFamily="49" charset="0"/>
+                <a:cs typeface="Courier New" panose="02070309020205020404" pitchFamily="49" charset="0"/>
+              </a:rPr>
+              <a:t>($xml as node(), $</a:t>
+            </a:r>
+            <a:r>
+              <a:rPr lang="en-GB" sz="1800" dirty="0" err="1">
+                <a:latin typeface="Courier New" panose="02070309020205020404" pitchFamily="49" charset="0"/>
+                <a:cs typeface="Courier New" panose="02070309020205020404" pitchFamily="49" charset="0"/>
+              </a:rPr>
+              <a:t>schematron</a:t>
+            </a:r>
+            <a:r>
+              <a:rPr lang="en-GB" sz="1800" dirty="0">
+                <a:latin typeface="Courier New" panose="02070309020205020404" pitchFamily="49" charset="0"/>
+                <a:cs typeface="Courier New" panose="02070309020205020404" pitchFamily="49" charset="0"/>
+              </a:rPr>
+              <a:t> as node()) as </a:t>
+            </a:r>
+            <a:r>
+              <a:rPr lang="en-GB" sz="1800" dirty="0" err="1">
+                <a:latin typeface="Courier New" panose="02070309020205020404" pitchFamily="49" charset="0"/>
+                <a:cs typeface="Courier New" panose="02070309020205020404" pitchFamily="49" charset="0"/>
+              </a:rPr>
+              <a:t>xs:boolean</a:t>
+            </a:r>
+            <a:r>
+              <a:rPr lang="en-GB" sz="1800" dirty="0">
+                <a:latin typeface="Courier New" panose="02070309020205020404" pitchFamily="49" charset="0"/>
+                <a:cs typeface="Courier New" panose="02070309020205020404" pitchFamily="49" charset="0"/>
+              </a:rPr>
+              <a:t> {</a:t>
             </a:r>
           </a:p>
           <a:p>
@@ -8139,22 +7962,68 @@
                 <a:latin typeface="Courier New" panose="02070309020205020404" pitchFamily="49" charset="0"/>
                 <a:cs typeface="Courier New" panose="02070309020205020404" pitchFamily="49" charset="0"/>
               </a:rPr>
-              <a:t>          if (count($xml[not($assert/@test)]) </a:t>
+              <a:t>  let $</a:t>
             </a:r>
             <a:r>
               <a:rPr lang="en-GB" sz="1800" dirty="0" err="1">
                 <a:latin typeface="Courier New" panose="02070309020205020404" pitchFamily="49" charset="0"/>
                 <a:cs typeface="Courier New" panose="02070309020205020404" pitchFamily="49" charset="0"/>
               </a:rPr>
-              <a:t>eq</a:t>
+              <a:t>schematronXSLT</a:t>
             </a:r>
             <a:r>
               <a:rPr lang="en-GB" sz="1800" dirty="0">
                 <a:latin typeface="Courier New" panose="02070309020205020404" pitchFamily="49" charset="0"/>
                 <a:cs typeface="Courier New" panose="02070309020205020404" pitchFamily="49" charset="0"/>
               </a:rPr>
-              <a:t> 0) then ()</a:t>
-            </a:r>
+              <a:t> := </a:t>
+            </a:r>
+            <a:r>
+              <a:rPr lang="en-GB" sz="1800" b="1" dirty="0">
+                <a:latin typeface="Courier New" panose="02070309020205020404" pitchFamily="49" charset="0"/>
+                <a:cs typeface="Courier New" panose="02070309020205020404" pitchFamily="49" charset="0"/>
+              </a:rPr>
+              <a:t>$</a:t>
+            </a:r>
+            <a:r>
+              <a:rPr lang="en-GB" sz="1800" b="1" dirty="0" err="1">
+                <a:latin typeface="Courier New" panose="02070309020205020404" pitchFamily="49" charset="0"/>
+                <a:cs typeface="Courier New" panose="02070309020205020404" pitchFamily="49" charset="0"/>
+              </a:rPr>
+              <a:t>schematron</a:t>
+            </a:r>
+            <a:r>
+              <a:rPr lang="en-GB" sz="1800" b="1" dirty="0">
+                <a:latin typeface="Courier New" panose="02070309020205020404" pitchFamily="49" charset="0"/>
+                <a:cs typeface="Courier New" panose="02070309020205020404" pitchFamily="49" charset="0"/>
+              </a:rPr>
+              <a:t>/</a:t>
+            </a:r>
+            <a:r>
+              <a:rPr lang="en-GB" sz="1800" b="1" dirty="0" err="1">
+                <a:latin typeface="Courier New" panose="02070309020205020404" pitchFamily="49" charset="0"/>
+                <a:cs typeface="Courier New" panose="02070309020205020404" pitchFamily="49" charset="0"/>
+              </a:rPr>
+              <a:t>sch:schema</a:t>
+            </a:r>
+            <a:r>
+              <a:rPr lang="en-GB" sz="1800" b="1" dirty="0">
+                <a:latin typeface="Courier New" panose="02070309020205020404" pitchFamily="49" charset="0"/>
+                <a:cs typeface="Courier New" panose="02070309020205020404" pitchFamily="49" charset="0"/>
+              </a:rPr>
+              <a:t>/</a:t>
+            </a:r>
+            <a:r>
+              <a:rPr lang="en-GB" sz="1800" b="1" dirty="0" err="1">
+                <a:latin typeface="Courier New" panose="02070309020205020404" pitchFamily="49" charset="0"/>
+                <a:cs typeface="Courier New" panose="02070309020205020404" pitchFamily="49" charset="0"/>
+              </a:rPr>
+              <a:t>xsl:stylesheet</a:t>
+            </a:r>
+            <a:endParaRPr lang="en-GB" sz="1800" b="1" dirty="0">
+              <a:latin typeface="Courier New" panose="02070309020205020404" pitchFamily="49" charset="0"/>
+              <a:cs typeface="Courier New" panose="02070309020205020404" pitchFamily="49" charset="0"/>
+            </a:endParaRPr>
           </a:p>
           <a:p>
             <a:pPr marL="0" indent="0">
@@ -8165,258 +8034,219 @@
                 <a:latin typeface="Courier New" panose="02070309020205020404" pitchFamily="49" charset="0"/>
                 <a:cs typeface="Courier New" panose="02070309020205020404" pitchFamily="49" charset="0"/>
               </a:rPr>
-              <a:t>          else</a:t>
-            </a:r>
-          </a:p>
-          <a:p>
-            <a:pPr marL="0" indent="0">
-              <a:buNone/>
-            </a:pPr>
+              <a:t>  let $assertions := $</a:t>
+            </a:r>
+            <a:r>
+              <a:rPr lang="en-GB" sz="1800" dirty="0" err="1">
+                <a:latin typeface="Courier New" panose="02070309020205020404" pitchFamily="49" charset="0"/>
+                <a:cs typeface="Courier New" panose="02070309020205020404" pitchFamily="49" charset="0"/>
+              </a:rPr>
+              <a:t>schematronXSLT</a:t>
+            </a:r>
             <a:r>
               <a:rPr lang="en-GB" sz="1800" dirty="0">
                 <a:latin typeface="Courier New" panose="02070309020205020404" pitchFamily="49" charset="0"/>
                 <a:cs typeface="Courier New" panose="02070309020205020404" pitchFamily="49" charset="0"/>
               </a:rPr>
-              <a:t>            </a:t>
-            </a:r>
-            <a:r>
-              <a:rPr lang="en-GB" sz="1800" b="1" dirty="0">
-                <a:latin typeface="Courier New" panose="02070309020205020404" pitchFamily="49" charset="0"/>
-                <a:cs typeface="Courier New" panose="02070309020205020404" pitchFamily="49" charset="0"/>
-              </a:rPr>
-              <a:t>&lt;</a:t>
-            </a:r>
-            <a:r>
-              <a:rPr lang="en-GB" sz="1800" b="1" dirty="0" err="1">
-                <a:latin typeface="Courier New" panose="02070309020205020404" pitchFamily="49" charset="0"/>
-                <a:cs typeface="Courier New" panose="02070309020205020404" pitchFamily="49" charset="0"/>
-              </a:rPr>
-              <a:t>svrl:failed-assert</a:t>
-            </a:r>
-            <a:r>
-              <a:rPr lang="en-GB" sz="1800" b="1" dirty="0">
-                <a:latin typeface="Courier New" panose="02070309020205020404" pitchFamily="49" charset="0"/>
-                <a:cs typeface="Courier New" panose="02070309020205020404" pitchFamily="49" charset="0"/>
-              </a:rPr>
-              <a:t> test="{$assert/@test}" role="warning"&gt;</a:t>
-            </a:r>
-          </a:p>
-          <a:p>
-            <a:pPr marL="0" indent="0">
-              <a:buNone/>
-            </a:pPr>
-            <a:r>
-              <a:rPr lang="en-GB" sz="1800" b="1" dirty="0">
-                <a:latin typeface="Courier New" panose="02070309020205020404" pitchFamily="49" charset="0"/>
-                <a:cs typeface="Courier New" panose="02070309020205020404" pitchFamily="49" charset="0"/>
-              </a:rPr>
-              <a:t>              &lt;</a:t>
-            </a:r>
-            <a:r>
-              <a:rPr lang="en-GB" sz="1800" b="1" dirty="0" err="1">
-                <a:latin typeface="Courier New" panose="02070309020205020404" pitchFamily="49" charset="0"/>
-                <a:cs typeface="Courier New" panose="02070309020205020404" pitchFamily="49" charset="0"/>
-              </a:rPr>
-              <a:t>svrl:text</a:t>
-            </a:r>
-            <a:r>
-              <a:rPr lang="en-GB" sz="1800" b="1" dirty="0">
-                <a:latin typeface="Courier New" panose="02070309020205020404" pitchFamily="49" charset="0"/>
-                <a:cs typeface="Courier New" panose="02070309020205020404" pitchFamily="49" charset="0"/>
-              </a:rPr>
-              <a:t>&gt;{data($assert)}&lt;/</a:t>
-            </a:r>
-            <a:r>
-              <a:rPr lang="en-GB" sz="1800" b="1" dirty="0" err="1">
-                <a:latin typeface="Courier New" panose="02070309020205020404" pitchFamily="49" charset="0"/>
-                <a:cs typeface="Courier New" panose="02070309020205020404" pitchFamily="49" charset="0"/>
-              </a:rPr>
-              <a:t>svrl:text</a:t>
-            </a:r>
-            <a:r>
-              <a:rPr lang="en-GB" sz="1800" b="1" dirty="0">
-                <a:latin typeface="Courier New" panose="02070309020205020404" pitchFamily="49" charset="0"/>
-                <a:cs typeface="Courier New" panose="02070309020205020404" pitchFamily="49" charset="0"/>
-              </a:rPr>
-              <a:t>&gt;</a:t>
-            </a:r>
-          </a:p>
-          <a:p>
-            <a:pPr marL="0" indent="0">
-              <a:buNone/>
-            </a:pPr>
-            <a:r>
-              <a:rPr lang="en-GB" sz="1800" b="1" dirty="0">
-                <a:latin typeface="Courier New" panose="02070309020205020404" pitchFamily="49" charset="0"/>
-                <a:cs typeface="Courier New" panose="02070309020205020404" pitchFamily="49" charset="0"/>
-              </a:rPr>
-              <a:t>            &lt;/</a:t>
-            </a:r>
-            <a:r>
-              <a:rPr lang="en-GB" sz="1800" b="1" dirty="0" err="1">
-                <a:latin typeface="Courier New" panose="02070309020205020404" pitchFamily="49" charset="0"/>
-                <a:cs typeface="Courier New" panose="02070309020205020404" pitchFamily="49" charset="0"/>
-              </a:rPr>
-              <a:t>svrl:failed-assert</a:t>
-            </a:r>
-            <a:r>
-              <a:rPr lang="en-GB" sz="1800" b="1" dirty="0">
-                <a:latin typeface="Courier New" panose="02070309020205020404" pitchFamily="49" charset="0"/>
-                <a:cs typeface="Courier New" panose="02070309020205020404" pitchFamily="49" charset="0"/>
-              </a:rPr>
-              <a:t>&gt;</a:t>
-            </a:r>
-          </a:p>
-          <a:p>
-            <a:pPr marL="0" indent="0">
-              <a:buNone/>
-            </a:pPr>
+              <a:t>/</a:t>
+            </a:r>
+            <a:r>
+              <a:rPr lang="en-GB" sz="1800" dirty="0" err="1">
+                <a:latin typeface="Courier New" panose="02070309020205020404" pitchFamily="49" charset="0"/>
+                <a:cs typeface="Courier New" panose="02070309020205020404" pitchFamily="49" charset="0"/>
+              </a:rPr>
+              <a:t>sch:pattern</a:t>
+            </a:r>
             <a:r>
               <a:rPr lang="en-GB" sz="1800" dirty="0">
                 <a:latin typeface="Courier New" panose="02070309020205020404" pitchFamily="49" charset="0"/>
                 <a:cs typeface="Courier New" panose="02070309020205020404" pitchFamily="49" charset="0"/>
               </a:rPr>
-              <a:t>        else</a:t>
-            </a:r>
-          </a:p>
-          <a:p>
-            <a:pPr marL="0" indent="0">
-              <a:buNone/>
-            </a:pPr>
+              <a:t>/</a:t>
+            </a:r>
+            <a:r>
+              <a:rPr lang="en-GB" sz="1800" dirty="0" err="1">
+                <a:latin typeface="Courier New" panose="02070309020205020404" pitchFamily="49" charset="0"/>
+                <a:cs typeface="Courier New" panose="02070309020205020404" pitchFamily="49" charset="0"/>
+              </a:rPr>
+              <a:t>sch:rule</a:t>
+            </a:r>
             <a:r>
               <a:rPr lang="en-GB" sz="1800" dirty="0">
                 <a:latin typeface="Courier New" panose="02070309020205020404" pitchFamily="49" charset="0"/>
                 <a:cs typeface="Courier New" panose="02070309020205020404" pitchFamily="49" charset="0"/>
               </a:rPr>
-              <a:t>          if (exists($xml[$assert/@test])) then ()</a:t>
-            </a:r>
-          </a:p>
-          <a:p>
-            <a:pPr marL="0" indent="0">
-              <a:buNone/>
-            </a:pPr>
-            <a:r>
-              <a:rPr lang="en-GB" sz="1800" dirty="0">
-                <a:latin typeface="Courier New" panose="02070309020205020404" pitchFamily="49" charset="0"/>
-                <a:cs typeface="Courier New" panose="02070309020205020404" pitchFamily="49" charset="0"/>
-              </a:rPr>
-              <a:t>          else</a:t>
-            </a:r>
-          </a:p>
-          <a:p>
-            <a:pPr marL="0" indent="0">
-              <a:buNone/>
-            </a:pPr>
-            <a:r>
-              <a:rPr lang="en-GB" sz="1800" dirty="0">
-                <a:latin typeface="Courier New" panose="02070309020205020404" pitchFamily="49" charset="0"/>
-                <a:cs typeface="Courier New" panose="02070309020205020404" pitchFamily="49" charset="0"/>
-              </a:rPr>
-              <a:t>            </a:t>
-            </a:r>
-            <a:r>
-              <a:rPr lang="en-GB" sz="1800" b="1" dirty="0">
-                <a:latin typeface="Courier New" panose="02070309020205020404" pitchFamily="49" charset="0"/>
-                <a:cs typeface="Courier New" panose="02070309020205020404" pitchFamily="49" charset="0"/>
-              </a:rPr>
-              <a:t>&lt;</a:t>
-            </a:r>
-            <a:r>
-              <a:rPr lang="en-GB" sz="1800" b="1" dirty="0" err="1">
-                <a:latin typeface="Courier New" panose="02070309020205020404" pitchFamily="49" charset="0"/>
-                <a:cs typeface="Courier New" panose="02070309020205020404" pitchFamily="49" charset="0"/>
-              </a:rPr>
-              <a:t>svrl:failed-assert</a:t>
-            </a:r>
-            <a:r>
-              <a:rPr lang="en-GB" sz="1800" b="1" dirty="0">
-                <a:latin typeface="Courier New" panose="02070309020205020404" pitchFamily="49" charset="0"/>
-                <a:cs typeface="Courier New" panose="02070309020205020404" pitchFamily="49" charset="0"/>
-              </a:rPr>
-              <a:t> test="{$assert/@test}"&gt;</a:t>
-            </a:r>
-          </a:p>
-          <a:p>
-            <a:pPr marL="0" indent="0">
-              <a:buNone/>
-            </a:pPr>
-            <a:r>
-              <a:rPr lang="en-GB" sz="1800" b="1" dirty="0">
-                <a:latin typeface="Courier New" panose="02070309020205020404" pitchFamily="49" charset="0"/>
-                <a:cs typeface="Courier New" panose="02070309020205020404" pitchFamily="49" charset="0"/>
-              </a:rPr>
-              <a:t>              &lt;</a:t>
-            </a:r>
-            <a:r>
-              <a:rPr lang="en-GB" sz="1800" b="1" dirty="0" err="1">
-                <a:latin typeface="Courier New" panose="02070309020205020404" pitchFamily="49" charset="0"/>
-                <a:cs typeface="Courier New" panose="02070309020205020404" pitchFamily="49" charset="0"/>
-              </a:rPr>
-              <a:t>svrl:text</a:t>
-            </a:r>
-            <a:r>
-              <a:rPr lang="en-GB" sz="1800" b="1" dirty="0">
-                <a:latin typeface="Courier New" panose="02070309020205020404" pitchFamily="49" charset="0"/>
-                <a:cs typeface="Courier New" panose="02070309020205020404" pitchFamily="49" charset="0"/>
-              </a:rPr>
-              <a:t>&gt;{data($assert)}&lt;/</a:t>
-            </a:r>
-            <a:r>
-              <a:rPr lang="en-GB" sz="1800" b="1" dirty="0" err="1">
-                <a:latin typeface="Courier New" panose="02070309020205020404" pitchFamily="49" charset="0"/>
-                <a:cs typeface="Courier New" panose="02070309020205020404" pitchFamily="49" charset="0"/>
-              </a:rPr>
-              <a:t>svrl:text</a:t>
-            </a:r>
-            <a:r>
-              <a:rPr lang="en-GB" sz="1800" b="1" dirty="0">
-                <a:latin typeface="Courier New" panose="02070309020205020404" pitchFamily="49" charset="0"/>
-                <a:cs typeface="Courier New" panose="02070309020205020404" pitchFamily="49" charset="0"/>
-              </a:rPr>
-              <a:t>&gt;</a:t>
-            </a:r>
-          </a:p>
-          <a:p>
-            <a:pPr marL="0" indent="0">
-              <a:buNone/>
-            </a:pPr>
-            <a:r>
-              <a:rPr lang="en-GB" sz="1800" b="1" dirty="0">
-                <a:latin typeface="Courier New" panose="02070309020205020404" pitchFamily="49" charset="0"/>
-                <a:cs typeface="Courier New" panose="02070309020205020404" pitchFamily="49" charset="0"/>
-              </a:rPr>
-              <a:t>            &lt;/</a:t>
-            </a:r>
-            <a:r>
-              <a:rPr lang="en-GB" sz="1800" b="1" dirty="0" err="1">
-                <a:latin typeface="Courier New" panose="02070309020205020404" pitchFamily="49" charset="0"/>
-                <a:cs typeface="Courier New" panose="02070309020205020404" pitchFamily="49" charset="0"/>
-              </a:rPr>
-              <a:t>svrl:failed-assert</a:t>
-            </a:r>
-            <a:r>
-              <a:rPr lang="en-GB" sz="1800" b="1" dirty="0">
-                <a:latin typeface="Courier New" panose="02070309020205020404" pitchFamily="49" charset="0"/>
-                <a:cs typeface="Courier New" panose="02070309020205020404" pitchFamily="49" charset="0"/>
-              </a:rPr>
-              <a:t>&gt;</a:t>
-            </a:r>
-          </a:p>
-          <a:p>
-            <a:pPr marL="0" indent="0">
-              <a:buNone/>
-            </a:pPr>
+              <a:t>/</a:t>
+            </a:r>
+            <a:r>
+              <a:rPr lang="en-GB" sz="1800" dirty="0" err="1">
+                <a:latin typeface="Courier New" panose="02070309020205020404" pitchFamily="49" charset="0"/>
+                <a:cs typeface="Courier New" panose="02070309020205020404" pitchFamily="49" charset="0"/>
+              </a:rPr>
+              <a:t>sch:assert</a:t>
+            </a:r>
             <a:endParaRPr lang="en-GB" sz="1800" dirty="0">
               <a:latin typeface="Courier New" panose="02070309020205020404" pitchFamily="49" charset="0"/>
               <a:cs typeface="Courier New" panose="02070309020205020404" pitchFamily="49" charset="0"/>
             </a:endParaRPr>
           </a:p>
+          <a:p>
+            <a:pPr marL="0" indent="0">
+              <a:buNone/>
+            </a:pPr>
+            <a:r>
+              <a:rPr lang="en-GB" sz="1800" dirty="0">
+                <a:latin typeface="Courier New" panose="02070309020205020404" pitchFamily="49" charset="0"/>
+                <a:cs typeface="Courier New" panose="02070309020205020404" pitchFamily="49" charset="0"/>
+              </a:rPr>
+              <a:t>  let $reports := $</a:t>
+            </a:r>
+            <a:r>
+              <a:rPr lang="en-GB" sz="1800" dirty="0" err="1">
+                <a:latin typeface="Courier New" panose="02070309020205020404" pitchFamily="49" charset="0"/>
+                <a:cs typeface="Courier New" panose="02070309020205020404" pitchFamily="49" charset="0"/>
+              </a:rPr>
+              <a:t>schematronXSLT</a:t>
+            </a:r>
+            <a:r>
+              <a:rPr lang="en-GB" sz="1800" dirty="0">
+                <a:latin typeface="Courier New" panose="02070309020205020404" pitchFamily="49" charset="0"/>
+                <a:cs typeface="Courier New" panose="02070309020205020404" pitchFamily="49" charset="0"/>
+              </a:rPr>
+              <a:t>/</a:t>
+            </a:r>
+            <a:r>
+              <a:rPr lang="en-GB" sz="1800" dirty="0" err="1">
+                <a:latin typeface="Courier New" panose="02070309020205020404" pitchFamily="49" charset="0"/>
+                <a:cs typeface="Courier New" panose="02070309020205020404" pitchFamily="49" charset="0"/>
+              </a:rPr>
+              <a:t>sch:pattern</a:t>
+            </a:r>
+            <a:r>
+              <a:rPr lang="en-GB" sz="1800" dirty="0">
+                <a:latin typeface="Courier New" panose="02070309020205020404" pitchFamily="49" charset="0"/>
+                <a:cs typeface="Courier New" panose="02070309020205020404" pitchFamily="49" charset="0"/>
+              </a:rPr>
+              <a:t>/</a:t>
+            </a:r>
+            <a:r>
+              <a:rPr lang="en-GB" sz="1800" dirty="0" err="1">
+                <a:latin typeface="Courier New" panose="02070309020205020404" pitchFamily="49" charset="0"/>
+                <a:cs typeface="Courier New" panose="02070309020205020404" pitchFamily="49" charset="0"/>
+              </a:rPr>
+              <a:t>sch:rule</a:t>
+            </a:r>
+            <a:r>
+              <a:rPr lang="en-GB" sz="1800" dirty="0">
+                <a:latin typeface="Courier New" panose="02070309020205020404" pitchFamily="49" charset="0"/>
+                <a:cs typeface="Courier New" panose="02070309020205020404" pitchFamily="49" charset="0"/>
+              </a:rPr>
+              <a:t>/</a:t>
+            </a:r>
+            <a:r>
+              <a:rPr lang="en-GB" sz="1800" dirty="0" err="1">
+                <a:latin typeface="Courier New" panose="02070309020205020404" pitchFamily="49" charset="0"/>
+                <a:cs typeface="Courier New" panose="02070309020205020404" pitchFamily="49" charset="0"/>
+              </a:rPr>
+              <a:t>sch:report</a:t>
+            </a:r>
+            <a:endParaRPr lang="en-GB" sz="1800" dirty="0">
+              <a:latin typeface="Courier New" panose="02070309020205020404" pitchFamily="49" charset="0"/>
+              <a:cs typeface="Courier New" panose="02070309020205020404" pitchFamily="49" charset="0"/>
+            </a:endParaRPr>
+          </a:p>
+          <a:p>
+            <a:pPr marL="0" indent="0">
+              <a:buNone/>
+            </a:pPr>
+            <a:r>
+              <a:rPr lang="en-GB" sz="1800" dirty="0">
+                <a:latin typeface="Courier New" panose="02070309020205020404" pitchFamily="49" charset="0"/>
+                <a:cs typeface="Courier New" panose="02070309020205020404" pitchFamily="49" charset="0"/>
+              </a:rPr>
+              <a:t>  let $transformed := transform(</a:t>
+            </a:r>
+          </a:p>
+          <a:p>
+            <a:pPr marL="0" indent="0">
+              <a:buNone/>
+            </a:pPr>
+            <a:r>
+              <a:rPr lang="en-GB" sz="1800" dirty="0">
+                <a:latin typeface="Courier New" panose="02070309020205020404" pitchFamily="49" charset="0"/>
+                <a:cs typeface="Courier New" panose="02070309020205020404" pitchFamily="49" charset="0"/>
+              </a:rPr>
+              <a:t>    $xml,</a:t>
+            </a:r>
+          </a:p>
+          <a:p>
+            <a:pPr marL="0" indent="0">
+              <a:buNone/>
+            </a:pPr>
+            <a:r>
+              <a:rPr lang="en-GB" sz="1800" dirty="0">
+                <a:latin typeface="Courier New" panose="02070309020205020404" pitchFamily="49" charset="0"/>
+                <a:cs typeface="Courier New" panose="02070309020205020404" pitchFamily="49" charset="0"/>
+              </a:rPr>
+              <a:t>    $</a:t>
+            </a:r>
+            <a:r>
+              <a:rPr lang="en-GB" sz="1800" dirty="0" err="1">
+                <a:latin typeface="Courier New" panose="02070309020205020404" pitchFamily="49" charset="0"/>
+                <a:cs typeface="Courier New" panose="02070309020205020404" pitchFamily="49" charset="0"/>
+              </a:rPr>
+              <a:t>schematronXSLT</a:t>
+            </a:r>
+            <a:r>
+              <a:rPr lang="en-GB" sz="1800" dirty="0">
+                <a:latin typeface="Courier New" panose="02070309020205020404" pitchFamily="49" charset="0"/>
+                <a:cs typeface="Courier New" panose="02070309020205020404" pitchFamily="49" charset="0"/>
+              </a:rPr>
+              <a:t>,</a:t>
+            </a:r>
+          </a:p>
+          <a:p>
+            <a:pPr marL="0" indent="0">
+              <a:buNone/>
+            </a:pPr>
+            <a:r>
+              <a:rPr lang="en-GB" sz="1800" dirty="0">
+                <a:latin typeface="Courier New" panose="02070309020205020404" pitchFamily="49" charset="0"/>
+                <a:cs typeface="Courier New" panose="02070309020205020404" pitchFamily="49" charset="0"/>
+              </a:rPr>
+              <a:t>    map { 'validation-mode': 'lax' }</a:t>
+            </a:r>
+          </a:p>
+          <a:p>
+            <a:pPr marL="0" indent="0">
+              <a:buNone/>
+            </a:pPr>
+            <a:r>
+              <a:rPr lang="en-GB" sz="1800" dirty="0">
+                <a:latin typeface="Courier New" panose="02070309020205020404" pitchFamily="49" charset="0"/>
+                <a:cs typeface="Courier New" panose="02070309020205020404" pitchFamily="49" charset="0"/>
+              </a:rPr>
+              <a:t>  )</a:t>
+            </a:r>
+          </a:p>
+          <a:p>
+            <a:pPr marL="0" indent="0">
+              <a:buNone/>
+            </a:pPr>
+            <a:r>
+              <a:rPr lang="en-GB" sz="1800" dirty="0">
+                <a:latin typeface="Courier New" panose="02070309020205020404" pitchFamily="49" charset="0"/>
+                <a:cs typeface="Courier New" panose="02070309020205020404" pitchFamily="49" charset="0"/>
+              </a:rPr>
+              <a:t>[...]</a:t>
+            </a:r>
+          </a:p>
         </p:txBody>
       </p:sp>
     </p:spTree>
     <p:extLst>
       <p:ext uri="{BB962C8B-B14F-4D97-AF65-F5344CB8AC3E}">
-        <p14:creationId xmlns:p14="http://schemas.microsoft.com/office/powerpoint/2010/main" val="1306449728"/>
+        <p14:creationId xmlns:p14="http://schemas.microsoft.com/office/powerpoint/2010/main" val="3081243603"/>
       </p:ext>
     </p:extLst>
   </p:cSld>
@@ -8448,7 +8278,7 @@
           <p:cNvPr id="2" name="Title 1">
             <a:extLst>
               <a:ext uri="{FF2B5EF4-FFF2-40B4-BE49-F238E27FC236}">
-                <a16:creationId xmlns:a16="http://schemas.microsoft.com/office/drawing/2014/main" id="{6C57D578-CC16-4CA5-A771-965CFCC68AAA}"/>
+                <a16:creationId xmlns:a16="http://schemas.microsoft.com/office/drawing/2014/main" id="{A983E35C-8894-4776-86DF-EAACF757D02F}"/>
               </a:ext>
             </a:extLst>
           </p:cNvPr>
@@ -8466,15 +8296,15 @@
           <a:p>
             <a:r>
               <a:rPr lang="en-GB" dirty="0"/>
-              <a:t>Did </a:t>
-            </a:r>
-            <a:r>
-              <a:rPr lang="en-GB" dirty="0" err="1"/>
-              <a:t>ChatGPT</a:t>
-            </a:r>
-            <a:r>
-              <a:rPr lang="en-GB" dirty="0"/>
-              <a:t> help?</a:t>
+              <a:t>"Implement </a:t>
+            </a:r>
+            <a:r>
+              <a:rPr lang="en-GB" i="1" dirty="0"/>
+              <a:t>natively</a:t>
+            </a:r>
+            <a:r>
+              <a:rPr lang="en-GB" dirty="0"/>
+              <a:t> [etc.]"</a:t>
             </a:r>
           </a:p>
         </p:txBody>
@@ -8484,7 +8314,7 @@
           <p:cNvPr id="3" name="Content Placeholder 2">
             <a:extLst>
               <a:ext uri="{FF2B5EF4-FFF2-40B4-BE49-F238E27FC236}">
-                <a16:creationId xmlns:a16="http://schemas.microsoft.com/office/drawing/2014/main" id="{7F0F360A-24D7-4E74-B904-FE874F7F6273}"/>
+                <a16:creationId xmlns:a16="http://schemas.microsoft.com/office/drawing/2014/main" id="{8F3B8AF2-EBAB-4825-840C-058B9D734782}"/>
               </a:ext>
             </a:extLst>
           </p:cNvPr>
@@ -8497,32 +8327,250 @@
         </p:nvSpPr>
         <p:spPr/>
         <p:txBody>
-          <a:bodyPr/>
-          <a:lstStyle/>
-          <a:p>
-            <a:r>
-              <a:rPr lang="en-GB" dirty="0"/>
-              <a:t>ISO</a:t>
-            </a:r>
-          </a:p>
-          <a:p>
-            <a:r>
-              <a:rPr lang="en-GB" dirty="0"/>
-              <a:t>Native XQuery</a:t>
-            </a:r>
-          </a:p>
-          <a:p>
-            <a:r>
-              <a:rPr lang="en-GB" dirty="0"/>
-              <a:t>SVRL</a:t>
-            </a:r>
+          <a:bodyPr>
+            <a:normAutofit lnSpcReduction="10000"/>
+          </a:bodyPr>
+          <a:lstStyle/>
+          <a:p>
+            <a:pPr marL="0" indent="0">
+              <a:buNone/>
+            </a:pPr>
+            <a:r>
+              <a:rPr lang="en-GB" sz="1800" dirty="0">
+                <a:latin typeface="Courier New" panose="02070309020205020404" pitchFamily="49" charset="0"/>
+                <a:cs typeface="Courier New" panose="02070309020205020404" pitchFamily="49" charset="0"/>
+              </a:rPr>
+              <a:t>declare namespace </a:t>
+            </a:r>
+            <a:r>
+              <a:rPr lang="en-GB" sz="1800" dirty="0" err="1">
+                <a:latin typeface="Courier New" panose="02070309020205020404" pitchFamily="49" charset="0"/>
+                <a:cs typeface="Courier New" panose="02070309020205020404" pitchFamily="49" charset="0"/>
+              </a:rPr>
+              <a:t>sch</a:t>
+            </a:r>
+            <a:r>
+              <a:rPr lang="en-GB" sz="1800" dirty="0">
+                <a:latin typeface="Courier New" panose="02070309020205020404" pitchFamily="49" charset="0"/>
+                <a:cs typeface="Courier New" panose="02070309020205020404" pitchFamily="49" charset="0"/>
+              </a:rPr>
+              <a:t> = "http://purl.oclc.org/</a:t>
+            </a:r>
+            <a:r>
+              <a:rPr lang="en-GB" sz="1800" dirty="0" err="1">
+                <a:latin typeface="Courier New" panose="02070309020205020404" pitchFamily="49" charset="0"/>
+                <a:cs typeface="Courier New" panose="02070309020205020404" pitchFamily="49" charset="0"/>
+              </a:rPr>
+              <a:t>dsdl</a:t>
+            </a:r>
+            <a:r>
+              <a:rPr lang="en-GB" sz="1800" dirty="0">
+                <a:latin typeface="Courier New" panose="02070309020205020404" pitchFamily="49" charset="0"/>
+                <a:cs typeface="Courier New" panose="02070309020205020404" pitchFamily="49" charset="0"/>
+              </a:rPr>
+              <a:t>/</a:t>
+            </a:r>
+            <a:r>
+              <a:rPr lang="en-GB" sz="1800" dirty="0" err="1">
+                <a:latin typeface="Courier New" panose="02070309020205020404" pitchFamily="49" charset="0"/>
+                <a:cs typeface="Courier New" panose="02070309020205020404" pitchFamily="49" charset="0"/>
+              </a:rPr>
+              <a:t>schematron</a:t>
+            </a:r>
+            <a:r>
+              <a:rPr lang="en-GB" sz="1800" dirty="0">
+                <a:latin typeface="Courier New" panose="02070309020205020404" pitchFamily="49" charset="0"/>
+                <a:cs typeface="Courier New" panose="02070309020205020404" pitchFamily="49" charset="0"/>
+              </a:rPr>
+              <a:t>";</a:t>
+            </a:r>
+          </a:p>
+          <a:p>
+            <a:pPr marL="0" indent="0">
+              <a:buNone/>
+            </a:pPr>
+            <a:r>
+              <a:rPr lang="en-GB" sz="1800" dirty="0">
+                <a:latin typeface="Courier New" panose="02070309020205020404" pitchFamily="49" charset="0"/>
+                <a:cs typeface="Courier New" panose="02070309020205020404" pitchFamily="49" charset="0"/>
+              </a:rPr>
+              <a:t>let $assertions := $</a:t>
+            </a:r>
+            <a:r>
+              <a:rPr lang="en-GB" sz="1800" dirty="0" err="1">
+                <a:latin typeface="Courier New" panose="02070309020205020404" pitchFamily="49" charset="0"/>
+                <a:cs typeface="Courier New" panose="02070309020205020404" pitchFamily="49" charset="0"/>
+              </a:rPr>
+              <a:t>schematron</a:t>
+            </a:r>
+            <a:r>
+              <a:rPr lang="en-GB" sz="1800" dirty="0">
+                <a:latin typeface="Courier New" panose="02070309020205020404" pitchFamily="49" charset="0"/>
+                <a:cs typeface="Courier New" panose="02070309020205020404" pitchFamily="49" charset="0"/>
+              </a:rPr>
+              <a:t>//</a:t>
+            </a:r>
+            <a:r>
+              <a:rPr lang="en-GB" sz="1800" dirty="0" err="1">
+                <a:latin typeface="Courier New" panose="02070309020205020404" pitchFamily="49" charset="0"/>
+                <a:cs typeface="Courier New" panose="02070309020205020404" pitchFamily="49" charset="0"/>
+              </a:rPr>
+              <a:t>sch:assert</a:t>
+            </a:r>
+            <a:endParaRPr lang="en-GB" sz="1800" dirty="0">
+              <a:latin typeface="Courier New" panose="02070309020205020404" pitchFamily="49" charset="0"/>
+              <a:cs typeface="Courier New" panose="02070309020205020404" pitchFamily="49" charset="0"/>
+            </a:endParaRPr>
+          </a:p>
+          <a:p>
+            <a:pPr marL="0" indent="0">
+              <a:buNone/>
+            </a:pPr>
+            <a:r>
+              <a:rPr lang="en-GB" sz="1800" dirty="0">
+                <a:latin typeface="Courier New" panose="02070309020205020404" pitchFamily="49" charset="0"/>
+                <a:cs typeface="Courier New" panose="02070309020205020404" pitchFamily="49" charset="0"/>
+              </a:rPr>
+              <a:t>return (</a:t>
+            </a:r>
+          </a:p>
+          <a:p>
+            <a:pPr marL="0" indent="0">
+              <a:buNone/>
+            </a:pPr>
+            <a:r>
+              <a:rPr lang="en-GB" sz="1800" dirty="0">
+                <a:latin typeface="Courier New" panose="02070309020205020404" pitchFamily="49" charset="0"/>
+                <a:cs typeface="Courier New" panose="02070309020205020404" pitchFamily="49" charset="0"/>
+              </a:rPr>
+              <a:t>    every $assert in $assertions satisfies (</a:t>
+            </a:r>
+          </a:p>
+          <a:p>
+            <a:pPr marL="0" indent="0">
+              <a:buNone/>
+            </a:pPr>
+            <a:r>
+              <a:rPr lang="en-GB" sz="1800" dirty="0">
+                <a:latin typeface="Courier New" panose="02070309020205020404" pitchFamily="49" charset="0"/>
+                <a:cs typeface="Courier New" panose="02070309020205020404" pitchFamily="49" charset="0"/>
+              </a:rPr>
+              <a:t>      let $test := $assert/@test</a:t>
+            </a:r>
+          </a:p>
+          <a:p>
+            <a:pPr marL="0" indent="0">
+              <a:buNone/>
+            </a:pPr>
+            <a:r>
+              <a:rPr lang="en-GB" sz="1800" dirty="0">
+                <a:latin typeface="Courier New" panose="02070309020205020404" pitchFamily="49" charset="0"/>
+                <a:cs typeface="Courier New" panose="02070309020205020404" pitchFamily="49" charset="0"/>
+              </a:rPr>
+              <a:t>      return (</a:t>
+            </a:r>
+          </a:p>
+          <a:p>
+            <a:pPr marL="0" indent="0">
+              <a:buNone/>
+            </a:pPr>
+            <a:r>
+              <a:rPr lang="en-GB" sz="1800" dirty="0">
+                <a:latin typeface="Courier New" panose="02070309020205020404" pitchFamily="49" charset="0"/>
+                <a:cs typeface="Courier New" panose="02070309020205020404" pitchFamily="49" charset="0"/>
+              </a:rPr>
+              <a:t>        if (exists($assert/@role) and $assert/@role = 'warning') then</a:t>
+            </a:r>
+          </a:p>
+          <a:p>
+            <a:pPr marL="0" indent="0">
+              <a:buNone/>
+            </a:pPr>
+            <a:r>
+              <a:rPr lang="en-GB" sz="1800" dirty="0">
+                <a:latin typeface="Courier New" panose="02070309020205020404" pitchFamily="49" charset="0"/>
+                <a:cs typeface="Courier New" panose="02070309020205020404" pitchFamily="49" charset="0"/>
+              </a:rPr>
+              <a:t>          count($xml[not($test)]) </a:t>
+            </a:r>
+            <a:r>
+              <a:rPr lang="en-GB" sz="1800" dirty="0" err="1">
+                <a:latin typeface="Courier New" panose="02070309020205020404" pitchFamily="49" charset="0"/>
+                <a:cs typeface="Courier New" panose="02070309020205020404" pitchFamily="49" charset="0"/>
+              </a:rPr>
+              <a:t>eq</a:t>
+            </a:r>
+            <a:r>
+              <a:rPr lang="en-GB" sz="1800" dirty="0">
+                <a:latin typeface="Courier New" panose="02070309020205020404" pitchFamily="49" charset="0"/>
+                <a:cs typeface="Courier New" panose="02070309020205020404" pitchFamily="49" charset="0"/>
+              </a:rPr>
+              <a:t> 0</a:t>
+            </a:r>
+          </a:p>
+          <a:p>
+            <a:pPr marL="0" indent="0">
+              <a:buNone/>
+            </a:pPr>
+            <a:r>
+              <a:rPr lang="en-GB" sz="1800" dirty="0">
+                <a:latin typeface="Courier New" panose="02070309020205020404" pitchFamily="49" charset="0"/>
+                <a:cs typeface="Courier New" panose="02070309020205020404" pitchFamily="49" charset="0"/>
+              </a:rPr>
+              <a:t>        else</a:t>
+            </a:r>
+          </a:p>
+          <a:p>
+            <a:pPr marL="0" indent="0">
+              <a:buNone/>
+            </a:pPr>
+            <a:r>
+              <a:rPr lang="en-GB" sz="1800" dirty="0">
+                <a:latin typeface="Courier New" panose="02070309020205020404" pitchFamily="49" charset="0"/>
+                <a:cs typeface="Courier New" panose="02070309020205020404" pitchFamily="49" charset="0"/>
+              </a:rPr>
+              <a:t>          exists($xml[$test])</a:t>
+            </a:r>
+          </a:p>
+          <a:p>
+            <a:pPr marL="0" indent="0">
+              <a:buNone/>
+            </a:pPr>
+            <a:r>
+              <a:rPr lang="en-GB" sz="1800" dirty="0">
+                <a:latin typeface="Courier New" panose="02070309020205020404" pitchFamily="49" charset="0"/>
+                <a:cs typeface="Courier New" panose="02070309020205020404" pitchFamily="49" charset="0"/>
+              </a:rPr>
+              <a:t>      )</a:t>
+            </a:r>
+          </a:p>
+          <a:p>
+            <a:pPr marL="0" indent="0">
+              <a:buNone/>
+            </a:pPr>
+            <a:r>
+              <a:rPr lang="en-GB" sz="1800" dirty="0">
+                <a:latin typeface="Courier New" panose="02070309020205020404" pitchFamily="49" charset="0"/>
+                <a:cs typeface="Courier New" panose="02070309020205020404" pitchFamily="49" charset="0"/>
+              </a:rPr>
+              <a:t>    )</a:t>
+            </a:r>
+          </a:p>
+          <a:p>
+            <a:pPr marL="0" indent="0">
+              <a:buNone/>
+            </a:pPr>
+            <a:endParaRPr lang="en-GB" sz="1800" dirty="0">
+              <a:latin typeface="Courier New" panose="02070309020205020404" pitchFamily="49" charset="0"/>
+              <a:cs typeface="Courier New" panose="02070309020205020404" pitchFamily="49" charset="0"/>
+            </a:endParaRPr>
           </a:p>
         </p:txBody>
       </p:sp>
     </p:spTree>
     <p:extLst>
       <p:ext uri="{BB962C8B-B14F-4D97-AF65-F5344CB8AC3E}">
-        <p14:creationId xmlns:p14="http://schemas.microsoft.com/office/powerpoint/2010/main" val="303467115"/>
+        <p14:creationId xmlns:p14="http://schemas.microsoft.com/office/powerpoint/2010/main" val="2640866411"/>
       </p:ext>
     </p:extLst>
   </p:cSld>
@@ -8554,7 +8602,7 @@
           <p:cNvPr id="2" name="Title 1">
             <a:extLst>
               <a:ext uri="{FF2B5EF4-FFF2-40B4-BE49-F238E27FC236}">
-                <a16:creationId xmlns:a16="http://schemas.microsoft.com/office/drawing/2014/main" id="{F7884621-ED6F-4B94-AD2D-192517995F65}"/>
+                <a16:creationId xmlns:a16="http://schemas.microsoft.com/office/drawing/2014/main" id="{A983E35C-8894-4776-86DF-EAACF757D02F}"/>
               </a:ext>
             </a:extLst>
           </p:cNvPr>
@@ -8572,50 +8620,344 @@
           <a:p>
             <a:r>
               <a:rPr lang="en-GB" dirty="0"/>
-              <a:t>Typical processing</a:t>
-            </a:r>
-          </a:p>
-        </p:txBody>
-      </p:sp>
-      <p:pic>
-        <p:nvPicPr>
-          <p:cNvPr id="5" name="Content Placeholder 4">
+              <a:t>“Now include an SVRL report"</a:t>
+            </a:r>
+          </a:p>
+        </p:txBody>
+      </p:sp>
+      <p:sp>
+        <p:nvSpPr>
+          <p:cNvPr id="3" name="Content Placeholder 2">
             <a:extLst>
               <a:ext uri="{FF2B5EF4-FFF2-40B4-BE49-F238E27FC236}">
-                <a16:creationId xmlns:a16="http://schemas.microsoft.com/office/drawing/2014/main" id="{60AF93C2-4CD3-43B6-837B-A61B2C8C404D}"/>
+                <a16:creationId xmlns:a16="http://schemas.microsoft.com/office/drawing/2014/main" id="{8F3B8AF2-EBAB-4825-840C-058B9D734782}"/>
               </a:ext>
             </a:extLst>
           </p:cNvPr>
-          <p:cNvPicPr>
-            <a:picLocks noGrp="1" noChangeAspect="1"/>
-          </p:cNvPicPr>
+          <p:cNvSpPr>
+            <a:spLocks noGrp="1"/>
+          </p:cNvSpPr>
           <p:nvPr>
             <p:ph idx="1"/>
           </p:nvPr>
-        </p:nvPicPr>
-        <p:blipFill>
-          <a:blip r:embed="rId3">
-            <a:extLst>
-              <a:ext uri="{28A0092B-C50C-407E-A947-70E740481C1C}">
-                <a14:useLocalDpi xmlns:a14="http://schemas.microsoft.com/office/drawing/2010/main" val="0"/>
-              </a:ext>
-            </a:extLst>
-          </a:blip>
-          <a:stretch>
-            <a:fillRect/>
-          </a:stretch>
-        </p:blipFill>
-        <p:spPr>
-          <a:xfrm>
-            <a:off x="2990850" y="2205831"/>
-            <a:ext cx="6210300" cy="3590925"/>
-          </a:xfrm>
-        </p:spPr>
-      </p:pic>
+        </p:nvSpPr>
+        <p:spPr/>
+        <p:txBody>
+          <a:bodyPr>
+            <a:normAutofit fontScale="92500" lnSpcReduction="10000"/>
+          </a:bodyPr>
+          <a:lstStyle/>
+          <a:p>
+            <a:pPr marL="0" indent="0">
+              <a:buNone/>
+            </a:pPr>
+            <a:r>
+              <a:rPr lang="en-GB" sz="1800" dirty="0">
+                <a:latin typeface="Courier New" panose="02070309020205020404" pitchFamily="49" charset="0"/>
+                <a:cs typeface="Courier New" panose="02070309020205020404" pitchFamily="49" charset="0"/>
+              </a:rPr>
+              <a:t>for $assert in $assertions return</a:t>
+            </a:r>
+          </a:p>
+          <a:p>
+            <a:pPr marL="0" indent="0">
+              <a:buNone/>
+            </a:pPr>
+            <a:r>
+              <a:rPr lang="en-GB" sz="1800" dirty="0">
+                <a:latin typeface="Courier New" panose="02070309020205020404" pitchFamily="49" charset="0"/>
+                <a:cs typeface="Courier New" panose="02070309020205020404" pitchFamily="49" charset="0"/>
+              </a:rPr>
+              <a:t>        if (exists($assert/@role) and $assert/@role = 'warning') then</a:t>
+            </a:r>
+          </a:p>
+          <a:p>
+            <a:pPr marL="0" indent="0">
+              <a:buNone/>
+            </a:pPr>
+            <a:r>
+              <a:rPr lang="en-GB" sz="1800" dirty="0">
+                <a:latin typeface="Courier New" panose="02070309020205020404" pitchFamily="49" charset="0"/>
+                <a:cs typeface="Courier New" panose="02070309020205020404" pitchFamily="49" charset="0"/>
+              </a:rPr>
+              <a:t>          if (count($xml[not($assert/@test)]) </a:t>
+            </a:r>
+            <a:r>
+              <a:rPr lang="en-GB" sz="1800" dirty="0" err="1">
+                <a:latin typeface="Courier New" panose="02070309020205020404" pitchFamily="49" charset="0"/>
+                <a:cs typeface="Courier New" panose="02070309020205020404" pitchFamily="49" charset="0"/>
+              </a:rPr>
+              <a:t>eq</a:t>
+            </a:r>
+            <a:r>
+              <a:rPr lang="en-GB" sz="1800" dirty="0">
+                <a:latin typeface="Courier New" panose="02070309020205020404" pitchFamily="49" charset="0"/>
+                <a:cs typeface="Courier New" panose="02070309020205020404" pitchFamily="49" charset="0"/>
+              </a:rPr>
+              <a:t> 0) then ()</a:t>
+            </a:r>
+          </a:p>
+          <a:p>
+            <a:pPr marL="0" indent="0">
+              <a:buNone/>
+            </a:pPr>
+            <a:r>
+              <a:rPr lang="en-GB" sz="1800" dirty="0">
+                <a:latin typeface="Courier New" panose="02070309020205020404" pitchFamily="49" charset="0"/>
+                <a:cs typeface="Courier New" panose="02070309020205020404" pitchFamily="49" charset="0"/>
+              </a:rPr>
+              <a:t>          else</a:t>
+            </a:r>
+          </a:p>
+          <a:p>
+            <a:pPr marL="0" indent="0">
+              <a:buNone/>
+            </a:pPr>
+            <a:r>
+              <a:rPr lang="en-GB" sz="1800" dirty="0">
+                <a:latin typeface="Courier New" panose="02070309020205020404" pitchFamily="49" charset="0"/>
+                <a:cs typeface="Courier New" panose="02070309020205020404" pitchFamily="49" charset="0"/>
+              </a:rPr>
+              <a:t>            </a:t>
+            </a:r>
+            <a:r>
+              <a:rPr lang="en-GB" sz="1800" b="1" dirty="0">
+                <a:latin typeface="Courier New" panose="02070309020205020404" pitchFamily="49" charset="0"/>
+                <a:cs typeface="Courier New" panose="02070309020205020404" pitchFamily="49" charset="0"/>
+              </a:rPr>
+              <a:t>&lt;</a:t>
+            </a:r>
+            <a:r>
+              <a:rPr lang="en-GB" sz="1800" b="1" dirty="0" err="1">
+                <a:latin typeface="Courier New" panose="02070309020205020404" pitchFamily="49" charset="0"/>
+                <a:cs typeface="Courier New" panose="02070309020205020404" pitchFamily="49" charset="0"/>
+              </a:rPr>
+              <a:t>svrl:failed-assert</a:t>
+            </a:r>
+            <a:r>
+              <a:rPr lang="en-GB" sz="1800" b="1" dirty="0">
+                <a:latin typeface="Courier New" panose="02070309020205020404" pitchFamily="49" charset="0"/>
+                <a:cs typeface="Courier New" panose="02070309020205020404" pitchFamily="49" charset="0"/>
+              </a:rPr>
+              <a:t> test="{$assert/@test}" role="warning"&gt;</a:t>
+            </a:r>
+          </a:p>
+          <a:p>
+            <a:pPr marL="0" indent="0">
+              <a:buNone/>
+            </a:pPr>
+            <a:r>
+              <a:rPr lang="en-GB" sz="1800" b="1" dirty="0">
+                <a:latin typeface="Courier New" panose="02070309020205020404" pitchFamily="49" charset="0"/>
+                <a:cs typeface="Courier New" panose="02070309020205020404" pitchFamily="49" charset="0"/>
+              </a:rPr>
+              <a:t>              &lt;</a:t>
+            </a:r>
+            <a:r>
+              <a:rPr lang="en-GB" sz="1800" b="1" dirty="0" err="1">
+                <a:latin typeface="Courier New" panose="02070309020205020404" pitchFamily="49" charset="0"/>
+                <a:cs typeface="Courier New" panose="02070309020205020404" pitchFamily="49" charset="0"/>
+              </a:rPr>
+              <a:t>svrl:text</a:t>
+            </a:r>
+            <a:r>
+              <a:rPr lang="en-GB" sz="1800" b="1" dirty="0">
+                <a:latin typeface="Courier New" panose="02070309020205020404" pitchFamily="49" charset="0"/>
+                <a:cs typeface="Courier New" panose="02070309020205020404" pitchFamily="49" charset="0"/>
+              </a:rPr>
+              <a:t>&gt;{data($assert)}&lt;/</a:t>
+            </a:r>
+            <a:r>
+              <a:rPr lang="en-GB" sz="1800" b="1" dirty="0" err="1">
+                <a:latin typeface="Courier New" panose="02070309020205020404" pitchFamily="49" charset="0"/>
+                <a:cs typeface="Courier New" panose="02070309020205020404" pitchFamily="49" charset="0"/>
+              </a:rPr>
+              <a:t>svrl:text</a:t>
+            </a:r>
+            <a:r>
+              <a:rPr lang="en-GB" sz="1800" b="1" dirty="0">
+                <a:latin typeface="Courier New" panose="02070309020205020404" pitchFamily="49" charset="0"/>
+                <a:cs typeface="Courier New" panose="02070309020205020404" pitchFamily="49" charset="0"/>
+              </a:rPr>
+              <a:t>&gt;</a:t>
+            </a:r>
+          </a:p>
+          <a:p>
+            <a:pPr marL="0" indent="0">
+              <a:buNone/>
+            </a:pPr>
+            <a:r>
+              <a:rPr lang="en-GB" sz="1800" b="1" dirty="0">
+                <a:latin typeface="Courier New" panose="02070309020205020404" pitchFamily="49" charset="0"/>
+                <a:cs typeface="Courier New" panose="02070309020205020404" pitchFamily="49" charset="0"/>
+              </a:rPr>
+              <a:t>            &lt;/</a:t>
+            </a:r>
+            <a:r>
+              <a:rPr lang="en-GB" sz="1800" b="1" dirty="0" err="1">
+                <a:latin typeface="Courier New" panose="02070309020205020404" pitchFamily="49" charset="0"/>
+                <a:cs typeface="Courier New" panose="02070309020205020404" pitchFamily="49" charset="0"/>
+              </a:rPr>
+              <a:t>svrl:failed-assert</a:t>
+            </a:r>
+            <a:r>
+              <a:rPr lang="en-GB" sz="1800" b="1" dirty="0">
+                <a:latin typeface="Courier New" panose="02070309020205020404" pitchFamily="49" charset="0"/>
+                <a:cs typeface="Courier New" panose="02070309020205020404" pitchFamily="49" charset="0"/>
+              </a:rPr>
+              <a:t>&gt;</a:t>
+            </a:r>
+          </a:p>
+          <a:p>
+            <a:pPr marL="0" indent="0">
+              <a:buNone/>
+            </a:pPr>
+            <a:r>
+              <a:rPr lang="en-GB" sz="1800" dirty="0">
+                <a:latin typeface="Courier New" panose="02070309020205020404" pitchFamily="49" charset="0"/>
+                <a:cs typeface="Courier New" panose="02070309020205020404" pitchFamily="49" charset="0"/>
+              </a:rPr>
+              <a:t>        else</a:t>
+            </a:r>
+          </a:p>
+          <a:p>
+            <a:pPr marL="0" indent="0">
+              <a:buNone/>
+            </a:pPr>
+            <a:r>
+              <a:rPr lang="en-GB" sz="1800" dirty="0">
+                <a:latin typeface="Courier New" panose="02070309020205020404" pitchFamily="49" charset="0"/>
+                <a:cs typeface="Courier New" panose="02070309020205020404" pitchFamily="49" charset="0"/>
+              </a:rPr>
+              <a:t>          if (exists($xml[$assert/@test])) then ()</a:t>
+            </a:r>
+          </a:p>
+          <a:p>
+            <a:pPr marL="0" indent="0">
+              <a:buNone/>
+            </a:pPr>
+            <a:r>
+              <a:rPr lang="en-GB" sz="1800" dirty="0">
+                <a:latin typeface="Courier New" panose="02070309020205020404" pitchFamily="49" charset="0"/>
+                <a:cs typeface="Courier New" panose="02070309020205020404" pitchFamily="49" charset="0"/>
+              </a:rPr>
+              <a:t>          else</a:t>
+            </a:r>
+          </a:p>
+          <a:p>
+            <a:pPr marL="0" indent="0">
+              <a:buNone/>
+            </a:pPr>
+            <a:r>
+              <a:rPr lang="en-GB" sz="1800" dirty="0">
+                <a:latin typeface="Courier New" panose="02070309020205020404" pitchFamily="49" charset="0"/>
+                <a:cs typeface="Courier New" panose="02070309020205020404" pitchFamily="49" charset="0"/>
+              </a:rPr>
+              <a:t>            </a:t>
+            </a:r>
+            <a:r>
+              <a:rPr lang="en-GB" sz="1800" b="1" dirty="0">
+                <a:latin typeface="Courier New" panose="02070309020205020404" pitchFamily="49" charset="0"/>
+                <a:cs typeface="Courier New" panose="02070309020205020404" pitchFamily="49" charset="0"/>
+              </a:rPr>
+              <a:t>&lt;</a:t>
+            </a:r>
+            <a:r>
+              <a:rPr lang="en-GB" sz="1800" b="1" dirty="0" err="1">
+                <a:latin typeface="Courier New" panose="02070309020205020404" pitchFamily="49" charset="0"/>
+                <a:cs typeface="Courier New" panose="02070309020205020404" pitchFamily="49" charset="0"/>
+              </a:rPr>
+              <a:t>svrl:failed-assert</a:t>
+            </a:r>
+            <a:r>
+              <a:rPr lang="en-GB" sz="1800" b="1" dirty="0">
+                <a:latin typeface="Courier New" panose="02070309020205020404" pitchFamily="49" charset="0"/>
+                <a:cs typeface="Courier New" panose="02070309020205020404" pitchFamily="49" charset="0"/>
+              </a:rPr>
+              <a:t> test="{$assert/@test}"&gt;</a:t>
+            </a:r>
+          </a:p>
+          <a:p>
+            <a:pPr marL="0" indent="0">
+              <a:buNone/>
+            </a:pPr>
+            <a:r>
+              <a:rPr lang="en-GB" sz="1800" b="1" dirty="0">
+                <a:latin typeface="Courier New" panose="02070309020205020404" pitchFamily="49" charset="0"/>
+                <a:cs typeface="Courier New" panose="02070309020205020404" pitchFamily="49" charset="0"/>
+              </a:rPr>
+              <a:t>              &lt;</a:t>
+            </a:r>
+            <a:r>
+              <a:rPr lang="en-GB" sz="1800" b="1" dirty="0" err="1">
+                <a:latin typeface="Courier New" panose="02070309020205020404" pitchFamily="49" charset="0"/>
+                <a:cs typeface="Courier New" panose="02070309020205020404" pitchFamily="49" charset="0"/>
+              </a:rPr>
+              <a:t>svrl:text</a:t>
+            </a:r>
+            <a:r>
+              <a:rPr lang="en-GB" sz="1800" b="1" dirty="0">
+                <a:latin typeface="Courier New" panose="02070309020205020404" pitchFamily="49" charset="0"/>
+                <a:cs typeface="Courier New" panose="02070309020205020404" pitchFamily="49" charset="0"/>
+              </a:rPr>
+              <a:t>&gt;{data($assert)}&lt;/</a:t>
+            </a:r>
+            <a:r>
+              <a:rPr lang="en-GB" sz="1800" b="1" dirty="0" err="1">
+                <a:latin typeface="Courier New" panose="02070309020205020404" pitchFamily="49" charset="0"/>
+                <a:cs typeface="Courier New" panose="02070309020205020404" pitchFamily="49" charset="0"/>
+              </a:rPr>
+              <a:t>svrl:text</a:t>
+            </a:r>
+            <a:r>
+              <a:rPr lang="en-GB" sz="1800" b="1" dirty="0">
+                <a:latin typeface="Courier New" panose="02070309020205020404" pitchFamily="49" charset="0"/>
+                <a:cs typeface="Courier New" panose="02070309020205020404" pitchFamily="49" charset="0"/>
+              </a:rPr>
+              <a:t>&gt;</a:t>
+            </a:r>
+          </a:p>
+          <a:p>
+            <a:pPr marL="0" indent="0">
+              <a:buNone/>
+            </a:pPr>
+            <a:r>
+              <a:rPr lang="en-GB" sz="1800" b="1" dirty="0">
+                <a:latin typeface="Courier New" panose="02070309020205020404" pitchFamily="49" charset="0"/>
+                <a:cs typeface="Courier New" panose="02070309020205020404" pitchFamily="49" charset="0"/>
+              </a:rPr>
+              <a:t>            &lt;/</a:t>
+            </a:r>
+            <a:r>
+              <a:rPr lang="en-GB" sz="1800" b="1" dirty="0" err="1">
+                <a:latin typeface="Courier New" panose="02070309020205020404" pitchFamily="49" charset="0"/>
+                <a:cs typeface="Courier New" panose="02070309020205020404" pitchFamily="49" charset="0"/>
+              </a:rPr>
+              <a:t>svrl:failed-assert</a:t>
+            </a:r>
+            <a:r>
+              <a:rPr lang="en-GB" sz="1800" b="1" dirty="0">
+                <a:latin typeface="Courier New" panose="02070309020205020404" pitchFamily="49" charset="0"/>
+                <a:cs typeface="Courier New" panose="02070309020205020404" pitchFamily="49" charset="0"/>
+              </a:rPr>
+              <a:t>&gt;</a:t>
+            </a:r>
+          </a:p>
+          <a:p>
+            <a:pPr marL="0" indent="0">
+              <a:buNone/>
+            </a:pPr>
+            <a:endParaRPr lang="en-GB" sz="1800" dirty="0">
+              <a:latin typeface="Courier New" panose="02070309020205020404" pitchFamily="49" charset="0"/>
+              <a:cs typeface="Courier New" panose="02070309020205020404" pitchFamily="49" charset="0"/>
+            </a:endParaRPr>
+          </a:p>
+        </p:txBody>
+      </p:sp>
     </p:spTree>
     <p:extLst>
       <p:ext uri="{BB962C8B-B14F-4D97-AF65-F5344CB8AC3E}">
-        <p14:creationId xmlns:p14="http://schemas.microsoft.com/office/powerpoint/2010/main" val="3977667911"/>
+        <p14:creationId xmlns:p14="http://schemas.microsoft.com/office/powerpoint/2010/main" val="1306449728"/>
       </p:ext>
     </p:extLst>
   </p:cSld>
@@ -8626,6 +8968,304 @@
 </file>
 
 <file path=ppt/slides/slide16.xml><?xml version="1.0" encoding="utf-8"?>
+<p:sld xmlns:a="http://schemas.openxmlformats.org/drawingml/2006/main" xmlns:r="http://schemas.openxmlformats.org/officeDocument/2006/relationships" xmlns:p="http://schemas.openxmlformats.org/presentationml/2006/main">
+  <p:cSld>
+    <p:spTree>
+      <p:nvGrpSpPr>
+        <p:cNvPr id="1" name=""/>
+        <p:cNvGrpSpPr/>
+        <p:nvPr/>
+      </p:nvGrpSpPr>
+      <p:grpSpPr>
+        <a:xfrm>
+          <a:off x="0" y="0"/>
+          <a:ext cx="0" cy="0"/>
+          <a:chOff x="0" y="0"/>
+          <a:chExt cx="0" cy="0"/>
+        </a:xfrm>
+      </p:grpSpPr>
+      <p:sp>
+        <p:nvSpPr>
+          <p:cNvPr id="2" name="Title 1">
+            <a:extLst>
+              <a:ext uri="{FF2B5EF4-FFF2-40B4-BE49-F238E27FC236}">
+                <a16:creationId xmlns:a16="http://schemas.microsoft.com/office/drawing/2014/main" id="{6C57D578-CC16-4CA5-A771-965CFCC68AAA}"/>
+              </a:ext>
+            </a:extLst>
+          </p:cNvPr>
+          <p:cNvSpPr>
+            <a:spLocks noGrp="1"/>
+          </p:cNvSpPr>
+          <p:nvPr>
+            <p:ph type="title"/>
+          </p:nvPr>
+        </p:nvSpPr>
+        <p:spPr/>
+        <p:txBody>
+          <a:bodyPr/>
+          <a:lstStyle/>
+          <a:p>
+            <a:r>
+              <a:rPr lang="en-GB" dirty="0"/>
+              <a:t>Did asking </a:t>
+            </a:r>
+            <a:r>
+              <a:rPr lang="en-GB" dirty="0" err="1"/>
+              <a:t>ChatGPT</a:t>
+            </a:r>
+            <a:r>
+              <a:rPr lang="en-GB" dirty="0"/>
+              <a:t> help?</a:t>
+            </a:r>
+          </a:p>
+        </p:txBody>
+      </p:sp>
+      <p:sp>
+        <p:nvSpPr>
+          <p:cNvPr id="3" name="Content Placeholder 2">
+            <a:extLst>
+              <a:ext uri="{FF2B5EF4-FFF2-40B4-BE49-F238E27FC236}">
+                <a16:creationId xmlns:a16="http://schemas.microsoft.com/office/drawing/2014/main" id="{7F0F360A-24D7-4E74-B904-FE874F7F6273}"/>
+              </a:ext>
+            </a:extLst>
+          </p:cNvPr>
+          <p:cNvSpPr>
+            <a:spLocks noGrp="1"/>
+          </p:cNvSpPr>
+          <p:nvPr>
+            <p:ph idx="1"/>
+          </p:nvPr>
+        </p:nvSpPr>
+        <p:spPr/>
+        <p:txBody>
+          <a:bodyPr/>
+          <a:lstStyle/>
+          <a:p>
+            <a:r>
+              <a:rPr lang="en-GB" dirty="0"/>
+              <a:t>ISO</a:t>
+            </a:r>
+          </a:p>
+          <a:p>
+            <a:r>
+              <a:rPr lang="en-GB" dirty="0"/>
+              <a:t>Native XQuery</a:t>
+            </a:r>
+          </a:p>
+          <a:p>
+            <a:r>
+              <a:rPr lang="en-GB" dirty="0"/>
+              <a:t>SVRL</a:t>
+            </a:r>
+          </a:p>
+        </p:txBody>
+      </p:sp>
+    </p:spTree>
+    <p:extLst>
+      <p:ext uri="{BB962C8B-B14F-4D97-AF65-F5344CB8AC3E}">
+        <p14:creationId xmlns:p14="http://schemas.microsoft.com/office/powerpoint/2010/main" val="303467115"/>
+      </p:ext>
+    </p:extLst>
+  </p:cSld>
+  <p:clrMapOvr>
+    <a:masterClrMapping/>
+  </p:clrMapOvr>
+</p:sld>
+</file>
+
+<file path=ppt/slides/slide17.xml><?xml version="1.0" encoding="utf-8"?>
+<p:sld xmlns:a="http://schemas.openxmlformats.org/drawingml/2006/main" xmlns:r="http://schemas.openxmlformats.org/officeDocument/2006/relationships" xmlns:p="http://schemas.openxmlformats.org/presentationml/2006/main">
+  <p:cSld>
+    <p:spTree>
+      <p:nvGrpSpPr>
+        <p:cNvPr id="1" name=""/>
+        <p:cNvGrpSpPr/>
+        <p:nvPr/>
+      </p:nvGrpSpPr>
+      <p:grpSpPr>
+        <a:xfrm>
+          <a:off x="0" y="0"/>
+          <a:ext cx="0" cy="0"/>
+          <a:chOff x="0" y="0"/>
+          <a:chExt cx="0" cy="0"/>
+        </a:xfrm>
+      </p:grpSpPr>
+      <p:sp>
+        <p:nvSpPr>
+          <p:cNvPr id="2" name="Title 1">
+            <a:extLst>
+              <a:ext uri="{FF2B5EF4-FFF2-40B4-BE49-F238E27FC236}">
+                <a16:creationId xmlns:a16="http://schemas.microsoft.com/office/drawing/2014/main" id="{C75BCAAA-214C-4B53-827D-64ADD7DC8161}"/>
+              </a:ext>
+            </a:extLst>
+          </p:cNvPr>
+          <p:cNvSpPr>
+            <a:spLocks noGrp="1"/>
+          </p:cNvSpPr>
+          <p:nvPr>
+            <p:ph type="title"/>
+          </p:nvPr>
+        </p:nvSpPr>
+        <p:spPr/>
+        <p:txBody>
+          <a:bodyPr/>
+          <a:lstStyle/>
+          <a:p>
+            <a:r>
+              <a:rPr lang="en-GB" dirty="0"/>
+              <a:t>Design decisions</a:t>
+            </a:r>
+          </a:p>
+        </p:txBody>
+      </p:sp>
+      <p:sp>
+        <p:nvSpPr>
+          <p:cNvPr id="3" name="Content Placeholder 2">
+            <a:extLst>
+              <a:ext uri="{FF2B5EF4-FFF2-40B4-BE49-F238E27FC236}">
+                <a16:creationId xmlns:a16="http://schemas.microsoft.com/office/drawing/2014/main" id="{C404F084-E5C1-432A-AF1C-51225A382578}"/>
+              </a:ext>
+            </a:extLst>
+          </p:cNvPr>
+          <p:cNvSpPr>
+            <a:spLocks noGrp="1"/>
+          </p:cNvSpPr>
+          <p:nvPr>
+            <p:ph idx="1"/>
+          </p:nvPr>
+        </p:nvSpPr>
+        <p:spPr/>
+        <p:txBody>
+          <a:bodyPr/>
+          <a:lstStyle/>
+          <a:p>
+            <a:r>
+              <a:rPr lang="en-GB" dirty="0"/>
+              <a:t>Schema expects </a:t>
+            </a:r>
+            <a:r>
+              <a:rPr lang="en-GB" b="1" dirty="0"/>
+              <a:t>single </a:t>
+            </a:r>
+            <a:r>
+              <a:rPr lang="en-GB" dirty="0"/>
+              <a:t>document</a:t>
+            </a:r>
+          </a:p>
+          <a:p>
+            <a:r>
+              <a:rPr lang="en-GB" dirty="0"/>
+              <a:t>Rule context must be a node(s)</a:t>
+            </a:r>
+          </a:p>
+          <a:p>
+            <a:pPr lvl="1"/>
+            <a:r>
+              <a:rPr lang="en-GB" dirty="0"/>
+              <a:t>Evaluated against </a:t>
+            </a:r>
+            <a:r>
+              <a:rPr lang="en-GB" b="1" dirty="0"/>
+              <a:t>document root</a:t>
+            </a:r>
+          </a:p>
+          <a:p>
+            <a:pPr marL="0" indent="0">
+              <a:buNone/>
+            </a:pPr>
+            <a:r>
+              <a:rPr lang="en-GB" dirty="0"/>
+              <a:t>	XSLT: 	</a:t>
+            </a:r>
+            <a:r>
+              <a:rPr lang="en-GB" dirty="0">
+                <a:latin typeface="Courier New" panose="02070309020205020404" pitchFamily="49" charset="0"/>
+                <a:cs typeface="Courier New" panose="02070309020205020404" pitchFamily="49" charset="0"/>
+              </a:rPr>
+              <a:t>&lt;</a:t>
+            </a:r>
+            <a:r>
+              <a:rPr lang="en-GB" dirty="0" err="1">
+                <a:latin typeface="Courier New" panose="02070309020205020404" pitchFamily="49" charset="0"/>
+                <a:cs typeface="Courier New" panose="02070309020205020404" pitchFamily="49" charset="0"/>
+              </a:rPr>
+              <a:t>sch:rule</a:t>
+            </a:r>
+            <a:r>
+              <a:rPr lang="en-GB" dirty="0">
+                <a:latin typeface="Courier New" panose="02070309020205020404" pitchFamily="49" charset="0"/>
+                <a:cs typeface="Courier New" panose="02070309020205020404" pitchFamily="49" charset="0"/>
+              </a:rPr>
+              <a:t> context="*"&gt;</a:t>
+            </a:r>
+          </a:p>
+          <a:p>
+            <a:pPr marL="0" indent="0">
+              <a:buNone/>
+            </a:pPr>
+            <a:r>
+              <a:rPr lang="en-GB" dirty="0">
+                <a:latin typeface="Courier New" panose="02070309020205020404" pitchFamily="49" charset="0"/>
+                <a:cs typeface="Courier New" panose="02070309020205020404" pitchFamily="49" charset="0"/>
+              </a:rPr>
+              <a:t>	</a:t>
+            </a:r>
+            <a:r>
+              <a:rPr lang="en-GB" dirty="0"/>
+              <a:t>XQS: 	</a:t>
+            </a:r>
+            <a:r>
+              <a:rPr lang="en-GB" dirty="0">
+                <a:latin typeface="Courier New" panose="02070309020205020404" pitchFamily="49" charset="0"/>
+                <a:cs typeface="Courier New" panose="02070309020205020404" pitchFamily="49" charset="0"/>
+              </a:rPr>
+              <a:t>&lt;</a:t>
+            </a:r>
+            <a:r>
+              <a:rPr lang="en-GB" dirty="0" err="1">
+                <a:latin typeface="Courier New" panose="02070309020205020404" pitchFamily="49" charset="0"/>
+                <a:cs typeface="Courier New" panose="02070309020205020404" pitchFamily="49" charset="0"/>
+              </a:rPr>
+              <a:t>sch:rule</a:t>
+            </a:r>
+            <a:r>
+              <a:rPr lang="en-GB" dirty="0">
+                <a:latin typeface="Courier New" panose="02070309020205020404" pitchFamily="49" charset="0"/>
+                <a:cs typeface="Courier New" panose="02070309020205020404" pitchFamily="49" charset="0"/>
+              </a:rPr>
+              <a:t> context="</a:t>
+            </a:r>
+            <a:r>
+              <a:rPr lang="en-GB" b="1" dirty="0">
+                <a:latin typeface="Courier New" panose="02070309020205020404" pitchFamily="49" charset="0"/>
+                <a:cs typeface="Courier New" panose="02070309020205020404" pitchFamily="49" charset="0"/>
+              </a:rPr>
+              <a:t>//*"</a:t>
+            </a:r>
+            <a:r>
+              <a:rPr lang="en-GB" dirty="0">
+                <a:latin typeface="Courier New" panose="02070309020205020404" pitchFamily="49" charset="0"/>
+                <a:cs typeface="Courier New" panose="02070309020205020404" pitchFamily="49" charset="0"/>
+              </a:rPr>
+              <a:t>&gt;</a:t>
+            </a:r>
+          </a:p>
+        </p:txBody>
+      </p:sp>
+    </p:spTree>
+    <p:extLst>
+      <p:ext uri="{BB962C8B-B14F-4D97-AF65-F5344CB8AC3E}">
+        <p14:creationId xmlns:p14="http://schemas.microsoft.com/office/powerpoint/2010/main" val="1719482087"/>
+      </p:ext>
+    </p:extLst>
+  </p:cSld>
+  <p:clrMapOvr>
+    <a:masterClrMapping/>
+  </p:clrMapOvr>
+</p:sld>
+</file>
+
+<file path=ppt/slides/slide18.xml><?xml version="1.0" encoding="utf-8"?>
 <p:sld xmlns:a="http://schemas.openxmlformats.org/drawingml/2006/main" xmlns:r="http://schemas.openxmlformats.org/officeDocument/2006/relationships" xmlns:p="http://schemas.openxmlformats.org/presentationml/2006/main">
   <p:cSld>
     <p:spTree>
@@ -8718,291 +9358,6 @@
 </p:sld>
 </file>
 
-<file path=ppt/slides/slide17.xml><?xml version="1.0" encoding="utf-8"?>
-<p:sld xmlns:a="http://schemas.openxmlformats.org/drawingml/2006/main" xmlns:r="http://schemas.openxmlformats.org/officeDocument/2006/relationships" xmlns:p="http://schemas.openxmlformats.org/presentationml/2006/main">
-  <p:cSld>
-    <p:spTree>
-      <p:nvGrpSpPr>
-        <p:cNvPr id="1" name=""/>
-        <p:cNvGrpSpPr/>
-        <p:nvPr/>
-      </p:nvGrpSpPr>
-      <p:grpSpPr>
-        <a:xfrm>
-          <a:off x="0" y="0"/>
-          <a:ext cx="0" cy="0"/>
-          <a:chOff x="0" y="0"/>
-          <a:chExt cx="0" cy="0"/>
-        </a:xfrm>
-      </p:grpSpPr>
-      <p:sp>
-        <p:nvSpPr>
-          <p:cNvPr id="2" name="Title 1">
-            <a:extLst>
-              <a:ext uri="{FF2B5EF4-FFF2-40B4-BE49-F238E27FC236}">
-                <a16:creationId xmlns:a16="http://schemas.microsoft.com/office/drawing/2014/main" id="{2FB356C2-06C4-442A-A402-479E04F3D635}"/>
-              </a:ext>
-            </a:extLst>
-          </p:cNvPr>
-          <p:cNvSpPr>
-            <a:spLocks noGrp="1"/>
-          </p:cNvSpPr>
-          <p:nvPr>
-            <p:ph type="title"/>
-          </p:nvPr>
-        </p:nvSpPr>
-        <p:spPr/>
-        <p:txBody>
-          <a:bodyPr/>
-          <a:lstStyle/>
-          <a:p>
-            <a:r>
-              <a:rPr lang="en-GB" dirty="0"/>
-              <a:t>Schema structure</a:t>
-            </a:r>
-          </a:p>
-        </p:txBody>
-      </p:sp>
-      <p:pic>
-        <p:nvPicPr>
-          <p:cNvPr id="5" name="Content Placeholder 4">
-            <a:extLst>
-              <a:ext uri="{FF2B5EF4-FFF2-40B4-BE49-F238E27FC236}">
-                <a16:creationId xmlns:a16="http://schemas.microsoft.com/office/drawing/2014/main" id="{7BB7C2D9-CCD6-495D-9EB3-54F0A69EEA49}"/>
-              </a:ext>
-            </a:extLst>
-          </p:cNvPr>
-          <p:cNvPicPr>
-            <a:picLocks noGrp="1" noChangeAspect="1"/>
-          </p:cNvPicPr>
-          <p:nvPr>
-            <p:ph idx="1"/>
-          </p:nvPr>
-        </p:nvPicPr>
-        <p:blipFill>
-          <a:blip r:embed="rId3">
-            <a:extLst>
-              <a:ext uri="{28A0092B-C50C-407E-A947-70E740481C1C}">
-                <a14:useLocalDpi xmlns:a14="http://schemas.microsoft.com/office/drawing/2010/main" val="0"/>
-              </a:ext>
-            </a:extLst>
-          </a:blip>
-          <a:stretch>
-            <a:fillRect/>
-          </a:stretch>
-        </p:blipFill>
-        <p:spPr>
-          <a:xfrm>
-            <a:off x="4310062" y="1643062"/>
-            <a:ext cx="3571875" cy="3571875"/>
-          </a:xfrm>
-        </p:spPr>
-      </p:pic>
-    </p:spTree>
-    <p:extLst>
-      <p:ext uri="{BB962C8B-B14F-4D97-AF65-F5344CB8AC3E}">
-        <p14:creationId xmlns:p14="http://schemas.microsoft.com/office/powerpoint/2010/main" val="2745836092"/>
-      </p:ext>
-    </p:extLst>
-  </p:cSld>
-  <p:clrMapOvr>
-    <a:masterClrMapping/>
-  </p:clrMapOvr>
-</p:sld>
-</file>
-
-<file path=ppt/slides/slide18.xml><?xml version="1.0" encoding="utf-8"?>
-<p:sld xmlns:a="http://schemas.openxmlformats.org/drawingml/2006/main" xmlns:r="http://schemas.openxmlformats.org/officeDocument/2006/relationships" xmlns:p="http://schemas.openxmlformats.org/presentationml/2006/main">
-  <p:cSld>
-    <p:spTree>
-      <p:nvGrpSpPr>
-        <p:cNvPr id="1" name=""/>
-        <p:cNvGrpSpPr/>
-        <p:nvPr/>
-      </p:nvGrpSpPr>
-      <p:grpSpPr>
-        <a:xfrm>
-          <a:off x="0" y="0"/>
-          <a:ext cx="0" cy="0"/>
-          <a:chOff x="0" y="0"/>
-          <a:chExt cx="0" cy="0"/>
-        </a:xfrm>
-      </p:grpSpPr>
-      <p:sp>
-        <p:nvSpPr>
-          <p:cNvPr id="2" name="Title 1">
-            <a:extLst>
-              <a:ext uri="{FF2B5EF4-FFF2-40B4-BE49-F238E27FC236}">
-                <a16:creationId xmlns:a16="http://schemas.microsoft.com/office/drawing/2014/main" id="{C75BCAAA-214C-4B53-827D-64ADD7DC8161}"/>
-              </a:ext>
-            </a:extLst>
-          </p:cNvPr>
-          <p:cNvSpPr>
-            <a:spLocks noGrp="1"/>
-          </p:cNvSpPr>
-          <p:nvPr>
-            <p:ph type="title"/>
-          </p:nvPr>
-        </p:nvSpPr>
-        <p:spPr/>
-        <p:txBody>
-          <a:bodyPr/>
-          <a:lstStyle/>
-          <a:p>
-            <a:r>
-              <a:rPr lang="en-GB" dirty="0"/>
-              <a:t>Design decisions</a:t>
-            </a:r>
-          </a:p>
-        </p:txBody>
-      </p:sp>
-      <p:sp>
-        <p:nvSpPr>
-          <p:cNvPr id="3" name="Content Placeholder 2">
-            <a:extLst>
-              <a:ext uri="{FF2B5EF4-FFF2-40B4-BE49-F238E27FC236}">
-                <a16:creationId xmlns:a16="http://schemas.microsoft.com/office/drawing/2014/main" id="{C404F084-E5C1-432A-AF1C-51225A382578}"/>
-              </a:ext>
-            </a:extLst>
-          </p:cNvPr>
-          <p:cNvSpPr>
-            <a:spLocks noGrp="1"/>
-          </p:cNvSpPr>
-          <p:nvPr>
-            <p:ph idx="1"/>
-          </p:nvPr>
-        </p:nvSpPr>
-        <p:spPr/>
-        <p:txBody>
-          <a:bodyPr/>
-          <a:lstStyle/>
-          <a:p>
-            <a:r>
-              <a:rPr lang="en-GB" dirty="0"/>
-              <a:t>Schema expects </a:t>
-            </a:r>
-            <a:r>
-              <a:rPr lang="en-GB" b="1" dirty="0"/>
-              <a:t>single </a:t>
-            </a:r>
-            <a:r>
-              <a:rPr lang="en-GB" dirty="0"/>
-              <a:t>document</a:t>
-            </a:r>
-          </a:p>
-          <a:p>
-            <a:r>
-              <a:rPr lang="en-GB" dirty="0"/>
-              <a:t>Rule context must be a node(s)</a:t>
-            </a:r>
-          </a:p>
-          <a:p>
-            <a:pPr lvl="1"/>
-            <a:r>
-              <a:rPr lang="en-GB" dirty="0"/>
-              <a:t>Evaluated against </a:t>
-            </a:r>
-            <a:r>
-              <a:rPr lang="en-GB" b="1" dirty="0"/>
-              <a:t>document root</a:t>
-            </a:r>
-          </a:p>
-          <a:p>
-            <a:pPr marL="0" indent="0">
-              <a:buNone/>
-            </a:pPr>
-            <a:r>
-              <a:rPr lang="en-GB" dirty="0"/>
-              <a:t>	XSLT: 	</a:t>
-            </a:r>
-            <a:r>
-              <a:rPr lang="en-GB" dirty="0">
-                <a:latin typeface="Courier New" panose="02070309020205020404" pitchFamily="49" charset="0"/>
-                <a:cs typeface="Courier New" panose="02070309020205020404" pitchFamily="49" charset="0"/>
-              </a:rPr>
-              <a:t>&lt;</a:t>
-            </a:r>
-            <a:r>
-              <a:rPr lang="en-GB" dirty="0" err="1">
-                <a:latin typeface="Courier New" panose="02070309020205020404" pitchFamily="49" charset="0"/>
-                <a:cs typeface="Courier New" panose="02070309020205020404" pitchFamily="49" charset="0"/>
-              </a:rPr>
-              <a:t>sch:rule</a:t>
-            </a:r>
-            <a:r>
-              <a:rPr lang="en-GB" dirty="0">
-                <a:latin typeface="Courier New" panose="02070309020205020404" pitchFamily="49" charset="0"/>
-                <a:cs typeface="Courier New" panose="02070309020205020404" pitchFamily="49" charset="0"/>
-              </a:rPr>
-              <a:t> context="*"&gt;</a:t>
-            </a:r>
-          </a:p>
-          <a:p>
-            <a:pPr marL="0" indent="0">
-              <a:buNone/>
-            </a:pPr>
-            <a:r>
-              <a:rPr lang="en-GB" dirty="0">
-                <a:latin typeface="Courier New" panose="02070309020205020404" pitchFamily="49" charset="0"/>
-                <a:cs typeface="Courier New" panose="02070309020205020404" pitchFamily="49" charset="0"/>
-              </a:rPr>
-              <a:t>	</a:t>
-            </a:r>
-            <a:r>
-              <a:rPr lang="en-GB" dirty="0"/>
-              <a:t>XQS: 	</a:t>
-            </a:r>
-            <a:r>
-              <a:rPr lang="en-GB" dirty="0">
-                <a:latin typeface="Courier New" panose="02070309020205020404" pitchFamily="49" charset="0"/>
-                <a:cs typeface="Courier New" panose="02070309020205020404" pitchFamily="49" charset="0"/>
-              </a:rPr>
-              <a:t>&lt;</a:t>
-            </a:r>
-            <a:r>
-              <a:rPr lang="en-GB" dirty="0" err="1">
-                <a:latin typeface="Courier New" panose="02070309020205020404" pitchFamily="49" charset="0"/>
-                <a:cs typeface="Courier New" panose="02070309020205020404" pitchFamily="49" charset="0"/>
-              </a:rPr>
-              <a:t>sch:rule</a:t>
-            </a:r>
-            <a:r>
-              <a:rPr lang="en-GB" dirty="0">
-                <a:latin typeface="Courier New" panose="02070309020205020404" pitchFamily="49" charset="0"/>
-                <a:cs typeface="Courier New" panose="02070309020205020404" pitchFamily="49" charset="0"/>
-              </a:rPr>
-              <a:t> context="</a:t>
-            </a:r>
-            <a:r>
-              <a:rPr lang="en-GB" b="1" dirty="0">
-                <a:latin typeface="Courier New" panose="02070309020205020404" pitchFamily="49" charset="0"/>
-                <a:cs typeface="Courier New" panose="02070309020205020404" pitchFamily="49" charset="0"/>
-              </a:rPr>
-              <a:t>//*"</a:t>
-            </a:r>
-            <a:r>
-              <a:rPr lang="en-GB" dirty="0">
-                <a:latin typeface="Courier New" panose="02070309020205020404" pitchFamily="49" charset="0"/>
-                <a:cs typeface="Courier New" panose="02070309020205020404" pitchFamily="49" charset="0"/>
-              </a:rPr>
-              <a:t>&gt;</a:t>
-            </a:r>
-          </a:p>
-        </p:txBody>
-      </p:sp>
-    </p:spTree>
-    <p:extLst>
-      <p:ext uri="{BB962C8B-B14F-4D97-AF65-F5344CB8AC3E}">
-        <p14:creationId xmlns:p14="http://schemas.microsoft.com/office/powerpoint/2010/main" val="1719482087"/>
-      </p:ext>
-    </p:extLst>
-  </p:cSld>
-  <p:clrMapOvr>
-    <a:masterClrMapping/>
-  </p:clrMapOvr>
-</p:sld>
-</file>
-
 <file path=ppt/slides/slide19.xml><?xml version="1.0" encoding="utf-8"?>
 <p:sld xmlns:a="http://schemas.openxmlformats.org/drawingml/2006/main" xmlns:r="http://schemas.openxmlformats.org/officeDocument/2006/relationships" xmlns:p="http://schemas.openxmlformats.org/presentationml/2006/main">
   <p:cSld>
@@ -9025,7 +9380,7 @@
           <p:cNvPr id="2" name="Title 1">
             <a:extLst>
               <a:ext uri="{FF2B5EF4-FFF2-40B4-BE49-F238E27FC236}">
-                <a16:creationId xmlns:a16="http://schemas.microsoft.com/office/drawing/2014/main" id="{F8E39FCD-263E-49E9-A9BA-2CC51CD18818}"/>
+                <a16:creationId xmlns:a16="http://schemas.microsoft.com/office/drawing/2014/main" id="{D860E216-A8CD-4F03-BA02-489BD391FAD2}"/>
               </a:ext>
             </a:extLst>
           </p:cNvPr>
@@ -9043,7 +9398,7 @@
           <a:p>
             <a:r>
               <a:rPr lang="en-GB" dirty="0"/>
-              <a:t>Evaluate vs compile</a:t>
+              <a:t>Evaluate schema</a:t>
             </a:r>
           </a:p>
         </p:txBody>
@@ -9053,7 +9408,7 @@
           <p:cNvPr id="3" name="Content Placeholder 2">
             <a:extLst>
               <a:ext uri="{FF2B5EF4-FFF2-40B4-BE49-F238E27FC236}">
-                <a16:creationId xmlns:a16="http://schemas.microsoft.com/office/drawing/2014/main" id="{E6BBAF03-F045-4E55-9DD4-E380087EC493}"/>
+                <a16:creationId xmlns:a16="http://schemas.microsoft.com/office/drawing/2014/main" id="{41929A8B-7EE7-4152-A0D7-044421860480}"/>
               </a:ext>
             </a:extLst>
           </p:cNvPr>
@@ -9071,11 +9426,81 @@
           <a:p>
             <a:r>
               <a:rPr lang="en-GB" dirty="0"/>
-              <a:t>[diagram the </a:t>
-            </a:r>
-            <a:r>
-              <a:rPr lang="en-GB"/>
-              <a:t>two approaches]</a:t>
+              <a:t>Assemble </a:t>
+            </a:r>
+            <a:r>
+              <a:rPr lang="en-GB" dirty="0" err="1"/>
+              <a:t>prolog</a:t>
+            </a:r>
+            <a:r>
+              <a:rPr lang="en-GB" dirty="0"/>
+              <a:t> of validation context:</a:t>
+            </a:r>
+          </a:p>
+          <a:p>
+            <a:pPr lvl="1"/>
+            <a:r>
+              <a:rPr lang="en-GB" dirty="0"/>
+              <a:t>Namespaces</a:t>
+            </a:r>
+          </a:p>
+          <a:p>
+            <a:pPr lvl="1"/>
+            <a:r>
+              <a:rPr lang="en-GB" dirty="0"/>
+              <a:t>Local variables</a:t>
+            </a:r>
+          </a:p>
+          <a:p>
+            <a:pPr lvl="1"/>
+            <a:r>
+              <a:rPr lang="en-GB" dirty="0"/>
+              <a:t>User-defined functions</a:t>
+            </a:r>
+          </a:p>
+          <a:p>
+            <a:r>
+              <a:rPr lang="en-GB" dirty="0"/>
+              <a:t>Invoke </a:t>
+            </a:r>
+            <a:r>
+              <a:rPr lang="en-GB" dirty="0" err="1">
+                <a:latin typeface="Courier New" panose="02070309020205020404" pitchFamily="49" charset="0"/>
+                <a:cs typeface="Courier New" panose="02070309020205020404" pitchFamily="49" charset="0"/>
+              </a:rPr>
+              <a:t>xquery:eval</a:t>
+            </a:r>
+            <a:r>
+              <a:rPr lang="en-GB" dirty="0">
+                <a:latin typeface="Courier New" panose="02070309020205020404" pitchFamily="49" charset="0"/>
+                <a:cs typeface="Courier New" panose="02070309020205020404" pitchFamily="49" charset="0"/>
+              </a:rPr>
+              <a:t>()</a:t>
+            </a:r>
+            <a:r>
+              <a:rPr lang="en-GB" dirty="0"/>
+              <a:t>, passing:</a:t>
+            </a:r>
+          </a:p>
+          <a:p>
+            <a:pPr lvl="1"/>
+            <a:r>
+              <a:rPr lang="en-GB" dirty="0"/>
+              <a:t>Global variables, as external variables</a:t>
+            </a:r>
+          </a:p>
+          <a:p>
+            <a:pPr lvl="1"/>
+            <a:r>
+              <a:rPr lang="en-GB" dirty="0"/>
+              <a:t>Instance document, as </a:t>
+            </a:r>
+            <a:r>
+              <a:rPr lang="en-GB" dirty="0">
+                <a:latin typeface="Courier New" panose="02070309020205020404" pitchFamily="49" charset="0"/>
+                <a:cs typeface="Courier New" panose="02070309020205020404" pitchFamily="49" charset="0"/>
+              </a:rPr>
+              <a:t>map{"":doc(…)}</a:t>
             </a:r>
           </a:p>
         </p:txBody>
@@ -9083,7 +9508,7 @@
     </p:spTree>
     <p:extLst>
       <p:ext uri="{BB962C8B-B14F-4D97-AF65-F5344CB8AC3E}">
-        <p14:creationId xmlns:p14="http://schemas.microsoft.com/office/powerpoint/2010/main" val="2214602858"/>
+        <p14:creationId xmlns:p14="http://schemas.microsoft.com/office/powerpoint/2010/main" val="2503234922"/>
       </p:ext>
     </p:extLst>
   </p:cSld>
@@ -9219,166 +9644,6 @@
           <p:cNvPr id="2" name="Title 1">
             <a:extLst>
               <a:ext uri="{FF2B5EF4-FFF2-40B4-BE49-F238E27FC236}">
-                <a16:creationId xmlns:a16="http://schemas.microsoft.com/office/drawing/2014/main" id="{D860E216-A8CD-4F03-BA02-489BD391FAD2}"/>
-              </a:ext>
-            </a:extLst>
-          </p:cNvPr>
-          <p:cNvSpPr>
-            <a:spLocks noGrp="1"/>
-          </p:cNvSpPr>
-          <p:nvPr>
-            <p:ph type="title"/>
-          </p:nvPr>
-        </p:nvSpPr>
-        <p:spPr/>
-        <p:txBody>
-          <a:bodyPr/>
-          <a:lstStyle/>
-          <a:p>
-            <a:r>
-              <a:rPr lang="en-GB" dirty="0"/>
-              <a:t>Evaluate schema</a:t>
-            </a:r>
-          </a:p>
-        </p:txBody>
-      </p:sp>
-      <p:sp>
-        <p:nvSpPr>
-          <p:cNvPr id="3" name="Content Placeholder 2">
-            <a:extLst>
-              <a:ext uri="{FF2B5EF4-FFF2-40B4-BE49-F238E27FC236}">
-                <a16:creationId xmlns:a16="http://schemas.microsoft.com/office/drawing/2014/main" id="{41929A8B-7EE7-4152-A0D7-044421860480}"/>
-              </a:ext>
-            </a:extLst>
-          </p:cNvPr>
-          <p:cNvSpPr>
-            <a:spLocks noGrp="1"/>
-          </p:cNvSpPr>
-          <p:nvPr>
-            <p:ph idx="1"/>
-          </p:nvPr>
-        </p:nvSpPr>
-        <p:spPr/>
-        <p:txBody>
-          <a:bodyPr/>
-          <a:lstStyle/>
-          <a:p>
-            <a:r>
-              <a:rPr lang="en-GB" dirty="0"/>
-              <a:t>Assemble </a:t>
-            </a:r>
-            <a:r>
-              <a:rPr lang="en-GB" dirty="0" err="1"/>
-              <a:t>prolog</a:t>
-            </a:r>
-            <a:r>
-              <a:rPr lang="en-GB" dirty="0"/>
-              <a:t> of validation context:</a:t>
-            </a:r>
-          </a:p>
-          <a:p>
-            <a:pPr lvl="1"/>
-            <a:r>
-              <a:rPr lang="en-GB" dirty="0"/>
-              <a:t>Namespaces</a:t>
-            </a:r>
-          </a:p>
-          <a:p>
-            <a:pPr lvl="1"/>
-            <a:r>
-              <a:rPr lang="en-GB" dirty="0"/>
-              <a:t>Local variables</a:t>
-            </a:r>
-          </a:p>
-          <a:p>
-            <a:pPr lvl="1"/>
-            <a:r>
-              <a:rPr lang="en-GB" dirty="0"/>
-              <a:t>User-defined functions</a:t>
-            </a:r>
-          </a:p>
-          <a:p>
-            <a:r>
-              <a:rPr lang="en-GB" dirty="0"/>
-              <a:t>Invoke </a:t>
-            </a:r>
-            <a:r>
-              <a:rPr lang="en-GB" dirty="0" err="1">
-                <a:latin typeface="Courier New" panose="02070309020205020404" pitchFamily="49" charset="0"/>
-                <a:cs typeface="Courier New" panose="02070309020205020404" pitchFamily="49" charset="0"/>
-              </a:rPr>
-              <a:t>xquery:eval</a:t>
-            </a:r>
-            <a:r>
-              <a:rPr lang="en-GB" dirty="0">
-                <a:latin typeface="Courier New" panose="02070309020205020404" pitchFamily="49" charset="0"/>
-                <a:cs typeface="Courier New" panose="02070309020205020404" pitchFamily="49" charset="0"/>
-              </a:rPr>
-              <a:t>()</a:t>
-            </a:r>
-            <a:r>
-              <a:rPr lang="en-GB" dirty="0"/>
-              <a:t>, passing:</a:t>
-            </a:r>
-          </a:p>
-          <a:p>
-            <a:pPr lvl="1"/>
-            <a:r>
-              <a:rPr lang="en-GB" dirty="0"/>
-              <a:t>Global variables, as external variables</a:t>
-            </a:r>
-          </a:p>
-          <a:p>
-            <a:pPr lvl="1"/>
-            <a:r>
-              <a:rPr lang="en-GB" dirty="0"/>
-              <a:t>Instance document, as </a:t>
-            </a:r>
-            <a:r>
-              <a:rPr lang="en-GB" dirty="0">
-                <a:latin typeface="Courier New" panose="02070309020205020404" pitchFamily="49" charset="0"/>
-                <a:cs typeface="Courier New" panose="02070309020205020404" pitchFamily="49" charset="0"/>
-              </a:rPr>
-              <a:t>map{"":doc(…)}</a:t>
-            </a:r>
-          </a:p>
-        </p:txBody>
-      </p:sp>
-    </p:spTree>
-    <p:extLst>
-      <p:ext uri="{BB962C8B-B14F-4D97-AF65-F5344CB8AC3E}">
-        <p14:creationId xmlns:p14="http://schemas.microsoft.com/office/powerpoint/2010/main" val="2503234922"/>
-      </p:ext>
-    </p:extLst>
-  </p:cSld>
-  <p:clrMapOvr>
-    <a:masterClrMapping/>
-  </p:clrMapOvr>
-</p:sld>
-</file>
-
-<file path=ppt/slides/slide21.xml><?xml version="1.0" encoding="utf-8"?>
-<p:sld xmlns:a="http://schemas.openxmlformats.org/drawingml/2006/main" xmlns:r="http://schemas.openxmlformats.org/officeDocument/2006/relationships" xmlns:p="http://schemas.openxmlformats.org/presentationml/2006/main">
-  <p:cSld>
-    <p:spTree>
-      <p:nvGrpSpPr>
-        <p:cNvPr id="1" name=""/>
-        <p:cNvGrpSpPr/>
-        <p:nvPr/>
-      </p:nvGrpSpPr>
-      <p:grpSpPr>
-        <a:xfrm>
-          <a:off x="0" y="0"/>
-          <a:ext cx="0" cy="0"/>
-          <a:chOff x="0" y="0"/>
-          <a:chExt cx="0" cy="0"/>
-        </a:xfrm>
-      </p:grpSpPr>
-      <p:sp>
-        <p:nvSpPr>
-          <p:cNvPr id="2" name="Title 1">
-            <a:extLst>
-              <a:ext uri="{FF2B5EF4-FFF2-40B4-BE49-F238E27FC236}">
                 <a16:creationId xmlns:a16="http://schemas.microsoft.com/office/drawing/2014/main" id="{505F3D2D-CABD-439A-B3C9-048E9D9395D0}"/>
               </a:ext>
             </a:extLst>
@@ -9473,7 +9738,7 @@
 </p:sld>
 </file>
 
-<file path=ppt/slides/slide22.xml><?xml version="1.0" encoding="utf-8"?>
+<file path=ppt/slides/slide21.xml><?xml version="1.0" encoding="utf-8"?>
 <p:sld xmlns:a="http://schemas.openxmlformats.org/drawingml/2006/main" xmlns:r="http://schemas.openxmlformats.org/officeDocument/2006/relationships" xmlns:p="http://schemas.openxmlformats.org/presentationml/2006/main">
   <p:cSld>
     <p:spTree>
@@ -9949,6 +10214,215 @@
 </p:sld>
 </file>
 
+<file path=ppt/slides/slide22.xml><?xml version="1.0" encoding="utf-8"?>
+<p:sld xmlns:a="http://schemas.openxmlformats.org/drawingml/2006/main" xmlns:r="http://schemas.openxmlformats.org/officeDocument/2006/relationships" xmlns:p="http://schemas.openxmlformats.org/presentationml/2006/main">
+  <p:cSld>
+    <p:spTree>
+      <p:nvGrpSpPr>
+        <p:cNvPr id="1" name=""/>
+        <p:cNvGrpSpPr/>
+        <p:nvPr/>
+      </p:nvGrpSpPr>
+      <p:grpSpPr>
+        <a:xfrm>
+          <a:off x="0" y="0"/>
+          <a:ext cx="0" cy="0"/>
+          <a:chOff x="0" y="0"/>
+          <a:chExt cx="0" cy="0"/>
+        </a:xfrm>
+      </p:grpSpPr>
+      <p:sp>
+        <p:nvSpPr>
+          <p:cNvPr id="2" name="Title 1">
+            <a:extLst>
+              <a:ext uri="{FF2B5EF4-FFF2-40B4-BE49-F238E27FC236}">
+                <a16:creationId xmlns:a16="http://schemas.microsoft.com/office/drawing/2014/main" id="{0615A9F1-0279-4FD0-ACA0-DBE2EFC1A1AB}"/>
+              </a:ext>
+            </a:extLst>
+          </p:cNvPr>
+          <p:cNvSpPr>
+            <a:spLocks noGrp="1"/>
+          </p:cNvSpPr>
+          <p:nvPr>
+            <p:ph type="title"/>
+          </p:nvPr>
+        </p:nvSpPr>
+        <p:spPr/>
+        <p:txBody>
+          <a:bodyPr/>
+          <a:lstStyle/>
+          <a:p>
+            <a:r>
+              <a:rPr lang="en-GB" dirty="0">
+                <a:latin typeface="Courier New" panose="02070309020205020404" pitchFamily="49" charset="0"/>
+                <a:cs typeface="Courier New" panose="02070309020205020404" pitchFamily="49" charset="0"/>
+              </a:rPr>
+              <a:t>documents</a:t>
+            </a:r>
+            <a:r>
+              <a:rPr lang="en-GB" dirty="0"/>
+              <a:t> attribute underspecified?</a:t>
+            </a:r>
+          </a:p>
+        </p:txBody>
+      </p:sp>
+      <p:sp>
+        <p:nvSpPr>
+          <p:cNvPr id="3" name="Content Placeholder 2">
+            <a:extLst>
+              <a:ext uri="{FF2B5EF4-FFF2-40B4-BE49-F238E27FC236}">
+                <a16:creationId xmlns:a16="http://schemas.microsoft.com/office/drawing/2014/main" id="{238B71B9-3DA0-4314-97F2-DEAC6DDF27D3}"/>
+              </a:ext>
+            </a:extLst>
+          </p:cNvPr>
+          <p:cNvSpPr>
+            <a:spLocks noGrp="1"/>
+          </p:cNvSpPr>
+          <p:nvPr>
+            <p:ph idx="1"/>
+          </p:nvPr>
+        </p:nvSpPr>
+        <p:spPr/>
+        <p:txBody>
+          <a:bodyPr/>
+          <a:lstStyle/>
+          <a:p>
+            <a:pPr marL="514350" indent="-514350">
+              <a:buFont typeface="+mj-lt"/>
+              <a:buAutoNum type="arabicPeriod"/>
+            </a:pPr>
+            <a:r>
+              <a:rPr lang="en-GB" dirty="0"/>
+              <a:t>Rules apply to </a:t>
+            </a:r>
+            <a:r>
+              <a:rPr lang="en-GB" b="1" dirty="0"/>
+              <a:t>instance</a:t>
+            </a:r>
+            <a:r>
+              <a:rPr lang="en-GB" dirty="0"/>
+              <a:t> document </a:t>
+            </a:r>
+            <a:r>
+              <a:rPr lang="en-GB" i="1" dirty="0"/>
+              <a:t>as well</a:t>
+            </a:r>
+            <a:r>
+              <a:rPr lang="en-GB" dirty="0"/>
+              <a:t>? Presumably not.</a:t>
+            </a:r>
+          </a:p>
+          <a:p>
+            <a:pPr marL="514350" indent="-514350">
+              <a:buFont typeface="+mj-lt"/>
+              <a:buAutoNum type="arabicPeriod"/>
+            </a:pPr>
+            <a:r>
+              <a:rPr lang="en-GB" dirty="0"/>
+              <a:t>Are pattern variables in scope? e.g.</a:t>
+            </a:r>
+          </a:p>
+          <a:p>
+            <a:pPr marL="0" indent="0">
+              <a:buNone/>
+            </a:pPr>
+            <a:endParaRPr lang="en-GB" dirty="0">
+              <a:latin typeface="Courier New" panose="02070309020205020404" pitchFamily="49" charset="0"/>
+              <a:cs typeface="Courier New" panose="02070309020205020404" pitchFamily="49" charset="0"/>
+            </a:endParaRPr>
+          </a:p>
+          <a:p>
+            <a:pPr marL="0" indent="0">
+              <a:buNone/>
+            </a:pPr>
+            <a:r>
+              <a:rPr lang="en-GB" dirty="0">
+                <a:latin typeface="Courier New" panose="02070309020205020404" pitchFamily="49" charset="0"/>
+                <a:cs typeface="Courier New" panose="02070309020205020404" pitchFamily="49" charset="0"/>
+              </a:rPr>
+              <a:t>  &lt;pattern</a:t>
+            </a:r>
+          </a:p>
+          <a:p>
+            <a:pPr marL="0" indent="0">
+              <a:buNone/>
+            </a:pPr>
+            <a:r>
+              <a:rPr lang="en-GB" dirty="0">
+                <a:latin typeface="Courier New" panose="02070309020205020404" pitchFamily="49" charset="0"/>
+                <a:cs typeface="Courier New" panose="02070309020205020404" pitchFamily="49" charset="0"/>
+              </a:rPr>
+              <a:t>  documents=‘/other/docs[not(@path = </a:t>
+            </a:r>
+            <a:r>
+              <a:rPr lang="en-GB" b="1" dirty="0">
+                <a:latin typeface="Courier New" panose="02070309020205020404" pitchFamily="49" charset="0"/>
+                <a:cs typeface="Courier New" panose="02070309020205020404" pitchFamily="49" charset="0"/>
+              </a:rPr>
+              <a:t>$these</a:t>
+            </a:r>
+            <a:r>
+              <a:rPr lang="en-GB" dirty="0">
+                <a:latin typeface="Courier New" panose="02070309020205020404" pitchFamily="49" charset="0"/>
+                <a:cs typeface="Courier New" panose="02070309020205020404" pitchFamily="49" charset="0"/>
+              </a:rPr>
+              <a:t>)]’&gt;</a:t>
+            </a:r>
+          </a:p>
+          <a:p>
+            <a:pPr marL="0" indent="0">
+              <a:buNone/>
+            </a:pPr>
+            <a:r>
+              <a:rPr lang="en-GB" dirty="0">
+                <a:latin typeface="Courier New" panose="02070309020205020404" pitchFamily="49" charset="0"/>
+                <a:cs typeface="Courier New" panose="02070309020205020404" pitchFamily="49" charset="0"/>
+              </a:rPr>
+              <a:t>	&lt;let name=‘these’ value=‘not-me.xml’/&gt;...</a:t>
+            </a:r>
+          </a:p>
+          <a:p>
+            <a:pPr marL="0" indent="0">
+              <a:buNone/>
+            </a:pPr>
+            <a:endParaRPr lang="en-GB" dirty="0">
+              <a:latin typeface="Courier New" panose="02070309020205020404" pitchFamily="49" charset="0"/>
+              <a:cs typeface="Courier New" panose="02070309020205020404" pitchFamily="49" charset="0"/>
+            </a:endParaRPr>
+          </a:p>
+          <a:p>
+            <a:pPr marL="0" indent="0">
+              <a:buNone/>
+            </a:pPr>
+            <a:r>
+              <a:rPr lang="en-GB" dirty="0"/>
+              <a:t>XQS assumes so.</a:t>
+            </a:r>
+          </a:p>
+          <a:p>
+            <a:pPr marL="0" indent="0">
+              <a:buNone/>
+            </a:pPr>
+            <a:endParaRPr lang="en-GB" dirty="0">
+              <a:latin typeface="Courier New" panose="02070309020205020404" pitchFamily="49" charset="0"/>
+              <a:cs typeface="Courier New" panose="02070309020205020404" pitchFamily="49" charset="0"/>
+            </a:endParaRPr>
+          </a:p>
+        </p:txBody>
+      </p:sp>
+    </p:spTree>
+    <p:extLst>
+      <p:ext uri="{BB962C8B-B14F-4D97-AF65-F5344CB8AC3E}">
+        <p14:creationId xmlns:p14="http://schemas.microsoft.com/office/powerpoint/2010/main" val="154519701"/>
+      </p:ext>
+    </p:extLst>
+  </p:cSld>
+  <p:clrMapOvr>
+    <a:masterClrMapping/>
+  </p:clrMapOvr>
+</p:sld>
+</file>
+
 <file path=ppt/slides/slide23.xml><?xml version="1.0" encoding="utf-8"?>
 <p:sld xmlns:a="http://schemas.openxmlformats.org/drawingml/2006/main" xmlns:r="http://schemas.openxmlformats.org/officeDocument/2006/relationships" xmlns:p="http://schemas.openxmlformats.org/presentationml/2006/main">
   <p:cSld>
@@ -9971,7 +10445,7 @@
           <p:cNvPr id="2" name="Title 1">
             <a:extLst>
               <a:ext uri="{FF2B5EF4-FFF2-40B4-BE49-F238E27FC236}">
-                <a16:creationId xmlns:a16="http://schemas.microsoft.com/office/drawing/2014/main" id="{0615A9F1-0279-4FD0-ACA0-DBE2EFC1A1AB}"/>
+                <a16:creationId xmlns:a16="http://schemas.microsoft.com/office/drawing/2014/main" id="{11EA74FB-8330-4915-9386-2E6B0C28DD6C}"/>
               </a:ext>
             </a:extLst>
           </p:cNvPr>
@@ -9988,15 +10462,8 @@
           <a:lstStyle/>
           <a:p>
             <a:r>
-              <a:rPr lang="en-GB" dirty="0">
-                <a:latin typeface="Courier New" panose="02070309020205020404" pitchFamily="49" charset="0"/>
-                <a:cs typeface="Courier New" panose="02070309020205020404" pitchFamily="49" charset="0"/>
-              </a:rPr>
-              <a:t>documents</a:t>
-            </a:r>
-            <a:r>
-              <a:rPr lang="en-GB" dirty="0"/>
-              <a:t> attribute underspecified?</a:t>
+              <a:rPr lang="en-GB" dirty="0"/>
+              <a:t>Rules as if-then-else</a:t>
             </a:r>
           </a:p>
         </p:txBody>
@@ -10006,7 +10473,7 @@
           <p:cNvPr id="3" name="Content Placeholder 2">
             <a:extLst>
               <a:ext uri="{FF2B5EF4-FFF2-40B4-BE49-F238E27FC236}">
-                <a16:creationId xmlns:a16="http://schemas.microsoft.com/office/drawing/2014/main" id="{238B71B9-3DA0-4314-97F2-DEAC6DDF27D3}"/>
+                <a16:creationId xmlns:a16="http://schemas.microsoft.com/office/drawing/2014/main" id="{9035933B-4233-452F-A32B-E2C56FC6F996}"/>
               </a:ext>
             </a:extLst>
           </p:cNvPr>
@@ -10019,52 +10486,77 @@
         </p:nvSpPr>
         <p:spPr/>
         <p:txBody>
-          <a:bodyPr/>
-          <a:lstStyle/>
-          <a:p>
-            <a:pPr marL="514350" indent="-514350">
-              <a:buFont typeface="+mj-lt"/>
-              <a:buAutoNum type="arabicPeriod"/>
-            </a:pPr>
-            <a:r>
-              <a:rPr lang="en-GB" dirty="0"/>
-              <a:t>Rules apply to </a:t>
-            </a:r>
-            <a:r>
-              <a:rPr lang="en-GB" b="1" dirty="0"/>
-              <a:t>instance</a:t>
-            </a:r>
-            <a:r>
-              <a:rPr lang="en-GB" dirty="0"/>
-              <a:t> document </a:t>
-            </a:r>
-            <a:r>
-              <a:rPr lang="en-GB" i="1" dirty="0"/>
-              <a:t>as well</a:t>
-            </a:r>
-            <a:r>
-              <a:rPr lang="en-GB" dirty="0"/>
-              <a:t>? Presumably not.</a:t>
-            </a:r>
-          </a:p>
-          <a:p>
-            <a:pPr marL="514350" indent="-514350">
-              <a:buFont typeface="+mj-lt"/>
-              <a:buAutoNum type="arabicPeriod"/>
-            </a:pPr>
-            <a:r>
-              <a:rPr lang="en-GB" dirty="0"/>
-              <a:t>Are pattern variables in scope? e.g.</a:t>
-            </a:r>
-          </a:p>
+          <a:bodyPr>
+            <a:normAutofit fontScale="77500" lnSpcReduction="20000"/>
+          </a:bodyPr>
+          <a:lstStyle/>
           <a:p>
             <a:pPr marL="0" indent="0">
               <a:buNone/>
             </a:pPr>
-            <a:endParaRPr lang="en-GB" dirty="0">
-              <a:latin typeface="Courier New" panose="02070309020205020404" pitchFamily="49" charset="0"/>
-              <a:cs typeface="Courier New" panose="02070309020205020404" pitchFamily="49" charset="0"/>
-            </a:endParaRPr>
+            <a:r>
+              <a:rPr lang="en-GB" dirty="0">
+                <a:latin typeface="Courier New" panose="02070309020205020404" pitchFamily="49" charset="0"/>
+                <a:cs typeface="Courier New" panose="02070309020205020404" pitchFamily="49" charset="0"/>
+              </a:rPr>
+              <a:t>declare function </a:t>
+            </a:r>
+            <a:r>
+              <a:rPr lang="en-GB" dirty="0" err="1">
+                <a:latin typeface="Courier New" panose="02070309020205020404" pitchFamily="49" charset="0"/>
+                <a:cs typeface="Courier New" panose="02070309020205020404" pitchFamily="49" charset="0"/>
+              </a:rPr>
+              <a:t>eval:rules</a:t>
+            </a:r>
+            <a:r>
+              <a:rPr lang="en-GB" dirty="0">
+                <a:latin typeface="Courier New" panose="02070309020205020404" pitchFamily="49" charset="0"/>
+                <a:cs typeface="Courier New" panose="02070309020205020404" pitchFamily="49" charset="0"/>
+              </a:rPr>
+              <a:t>($rules as element(</a:t>
+            </a:r>
+            <a:r>
+              <a:rPr lang="en-GB" dirty="0" err="1">
+                <a:latin typeface="Courier New" panose="02070309020205020404" pitchFamily="49" charset="0"/>
+                <a:cs typeface="Courier New" panose="02070309020205020404" pitchFamily="49" charset="0"/>
+              </a:rPr>
+              <a:t>sch:rule</a:t>
+            </a:r>
+            <a:r>
+              <a:rPr lang="en-GB" dirty="0">
+                <a:latin typeface="Courier New" panose="02070309020205020404" pitchFamily="49" charset="0"/>
+                <a:cs typeface="Courier New" panose="02070309020205020404" pitchFamily="49" charset="0"/>
+              </a:rPr>
+              <a:t>)*, $</a:t>
+            </a:r>
+            <a:r>
+              <a:rPr lang="en-GB" dirty="0" err="1">
+                <a:latin typeface="Courier New" panose="02070309020205020404" pitchFamily="49" charset="0"/>
+                <a:cs typeface="Courier New" panose="02070309020205020404" pitchFamily="49" charset="0"/>
+              </a:rPr>
+              <a:t>prolog</a:t>
+            </a:r>
+            <a:r>
+              <a:rPr lang="en-GB" dirty="0">
+                <a:latin typeface="Courier New" panose="02070309020205020404" pitchFamily="49" charset="0"/>
+                <a:cs typeface="Courier New" panose="02070309020205020404" pitchFamily="49" charset="0"/>
+              </a:rPr>
+              <a:t> as </a:t>
+            </a:r>
+            <a:r>
+              <a:rPr lang="en-GB" dirty="0" err="1">
+                <a:latin typeface="Courier New" panose="02070309020205020404" pitchFamily="49" charset="0"/>
+                <a:cs typeface="Courier New" panose="02070309020205020404" pitchFamily="49" charset="0"/>
+              </a:rPr>
+              <a:t>xs:string</a:t>
+            </a:r>
+            <a:r>
+              <a:rPr lang="en-GB" dirty="0">
+                <a:latin typeface="Courier New" panose="02070309020205020404" pitchFamily="49" charset="0"/>
+                <a:cs typeface="Courier New" panose="02070309020205020404" pitchFamily="49" charset="0"/>
+              </a:rPr>
+              <a:t>?, $context as map(*)) as element()*</a:t>
+            </a:r>
           </a:p>
           <a:p>
             <a:pPr marL="0" indent="0">
@@ -10075,7 +10567,7 @@
                 <a:latin typeface="Courier New" panose="02070309020205020404" pitchFamily="49" charset="0"/>
                 <a:cs typeface="Courier New" panose="02070309020205020404" pitchFamily="49" charset="0"/>
               </a:rPr>
-              <a:t>  &lt;pattern</a:t>
+              <a:t>{</a:t>
             </a:r>
           </a:p>
           <a:p>
@@ -10087,21 +10579,83 @@
                 <a:latin typeface="Courier New" panose="02070309020205020404" pitchFamily="49" charset="0"/>
                 <a:cs typeface="Courier New" panose="02070309020205020404" pitchFamily="49" charset="0"/>
               </a:rPr>
-              <a:t>  documents=‘/other/docs[not(@path = </a:t>
+              <a:t>  if(empty($rules))</a:t>
+            </a:r>
+          </a:p>
+          <a:p>
+            <a:pPr marL="0" indent="0">
+              <a:buNone/>
+            </a:pPr>
+            <a:r>
+              <a:rPr lang="en-GB" dirty="0">
+                <a:latin typeface="Courier New" panose="02070309020205020404" pitchFamily="49" charset="0"/>
+                <a:cs typeface="Courier New" panose="02070309020205020404" pitchFamily="49" charset="0"/>
+              </a:rPr>
+              <a:t>  then ()</a:t>
+            </a:r>
+          </a:p>
+          <a:p>
+            <a:pPr marL="0" indent="0">
+              <a:buNone/>
+            </a:pPr>
+            <a:r>
+              <a:rPr lang="en-GB" dirty="0">
+                <a:latin typeface="Courier New" panose="02070309020205020404" pitchFamily="49" charset="0"/>
+                <a:cs typeface="Courier New" panose="02070309020205020404" pitchFamily="49" charset="0"/>
+              </a:rPr>
+              <a:t>  else</a:t>
+            </a:r>
+          </a:p>
+          <a:p>
+            <a:pPr marL="0" indent="0">
+              <a:buNone/>
+            </a:pPr>
+            <a:r>
+              <a:rPr lang="en-GB" dirty="0">
+                <a:latin typeface="Courier New" panose="02070309020205020404" pitchFamily="49" charset="0"/>
+                <a:cs typeface="Courier New" panose="02070309020205020404" pitchFamily="49" charset="0"/>
+              </a:rPr>
+              <a:t>    let $result := </a:t>
+            </a:r>
+            <a:r>
+              <a:rPr lang="en-GB" b="1" dirty="0" err="1">
+                <a:latin typeface="Courier New" panose="02070309020205020404" pitchFamily="49" charset="0"/>
+                <a:cs typeface="Courier New" panose="02070309020205020404" pitchFamily="49" charset="0"/>
+              </a:rPr>
+              <a:t>eval:rule</a:t>
             </a:r>
             <a:r>
               <a:rPr lang="en-GB" b="1" dirty="0">
                 <a:latin typeface="Courier New" panose="02070309020205020404" pitchFamily="49" charset="0"/>
                 <a:cs typeface="Courier New" panose="02070309020205020404" pitchFamily="49" charset="0"/>
               </a:rPr>
-              <a:t>$these</a:t>
-            </a:r>
+              <a:t>(head($rules), $</a:t>
+            </a:r>
+            <a:r>
+              <a:rPr lang="en-GB" b="1" dirty="0" err="1">
+                <a:latin typeface="Courier New" panose="02070309020205020404" pitchFamily="49" charset="0"/>
+                <a:cs typeface="Courier New" panose="02070309020205020404" pitchFamily="49" charset="0"/>
+              </a:rPr>
+              <a:t>prolog</a:t>
+            </a:r>
+            <a:r>
+              <a:rPr lang="en-GB" b="1" dirty="0">
+                <a:latin typeface="Courier New" panose="02070309020205020404" pitchFamily="49" charset="0"/>
+                <a:cs typeface="Courier New" panose="02070309020205020404" pitchFamily="49" charset="0"/>
+              </a:rPr>
+              <a:t>, $context)</a:t>
+            </a:r>
+          </a:p>
+          <a:p>
+            <a:pPr marL="0" indent="0">
+              <a:buNone/>
+            </a:pPr>
             <a:r>
               <a:rPr lang="en-GB" dirty="0">
                 <a:latin typeface="Courier New" panose="02070309020205020404" pitchFamily="49" charset="0"/>
                 <a:cs typeface="Courier New" panose="02070309020205020404" pitchFamily="49" charset="0"/>
               </a:rPr>
-              <a:t>)]’&gt;</a:t>
+              <a:t>    return if($result)</a:t>
             </a:r>
           </a:p>
           <a:p>
@@ -10113,42 +10667,67 @@
                 <a:latin typeface="Courier New" panose="02070309020205020404" pitchFamily="49" charset="0"/>
                 <a:cs typeface="Courier New" panose="02070309020205020404" pitchFamily="49" charset="0"/>
               </a:rPr>
-              <a:t>	&lt;let name=‘these’ value=‘not-me.xml’/&gt;...</a:t>
+              <a:t>    then $result</a:t>
             </a:r>
           </a:p>
           <a:p>
             <a:pPr marL="0" indent="0">
               <a:buNone/>
             </a:pPr>
-            <a:endParaRPr lang="en-GB" dirty="0">
-              <a:latin typeface="Courier New" panose="02070309020205020404" pitchFamily="49" charset="0"/>
-              <a:cs typeface="Courier New" panose="02070309020205020404" pitchFamily="49" charset="0"/>
-            </a:endParaRPr>
+            <a:r>
+              <a:rPr lang="en-GB" dirty="0">
+                <a:latin typeface="Courier New" panose="02070309020205020404" pitchFamily="49" charset="0"/>
+                <a:cs typeface="Courier New" panose="02070309020205020404" pitchFamily="49" charset="0"/>
+              </a:rPr>
+              <a:t>    else </a:t>
+            </a:r>
+            <a:r>
+              <a:rPr lang="en-GB" b="1" dirty="0" err="1">
+                <a:latin typeface="Courier New" panose="02070309020205020404" pitchFamily="49" charset="0"/>
+                <a:cs typeface="Courier New" panose="02070309020205020404" pitchFamily="49" charset="0"/>
+              </a:rPr>
+              <a:t>eval:rules</a:t>
+            </a:r>
+            <a:r>
+              <a:rPr lang="en-GB" b="1" dirty="0">
+                <a:latin typeface="Courier New" panose="02070309020205020404" pitchFamily="49" charset="0"/>
+                <a:cs typeface="Courier New" panose="02070309020205020404" pitchFamily="49" charset="0"/>
+              </a:rPr>
+              <a:t>(tail($rules), $</a:t>
+            </a:r>
+            <a:r>
+              <a:rPr lang="en-GB" b="1" dirty="0" err="1">
+                <a:latin typeface="Courier New" panose="02070309020205020404" pitchFamily="49" charset="0"/>
+                <a:cs typeface="Courier New" panose="02070309020205020404" pitchFamily="49" charset="0"/>
+              </a:rPr>
+              <a:t>prolog</a:t>
+            </a:r>
+            <a:r>
+              <a:rPr lang="en-GB" b="1" dirty="0">
+                <a:latin typeface="Courier New" panose="02070309020205020404" pitchFamily="49" charset="0"/>
+                <a:cs typeface="Courier New" panose="02070309020205020404" pitchFamily="49" charset="0"/>
+              </a:rPr>
+              <a:t>, $context)</a:t>
+            </a:r>
           </a:p>
           <a:p>
             <a:pPr marL="0" indent="0">
               <a:buNone/>
             </a:pPr>
             <a:r>
-              <a:rPr lang="en-GB" dirty="0"/>
-              <a:t>XQS assumes so.</a:t>
-            </a:r>
-          </a:p>
-          <a:p>
-            <a:pPr marL="0" indent="0">
-              <a:buNone/>
-            </a:pPr>
-            <a:endParaRPr lang="en-GB" dirty="0">
-              <a:latin typeface="Courier New" panose="02070309020205020404" pitchFamily="49" charset="0"/>
-              <a:cs typeface="Courier New" panose="02070309020205020404" pitchFamily="49" charset="0"/>
-            </a:endParaRPr>
+              <a:rPr lang="en-GB" dirty="0">
+                <a:latin typeface="Courier New" panose="02070309020205020404" pitchFamily="49" charset="0"/>
+                <a:cs typeface="Courier New" panose="02070309020205020404" pitchFamily="49" charset="0"/>
+              </a:rPr>
+              <a:t>};</a:t>
+            </a:r>
           </a:p>
         </p:txBody>
       </p:sp>
     </p:spTree>
     <p:extLst>
       <p:ext uri="{BB962C8B-B14F-4D97-AF65-F5344CB8AC3E}">
-        <p14:creationId xmlns:p14="http://schemas.microsoft.com/office/powerpoint/2010/main" val="154519701"/>
+        <p14:creationId xmlns:p14="http://schemas.microsoft.com/office/powerpoint/2010/main" val="1450008964"/>
       </p:ext>
     </p:extLst>
   </p:cSld>
@@ -10180,7 +10759,7 @@
           <p:cNvPr id="2" name="Title 1">
             <a:extLst>
               <a:ext uri="{FF2B5EF4-FFF2-40B4-BE49-F238E27FC236}">
-                <a16:creationId xmlns:a16="http://schemas.microsoft.com/office/drawing/2014/main" id="{11EA74FB-8330-4915-9386-2E6B0C28DD6C}"/>
+                <a16:creationId xmlns:a16="http://schemas.microsoft.com/office/drawing/2014/main" id="{AA8B0EB9-6F49-44E1-89EA-FBBFC96F4CAF}"/>
               </a:ext>
             </a:extLst>
           </p:cNvPr>
@@ -10198,7 +10777,7 @@
           <a:p>
             <a:r>
               <a:rPr lang="en-GB" dirty="0"/>
-              <a:t>Rules as if-then-else</a:t>
+              <a:t>Hidden syntax errors</a:t>
             </a:r>
           </a:p>
         </p:txBody>
@@ -10208,7 +10787,7 @@
           <p:cNvPr id="3" name="Content Placeholder 2">
             <a:extLst>
               <a:ext uri="{FF2B5EF4-FFF2-40B4-BE49-F238E27FC236}">
-                <a16:creationId xmlns:a16="http://schemas.microsoft.com/office/drawing/2014/main" id="{9035933B-4233-452F-A32B-E2C56FC6F996}"/>
+                <a16:creationId xmlns:a16="http://schemas.microsoft.com/office/drawing/2014/main" id="{CEFDA6AB-AA81-462E-9433-90B7BF6DD222}"/>
               </a:ext>
             </a:extLst>
           </p:cNvPr>
@@ -10221,9 +10800,7 @@
         </p:nvSpPr>
         <p:spPr/>
         <p:txBody>
-          <a:bodyPr>
-            <a:normAutofit fontScale="77500" lnSpcReduction="20000"/>
-          </a:bodyPr>
+          <a:bodyPr/>
           <a:lstStyle/>
           <a:p>
             <a:pPr marL="0" indent="0">
@@ -10231,30 +10808,117 @@
             </a:pPr>
             <a:r>
               <a:rPr lang="en-GB" dirty="0">
-                <a:latin typeface="Courier New" panose="02070309020205020404" pitchFamily="49" charset="0"/>
-                <a:cs typeface="Courier New" panose="02070309020205020404" pitchFamily="49" charset="0"/>
-              </a:rPr>
-              <a:t>declare function </a:t>
+                <a:latin typeface="+mj-lt"/>
+                <a:cs typeface="Courier New" panose="02070309020205020404" pitchFamily="49" charset="0"/>
+              </a:rPr>
+              <a:t>Analogous to interpreted languages:</a:t>
+            </a:r>
+          </a:p>
+          <a:p>
+            <a:pPr marL="0" indent="0">
+              <a:buNone/>
+            </a:pPr>
+            <a:endParaRPr lang="en-GB" dirty="0">
+              <a:latin typeface="Courier New" panose="02070309020205020404" pitchFamily="49" charset="0"/>
+              <a:cs typeface="Courier New" panose="02070309020205020404" pitchFamily="49" charset="0"/>
+            </a:endParaRPr>
+          </a:p>
+          <a:p>
+            <a:pPr marL="0" indent="0">
+              <a:buNone/>
+            </a:pPr>
+            <a:r>
+              <a:rPr lang="en-GB" dirty="0">
+                <a:latin typeface="Courier New" panose="02070309020205020404" pitchFamily="49" charset="0"/>
+                <a:cs typeface="Courier New" panose="02070309020205020404" pitchFamily="49" charset="0"/>
+              </a:rPr>
+              <a:t>&lt;</a:t>
             </a:r>
             <a:r>
               <a:rPr lang="en-GB" dirty="0" err="1">
                 <a:latin typeface="Courier New" panose="02070309020205020404" pitchFamily="49" charset="0"/>
                 <a:cs typeface="Courier New" panose="02070309020205020404" pitchFamily="49" charset="0"/>
               </a:rPr>
-              <a:t>eval:rules</a:t>
+              <a:t>sch:rule</a:t>
             </a:r>
             <a:r>
               <a:rPr lang="en-GB" dirty="0">
                 <a:latin typeface="Courier New" panose="02070309020205020404" pitchFamily="49" charset="0"/>
                 <a:cs typeface="Courier New" panose="02070309020205020404" pitchFamily="49" charset="0"/>
               </a:rPr>
-              <a:t>($rules as element(</a:t>
+              <a:t> context="/.."&gt;</a:t>
+            </a:r>
+          </a:p>
+          <a:p>
+            <a:pPr marL="0" indent="0">
+              <a:buNone/>
+            </a:pPr>
+            <a:r>
+              <a:rPr lang="en-GB" dirty="0">
+                <a:latin typeface="Courier New" panose="02070309020205020404" pitchFamily="49" charset="0"/>
+                <a:cs typeface="Courier New" panose="02070309020205020404" pitchFamily="49" charset="0"/>
+              </a:rPr>
+              <a:t>    &lt;</a:t>
             </a:r>
             <a:r>
               <a:rPr lang="en-GB" dirty="0" err="1">
                 <a:latin typeface="Courier New" panose="02070309020205020404" pitchFamily="49" charset="0"/>
                 <a:cs typeface="Courier New" panose="02070309020205020404" pitchFamily="49" charset="0"/>
               </a:rPr>
+              <a:t>sch:report</a:t>
+            </a:r>
+            <a:r>
+              <a:rPr lang="en-GB" dirty="0">
+                <a:latin typeface="Courier New" panose="02070309020205020404" pitchFamily="49" charset="0"/>
+                <a:cs typeface="Courier New" panose="02070309020205020404" pitchFamily="49" charset="0"/>
+              </a:rPr>
+              <a:t> test="</a:t>
+            </a:r>
+            <a:r>
+              <a:rPr lang="en-GB" b="1" dirty="0">
+                <a:latin typeface="Courier New" panose="02070309020205020404" pitchFamily="49" charset="0"/>
+                <a:cs typeface="Courier New" panose="02070309020205020404" pitchFamily="49" charset="0"/>
+              </a:rPr>
+              <a:t>???</a:t>
+            </a:r>
+            <a:r>
+              <a:rPr lang="en-GB" dirty="0">
+                <a:latin typeface="Courier New" panose="02070309020205020404" pitchFamily="49" charset="0"/>
+                <a:cs typeface="Courier New" panose="02070309020205020404" pitchFamily="49" charset="0"/>
+              </a:rPr>
+              <a:t>"&gt;[...]&lt;/</a:t>
+            </a:r>
+            <a:r>
+              <a:rPr lang="en-GB" dirty="0" err="1">
+                <a:latin typeface="Courier New" panose="02070309020205020404" pitchFamily="49" charset="0"/>
+                <a:cs typeface="Courier New" panose="02070309020205020404" pitchFamily="49" charset="0"/>
+              </a:rPr>
+              <a:t>sch:report</a:t>
+            </a:r>
+            <a:r>
+              <a:rPr lang="en-GB" dirty="0">
+                <a:latin typeface="Courier New" panose="02070309020205020404" pitchFamily="49" charset="0"/>
+                <a:cs typeface="Courier New" panose="02070309020205020404" pitchFamily="49" charset="0"/>
+              </a:rPr>
+              <a:t>&gt;</a:t>
+            </a:r>
+          </a:p>
+          <a:p>
+            <a:pPr marL="0" indent="0">
+              <a:buNone/>
+            </a:pPr>
+            <a:r>
+              <a:rPr lang="en-GB" dirty="0">
+                <a:latin typeface="Courier New" panose="02070309020205020404" pitchFamily="49" charset="0"/>
+                <a:cs typeface="Courier New" panose="02070309020205020404" pitchFamily="49" charset="0"/>
+              </a:rPr>
+              <a:t>&lt;/</a:t>
+            </a:r>
+            <a:r>
+              <a:rPr lang="en-GB" dirty="0" err="1">
+                <a:latin typeface="Courier New" panose="02070309020205020404" pitchFamily="49" charset="0"/>
+                <a:cs typeface="Courier New" panose="02070309020205020404" pitchFamily="49" charset="0"/>
+              </a:rPr>
               <a:t>sch:rule</a:t>
             </a:r>
             <a:r>
@@ -10262,207 +10926,58 @@
                 <a:latin typeface="Courier New" panose="02070309020205020404" pitchFamily="49" charset="0"/>
                 <a:cs typeface="Courier New" panose="02070309020205020404" pitchFamily="49" charset="0"/>
               </a:rPr>
-              <a:t>)*, $</a:t>
+              <a:t>&gt;</a:t>
+            </a:r>
+          </a:p>
+          <a:p>
+            <a:pPr marL="0" indent="0">
+              <a:buNone/>
+            </a:pPr>
+            <a:endParaRPr lang="en-GB" dirty="0">
+              <a:latin typeface="Courier New" panose="02070309020205020404" pitchFamily="49" charset="0"/>
+              <a:cs typeface="Courier New" panose="02070309020205020404" pitchFamily="49" charset="0"/>
+            </a:endParaRPr>
+          </a:p>
+          <a:p>
+            <a:pPr marL="0" indent="0">
+              <a:buNone/>
+            </a:pPr>
+            <a:r>
+              <a:rPr lang="en-GB" i="1" dirty="0">
+                <a:cs typeface="Courier New" panose="02070309020205020404" pitchFamily="49" charset="0"/>
+              </a:rPr>
+              <a:t>Remedy: </a:t>
             </a:r>
             <a:r>
               <a:rPr lang="en-GB" dirty="0" err="1">
                 <a:latin typeface="Courier New" panose="02070309020205020404" pitchFamily="49" charset="0"/>
                 <a:cs typeface="Courier New" panose="02070309020205020404" pitchFamily="49" charset="0"/>
               </a:rPr>
-              <a:t>prolog</a:t>
+              <a:t>xquery:parse</a:t>
             </a:r>
             <a:r>
               <a:rPr lang="en-GB" dirty="0">
                 <a:latin typeface="Courier New" panose="02070309020205020404" pitchFamily="49" charset="0"/>
                 <a:cs typeface="Courier New" panose="02070309020205020404" pitchFamily="49" charset="0"/>
               </a:rPr>
-              <a:t> as </a:t>
-            </a:r>
-            <a:r>
-              <a:rPr lang="en-GB" dirty="0" err="1">
-                <a:latin typeface="Courier New" panose="02070309020205020404" pitchFamily="49" charset="0"/>
-                <a:cs typeface="Courier New" panose="02070309020205020404" pitchFamily="49" charset="0"/>
-              </a:rPr>
-              <a:t>xs:string</a:t>
-            </a:r>
-            <a:r>
-              <a:rPr lang="en-GB" dirty="0">
-                <a:latin typeface="Courier New" panose="02070309020205020404" pitchFamily="49" charset="0"/>
-                <a:cs typeface="Courier New" panose="02070309020205020404" pitchFamily="49" charset="0"/>
-              </a:rPr>
-              <a:t>?, $context as map(*)) as element()*</a:t>
+              <a:t>()</a:t>
             </a:r>
           </a:p>
           <a:p>
             <a:pPr marL="0" indent="0">
               <a:buNone/>
             </a:pPr>
-            <a:r>
-              <a:rPr lang="en-GB" dirty="0">
-                <a:latin typeface="Courier New" panose="02070309020205020404" pitchFamily="49" charset="0"/>
-                <a:cs typeface="Courier New" panose="02070309020205020404" pitchFamily="49" charset="0"/>
-              </a:rPr>
-              <a:t>{</a:t>
-            </a:r>
-          </a:p>
-          <a:p>
-            <a:pPr marL="0" indent="0">
-              <a:buNone/>
-            </a:pPr>
-            <a:r>
-              <a:rPr lang="en-GB" dirty="0">
-                <a:latin typeface="Courier New" panose="02070309020205020404" pitchFamily="49" charset="0"/>
-                <a:cs typeface="Courier New" panose="02070309020205020404" pitchFamily="49" charset="0"/>
-              </a:rPr>
-              <a:t>  if(empty($rules))</a:t>
-            </a:r>
-          </a:p>
-          <a:p>
-            <a:pPr marL="0" indent="0">
-              <a:buNone/>
-            </a:pPr>
-            <a:r>
-              <a:rPr lang="en-GB" dirty="0">
-                <a:latin typeface="Courier New" panose="02070309020205020404" pitchFamily="49" charset="0"/>
-                <a:cs typeface="Courier New" panose="02070309020205020404" pitchFamily="49" charset="0"/>
-              </a:rPr>
-              <a:t>  then ()</a:t>
-            </a:r>
-          </a:p>
-          <a:p>
-            <a:pPr marL="0" indent="0">
-              <a:buNone/>
-            </a:pPr>
-            <a:r>
-              <a:rPr lang="en-GB" dirty="0">
-                <a:latin typeface="Courier New" panose="02070309020205020404" pitchFamily="49" charset="0"/>
-                <a:cs typeface="Courier New" panose="02070309020205020404" pitchFamily="49" charset="0"/>
-              </a:rPr>
-              <a:t>  else</a:t>
-            </a:r>
-          </a:p>
-          <a:p>
-            <a:pPr marL="0" indent="0">
-              <a:buNone/>
-            </a:pPr>
-            <a:r>
-              <a:rPr lang="en-GB" dirty="0">
-                <a:latin typeface="Courier New" panose="02070309020205020404" pitchFamily="49" charset="0"/>
-                <a:cs typeface="Courier New" panose="02070309020205020404" pitchFamily="49" charset="0"/>
-              </a:rPr>
-              <a:t>    let $result := </a:t>
-            </a:r>
-            <a:r>
-              <a:rPr lang="en-GB" b="1" dirty="0" err="1">
-                <a:latin typeface="Courier New" panose="02070309020205020404" pitchFamily="49" charset="0"/>
-                <a:cs typeface="Courier New" panose="02070309020205020404" pitchFamily="49" charset="0"/>
-              </a:rPr>
-              <a:t>eval:rule</a:t>
-            </a:r>
-            <a:r>
-              <a:rPr lang="en-GB" b="1" dirty="0">
-                <a:latin typeface="Courier New" panose="02070309020205020404" pitchFamily="49" charset="0"/>
-                <a:cs typeface="Courier New" panose="02070309020205020404" pitchFamily="49" charset="0"/>
-              </a:rPr>
-              <a:t>(head($rules), $</a:t>
-            </a:r>
-            <a:r>
-              <a:rPr lang="en-GB" b="1" dirty="0" err="1">
-                <a:latin typeface="Courier New" panose="02070309020205020404" pitchFamily="49" charset="0"/>
-                <a:cs typeface="Courier New" panose="02070309020205020404" pitchFamily="49" charset="0"/>
-              </a:rPr>
-              <a:t>prolog</a:t>
-            </a:r>
-            <a:r>
-              <a:rPr lang="en-GB" b="1" dirty="0">
-                <a:latin typeface="Courier New" panose="02070309020205020404" pitchFamily="49" charset="0"/>
-                <a:cs typeface="Courier New" panose="02070309020205020404" pitchFamily="49" charset="0"/>
-              </a:rPr>
-              <a:t>, $context)</a:t>
-            </a:r>
-          </a:p>
-          <a:p>
-            <a:pPr marL="0" indent="0">
-              <a:buNone/>
-            </a:pPr>
-            <a:r>
-              <a:rPr lang="en-GB" dirty="0">
-                <a:latin typeface="Courier New" panose="02070309020205020404" pitchFamily="49" charset="0"/>
-                <a:cs typeface="Courier New" panose="02070309020205020404" pitchFamily="49" charset="0"/>
-              </a:rPr>
-              <a:t>    return if($result)</a:t>
-            </a:r>
-          </a:p>
-          <a:p>
-            <a:pPr marL="0" indent="0">
-              <a:buNone/>
-            </a:pPr>
-            <a:r>
-              <a:rPr lang="en-GB" dirty="0">
-                <a:latin typeface="Courier New" panose="02070309020205020404" pitchFamily="49" charset="0"/>
-                <a:cs typeface="Courier New" panose="02070309020205020404" pitchFamily="49" charset="0"/>
-              </a:rPr>
-              <a:t>    then $result</a:t>
-            </a:r>
-          </a:p>
-          <a:p>
-            <a:pPr marL="0" indent="0">
-              <a:buNone/>
-            </a:pPr>
-            <a:r>
-              <a:rPr lang="en-GB" dirty="0">
-                <a:latin typeface="Courier New" panose="02070309020205020404" pitchFamily="49" charset="0"/>
-                <a:cs typeface="Courier New" panose="02070309020205020404" pitchFamily="49" charset="0"/>
-              </a:rPr>
-              <a:t>    else </a:t>
-            </a:r>
-            <a:r>
-              <a:rPr lang="en-GB" b="1" dirty="0" err="1">
-                <a:latin typeface="Courier New" panose="02070309020205020404" pitchFamily="49" charset="0"/>
-                <a:cs typeface="Courier New" panose="02070309020205020404" pitchFamily="49" charset="0"/>
-              </a:rPr>
-              <a:t>eval:rules</a:t>
-            </a:r>
-            <a:r>
-              <a:rPr lang="en-GB" b="1" dirty="0">
-                <a:latin typeface="Courier New" panose="02070309020205020404" pitchFamily="49" charset="0"/>
-                <a:cs typeface="Courier New" panose="02070309020205020404" pitchFamily="49" charset="0"/>
-              </a:rPr>
-              <a:t>(tail($rules), $</a:t>
-            </a:r>
-            <a:r>
-              <a:rPr lang="en-GB" b="1" dirty="0" err="1">
-                <a:latin typeface="Courier New" panose="02070309020205020404" pitchFamily="49" charset="0"/>
-                <a:cs typeface="Courier New" panose="02070309020205020404" pitchFamily="49" charset="0"/>
-              </a:rPr>
-              <a:t>prolog</a:t>
-            </a:r>
-            <a:r>
-              <a:rPr lang="en-GB" b="1" dirty="0">
-                <a:latin typeface="Courier New" panose="02070309020205020404" pitchFamily="49" charset="0"/>
-                <a:cs typeface="Courier New" panose="02070309020205020404" pitchFamily="49" charset="0"/>
-              </a:rPr>
-              <a:t>, $context)</a:t>
-            </a:r>
-          </a:p>
-          <a:p>
-            <a:pPr marL="0" indent="0">
-              <a:buNone/>
-            </a:pPr>
-            <a:r>
-              <a:rPr lang="en-GB" dirty="0">
-                <a:latin typeface="Courier New" panose="02070309020205020404" pitchFamily="49" charset="0"/>
-                <a:cs typeface="Courier New" panose="02070309020205020404" pitchFamily="49" charset="0"/>
-              </a:rPr>
-              <a:t>};</a:t>
-            </a:r>
+            <a:endParaRPr lang="en-GB" dirty="0">
+              <a:latin typeface="Courier New" panose="02070309020205020404" pitchFamily="49" charset="0"/>
+              <a:cs typeface="Courier New" panose="02070309020205020404" pitchFamily="49" charset="0"/>
+            </a:endParaRPr>
           </a:p>
         </p:txBody>
       </p:sp>
     </p:spTree>
     <p:extLst>
       <p:ext uri="{BB962C8B-B14F-4D97-AF65-F5344CB8AC3E}">
-        <p14:creationId xmlns:p14="http://schemas.microsoft.com/office/powerpoint/2010/main" val="1450008964"/>
+        <p14:creationId xmlns:p14="http://schemas.microsoft.com/office/powerpoint/2010/main" val="1223542012"/>
       </p:ext>
     </p:extLst>
   </p:cSld>
@@ -10494,7 +11009,7 @@
           <p:cNvPr id="2" name="Title 1">
             <a:extLst>
               <a:ext uri="{FF2B5EF4-FFF2-40B4-BE49-F238E27FC236}">
-                <a16:creationId xmlns:a16="http://schemas.microsoft.com/office/drawing/2014/main" id="{AA8B0EB9-6F49-44E1-89EA-FBBFC96F4CAF}"/>
+                <a16:creationId xmlns:a16="http://schemas.microsoft.com/office/drawing/2014/main" id="{A4AB8F6A-A471-4F21-8E56-5BD78423DDF6}"/>
               </a:ext>
             </a:extLst>
           </p:cNvPr>
@@ -10512,7 +11027,7 @@
           <a:p>
             <a:r>
               <a:rPr lang="en-GB" dirty="0"/>
-              <a:t>Hidden syntax errors</a:t>
+              <a:t>Global read lock</a:t>
             </a:r>
           </a:p>
         </p:txBody>
@@ -10522,7 +11037,7 @@
           <p:cNvPr id="3" name="Content Placeholder 2">
             <a:extLst>
               <a:ext uri="{FF2B5EF4-FFF2-40B4-BE49-F238E27FC236}">
-                <a16:creationId xmlns:a16="http://schemas.microsoft.com/office/drawing/2014/main" id="{CEFDA6AB-AA81-462E-9433-90B7BF6DD222}"/>
+                <a16:creationId xmlns:a16="http://schemas.microsoft.com/office/drawing/2014/main" id="{B4C353DE-393C-4166-B4D9-06CCFABA6BC9}"/>
               </a:ext>
             </a:extLst>
           </p:cNvPr>
@@ -10538,181 +11053,51 @@
           <a:bodyPr/>
           <a:lstStyle/>
           <a:p>
-            <a:pPr marL="0" indent="0">
-              <a:buNone/>
-            </a:pPr>
+            <a:r>
+              <a:rPr lang="en-GB" dirty="0" err="1">
+                <a:latin typeface="Courier New" panose="02070309020205020404" pitchFamily="49" charset="0"/>
+                <a:cs typeface="Courier New" panose="02070309020205020404" pitchFamily="49" charset="0"/>
+              </a:rPr>
+              <a:t>xquery:eval</a:t>
+            </a:r>
             <a:r>
               <a:rPr lang="en-GB" dirty="0">
-                <a:latin typeface="+mj-lt"/>
-                <a:cs typeface="Courier New" panose="02070309020205020404" pitchFamily="49" charset="0"/>
-              </a:rPr>
-              <a:t>Analogous to interpreted languages:</a:t>
-            </a:r>
-          </a:p>
-          <a:p>
-            <a:pPr marL="0" indent="0">
-              <a:buNone/>
-            </a:pPr>
-            <a:endParaRPr lang="en-GB" dirty="0">
-              <a:latin typeface="Courier New" panose="02070309020205020404" pitchFamily="49" charset="0"/>
-              <a:cs typeface="Courier New" panose="02070309020205020404" pitchFamily="49" charset="0"/>
-            </a:endParaRPr>
-          </a:p>
-          <a:p>
-            <a:pPr marL="0" indent="0">
-              <a:buNone/>
-            </a:pPr>
-            <a:r>
-              <a:rPr lang="en-GB" dirty="0">
-                <a:latin typeface="Courier New" panose="02070309020205020404" pitchFamily="49" charset="0"/>
-                <a:cs typeface="Courier New" panose="02070309020205020404" pitchFamily="49" charset="0"/>
-              </a:rPr>
-              <a:t>&lt;</a:t>
-            </a:r>
-            <a:r>
-              <a:rPr lang="en-GB" dirty="0" err="1">
-                <a:latin typeface="Courier New" panose="02070309020205020404" pitchFamily="49" charset="0"/>
-                <a:cs typeface="Courier New" panose="02070309020205020404" pitchFamily="49" charset="0"/>
-              </a:rPr>
-              <a:t>sch:rule</a:t>
-            </a:r>
-            <a:r>
-              <a:rPr lang="en-GB" dirty="0">
-                <a:latin typeface="Courier New" panose="02070309020205020404" pitchFamily="49" charset="0"/>
-                <a:cs typeface="Courier New" panose="02070309020205020404" pitchFamily="49" charset="0"/>
-              </a:rPr>
-              <a:t> context="/.."&gt;</a:t>
-            </a:r>
-          </a:p>
-          <a:p>
-            <a:pPr marL="0" indent="0">
-              <a:buNone/>
-            </a:pPr>
-            <a:r>
-              <a:rPr lang="en-GB" dirty="0">
-                <a:latin typeface="Courier New" panose="02070309020205020404" pitchFamily="49" charset="0"/>
-                <a:cs typeface="Courier New" panose="02070309020205020404" pitchFamily="49" charset="0"/>
-              </a:rPr>
-              <a:t>    &lt;</a:t>
-            </a:r>
-            <a:r>
-              <a:rPr lang="en-GB" dirty="0" err="1">
-                <a:latin typeface="Courier New" panose="02070309020205020404" pitchFamily="49" charset="0"/>
-                <a:cs typeface="Courier New" panose="02070309020205020404" pitchFamily="49" charset="0"/>
-              </a:rPr>
-              <a:t>sch:report</a:t>
-            </a:r>
-            <a:r>
-              <a:rPr lang="en-GB" dirty="0">
-                <a:latin typeface="Courier New" panose="02070309020205020404" pitchFamily="49" charset="0"/>
-                <a:cs typeface="Courier New" panose="02070309020205020404" pitchFamily="49" charset="0"/>
-              </a:rPr>
-              <a:t> test="</a:t>
-            </a:r>
-            <a:r>
-              <a:rPr lang="en-GB" b="1" dirty="0">
-                <a:latin typeface="Courier New" panose="02070309020205020404" pitchFamily="49" charset="0"/>
-                <a:cs typeface="Courier New" panose="02070309020205020404" pitchFamily="49" charset="0"/>
-              </a:rPr>
-              <a:t>???</a:t>
-            </a:r>
-            <a:r>
-              <a:rPr lang="en-GB" dirty="0">
-                <a:latin typeface="Courier New" panose="02070309020205020404" pitchFamily="49" charset="0"/>
-                <a:cs typeface="Courier New" panose="02070309020205020404" pitchFamily="49" charset="0"/>
-              </a:rPr>
-              <a:t>"&gt;[...]&lt;/</a:t>
-            </a:r>
-            <a:r>
-              <a:rPr lang="en-GB" dirty="0" err="1">
-                <a:latin typeface="Courier New" panose="02070309020205020404" pitchFamily="49" charset="0"/>
-                <a:cs typeface="Courier New" panose="02070309020205020404" pitchFamily="49" charset="0"/>
-              </a:rPr>
-              <a:t>sch:report</a:t>
-            </a:r>
-            <a:r>
-              <a:rPr lang="en-GB" dirty="0">
-                <a:latin typeface="Courier New" panose="02070309020205020404" pitchFamily="49" charset="0"/>
-                <a:cs typeface="Courier New" panose="02070309020205020404" pitchFamily="49" charset="0"/>
-              </a:rPr>
-              <a:t>&gt;</a:t>
-            </a:r>
-          </a:p>
-          <a:p>
-            <a:pPr marL="0" indent="0">
-              <a:buNone/>
-            </a:pPr>
-            <a:r>
-              <a:rPr lang="en-GB" dirty="0">
-                <a:latin typeface="Courier New" panose="02070309020205020404" pitchFamily="49" charset="0"/>
-                <a:cs typeface="Courier New" panose="02070309020205020404" pitchFamily="49" charset="0"/>
-              </a:rPr>
-              <a:t>&lt;/</a:t>
-            </a:r>
-            <a:r>
-              <a:rPr lang="en-GB" dirty="0" err="1">
-                <a:latin typeface="Courier New" panose="02070309020205020404" pitchFamily="49" charset="0"/>
-                <a:cs typeface="Courier New" panose="02070309020205020404" pitchFamily="49" charset="0"/>
-              </a:rPr>
-              <a:t>sch:rule</a:t>
-            </a:r>
-            <a:r>
-              <a:rPr lang="en-GB" dirty="0">
-                <a:latin typeface="Courier New" panose="02070309020205020404" pitchFamily="49" charset="0"/>
-                <a:cs typeface="Courier New" panose="02070309020205020404" pitchFamily="49" charset="0"/>
-              </a:rPr>
-              <a:t>&gt;</a:t>
-            </a:r>
-          </a:p>
-          <a:p>
-            <a:pPr marL="0" indent="0">
-              <a:buNone/>
-            </a:pPr>
-            <a:endParaRPr lang="en-GB" dirty="0">
-              <a:latin typeface="Courier New" panose="02070309020205020404" pitchFamily="49" charset="0"/>
-              <a:cs typeface="Courier New" panose="02070309020205020404" pitchFamily="49" charset="0"/>
-            </a:endParaRPr>
-          </a:p>
-          <a:p>
-            <a:pPr marL="0" indent="0">
-              <a:buNone/>
-            </a:pPr>
-            <a:r>
-              <a:rPr lang="en-GB" i="1" dirty="0">
-                <a:cs typeface="Courier New" panose="02070309020205020404" pitchFamily="49" charset="0"/>
-              </a:rPr>
-              <a:t>Remedy: </a:t>
-            </a:r>
-            <a:r>
-              <a:rPr lang="en-GB" dirty="0" err="1">
-                <a:latin typeface="Courier New" panose="02070309020205020404" pitchFamily="49" charset="0"/>
-                <a:cs typeface="Courier New" panose="02070309020205020404" pitchFamily="49" charset="0"/>
-              </a:rPr>
-              <a:t>xquery:parse</a:t>
-            </a:r>
-            <a:r>
-              <a:rPr lang="en-GB" dirty="0">
                 <a:latin typeface="Courier New" panose="02070309020205020404" pitchFamily="49" charset="0"/>
                 <a:cs typeface="Courier New" panose="02070309020205020404" pitchFamily="49" charset="0"/>
               </a:rPr>
               <a:t>()</a:t>
             </a:r>
-          </a:p>
-          <a:p>
-            <a:pPr marL="0" indent="0">
-              <a:buNone/>
-            </a:pPr>
-            <a:endParaRPr lang="en-GB" dirty="0">
-              <a:latin typeface="Courier New" panose="02070309020205020404" pitchFamily="49" charset="0"/>
-              <a:cs typeface="Courier New" panose="02070309020205020404" pitchFamily="49" charset="0"/>
-            </a:endParaRPr>
+            <a:r>
+              <a:rPr lang="en-GB" dirty="0"/>
+              <a:t> imposes this</a:t>
+            </a:r>
+          </a:p>
+          <a:p>
+            <a:r>
+              <a:rPr lang="en-GB" dirty="0"/>
+              <a:t>No issue if not using </a:t>
+            </a:r>
+            <a:r>
+              <a:rPr lang="en-GB" dirty="0" err="1"/>
+              <a:t>BaseX</a:t>
+            </a:r>
+            <a:r>
+              <a:rPr lang="en-GB" dirty="0"/>
+              <a:t> as DB</a:t>
+            </a:r>
+          </a:p>
+          <a:p>
+            <a:r>
+              <a:rPr lang="en-GB" dirty="0"/>
+              <a:t>Otherwise: use compiled schema instead</a:t>
+            </a:r>
           </a:p>
         </p:txBody>
       </p:sp>
     </p:spTree>
     <p:extLst>
       <p:ext uri="{BB962C8B-B14F-4D97-AF65-F5344CB8AC3E}">
-        <p14:creationId xmlns:p14="http://schemas.microsoft.com/office/powerpoint/2010/main" val="1223542012"/>
+        <p14:creationId xmlns:p14="http://schemas.microsoft.com/office/powerpoint/2010/main" val="933325573"/>
       </p:ext>
     </p:extLst>
   </p:cSld>
@@ -10744,7 +11129,7 @@
           <p:cNvPr id="2" name="Title 1">
             <a:extLst>
               <a:ext uri="{FF2B5EF4-FFF2-40B4-BE49-F238E27FC236}">
-                <a16:creationId xmlns:a16="http://schemas.microsoft.com/office/drawing/2014/main" id="{A4AB8F6A-A471-4F21-8E56-5BD78423DDF6}"/>
+                <a16:creationId xmlns:a16="http://schemas.microsoft.com/office/drawing/2014/main" id="{FB1659E1-3667-499F-BC3D-31CBAF28E2DA}"/>
               </a:ext>
             </a:extLst>
           </p:cNvPr>
@@ -10762,7 +11147,7 @@
           <a:p>
             <a:r>
               <a:rPr lang="en-GB" dirty="0"/>
-              <a:t>Global read lock</a:t>
+              <a:t>Compile schema</a:t>
             </a:r>
           </a:p>
         </p:txBody>
@@ -10772,7 +11157,7 @@
           <p:cNvPr id="3" name="Content Placeholder 2">
             <a:extLst>
               <a:ext uri="{FF2B5EF4-FFF2-40B4-BE49-F238E27FC236}">
-                <a16:creationId xmlns:a16="http://schemas.microsoft.com/office/drawing/2014/main" id="{B4C353DE-393C-4166-B4D9-06CCFABA6BC9}"/>
+                <a16:creationId xmlns:a16="http://schemas.microsoft.com/office/drawing/2014/main" id="{AF99FFB9-8252-4ED5-A34D-B00C07FCE9FA}"/>
               </a:ext>
             </a:extLst>
           </p:cNvPr>
@@ -10789,28 +11174,32 @@
           <a:lstStyle/>
           <a:p>
             <a:r>
-              <a:rPr lang="en-GB" dirty="0" err="1">
-                <a:latin typeface="Courier New" panose="02070309020205020404" pitchFamily="49" charset="0"/>
-                <a:cs typeface="Courier New" panose="02070309020205020404" pitchFamily="49" charset="0"/>
-              </a:rPr>
-              <a:t>xquery:eval</a:t>
-            </a:r>
-            <a:r>
-              <a:rPr lang="en-GB" dirty="0">
-                <a:latin typeface="Courier New" panose="02070309020205020404" pitchFamily="49" charset="0"/>
-                <a:cs typeface="Courier New" panose="02070309020205020404" pitchFamily="49" charset="0"/>
-              </a:rPr>
-              <a:t>()</a:t>
-            </a:r>
-            <a:r>
-              <a:rPr lang="en-GB" dirty="0"/>
-              <a:t> imposes this</a:t>
-            </a:r>
-          </a:p>
-          <a:p>
-            <a:r>
-              <a:rPr lang="en-GB" dirty="0"/>
-              <a:t>No issue if not using </a:t>
+              <a:rPr lang="en-GB" dirty="0"/>
+              <a:t>Tangible code that can be debugged</a:t>
+            </a:r>
+          </a:p>
+          <a:p>
+            <a:r>
+              <a:rPr lang="en-GB" dirty="0"/>
+              <a:t>Function for each pattern, rule, assertion</a:t>
+            </a:r>
+          </a:p>
+          <a:p>
+            <a:r>
+              <a:rPr lang="en-GB" dirty="0"/>
+              <a:t>Output is XQuery main module</a:t>
+            </a:r>
+          </a:p>
+          <a:p>
+            <a:r>
+              <a:rPr lang="en-GB" dirty="0"/>
+              <a:t>Document or URI as external variable</a:t>
+            </a:r>
+          </a:p>
+          <a:p>
+            <a:r>
+              <a:rPr lang="en-GB" dirty="0"/>
+              <a:t>Runs under </a:t>
             </a:r>
             <a:r>
               <a:rPr lang="en-GB" dirty="0" err="1"/>
@@ -10818,13 +11207,7 @@
             </a:r>
             <a:r>
               <a:rPr lang="en-GB" dirty="0"/>
-              <a:t> as DB</a:t>
-            </a:r>
-          </a:p>
-          <a:p>
-            <a:r>
-              <a:rPr lang="en-GB" dirty="0"/>
-              <a:t>Otherwise: use compiled schema instead</a:t>
+              <a:t> and Saxon (et al.?)</a:t>
             </a:r>
           </a:p>
         </p:txBody>
@@ -10832,7 +11215,7 @@
     </p:spTree>
     <p:extLst>
       <p:ext uri="{BB962C8B-B14F-4D97-AF65-F5344CB8AC3E}">
-        <p14:creationId xmlns:p14="http://schemas.microsoft.com/office/powerpoint/2010/main" val="933325573"/>
+        <p14:creationId xmlns:p14="http://schemas.microsoft.com/office/powerpoint/2010/main" val="3964751850"/>
       </p:ext>
     </p:extLst>
   </p:cSld>
@@ -10864,7 +11247,7 @@
           <p:cNvPr id="2" name="Title 1">
             <a:extLst>
               <a:ext uri="{FF2B5EF4-FFF2-40B4-BE49-F238E27FC236}">
-                <a16:creationId xmlns:a16="http://schemas.microsoft.com/office/drawing/2014/main" id="{FB1659E1-3667-499F-BC3D-31CBAF28E2DA}"/>
+                <a16:creationId xmlns:a16="http://schemas.microsoft.com/office/drawing/2014/main" id="{F96FCF1B-0D3A-4A80-87A0-C78E472EBA72}"/>
               </a:ext>
             </a:extLst>
           </p:cNvPr>
@@ -10882,7 +11265,7 @@
           <a:p>
             <a:r>
               <a:rPr lang="en-GB" dirty="0"/>
-              <a:t>Compile schema</a:t>
+              <a:t>Compile complications</a:t>
             </a:r>
           </a:p>
         </p:txBody>
@@ -10892,7 +11275,7 @@
           <p:cNvPr id="3" name="Content Placeholder 2">
             <a:extLst>
               <a:ext uri="{FF2B5EF4-FFF2-40B4-BE49-F238E27FC236}">
-                <a16:creationId xmlns:a16="http://schemas.microsoft.com/office/drawing/2014/main" id="{AF99FFB9-8252-4ED5-A34D-B00C07FCE9FA}"/>
+                <a16:creationId xmlns:a16="http://schemas.microsoft.com/office/drawing/2014/main" id="{D8707E5D-55C2-4D8A-8EAE-4ED38B87597B}"/>
               </a:ext>
             </a:extLst>
           </p:cNvPr>
@@ -10910,45 +11293,49 @@
           <a:p>
             <a:r>
               <a:rPr lang="en-GB" dirty="0"/>
-              <a:t>Tangible code that can be debugged</a:t>
-            </a:r>
-          </a:p>
-          <a:p>
-            <a:r>
-              <a:rPr lang="en-GB" dirty="0"/>
-              <a:t>A bit simpler to write</a:t>
-            </a:r>
-          </a:p>
-          <a:p>
-            <a:r>
-              <a:rPr lang="en-GB" dirty="0"/>
-              <a:t>Function for each pattern, rule, assertion</a:t>
-            </a:r>
-          </a:p>
-          <a:p>
-            <a:r>
-              <a:rPr lang="en-GB" dirty="0"/>
-              <a:t>Output is XQuery main module</a:t>
-            </a:r>
-          </a:p>
-          <a:p>
-            <a:r>
-              <a:rPr lang="en-GB" dirty="0"/>
-              <a:t>Document or URI as external variable</a:t>
-            </a:r>
-          </a:p>
-          <a:p>
-            <a:r>
-              <a:rPr lang="en-GB" dirty="0"/>
-              <a:t>Runs under </a:t>
-            </a:r>
-            <a:r>
-              <a:rPr lang="en-GB" dirty="0" err="1"/>
-              <a:t>BaseX</a:t>
-            </a:r>
-            <a:r>
-              <a:rPr lang="en-GB" dirty="0"/>
-              <a:t> and Saxon (et al.?)</a:t>
+              <a:t>Assembled XQuery contains (SVRL) nodes and strings</a:t>
+            </a:r>
+          </a:p>
+          <a:p>
+            <a:pPr marL="0" indent="0">
+              <a:buNone/>
+            </a:pPr>
+            <a:r>
+              <a:rPr lang="en-GB" dirty="0">
+                <a:latin typeface="Courier New" panose="02070309020205020404" pitchFamily="49" charset="0"/>
+                <a:cs typeface="Courier New" panose="02070309020205020404" pitchFamily="49" charset="0"/>
+              </a:rPr>
+              <a:t>=&gt; serialize(map{‘method’:’</a:t>
+            </a:r>
+            <a:r>
+              <a:rPr lang="en-GB" dirty="0" err="1">
+                <a:latin typeface="Courier New" panose="02070309020205020404" pitchFamily="49" charset="0"/>
+                <a:cs typeface="Courier New" panose="02070309020205020404" pitchFamily="49" charset="0"/>
+              </a:rPr>
+              <a:t>basex</a:t>
+            </a:r>
+            <a:r>
+              <a:rPr lang="en-GB" dirty="0">
+                <a:latin typeface="Courier New" panose="02070309020205020404" pitchFamily="49" charset="0"/>
+                <a:cs typeface="Courier New" panose="02070309020205020404" pitchFamily="49" charset="0"/>
+              </a:rPr>
+              <a:t>’})</a:t>
+            </a:r>
+          </a:p>
+          <a:p>
+            <a:r>
+              <a:rPr lang="en-GB" dirty="0"/>
+              <a:t>Internal variables in XQS namespace</a:t>
+            </a:r>
+          </a:p>
+          <a:p>
+            <a:r>
+              <a:rPr lang="en-GB" dirty="0"/>
+              <a:t>Currently compiles </a:t>
+            </a:r>
+            <a:r>
+              <a:rPr lang="en-GB" i="1" dirty="0"/>
+              <a:t>per phase</a:t>
             </a:r>
           </a:p>
         </p:txBody>
@@ -10956,7 +11343,7 @@
     </p:spTree>
     <p:extLst>
       <p:ext uri="{BB962C8B-B14F-4D97-AF65-F5344CB8AC3E}">
-        <p14:creationId xmlns:p14="http://schemas.microsoft.com/office/powerpoint/2010/main" val="3964751850"/>
+        <p14:creationId xmlns:p14="http://schemas.microsoft.com/office/powerpoint/2010/main" val="889574556"/>
       </p:ext>
     </p:extLst>
   </p:cSld>
@@ -10988,7 +11375,7 @@
           <p:cNvPr id="2" name="Title 1">
             <a:extLst>
               <a:ext uri="{FF2B5EF4-FFF2-40B4-BE49-F238E27FC236}">
-                <a16:creationId xmlns:a16="http://schemas.microsoft.com/office/drawing/2014/main" id="{F96FCF1B-0D3A-4A80-87A0-C78E472EBA72}"/>
+                <a16:creationId xmlns:a16="http://schemas.microsoft.com/office/drawing/2014/main" id="{5904455B-3142-4F47-92E2-FC5EB907500D}"/>
               </a:ext>
             </a:extLst>
           </p:cNvPr>
@@ -11006,7 +11393,7 @@
           <a:p>
             <a:r>
               <a:rPr lang="en-GB" dirty="0"/>
-              <a:t>Compile complications</a:t>
+              <a:t>Other features</a:t>
             </a:r>
           </a:p>
         </p:txBody>
@@ -11016,7 +11403,7 @@
           <p:cNvPr id="3" name="Content Placeholder 2">
             <a:extLst>
               <a:ext uri="{FF2B5EF4-FFF2-40B4-BE49-F238E27FC236}">
-                <a16:creationId xmlns:a16="http://schemas.microsoft.com/office/drawing/2014/main" id="{D8707E5D-55C2-4D8A-8EAE-4ED38B87597B}"/>
+                <a16:creationId xmlns:a16="http://schemas.microsoft.com/office/drawing/2014/main" id="{5BA4C3DA-DFEC-413C-A7BB-3226D67F3EFD}"/>
               </a:ext>
             </a:extLst>
           </p:cNvPr>
@@ -11034,7 +11421,7 @@
           <a:p>
             <a:r>
               <a:rPr lang="en-GB" dirty="0"/>
-              <a:t>Assembled XQuery contains (SVRL) nodes and strings</a:t>
+              <a:t>User-defined functions:</a:t>
             </a:r>
           </a:p>
           <a:p>
@@ -11042,44 +11429,206 @@
               <a:buNone/>
             </a:pPr>
             <a:r>
-              <a:rPr lang="en-GB" dirty="0">
-                <a:latin typeface="Courier New" panose="02070309020205020404" pitchFamily="49" charset="0"/>
-                <a:cs typeface="Courier New" panose="02070309020205020404" pitchFamily="49" charset="0"/>
-              </a:rPr>
-              <a:t>=&gt; serialize(map{‘method’:’</a:t>
-            </a:r>
-            <a:r>
-              <a:rPr lang="en-GB" dirty="0" err="1">
-                <a:latin typeface="Courier New" panose="02070309020205020404" pitchFamily="49" charset="0"/>
-                <a:cs typeface="Courier New" panose="02070309020205020404" pitchFamily="49" charset="0"/>
-              </a:rPr>
-              <a:t>basex</a:t>
-            </a:r>
-            <a:r>
-              <a:rPr lang="en-GB" dirty="0">
-                <a:latin typeface="Courier New" panose="02070309020205020404" pitchFamily="49" charset="0"/>
-                <a:cs typeface="Courier New" panose="02070309020205020404" pitchFamily="49" charset="0"/>
-              </a:rPr>
-              <a:t>’})</a:t>
-            </a:r>
-          </a:p>
-          <a:p>
-            <a:r>
-              <a:rPr lang="en-GB" dirty="0"/>
-              <a:t>Internal variables in </a:t>
-            </a:r>
-            <a:r>
-              <a:rPr lang="en-GB"/>
-              <a:t>XQS namespace</a:t>
-            </a:r>
-            <a:endParaRPr lang="en-GB" dirty="0"/>
+              <a:rPr lang="en-GB" sz="2400" dirty="0">
+                <a:latin typeface="Courier New" panose="02070309020205020404" pitchFamily="49" charset="0"/>
+                <a:cs typeface="Courier New" panose="02070309020205020404" pitchFamily="49" charset="0"/>
+              </a:rPr>
+              <a:t>&lt;function </a:t>
+            </a:r>
+            <a:r>
+              <a:rPr lang="en-GB" sz="2400" dirty="0" err="1">
+                <a:latin typeface="Courier New" panose="02070309020205020404" pitchFamily="49" charset="0"/>
+                <a:cs typeface="Courier New" panose="02070309020205020404" pitchFamily="49" charset="0"/>
+              </a:rPr>
+              <a:t>xmlns</a:t>
+            </a:r>
+            <a:r>
+              <a:rPr lang="en-GB" sz="2400" dirty="0">
+                <a:latin typeface="Courier New" panose="02070309020205020404" pitchFamily="49" charset="0"/>
+                <a:cs typeface="Courier New" panose="02070309020205020404" pitchFamily="49" charset="0"/>
+              </a:rPr>
+              <a:t>='http://www.w3.org/2012/</a:t>
+            </a:r>
+            <a:r>
+              <a:rPr lang="en-GB" sz="2400" dirty="0" err="1">
+                <a:latin typeface="Courier New" panose="02070309020205020404" pitchFamily="49" charset="0"/>
+                <a:cs typeface="Courier New" panose="02070309020205020404" pitchFamily="49" charset="0"/>
+              </a:rPr>
+              <a:t>xquery</a:t>
+            </a:r>
+            <a:r>
+              <a:rPr lang="en-GB" sz="2400" dirty="0">
+                <a:latin typeface="Courier New" panose="02070309020205020404" pitchFamily="49" charset="0"/>
+                <a:cs typeface="Courier New" panose="02070309020205020404" pitchFamily="49" charset="0"/>
+              </a:rPr>
+              <a:t>’&gt;</a:t>
+            </a:r>
+            <a:br>
+              <a:rPr lang="en-GB" sz="2400" dirty="0">
+                <a:latin typeface="Courier New" panose="02070309020205020404" pitchFamily="49" charset="0"/>
+                <a:cs typeface="Courier New" panose="02070309020205020404" pitchFamily="49" charset="0"/>
+              </a:rPr>
+            </a:br>
+            <a:r>
+              <a:rPr lang="en-GB" sz="2400" b="1" dirty="0">
+                <a:latin typeface="Courier New" panose="02070309020205020404" pitchFamily="49" charset="0"/>
+                <a:cs typeface="Courier New" panose="02070309020205020404" pitchFamily="49" charset="0"/>
+              </a:rPr>
+              <a:t>declare function </a:t>
+            </a:r>
+            <a:r>
+              <a:rPr lang="en-GB" sz="2400" b="1" dirty="0" err="1">
+                <a:latin typeface="Courier New" panose="02070309020205020404" pitchFamily="49" charset="0"/>
+                <a:cs typeface="Courier New" panose="02070309020205020404" pitchFamily="49" charset="0"/>
+              </a:rPr>
+              <a:t>myfunc:test</a:t>
+            </a:r>
+            <a:r>
+              <a:rPr lang="en-GB" sz="2400" b="1" dirty="0">
+                <a:latin typeface="Courier New" panose="02070309020205020404" pitchFamily="49" charset="0"/>
+                <a:cs typeface="Courier New" panose="02070309020205020404" pitchFamily="49" charset="0"/>
+              </a:rPr>
+              <a:t>($</a:t>
+            </a:r>
+            <a:r>
+              <a:rPr lang="en-GB" sz="2400" b="1" dirty="0" err="1">
+                <a:latin typeface="Courier New" panose="02070309020205020404" pitchFamily="49" charset="0"/>
+                <a:cs typeface="Courier New" panose="02070309020205020404" pitchFamily="49" charset="0"/>
+              </a:rPr>
+              <a:t>arg</a:t>
+            </a:r>
+            <a:r>
+              <a:rPr lang="en-GB" sz="2400" b="1" dirty="0">
+                <a:latin typeface="Courier New" panose="02070309020205020404" pitchFamily="49" charset="0"/>
+                <a:cs typeface="Courier New" panose="02070309020205020404" pitchFamily="49" charset="0"/>
+              </a:rPr>
+              <a:t> as </a:t>
+            </a:r>
+            <a:r>
+              <a:rPr lang="en-GB" sz="2400" b="1" dirty="0" err="1">
+                <a:latin typeface="Courier New" panose="02070309020205020404" pitchFamily="49" charset="0"/>
+                <a:cs typeface="Courier New" panose="02070309020205020404" pitchFamily="49" charset="0"/>
+              </a:rPr>
+              <a:t>xs:string</a:t>
+            </a:r>
+            <a:r>
+              <a:rPr lang="en-GB" sz="2400" b="1" dirty="0">
+                <a:latin typeface="Courier New" panose="02070309020205020404" pitchFamily="49" charset="0"/>
+                <a:cs typeface="Courier New" panose="02070309020205020404" pitchFamily="49" charset="0"/>
+              </a:rPr>
+              <a:t>) as </a:t>
+            </a:r>
+            <a:r>
+              <a:rPr lang="en-GB" sz="2400" b="1" dirty="0" err="1">
+                <a:latin typeface="Courier New" panose="02070309020205020404" pitchFamily="49" charset="0"/>
+                <a:cs typeface="Courier New" panose="02070309020205020404" pitchFamily="49" charset="0"/>
+              </a:rPr>
+              <a:t>xs:string</a:t>
+            </a:r>
+            <a:r>
+              <a:rPr lang="en-GB" sz="2400" b="1" dirty="0">
+                <a:latin typeface="Courier New" panose="02070309020205020404" pitchFamily="49" charset="0"/>
+                <a:cs typeface="Courier New" panose="02070309020205020404" pitchFamily="49" charset="0"/>
+              </a:rPr>
+              <a:t>{$</a:t>
+            </a:r>
+            <a:r>
+              <a:rPr lang="en-GB" sz="2400" b="1" dirty="0" err="1">
+                <a:latin typeface="Courier New" panose="02070309020205020404" pitchFamily="49" charset="0"/>
+                <a:cs typeface="Courier New" panose="02070309020205020404" pitchFamily="49" charset="0"/>
+              </a:rPr>
+              <a:t>arg</a:t>
+            </a:r>
+            <a:r>
+              <a:rPr lang="en-GB" sz="2400" b="1" dirty="0">
+                <a:latin typeface="Courier New" panose="02070309020205020404" pitchFamily="49" charset="0"/>
+                <a:cs typeface="Courier New" panose="02070309020205020404" pitchFamily="49" charset="0"/>
+              </a:rPr>
+              <a:t>};</a:t>
+            </a:r>
+            <a:r>
+              <a:rPr lang="en-GB" sz="2400" dirty="0">
+                <a:latin typeface="Courier New" panose="02070309020205020404" pitchFamily="49" charset="0"/>
+                <a:cs typeface="Courier New" panose="02070309020205020404" pitchFamily="49" charset="0"/>
+              </a:rPr>
+              <a:t>&lt;/function&gt;</a:t>
+            </a:r>
+          </a:p>
+          <a:p>
+            <a:pPr marL="0" indent="0">
+              <a:buNone/>
+            </a:pPr>
+            <a:endParaRPr lang="en-GB" sz="2400" dirty="0">
+              <a:latin typeface="Courier New" panose="02070309020205020404" pitchFamily="49" charset="0"/>
+              <a:cs typeface="Courier New" panose="02070309020205020404" pitchFamily="49" charset="0"/>
+            </a:endParaRPr>
+          </a:p>
+          <a:p>
+            <a:r>
+              <a:rPr lang="en-GB" dirty="0"/>
+              <a:t>Maps as variables:</a:t>
+            </a:r>
+          </a:p>
+          <a:p>
+            <a:pPr marL="0" indent="0">
+              <a:buNone/>
+            </a:pPr>
+            <a:r>
+              <a:rPr lang="en-GB" sz="2400" dirty="0">
+                <a:latin typeface="Courier New" panose="02070309020205020404" pitchFamily="49" charset="0"/>
+                <a:cs typeface="Courier New" panose="02070309020205020404" pitchFamily="49" charset="0"/>
+              </a:rPr>
+              <a:t>&lt;</a:t>
+            </a:r>
+            <a:r>
+              <a:rPr lang="en-GB" sz="2400" dirty="0" err="1">
+                <a:latin typeface="Courier New" panose="02070309020205020404" pitchFamily="49" charset="0"/>
+                <a:cs typeface="Courier New" panose="02070309020205020404" pitchFamily="49" charset="0"/>
+              </a:rPr>
+              <a:t>sch:let</a:t>
+            </a:r>
+            <a:r>
+              <a:rPr lang="en-GB" sz="2400" dirty="0">
+                <a:latin typeface="Courier New" panose="02070309020205020404" pitchFamily="49" charset="0"/>
+                <a:cs typeface="Courier New" panose="02070309020205020404" pitchFamily="49" charset="0"/>
+              </a:rPr>
+              <a:t> name='foo' value="map{'</a:t>
+            </a:r>
+            <a:r>
+              <a:rPr lang="en-GB" sz="2400" dirty="0" err="1">
+                <a:latin typeface="Courier New" panose="02070309020205020404" pitchFamily="49" charset="0"/>
+                <a:cs typeface="Courier New" panose="02070309020205020404" pitchFamily="49" charset="0"/>
+              </a:rPr>
+              <a:t>foo':'bar</a:t>
+            </a:r>
+            <a:r>
+              <a:rPr lang="en-GB" sz="2400" dirty="0">
+                <a:latin typeface="Courier New" panose="02070309020205020404" pitchFamily="49" charset="0"/>
+                <a:cs typeface="Courier New" panose="02070309020205020404" pitchFamily="49" charset="0"/>
+              </a:rPr>
+              <a:t>'}}" 	</a:t>
+            </a:r>
+            <a:r>
+              <a:rPr lang="en-GB" sz="2400" b="1" dirty="0">
+                <a:latin typeface="Courier New" panose="02070309020205020404" pitchFamily="49" charset="0"/>
+                <a:cs typeface="Courier New" panose="02070309020205020404" pitchFamily="49" charset="0"/>
+              </a:rPr>
+              <a:t>as='map(*)'</a:t>
+            </a:r>
+            <a:r>
+              <a:rPr lang="en-GB" sz="2400" dirty="0">
+                <a:latin typeface="Courier New" panose="02070309020205020404" pitchFamily="49" charset="0"/>
+                <a:cs typeface="Courier New" panose="02070309020205020404" pitchFamily="49" charset="0"/>
+              </a:rPr>
+              <a:t>/&gt;</a:t>
+            </a:r>
           </a:p>
         </p:txBody>
       </p:sp>
     </p:spTree>
     <p:extLst>
       <p:ext uri="{BB962C8B-B14F-4D97-AF65-F5344CB8AC3E}">
-        <p14:creationId xmlns:p14="http://schemas.microsoft.com/office/powerpoint/2010/main" val="889574556"/>
+        <p14:creationId xmlns:p14="http://schemas.microsoft.com/office/powerpoint/2010/main" val="1966342733"/>
       </p:ext>
     </p:extLst>
   </p:cSld>
@@ -11111,7 +11660,7 @@
           <p:cNvPr id="2" name="Title 1">
             <a:extLst>
               <a:ext uri="{FF2B5EF4-FFF2-40B4-BE49-F238E27FC236}">
-                <a16:creationId xmlns:a16="http://schemas.microsoft.com/office/drawing/2014/main" id="{5904455B-3142-4F47-92E2-FC5EB907500D}"/>
+                <a16:creationId xmlns:a16="http://schemas.microsoft.com/office/drawing/2014/main" id="{6775A2C5-0F9E-4A8E-B122-59CE8682FDCF}"/>
               </a:ext>
             </a:extLst>
           </p:cNvPr>
@@ -11129,7 +11678,7 @@
           <a:p>
             <a:r>
               <a:rPr lang="en-GB" dirty="0"/>
-              <a:t>Other dev highlights</a:t>
+              <a:t>Caveats</a:t>
             </a:r>
           </a:p>
         </p:txBody>
@@ -11139,7 +11688,7 @@
           <p:cNvPr id="3" name="Content Placeholder 2">
             <a:extLst>
               <a:ext uri="{FF2B5EF4-FFF2-40B4-BE49-F238E27FC236}">
-                <a16:creationId xmlns:a16="http://schemas.microsoft.com/office/drawing/2014/main" id="{5BA4C3DA-DFEC-413C-A7BB-3226D67F3EFD}"/>
+                <a16:creationId xmlns:a16="http://schemas.microsoft.com/office/drawing/2014/main" id="{3C3FBDD6-99E9-4118-909C-CF9C85026BBE}"/>
               </a:ext>
             </a:extLst>
           </p:cNvPr>
@@ -11157,15 +11706,60 @@
           <a:p>
             <a:r>
               <a:rPr lang="en-GB" dirty="0"/>
-              <a:t>Pattern/@documents</a:t>
-            </a:r>
+              <a:t>Expansion &amp; inclusion deferred</a:t>
+            </a:r>
+          </a:p>
+          <a:p>
+            <a:pPr lvl="1"/>
+            <a:r>
+              <a:rPr lang="en-GB" dirty="0"/>
+              <a:t>BUT </a:t>
+            </a:r>
+            <a:r>
+              <a:rPr lang="en-GB" i="1" dirty="0"/>
+              <a:t>dynamic evaluation</a:t>
+            </a:r>
+            <a:r>
+              <a:rPr lang="en-GB" dirty="0"/>
+              <a:t> as well as compilation</a:t>
+            </a:r>
+          </a:p>
+          <a:p>
+            <a:r>
+              <a:rPr lang="en-GB" dirty="0"/>
+              <a:t>Reliant on </a:t>
+            </a:r>
+            <a:r>
+              <a:rPr lang="en-GB" dirty="0" err="1"/>
+              <a:t>BaseX</a:t>
+            </a:r>
+            <a:endParaRPr lang="en-GB" dirty="0"/>
+          </a:p>
+          <a:p>
+            <a:pPr lvl="1"/>
+            <a:r>
+              <a:rPr lang="en-GB" dirty="0"/>
+              <a:t>BUT compiled schemas (should be) portable</a:t>
+            </a:r>
+          </a:p>
+          <a:p>
+            <a:pPr lvl="1"/>
+            <a:r>
+              <a:rPr lang="en-GB" dirty="0"/>
+              <a:t>No need to store documents in </a:t>
+            </a:r>
+            <a:r>
+              <a:rPr lang="en-GB" dirty="0" err="1"/>
+              <a:t>BaseX</a:t>
+            </a:r>
+            <a:endParaRPr lang="en-GB" dirty="0"/>
           </a:p>
         </p:txBody>
       </p:sp>
     </p:spTree>
     <p:extLst>
       <p:ext uri="{BB962C8B-B14F-4D97-AF65-F5344CB8AC3E}">
-        <p14:creationId xmlns:p14="http://schemas.microsoft.com/office/powerpoint/2010/main" val="1966342733"/>
+        <p14:creationId xmlns:p14="http://schemas.microsoft.com/office/powerpoint/2010/main" val="1039456742"/>
       </p:ext>
     </p:extLst>
   </p:cSld>
@@ -11295,7 +11889,7 @@
           <p:cNvPr id="2" name="Title 1">
             <a:extLst>
               <a:ext uri="{FF2B5EF4-FFF2-40B4-BE49-F238E27FC236}">
-                <a16:creationId xmlns:a16="http://schemas.microsoft.com/office/drawing/2014/main" id="{6775A2C5-0F9E-4A8E-B122-59CE8682FDCF}"/>
+                <a16:creationId xmlns:a16="http://schemas.microsoft.com/office/drawing/2014/main" id="{CFC0DFF2-8874-4DE0-AC5D-C5EFB1E0DD88}"/>
               </a:ext>
             </a:extLst>
           </p:cNvPr>
@@ -11313,7 +11907,7 @@
           <a:p>
             <a:r>
               <a:rPr lang="en-GB" dirty="0"/>
-              <a:t>Caveats</a:t>
+              <a:t>Lessons learned</a:t>
             </a:r>
           </a:p>
         </p:txBody>
@@ -11323,7 +11917,7 @@
           <p:cNvPr id="3" name="Content Placeholder 2">
             <a:extLst>
               <a:ext uri="{FF2B5EF4-FFF2-40B4-BE49-F238E27FC236}">
-                <a16:creationId xmlns:a16="http://schemas.microsoft.com/office/drawing/2014/main" id="{3C3FBDD6-99E9-4118-909C-CF9C85026BBE}"/>
+                <a16:creationId xmlns:a16="http://schemas.microsoft.com/office/drawing/2014/main" id="{AC7CBF8B-EFF1-493E-BA47-16B781096507}"/>
               </a:ext>
             </a:extLst>
           </p:cNvPr>
@@ -11334,59 +11928,43 @@
             <p:ph idx="1"/>
           </p:nvPr>
         </p:nvSpPr>
-        <p:spPr/>
-        <p:txBody>
-          <a:bodyPr/>
-          <a:lstStyle/>
-          <a:p>
-            <a:r>
-              <a:rPr lang="en-GB" dirty="0"/>
-              <a:t>Expansion &amp; inclusion deferred</a:t>
-            </a:r>
-          </a:p>
-          <a:p>
-            <a:pPr lvl="1"/>
-            <a:r>
-              <a:rPr lang="en-GB" dirty="0"/>
-              <a:t>BUT </a:t>
-            </a:r>
-            <a:r>
-              <a:rPr lang="en-GB" i="1" dirty="0"/>
-              <a:t>dynamic evaluation</a:t>
-            </a:r>
-            <a:r>
-              <a:rPr lang="en-GB" dirty="0"/>
-              <a:t> as well as compilation</a:t>
-            </a:r>
-          </a:p>
-          <a:p>
-            <a:r>
-              <a:rPr lang="en-GB" dirty="0"/>
-              <a:t>Reliant on </a:t>
-            </a:r>
-            <a:r>
-              <a:rPr lang="en-GB" dirty="0" err="1"/>
-              <a:t>BaseX</a:t>
-            </a:r>
+        <p:spPr>
+          <a:xfrm>
+            <a:off x="838200" y="1855121"/>
+            <a:ext cx="10515600" cy="4351338"/>
+          </a:xfrm>
+        </p:spPr>
+        <p:txBody>
+          <a:bodyPr/>
+          <a:lstStyle/>
+          <a:p>
+            <a:r>
+              <a:rPr lang="en-GB" dirty="0"/>
+              <a:t>Start with compiling</a:t>
+            </a:r>
+          </a:p>
+          <a:p>
+            <a:r>
+              <a:rPr lang="en-GB" dirty="0"/>
+              <a:t>More work to maintain two methods and keep in sync</a:t>
+            </a:r>
+          </a:p>
+          <a:p>
+            <a:r>
+              <a:rPr lang="en-GB" dirty="0"/>
+              <a:t>Unit tests essentially the same for both</a:t>
+            </a:r>
+          </a:p>
+          <a:p>
+            <a:r>
+              <a:rPr lang="en-GB" dirty="0"/>
+              <a:t>Never try to write a paper at the same time as helping to organise a conference…</a:t>
+            </a:r>
+          </a:p>
+          <a:p>
             <a:endParaRPr lang="en-GB" dirty="0"/>
           </a:p>
           <a:p>
-            <a:pPr lvl="1"/>
-            <a:r>
-              <a:rPr lang="en-GB" dirty="0"/>
-              <a:t>BUT compiled schemas (should be) portable</a:t>
-            </a:r>
-          </a:p>
-          <a:p>
-            <a:pPr lvl="1"/>
-            <a:r>
-              <a:rPr lang="en-GB" dirty="0"/>
-              <a:t>No need to store documents in </a:t>
-            </a:r>
-            <a:r>
-              <a:rPr lang="en-GB" dirty="0" err="1"/>
-              <a:t>BaseX</a:t>
-            </a:r>
             <a:endParaRPr lang="en-GB" dirty="0"/>
           </a:p>
         </p:txBody>
@@ -11394,7 +11972,7 @@
     </p:spTree>
     <p:extLst>
       <p:ext uri="{BB962C8B-B14F-4D97-AF65-F5344CB8AC3E}">
-        <p14:creationId xmlns:p14="http://schemas.microsoft.com/office/powerpoint/2010/main" val="1039456742"/>
+        <p14:creationId xmlns:p14="http://schemas.microsoft.com/office/powerpoint/2010/main" val="1538454055"/>
       </p:ext>
     </p:extLst>
   </p:cSld>
@@ -11426,7 +12004,7 @@
           <p:cNvPr id="2" name="Title 1">
             <a:extLst>
               <a:ext uri="{FF2B5EF4-FFF2-40B4-BE49-F238E27FC236}">
-                <a16:creationId xmlns:a16="http://schemas.microsoft.com/office/drawing/2014/main" id="{CFC0DFF2-8874-4DE0-AC5D-C5EFB1E0DD88}"/>
+                <a16:creationId xmlns:a16="http://schemas.microsoft.com/office/drawing/2014/main" id="{33E997F2-0690-46D5-BE9F-606F0618A286}"/>
               </a:ext>
             </a:extLst>
           </p:cNvPr>
@@ -11444,7 +12022,7 @@
           <a:p>
             <a:r>
               <a:rPr lang="en-GB" dirty="0"/>
-              <a:t>Lessons learned</a:t>
+              <a:t>Learnings for XQuery QLB?</a:t>
             </a:r>
           </a:p>
         </p:txBody>
@@ -11454,7 +12032,7 @@
           <p:cNvPr id="3" name="Content Placeholder 2">
             <a:extLst>
               <a:ext uri="{FF2B5EF4-FFF2-40B4-BE49-F238E27FC236}">
-                <a16:creationId xmlns:a16="http://schemas.microsoft.com/office/drawing/2014/main" id="{AC7CBF8B-EFF1-493E-BA47-16B781096507}"/>
+                <a16:creationId xmlns:a16="http://schemas.microsoft.com/office/drawing/2014/main" id="{BA5C291A-766A-4484-AE8F-CDDA0DE3CF0C}"/>
               </a:ext>
             </a:extLst>
           </p:cNvPr>
@@ -11465,35 +12043,39 @@
             <p:ph idx="1"/>
           </p:nvPr>
         </p:nvSpPr>
-        <p:spPr>
-          <a:xfrm>
-            <a:off x="838200" y="1855121"/>
-            <a:ext cx="10515600" cy="4351338"/>
-          </a:xfrm>
-        </p:spPr>
-        <p:txBody>
-          <a:bodyPr/>
-          <a:lstStyle/>
-          <a:p>
-            <a:r>
-              <a:rPr lang="en-GB" dirty="0"/>
-              <a:t>Start with compiling</a:t>
-            </a:r>
-          </a:p>
-          <a:p>
-            <a:r>
-              <a:rPr lang="en-GB" dirty="0"/>
-              <a:t>More work to maintain two methods and keep in sync</a:t>
-            </a:r>
-          </a:p>
-          <a:p>
-            <a:r>
-              <a:rPr lang="en-GB" dirty="0"/>
-              <a:t>Unit tests essentially the same for both</a:t>
-            </a:r>
-          </a:p>
-          <a:p>
-            <a:endParaRPr lang="en-GB" dirty="0"/>
+        <p:spPr/>
+        <p:txBody>
+          <a:bodyPr/>
+          <a:lstStyle/>
+          <a:p>
+            <a:r>
+              <a:rPr lang="en-GB" dirty="0"/>
+              <a:t>Multiple docs as input?</a:t>
+            </a:r>
+          </a:p>
+          <a:p>
+            <a:r>
+              <a:rPr lang="en-GB" dirty="0"/>
+              <a:t>Specification of rule context</a:t>
+            </a:r>
+          </a:p>
+          <a:p>
+            <a:r>
+              <a:rPr lang="en-GB" dirty="0"/>
+              <a:t>Typed variables, generally</a:t>
+            </a:r>
+          </a:p>
+          <a:p>
+            <a:r>
+              <a:rPr lang="en-GB" dirty="0"/>
+              <a:t>User-defined functions</a:t>
+            </a:r>
+          </a:p>
+          <a:p>
+            <a:r>
+              <a:rPr lang="en-GB" dirty="0"/>
+              <a:t>Maps, arrays, anon functions as variables</a:t>
+            </a:r>
           </a:p>
           <a:p>
             <a:endParaRPr lang="en-GB" dirty="0"/>
@@ -11503,7 +12085,7 @@
     </p:spTree>
     <p:extLst>
       <p:ext uri="{BB962C8B-B14F-4D97-AF65-F5344CB8AC3E}">
-        <p14:creationId xmlns:p14="http://schemas.microsoft.com/office/powerpoint/2010/main" val="1538454055"/>
+        <p14:creationId xmlns:p14="http://schemas.microsoft.com/office/powerpoint/2010/main" val="3365200930"/>
       </p:ext>
     </p:extLst>
   </p:cSld>
@@ -11535,7 +12117,7 @@
           <p:cNvPr id="2" name="Title 1">
             <a:extLst>
               <a:ext uri="{FF2B5EF4-FFF2-40B4-BE49-F238E27FC236}">
-                <a16:creationId xmlns:a16="http://schemas.microsoft.com/office/drawing/2014/main" id="{33E997F2-0690-46D5-BE9F-606F0618A286}"/>
+                <a16:creationId xmlns:a16="http://schemas.microsoft.com/office/drawing/2014/main" id="{45019320-31CD-45EE-9597-4FF6957E9DD1}"/>
               </a:ext>
             </a:extLst>
           </p:cNvPr>
@@ -11553,7 +12135,7 @@
           <a:p>
             <a:r>
               <a:rPr lang="en-GB" dirty="0"/>
-              <a:t>Learnings for XQY QLB?</a:t>
+              <a:t>Status</a:t>
             </a:r>
           </a:p>
         </p:txBody>
@@ -11563,7 +12145,7 @@
           <p:cNvPr id="3" name="Content Placeholder 2">
             <a:extLst>
               <a:ext uri="{FF2B5EF4-FFF2-40B4-BE49-F238E27FC236}">
-                <a16:creationId xmlns:a16="http://schemas.microsoft.com/office/drawing/2014/main" id="{BA5C291A-766A-4484-AE8F-CDDA0DE3CF0C}"/>
+                <a16:creationId xmlns:a16="http://schemas.microsoft.com/office/drawing/2014/main" id="{6BB4E232-4604-4464-A0B6-07BCE373AE95}"/>
               </a:ext>
             </a:extLst>
           </p:cNvPr>
@@ -11581,15 +12163,32 @@
           <a:p>
             <a:r>
               <a:rPr lang="en-GB" dirty="0"/>
-              <a:t>Multiple docs as input?</a:t>
-            </a:r>
+              <a:t>Pre-release</a:t>
+            </a:r>
+          </a:p>
+          <a:p>
+            <a:r>
+              <a:rPr lang="en-GB" dirty="0"/>
+              <a:t>More info on plans in paper</a:t>
+            </a:r>
+          </a:p>
+          <a:p>
+            <a:r>
+              <a:rPr lang="en-GB" dirty="0"/>
+              <a:t>Issues </a:t>
+            </a:r>
+            <a:r>
+              <a:rPr lang="en-GB"/>
+              <a:t>in GitHub repo too</a:t>
+            </a:r>
+            <a:endParaRPr lang="en-GB" dirty="0"/>
           </a:p>
         </p:txBody>
       </p:sp>
     </p:spTree>
     <p:extLst>
       <p:ext uri="{BB962C8B-B14F-4D97-AF65-F5344CB8AC3E}">
-        <p14:creationId xmlns:p14="http://schemas.microsoft.com/office/powerpoint/2010/main" val="3365200930"/>
+        <p14:creationId xmlns:p14="http://schemas.microsoft.com/office/powerpoint/2010/main" val="3990722880"/>
       </p:ext>
     </p:extLst>
   </p:cSld>
@@ -11989,7 +12588,7 @@
           <p:cNvPr id="2" name="Title 1">
             <a:extLst>
               <a:ext uri="{FF2B5EF4-FFF2-40B4-BE49-F238E27FC236}">
-                <a16:creationId xmlns:a16="http://schemas.microsoft.com/office/drawing/2014/main" id="{98ADF1FD-191D-443B-A3A1-A43027567AC0}"/>
+                <a16:creationId xmlns:a16="http://schemas.microsoft.com/office/drawing/2014/main" id="{2FB356C2-06C4-442A-A402-479E04F3D635}"/>
               </a:ext>
             </a:extLst>
           </p:cNvPr>
@@ -12006,75 +12605,55 @@
           <a:lstStyle/>
           <a:p>
             <a:r>
-              <a:rPr lang="en-GB" dirty="0"/>
-              <a:t>What design goals?</a:t>
-            </a:r>
-          </a:p>
-        </p:txBody>
-      </p:sp>
-      <p:sp>
-        <p:nvSpPr>
-          <p:cNvPr id="3" name="Content Placeholder 2">
+              <a:rPr lang="en-GB" dirty="0" err="1"/>
+              <a:t>Schematron</a:t>
+            </a:r>
+            <a:r>
+              <a:rPr lang="en-GB" dirty="0"/>
+              <a:t> schema structure</a:t>
+            </a:r>
+          </a:p>
+        </p:txBody>
+      </p:sp>
+      <p:pic>
+        <p:nvPicPr>
+          <p:cNvPr id="5" name="Content Placeholder 4">
             <a:extLst>
               <a:ext uri="{FF2B5EF4-FFF2-40B4-BE49-F238E27FC236}">
-                <a16:creationId xmlns:a16="http://schemas.microsoft.com/office/drawing/2014/main" id="{42DAAE02-845A-44F5-81F9-7894B1596095}"/>
+                <a16:creationId xmlns:a16="http://schemas.microsoft.com/office/drawing/2014/main" id="{7BB7C2D9-CCD6-495D-9EB3-54F0A69EEA49}"/>
               </a:ext>
             </a:extLst>
           </p:cNvPr>
-          <p:cNvSpPr>
-            <a:spLocks noGrp="1"/>
-          </p:cNvSpPr>
+          <p:cNvPicPr>
+            <a:picLocks noGrp="1" noChangeAspect="1"/>
+          </p:cNvPicPr>
           <p:nvPr>
             <p:ph idx="1"/>
           </p:nvPr>
-        </p:nvSpPr>
-        <p:spPr/>
-        <p:txBody>
-          <a:bodyPr/>
-          <a:lstStyle/>
-          <a:p>
-            <a:r>
-              <a:rPr lang="en-GB" dirty="0"/>
-              <a:t>Conformance over performance</a:t>
-            </a:r>
-          </a:p>
-          <a:p>
-            <a:pPr lvl="1"/>
-            <a:r>
-              <a:rPr lang="en-GB" dirty="0"/>
-              <a:t>No optimization at this stage</a:t>
-            </a:r>
-          </a:p>
-          <a:p>
-            <a:r>
-              <a:rPr lang="en-GB" dirty="0"/>
-              <a:t>”Dynamic evaluation” of schemas</a:t>
-            </a:r>
-          </a:p>
-          <a:p>
-            <a:r>
-              <a:rPr lang="en-GB" dirty="0"/>
-              <a:t>Portability of “compiled” schemas</a:t>
-            </a:r>
-          </a:p>
-          <a:p>
-            <a:r>
-              <a:rPr lang="en-GB" dirty="0"/>
-              <a:t>(SVRL output)</a:t>
-            </a:r>
-          </a:p>
-          <a:p>
-            <a:endParaRPr lang="en-GB" dirty="0"/>
-          </a:p>
-          <a:p>
-            <a:endParaRPr lang="en-GB" dirty="0"/>
-          </a:p>
-        </p:txBody>
-      </p:sp>
+        </p:nvPicPr>
+        <p:blipFill>
+          <a:blip r:embed="rId3">
+            <a:extLst>
+              <a:ext uri="{28A0092B-C50C-407E-A947-70E740481C1C}">
+                <a14:useLocalDpi xmlns:a14="http://schemas.microsoft.com/office/drawing/2010/main" val="0"/>
+              </a:ext>
+            </a:extLst>
+          </a:blip>
+          <a:stretch>
+            <a:fillRect/>
+          </a:stretch>
+        </p:blipFill>
+        <p:spPr>
+          <a:xfrm>
+            <a:off x="4310062" y="2083331"/>
+            <a:ext cx="3571875" cy="3571875"/>
+          </a:xfrm>
+        </p:spPr>
+      </p:pic>
     </p:spTree>
     <p:extLst>
       <p:ext uri="{BB962C8B-B14F-4D97-AF65-F5344CB8AC3E}">
-        <p14:creationId xmlns:p14="http://schemas.microsoft.com/office/powerpoint/2010/main" val="4132843633"/>
+        <p14:creationId xmlns:p14="http://schemas.microsoft.com/office/powerpoint/2010/main" val="2745836092"/>
       </p:ext>
     </p:extLst>
   </p:cSld>
@@ -12106,7 +12685,7 @@
           <p:cNvPr id="2" name="Title 1">
             <a:extLst>
               <a:ext uri="{FF2B5EF4-FFF2-40B4-BE49-F238E27FC236}">
-                <a16:creationId xmlns:a16="http://schemas.microsoft.com/office/drawing/2014/main" id="{A983E35C-8894-4776-86DF-EAACF757D02F}"/>
+                <a16:creationId xmlns:a16="http://schemas.microsoft.com/office/drawing/2014/main" id="{F7884621-ED6F-4B94-AD2D-192517995F65}"/>
               </a:ext>
             </a:extLst>
           </p:cNvPr>
@@ -12124,17 +12703,17 @@
           <a:p>
             <a:r>
               <a:rPr lang="en-GB" dirty="0"/>
-              <a:t>How to do this?</a:t>
+              <a:t>Typical processing</a:t>
             </a:r>
           </a:p>
         </p:txBody>
       </p:sp>
       <p:pic>
         <p:nvPicPr>
-          <p:cNvPr id="9" name="Content Placeholder 8">
+          <p:cNvPr id="5" name="Content Placeholder 4">
             <a:extLst>
               <a:ext uri="{FF2B5EF4-FFF2-40B4-BE49-F238E27FC236}">
-                <a16:creationId xmlns:a16="http://schemas.microsoft.com/office/drawing/2014/main" id="{552CFC33-29A6-48D4-A0DC-015D03021846}"/>
+                <a16:creationId xmlns:a16="http://schemas.microsoft.com/office/drawing/2014/main" id="{60AF93C2-4CD3-43B6-837B-A61B2C8C404D}"/>
               </a:ext>
             </a:extLst>
           </p:cNvPr>
@@ -12159,15 +12738,15 @@
         </p:blipFill>
         <p:spPr>
           <a:xfrm>
-            <a:off x="4148839" y="2415693"/>
-            <a:ext cx="3661035" cy="3078598"/>
+            <a:off x="2990850" y="2205831"/>
+            <a:ext cx="6210300" cy="3590925"/>
           </a:xfrm>
         </p:spPr>
       </p:pic>
     </p:spTree>
     <p:extLst>
       <p:ext uri="{BB962C8B-B14F-4D97-AF65-F5344CB8AC3E}">
-        <p14:creationId xmlns:p14="http://schemas.microsoft.com/office/powerpoint/2010/main" val="4047396875"/>
+        <p14:creationId xmlns:p14="http://schemas.microsoft.com/office/powerpoint/2010/main" val="3977667911"/>
       </p:ext>
     </p:extLst>
   </p:cSld>
@@ -12196,10 +12775,38 @@
       </p:grpSpPr>
       <p:sp>
         <p:nvSpPr>
+          <p:cNvPr id="2" name="Title 1">
+            <a:extLst>
+              <a:ext uri="{FF2B5EF4-FFF2-40B4-BE49-F238E27FC236}">
+                <a16:creationId xmlns:a16="http://schemas.microsoft.com/office/drawing/2014/main" id="{98ADF1FD-191D-443B-A3A1-A43027567AC0}"/>
+              </a:ext>
+            </a:extLst>
+          </p:cNvPr>
+          <p:cNvSpPr>
+            <a:spLocks noGrp="1"/>
+          </p:cNvSpPr>
+          <p:nvPr>
+            <p:ph type="title"/>
+          </p:nvPr>
+        </p:nvSpPr>
+        <p:spPr/>
+        <p:txBody>
+          <a:bodyPr/>
+          <a:lstStyle/>
+          <a:p>
+            <a:r>
+              <a:rPr lang="en-GB" dirty="0"/>
+              <a:t>What design goals?</a:t>
+            </a:r>
+          </a:p>
+        </p:txBody>
+      </p:sp>
+      <p:sp>
+        <p:nvSpPr>
           <p:cNvPr id="3" name="Content Placeholder 2">
             <a:extLst>
               <a:ext uri="{FF2B5EF4-FFF2-40B4-BE49-F238E27FC236}">
-                <a16:creationId xmlns:a16="http://schemas.microsoft.com/office/drawing/2014/main" id="{8F3B8AF2-EBAB-4825-840C-058B9D734782}"/>
+                <a16:creationId xmlns:a16="http://schemas.microsoft.com/office/drawing/2014/main" id="{42DAAE02-845A-44F5-81F9-7894B1596095}"/>
               </a:ext>
             </a:extLst>
           </p:cNvPr>
@@ -12210,46 +12817,53 @@
             <p:ph idx="1"/>
           </p:nvPr>
         </p:nvSpPr>
-        <p:spPr>
-          <a:xfrm>
-            <a:off x="838200" y="1435510"/>
-            <a:ext cx="10515600" cy="4741453"/>
-          </a:xfrm>
-        </p:spPr>
-        <p:txBody>
-          <a:bodyPr>
-            <a:normAutofit/>
-          </a:bodyPr>
-          <a:lstStyle/>
-          <a:p>
-            <a:pPr marL="0" indent="0">
-              <a:buNone/>
-            </a:pPr>
-            <a:endParaRPr lang="en-GB" sz="9600" dirty="0"/>
-          </a:p>
-          <a:p>
-            <a:pPr marL="0" indent="0" algn="ctr">
-              <a:buNone/>
-            </a:pPr>
-            <a:r>
-              <a:rPr lang="en-GB" sz="9600" dirty="0"/>
-              <a:t>Ask </a:t>
-            </a:r>
-            <a:r>
-              <a:rPr lang="en-GB" sz="9600" dirty="0" err="1"/>
-              <a:t>ChatGPT</a:t>
-            </a:r>
-            <a:r>
-              <a:rPr lang="en-GB" sz="9600" dirty="0"/>
-              <a:t>!</a:t>
-            </a:r>
+        <p:spPr/>
+        <p:txBody>
+          <a:bodyPr/>
+          <a:lstStyle/>
+          <a:p>
+            <a:r>
+              <a:rPr lang="en-GB" dirty="0"/>
+              <a:t>Conformance over performance</a:t>
+            </a:r>
+          </a:p>
+          <a:p>
+            <a:pPr lvl="1"/>
+            <a:r>
+              <a:rPr lang="en-GB" dirty="0"/>
+              <a:t>No optimization at this stage</a:t>
+            </a:r>
+          </a:p>
+          <a:p>
+            <a:r>
+              <a:rPr lang="en-GB" dirty="0"/>
+              <a:t>”Dynamic evaluation” of schemas</a:t>
+            </a:r>
+          </a:p>
+          <a:p>
+            <a:r>
+              <a:rPr lang="en-GB" dirty="0"/>
+              <a:t>Portability of “compiled” schemas</a:t>
+            </a:r>
+          </a:p>
+          <a:p>
+            <a:r>
+              <a:rPr lang="en-GB" dirty="0"/>
+              <a:t>(SVRL output)</a:t>
+            </a:r>
+          </a:p>
+          <a:p>
+            <a:endParaRPr lang="en-GB" dirty="0"/>
+          </a:p>
+          <a:p>
+            <a:endParaRPr lang="en-GB" dirty="0"/>
           </a:p>
         </p:txBody>
       </p:sp>
     </p:spTree>
     <p:extLst>
       <p:ext uri="{BB962C8B-B14F-4D97-AF65-F5344CB8AC3E}">
-        <p14:creationId xmlns:p14="http://schemas.microsoft.com/office/powerpoint/2010/main" val="3453189509"/>
+        <p14:creationId xmlns:p14="http://schemas.microsoft.com/office/powerpoint/2010/main" val="4132843633"/>
       </p:ext>
     </p:extLst>
   </p:cSld>
@@ -12297,16 +12911,19 @@
           <a:bodyPr/>
           <a:lstStyle/>
           <a:p>
-            <a:endParaRPr lang="en-GB" dirty="0"/>
+            <a:r>
+              <a:rPr lang="en-GB" dirty="0"/>
+              <a:t>How to do this?</a:t>
+            </a:r>
           </a:p>
         </p:txBody>
       </p:sp>
       <p:pic>
         <p:nvPicPr>
-          <p:cNvPr id="5" name="Content Placeholder 4">
+          <p:cNvPr id="9" name="Content Placeholder 8">
             <a:extLst>
               <a:ext uri="{FF2B5EF4-FFF2-40B4-BE49-F238E27FC236}">
-                <a16:creationId xmlns:a16="http://schemas.microsoft.com/office/drawing/2014/main" id="{41EB6DF5-F184-4DBA-9979-FDFFBDFDD428}"/>
+                <a16:creationId xmlns:a16="http://schemas.microsoft.com/office/drawing/2014/main" id="{552CFC33-29A6-48D4-A0DC-015D03021846}"/>
               </a:ext>
             </a:extLst>
           </p:cNvPr>
@@ -12331,77 +12948,15 @@
         </p:blipFill>
         <p:spPr>
           <a:xfrm>
-            <a:off x="2198714" y="1285875"/>
-            <a:ext cx="7524750" cy="4286250"/>
+            <a:off x="4148839" y="2415693"/>
+            <a:ext cx="3661035" cy="3078598"/>
           </a:xfrm>
         </p:spPr>
       </p:pic>
-      <p:sp>
-        <p:nvSpPr>
-          <p:cNvPr id="6" name="TextBox 5">
-            <a:extLst>
-              <a:ext uri="{FF2B5EF4-FFF2-40B4-BE49-F238E27FC236}">
-                <a16:creationId xmlns:a16="http://schemas.microsoft.com/office/drawing/2014/main" id="{8ADE2836-C544-4495-B19A-3B582DDC3EA7}"/>
-              </a:ext>
-            </a:extLst>
-          </p:cNvPr>
-          <p:cNvSpPr txBox="1"/>
-          <p:nvPr/>
-        </p:nvSpPr>
-        <p:spPr>
-          <a:xfrm>
-            <a:off x="5747519" y="5572125"/>
-            <a:ext cx="3975945" cy="369332"/>
-          </a:xfrm>
-          <a:prstGeom prst="rect">
-            <a:avLst/>
-          </a:prstGeom>
-          <a:noFill/>
-        </p:spPr>
-        <p:txBody>
-          <a:bodyPr wrap="square" rtlCol="0">
-            <a:spAutoFit/>
-          </a:bodyPr>
-          <a:lstStyle/>
-          <a:p>
-            <a:pPr algn="r"/>
-            <a:r>
-              <a:rPr lang="en-GB" dirty="0">
-                <a:solidFill>
-                  <a:schemeClr val="bg2">
-                    <a:lumMod val="75000"/>
-                  </a:schemeClr>
-                </a:solidFill>
-              </a:rPr>
-              <a:t>Credit: Victor </a:t>
-            </a:r>
-            <a:r>
-              <a:rPr lang="en-GB" dirty="0" err="1">
-                <a:solidFill>
-                  <a:schemeClr val="bg2">
-                    <a:lumMod val="75000"/>
-                  </a:schemeClr>
-                </a:solidFill>
-              </a:rPr>
-              <a:t>Metelskiy</a:t>
-            </a:r>
-            <a:r>
-              <a:rPr lang="en-GB" dirty="0">
-                <a:solidFill>
-                  <a:schemeClr val="bg2">
-                    <a:lumMod val="75000"/>
-                  </a:schemeClr>
-                </a:solidFill>
-              </a:rPr>
-              <a:t>/Shutterstock</a:t>
-            </a:r>
-          </a:p>
-        </p:txBody>
-      </p:sp>
     </p:spTree>
     <p:extLst>
       <p:ext uri="{BB962C8B-B14F-4D97-AF65-F5344CB8AC3E}">
-        <p14:creationId xmlns:p14="http://schemas.microsoft.com/office/powerpoint/2010/main" val="2727151737"/>
+        <p14:creationId xmlns:p14="http://schemas.microsoft.com/office/powerpoint/2010/main" val="4047396875"/>
       </p:ext>
     </p:extLst>
   </p:cSld>

--- a/Markup UK 2023 slides.pptx
+++ b/Markup UK 2023 slides.pptx
@@ -5,42 +5,43 @@
     <p:sldMasterId id="2147483648" r:id="rId1"/>
   </p:sldMasterIdLst>
   <p:notesMasterIdLst>
-    <p:notesMasterId r:id="rId35"/>
+    <p:notesMasterId r:id="rId36"/>
   </p:notesMasterIdLst>
   <p:sldIdLst>
-    <p:sldId id="256" r:id="rId2"/>
-    <p:sldId id="267" r:id="rId3"/>
-    <p:sldId id="257" r:id="rId4"/>
-    <p:sldId id="265" r:id="rId5"/>
-    <p:sldId id="258" r:id="rId6"/>
-    <p:sldId id="261" r:id="rId7"/>
-    <p:sldId id="268" r:id="rId8"/>
-    <p:sldId id="259" r:id="rId9"/>
-    <p:sldId id="260" r:id="rId10"/>
-    <p:sldId id="271" r:id="rId11"/>
-    <p:sldId id="270" r:id="rId12"/>
-    <p:sldId id="272" r:id="rId13"/>
-    <p:sldId id="273" r:id="rId14"/>
-    <p:sldId id="274" r:id="rId15"/>
-    <p:sldId id="275" r:id="rId16"/>
-    <p:sldId id="276" r:id="rId17"/>
-    <p:sldId id="279" r:id="rId18"/>
-    <p:sldId id="269" r:id="rId19"/>
-    <p:sldId id="278" r:id="rId20"/>
-    <p:sldId id="283" r:id="rId21"/>
-    <p:sldId id="284" r:id="rId22"/>
-    <p:sldId id="285" r:id="rId23"/>
-    <p:sldId id="286" r:id="rId24"/>
-    <p:sldId id="287" r:id="rId25"/>
-    <p:sldId id="288" r:id="rId26"/>
-    <p:sldId id="277" r:id="rId27"/>
-    <p:sldId id="289" r:id="rId28"/>
-    <p:sldId id="280" r:id="rId29"/>
-    <p:sldId id="263" r:id="rId30"/>
-    <p:sldId id="282" r:id="rId31"/>
-    <p:sldId id="281" r:id="rId32"/>
-    <p:sldId id="290" r:id="rId33"/>
-    <p:sldId id="266" r:id="rId34"/>
+    <p:sldId id="291" r:id="rId2"/>
+    <p:sldId id="256" r:id="rId3"/>
+    <p:sldId id="267" r:id="rId4"/>
+    <p:sldId id="257" r:id="rId5"/>
+    <p:sldId id="265" r:id="rId6"/>
+    <p:sldId id="258" r:id="rId7"/>
+    <p:sldId id="261" r:id="rId8"/>
+    <p:sldId id="268" r:id="rId9"/>
+    <p:sldId id="259" r:id="rId10"/>
+    <p:sldId id="260" r:id="rId11"/>
+    <p:sldId id="271" r:id="rId12"/>
+    <p:sldId id="270" r:id="rId13"/>
+    <p:sldId id="272" r:id="rId14"/>
+    <p:sldId id="273" r:id="rId15"/>
+    <p:sldId id="274" r:id="rId16"/>
+    <p:sldId id="275" r:id="rId17"/>
+    <p:sldId id="276" r:id="rId18"/>
+    <p:sldId id="279" r:id="rId19"/>
+    <p:sldId id="269" r:id="rId20"/>
+    <p:sldId id="278" r:id="rId21"/>
+    <p:sldId id="283" r:id="rId22"/>
+    <p:sldId id="284" r:id="rId23"/>
+    <p:sldId id="285" r:id="rId24"/>
+    <p:sldId id="286" r:id="rId25"/>
+    <p:sldId id="287" r:id="rId26"/>
+    <p:sldId id="288" r:id="rId27"/>
+    <p:sldId id="277" r:id="rId28"/>
+    <p:sldId id="289" r:id="rId29"/>
+    <p:sldId id="280" r:id="rId30"/>
+    <p:sldId id="263" r:id="rId31"/>
+    <p:sldId id="282" r:id="rId32"/>
+    <p:sldId id="281" r:id="rId33"/>
+    <p:sldId id="290" r:id="rId34"/>
+    <p:sldId id="266" r:id="rId35"/>
   </p:sldIdLst>
   <p:sldSz cx="12192000" cy="6858000"/>
   <p:notesSz cx="6858000" cy="9144000"/>
@@ -571,7 +572,7 @@
           <a:p>
             <a:fld id="{02BDF569-F48B-4704-ADB2-54F694482806}" type="slidenum">
               <a:rPr lang="en-GB" smtClean="0"/>
-              <a:t>2</a:t>
+              <a:t>3</a:t>
             </a:fld>
             <a:endParaRPr lang="en-GB"/>
           </a:p>
@@ -665,7 +666,7 @@
           <a:p>
             <a:fld id="{02BDF569-F48B-4704-ADB2-54F694482806}" type="slidenum">
               <a:rPr lang="en-GB" smtClean="0"/>
-              <a:t>11</a:t>
+              <a:t>12</a:t>
             </a:fld>
             <a:endParaRPr lang="en-GB"/>
           </a:p>
@@ -797,7 +798,7 @@
           <a:p>
             <a:fld id="{02BDF569-F48B-4704-ADB2-54F694482806}" type="slidenum">
               <a:rPr lang="en-GB" smtClean="0"/>
-              <a:t>12</a:t>
+              <a:t>13</a:t>
             </a:fld>
             <a:endParaRPr lang="en-GB"/>
           </a:p>
@@ -910,7 +911,7 @@
           <a:p>
             <a:fld id="{02BDF569-F48B-4704-ADB2-54F694482806}" type="slidenum">
               <a:rPr lang="en-GB" smtClean="0"/>
-              <a:t>13</a:t>
+              <a:t>14</a:t>
             </a:fld>
             <a:endParaRPr lang="en-GB"/>
           </a:p>
@@ -997,7 +998,7 @@
           <a:p>
             <a:fld id="{02BDF569-F48B-4704-ADB2-54F694482806}" type="slidenum">
               <a:rPr lang="en-GB" smtClean="0"/>
-              <a:t>14</a:t>
+              <a:t>15</a:t>
             </a:fld>
             <a:endParaRPr lang="en-GB"/>
           </a:p>
@@ -1084,7 +1085,7 @@
           <a:p>
             <a:fld id="{02BDF569-F48B-4704-ADB2-54F694482806}" type="slidenum">
               <a:rPr lang="en-GB" smtClean="0"/>
-              <a:t>15</a:t>
+              <a:t>16</a:t>
             </a:fld>
             <a:endParaRPr lang="en-GB"/>
           </a:p>
@@ -1188,7 +1189,7 @@
           <a:p>
             <a:fld id="{02BDF569-F48B-4704-ADB2-54F694482806}" type="slidenum">
               <a:rPr lang="en-GB" smtClean="0"/>
-              <a:t>16</a:t>
+              <a:t>17</a:t>
             </a:fld>
             <a:endParaRPr lang="en-GB"/>
           </a:p>
@@ -1330,7 +1331,7 @@
           <a:p>
             <a:fld id="{02BDF569-F48B-4704-ADB2-54F694482806}" type="slidenum">
               <a:rPr lang="en-GB" smtClean="0"/>
-              <a:t>17</a:t>
+              <a:t>18</a:t>
             </a:fld>
             <a:endParaRPr lang="en-GB"/>
           </a:p>
@@ -1475,7 +1476,7 @@
           <a:p>
             <a:fld id="{02BDF569-F48B-4704-ADB2-54F694482806}" type="slidenum">
               <a:rPr lang="en-GB" smtClean="0"/>
-              <a:t>18</a:t>
+              <a:t>19</a:t>
             </a:fld>
             <a:endParaRPr lang="en-GB"/>
           </a:p>
@@ -1614,7 +1615,7 @@
           <a:p>
             <a:fld id="{02BDF569-F48B-4704-ADB2-54F694482806}" type="slidenum">
               <a:rPr lang="en-GB" smtClean="0"/>
-              <a:t>19</a:t>
+              <a:t>20</a:t>
             </a:fld>
             <a:endParaRPr lang="en-GB"/>
           </a:p>
@@ -1766,7 +1767,7 @@
           <a:p>
             <a:fld id="{02BDF569-F48B-4704-ADB2-54F694482806}" type="slidenum">
               <a:rPr lang="en-GB" smtClean="0"/>
-              <a:t>20</a:t>
+              <a:t>21</a:t>
             </a:fld>
             <a:endParaRPr lang="en-GB"/>
           </a:p>
@@ -1853,7 +1854,7 @@
           <a:p>
             <a:fld id="{02BDF569-F48B-4704-ADB2-54F694482806}" type="slidenum">
               <a:rPr lang="en-GB" smtClean="0"/>
-              <a:t>3</a:t>
+              <a:t>4</a:t>
             </a:fld>
             <a:endParaRPr lang="en-GB"/>
           </a:p>
@@ -1980,7 +1981,7 @@
           <a:p>
             <a:fld id="{02BDF569-F48B-4704-ADB2-54F694482806}" type="slidenum">
               <a:rPr lang="en-GB" smtClean="0"/>
-              <a:t>21</a:t>
+              <a:t>22</a:t>
             </a:fld>
             <a:endParaRPr lang="en-GB"/>
           </a:p>
@@ -2064,7 +2065,7 @@
           <a:p>
             <a:fld id="{02BDF569-F48B-4704-ADB2-54F694482806}" type="slidenum">
               <a:rPr lang="en-GB" smtClean="0"/>
-              <a:t>22</a:t>
+              <a:t>23</a:t>
             </a:fld>
             <a:endParaRPr lang="en-GB"/>
           </a:p>
@@ -2183,7 +2184,7 @@
           <a:p>
             <a:fld id="{02BDF569-F48B-4704-ADB2-54F694482806}" type="slidenum">
               <a:rPr lang="en-GB" smtClean="0"/>
-              <a:t>23</a:t>
+              <a:t>24</a:t>
             </a:fld>
             <a:endParaRPr lang="en-GB"/>
           </a:p>
@@ -2304,7 +2305,7 @@
           <a:p>
             <a:fld id="{02BDF569-F48B-4704-ADB2-54F694482806}" type="slidenum">
               <a:rPr lang="en-GB" smtClean="0"/>
-              <a:t>24</a:t>
+              <a:t>25</a:t>
             </a:fld>
             <a:endParaRPr lang="en-GB"/>
           </a:p>
@@ -2388,7 +2389,7 @@
           <a:p>
             <a:fld id="{02BDF569-F48B-4704-ADB2-54F694482806}" type="slidenum">
               <a:rPr lang="en-GB" smtClean="0"/>
-              <a:t>25</a:t>
+              <a:t>26</a:t>
             </a:fld>
             <a:endParaRPr lang="en-GB"/>
           </a:p>
@@ -2522,7 +2523,7 @@
           <a:p>
             <a:fld id="{02BDF569-F48B-4704-ADB2-54F694482806}" type="slidenum">
               <a:rPr lang="en-GB" smtClean="0"/>
-              <a:t>26</a:t>
+              <a:t>27</a:t>
             </a:fld>
             <a:endParaRPr lang="en-GB"/>
           </a:p>
@@ -2655,7 +2656,7 @@
           <a:p>
             <a:fld id="{02BDF569-F48B-4704-ADB2-54F694482806}" type="slidenum">
               <a:rPr lang="en-GB" smtClean="0"/>
-              <a:t>27</a:t>
+              <a:t>28</a:t>
             </a:fld>
             <a:endParaRPr lang="en-GB"/>
           </a:p>
@@ -2760,7 +2761,7 @@
           <a:p>
             <a:fld id="{02BDF569-F48B-4704-ADB2-54F694482806}" type="slidenum">
               <a:rPr lang="en-GB" smtClean="0"/>
-              <a:t>28</a:t>
+              <a:t>29</a:t>
             </a:fld>
             <a:endParaRPr lang="en-GB"/>
           </a:p>
@@ -2906,7 +2907,7 @@
           <a:p>
             <a:fld id="{02BDF569-F48B-4704-ADB2-54F694482806}" type="slidenum">
               <a:rPr lang="en-GB" smtClean="0"/>
-              <a:t>29</a:t>
+              <a:t>30</a:t>
             </a:fld>
             <a:endParaRPr lang="en-GB"/>
           </a:p>
@@ -3017,7 +3018,7 @@
           <a:p>
             <a:fld id="{02BDF569-F48B-4704-ADB2-54F694482806}" type="slidenum">
               <a:rPr lang="en-GB" smtClean="0"/>
-              <a:t>30</a:t>
+              <a:t>31</a:t>
             </a:fld>
             <a:endParaRPr lang="en-GB"/>
           </a:p>
@@ -3123,7 +3124,7 @@
           <a:p>
             <a:fld id="{02BDF569-F48B-4704-ADB2-54F694482806}" type="slidenum">
               <a:rPr lang="en-GB" smtClean="0"/>
-              <a:t>4</a:t>
+              <a:t>5</a:t>
             </a:fld>
             <a:endParaRPr lang="en-GB"/>
           </a:p>
@@ -3308,7 +3309,7 @@
           <a:p>
             <a:fld id="{02BDF569-F48B-4704-ADB2-54F694482806}" type="slidenum">
               <a:rPr lang="en-GB" smtClean="0"/>
-              <a:t>5</a:t>
+              <a:t>6</a:t>
             </a:fld>
             <a:endParaRPr lang="en-GB"/>
           </a:p>
@@ -3413,7 +3414,7 @@
           <a:p>
             <a:fld id="{02BDF569-F48B-4704-ADB2-54F694482806}" type="slidenum">
               <a:rPr lang="en-GB" smtClean="0"/>
-              <a:t>6</a:t>
+              <a:t>7</a:t>
             </a:fld>
             <a:endParaRPr lang="en-GB"/>
           </a:p>
@@ -3529,7 +3530,7 @@
           <a:p>
             <a:fld id="{02BDF569-F48B-4704-ADB2-54F694482806}" type="slidenum">
               <a:rPr lang="en-GB" smtClean="0"/>
-              <a:t>7</a:t>
+              <a:t>8</a:t>
             </a:fld>
             <a:endParaRPr lang="en-GB"/>
           </a:p>
@@ -3709,7 +3710,7 @@
           <a:p>
             <a:fld id="{02BDF569-F48B-4704-ADB2-54F694482806}" type="slidenum">
               <a:rPr lang="en-GB" smtClean="0"/>
-              <a:t>8</a:t>
+              <a:t>9</a:t>
             </a:fld>
             <a:endParaRPr lang="en-GB"/>
           </a:p>
@@ -3796,7 +3797,7 @@
           <a:p>
             <a:fld id="{02BDF569-F48B-4704-ADB2-54F694482806}" type="slidenum">
               <a:rPr lang="en-GB" smtClean="0"/>
-              <a:t>9</a:t>
+              <a:t>10</a:t>
             </a:fld>
             <a:endParaRPr lang="en-GB"/>
           </a:p>
@@ -3880,7 +3881,7 @@
           <a:p>
             <a:fld id="{02BDF569-F48B-4704-ADB2-54F694482806}" type="slidenum">
               <a:rPr lang="en-GB" smtClean="0"/>
-              <a:t>10</a:t>
+              <a:t>11</a:t>
             </a:fld>
             <a:endParaRPr lang="en-GB"/>
           </a:p>
@@ -7136,10 +7137,10 @@
       </p:grpSpPr>
       <p:sp>
         <p:nvSpPr>
-          <p:cNvPr id="2" name="Title 1">
+          <p:cNvPr id="4" name="Title 3">
             <a:extLst>
               <a:ext uri="{FF2B5EF4-FFF2-40B4-BE49-F238E27FC236}">
-                <a16:creationId xmlns:a16="http://schemas.microsoft.com/office/drawing/2014/main" id="{D6E715D8-533C-4826-A0F8-7A955EA901EC}"/>
+                <a16:creationId xmlns:a16="http://schemas.microsoft.com/office/drawing/2014/main" id="{A3EF9DFD-5C97-4811-B50A-FCF0A2E21F2C}"/>
               </a:ext>
             </a:extLst>
           </p:cNvPr>
@@ -7150,32 +7151,31 @@
             <p:ph type="ctrTitle"/>
           </p:nvPr>
         </p:nvSpPr>
-        <p:spPr/>
-        <p:txBody>
-          <a:bodyPr/>
-          <a:lstStyle/>
-          <a:p>
-            <a:r>
-              <a:rPr lang="en-GB" dirty="0"/>
-              <a:t>XQS: a native XQuery </a:t>
-            </a:r>
-            <a:r>
-              <a:rPr lang="en-GB" dirty="0" err="1"/>
-              <a:t>Schematron</a:t>
-            </a:r>
-            <a:r>
-              <a:rPr lang="en-GB" dirty="0"/>
-              <a:t> implementation</a:t>
-            </a:r>
-          </a:p>
-        </p:txBody>
-      </p:sp>
-      <p:sp>
-        <p:nvSpPr>
-          <p:cNvPr id="3" name="Subtitle 2">
+        <p:spPr>
+          <a:xfrm>
+            <a:off x="1524000" y="1867368"/>
+            <a:ext cx="9144000" cy="2387600"/>
+          </a:xfrm>
+        </p:spPr>
+        <p:txBody>
+          <a:bodyPr>
+            <a:normAutofit/>
+          </a:bodyPr>
+          <a:lstStyle/>
+          <a:p>
+            <a:r>
+              <a:rPr lang="en-GB" sz="10000" b="1" dirty="0"/>
+              <a:t>SOUND CHECK</a:t>
+            </a:r>
+          </a:p>
+        </p:txBody>
+      </p:sp>
+      <p:sp>
+        <p:nvSpPr>
+          <p:cNvPr id="5" name="Subtitle 4">
             <a:extLst>
               <a:ext uri="{FF2B5EF4-FFF2-40B4-BE49-F238E27FC236}">
-                <a16:creationId xmlns:a16="http://schemas.microsoft.com/office/drawing/2014/main" id="{25E60271-B4AA-4383-9410-1D7857C27D16}"/>
+                <a16:creationId xmlns:a16="http://schemas.microsoft.com/office/drawing/2014/main" id="{1130BEDF-E7D3-49F1-8566-2731DC531A2D}"/>
               </a:ext>
             </a:extLst>
           </p:cNvPr>
@@ -7191,35 +7191,14 @@
           <a:bodyPr/>
           <a:lstStyle/>
           <a:p>
-            <a:r>
-              <a:rPr lang="en-GB" dirty="0"/>
-              <a:t>Andrew Sales</a:t>
-            </a:r>
-          </a:p>
-          <a:p>
-            <a:r>
-              <a:rPr lang="en-GB" dirty="0" err="1"/>
-              <a:t>Markup</a:t>
-            </a:r>
-            <a:r>
-              <a:rPr lang="en-GB" dirty="0"/>
-              <a:t> UK, 3</a:t>
-            </a:r>
-            <a:r>
-              <a:rPr lang="en-GB" baseline="30000" dirty="0"/>
-              <a:t>rd</a:t>
-            </a:r>
-            <a:r>
-              <a:rPr lang="en-GB" dirty="0"/>
-              <a:t> June 2023</a:t>
-            </a:r>
+            <a:endParaRPr lang="en-GB"/>
           </a:p>
         </p:txBody>
       </p:sp>
     </p:spTree>
     <p:extLst>
       <p:ext uri="{BB962C8B-B14F-4D97-AF65-F5344CB8AC3E}">
-        <p14:creationId xmlns:p14="http://schemas.microsoft.com/office/powerpoint/2010/main" val="2804348344"/>
+        <p14:creationId xmlns:p14="http://schemas.microsoft.com/office/powerpoint/2010/main" val="3600212141"/>
       </p:ext>
     </p:extLst>
   </p:cSld>
@@ -7248,10 +7227,10 @@
       </p:grpSpPr>
       <p:sp>
         <p:nvSpPr>
-          <p:cNvPr id="3" name="Content Placeholder 2">
+          <p:cNvPr id="2" name="Title 1">
             <a:extLst>
               <a:ext uri="{FF2B5EF4-FFF2-40B4-BE49-F238E27FC236}">
-                <a16:creationId xmlns:a16="http://schemas.microsoft.com/office/drawing/2014/main" id="{8F3B8AF2-EBAB-4825-840C-058B9D734782}"/>
+                <a16:creationId xmlns:a16="http://schemas.microsoft.com/office/drawing/2014/main" id="{A983E35C-8894-4776-86DF-EAACF757D02F}"/>
               </a:ext>
             </a:extLst>
           </p:cNvPr>
@@ -7259,49 +7238,60 @@
             <a:spLocks noGrp="1"/>
           </p:cNvSpPr>
           <p:nvPr>
+            <p:ph type="title"/>
+          </p:nvPr>
+        </p:nvSpPr>
+        <p:spPr/>
+        <p:txBody>
+          <a:bodyPr/>
+          <a:lstStyle/>
+          <a:p>
+            <a:r>
+              <a:rPr lang="en-GB" dirty="0"/>
+              <a:t>How to do this?</a:t>
+            </a:r>
+          </a:p>
+        </p:txBody>
+      </p:sp>
+      <p:pic>
+        <p:nvPicPr>
+          <p:cNvPr id="9" name="Content Placeholder 8">
+            <a:extLst>
+              <a:ext uri="{FF2B5EF4-FFF2-40B4-BE49-F238E27FC236}">
+                <a16:creationId xmlns:a16="http://schemas.microsoft.com/office/drawing/2014/main" id="{552CFC33-29A6-48D4-A0DC-015D03021846}"/>
+              </a:ext>
+            </a:extLst>
+          </p:cNvPr>
+          <p:cNvPicPr>
+            <a:picLocks noGrp="1" noChangeAspect="1"/>
+          </p:cNvPicPr>
+          <p:nvPr>
             <p:ph idx="1"/>
           </p:nvPr>
-        </p:nvSpPr>
+        </p:nvPicPr>
+        <p:blipFill>
+          <a:blip r:embed="rId3">
+            <a:extLst>
+              <a:ext uri="{28A0092B-C50C-407E-A947-70E740481C1C}">
+                <a14:useLocalDpi xmlns:a14="http://schemas.microsoft.com/office/drawing/2010/main" val="0"/>
+              </a:ext>
+            </a:extLst>
+          </a:blip>
+          <a:stretch>
+            <a:fillRect/>
+          </a:stretch>
+        </p:blipFill>
         <p:spPr>
           <a:xfrm>
-            <a:off x="838200" y="1435510"/>
-            <a:ext cx="10515600" cy="4741453"/>
+            <a:off x="4148839" y="2415693"/>
+            <a:ext cx="3661035" cy="3078598"/>
           </a:xfrm>
         </p:spPr>
-        <p:txBody>
-          <a:bodyPr>
-            <a:normAutofit/>
-          </a:bodyPr>
-          <a:lstStyle/>
-          <a:p>
-            <a:pPr marL="0" indent="0">
-              <a:buNone/>
-            </a:pPr>
-            <a:endParaRPr lang="en-GB" sz="9600" dirty="0"/>
-          </a:p>
-          <a:p>
-            <a:pPr marL="0" indent="0" algn="ctr">
-              <a:buNone/>
-            </a:pPr>
-            <a:r>
-              <a:rPr lang="en-GB" sz="9600" dirty="0"/>
-              <a:t>Ask </a:t>
-            </a:r>
-            <a:r>
-              <a:rPr lang="en-GB" sz="9600" dirty="0" err="1"/>
-              <a:t>ChatGPT</a:t>
-            </a:r>
-            <a:r>
-              <a:rPr lang="en-GB" sz="9600" dirty="0"/>
-              <a:t>!</a:t>
-            </a:r>
-          </a:p>
-        </p:txBody>
-      </p:sp>
+      </p:pic>
     </p:spTree>
     <p:extLst>
       <p:ext uri="{BB962C8B-B14F-4D97-AF65-F5344CB8AC3E}">
-        <p14:creationId xmlns:p14="http://schemas.microsoft.com/office/powerpoint/2010/main" val="3453189509"/>
+        <p14:creationId xmlns:p14="http://schemas.microsoft.com/office/powerpoint/2010/main" val="4047396875"/>
       </p:ext>
     </p:extLst>
   </p:cSld>
@@ -7330,10 +7320,10 @@
       </p:grpSpPr>
       <p:sp>
         <p:nvSpPr>
-          <p:cNvPr id="2" name="Title 1">
+          <p:cNvPr id="3" name="Content Placeholder 2">
             <a:extLst>
               <a:ext uri="{FF2B5EF4-FFF2-40B4-BE49-F238E27FC236}">
-                <a16:creationId xmlns:a16="http://schemas.microsoft.com/office/drawing/2014/main" id="{A983E35C-8894-4776-86DF-EAACF757D02F}"/>
+                <a16:creationId xmlns:a16="http://schemas.microsoft.com/office/drawing/2014/main" id="{8F3B8AF2-EBAB-4825-840C-058B9D734782}"/>
               </a:ext>
             </a:extLst>
           </p:cNvPr>
@@ -7341,111 +7331,41 @@
             <a:spLocks noGrp="1"/>
           </p:cNvSpPr>
           <p:nvPr>
-            <p:ph type="title"/>
-          </p:nvPr>
-        </p:nvSpPr>
-        <p:spPr/>
-        <p:txBody>
-          <a:bodyPr/>
-          <a:lstStyle/>
-          <a:p>
-            <a:endParaRPr lang="en-GB" dirty="0"/>
-          </a:p>
-        </p:txBody>
-      </p:sp>
-      <p:pic>
-        <p:nvPicPr>
-          <p:cNvPr id="5" name="Content Placeholder 4">
-            <a:extLst>
-              <a:ext uri="{FF2B5EF4-FFF2-40B4-BE49-F238E27FC236}">
-                <a16:creationId xmlns:a16="http://schemas.microsoft.com/office/drawing/2014/main" id="{41EB6DF5-F184-4DBA-9979-FDFFBDFDD428}"/>
-              </a:ext>
-            </a:extLst>
-          </p:cNvPr>
-          <p:cNvPicPr>
-            <a:picLocks noGrp="1" noChangeAspect="1"/>
-          </p:cNvPicPr>
-          <p:nvPr>
             <p:ph idx="1"/>
           </p:nvPr>
-        </p:nvPicPr>
-        <p:blipFill>
-          <a:blip r:embed="rId3">
-            <a:extLst>
-              <a:ext uri="{28A0092B-C50C-407E-A947-70E740481C1C}">
-                <a14:useLocalDpi xmlns:a14="http://schemas.microsoft.com/office/drawing/2010/main" val="0"/>
-              </a:ext>
-            </a:extLst>
-          </a:blip>
-          <a:stretch>
-            <a:fillRect/>
-          </a:stretch>
-        </p:blipFill>
+        </p:nvSpPr>
         <p:spPr>
           <a:xfrm>
-            <a:off x="2198714" y="1285875"/>
-            <a:ext cx="7524750" cy="4286250"/>
+            <a:off x="838200" y="1435510"/>
+            <a:ext cx="10515600" cy="4741453"/>
           </a:xfrm>
         </p:spPr>
-      </p:pic>
-      <p:sp>
-        <p:nvSpPr>
-          <p:cNvPr id="6" name="TextBox 5">
-            <a:extLst>
-              <a:ext uri="{FF2B5EF4-FFF2-40B4-BE49-F238E27FC236}">
-                <a16:creationId xmlns:a16="http://schemas.microsoft.com/office/drawing/2014/main" id="{8ADE2836-C544-4495-B19A-3B582DDC3EA7}"/>
-              </a:ext>
-            </a:extLst>
-          </p:cNvPr>
-          <p:cNvSpPr txBox="1"/>
-          <p:nvPr/>
-        </p:nvSpPr>
-        <p:spPr>
-          <a:xfrm>
-            <a:off x="5747519" y="5572125"/>
-            <a:ext cx="3975945" cy="369332"/>
-          </a:xfrm>
-          <a:prstGeom prst="rect">
-            <a:avLst/>
-          </a:prstGeom>
-          <a:noFill/>
-        </p:spPr>
-        <p:txBody>
-          <a:bodyPr wrap="square" rtlCol="0">
-            <a:spAutoFit/>
+        <p:txBody>
+          <a:bodyPr>
+            <a:normAutofit/>
           </a:bodyPr>
           <a:lstStyle/>
           <a:p>
-            <a:pPr algn="r"/>
-            <a:r>
-              <a:rPr lang="en-GB" dirty="0">
-                <a:solidFill>
-                  <a:schemeClr val="bg2">
-                    <a:lumMod val="75000"/>
-                  </a:schemeClr>
-                </a:solidFill>
-              </a:rPr>
-              <a:t>Credit: Victor </a:t>
-            </a:r>
-            <a:r>
-              <a:rPr lang="en-GB" dirty="0" err="1">
-                <a:solidFill>
-                  <a:schemeClr val="bg2">
-                    <a:lumMod val="75000"/>
-                  </a:schemeClr>
-                </a:solidFill>
-              </a:rPr>
-              <a:t>Metelskiy</a:t>
-            </a:r>
-            <a:r>
-              <a:rPr lang="en-GB" dirty="0">
-                <a:solidFill>
-                  <a:schemeClr val="bg2">
-                    <a:lumMod val="75000"/>
-                  </a:schemeClr>
-                </a:solidFill>
-              </a:rPr>
-              <a:t>/Shutterstock</a:t>
+            <a:pPr marL="0" indent="0">
+              <a:buNone/>
+            </a:pPr>
+            <a:endParaRPr lang="en-GB" sz="9600" dirty="0"/>
+          </a:p>
+          <a:p>
+            <a:pPr marL="0" indent="0" algn="ctr">
+              <a:buNone/>
+            </a:pPr>
+            <a:r>
+              <a:rPr lang="en-GB" sz="9600" dirty="0"/>
+              <a:t>Ask </a:t>
+            </a:r>
+            <a:r>
+              <a:rPr lang="en-GB" sz="9600" dirty="0" err="1"/>
+              <a:t>ChatGPT</a:t>
+            </a:r>
+            <a:r>
+              <a:rPr lang="en-GB" sz="9600" dirty="0"/>
+              <a:t>!</a:t>
             </a:r>
           </a:p>
         </p:txBody>
@@ -7453,7 +7373,7 @@
     </p:spTree>
     <p:extLst>
       <p:ext uri="{BB962C8B-B14F-4D97-AF65-F5344CB8AC3E}">
-        <p14:creationId xmlns:p14="http://schemas.microsoft.com/office/powerpoint/2010/main" val="2727151737"/>
+        <p14:creationId xmlns:p14="http://schemas.microsoft.com/office/powerpoint/2010/main" val="3453189509"/>
       </p:ext>
     </p:extLst>
   </p:cSld>
@@ -7501,228 +7421,103 @@
           <a:bodyPr/>
           <a:lstStyle/>
           <a:p>
-            <a:r>
-              <a:rPr lang="en-GB" dirty="0"/>
-              <a:t>"Implement </a:t>
-            </a:r>
-            <a:r>
-              <a:rPr lang="en-GB" dirty="0" err="1"/>
-              <a:t>Schematron</a:t>
-            </a:r>
-            <a:r>
-              <a:rPr lang="en-GB" dirty="0"/>
-              <a:t> in XQuery"</a:t>
-            </a:r>
-          </a:p>
-        </p:txBody>
-      </p:sp>
-      <p:sp>
-        <p:nvSpPr>
-          <p:cNvPr id="3" name="Content Placeholder 2">
+            <a:endParaRPr lang="en-GB" dirty="0"/>
+          </a:p>
+        </p:txBody>
+      </p:sp>
+      <p:pic>
+        <p:nvPicPr>
+          <p:cNvPr id="5" name="Content Placeholder 4">
             <a:extLst>
               <a:ext uri="{FF2B5EF4-FFF2-40B4-BE49-F238E27FC236}">
-                <a16:creationId xmlns:a16="http://schemas.microsoft.com/office/drawing/2014/main" id="{8F3B8AF2-EBAB-4825-840C-058B9D734782}"/>
+                <a16:creationId xmlns:a16="http://schemas.microsoft.com/office/drawing/2014/main" id="{41EB6DF5-F184-4DBA-9979-FDFFBDFDD428}"/>
               </a:ext>
             </a:extLst>
           </p:cNvPr>
-          <p:cNvSpPr>
-            <a:spLocks noGrp="1"/>
-          </p:cNvSpPr>
+          <p:cNvPicPr>
+            <a:picLocks noGrp="1" noChangeAspect="1"/>
+          </p:cNvPicPr>
           <p:nvPr>
             <p:ph idx="1"/>
           </p:nvPr>
-        </p:nvSpPr>
-        <p:spPr/>
-        <p:txBody>
-          <a:bodyPr>
-            <a:normAutofit fontScale="62500" lnSpcReduction="20000"/>
+        </p:nvPicPr>
+        <p:blipFill>
+          <a:blip r:embed="rId3">
+            <a:extLst>
+              <a:ext uri="{28A0092B-C50C-407E-A947-70E740481C1C}">
+                <a14:useLocalDpi xmlns:a14="http://schemas.microsoft.com/office/drawing/2010/main" val="0"/>
+              </a:ext>
+            </a:extLst>
+          </a:blip>
+          <a:stretch>
+            <a:fillRect/>
+          </a:stretch>
+        </p:blipFill>
+        <p:spPr>
+          <a:xfrm>
+            <a:off x="2198714" y="1285875"/>
+            <a:ext cx="7524750" cy="4286250"/>
+          </a:xfrm>
+        </p:spPr>
+      </p:pic>
+      <p:sp>
+        <p:nvSpPr>
+          <p:cNvPr id="6" name="TextBox 5">
+            <a:extLst>
+              <a:ext uri="{FF2B5EF4-FFF2-40B4-BE49-F238E27FC236}">
+                <a16:creationId xmlns:a16="http://schemas.microsoft.com/office/drawing/2014/main" id="{8ADE2836-C544-4495-B19A-3B582DDC3EA7}"/>
+              </a:ext>
+            </a:extLst>
+          </p:cNvPr>
+          <p:cNvSpPr txBox="1"/>
+          <p:nvPr/>
+        </p:nvSpPr>
+        <p:spPr>
+          <a:xfrm>
+            <a:off x="5747519" y="5572125"/>
+            <a:ext cx="3975945" cy="369332"/>
+          </a:xfrm>
+          <a:prstGeom prst="rect">
+            <a:avLst/>
+          </a:prstGeom>
+          <a:noFill/>
+        </p:spPr>
+        <p:txBody>
+          <a:bodyPr wrap="square" rtlCol="0">
+            <a:spAutoFit/>
           </a:bodyPr>
           <a:lstStyle/>
           <a:p>
-            <a:pPr marL="0" indent="0">
-              <a:buNone/>
-            </a:pPr>
-            <a:r>
-              <a:rPr lang="de-DE" dirty="0">
-                <a:latin typeface="Courier New" panose="02070309020205020404" pitchFamily="49" charset="0"/>
-                <a:cs typeface="Courier New" panose="02070309020205020404" pitchFamily="49" charset="0"/>
-              </a:rPr>
-              <a:t>let $schematron := &lt;schema xmlns="http://www.ascc.net/xml/schematron"&gt;[...]</a:t>
-            </a:r>
-            <a:endParaRPr lang="en-GB" dirty="0">
-              <a:latin typeface="Courier New" panose="02070309020205020404" pitchFamily="49" charset="0"/>
-              <a:cs typeface="Courier New" panose="02070309020205020404" pitchFamily="49" charset="0"/>
-            </a:endParaRPr>
-          </a:p>
-          <a:p>
-            <a:pPr marL="0" indent="0">
-              <a:buNone/>
-            </a:pPr>
+            <a:pPr algn="r"/>
             <a:r>
               <a:rPr lang="en-GB" dirty="0">
-                <a:latin typeface="Courier New" panose="02070309020205020404" pitchFamily="49" charset="0"/>
-                <a:cs typeface="Courier New" panose="02070309020205020404" pitchFamily="49" charset="0"/>
-              </a:rPr>
-              <a:t>let $assertions := $</a:t>
+                <a:solidFill>
+                  <a:schemeClr val="bg2">
+                    <a:lumMod val="75000"/>
+                  </a:schemeClr>
+                </a:solidFill>
+              </a:rPr>
+              <a:t>Credit: Victor </a:t>
             </a:r>
             <a:r>
               <a:rPr lang="en-GB" dirty="0" err="1">
-                <a:latin typeface="Courier New" panose="02070309020205020404" pitchFamily="49" charset="0"/>
-                <a:cs typeface="Courier New" panose="02070309020205020404" pitchFamily="49" charset="0"/>
-              </a:rPr>
-              <a:t>schematron</a:t>
+                <a:solidFill>
+                  <a:schemeClr val="bg2">
+                    <a:lumMod val="75000"/>
+                  </a:schemeClr>
+                </a:solidFill>
+              </a:rPr>
+              <a:t>Metelskiy</a:t>
             </a:r>
             <a:r>
               <a:rPr lang="en-GB" dirty="0">
-                <a:latin typeface="Courier New" panose="02070309020205020404" pitchFamily="49" charset="0"/>
-                <a:cs typeface="Courier New" panose="02070309020205020404" pitchFamily="49" charset="0"/>
-              </a:rPr>
-              <a:t>//</a:t>
-            </a:r>
-            <a:r>
-              <a:rPr lang="en-GB" dirty="0" err="1">
-                <a:latin typeface="Courier New" panose="02070309020205020404" pitchFamily="49" charset="0"/>
-                <a:cs typeface="Courier New" panose="02070309020205020404" pitchFamily="49" charset="0"/>
-              </a:rPr>
-              <a:t>sch:assert</a:t>
-            </a:r>
-            <a:endParaRPr lang="en-GB" dirty="0">
-              <a:latin typeface="Courier New" panose="02070309020205020404" pitchFamily="49" charset="0"/>
-              <a:cs typeface="Courier New" panose="02070309020205020404" pitchFamily="49" charset="0"/>
-            </a:endParaRPr>
-          </a:p>
-          <a:p>
-            <a:pPr marL="0" indent="0">
-              <a:buNone/>
-            </a:pPr>
-            <a:r>
-              <a:rPr lang="en-GB" dirty="0">
-                <a:latin typeface="Courier New" panose="02070309020205020404" pitchFamily="49" charset="0"/>
-                <a:cs typeface="Courier New" panose="02070309020205020404" pitchFamily="49" charset="0"/>
-              </a:rPr>
-              <a:t>return (</a:t>
-            </a:r>
-          </a:p>
-          <a:p>
-            <a:pPr marL="0" indent="0">
-              <a:buNone/>
-            </a:pPr>
-            <a:r>
-              <a:rPr lang="en-GB" dirty="0">
-                <a:latin typeface="Courier New" panose="02070309020205020404" pitchFamily="49" charset="0"/>
-                <a:cs typeface="Courier New" panose="02070309020205020404" pitchFamily="49" charset="0"/>
-              </a:rPr>
-              <a:t>    every $assert in $assertions satisfies (</a:t>
-            </a:r>
-          </a:p>
-          <a:p>
-            <a:pPr marL="0" indent="0">
-              <a:buNone/>
-            </a:pPr>
-            <a:r>
-              <a:rPr lang="en-GB" dirty="0">
-                <a:latin typeface="Courier New" panose="02070309020205020404" pitchFamily="49" charset="0"/>
-                <a:cs typeface="Courier New" panose="02070309020205020404" pitchFamily="49" charset="0"/>
-              </a:rPr>
-              <a:t>      let $test := $assert/@test</a:t>
-            </a:r>
-          </a:p>
-          <a:p>
-            <a:pPr marL="0" indent="0">
-              <a:buNone/>
-            </a:pPr>
-            <a:r>
-              <a:rPr lang="en-GB" dirty="0">
-                <a:latin typeface="Courier New" panose="02070309020205020404" pitchFamily="49" charset="0"/>
-                <a:cs typeface="Courier New" panose="02070309020205020404" pitchFamily="49" charset="0"/>
-              </a:rPr>
-              <a:t>      return (</a:t>
-            </a:r>
-          </a:p>
-          <a:p>
-            <a:pPr marL="0" indent="0">
-              <a:buNone/>
-            </a:pPr>
-            <a:r>
-              <a:rPr lang="en-GB" dirty="0">
-                <a:latin typeface="Courier New" panose="02070309020205020404" pitchFamily="49" charset="0"/>
-                <a:cs typeface="Courier New" panose="02070309020205020404" pitchFamily="49" charset="0"/>
-              </a:rPr>
-              <a:t>        if (exists($assert/@role) and $assert/@role = 'warning') then</a:t>
-            </a:r>
-          </a:p>
-          <a:p>
-            <a:pPr marL="0" indent="0">
-              <a:buNone/>
-            </a:pPr>
-            <a:r>
-              <a:rPr lang="en-GB" dirty="0">
-                <a:latin typeface="Courier New" panose="02070309020205020404" pitchFamily="49" charset="0"/>
-                <a:cs typeface="Courier New" panose="02070309020205020404" pitchFamily="49" charset="0"/>
-              </a:rPr>
-              <a:t>          count($xml[not($test)]) </a:t>
-            </a:r>
-            <a:r>
-              <a:rPr lang="en-GB" dirty="0" err="1">
-                <a:latin typeface="Courier New" panose="02070309020205020404" pitchFamily="49" charset="0"/>
-                <a:cs typeface="Courier New" panose="02070309020205020404" pitchFamily="49" charset="0"/>
-              </a:rPr>
-              <a:t>eq</a:t>
-            </a:r>
-            <a:r>
-              <a:rPr lang="en-GB" dirty="0">
-                <a:latin typeface="Courier New" panose="02070309020205020404" pitchFamily="49" charset="0"/>
-                <a:cs typeface="Courier New" panose="02070309020205020404" pitchFamily="49" charset="0"/>
-              </a:rPr>
-              <a:t> 0</a:t>
-            </a:r>
-          </a:p>
-          <a:p>
-            <a:pPr marL="0" indent="0">
-              <a:buNone/>
-            </a:pPr>
-            <a:r>
-              <a:rPr lang="en-GB" dirty="0">
-                <a:latin typeface="Courier New" panose="02070309020205020404" pitchFamily="49" charset="0"/>
-                <a:cs typeface="Courier New" panose="02070309020205020404" pitchFamily="49" charset="0"/>
-              </a:rPr>
-              <a:t>        else</a:t>
-            </a:r>
-          </a:p>
-          <a:p>
-            <a:pPr marL="0" indent="0">
-              <a:buNone/>
-            </a:pPr>
-            <a:r>
-              <a:rPr lang="en-GB" dirty="0">
-                <a:latin typeface="Courier New" panose="02070309020205020404" pitchFamily="49" charset="0"/>
-                <a:cs typeface="Courier New" panose="02070309020205020404" pitchFamily="49" charset="0"/>
-              </a:rPr>
-              <a:t>          exists($xml[$test])</a:t>
-            </a:r>
-          </a:p>
-          <a:p>
-            <a:pPr marL="0" indent="0">
-              <a:buNone/>
-            </a:pPr>
-            <a:r>
-              <a:rPr lang="en-GB" dirty="0">
-                <a:latin typeface="Courier New" panose="02070309020205020404" pitchFamily="49" charset="0"/>
-                <a:cs typeface="Courier New" panose="02070309020205020404" pitchFamily="49" charset="0"/>
-              </a:rPr>
-              <a:t>      )</a:t>
-            </a:r>
-          </a:p>
-          <a:p>
-            <a:pPr marL="0" indent="0">
-              <a:buNone/>
-            </a:pPr>
-            <a:r>
-              <a:rPr lang="en-GB" dirty="0">
-                <a:latin typeface="Courier New" panose="02070309020205020404" pitchFamily="49" charset="0"/>
-                <a:cs typeface="Courier New" panose="02070309020205020404" pitchFamily="49" charset="0"/>
-              </a:rPr>
-              <a:t>    )</a:t>
+                <a:solidFill>
+                  <a:schemeClr val="bg2">
+                    <a:lumMod val="75000"/>
+                  </a:schemeClr>
+                </a:solidFill>
+              </a:rPr>
+              <a:t>/Shutterstock</a:t>
             </a:r>
           </a:p>
         </p:txBody>
@@ -7730,7 +7525,7 @@
     </p:spTree>
     <p:extLst>
       <p:ext uri="{BB962C8B-B14F-4D97-AF65-F5344CB8AC3E}">
-        <p14:creationId xmlns:p14="http://schemas.microsoft.com/office/powerpoint/2010/main" val="3287669211"/>
+        <p14:creationId xmlns:p14="http://schemas.microsoft.com/office/powerpoint/2010/main" val="2727151737"/>
       </p:ext>
     </p:extLst>
   </p:cSld>
@@ -7780,15 +7575,7 @@
           <a:p>
             <a:r>
               <a:rPr lang="en-GB" dirty="0"/>
-              <a:t>“Implement </a:t>
-            </a:r>
-            <a:r>
-              <a:rPr lang="en-GB" b="1" dirty="0"/>
-              <a:t>ISO</a:t>
-            </a:r>
-            <a:r>
-              <a:rPr lang="en-GB" dirty="0"/>
-              <a:t> </a:t>
+              <a:t>"Implement </a:t>
             </a:r>
             <a:r>
               <a:rPr lang="en-GB" dirty="0" err="1"/>
@@ -7796,15 +7583,7 @@
             </a:r>
             <a:r>
               <a:rPr lang="en-GB" dirty="0"/>
-              <a:t> in XQuery </a:t>
-            </a:r>
-            <a:r>
-              <a:rPr lang="en-GB" b="1" dirty="0"/>
-              <a:t>3.1</a:t>
-            </a:r>
-            <a:r>
-              <a:rPr lang="en-GB" dirty="0"/>
-              <a:t>"</a:t>
+              <a:t> in XQuery"</a:t>
             </a:r>
           </a:p>
         </p:txBody>
@@ -7828,7 +7607,7 @@
         <p:spPr/>
         <p:txBody>
           <a:bodyPr>
-            <a:normAutofit/>
+            <a:normAutofit fontScale="62500" lnSpcReduction="20000"/>
           </a:bodyPr>
           <a:lstStyle/>
           <a:p>
@@ -7836,191 +7615,13 @@
               <a:buNone/>
             </a:pPr>
             <a:r>
-              <a:rPr lang="en-GB" sz="1800" dirty="0">
-                <a:latin typeface="Courier New" panose="02070309020205020404" pitchFamily="49" charset="0"/>
-                <a:cs typeface="Courier New" panose="02070309020205020404" pitchFamily="49" charset="0"/>
-              </a:rPr>
-              <a:t>declare namespace </a:t>
-            </a:r>
-            <a:r>
-              <a:rPr lang="en-GB" sz="1800" dirty="0" err="1">
-                <a:latin typeface="Courier New" panose="02070309020205020404" pitchFamily="49" charset="0"/>
-                <a:cs typeface="Courier New" panose="02070309020205020404" pitchFamily="49" charset="0"/>
-              </a:rPr>
-              <a:t>sch</a:t>
-            </a:r>
-            <a:r>
-              <a:rPr lang="en-GB" sz="1800" dirty="0">
-                <a:latin typeface="Courier New" panose="02070309020205020404" pitchFamily="49" charset="0"/>
-                <a:cs typeface="Courier New" panose="02070309020205020404" pitchFamily="49" charset="0"/>
-              </a:rPr>
-              <a:t> = </a:t>
-            </a:r>
-            <a:r>
-              <a:rPr lang="en-GB" sz="1800" b="1" dirty="0">
-                <a:latin typeface="Courier New" panose="02070309020205020404" pitchFamily="49" charset="0"/>
-                <a:cs typeface="Courier New" panose="02070309020205020404" pitchFamily="49" charset="0"/>
-              </a:rPr>
-              <a:t>"http://purl.oclc.org/</a:t>
-            </a:r>
-            <a:r>
-              <a:rPr lang="en-GB" sz="1800" b="1" dirty="0" err="1">
-                <a:latin typeface="Courier New" panose="02070309020205020404" pitchFamily="49" charset="0"/>
-                <a:cs typeface="Courier New" panose="02070309020205020404" pitchFamily="49" charset="0"/>
-              </a:rPr>
-              <a:t>dsdl</a:t>
-            </a:r>
-            <a:r>
-              <a:rPr lang="en-GB" sz="1800" b="1" dirty="0">
-                <a:latin typeface="Courier New" panose="02070309020205020404" pitchFamily="49" charset="0"/>
-                <a:cs typeface="Courier New" panose="02070309020205020404" pitchFamily="49" charset="0"/>
-              </a:rPr>
-              <a:t>/</a:t>
-            </a:r>
-            <a:r>
-              <a:rPr lang="en-GB" sz="1800" b="1" dirty="0" err="1">
-                <a:latin typeface="Courier New" panose="02070309020205020404" pitchFamily="49" charset="0"/>
-                <a:cs typeface="Courier New" panose="02070309020205020404" pitchFamily="49" charset="0"/>
-              </a:rPr>
-              <a:t>schematron</a:t>
-            </a:r>
-            <a:r>
-              <a:rPr lang="en-GB" sz="1800" b="1" dirty="0">
-                <a:latin typeface="Courier New" panose="02070309020205020404" pitchFamily="49" charset="0"/>
-                <a:cs typeface="Courier New" panose="02070309020205020404" pitchFamily="49" charset="0"/>
-              </a:rPr>
-              <a:t>"</a:t>
-            </a:r>
-            <a:r>
-              <a:rPr lang="en-GB" sz="1800" dirty="0">
-                <a:latin typeface="Courier New" panose="02070309020205020404" pitchFamily="49" charset="0"/>
-                <a:cs typeface="Courier New" panose="02070309020205020404" pitchFamily="49" charset="0"/>
-              </a:rPr>
-              <a:t>;</a:t>
-            </a:r>
-          </a:p>
-          <a:p>
-            <a:pPr marL="0" indent="0">
-              <a:buNone/>
-            </a:pPr>
-            <a:r>
-              <a:rPr lang="en-GB" sz="1800" dirty="0">
-                <a:latin typeface="Courier New" panose="02070309020205020404" pitchFamily="49" charset="0"/>
-                <a:cs typeface="Courier New" panose="02070309020205020404" pitchFamily="49" charset="0"/>
-              </a:rPr>
-              <a:t>declare function </a:t>
-            </a:r>
-            <a:r>
-              <a:rPr lang="en-GB" sz="1800" dirty="0" err="1">
-                <a:latin typeface="Courier New" panose="02070309020205020404" pitchFamily="49" charset="0"/>
-                <a:cs typeface="Courier New" panose="02070309020205020404" pitchFamily="49" charset="0"/>
-              </a:rPr>
-              <a:t>local:schematron</a:t>
-            </a:r>
-            <a:r>
-              <a:rPr lang="en-GB" sz="1800" dirty="0">
-                <a:latin typeface="Courier New" panose="02070309020205020404" pitchFamily="49" charset="0"/>
-                <a:cs typeface="Courier New" panose="02070309020205020404" pitchFamily="49" charset="0"/>
-              </a:rPr>
-              <a:t>($xml as node(), $</a:t>
-            </a:r>
-            <a:r>
-              <a:rPr lang="en-GB" sz="1800" dirty="0" err="1">
-                <a:latin typeface="Courier New" panose="02070309020205020404" pitchFamily="49" charset="0"/>
-                <a:cs typeface="Courier New" panose="02070309020205020404" pitchFamily="49" charset="0"/>
-              </a:rPr>
-              <a:t>schematron</a:t>
-            </a:r>
-            <a:r>
-              <a:rPr lang="en-GB" sz="1800" dirty="0">
-                <a:latin typeface="Courier New" panose="02070309020205020404" pitchFamily="49" charset="0"/>
-                <a:cs typeface="Courier New" panose="02070309020205020404" pitchFamily="49" charset="0"/>
-              </a:rPr>
-              <a:t> as node()) as </a:t>
-            </a:r>
-            <a:r>
-              <a:rPr lang="en-GB" sz="1800" dirty="0" err="1">
-                <a:latin typeface="Courier New" panose="02070309020205020404" pitchFamily="49" charset="0"/>
-                <a:cs typeface="Courier New" panose="02070309020205020404" pitchFamily="49" charset="0"/>
-              </a:rPr>
-              <a:t>xs:boolean</a:t>
-            </a:r>
-            <a:r>
-              <a:rPr lang="en-GB" sz="1800" dirty="0">
-                <a:latin typeface="Courier New" panose="02070309020205020404" pitchFamily="49" charset="0"/>
-                <a:cs typeface="Courier New" panose="02070309020205020404" pitchFamily="49" charset="0"/>
-              </a:rPr>
-              <a:t> {</a:t>
-            </a:r>
-          </a:p>
-          <a:p>
-            <a:pPr marL="0" indent="0">
-              <a:buNone/>
-            </a:pPr>
-            <a:r>
-              <a:rPr lang="en-GB" sz="1800" dirty="0">
-                <a:latin typeface="Courier New" panose="02070309020205020404" pitchFamily="49" charset="0"/>
-                <a:cs typeface="Courier New" panose="02070309020205020404" pitchFamily="49" charset="0"/>
-              </a:rPr>
-              <a:t>  let $</a:t>
-            </a:r>
-            <a:r>
-              <a:rPr lang="en-GB" sz="1800" dirty="0" err="1">
-                <a:latin typeface="Courier New" panose="02070309020205020404" pitchFamily="49" charset="0"/>
-                <a:cs typeface="Courier New" panose="02070309020205020404" pitchFamily="49" charset="0"/>
-              </a:rPr>
-              <a:t>schematronXSLT</a:t>
-            </a:r>
-            <a:r>
-              <a:rPr lang="en-GB" sz="1800" dirty="0">
-                <a:latin typeface="Courier New" panose="02070309020205020404" pitchFamily="49" charset="0"/>
-                <a:cs typeface="Courier New" panose="02070309020205020404" pitchFamily="49" charset="0"/>
-              </a:rPr>
-              <a:t> := </a:t>
-            </a:r>
-            <a:r>
-              <a:rPr lang="en-GB" sz="1800" b="1" dirty="0">
-                <a:latin typeface="Courier New" panose="02070309020205020404" pitchFamily="49" charset="0"/>
-                <a:cs typeface="Courier New" panose="02070309020205020404" pitchFamily="49" charset="0"/>
-              </a:rPr>
-              <a:t>$</a:t>
-            </a:r>
-            <a:r>
-              <a:rPr lang="en-GB" sz="1800" b="1" dirty="0" err="1">
-                <a:latin typeface="Courier New" panose="02070309020205020404" pitchFamily="49" charset="0"/>
-                <a:cs typeface="Courier New" panose="02070309020205020404" pitchFamily="49" charset="0"/>
-              </a:rPr>
-              <a:t>schematron</a:t>
-            </a:r>
-            <a:r>
-              <a:rPr lang="en-GB" sz="1800" b="1" dirty="0">
-                <a:latin typeface="Courier New" panose="02070309020205020404" pitchFamily="49" charset="0"/>
-                <a:cs typeface="Courier New" panose="02070309020205020404" pitchFamily="49" charset="0"/>
-              </a:rPr>
-              <a:t>/</a:t>
-            </a:r>
-            <a:r>
-              <a:rPr lang="en-GB" sz="1800" b="1" dirty="0" err="1">
-                <a:latin typeface="Courier New" panose="02070309020205020404" pitchFamily="49" charset="0"/>
-                <a:cs typeface="Courier New" panose="02070309020205020404" pitchFamily="49" charset="0"/>
-              </a:rPr>
-              <a:t>sch:schema</a:t>
-            </a:r>
-            <a:r>
-              <a:rPr lang="en-GB" sz="1800" b="1" dirty="0">
-                <a:latin typeface="Courier New" panose="02070309020205020404" pitchFamily="49" charset="0"/>
-                <a:cs typeface="Courier New" panose="02070309020205020404" pitchFamily="49" charset="0"/>
-              </a:rPr>
-              <a:t>/</a:t>
-            </a:r>
-            <a:r>
-              <a:rPr lang="en-GB" sz="1800" b="1" dirty="0" err="1">
-                <a:latin typeface="Courier New" panose="02070309020205020404" pitchFamily="49" charset="0"/>
-                <a:cs typeface="Courier New" panose="02070309020205020404" pitchFamily="49" charset="0"/>
-              </a:rPr>
-              <a:t>xsl:stylesheet</a:t>
-            </a:r>
-            <a:endParaRPr lang="en-GB" sz="1800" b="1" dirty="0">
+              <a:rPr lang="de-DE" dirty="0">
+                <a:latin typeface="Courier New" panose="02070309020205020404" pitchFamily="49" charset="0"/>
+                <a:cs typeface="Courier New" panose="02070309020205020404" pitchFamily="49" charset="0"/>
+              </a:rPr>
+              <a:t>let $schematron := &lt;schema xmlns="http://www.ascc.net/xml/schematron"&gt;[...]</a:t>
+            </a:r>
+            <a:endParaRPr lang="en-GB" dirty="0">
               <a:latin typeface="Courier New" panose="02070309020205020404" pitchFamily="49" charset="0"/>
               <a:cs typeface="Courier New" panose="02070309020205020404" pitchFamily="49" charset="0"/>
             </a:endParaRPr>
@@ -8030,62 +7631,34 @@
               <a:buNone/>
             </a:pPr>
             <a:r>
-              <a:rPr lang="en-GB" sz="1800" dirty="0">
-                <a:latin typeface="Courier New" panose="02070309020205020404" pitchFamily="49" charset="0"/>
-                <a:cs typeface="Courier New" panose="02070309020205020404" pitchFamily="49" charset="0"/>
-              </a:rPr>
-              <a:t>  let $assertions := $</a:t>
-            </a:r>
-            <a:r>
-              <a:rPr lang="en-GB" sz="1800" dirty="0" err="1">
-                <a:latin typeface="Courier New" panose="02070309020205020404" pitchFamily="49" charset="0"/>
-                <a:cs typeface="Courier New" panose="02070309020205020404" pitchFamily="49" charset="0"/>
-              </a:rPr>
-              <a:t>schematronXSLT</a:t>
-            </a:r>
-            <a:r>
-              <a:rPr lang="en-GB" sz="1800" dirty="0">
-                <a:latin typeface="Courier New" panose="02070309020205020404" pitchFamily="49" charset="0"/>
-                <a:cs typeface="Courier New" panose="02070309020205020404" pitchFamily="49" charset="0"/>
-              </a:rPr>
-              <a:t>/</a:t>
-            </a:r>
-            <a:r>
-              <a:rPr lang="en-GB" sz="1800" dirty="0" err="1">
-                <a:latin typeface="Courier New" panose="02070309020205020404" pitchFamily="49" charset="0"/>
-                <a:cs typeface="Courier New" panose="02070309020205020404" pitchFamily="49" charset="0"/>
-              </a:rPr>
-              <a:t>sch:pattern</a:t>
-            </a:r>
-            <a:r>
-              <a:rPr lang="en-GB" sz="1800" dirty="0">
-                <a:latin typeface="Courier New" panose="02070309020205020404" pitchFamily="49" charset="0"/>
-                <a:cs typeface="Courier New" panose="02070309020205020404" pitchFamily="49" charset="0"/>
-              </a:rPr>
-              <a:t>/</a:t>
-            </a:r>
-            <a:r>
-              <a:rPr lang="en-GB" sz="1800" dirty="0" err="1">
-                <a:latin typeface="Courier New" panose="02070309020205020404" pitchFamily="49" charset="0"/>
-                <a:cs typeface="Courier New" panose="02070309020205020404" pitchFamily="49" charset="0"/>
-              </a:rPr>
-              <a:t>sch:rule</a:t>
-            </a:r>
-            <a:r>
-              <a:rPr lang="en-GB" sz="1800" dirty="0">
-                <a:latin typeface="Courier New" panose="02070309020205020404" pitchFamily="49" charset="0"/>
-                <a:cs typeface="Courier New" panose="02070309020205020404" pitchFamily="49" charset="0"/>
-              </a:rPr>
-              <a:t>/</a:t>
-            </a:r>
-            <a:r>
-              <a:rPr lang="en-GB" sz="1800" dirty="0" err="1">
+              <a:rPr lang="en-GB" dirty="0">
+                <a:latin typeface="Courier New" panose="02070309020205020404" pitchFamily="49" charset="0"/>
+                <a:cs typeface="Courier New" panose="02070309020205020404" pitchFamily="49" charset="0"/>
+              </a:rPr>
+              <a:t>let $assertions := $</a:t>
+            </a:r>
+            <a:r>
+              <a:rPr lang="en-GB" dirty="0" err="1">
+                <a:latin typeface="Courier New" panose="02070309020205020404" pitchFamily="49" charset="0"/>
+                <a:cs typeface="Courier New" panose="02070309020205020404" pitchFamily="49" charset="0"/>
+              </a:rPr>
+              <a:t>schematron</a:t>
+            </a:r>
+            <a:r>
+              <a:rPr lang="en-GB" dirty="0">
+                <a:latin typeface="Courier New" panose="02070309020205020404" pitchFamily="49" charset="0"/>
+                <a:cs typeface="Courier New" panose="02070309020205020404" pitchFamily="49" charset="0"/>
+              </a:rPr>
+              <a:t>//</a:t>
+            </a:r>
+            <a:r>
+              <a:rPr lang="en-GB" dirty="0" err="1">
                 <a:latin typeface="Courier New" panose="02070309020205020404" pitchFamily="49" charset="0"/>
                 <a:cs typeface="Courier New" panose="02070309020205020404" pitchFamily="49" charset="0"/>
               </a:rPr>
               <a:t>sch:assert</a:t>
             </a:r>
-            <a:endParaRPr lang="en-GB" sz="1800" dirty="0">
+            <a:endParaRPr lang="en-GB" dirty="0">
               <a:latin typeface="Courier New" panose="02070309020205020404" pitchFamily="49" charset="0"/>
               <a:cs typeface="Courier New" panose="02070309020205020404" pitchFamily="49" charset="0"/>
             </a:endParaRPr>
@@ -8095,76 +7668,23 @@
               <a:buNone/>
             </a:pPr>
             <a:r>
-              <a:rPr lang="en-GB" sz="1800" dirty="0">
-                <a:latin typeface="Courier New" panose="02070309020205020404" pitchFamily="49" charset="0"/>
-                <a:cs typeface="Courier New" panose="02070309020205020404" pitchFamily="49" charset="0"/>
-              </a:rPr>
-              <a:t>  let $reports := $</a:t>
-            </a:r>
-            <a:r>
-              <a:rPr lang="en-GB" sz="1800" dirty="0" err="1">
-                <a:latin typeface="Courier New" panose="02070309020205020404" pitchFamily="49" charset="0"/>
-                <a:cs typeface="Courier New" panose="02070309020205020404" pitchFamily="49" charset="0"/>
-              </a:rPr>
-              <a:t>schematronXSLT</a:t>
-            </a:r>
-            <a:r>
-              <a:rPr lang="en-GB" sz="1800" dirty="0">
-                <a:latin typeface="Courier New" panose="02070309020205020404" pitchFamily="49" charset="0"/>
-                <a:cs typeface="Courier New" panose="02070309020205020404" pitchFamily="49" charset="0"/>
-              </a:rPr>
-              <a:t>/</a:t>
-            </a:r>
-            <a:r>
-              <a:rPr lang="en-GB" sz="1800" dirty="0" err="1">
-                <a:latin typeface="Courier New" panose="02070309020205020404" pitchFamily="49" charset="0"/>
-                <a:cs typeface="Courier New" panose="02070309020205020404" pitchFamily="49" charset="0"/>
-              </a:rPr>
-              <a:t>sch:pattern</a:t>
-            </a:r>
-            <a:r>
-              <a:rPr lang="en-GB" sz="1800" dirty="0">
-                <a:latin typeface="Courier New" panose="02070309020205020404" pitchFamily="49" charset="0"/>
-                <a:cs typeface="Courier New" panose="02070309020205020404" pitchFamily="49" charset="0"/>
-              </a:rPr>
-              <a:t>/</a:t>
-            </a:r>
-            <a:r>
-              <a:rPr lang="en-GB" sz="1800" dirty="0" err="1">
-                <a:latin typeface="Courier New" panose="02070309020205020404" pitchFamily="49" charset="0"/>
-                <a:cs typeface="Courier New" panose="02070309020205020404" pitchFamily="49" charset="0"/>
-              </a:rPr>
-              <a:t>sch:rule</a:t>
-            </a:r>
-            <a:r>
-              <a:rPr lang="en-GB" sz="1800" dirty="0">
-                <a:latin typeface="Courier New" panose="02070309020205020404" pitchFamily="49" charset="0"/>
-                <a:cs typeface="Courier New" panose="02070309020205020404" pitchFamily="49" charset="0"/>
-              </a:rPr>
-              <a:t>/</a:t>
-            </a:r>
-            <a:r>
-              <a:rPr lang="en-GB" sz="1800" dirty="0" err="1">
-                <a:latin typeface="Courier New" panose="02070309020205020404" pitchFamily="49" charset="0"/>
-                <a:cs typeface="Courier New" panose="02070309020205020404" pitchFamily="49" charset="0"/>
-              </a:rPr>
-              <a:t>sch:report</a:t>
-            </a:r>
-            <a:endParaRPr lang="en-GB" sz="1800" dirty="0">
-              <a:latin typeface="Courier New" panose="02070309020205020404" pitchFamily="49" charset="0"/>
-              <a:cs typeface="Courier New" panose="02070309020205020404" pitchFamily="49" charset="0"/>
-            </a:endParaRPr>
+              <a:rPr lang="en-GB" dirty="0">
+                <a:latin typeface="Courier New" panose="02070309020205020404" pitchFamily="49" charset="0"/>
+                <a:cs typeface="Courier New" panose="02070309020205020404" pitchFamily="49" charset="0"/>
+              </a:rPr>
+              <a:t>return (</a:t>
+            </a:r>
           </a:p>
           <a:p>
             <a:pPr marL="0" indent="0">
               <a:buNone/>
             </a:pPr>
             <a:r>
-              <a:rPr lang="en-GB" sz="1800" dirty="0">
-                <a:latin typeface="Courier New" panose="02070309020205020404" pitchFamily="49" charset="0"/>
-                <a:cs typeface="Courier New" panose="02070309020205020404" pitchFamily="49" charset="0"/>
-              </a:rPr>
-              <a:t>  let $transformed := transform(</a:t>
+              <a:rPr lang="en-GB" dirty="0">
+                <a:latin typeface="Courier New" panose="02070309020205020404" pitchFamily="49" charset="0"/>
+                <a:cs typeface="Courier New" panose="02070309020205020404" pitchFamily="49" charset="0"/>
+              </a:rPr>
+              <a:t>    every $assert in $assertions satisfies (</a:t>
             </a:r>
           </a:p>
           <a:p>
@@ -8172,11 +7692,11 @@
               <a:buNone/>
             </a:pPr>
             <a:r>
-              <a:rPr lang="en-GB" sz="1800" dirty="0">
-                <a:latin typeface="Courier New" panose="02070309020205020404" pitchFamily="49" charset="0"/>
-                <a:cs typeface="Courier New" panose="02070309020205020404" pitchFamily="49" charset="0"/>
-              </a:rPr>
-              <a:t>    $xml,</a:t>
+              <a:rPr lang="en-GB" dirty="0">
+                <a:latin typeface="Courier New" panose="02070309020205020404" pitchFamily="49" charset="0"/>
+                <a:cs typeface="Courier New" panose="02070309020205020404" pitchFamily="49" charset="0"/>
+              </a:rPr>
+              <a:t>      let $test := $assert/@test</a:t>
             </a:r>
           </a:p>
           <a:p>
@@ -8184,25 +7704,11 @@
               <a:buNone/>
             </a:pPr>
             <a:r>
-              <a:rPr lang="en-GB" sz="1800" dirty="0">
-                <a:latin typeface="Courier New" panose="02070309020205020404" pitchFamily="49" charset="0"/>
-                <a:cs typeface="Courier New" panose="02070309020205020404" pitchFamily="49" charset="0"/>
-              </a:rPr>
-              <a:t>    $</a:t>
-            </a:r>
-            <a:r>
-              <a:rPr lang="en-GB" sz="1800" dirty="0" err="1">
-                <a:latin typeface="Courier New" panose="02070309020205020404" pitchFamily="49" charset="0"/>
-                <a:cs typeface="Courier New" panose="02070309020205020404" pitchFamily="49" charset="0"/>
-              </a:rPr>
-              <a:t>schematronXSLT</a:t>
-            </a:r>
-            <a:r>
-              <a:rPr lang="en-GB" sz="1800" dirty="0">
-                <a:latin typeface="Courier New" panose="02070309020205020404" pitchFamily="49" charset="0"/>
-                <a:cs typeface="Courier New" panose="02070309020205020404" pitchFamily="49" charset="0"/>
-              </a:rPr>
-              <a:t>,</a:t>
+              <a:rPr lang="en-GB" dirty="0">
+                <a:latin typeface="Courier New" panose="02070309020205020404" pitchFamily="49" charset="0"/>
+                <a:cs typeface="Courier New" panose="02070309020205020404" pitchFamily="49" charset="0"/>
+              </a:rPr>
+              <a:t>      return (</a:t>
             </a:r>
           </a:p>
           <a:p>
@@ -8210,11 +7716,11 @@
               <a:buNone/>
             </a:pPr>
             <a:r>
-              <a:rPr lang="en-GB" sz="1800" dirty="0">
-                <a:latin typeface="Courier New" panose="02070309020205020404" pitchFamily="49" charset="0"/>
-                <a:cs typeface="Courier New" panose="02070309020205020404" pitchFamily="49" charset="0"/>
-              </a:rPr>
-              <a:t>    map { 'validation-mode': 'lax' }</a:t>
+              <a:rPr lang="en-GB" dirty="0">
+                <a:latin typeface="Courier New" panose="02070309020205020404" pitchFamily="49" charset="0"/>
+                <a:cs typeface="Courier New" panose="02070309020205020404" pitchFamily="49" charset="0"/>
+              </a:rPr>
+              <a:t>        if (exists($assert/@role) and $assert/@role = 'warning') then</a:t>
             </a:r>
           </a:p>
           <a:p>
@@ -8222,11 +7728,25 @@
               <a:buNone/>
             </a:pPr>
             <a:r>
-              <a:rPr lang="en-GB" sz="1800" dirty="0">
-                <a:latin typeface="Courier New" panose="02070309020205020404" pitchFamily="49" charset="0"/>
-                <a:cs typeface="Courier New" panose="02070309020205020404" pitchFamily="49" charset="0"/>
-              </a:rPr>
-              <a:t>  )</a:t>
+              <a:rPr lang="en-GB" dirty="0">
+                <a:latin typeface="Courier New" panose="02070309020205020404" pitchFamily="49" charset="0"/>
+                <a:cs typeface="Courier New" panose="02070309020205020404" pitchFamily="49" charset="0"/>
+              </a:rPr>
+              <a:t>          count($xml[not($test)]) </a:t>
+            </a:r>
+            <a:r>
+              <a:rPr lang="en-GB" dirty="0" err="1">
+                <a:latin typeface="Courier New" panose="02070309020205020404" pitchFamily="49" charset="0"/>
+                <a:cs typeface="Courier New" panose="02070309020205020404" pitchFamily="49" charset="0"/>
+              </a:rPr>
+              <a:t>eq</a:t>
+            </a:r>
+            <a:r>
+              <a:rPr lang="en-GB" dirty="0">
+                <a:latin typeface="Courier New" panose="02070309020205020404" pitchFamily="49" charset="0"/>
+                <a:cs typeface="Courier New" panose="02070309020205020404" pitchFamily="49" charset="0"/>
+              </a:rPr>
+              <a:t> 0</a:t>
             </a:r>
           </a:p>
           <a:p>
@@ -8234,11 +7754,47 @@
               <a:buNone/>
             </a:pPr>
             <a:r>
-              <a:rPr lang="en-GB" sz="1800" dirty="0">
-                <a:latin typeface="Courier New" panose="02070309020205020404" pitchFamily="49" charset="0"/>
-                <a:cs typeface="Courier New" panose="02070309020205020404" pitchFamily="49" charset="0"/>
-              </a:rPr>
-              <a:t>[...]</a:t>
+              <a:rPr lang="en-GB" dirty="0">
+                <a:latin typeface="Courier New" panose="02070309020205020404" pitchFamily="49" charset="0"/>
+                <a:cs typeface="Courier New" panose="02070309020205020404" pitchFamily="49" charset="0"/>
+              </a:rPr>
+              <a:t>        else</a:t>
+            </a:r>
+          </a:p>
+          <a:p>
+            <a:pPr marL="0" indent="0">
+              <a:buNone/>
+            </a:pPr>
+            <a:r>
+              <a:rPr lang="en-GB" dirty="0">
+                <a:latin typeface="Courier New" panose="02070309020205020404" pitchFamily="49" charset="0"/>
+                <a:cs typeface="Courier New" panose="02070309020205020404" pitchFamily="49" charset="0"/>
+              </a:rPr>
+              <a:t>          exists($xml[$test])</a:t>
+            </a:r>
+          </a:p>
+          <a:p>
+            <a:pPr marL="0" indent="0">
+              <a:buNone/>
+            </a:pPr>
+            <a:r>
+              <a:rPr lang="en-GB" dirty="0">
+                <a:latin typeface="Courier New" panose="02070309020205020404" pitchFamily="49" charset="0"/>
+                <a:cs typeface="Courier New" panose="02070309020205020404" pitchFamily="49" charset="0"/>
+              </a:rPr>
+              <a:t>      )</a:t>
+            </a:r>
+          </a:p>
+          <a:p>
+            <a:pPr marL="0" indent="0">
+              <a:buNone/>
+            </a:pPr>
+            <a:r>
+              <a:rPr lang="en-GB" dirty="0">
+                <a:latin typeface="Courier New" panose="02070309020205020404" pitchFamily="49" charset="0"/>
+                <a:cs typeface="Courier New" panose="02070309020205020404" pitchFamily="49" charset="0"/>
+              </a:rPr>
+              <a:t>    )</a:t>
             </a:r>
           </a:p>
         </p:txBody>
@@ -8246,7 +7802,7 @@
     </p:spTree>
     <p:extLst>
       <p:ext uri="{BB962C8B-B14F-4D97-AF65-F5344CB8AC3E}">
-        <p14:creationId xmlns:p14="http://schemas.microsoft.com/office/powerpoint/2010/main" val="3081243603"/>
+        <p14:creationId xmlns:p14="http://schemas.microsoft.com/office/powerpoint/2010/main" val="3287669211"/>
       </p:ext>
     </p:extLst>
   </p:cSld>
@@ -8296,15 +7852,31 @@
           <a:p>
             <a:r>
               <a:rPr lang="en-GB" dirty="0"/>
-              <a:t>"Implement </a:t>
-            </a:r>
-            <a:r>
-              <a:rPr lang="en-GB" i="1" dirty="0"/>
-              <a:t>natively</a:t>
-            </a:r>
-            <a:r>
-              <a:rPr lang="en-GB" dirty="0"/>
-              <a:t> [etc.]"</a:t>
+              <a:t>“Implement </a:t>
+            </a:r>
+            <a:r>
+              <a:rPr lang="en-GB" b="1" dirty="0"/>
+              <a:t>ISO</a:t>
+            </a:r>
+            <a:r>
+              <a:rPr lang="en-GB" dirty="0"/>
+              <a:t> </a:t>
+            </a:r>
+            <a:r>
+              <a:rPr lang="en-GB" dirty="0" err="1"/>
+              <a:t>Schematron</a:t>
+            </a:r>
+            <a:r>
+              <a:rPr lang="en-GB" dirty="0"/>
+              <a:t> in XQuery </a:t>
+            </a:r>
+            <a:r>
+              <a:rPr lang="en-GB" b="1" dirty="0"/>
+              <a:t>3.1</a:t>
+            </a:r>
+            <a:r>
+              <a:rPr lang="en-GB" dirty="0"/>
+              <a:t>"</a:t>
             </a:r>
           </a:p>
         </p:txBody>
@@ -8328,7 +7900,7 @@
         <p:spPr/>
         <p:txBody>
           <a:bodyPr>
-            <a:normAutofit lnSpcReduction="10000"/>
+            <a:normAutofit/>
           </a:bodyPr>
           <a:lstStyle/>
           <a:p>
@@ -8354,61 +7926,229 @@
                 <a:latin typeface="Courier New" panose="02070309020205020404" pitchFamily="49" charset="0"/>
                 <a:cs typeface="Courier New" panose="02070309020205020404" pitchFamily="49" charset="0"/>
               </a:rPr>
-              <a:t> = "http://purl.oclc.org/</a:t>
+              <a:t> = </a:t>
+            </a:r>
+            <a:r>
+              <a:rPr lang="en-GB" sz="1800" b="1" dirty="0">
+                <a:latin typeface="Courier New" panose="02070309020205020404" pitchFamily="49" charset="0"/>
+                <a:cs typeface="Courier New" panose="02070309020205020404" pitchFamily="49" charset="0"/>
+              </a:rPr>
+              <a:t>"http://purl.oclc.org/</a:t>
+            </a:r>
+            <a:r>
+              <a:rPr lang="en-GB" sz="1800" b="1" dirty="0" err="1">
+                <a:latin typeface="Courier New" panose="02070309020205020404" pitchFamily="49" charset="0"/>
+                <a:cs typeface="Courier New" panose="02070309020205020404" pitchFamily="49" charset="0"/>
+              </a:rPr>
+              <a:t>dsdl</a:t>
+            </a:r>
+            <a:r>
+              <a:rPr lang="en-GB" sz="1800" b="1" dirty="0">
+                <a:latin typeface="Courier New" panose="02070309020205020404" pitchFamily="49" charset="0"/>
+                <a:cs typeface="Courier New" panose="02070309020205020404" pitchFamily="49" charset="0"/>
+              </a:rPr>
+              <a:t>/</a:t>
+            </a:r>
+            <a:r>
+              <a:rPr lang="en-GB" sz="1800" b="1" dirty="0" err="1">
+                <a:latin typeface="Courier New" panose="02070309020205020404" pitchFamily="49" charset="0"/>
+                <a:cs typeface="Courier New" panose="02070309020205020404" pitchFamily="49" charset="0"/>
+              </a:rPr>
+              <a:t>schematron</a:t>
+            </a:r>
+            <a:r>
+              <a:rPr lang="en-GB" sz="1800" b="1" dirty="0">
+                <a:latin typeface="Courier New" panose="02070309020205020404" pitchFamily="49" charset="0"/>
+                <a:cs typeface="Courier New" panose="02070309020205020404" pitchFamily="49" charset="0"/>
+              </a:rPr>
+              <a:t>"</a:t>
+            </a:r>
+            <a:r>
+              <a:rPr lang="en-GB" sz="1800" dirty="0">
+                <a:latin typeface="Courier New" panose="02070309020205020404" pitchFamily="49" charset="0"/>
+                <a:cs typeface="Courier New" panose="02070309020205020404" pitchFamily="49" charset="0"/>
+              </a:rPr>
+              <a:t>;</a:t>
+            </a:r>
+          </a:p>
+          <a:p>
+            <a:pPr marL="0" indent="0">
+              <a:buNone/>
+            </a:pPr>
+            <a:r>
+              <a:rPr lang="en-GB" sz="1800" dirty="0">
+                <a:latin typeface="Courier New" panose="02070309020205020404" pitchFamily="49" charset="0"/>
+                <a:cs typeface="Courier New" panose="02070309020205020404" pitchFamily="49" charset="0"/>
+              </a:rPr>
+              <a:t>declare function </a:t>
             </a:r>
             <a:r>
               <a:rPr lang="en-GB" sz="1800" dirty="0" err="1">
                 <a:latin typeface="Courier New" panose="02070309020205020404" pitchFamily="49" charset="0"/>
                 <a:cs typeface="Courier New" panose="02070309020205020404" pitchFamily="49" charset="0"/>
               </a:rPr>
-              <a:t>dsdl</a:t>
+              <a:t>local:schematron</a:t>
             </a:r>
             <a:r>
               <a:rPr lang="en-GB" sz="1800" dirty="0">
                 <a:latin typeface="Courier New" panose="02070309020205020404" pitchFamily="49" charset="0"/>
                 <a:cs typeface="Courier New" panose="02070309020205020404" pitchFamily="49" charset="0"/>
               </a:rPr>
+              <a:t>($xml as node(), $</a:t>
+            </a:r>
+            <a:r>
+              <a:rPr lang="en-GB" sz="1800" dirty="0" err="1">
+                <a:latin typeface="Courier New" panose="02070309020205020404" pitchFamily="49" charset="0"/>
+                <a:cs typeface="Courier New" panose="02070309020205020404" pitchFamily="49" charset="0"/>
+              </a:rPr>
+              <a:t>schematron</a:t>
+            </a:r>
+            <a:r>
+              <a:rPr lang="en-GB" sz="1800" dirty="0">
+                <a:latin typeface="Courier New" panose="02070309020205020404" pitchFamily="49" charset="0"/>
+                <a:cs typeface="Courier New" panose="02070309020205020404" pitchFamily="49" charset="0"/>
+              </a:rPr>
+              <a:t> as node()) as </a:t>
+            </a:r>
+            <a:r>
+              <a:rPr lang="en-GB" sz="1800" dirty="0" err="1">
+                <a:latin typeface="Courier New" panose="02070309020205020404" pitchFamily="49" charset="0"/>
+                <a:cs typeface="Courier New" panose="02070309020205020404" pitchFamily="49" charset="0"/>
+              </a:rPr>
+              <a:t>xs:boolean</a:t>
+            </a:r>
+            <a:r>
+              <a:rPr lang="en-GB" sz="1800" dirty="0">
+                <a:latin typeface="Courier New" panose="02070309020205020404" pitchFamily="49" charset="0"/>
+                <a:cs typeface="Courier New" panose="02070309020205020404" pitchFamily="49" charset="0"/>
+              </a:rPr>
+              <a:t> {</a:t>
+            </a:r>
+          </a:p>
+          <a:p>
+            <a:pPr marL="0" indent="0">
+              <a:buNone/>
+            </a:pPr>
+            <a:r>
+              <a:rPr lang="en-GB" sz="1800" dirty="0">
+                <a:latin typeface="Courier New" panose="02070309020205020404" pitchFamily="49" charset="0"/>
+                <a:cs typeface="Courier New" panose="02070309020205020404" pitchFamily="49" charset="0"/>
+              </a:rPr>
+              <a:t>  let $</a:t>
+            </a:r>
+            <a:r>
+              <a:rPr lang="en-GB" sz="1800" dirty="0" err="1">
+                <a:latin typeface="Courier New" panose="02070309020205020404" pitchFamily="49" charset="0"/>
+                <a:cs typeface="Courier New" panose="02070309020205020404" pitchFamily="49" charset="0"/>
+              </a:rPr>
+              <a:t>schematronXSLT</a:t>
+            </a:r>
+            <a:r>
+              <a:rPr lang="en-GB" sz="1800" dirty="0">
+                <a:latin typeface="Courier New" panose="02070309020205020404" pitchFamily="49" charset="0"/>
+                <a:cs typeface="Courier New" panose="02070309020205020404" pitchFamily="49" charset="0"/>
+              </a:rPr>
+              <a:t> := </a:t>
+            </a:r>
+            <a:r>
+              <a:rPr lang="en-GB" sz="1800" b="1" dirty="0">
+                <a:latin typeface="Courier New" panose="02070309020205020404" pitchFamily="49" charset="0"/>
+                <a:cs typeface="Courier New" panose="02070309020205020404" pitchFamily="49" charset="0"/>
+              </a:rPr>
+              <a:t>$</a:t>
+            </a:r>
+            <a:r>
+              <a:rPr lang="en-GB" sz="1800" b="1" dirty="0" err="1">
+                <a:latin typeface="Courier New" panose="02070309020205020404" pitchFamily="49" charset="0"/>
+                <a:cs typeface="Courier New" panose="02070309020205020404" pitchFamily="49" charset="0"/>
+              </a:rPr>
+              <a:t>schematron</a:t>
+            </a:r>
+            <a:r>
+              <a:rPr lang="en-GB" sz="1800" b="1" dirty="0">
+                <a:latin typeface="Courier New" panose="02070309020205020404" pitchFamily="49" charset="0"/>
+                <a:cs typeface="Courier New" panose="02070309020205020404" pitchFamily="49" charset="0"/>
+              </a:rPr>
               <a:t>/</a:t>
             </a:r>
             <a:r>
+              <a:rPr lang="en-GB" sz="1800" b="1" dirty="0" err="1">
+                <a:latin typeface="Courier New" panose="02070309020205020404" pitchFamily="49" charset="0"/>
+                <a:cs typeface="Courier New" panose="02070309020205020404" pitchFamily="49" charset="0"/>
+              </a:rPr>
+              <a:t>sch:schema</a:t>
+            </a:r>
+            <a:r>
+              <a:rPr lang="en-GB" sz="1800" b="1" dirty="0">
+                <a:latin typeface="Courier New" panose="02070309020205020404" pitchFamily="49" charset="0"/>
+                <a:cs typeface="Courier New" panose="02070309020205020404" pitchFamily="49" charset="0"/>
+              </a:rPr>
+              <a:t>/</a:t>
+            </a:r>
+            <a:r>
+              <a:rPr lang="en-GB" sz="1800" b="1" dirty="0" err="1">
+                <a:latin typeface="Courier New" panose="02070309020205020404" pitchFamily="49" charset="0"/>
+                <a:cs typeface="Courier New" panose="02070309020205020404" pitchFamily="49" charset="0"/>
+              </a:rPr>
+              <a:t>xsl:stylesheet</a:t>
+            </a:r>
+            <a:endParaRPr lang="en-GB" sz="1800" b="1" dirty="0">
+              <a:latin typeface="Courier New" panose="02070309020205020404" pitchFamily="49" charset="0"/>
+              <a:cs typeface="Courier New" panose="02070309020205020404" pitchFamily="49" charset="0"/>
+            </a:endParaRPr>
+          </a:p>
+          <a:p>
+            <a:pPr marL="0" indent="0">
+              <a:buNone/>
+            </a:pPr>
+            <a:r>
+              <a:rPr lang="en-GB" sz="1800" dirty="0">
+                <a:latin typeface="Courier New" panose="02070309020205020404" pitchFamily="49" charset="0"/>
+                <a:cs typeface="Courier New" panose="02070309020205020404" pitchFamily="49" charset="0"/>
+              </a:rPr>
+              <a:t>  let $assertions := $</a:t>
+            </a:r>
+            <a:r>
               <a:rPr lang="en-GB" sz="1800" dirty="0" err="1">
                 <a:latin typeface="Courier New" panose="02070309020205020404" pitchFamily="49" charset="0"/>
                 <a:cs typeface="Courier New" panose="02070309020205020404" pitchFamily="49" charset="0"/>
               </a:rPr>
-              <a:t>schematron</a:t>
+              <a:t>schematronXSLT</a:t>
             </a:r>
             <a:r>
               <a:rPr lang="en-GB" sz="1800" dirty="0">
                 <a:latin typeface="Courier New" panose="02070309020205020404" pitchFamily="49" charset="0"/>
                 <a:cs typeface="Courier New" panose="02070309020205020404" pitchFamily="49" charset="0"/>
               </a:rPr>
-              <a:t>";</a:t>
-            </a:r>
-          </a:p>
-          <a:p>
-            <a:pPr marL="0" indent="0">
-              <a:buNone/>
-            </a:pPr>
+              <a:t>/</a:t>
+            </a:r>
+            <a:r>
+              <a:rPr lang="en-GB" sz="1800" dirty="0" err="1">
+                <a:latin typeface="Courier New" panose="02070309020205020404" pitchFamily="49" charset="0"/>
+                <a:cs typeface="Courier New" panose="02070309020205020404" pitchFamily="49" charset="0"/>
+              </a:rPr>
+              <a:t>sch:pattern</a:t>
+            </a:r>
             <a:r>
               <a:rPr lang="en-GB" sz="1800" dirty="0">
                 <a:latin typeface="Courier New" panose="02070309020205020404" pitchFamily="49" charset="0"/>
                 <a:cs typeface="Courier New" panose="02070309020205020404" pitchFamily="49" charset="0"/>
               </a:rPr>
-              <a:t>let $assertions := $</a:t>
+              <a:t>/</a:t>
             </a:r>
             <a:r>
               <a:rPr lang="en-GB" sz="1800" dirty="0" err="1">
                 <a:latin typeface="Courier New" panose="02070309020205020404" pitchFamily="49" charset="0"/>
                 <a:cs typeface="Courier New" panose="02070309020205020404" pitchFamily="49" charset="0"/>
               </a:rPr>
-              <a:t>schematron</a:t>
+              <a:t>sch:rule</a:t>
             </a:r>
             <a:r>
               <a:rPr lang="en-GB" sz="1800" dirty="0">
                 <a:latin typeface="Courier New" panose="02070309020205020404" pitchFamily="49" charset="0"/>
                 <a:cs typeface="Courier New" panose="02070309020205020404" pitchFamily="49" charset="0"/>
               </a:rPr>
-              <a:t>//</a:t>
+              <a:t>/</a:t>
             </a:r>
             <a:r>
               <a:rPr lang="en-GB" sz="1800" dirty="0" err="1">
@@ -8431,146 +8171,154 @@
                 <a:latin typeface="Courier New" panose="02070309020205020404" pitchFamily="49" charset="0"/>
                 <a:cs typeface="Courier New" panose="02070309020205020404" pitchFamily="49" charset="0"/>
               </a:rPr>
-              <a:t>return (</a:t>
-            </a:r>
-          </a:p>
-          <a:p>
-            <a:pPr marL="0" indent="0">
-              <a:buNone/>
-            </a:pPr>
+              <a:t>  let $reports := $</a:t>
+            </a:r>
+            <a:r>
+              <a:rPr lang="en-GB" sz="1800" dirty="0" err="1">
+                <a:latin typeface="Courier New" panose="02070309020205020404" pitchFamily="49" charset="0"/>
+                <a:cs typeface="Courier New" panose="02070309020205020404" pitchFamily="49" charset="0"/>
+              </a:rPr>
+              <a:t>schematronXSLT</a:t>
+            </a:r>
             <a:r>
               <a:rPr lang="en-GB" sz="1800" dirty="0">
                 <a:latin typeface="Courier New" panose="02070309020205020404" pitchFamily="49" charset="0"/>
                 <a:cs typeface="Courier New" panose="02070309020205020404" pitchFamily="49" charset="0"/>
               </a:rPr>
-              <a:t>    every $assert in $assertions satisfies (</a:t>
-            </a:r>
-          </a:p>
-          <a:p>
-            <a:pPr marL="0" indent="0">
-              <a:buNone/>
-            </a:pPr>
+              <a:t>/</a:t>
+            </a:r>
+            <a:r>
+              <a:rPr lang="en-GB" sz="1800" dirty="0" err="1">
+                <a:latin typeface="Courier New" panose="02070309020205020404" pitchFamily="49" charset="0"/>
+                <a:cs typeface="Courier New" panose="02070309020205020404" pitchFamily="49" charset="0"/>
+              </a:rPr>
+              <a:t>sch:pattern</a:t>
+            </a:r>
             <a:r>
               <a:rPr lang="en-GB" sz="1800" dirty="0">
                 <a:latin typeface="Courier New" panose="02070309020205020404" pitchFamily="49" charset="0"/>
                 <a:cs typeface="Courier New" panose="02070309020205020404" pitchFamily="49" charset="0"/>
               </a:rPr>
-              <a:t>      let $test := $assert/@test</a:t>
-            </a:r>
-          </a:p>
-          <a:p>
-            <a:pPr marL="0" indent="0">
-              <a:buNone/>
-            </a:pPr>
+              <a:t>/</a:t>
+            </a:r>
+            <a:r>
+              <a:rPr lang="en-GB" sz="1800" dirty="0" err="1">
+                <a:latin typeface="Courier New" panose="02070309020205020404" pitchFamily="49" charset="0"/>
+                <a:cs typeface="Courier New" panose="02070309020205020404" pitchFamily="49" charset="0"/>
+              </a:rPr>
+              <a:t>sch:rule</a:t>
+            </a:r>
             <a:r>
               <a:rPr lang="en-GB" sz="1800" dirty="0">
                 <a:latin typeface="Courier New" panose="02070309020205020404" pitchFamily="49" charset="0"/>
                 <a:cs typeface="Courier New" panose="02070309020205020404" pitchFamily="49" charset="0"/>
               </a:rPr>
-              <a:t>      return (</a:t>
-            </a:r>
-          </a:p>
-          <a:p>
-            <a:pPr marL="0" indent="0">
-              <a:buNone/>
-            </a:pPr>
-            <a:r>
-              <a:rPr lang="en-GB" sz="1800" dirty="0">
-                <a:latin typeface="Courier New" panose="02070309020205020404" pitchFamily="49" charset="0"/>
-                <a:cs typeface="Courier New" panose="02070309020205020404" pitchFamily="49" charset="0"/>
-              </a:rPr>
-              <a:t>        if (exists($assert/@role) and $assert/@role = 'warning') then</a:t>
-            </a:r>
-          </a:p>
-          <a:p>
-            <a:pPr marL="0" indent="0">
-              <a:buNone/>
-            </a:pPr>
-            <a:r>
-              <a:rPr lang="en-GB" sz="1800" dirty="0">
-                <a:latin typeface="Courier New" panose="02070309020205020404" pitchFamily="49" charset="0"/>
-                <a:cs typeface="Courier New" panose="02070309020205020404" pitchFamily="49" charset="0"/>
-              </a:rPr>
-              <a:t>          count($xml[not($test)]) </a:t>
+              <a:t>/</a:t>
             </a:r>
             <a:r>
               <a:rPr lang="en-GB" sz="1800" dirty="0" err="1">
                 <a:latin typeface="Courier New" panose="02070309020205020404" pitchFamily="49" charset="0"/>
                 <a:cs typeface="Courier New" panose="02070309020205020404" pitchFamily="49" charset="0"/>
               </a:rPr>
-              <a:t>eq</a:t>
-            </a:r>
-            <a:r>
-              <a:rPr lang="en-GB" sz="1800" dirty="0">
-                <a:latin typeface="Courier New" panose="02070309020205020404" pitchFamily="49" charset="0"/>
-                <a:cs typeface="Courier New" panose="02070309020205020404" pitchFamily="49" charset="0"/>
-              </a:rPr>
-              <a:t> 0</a:t>
-            </a:r>
-          </a:p>
-          <a:p>
-            <a:pPr marL="0" indent="0">
-              <a:buNone/>
-            </a:pPr>
-            <a:r>
-              <a:rPr lang="en-GB" sz="1800" dirty="0">
-                <a:latin typeface="Courier New" panose="02070309020205020404" pitchFamily="49" charset="0"/>
-                <a:cs typeface="Courier New" panose="02070309020205020404" pitchFamily="49" charset="0"/>
-              </a:rPr>
-              <a:t>        else</a:t>
-            </a:r>
-          </a:p>
-          <a:p>
-            <a:pPr marL="0" indent="0">
-              <a:buNone/>
-            </a:pPr>
-            <a:r>
-              <a:rPr lang="en-GB" sz="1800" dirty="0">
-                <a:latin typeface="Courier New" panose="02070309020205020404" pitchFamily="49" charset="0"/>
-                <a:cs typeface="Courier New" panose="02070309020205020404" pitchFamily="49" charset="0"/>
-              </a:rPr>
-              <a:t>          exists($xml[$test])</a:t>
-            </a:r>
-          </a:p>
-          <a:p>
-            <a:pPr marL="0" indent="0">
-              <a:buNone/>
-            </a:pPr>
-            <a:r>
-              <a:rPr lang="en-GB" sz="1800" dirty="0">
-                <a:latin typeface="Courier New" panose="02070309020205020404" pitchFamily="49" charset="0"/>
-                <a:cs typeface="Courier New" panose="02070309020205020404" pitchFamily="49" charset="0"/>
-              </a:rPr>
-              <a:t>      )</a:t>
-            </a:r>
-          </a:p>
-          <a:p>
-            <a:pPr marL="0" indent="0">
-              <a:buNone/>
-            </a:pPr>
-            <a:r>
-              <a:rPr lang="en-GB" sz="1800" dirty="0">
-                <a:latin typeface="Courier New" panose="02070309020205020404" pitchFamily="49" charset="0"/>
-                <a:cs typeface="Courier New" panose="02070309020205020404" pitchFamily="49" charset="0"/>
-              </a:rPr>
-              <a:t>    )</a:t>
-            </a:r>
-          </a:p>
-          <a:p>
-            <a:pPr marL="0" indent="0">
-              <a:buNone/>
-            </a:pPr>
+              <a:t>sch:report</a:t>
+            </a:r>
             <a:endParaRPr lang="en-GB" sz="1800" dirty="0">
               <a:latin typeface="Courier New" panose="02070309020205020404" pitchFamily="49" charset="0"/>
               <a:cs typeface="Courier New" panose="02070309020205020404" pitchFamily="49" charset="0"/>
             </a:endParaRPr>
           </a:p>
+          <a:p>
+            <a:pPr marL="0" indent="0">
+              <a:buNone/>
+            </a:pPr>
+            <a:r>
+              <a:rPr lang="en-GB" sz="1800" dirty="0">
+                <a:latin typeface="Courier New" panose="02070309020205020404" pitchFamily="49" charset="0"/>
+                <a:cs typeface="Courier New" panose="02070309020205020404" pitchFamily="49" charset="0"/>
+              </a:rPr>
+              <a:t>  let $transformed := transform(</a:t>
+            </a:r>
+          </a:p>
+          <a:p>
+            <a:pPr marL="0" indent="0">
+              <a:buNone/>
+            </a:pPr>
+            <a:r>
+              <a:rPr lang="en-GB" sz="1800" dirty="0">
+                <a:latin typeface="Courier New" panose="02070309020205020404" pitchFamily="49" charset="0"/>
+                <a:cs typeface="Courier New" panose="02070309020205020404" pitchFamily="49" charset="0"/>
+              </a:rPr>
+              <a:t>    $xml,</a:t>
+            </a:r>
+          </a:p>
+          <a:p>
+            <a:pPr marL="0" indent="0">
+              <a:buNone/>
+            </a:pPr>
+            <a:r>
+              <a:rPr lang="en-GB" sz="1800" dirty="0">
+                <a:latin typeface="Courier New" panose="02070309020205020404" pitchFamily="49" charset="0"/>
+                <a:cs typeface="Courier New" panose="02070309020205020404" pitchFamily="49" charset="0"/>
+              </a:rPr>
+              <a:t>    $</a:t>
+            </a:r>
+            <a:r>
+              <a:rPr lang="en-GB" sz="1800" dirty="0" err="1">
+                <a:latin typeface="Courier New" panose="02070309020205020404" pitchFamily="49" charset="0"/>
+                <a:cs typeface="Courier New" panose="02070309020205020404" pitchFamily="49" charset="0"/>
+              </a:rPr>
+              <a:t>schematronXSLT</a:t>
+            </a:r>
+            <a:r>
+              <a:rPr lang="en-GB" sz="1800" dirty="0">
+                <a:latin typeface="Courier New" panose="02070309020205020404" pitchFamily="49" charset="0"/>
+                <a:cs typeface="Courier New" panose="02070309020205020404" pitchFamily="49" charset="0"/>
+              </a:rPr>
+              <a:t>,</a:t>
+            </a:r>
+          </a:p>
+          <a:p>
+            <a:pPr marL="0" indent="0">
+              <a:buNone/>
+            </a:pPr>
+            <a:r>
+              <a:rPr lang="en-GB" sz="1800" dirty="0">
+                <a:latin typeface="Courier New" panose="02070309020205020404" pitchFamily="49" charset="0"/>
+                <a:cs typeface="Courier New" panose="02070309020205020404" pitchFamily="49" charset="0"/>
+              </a:rPr>
+              <a:t>    map { 'validation-mode': 'lax' }</a:t>
+            </a:r>
+          </a:p>
+          <a:p>
+            <a:pPr marL="0" indent="0">
+              <a:buNone/>
+            </a:pPr>
+            <a:r>
+              <a:rPr lang="en-GB" sz="1800" dirty="0">
+                <a:latin typeface="Courier New" panose="02070309020205020404" pitchFamily="49" charset="0"/>
+                <a:cs typeface="Courier New" panose="02070309020205020404" pitchFamily="49" charset="0"/>
+              </a:rPr>
+              <a:t>  )</a:t>
+            </a:r>
+          </a:p>
+          <a:p>
+            <a:pPr marL="0" indent="0">
+              <a:buNone/>
+            </a:pPr>
+            <a:r>
+              <a:rPr lang="en-GB" sz="1800" dirty="0">
+                <a:latin typeface="Courier New" panose="02070309020205020404" pitchFamily="49" charset="0"/>
+                <a:cs typeface="Courier New" panose="02070309020205020404" pitchFamily="49" charset="0"/>
+              </a:rPr>
+              <a:t>[...]</a:t>
+            </a:r>
+          </a:p>
         </p:txBody>
       </p:sp>
     </p:spTree>
     <p:extLst>
       <p:ext uri="{BB962C8B-B14F-4D97-AF65-F5344CB8AC3E}">
-        <p14:creationId xmlns:p14="http://schemas.microsoft.com/office/powerpoint/2010/main" val="2640866411"/>
+        <p14:creationId xmlns:p14="http://schemas.microsoft.com/office/powerpoint/2010/main" val="3081243603"/>
       </p:ext>
     </p:extLst>
   </p:cSld>
@@ -8620,7 +8368,15 @@
           <a:p>
             <a:r>
               <a:rPr lang="en-GB" dirty="0"/>
-              <a:t>“Now include an SVRL report"</a:t>
+              <a:t>"Implement </a:t>
+            </a:r>
+            <a:r>
+              <a:rPr lang="en-GB" i="1" dirty="0"/>
+              <a:t>natively</a:t>
+            </a:r>
+            <a:r>
+              <a:rPr lang="en-GB" dirty="0"/>
+              <a:t> [etc.]"</a:t>
             </a:r>
           </a:p>
         </p:txBody>
@@ -8644,7 +8400,7 @@
         <p:spPr/>
         <p:txBody>
           <a:bodyPr>
-            <a:normAutofit fontScale="92500" lnSpcReduction="10000"/>
+            <a:normAutofit lnSpcReduction="10000"/>
           </a:bodyPr>
           <a:lstStyle/>
           <a:p>
@@ -8656,7 +8412,49 @@
                 <a:latin typeface="Courier New" panose="02070309020205020404" pitchFamily="49" charset="0"/>
                 <a:cs typeface="Courier New" panose="02070309020205020404" pitchFamily="49" charset="0"/>
               </a:rPr>
-              <a:t>for $assert in $assertions return</a:t>
+              <a:t>declare namespace </a:t>
+            </a:r>
+            <a:r>
+              <a:rPr lang="en-GB" sz="1800" dirty="0" err="1">
+                <a:latin typeface="Courier New" panose="02070309020205020404" pitchFamily="49" charset="0"/>
+                <a:cs typeface="Courier New" panose="02070309020205020404" pitchFamily="49" charset="0"/>
+              </a:rPr>
+              <a:t>sch</a:t>
+            </a:r>
+            <a:r>
+              <a:rPr lang="en-GB" sz="1800" dirty="0">
+                <a:latin typeface="Courier New" panose="02070309020205020404" pitchFamily="49" charset="0"/>
+                <a:cs typeface="Courier New" panose="02070309020205020404" pitchFamily="49" charset="0"/>
+              </a:rPr>
+              <a:t> = "http://purl.oclc.org/</a:t>
+            </a:r>
+            <a:r>
+              <a:rPr lang="en-GB" sz="1800" dirty="0" err="1">
+                <a:latin typeface="Courier New" panose="02070309020205020404" pitchFamily="49" charset="0"/>
+                <a:cs typeface="Courier New" panose="02070309020205020404" pitchFamily="49" charset="0"/>
+              </a:rPr>
+              <a:t>dsdl</a:t>
+            </a:r>
+            <a:r>
+              <a:rPr lang="en-GB" sz="1800" dirty="0">
+                <a:latin typeface="Courier New" panose="02070309020205020404" pitchFamily="49" charset="0"/>
+                <a:cs typeface="Courier New" panose="02070309020205020404" pitchFamily="49" charset="0"/>
+              </a:rPr>
+              <a:t>/</a:t>
+            </a:r>
+            <a:r>
+              <a:rPr lang="en-GB" sz="1800" dirty="0" err="1">
+                <a:latin typeface="Courier New" panose="02070309020205020404" pitchFamily="49" charset="0"/>
+                <a:cs typeface="Courier New" panose="02070309020205020404" pitchFamily="49" charset="0"/>
+              </a:rPr>
+              <a:t>schematron</a:t>
+            </a:r>
+            <a:r>
+              <a:rPr lang="en-GB" sz="1800" dirty="0">
+                <a:latin typeface="Courier New" panose="02070309020205020404" pitchFamily="49" charset="0"/>
+                <a:cs typeface="Courier New" panose="02070309020205020404" pitchFamily="49" charset="0"/>
+              </a:rPr>
+              <a:t>";</a:t>
             </a:r>
           </a:p>
           <a:p>
@@ -8668,296 +8466,183 @@
                 <a:latin typeface="Courier New" panose="02070309020205020404" pitchFamily="49" charset="0"/>
                 <a:cs typeface="Courier New" panose="02070309020205020404" pitchFamily="49" charset="0"/>
               </a:rPr>
-              <a:t>        if (exists($assert/@role) and $assert/@role = 'warning') then</a:t>
-            </a:r>
-          </a:p>
-          <a:p>
-            <a:pPr marL="0" indent="0">
-              <a:buNone/>
-            </a:pPr>
+              <a:t>let $assertions := $</a:t>
+            </a:r>
+            <a:r>
+              <a:rPr lang="en-GB" sz="1800" dirty="0" err="1">
+                <a:latin typeface="Courier New" panose="02070309020205020404" pitchFamily="49" charset="0"/>
+                <a:cs typeface="Courier New" panose="02070309020205020404" pitchFamily="49" charset="0"/>
+              </a:rPr>
+              <a:t>schematron</a:t>
+            </a:r>
             <a:r>
               <a:rPr lang="en-GB" sz="1800" dirty="0">
                 <a:latin typeface="Courier New" panose="02070309020205020404" pitchFamily="49" charset="0"/>
                 <a:cs typeface="Courier New" panose="02070309020205020404" pitchFamily="49" charset="0"/>
               </a:rPr>
-              <a:t>          if (count($xml[not($assert/@test)]) </a:t>
+              <a:t>//</a:t>
             </a:r>
             <a:r>
               <a:rPr lang="en-GB" sz="1800" dirty="0" err="1">
                 <a:latin typeface="Courier New" panose="02070309020205020404" pitchFamily="49" charset="0"/>
                 <a:cs typeface="Courier New" panose="02070309020205020404" pitchFamily="49" charset="0"/>
               </a:rPr>
-              <a:t>eq</a:t>
-            </a:r>
-            <a:r>
-              <a:rPr lang="en-GB" sz="1800" dirty="0">
-                <a:latin typeface="Courier New" panose="02070309020205020404" pitchFamily="49" charset="0"/>
-                <a:cs typeface="Courier New" panose="02070309020205020404" pitchFamily="49" charset="0"/>
-              </a:rPr>
-              <a:t> 0) then ()</a:t>
-            </a:r>
-          </a:p>
-          <a:p>
-            <a:pPr marL="0" indent="0">
-              <a:buNone/>
-            </a:pPr>
-            <a:r>
-              <a:rPr lang="en-GB" sz="1800" dirty="0">
-                <a:latin typeface="Courier New" panose="02070309020205020404" pitchFamily="49" charset="0"/>
-                <a:cs typeface="Courier New" panose="02070309020205020404" pitchFamily="49" charset="0"/>
-              </a:rPr>
-              <a:t>          else</a:t>
-            </a:r>
-          </a:p>
-          <a:p>
-            <a:pPr marL="0" indent="0">
-              <a:buNone/>
-            </a:pPr>
-            <a:r>
-              <a:rPr lang="en-GB" sz="1800" dirty="0">
-                <a:latin typeface="Courier New" panose="02070309020205020404" pitchFamily="49" charset="0"/>
-                <a:cs typeface="Courier New" panose="02070309020205020404" pitchFamily="49" charset="0"/>
-              </a:rPr>
-              <a:t>            </a:t>
-            </a:r>
-            <a:r>
-              <a:rPr lang="en-GB" sz="1800" b="1" dirty="0">
-                <a:latin typeface="Courier New" panose="02070309020205020404" pitchFamily="49" charset="0"/>
-                <a:cs typeface="Courier New" panose="02070309020205020404" pitchFamily="49" charset="0"/>
-              </a:rPr>
-              <a:t>&lt;</a:t>
-            </a:r>
-            <a:r>
-              <a:rPr lang="en-GB" sz="1800" b="1" dirty="0" err="1">
-                <a:latin typeface="Courier New" panose="02070309020205020404" pitchFamily="49" charset="0"/>
-                <a:cs typeface="Courier New" panose="02070309020205020404" pitchFamily="49" charset="0"/>
-              </a:rPr>
-              <a:t>svrl:failed-assert</a:t>
-            </a:r>
-            <a:r>
-              <a:rPr lang="en-GB" sz="1800" b="1" dirty="0">
-                <a:latin typeface="Courier New" panose="02070309020205020404" pitchFamily="49" charset="0"/>
-                <a:cs typeface="Courier New" panose="02070309020205020404" pitchFamily="49" charset="0"/>
-              </a:rPr>
-              <a:t> test="{$assert/@test}" role="warning"&gt;</a:t>
-            </a:r>
-          </a:p>
-          <a:p>
-            <a:pPr marL="0" indent="0">
-              <a:buNone/>
-            </a:pPr>
-            <a:r>
-              <a:rPr lang="en-GB" sz="1800" b="1" dirty="0">
-                <a:latin typeface="Courier New" panose="02070309020205020404" pitchFamily="49" charset="0"/>
-                <a:cs typeface="Courier New" panose="02070309020205020404" pitchFamily="49" charset="0"/>
-              </a:rPr>
-              <a:t>              &lt;</a:t>
-            </a:r>
-            <a:r>
-              <a:rPr lang="en-GB" sz="1800" b="1" dirty="0" err="1">
-                <a:latin typeface="Courier New" panose="02070309020205020404" pitchFamily="49" charset="0"/>
-                <a:cs typeface="Courier New" panose="02070309020205020404" pitchFamily="49" charset="0"/>
-              </a:rPr>
-              <a:t>svrl:text</a:t>
-            </a:r>
-            <a:r>
-              <a:rPr lang="en-GB" sz="1800" b="1" dirty="0">
-                <a:latin typeface="Courier New" panose="02070309020205020404" pitchFamily="49" charset="0"/>
-                <a:cs typeface="Courier New" panose="02070309020205020404" pitchFamily="49" charset="0"/>
-              </a:rPr>
-              <a:t>&gt;{data($assert)}&lt;/</a:t>
-            </a:r>
-            <a:r>
-              <a:rPr lang="en-GB" sz="1800" b="1" dirty="0" err="1">
-                <a:latin typeface="Courier New" panose="02070309020205020404" pitchFamily="49" charset="0"/>
-                <a:cs typeface="Courier New" panose="02070309020205020404" pitchFamily="49" charset="0"/>
-              </a:rPr>
-              <a:t>svrl:text</a:t>
-            </a:r>
-            <a:r>
-              <a:rPr lang="en-GB" sz="1800" b="1" dirty="0">
-                <a:latin typeface="Courier New" panose="02070309020205020404" pitchFamily="49" charset="0"/>
-                <a:cs typeface="Courier New" panose="02070309020205020404" pitchFamily="49" charset="0"/>
-              </a:rPr>
-              <a:t>&gt;</a:t>
-            </a:r>
-          </a:p>
-          <a:p>
-            <a:pPr marL="0" indent="0">
-              <a:buNone/>
-            </a:pPr>
-            <a:r>
-              <a:rPr lang="en-GB" sz="1800" b="1" dirty="0">
-                <a:latin typeface="Courier New" panose="02070309020205020404" pitchFamily="49" charset="0"/>
-                <a:cs typeface="Courier New" panose="02070309020205020404" pitchFamily="49" charset="0"/>
-              </a:rPr>
-              <a:t>            &lt;/</a:t>
-            </a:r>
-            <a:r>
-              <a:rPr lang="en-GB" sz="1800" b="1" dirty="0" err="1">
-                <a:latin typeface="Courier New" panose="02070309020205020404" pitchFamily="49" charset="0"/>
-                <a:cs typeface="Courier New" panose="02070309020205020404" pitchFamily="49" charset="0"/>
-              </a:rPr>
-              <a:t>svrl:failed-assert</a:t>
-            </a:r>
-            <a:r>
-              <a:rPr lang="en-GB" sz="1800" b="1" dirty="0">
-                <a:latin typeface="Courier New" panose="02070309020205020404" pitchFamily="49" charset="0"/>
-                <a:cs typeface="Courier New" panose="02070309020205020404" pitchFamily="49" charset="0"/>
-              </a:rPr>
-              <a:t>&gt;</a:t>
-            </a:r>
-          </a:p>
-          <a:p>
-            <a:pPr marL="0" indent="0">
-              <a:buNone/>
-            </a:pPr>
-            <a:r>
-              <a:rPr lang="en-GB" sz="1800" dirty="0">
-                <a:latin typeface="Courier New" panose="02070309020205020404" pitchFamily="49" charset="0"/>
-                <a:cs typeface="Courier New" panose="02070309020205020404" pitchFamily="49" charset="0"/>
-              </a:rPr>
-              <a:t>        else</a:t>
-            </a:r>
-          </a:p>
-          <a:p>
-            <a:pPr marL="0" indent="0">
-              <a:buNone/>
-            </a:pPr>
-            <a:r>
-              <a:rPr lang="en-GB" sz="1800" dirty="0">
-                <a:latin typeface="Courier New" panose="02070309020205020404" pitchFamily="49" charset="0"/>
-                <a:cs typeface="Courier New" panose="02070309020205020404" pitchFamily="49" charset="0"/>
-              </a:rPr>
-              <a:t>          if (exists($xml[$assert/@test])) then ()</a:t>
-            </a:r>
-          </a:p>
-          <a:p>
-            <a:pPr marL="0" indent="0">
-              <a:buNone/>
-            </a:pPr>
-            <a:r>
-              <a:rPr lang="en-GB" sz="1800" dirty="0">
-                <a:latin typeface="Courier New" panose="02070309020205020404" pitchFamily="49" charset="0"/>
-                <a:cs typeface="Courier New" panose="02070309020205020404" pitchFamily="49" charset="0"/>
-              </a:rPr>
-              <a:t>          else</a:t>
-            </a:r>
-          </a:p>
-          <a:p>
-            <a:pPr marL="0" indent="0">
-              <a:buNone/>
-            </a:pPr>
-            <a:r>
-              <a:rPr lang="en-GB" sz="1800" dirty="0">
-                <a:latin typeface="Courier New" panose="02070309020205020404" pitchFamily="49" charset="0"/>
-                <a:cs typeface="Courier New" panose="02070309020205020404" pitchFamily="49" charset="0"/>
-              </a:rPr>
-              <a:t>            </a:t>
-            </a:r>
-            <a:r>
-              <a:rPr lang="en-GB" sz="1800" b="1" dirty="0">
-                <a:latin typeface="Courier New" panose="02070309020205020404" pitchFamily="49" charset="0"/>
-                <a:cs typeface="Courier New" panose="02070309020205020404" pitchFamily="49" charset="0"/>
-              </a:rPr>
-              <a:t>&lt;</a:t>
-            </a:r>
-            <a:r>
-              <a:rPr lang="en-GB" sz="1800" b="1" dirty="0" err="1">
-                <a:latin typeface="Courier New" panose="02070309020205020404" pitchFamily="49" charset="0"/>
-                <a:cs typeface="Courier New" panose="02070309020205020404" pitchFamily="49" charset="0"/>
-              </a:rPr>
-              <a:t>svrl:failed-assert</a:t>
-            </a:r>
-            <a:r>
-              <a:rPr lang="en-GB" sz="1800" b="1" dirty="0">
-                <a:latin typeface="Courier New" panose="02070309020205020404" pitchFamily="49" charset="0"/>
-                <a:cs typeface="Courier New" panose="02070309020205020404" pitchFamily="49" charset="0"/>
-              </a:rPr>
-              <a:t> test="{$assert/@test}"&gt;</a:t>
-            </a:r>
-          </a:p>
-          <a:p>
-            <a:pPr marL="0" indent="0">
-              <a:buNone/>
-            </a:pPr>
-            <a:r>
-              <a:rPr lang="en-GB" sz="1800" b="1" dirty="0">
-                <a:latin typeface="Courier New" panose="02070309020205020404" pitchFamily="49" charset="0"/>
-                <a:cs typeface="Courier New" panose="02070309020205020404" pitchFamily="49" charset="0"/>
-              </a:rPr>
-              <a:t>              &lt;</a:t>
-            </a:r>
-            <a:r>
-              <a:rPr lang="en-GB" sz="1800" b="1" dirty="0" err="1">
-                <a:latin typeface="Courier New" panose="02070309020205020404" pitchFamily="49" charset="0"/>
-                <a:cs typeface="Courier New" panose="02070309020205020404" pitchFamily="49" charset="0"/>
-              </a:rPr>
-              <a:t>svrl:text</a:t>
-            </a:r>
-            <a:r>
-              <a:rPr lang="en-GB" sz="1800" b="1" dirty="0">
-                <a:latin typeface="Courier New" panose="02070309020205020404" pitchFamily="49" charset="0"/>
-                <a:cs typeface="Courier New" panose="02070309020205020404" pitchFamily="49" charset="0"/>
-              </a:rPr>
-              <a:t>&gt;{data($assert)}&lt;/</a:t>
-            </a:r>
-            <a:r>
-              <a:rPr lang="en-GB" sz="1800" b="1" dirty="0" err="1">
-                <a:latin typeface="Courier New" panose="02070309020205020404" pitchFamily="49" charset="0"/>
-                <a:cs typeface="Courier New" panose="02070309020205020404" pitchFamily="49" charset="0"/>
-              </a:rPr>
-              <a:t>svrl:text</a:t>
-            </a:r>
-            <a:r>
-              <a:rPr lang="en-GB" sz="1800" b="1" dirty="0">
-                <a:latin typeface="Courier New" panose="02070309020205020404" pitchFamily="49" charset="0"/>
-                <a:cs typeface="Courier New" panose="02070309020205020404" pitchFamily="49" charset="0"/>
-              </a:rPr>
-              <a:t>&gt;</a:t>
-            </a:r>
-          </a:p>
-          <a:p>
-            <a:pPr marL="0" indent="0">
-              <a:buNone/>
-            </a:pPr>
-            <a:r>
-              <a:rPr lang="en-GB" sz="1800" b="1" dirty="0">
-                <a:latin typeface="Courier New" panose="02070309020205020404" pitchFamily="49" charset="0"/>
-                <a:cs typeface="Courier New" panose="02070309020205020404" pitchFamily="49" charset="0"/>
-              </a:rPr>
-              <a:t>            &lt;/</a:t>
-            </a:r>
-            <a:r>
-              <a:rPr lang="en-GB" sz="1800" b="1" dirty="0" err="1">
-                <a:latin typeface="Courier New" panose="02070309020205020404" pitchFamily="49" charset="0"/>
-                <a:cs typeface="Courier New" panose="02070309020205020404" pitchFamily="49" charset="0"/>
-              </a:rPr>
-              <a:t>svrl:failed-assert</a:t>
-            </a:r>
-            <a:r>
-              <a:rPr lang="en-GB" sz="1800" b="1" dirty="0">
-                <a:latin typeface="Courier New" panose="02070309020205020404" pitchFamily="49" charset="0"/>
-                <a:cs typeface="Courier New" panose="02070309020205020404" pitchFamily="49" charset="0"/>
-              </a:rPr>
-              <a:t>&gt;</a:t>
-            </a:r>
-          </a:p>
-          <a:p>
-            <a:pPr marL="0" indent="0">
-              <a:buNone/>
-            </a:pPr>
+              <a:t>sch:assert</a:t>
+            </a:r>
             <a:endParaRPr lang="en-GB" sz="1800" dirty="0">
               <a:latin typeface="Courier New" panose="02070309020205020404" pitchFamily="49" charset="0"/>
               <a:cs typeface="Courier New" panose="02070309020205020404" pitchFamily="49" charset="0"/>
             </a:endParaRPr>
           </a:p>
+          <a:p>
+            <a:pPr marL="0" indent="0">
+              <a:buNone/>
+            </a:pPr>
+            <a:r>
+              <a:rPr lang="en-GB" sz="1800" dirty="0">
+                <a:latin typeface="Courier New" panose="02070309020205020404" pitchFamily="49" charset="0"/>
+                <a:cs typeface="Courier New" panose="02070309020205020404" pitchFamily="49" charset="0"/>
+              </a:rPr>
+              <a:t>return (</a:t>
+            </a:r>
+          </a:p>
+          <a:p>
+            <a:pPr marL="0" indent="0">
+              <a:buNone/>
+            </a:pPr>
+            <a:r>
+              <a:rPr lang="en-GB" sz="1800" dirty="0">
+                <a:latin typeface="Courier New" panose="02070309020205020404" pitchFamily="49" charset="0"/>
+                <a:cs typeface="Courier New" panose="02070309020205020404" pitchFamily="49" charset="0"/>
+              </a:rPr>
+              <a:t>    every $assert in $assertions satisfies (</a:t>
+            </a:r>
+          </a:p>
+          <a:p>
+            <a:pPr marL="0" indent="0">
+              <a:buNone/>
+            </a:pPr>
+            <a:r>
+              <a:rPr lang="en-GB" sz="1800" dirty="0">
+                <a:latin typeface="Courier New" panose="02070309020205020404" pitchFamily="49" charset="0"/>
+                <a:cs typeface="Courier New" panose="02070309020205020404" pitchFamily="49" charset="0"/>
+              </a:rPr>
+              <a:t>      let $test := $assert/@test</a:t>
+            </a:r>
+          </a:p>
+          <a:p>
+            <a:pPr marL="0" indent="0">
+              <a:buNone/>
+            </a:pPr>
+            <a:r>
+              <a:rPr lang="en-GB" sz="1800" dirty="0">
+                <a:latin typeface="Courier New" panose="02070309020205020404" pitchFamily="49" charset="0"/>
+                <a:cs typeface="Courier New" panose="02070309020205020404" pitchFamily="49" charset="0"/>
+              </a:rPr>
+              <a:t>      return (</a:t>
+            </a:r>
+          </a:p>
+          <a:p>
+            <a:pPr marL="0" indent="0">
+              <a:buNone/>
+            </a:pPr>
+            <a:r>
+              <a:rPr lang="en-GB" sz="1800" dirty="0">
+                <a:latin typeface="Courier New" panose="02070309020205020404" pitchFamily="49" charset="0"/>
+                <a:cs typeface="Courier New" panose="02070309020205020404" pitchFamily="49" charset="0"/>
+              </a:rPr>
+              <a:t>        if (exists($assert/@role) and $assert/@role = 'warning') then</a:t>
+            </a:r>
+          </a:p>
+          <a:p>
+            <a:pPr marL="0" indent="0">
+              <a:buNone/>
+            </a:pPr>
+            <a:r>
+              <a:rPr lang="en-GB" sz="1800" dirty="0">
+                <a:latin typeface="Courier New" panose="02070309020205020404" pitchFamily="49" charset="0"/>
+                <a:cs typeface="Courier New" panose="02070309020205020404" pitchFamily="49" charset="0"/>
+              </a:rPr>
+              <a:t>          count($xml[not($test)]) </a:t>
+            </a:r>
+            <a:r>
+              <a:rPr lang="en-GB" sz="1800" dirty="0" err="1">
+                <a:latin typeface="Courier New" panose="02070309020205020404" pitchFamily="49" charset="0"/>
+                <a:cs typeface="Courier New" panose="02070309020205020404" pitchFamily="49" charset="0"/>
+              </a:rPr>
+              <a:t>eq</a:t>
+            </a:r>
+            <a:r>
+              <a:rPr lang="en-GB" sz="1800" dirty="0">
+                <a:latin typeface="Courier New" panose="02070309020205020404" pitchFamily="49" charset="0"/>
+                <a:cs typeface="Courier New" panose="02070309020205020404" pitchFamily="49" charset="0"/>
+              </a:rPr>
+              <a:t> 0</a:t>
+            </a:r>
+          </a:p>
+          <a:p>
+            <a:pPr marL="0" indent="0">
+              <a:buNone/>
+            </a:pPr>
+            <a:r>
+              <a:rPr lang="en-GB" sz="1800" dirty="0">
+                <a:latin typeface="Courier New" panose="02070309020205020404" pitchFamily="49" charset="0"/>
+                <a:cs typeface="Courier New" panose="02070309020205020404" pitchFamily="49" charset="0"/>
+              </a:rPr>
+              <a:t>        else</a:t>
+            </a:r>
+          </a:p>
+          <a:p>
+            <a:pPr marL="0" indent="0">
+              <a:buNone/>
+            </a:pPr>
+            <a:r>
+              <a:rPr lang="en-GB" sz="1800" dirty="0">
+                <a:latin typeface="Courier New" panose="02070309020205020404" pitchFamily="49" charset="0"/>
+                <a:cs typeface="Courier New" panose="02070309020205020404" pitchFamily="49" charset="0"/>
+              </a:rPr>
+              <a:t>          exists($xml[$test])</a:t>
+            </a:r>
+          </a:p>
+          <a:p>
+            <a:pPr marL="0" indent="0">
+              <a:buNone/>
+            </a:pPr>
+            <a:r>
+              <a:rPr lang="en-GB" sz="1800" dirty="0">
+                <a:latin typeface="Courier New" panose="02070309020205020404" pitchFamily="49" charset="0"/>
+                <a:cs typeface="Courier New" panose="02070309020205020404" pitchFamily="49" charset="0"/>
+              </a:rPr>
+              <a:t>      )</a:t>
+            </a:r>
+          </a:p>
+          <a:p>
+            <a:pPr marL="0" indent="0">
+              <a:buNone/>
+            </a:pPr>
+            <a:r>
+              <a:rPr lang="en-GB" sz="1800" dirty="0">
+                <a:latin typeface="Courier New" panose="02070309020205020404" pitchFamily="49" charset="0"/>
+                <a:cs typeface="Courier New" panose="02070309020205020404" pitchFamily="49" charset="0"/>
+              </a:rPr>
+              <a:t>    )</a:t>
+            </a:r>
+          </a:p>
+          <a:p>
+            <a:pPr marL="0" indent="0">
+              <a:buNone/>
+            </a:pPr>
+            <a:endParaRPr lang="en-GB" sz="1800" dirty="0">
+              <a:latin typeface="Courier New" panose="02070309020205020404" pitchFamily="49" charset="0"/>
+              <a:cs typeface="Courier New" panose="02070309020205020404" pitchFamily="49" charset="0"/>
+            </a:endParaRPr>
+          </a:p>
         </p:txBody>
       </p:sp>
     </p:spTree>
     <p:extLst>
       <p:ext uri="{BB962C8B-B14F-4D97-AF65-F5344CB8AC3E}">
-        <p14:creationId xmlns:p14="http://schemas.microsoft.com/office/powerpoint/2010/main" val="1306449728"/>
+        <p14:creationId xmlns:p14="http://schemas.microsoft.com/office/powerpoint/2010/main" val="2640866411"/>
       </p:ext>
     </p:extLst>
   </p:cSld>
@@ -8989,7 +8674,7 @@
           <p:cNvPr id="2" name="Title 1">
             <a:extLst>
               <a:ext uri="{FF2B5EF4-FFF2-40B4-BE49-F238E27FC236}">
-                <a16:creationId xmlns:a16="http://schemas.microsoft.com/office/drawing/2014/main" id="{6C57D578-CC16-4CA5-A771-965CFCC68AAA}"/>
+                <a16:creationId xmlns:a16="http://schemas.microsoft.com/office/drawing/2014/main" id="{A983E35C-8894-4776-86DF-EAACF757D02F}"/>
               </a:ext>
             </a:extLst>
           </p:cNvPr>
@@ -9007,15 +8692,7 @@
           <a:p>
             <a:r>
               <a:rPr lang="en-GB" dirty="0"/>
-              <a:t>Did asking </a:t>
-            </a:r>
-            <a:r>
-              <a:rPr lang="en-GB" dirty="0" err="1"/>
-              <a:t>ChatGPT</a:t>
-            </a:r>
-            <a:r>
-              <a:rPr lang="en-GB" dirty="0"/>
-              <a:t> help?</a:t>
+              <a:t>“Now include an SVRL report"</a:t>
             </a:r>
           </a:p>
         </p:txBody>
@@ -9025,7 +8702,7 @@
           <p:cNvPr id="3" name="Content Placeholder 2">
             <a:extLst>
               <a:ext uri="{FF2B5EF4-FFF2-40B4-BE49-F238E27FC236}">
-                <a16:creationId xmlns:a16="http://schemas.microsoft.com/office/drawing/2014/main" id="{7F0F360A-24D7-4E74-B904-FE874F7F6273}"/>
+                <a16:creationId xmlns:a16="http://schemas.microsoft.com/office/drawing/2014/main" id="{8F3B8AF2-EBAB-4825-840C-058B9D734782}"/>
               </a:ext>
             </a:extLst>
           </p:cNvPr>
@@ -9038,32 +8715,321 @@
         </p:nvSpPr>
         <p:spPr/>
         <p:txBody>
-          <a:bodyPr/>
-          <a:lstStyle/>
-          <a:p>
-            <a:r>
-              <a:rPr lang="en-GB" dirty="0"/>
-              <a:t>ISO</a:t>
-            </a:r>
-          </a:p>
-          <a:p>
-            <a:r>
-              <a:rPr lang="en-GB" dirty="0"/>
-              <a:t>Native XQuery</a:t>
-            </a:r>
-          </a:p>
-          <a:p>
-            <a:r>
-              <a:rPr lang="en-GB" dirty="0"/>
-              <a:t>SVRL</a:t>
-            </a:r>
+          <a:bodyPr>
+            <a:normAutofit fontScale="92500" lnSpcReduction="10000"/>
+          </a:bodyPr>
+          <a:lstStyle/>
+          <a:p>
+            <a:pPr marL="0" indent="0">
+              <a:buNone/>
+            </a:pPr>
+            <a:r>
+              <a:rPr lang="en-GB" sz="1800" dirty="0">
+                <a:latin typeface="Courier New" panose="02070309020205020404" pitchFamily="49" charset="0"/>
+                <a:cs typeface="Courier New" panose="02070309020205020404" pitchFamily="49" charset="0"/>
+              </a:rPr>
+              <a:t>for $assert in $assertions return</a:t>
+            </a:r>
+          </a:p>
+          <a:p>
+            <a:pPr marL="0" indent="0">
+              <a:buNone/>
+            </a:pPr>
+            <a:r>
+              <a:rPr lang="en-GB" sz="1800" dirty="0">
+                <a:latin typeface="Courier New" panose="02070309020205020404" pitchFamily="49" charset="0"/>
+                <a:cs typeface="Courier New" panose="02070309020205020404" pitchFamily="49" charset="0"/>
+              </a:rPr>
+              <a:t>        if (exists($assert/@role) and $assert/@role = 'warning') then</a:t>
+            </a:r>
+          </a:p>
+          <a:p>
+            <a:pPr marL="0" indent="0">
+              <a:buNone/>
+            </a:pPr>
+            <a:r>
+              <a:rPr lang="en-GB" sz="1800" dirty="0">
+                <a:latin typeface="Courier New" panose="02070309020205020404" pitchFamily="49" charset="0"/>
+                <a:cs typeface="Courier New" panose="02070309020205020404" pitchFamily="49" charset="0"/>
+              </a:rPr>
+              <a:t>          if (count($xml[not($assert/@test)]) </a:t>
+            </a:r>
+            <a:r>
+              <a:rPr lang="en-GB" sz="1800" dirty="0" err="1">
+                <a:latin typeface="Courier New" panose="02070309020205020404" pitchFamily="49" charset="0"/>
+                <a:cs typeface="Courier New" panose="02070309020205020404" pitchFamily="49" charset="0"/>
+              </a:rPr>
+              <a:t>eq</a:t>
+            </a:r>
+            <a:r>
+              <a:rPr lang="en-GB" sz="1800" dirty="0">
+                <a:latin typeface="Courier New" panose="02070309020205020404" pitchFamily="49" charset="0"/>
+                <a:cs typeface="Courier New" panose="02070309020205020404" pitchFamily="49" charset="0"/>
+              </a:rPr>
+              <a:t> 0) then ()</a:t>
+            </a:r>
+          </a:p>
+          <a:p>
+            <a:pPr marL="0" indent="0">
+              <a:buNone/>
+            </a:pPr>
+            <a:r>
+              <a:rPr lang="en-GB" sz="1800" dirty="0">
+                <a:latin typeface="Courier New" panose="02070309020205020404" pitchFamily="49" charset="0"/>
+                <a:cs typeface="Courier New" panose="02070309020205020404" pitchFamily="49" charset="0"/>
+              </a:rPr>
+              <a:t>          else</a:t>
+            </a:r>
+          </a:p>
+          <a:p>
+            <a:pPr marL="0" indent="0">
+              <a:buNone/>
+            </a:pPr>
+            <a:r>
+              <a:rPr lang="en-GB" sz="1800" dirty="0">
+                <a:latin typeface="Courier New" panose="02070309020205020404" pitchFamily="49" charset="0"/>
+                <a:cs typeface="Courier New" panose="02070309020205020404" pitchFamily="49" charset="0"/>
+              </a:rPr>
+              <a:t>            </a:t>
+            </a:r>
+            <a:r>
+              <a:rPr lang="en-GB" sz="1800" b="1" dirty="0">
+                <a:latin typeface="Courier New" panose="02070309020205020404" pitchFamily="49" charset="0"/>
+                <a:cs typeface="Courier New" panose="02070309020205020404" pitchFamily="49" charset="0"/>
+              </a:rPr>
+              <a:t>&lt;</a:t>
+            </a:r>
+            <a:r>
+              <a:rPr lang="en-GB" sz="1800" b="1" dirty="0" err="1">
+                <a:latin typeface="Courier New" panose="02070309020205020404" pitchFamily="49" charset="0"/>
+                <a:cs typeface="Courier New" panose="02070309020205020404" pitchFamily="49" charset="0"/>
+              </a:rPr>
+              <a:t>svrl:failed-assert</a:t>
+            </a:r>
+            <a:r>
+              <a:rPr lang="en-GB" sz="1800" b="1" dirty="0">
+                <a:latin typeface="Courier New" panose="02070309020205020404" pitchFamily="49" charset="0"/>
+                <a:cs typeface="Courier New" panose="02070309020205020404" pitchFamily="49" charset="0"/>
+              </a:rPr>
+              <a:t> test="{$assert/@test}" role="warning"&gt;</a:t>
+            </a:r>
+          </a:p>
+          <a:p>
+            <a:pPr marL="0" indent="0">
+              <a:buNone/>
+            </a:pPr>
+            <a:r>
+              <a:rPr lang="en-GB" sz="1800" b="1" dirty="0">
+                <a:latin typeface="Courier New" panose="02070309020205020404" pitchFamily="49" charset="0"/>
+                <a:cs typeface="Courier New" panose="02070309020205020404" pitchFamily="49" charset="0"/>
+              </a:rPr>
+              <a:t>              &lt;</a:t>
+            </a:r>
+            <a:r>
+              <a:rPr lang="en-GB" sz="1800" b="1" dirty="0" err="1">
+                <a:latin typeface="Courier New" panose="02070309020205020404" pitchFamily="49" charset="0"/>
+                <a:cs typeface="Courier New" panose="02070309020205020404" pitchFamily="49" charset="0"/>
+              </a:rPr>
+              <a:t>svrl:text</a:t>
+            </a:r>
+            <a:r>
+              <a:rPr lang="en-GB" sz="1800" b="1" dirty="0">
+                <a:latin typeface="Courier New" panose="02070309020205020404" pitchFamily="49" charset="0"/>
+                <a:cs typeface="Courier New" panose="02070309020205020404" pitchFamily="49" charset="0"/>
+              </a:rPr>
+              <a:t>&gt;{data($assert)}&lt;/</a:t>
+            </a:r>
+            <a:r>
+              <a:rPr lang="en-GB" sz="1800" b="1" dirty="0" err="1">
+                <a:latin typeface="Courier New" panose="02070309020205020404" pitchFamily="49" charset="0"/>
+                <a:cs typeface="Courier New" panose="02070309020205020404" pitchFamily="49" charset="0"/>
+              </a:rPr>
+              <a:t>svrl:text</a:t>
+            </a:r>
+            <a:r>
+              <a:rPr lang="en-GB" sz="1800" b="1" dirty="0">
+                <a:latin typeface="Courier New" panose="02070309020205020404" pitchFamily="49" charset="0"/>
+                <a:cs typeface="Courier New" panose="02070309020205020404" pitchFamily="49" charset="0"/>
+              </a:rPr>
+              <a:t>&gt;</a:t>
+            </a:r>
+          </a:p>
+          <a:p>
+            <a:pPr marL="0" indent="0">
+              <a:buNone/>
+            </a:pPr>
+            <a:r>
+              <a:rPr lang="en-GB" sz="1800" b="1" dirty="0">
+                <a:latin typeface="Courier New" panose="02070309020205020404" pitchFamily="49" charset="0"/>
+                <a:cs typeface="Courier New" panose="02070309020205020404" pitchFamily="49" charset="0"/>
+              </a:rPr>
+              <a:t>            &lt;/</a:t>
+            </a:r>
+            <a:r>
+              <a:rPr lang="en-GB" sz="1800" b="1" dirty="0" err="1">
+                <a:latin typeface="Courier New" panose="02070309020205020404" pitchFamily="49" charset="0"/>
+                <a:cs typeface="Courier New" panose="02070309020205020404" pitchFamily="49" charset="0"/>
+              </a:rPr>
+              <a:t>svrl:failed-assert</a:t>
+            </a:r>
+            <a:r>
+              <a:rPr lang="en-GB" sz="1800" b="1" dirty="0">
+                <a:latin typeface="Courier New" panose="02070309020205020404" pitchFamily="49" charset="0"/>
+                <a:cs typeface="Courier New" panose="02070309020205020404" pitchFamily="49" charset="0"/>
+              </a:rPr>
+              <a:t>&gt;</a:t>
+            </a:r>
+          </a:p>
+          <a:p>
+            <a:pPr marL="0" indent="0">
+              <a:buNone/>
+            </a:pPr>
+            <a:r>
+              <a:rPr lang="en-GB" sz="1800" dirty="0">
+                <a:latin typeface="Courier New" panose="02070309020205020404" pitchFamily="49" charset="0"/>
+                <a:cs typeface="Courier New" panose="02070309020205020404" pitchFamily="49" charset="0"/>
+              </a:rPr>
+              <a:t>        else</a:t>
+            </a:r>
+          </a:p>
+          <a:p>
+            <a:pPr marL="0" indent="0">
+              <a:buNone/>
+            </a:pPr>
+            <a:r>
+              <a:rPr lang="en-GB" sz="1800" dirty="0">
+                <a:latin typeface="Courier New" panose="02070309020205020404" pitchFamily="49" charset="0"/>
+                <a:cs typeface="Courier New" panose="02070309020205020404" pitchFamily="49" charset="0"/>
+              </a:rPr>
+              <a:t>          if (exists($xml[$assert/@test])) then ()</a:t>
+            </a:r>
+          </a:p>
+          <a:p>
+            <a:pPr marL="0" indent="0">
+              <a:buNone/>
+            </a:pPr>
+            <a:r>
+              <a:rPr lang="en-GB" sz="1800" dirty="0">
+                <a:latin typeface="Courier New" panose="02070309020205020404" pitchFamily="49" charset="0"/>
+                <a:cs typeface="Courier New" panose="02070309020205020404" pitchFamily="49" charset="0"/>
+              </a:rPr>
+              <a:t>          else</a:t>
+            </a:r>
+          </a:p>
+          <a:p>
+            <a:pPr marL="0" indent="0">
+              <a:buNone/>
+            </a:pPr>
+            <a:r>
+              <a:rPr lang="en-GB" sz="1800" dirty="0">
+                <a:latin typeface="Courier New" panose="02070309020205020404" pitchFamily="49" charset="0"/>
+                <a:cs typeface="Courier New" panose="02070309020205020404" pitchFamily="49" charset="0"/>
+              </a:rPr>
+              <a:t>            </a:t>
+            </a:r>
+            <a:r>
+              <a:rPr lang="en-GB" sz="1800" b="1" dirty="0">
+                <a:latin typeface="Courier New" panose="02070309020205020404" pitchFamily="49" charset="0"/>
+                <a:cs typeface="Courier New" panose="02070309020205020404" pitchFamily="49" charset="0"/>
+              </a:rPr>
+              <a:t>&lt;</a:t>
+            </a:r>
+            <a:r>
+              <a:rPr lang="en-GB" sz="1800" b="1" dirty="0" err="1">
+                <a:latin typeface="Courier New" panose="02070309020205020404" pitchFamily="49" charset="0"/>
+                <a:cs typeface="Courier New" panose="02070309020205020404" pitchFamily="49" charset="0"/>
+              </a:rPr>
+              <a:t>svrl:failed-assert</a:t>
+            </a:r>
+            <a:r>
+              <a:rPr lang="en-GB" sz="1800" b="1" dirty="0">
+                <a:latin typeface="Courier New" panose="02070309020205020404" pitchFamily="49" charset="0"/>
+                <a:cs typeface="Courier New" panose="02070309020205020404" pitchFamily="49" charset="0"/>
+              </a:rPr>
+              <a:t> test="{$assert/@test}"&gt;</a:t>
+            </a:r>
+          </a:p>
+          <a:p>
+            <a:pPr marL="0" indent="0">
+              <a:buNone/>
+            </a:pPr>
+            <a:r>
+              <a:rPr lang="en-GB" sz="1800" b="1" dirty="0">
+                <a:latin typeface="Courier New" panose="02070309020205020404" pitchFamily="49" charset="0"/>
+                <a:cs typeface="Courier New" panose="02070309020205020404" pitchFamily="49" charset="0"/>
+              </a:rPr>
+              <a:t>              &lt;</a:t>
+            </a:r>
+            <a:r>
+              <a:rPr lang="en-GB" sz="1800" b="1" dirty="0" err="1">
+                <a:latin typeface="Courier New" panose="02070309020205020404" pitchFamily="49" charset="0"/>
+                <a:cs typeface="Courier New" panose="02070309020205020404" pitchFamily="49" charset="0"/>
+              </a:rPr>
+              <a:t>svrl:text</a:t>
+            </a:r>
+            <a:r>
+              <a:rPr lang="en-GB" sz="1800" b="1" dirty="0">
+                <a:latin typeface="Courier New" panose="02070309020205020404" pitchFamily="49" charset="0"/>
+                <a:cs typeface="Courier New" panose="02070309020205020404" pitchFamily="49" charset="0"/>
+              </a:rPr>
+              <a:t>&gt;{data($assert)}&lt;/</a:t>
+            </a:r>
+            <a:r>
+              <a:rPr lang="en-GB" sz="1800" b="1" dirty="0" err="1">
+                <a:latin typeface="Courier New" panose="02070309020205020404" pitchFamily="49" charset="0"/>
+                <a:cs typeface="Courier New" panose="02070309020205020404" pitchFamily="49" charset="0"/>
+              </a:rPr>
+              <a:t>svrl:text</a:t>
+            </a:r>
+            <a:r>
+              <a:rPr lang="en-GB" sz="1800" b="1" dirty="0">
+                <a:latin typeface="Courier New" panose="02070309020205020404" pitchFamily="49" charset="0"/>
+                <a:cs typeface="Courier New" panose="02070309020205020404" pitchFamily="49" charset="0"/>
+              </a:rPr>
+              <a:t>&gt;</a:t>
+            </a:r>
+          </a:p>
+          <a:p>
+            <a:pPr marL="0" indent="0">
+              <a:buNone/>
+            </a:pPr>
+            <a:r>
+              <a:rPr lang="en-GB" sz="1800" b="1" dirty="0">
+                <a:latin typeface="Courier New" panose="02070309020205020404" pitchFamily="49" charset="0"/>
+                <a:cs typeface="Courier New" panose="02070309020205020404" pitchFamily="49" charset="0"/>
+              </a:rPr>
+              <a:t>            &lt;/</a:t>
+            </a:r>
+            <a:r>
+              <a:rPr lang="en-GB" sz="1800" b="1" dirty="0" err="1">
+                <a:latin typeface="Courier New" panose="02070309020205020404" pitchFamily="49" charset="0"/>
+                <a:cs typeface="Courier New" panose="02070309020205020404" pitchFamily="49" charset="0"/>
+              </a:rPr>
+              <a:t>svrl:failed-assert</a:t>
+            </a:r>
+            <a:r>
+              <a:rPr lang="en-GB" sz="1800" b="1" dirty="0">
+                <a:latin typeface="Courier New" panose="02070309020205020404" pitchFamily="49" charset="0"/>
+                <a:cs typeface="Courier New" panose="02070309020205020404" pitchFamily="49" charset="0"/>
+              </a:rPr>
+              <a:t>&gt;</a:t>
+            </a:r>
+          </a:p>
+          <a:p>
+            <a:pPr marL="0" indent="0">
+              <a:buNone/>
+            </a:pPr>
+            <a:endParaRPr lang="en-GB" sz="1800" dirty="0">
+              <a:latin typeface="Courier New" panose="02070309020205020404" pitchFamily="49" charset="0"/>
+              <a:cs typeface="Courier New" panose="02070309020205020404" pitchFamily="49" charset="0"/>
+            </a:endParaRPr>
           </a:p>
         </p:txBody>
       </p:sp>
     </p:spTree>
     <p:extLst>
       <p:ext uri="{BB962C8B-B14F-4D97-AF65-F5344CB8AC3E}">
-        <p14:creationId xmlns:p14="http://schemas.microsoft.com/office/powerpoint/2010/main" val="303467115"/>
+        <p14:creationId xmlns:p14="http://schemas.microsoft.com/office/powerpoint/2010/main" val="1306449728"/>
       </p:ext>
     </p:extLst>
   </p:cSld>
@@ -9095,6 +9061,112 @@
           <p:cNvPr id="2" name="Title 1">
             <a:extLst>
               <a:ext uri="{FF2B5EF4-FFF2-40B4-BE49-F238E27FC236}">
+                <a16:creationId xmlns:a16="http://schemas.microsoft.com/office/drawing/2014/main" id="{6C57D578-CC16-4CA5-A771-965CFCC68AAA}"/>
+              </a:ext>
+            </a:extLst>
+          </p:cNvPr>
+          <p:cNvSpPr>
+            <a:spLocks noGrp="1"/>
+          </p:cNvSpPr>
+          <p:nvPr>
+            <p:ph type="title"/>
+          </p:nvPr>
+        </p:nvSpPr>
+        <p:spPr/>
+        <p:txBody>
+          <a:bodyPr/>
+          <a:lstStyle/>
+          <a:p>
+            <a:r>
+              <a:rPr lang="en-GB" dirty="0"/>
+              <a:t>Did asking </a:t>
+            </a:r>
+            <a:r>
+              <a:rPr lang="en-GB" dirty="0" err="1"/>
+              <a:t>ChatGPT</a:t>
+            </a:r>
+            <a:r>
+              <a:rPr lang="en-GB" dirty="0"/>
+              <a:t> help?</a:t>
+            </a:r>
+          </a:p>
+        </p:txBody>
+      </p:sp>
+      <p:sp>
+        <p:nvSpPr>
+          <p:cNvPr id="3" name="Content Placeholder 2">
+            <a:extLst>
+              <a:ext uri="{FF2B5EF4-FFF2-40B4-BE49-F238E27FC236}">
+                <a16:creationId xmlns:a16="http://schemas.microsoft.com/office/drawing/2014/main" id="{7F0F360A-24D7-4E74-B904-FE874F7F6273}"/>
+              </a:ext>
+            </a:extLst>
+          </p:cNvPr>
+          <p:cNvSpPr>
+            <a:spLocks noGrp="1"/>
+          </p:cNvSpPr>
+          <p:nvPr>
+            <p:ph idx="1"/>
+          </p:nvPr>
+        </p:nvSpPr>
+        <p:spPr/>
+        <p:txBody>
+          <a:bodyPr/>
+          <a:lstStyle/>
+          <a:p>
+            <a:r>
+              <a:rPr lang="en-GB" dirty="0"/>
+              <a:t>ISO</a:t>
+            </a:r>
+          </a:p>
+          <a:p>
+            <a:r>
+              <a:rPr lang="en-GB" dirty="0"/>
+              <a:t>Native XQuery</a:t>
+            </a:r>
+          </a:p>
+          <a:p>
+            <a:r>
+              <a:rPr lang="en-GB" dirty="0"/>
+              <a:t>SVRL</a:t>
+            </a:r>
+          </a:p>
+        </p:txBody>
+      </p:sp>
+    </p:spTree>
+    <p:extLst>
+      <p:ext uri="{BB962C8B-B14F-4D97-AF65-F5344CB8AC3E}">
+        <p14:creationId xmlns:p14="http://schemas.microsoft.com/office/powerpoint/2010/main" val="303467115"/>
+      </p:ext>
+    </p:extLst>
+  </p:cSld>
+  <p:clrMapOvr>
+    <a:masterClrMapping/>
+  </p:clrMapOvr>
+</p:sld>
+</file>
+
+<file path=ppt/slides/slide18.xml><?xml version="1.0" encoding="utf-8"?>
+<p:sld xmlns:a="http://schemas.openxmlformats.org/drawingml/2006/main" xmlns:r="http://schemas.openxmlformats.org/officeDocument/2006/relationships" xmlns:p="http://schemas.openxmlformats.org/presentationml/2006/main">
+  <p:cSld>
+    <p:spTree>
+      <p:nvGrpSpPr>
+        <p:cNvPr id="1" name=""/>
+        <p:cNvGrpSpPr/>
+        <p:nvPr/>
+      </p:nvGrpSpPr>
+      <p:grpSpPr>
+        <a:xfrm>
+          <a:off x="0" y="0"/>
+          <a:ext cx="0" cy="0"/>
+          <a:chOff x="0" y="0"/>
+          <a:chExt cx="0" cy="0"/>
+        </a:xfrm>
+      </p:grpSpPr>
+      <p:sp>
+        <p:nvSpPr>
+          <p:cNvPr id="2" name="Title 1">
+            <a:extLst>
+              <a:ext uri="{FF2B5EF4-FFF2-40B4-BE49-F238E27FC236}">
                 <a16:creationId xmlns:a16="http://schemas.microsoft.com/office/drawing/2014/main" id="{C75BCAAA-214C-4B53-827D-64ADD7DC8161}"/>
               </a:ext>
             </a:extLst>
@@ -9265,7 +9337,7 @@
 </p:sld>
 </file>
 
-<file path=ppt/slides/slide18.xml><?xml version="1.0" encoding="utf-8"?>
+<file path=ppt/slides/slide19.xml><?xml version="1.0" encoding="utf-8"?>
 <p:sld xmlns:a="http://schemas.openxmlformats.org/drawingml/2006/main" xmlns:r="http://schemas.openxmlformats.org/officeDocument/2006/relationships" xmlns:p="http://schemas.openxmlformats.org/presentationml/2006/main">
   <p:cSld>
     <p:spTree>
@@ -9358,7 +9430,7 @@
 </p:sld>
 </file>
 
-<file path=ppt/slides/slide19.xml><?xml version="1.0" encoding="utf-8"?>
+<file path=ppt/slides/slide2.xml><?xml version="1.0" encoding="utf-8"?>
 <p:sld xmlns:a="http://schemas.openxmlformats.org/drawingml/2006/main" xmlns:r="http://schemas.openxmlformats.org/officeDocument/2006/relationships" xmlns:p="http://schemas.openxmlformats.org/presentationml/2006/main">
   <p:cSld>
     <p:spTree>
@@ -9380,7 +9452,7 @@
           <p:cNvPr id="2" name="Title 1">
             <a:extLst>
               <a:ext uri="{FF2B5EF4-FFF2-40B4-BE49-F238E27FC236}">
-                <a16:creationId xmlns:a16="http://schemas.microsoft.com/office/drawing/2014/main" id="{D860E216-A8CD-4F03-BA02-489BD391FAD2}"/>
+                <a16:creationId xmlns:a16="http://schemas.microsoft.com/office/drawing/2014/main" id="{D6E715D8-533C-4826-A0F8-7A955EA901EC}"/>
               </a:ext>
             </a:extLst>
           </p:cNvPr>
@@ -9388,27 +9460,35 @@
             <a:spLocks noGrp="1"/>
           </p:cNvSpPr>
           <p:nvPr>
-            <p:ph type="title"/>
-          </p:nvPr>
-        </p:nvSpPr>
-        <p:spPr/>
-        <p:txBody>
-          <a:bodyPr/>
-          <a:lstStyle/>
-          <a:p>
-            <a:r>
-              <a:rPr lang="en-GB" dirty="0"/>
-              <a:t>Evaluate schema</a:t>
-            </a:r>
-          </a:p>
-        </p:txBody>
-      </p:sp>
-      <p:sp>
-        <p:nvSpPr>
-          <p:cNvPr id="3" name="Content Placeholder 2">
+            <p:ph type="ctrTitle"/>
+          </p:nvPr>
+        </p:nvSpPr>
+        <p:spPr/>
+        <p:txBody>
+          <a:bodyPr/>
+          <a:lstStyle/>
+          <a:p>
+            <a:r>
+              <a:rPr lang="en-GB" dirty="0"/>
+              <a:t>XQS: a native XQuery </a:t>
+            </a:r>
+            <a:r>
+              <a:rPr lang="en-GB" dirty="0" err="1"/>
+              <a:t>Schematron</a:t>
+            </a:r>
+            <a:r>
+              <a:rPr lang="en-GB" dirty="0"/>
+              <a:t> implementation</a:t>
+            </a:r>
+          </a:p>
+        </p:txBody>
+      </p:sp>
+      <p:sp>
+        <p:nvSpPr>
+          <p:cNvPr id="3" name="Subtitle 2">
             <a:extLst>
               <a:ext uri="{FF2B5EF4-FFF2-40B4-BE49-F238E27FC236}">
-                <a16:creationId xmlns:a16="http://schemas.microsoft.com/office/drawing/2014/main" id="{41929A8B-7EE7-4152-A0D7-044421860480}"/>
+                <a16:creationId xmlns:a16="http://schemas.microsoft.com/office/drawing/2014/main" id="{25E60271-B4AA-4383-9410-1D7857C27D16}"/>
               </a:ext>
             </a:extLst>
           </p:cNvPr>
@@ -9416,91 +9496,35 @@
             <a:spLocks noGrp="1"/>
           </p:cNvSpPr>
           <p:nvPr>
-            <p:ph idx="1"/>
-          </p:nvPr>
-        </p:nvSpPr>
-        <p:spPr/>
-        <p:txBody>
-          <a:bodyPr/>
-          <a:lstStyle/>
-          <a:p>
-            <a:r>
-              <a:rPr lang="en-GB" dirty="0"/>
-              <a:t>Assemble </a:t>
-            </a:r>
+            <p:ph type="subTitle" idx="1"/>
+          </p:nvPr>
+        </p:nvSpPr>
+        <p:spPr/>
+        <p:txBody>
+          <a:bodyPr/>
+          <a:lstStyle/>
+          <a:p>
+            <a:r>
+              <a:rPr lang="en-GB" dirty="0"/>
+              <a:t>Andrew Sales</a:t>
+            </a:r>
+          </a:p>
+          <a:p>
             <a:r>
               <a:rPr lang="en-GB" dirty="0" err="1"/>
-              <a:t>prolog</a:t>
-            </a:r>
-            <a:r>
-              <a:rPr lang="en-GB" dirty="0"/>
-              <a:t> of validation context:</a:t>
-            </a:r>
-          </a:p>
-          <a:p>
-            <a:pPr lvl="1"/>
-            <a:r>
-              <a:rPr lang="en-GB" dirty="0"/>
-              <a:t>Namespaces</a:t>
-            </a:r>
-          </a:p>
-          <a:p>
-            <a:pPr lvl="1"/>
-            <a:r>
-              <a:rPr lang="en-GB" dirty="0"/>
-              <a:t>Local variables</a:t>
-            </a:r>
-          </a:p>
-          <a:p>
-            <a:pPr lvl="1"/>
-            <a:r>
-              <a:rPr lang="en-GB" dirty="0"/>
-              <a:t>User-defined functions</a:t>
-            </a:r>
-          </a:p>
-          <a:p>
-            <a:r>
-              <a:rPr lang="en-GB" dirty="0"/>
-              <a:t>Invoke </a:t>
-            </a:r>
-            <a:r>
-              <a:rPr lang="en-GB" dirty="0" err="1">
-                <a:latin typeface="Courier New" panose="02070309020205020404" pitchFamily="49" charset="0"/>
-                <a:cs typeface="Courier New" panose="02070309020205020404" pitchFamily="49" charset="0"/>
-              </a:rPr>
-              <a:t>xquery:eval</a:t>
-            </a:r>
-            <a:r>
-              <a:rPr lang="en-GB" dirty="0">
-                <a:latin typeface="Courier New" panose="02070309020205020404" pitchFamily="49" charset="0"/>
-                <a:cs typeface="Courier New" panose="02070309020205020404" pitchFamily="49" charset="0"/>
-              </a:rPr>
-              <a:t>()</a:t>
-            </a:r>
-            <a:r>
-              <a:rPr lang="en-GB" dirty="0"/>
-              <a:t>, passing:</a:t>
-            </a:r>
-          </a:p>
-          <a:p>
-            <a:pPr lvl="1"/>
-            <a:r>
-              <a:rPr lang="en-GB" dirty="0"/>
-              <a:t>Global variables, as external variables</a:t>
-            </a:r>
-          </a:p>
-          <a:p>
-            <a:pPr lvl="1"/>
-            <a:r>
-              <a:rPr lang="en-GB" dirty="0"/>
-              <a:t>Instance document, as </a:t>
-            </a:r>
-            <a:r>
-              <a:rPr lang="en-GB" dirty="0">
-                <a:latin typeface="Courier New" panose="02070309020205020404" pitchFamily="49" charset="0"/>
-                <a:cs typeface="Courier New" panose="02070309020205020404" pitchFamily="49" charset="0"/>
-              </a:rPr>
-              <a:t>map{"":doc(…)}</a:t>
+              <a:t>Markup</a:t>
+            </a:r>
+            <a:r>
+              <a:rPr lang="en-GB" dirty="0"/>
+              <a:t> UK, 3</a:t>
+            </a:r>
+            <a:r>
+              <a:rPr lang="en-GB" baseline="30000" dirty="0"/>
+              <a:t>rd</a:t>
+            </a:r>
+            <a:r>
+              <a:rPr lang="en-GB" dirty="0"/>
+              <a:t> June 2023</a:t>
             </a:r>
           </a:p>
         </p:txBody>
@@ -9508,111 +9532,7 @@
     </p:spTree>
     <p:extLst>
       <p:ext uri="{BB962C8B-B14F-4D97-AF65-F5344CB8AC3E}">
-        <p14:creationId xmlns:p14="http://schemas.microsoft.com/office/powerpoint/2010/main" val="2503234922"/>
-      </p:ext>
-    </p:extLst>
-  </p:cSld>
-  <p:clrMapOvr>
-    <a:masterClrMapping/>
-  </p:clrMapOvr>
-</p:sld>
-</file>
-
-<file path=ppt/slides/slide2.xml><?xml version="1.0" encoding="utf-8"?>
-<p:sld xmlns:a="http://schemas.openxmlformats.org/drawingml/2006/main" xmlns:r="http://schemas.openxmlformats.org/officeDocument/2006/relationships" xmlns:p="http://schemas.openxmlformats.org/presentationml/2006/main" show="0">
-  <p:cSld>
-    <p:spTree>
-      <p:nvGrpSpPr>
-        <p:cNvPr id="1" name=""/>
-        <p:cNvGrpSpPr/>
-        <p:nvPr/>
-      </p:nvGrpSpPr>
-      <p:grpSpPr>
-        <a:xfrm>
-          <a:off x="0" y="0"/>
-          <a:ext cx="0" cy="0"/>
-          <a:chOff x="0" y="0"/>
-          <a:chExt cx="0" cy="0"/>
-        </a:xfrm>
-      </p:grpSpPr>
-      <p:sp>
-        <p:nvSpPr>
-          <p:cNvPr id="2" name="Title 1">
-            <a:extLst>
-              <a:ext uri="{FF2B5EF4-FFF2-40B4-BE49-F238E27FC236}">
-                <a16:creationId xmlns:a16="http://schemas.microsoft.com/office/drawing/2014/main" id="{784B8410-C00C-4672-BBB7-2BBC71FCE1E3}"/>
-              </a:ext>
-            </a:extLst>
-          </p:cNvPr>
-          <p:cNvSpPr>
-            <a:spLocks noGrp="1"/>
-          </p:cNvSpPr>
-          <p:nvPr>
-            <p:ph type="title"/>
-          </p:nvPr>
-        </p:nvSpPr>
-        <p:spPr/>
-        <p:txBody>
-          <a:bodyPr/>
-          <a:lstStyle/>
-          <a:p>
-            <a:r>
-              <a:rPr lang="en-GB" dirty="0"/>
-              <a:t>Agenda(?)</a:t>
-            </a:r>
-          </a:p>
-        </p:txBody>
-      </p:sp>
-      <p:sp>
-        <p:nvSpPr>
-          <p:cNvPr id="3" name="Content Placeholder 2">
-            <a:extLst>
-              <a:ext uri="{FF2B5EF4-FFF2-40B4-BE49-F238E27FC236}">
-                <a16:creationId xmlns:a16="http://schemas.microsoft.com/office/drawing/2014/main" id="{63E9798D-91A3-4B18-902F-7250FD444FFC}"/>
-              </a:ext>
-            </a:extLst>
-          </p:cNvPr>
-          <p:cNvSpPr>
-            <a:spLocks noGrp="1"/>
-          </p:cNvSpPr>
-          <p:nvPr>
-            <p:ph idx="1"/>
-          </p:nvPr>
-        </p:nvSpPr>
-        <p:spPr/>
-        <p:txBody>
-          <a:bodyPr/>
-          <a:lstStyle/>
-          <a:p>
-            <a:r>
-              <a:rPr lang="en-GB" dirty="0"/>
-              <a:t>What it is</a:t>
-            </a:r>
-          </a:p>
-          <a:p>
-            <a:r>
-              <a:rPr lang="en-GB" dirty="0"/>
-              <a:t>Why do it</a:t>
-            </a:r>
-          </a:p>
-          <a:p>
-            <a:r>
-              <a:rPr lang="en-GB" dirty="0"/>
-              <a:t>Design goals</a:t>
-            </a:r>
-          </a:p>
-          <a:p>
-            <a:r>
-              <a:rPr lang="en-GB" dirty="0"/>
-              <a:t>[…]</a:t>
-            </a:r>
-          </a:p>
-        </p:txBody>
-      </p:sp>
-    </p:spTree>
-    <p:extLst>
-      <p:ext uri="{BB962C8B-B14F-4D97-AF65-F5344CB8AC3E}">
-        <p14:creationId xmlns:p14="http://schemas.microsoft.com/office/powerpoint/2010/main" val="822120073"/>
+        <p14:creationId xmlns:p14="http://schemas.microsoft.com/office/powerpoint/2010/main" val="2804348344"/>
       </p:ext>
     </p:extLst>
   </p:cSld>
@@ -9644,6 +9564,166 @@
           <p:cNvPr id="2" name="Title 1">
             <a:extLst>
               <a:ext uri="{FF2B5EF4-FFF2-40B4-BE49-F238E27FC236}">
+                <a16:creationId xmlns:a16="http://schemas.microsoft.com/office/drawing/2014/main" id="{D860E216-A8CD-4F03-BA02-489BD391FAD2}"/>
+              </a:ext>
+            </a:extLst>
+          </p:cNvPr>
+          <p:cNvSpPr>
+            <a:spLocks noGrp="1"/>
+          </p:cNvSpPr>
+          <p:nvPr>
+            <p:ph type="title"/>
+          </p:nvPr>
+        </p:nvSpPr>
+        <p:spPr/>
+        <p:txBody>
+          <a:bodyPr/>
+          <a:lstStyle/>
+          <a:p>
+            <a:r>
+              <a:rPr lang="en-GB" dirty="0"/>
+              <a:t>Evaluate schema</a:t>
+            </a:r>
+          </a:p>
+        </p:txBody>
+      </p:sp>
+      <p:sp>
+        <p:nvSpPr>
+          <p:cNvPr id="3" name="Content Placeholder 2">
+            <a:extLst>
+              <a:ext uri="{FF2B5EF4-FFF2-40B4-BE49-F238E27FC236}">
+                <a16:creationId xmlns:a16="http://schemas.microsoft.com/office/drawing/2014/main" id="{41929A8B-7EE7-4152-A0D7-044421860480}"/>
+              </a:ext>
+            </a:extLst>
+          </p:cNvPr>
+          <p:cNvSpPr>
+            <a:spLocks noGrp="1"/>
+          </p:cNvSpPr>
+          <p:nvPr>
+            <p:ph idx="1"/>
+          </p:nvPr>
+        </p:nvSpPr>
+        <p:spPr/>
+        <p:txBody>
+          <a:bodyPr/>
+          <a:lstStyle/>
+          <a:p>
+            <a:r>
+              <a:rPr lang="en-GB" dirty="0"/>
+              <a:t>Assemble </a:t>
+            </a:r>
+            <a:r>
+              <a:rPr lang="en-GB" dirty="0" err="1"/>
+              <a:t>prolog</a:t>
+            </a:r>
+            <a:r>
+              <a:rPr lang="en-GB" dirty="0"/>
+              <a:t> of validation context:</a:t>
+            </a:r>
+          </a:p>
+          <a:p>
+            <a:pPr lvl="1"/>
+            <a:r>
+              <a:rPr lang="en-GB" dirty="0"/>
+              <a:t>Namespaces</a:t>
+            </a:r>
+          </a:p>
+          <a:p>
+            <a:pPr lvl="1"/>
+            <a:r>
+              <a:rPr lang="en-GB" dirty="0"/>
+              <a:t>Local variables</a:t>
+            </a:r>
+          </a:p>
+          <a:p>
+            <a:pPr lvl="1"/>
+            <a:r>
+              <a:rPr lang="en-GB" dirty="0"/>
+              <a:t>User-defined functions</a:t>
+            </a:r>
+          </a:p>
+          <a:p>
+            <a:r>
+              <a:rPr lang="en-GB" dirty="0"/>
+              <a:t>Invoke </a:t>
+            </a:r>
+            <a:r>
+              <a:rPr lang="en-GB" dirty="0" err="1">
+                <a:latin typeface="Courier New" panose="02070309020205020404" pitchFamily="49" charset="0"/>
+                <a:cs typeface="Courier New" panose="02070309020205020404" pitchFamily="49" charset="0"/>
+              </a:rPr>
+              <a:t>xquery:eval</a:t>
+            </a:r>
+            <a:r>
+              <a:rPr lang="en-GB" dirty="0">
+                <a:latin typeface="Courier New" panose="02070309020205020404" pitchFamily="49" charset="0"/>
+                <a:cs typeface="Courier New" panose="02070309020205020404" pitchFamily="49" charset="0"/>
+              </a:rPr>
+              <a:t>()</a:t>
+            </a:r>
+            <a:r>
+              <a:rPr lang="en-GB" dirty="0"/>
+              <a:t>, passing:</a:t>
+            </a:r>
+          </a:p>
+          <a:p>
+            <a:pPr lvl="1"/>
+            <a:r>
+              <a:rPr lang="en-GB" dirty="0"/>
+              <a:t>Global variables, as external variables</a:t>
+            </a:r>
+          </a:p>
+          <a:p>
+            <a:pPr lvl="1"/>
+            <a:r>
+              <a:rPr lang="en-GB" dirty="0"/>
+              <a:t>Instance document, as </a:t>
+            </a:r>
+            <a:r>
+              <a:rPr lang="en-GB" dirty="0">
+                <a:latin typeface="Courier New" panose="02070309020205020404" pitchFamily="49" charset="0"/>
+                <a:cs typeface="Courier New" panose="02070309020205020404" pitchFamily="49" charset="0"/>
+              </a:rPr>
+              <a:t>map{"":doc(…)}</a:t>
+            </a:r>
+          </a:p>
+        </p:txBody>
+      </p:sp>
+    </p:spTree>
+    <p:extLst>
+      <p:ext uri="{BB962C8B-B14F-4D97-AF65-F5344CB8AC3E}">
+        <p14:creationId xmlns:p14="http://schemas.microsoft.com/office/powerpoint/2010/main" val="2503234922"/>
+      </p:ext>
+    </p:extLst>
+  </p:cSld>
+  <p:clrMapOvr>
+    <a:masterClrMapping/>
+  </p:clrMapOvr>
+</p:sld>
+</file>
+
+<file path=ppt/slides/slide21.xml><?xml version="1.0" encoding="utf-8"?>
+<p:sld xmlns:a="http://schemas.openxmlformats.org/drawingml/2006/main" xmlns:r="http://schemas.openxmlformats.org/officeDocument/2006/relationships" xmlns:p="http://schemas.openxmlformats.org/presentationml/2006/main">
+  <p:cSld>
+    <p:spTree>
+      <p:nvGrpSpPr>
+        <p:cNvPr id="1" name=""/>
+        <p:cNvGrpSpPr/>
+        <p:nvPr/>
+      </p:nvGrpSpPr>
+      <p:grpSpPr>
+        <a:xfrm>
+          <a:off x="0" y="0"/>
+          <a:ext cx="0" cy="0"/>
+          <a:chOff x="0" y="0"/>
+          <a:chExt cx="0" cy="0"/>
+        </a:xfrm>
+      </p:grpSpPr>
+      <p:sp>
+        <p:nvSpPr>
+          <p:cNvPr id="2" name="Title 1">
+            <a:extLst>
+              <a:ext uri="{FF2B5EF4-FFF2-40B4-BE49-F238E27FC236}">
                 <a16:creationId xmlns:a16="http://schemas.microsoft.com/office/drawing/2014/main" id="{505F3D2D-CABD-439A-B3C9-048E9D9395D0}"/>
               </a:ext>
             </a:extLst>
@@ -9738,7 +9818,7 @@
 </p:sld>
 </file>
 
-<file path=ppt/slides/slide21.xml><?xml version="1.0" encoding="utf-8"?>
+<file path=ppt/slides/slide22.xml><?xml version="1.0" encoding="utf-8"?>
 <p:sld xmlns:a="http://schemas.openxmlformats.org/drawingml/2006/main" xmlns:r="http://schemas.openxmlformats.org/officeDocument/2006/relationships" xmlns:p="http://schemas.openxmlformats.org/presentationml/2006/main">
   <p:cSld>
     <p:spTree>
@@ -10214,215 +10294,6 @@
 </p:sld>
 </file>
 
-<file path=ppt/slides/slide22.xml><?xml version="1.0" encoding="utf-8"?>
-<p:sld xmlns:a="http://schemas.openxmlformats.org/drawingml/2006/main" xmlns:r="http://schemas.openxmlformats.org/officeDocument/2006/relationships" xmlns:p="http://schemas.openxmlformats.org/presentationml/2006/main">
-  <p:cSld>
-    <p:spTree>
-      <p:nvGrpSpPr>
-        <p:cNvPr id="1" name=""/>
-        <p:cNvGrpSpPr/>
-        <p:nvPr/>
-      </p:nvGrpSpPr>
-      <p:grpSpPr>
-        <a:xfrm>
-          <a:off x="0" y="0"/>
-          <a:ext cx="0" cy="0"/>
-          <a:chOff x="0" y="0"/>
-          <a:chExt cx="0" cy="0"/>
-        </a:xfrm>
-      </p:grpSpPr>
-      <p:sp>
-        <p:nvSpPr>
-          <p:cNvPr id="2" name="Title 1">
-            <a:extLst>
-              <a:ext uri="{FF2B5EF4-FFF2-40B4-BE49-F238E27FC236}">
-                <a16:creationId xmlns:a16="http://schemas.microsoft.com/office/drawing/2014/main" id="{0615A9F1-0279-4FD0-ACA0-DBE2EFC1A1AB}"/>
-              </a:ext>
-            </a:extLst>
-          </p:cNvPr>
-          <p:cNvSpPr>
-            <a:spLocks noGrp="1"/>
-          </p:cNvSpPr>
-          <p:nvPr>
-            <p:ph type="title"/>
-          </p:nvPr>
-        </p:nvSpPr>
-        <p:spPr/>
-        <p:txBody>
-          <a:bodyPr/>
-          <a:lstStyle/>
-          <a:p>
-            <a:r>
-              <a:rPr lang="en-GB" dirty="0">
-                <a:latin typeface="Courier New" panose="02070309020205020404" pitchFamily="49" charset="0"/>
-                <a:cs typeface="Courier New" panose="02070309020205020404" pitchFamily="49" charset="0"/>
-              </a:rPr>
-              <a:t>documents</a:t>
-            </a:r>
-            <a:r>
-              <a:rPr lang="en-GB" dirty="0"/>
-              <a:t> attribute underspecified?</a:t>
-            </a:r>
-          </a:p>
-        </p:txBody>
-      </p:sp>
-      <p:sp>
-        <p:nvSpPr>
-          <p:cNvPr id="3" name="Content Placeholder 2">
-            <a:extLst>
-              <a:ext uri="{FF2B5EF4-FFF2-40B4-BE49-F238E27FC236}">
-                <a16:creationId xmlns:a16="http://schemas.microsoft.com/office/drawing/2014/main" id="{238B71B9-3DA0-4314-97F2-DEAC6DDF27D3}"/>
-              </a:ext>
-            </a:extLst>
-          </p:cNvPr>
-          <p:cNvSpPr>
-            <a:spLocks noGrp="1"/>
-          </p:cNvSpPr>
-          <p:nvPr>
-            <p:ph idx="1"/>
-          </p:nvPr>
-        </p:nvSpPr>
-        <p:spPr/>
-        <p:txBody>
-          <a:bodyPr/>
-          <a:lstStyle/>
-          <a:p>
-            <a:pPr marL="514350" indent="-514350">
-              <a:buFont typeface="+mj-lt"/>
-              <a:buAutoNum type="arabicPeriod"/>
-            </a:pPr>
-            <a:r>
-              <a:rPr lang="en-GB" dirty="0"/>
-              <a:t>Rules apply to </a:t>
-            </a:r>
-            <a:r>
-              <a:rPr lang="en-GB" b="1" dirty="0"/>
-              <a:t>instance</a:t>
-            </a:r>
-            <a:r>
-              <a:rPr lang="en-GB" dirty="0"/>
-              <a:t> document </a:t>
-            </a:r>
-            <a:r>
-              <a:rPr lang="en-GB" i="1" dirty="0"/>
-              <a:t>as well</a:t>
-            </a:r>
-            <a:r>
-              <a:rPr lang="en-GB" dirty="0"/>
-              <a:t>? Presumably not.</a:t>
-            </a:r>
-          </a:p>
-          <a:p>
-            <a:pPr marL="514350" indent="-514350">
-              <a:buFont typeface="+mj-lt"/>
-              <a:buAutoNum type="arabicPeriod"/>
-            </a:pPr>
-            <a:r>
-              <a:rPr lang="en-GB" dirty="0"/>
-              <a:t>Are pattern variables in scope? e.g.</a:t>
-            </a:r>
-          </a:p>
-          <a:p>
-            <a:pPr marL="0" indent="0">
-              <a:buNone/>
-            </a:pPr>
-            <a:endParaRPr lang="en-GB" dirty="0">
-              <a:latin typeface="Courier New" panose="02070309020205020404" pitchFamily="49" charset="0"/>
-              <a:cs typeface="Courier New" panose="02070309020205020404" pitchFamily="49" charset="0"/>
-            </a:endParaRPr>
-          </a:p>
-          <a:p>
-            <a:pPr marL="0" indent="0">
-              <a:buNone/>
-            </a:pPr>
-            <a:r>
-              <a:rPr lang="en-GB" dirty="0">
-                <a:latin typeface="Courier New" panose="02070309020205020404" pitchFamily="49" charset="0"/>
-                <a:cs typeface="Courier New" panose="02070309020205020404" pitchFamily="49" charset="0"/>
-              </a:rPr>
-              <a:t>  &lt;pattern</a:t>
-            </a:r>
-          </a:p>
-          <a:p>
-            <a:pPr marL="0" indent="0">
-              <a:buNone/>
-            </a:pPr>
-            <a:r>
-              <a:rPr lang="en-GB" dirty="0">
-                <a:latin typeface="Courier New" panose="02070309020205020404" pitchFamily="49" charset="0"/>
-                <a:cs typeface="Courier New" panose="02070309020205020404" pitchFamily="49" charset="0"/>
-              </a:rPr>
-              <a:t>  documents=‘/other/docs[not(@path = </a:t>
-            </a:r>
-            <a:r>
-              <a:rPr lang="en-GB" b="1" dirty="0">
-                <a:latin typeface="Courier New" panose="02070309020205020404" pitchFamily="49" charset="0"/>
-                <a:cs typeface="Courier New" panose="02070309020205020404" pitchFamily="49" charset="0"/>
-              </a:rPr>
-              <a:t>$these</a:t>
-            </a:r>
-            <a:r>
-              <a:rPr lang="en-GB" dirty="0">
-                <a:latin typeface="Courier New" panose="02070309020205020404" pitchFamily="49" charset="0"/>
-                <a:cs typeface="Courier New" panose="02070309020205020404" pitchFamily="49" charset="0"/>
-              </a:rPr>
-              <a:t>)]’&gt;</a:t>
-            </a:r>
-          </a:p>
-          <a:p>
-            <a:pPr marL="0" indent="0">
-              <a:buNone/>
-            </a:pPr>
-            <a:r>
-              <a:rPr lang="en-GB" dirty="0">
-                <a:latin typeface="Courier New" panose="02070309020205020404" pitchFamily="49" charset="0"/>
-                <a:cs typeface="Courier New" panose="02070309020205020404" pitchFamily="49" charset="0"/>
-              </a:rPr>
-              <a:t>	&lt;let name=‘these’ value=‘not-me.xml’/&gt;...</a:t>
-            </a:r>
-          </a:p>
-          <a:p>
-            <a:pPr marL="0" indent="0">
-              <a:buNone/>
-            </a:pPr>
-            <a:endParaRPr lang="en-GB" dirty="0">
-              <a:latin typeface="Courier New" panose="02070309020205020404" pitchFamily="49" charset="0"/>
-              <a:cs typeface="Courier New" panose="02070309020205020404" pitchFamily="49" charset="0"/>
-            </a:endParaRPr>
-          </a:p>
-          <a:p>
-            <a:pPr marL="0" indent="0">
-              <a:buNone/>
-            </a:pPr>
-            <a:r>
-              <a:rPr lang="en-GB" dirty="0"/>
-              <a:t>XQS assumes so.</a:t>
-            </a:r>
-          </a:p>
-          <a:p>
-            <a:pPr marL="0" indent="0">
-              <a:buNone/>
-            </a:pPr>
-            <a:endParaRPr lang="en-GB" dirty="0">
-              <a:latin typeface="Courier New" panose="02070309020205020404" pitchFamily="49" charset="0"/>
-              <a:cs typeface="Courier New" panose="02070309020205020404" pitchFamily="49" charset="0"/>
-            </a:endParaRPr>
-          </a:p>
-        </p:txBody>
-      </p:sp>
-    </p:spTree>
-    <p:extLst>
-      <p:ext uri="{BB962C8B-B14F-4D97-AF65-F5344CB8AC3E}">
-        <p14:creationId xmlns:p14="http://schemas.microsoft.com/office/powerpoint/2010/main" val="154519701"/>
-      </p:ext>
-    </p:extLst>
-  </p:cSld>
-  <p:clrMapOvr>
-    <a:masterClrMapping/>
-  </p:clrMapOvr>
-</p:sld>
-</file>
-
 <file path=ppt/slides/slide23.xml><?xml version="1.0" encoding="utf-8"?>
 <p:sld xmlns:a="http://schemas.openxmlformats.org/drawingml/2006/main" xmlns:r="http://schemas.openxmlformats.org/officeDocument/2006/relationships" xmlns:p="http://schemas.openxmlformats.org/presentationml/2006/main">
   <p:cSld>
@@ -10445,7 +10316,7 @@
           <p:cNvPr id="2" name="Title 1">
             <a:extLst>
               <a:ext uri="{FF2B5EF4-FFF2-40B4-BE49-F238E27FC236}">
-                <a16:creationId xmlns:a16="http://schemas.microsoft.com/office/drawing/2014/main" id="{11EA74FB-8330-4915-9386-2E6B0C28DD6C}"/>
+                <a16:creationId xmlns:a16="http://schemas.microsoft.com/office/drawing/2014/main" id="{0615A9F1-0279-4FD0-ACA0-DBE2EFC1A1AB}"/>
               </a:ext>
             </a:extLst>
           </p:cNvPr>
@@ -10462,8 +10333,15 @@
           <a:lstStyle/>
           <a:p>
             <a:r>
-              <a:rPr lang="en-GB" dirty="0"/>
-              <a:t>Rules as if-then-else</a:t>
+              <a:rPr lang="en-GB" dirty="0">
+                <a:latin typeface="Courier New" panose="02070309020205020404" pitchFamily="49" charset="0"/>
+                <a:cs typeface="Courier New" panose="02070309020205020404" pitchFamily="49" charset="0"/>
+              </a:rPr>
+              <a:t>documents</a:t>
+            </a:r>
+            <a:r>
+              <a:rPr lang="en-GB" dirty="0"/>
+              <a:t> attribute underspecified?</a:t>
             </a:r>
           </a:p>
         </p:txBody>
@@ -10473,7 +10351,7 @@
           <p:cNvPr id="3" name="Content Placeholder 2">
             <a:extLst>
               <a:ext uri="{FF2B5EF4-FFF2-40B4-BE49-F238E27FC236}">
-                <a16:creationId xmlns:a16="http://schemas.microsoft.com/office/drawing/2014/main" id="{9035933B-4233-452F-A32B-E2C56FC6F996}"/>
+                <a16:creationId xmlns:a16="http://schemas.microsoft.com/office/drawing/2014/main" id="{238B71B9-3DA0-4314-97F2-DEAC6DDF27D3}"/>
               </a:ext>
             </a:extLst>
           </p:cNvPr>
@@ -10486,248 +10364,136 @@
         </p:nvSpPr>
         <p:spPr/>
         <p:txBody>
-          <a:bodyPr>
-            <a:normAutofit fontScale="77500" lnSpcReduction="20000"/>
-          </a:bodyPr>
-          <a:lstStyle/>
+          <a:bodyPr/>
+          <a:lstStyle/>
+          <a:p>
+            <a:pPr marL="514350" indent="-514350">
+              <a:buFont typeface="+mj-lt"/>
+              <a:buAutoNum type="arabicPeriod"/>
+            </a:pPr>
+            <a:r>
+              <a:rPr lang="en-GB" dirty="0"/>
+              <a:t>Rules apply to </a:t>
+            </a:r>
+            <a:r>
+              <a:rPr lang="en-GB" b="1" dirty="0"/>
+              <a:t>instance</a:t>
+            </a:r>
+            <a:r>
+              <a:rPr lang="en-GB" dirty="0"/>
+              <a:t> document </a:t>
+            </a:r>
+            <a:r>
+              <a:rPr lang="en-GB" i="1" dirty="0"/>
+              <a:t>as well</a:t>
+            </a:r>
+            <a:r>
+              <a:rPr lang="en-GB" dirty="0"/>
+              <a:t>? Presumably not.</a:t>
+            </a:r>
+          </a:p>
+          <a:p>
+            <a:pPr marL="514350" indent="-514350">
+              <a:buFont typeface="+mj-lt"/>
+              <a:buAutoNum type="arabicPeriod"/>
+            </a:pPr>
+            <a:r>
+              <a:rPr lang="en-GB" dirty="0"/>
+              <a:t>Are pattern variables in scope? e.g.</a:t>
+            </a:r>
+          </a:p>
           <a:p>
             <a:pPr marL="0" indent="0">
               <a:buNone/>
             </a:pPr>
+            <a:endParaRPr lang="en-GB" dirty="0">
+              <a:latin typeface="Courier New" panose="02070309020205020404" pitchFamily="49" charset="0"/>
+              <a:cs typeface="Courier New" panose="02070309020205020404" pitchFamily="49" charset="0"/>
+            </a:endParaRPr>
+          </a:p>
+          <a:p>
+            <a:pPr marL="0" indent="0">
+              <a:buNone/>
+            </a:pPr>
             <a:r>
               <a:rPr lang="en-GB" dirty="0">
                 <a:latin typeface="Courier New" panose="02070309020205020404" pitchFamily="49" charset="0"/>
                 <a:cs typeface="Courier New" panose="02070309020205020404" pitchFamily="49" charset="0"/>
               </a:rPr>
-              <a:t>declare function </a:t>
-            </a:r>
-            <a:r>
-              <a:rPr lang="en-GB" dirty="0" err="1">
-                <a:latin typeface="Courier New" panose="02070309020205020404" pitchFamily="49" charset="0"/>
-                <a:cs typeface="Courier New" panose="02070309020205020404" pitchFamily="49" charset="0"/>
-              </a:rPr>
-              <a:t>eval:rules</a:t>
-            </a:r>
+              <a:t>  &lt;pattern</a:t>
+            </a:r>
+          </a:p>
+          <a:p>
+            <a:pPr marL="0" indent="0">
+              <a:buNone/>
+            </a:pPr>
             <a:r>
               <a:rPr lang="en-GB" dirty="0">
                 <a:latin typeface="Courier New" panose="02070309020205020404" pitchFamily="49" charset="0"/>
                 <a:cs typeface="Courier New" panose="02070309020205020404" pitchFamily="49" charset="0"/>
               </a:rPr>
-              <a:t>($rules as element(</a:t>
-            </a:r>
-            <a:r>
-              <a:rPr lang="en-GB" dirty="0" err="1">
-                <a:latin typeface="Courier New" panose="02070309020205020404" pitchFamily="49" charset="0"/>
-                <a:cs typeface="Courier New" panose="02070309020205020404" pitchFamily="49" charset="0"/>
-              </a:rPr>
-              <a:t>sch:rule</a:t>
+              <a:t>  documents=‘/other/docs[not(@path = </a:t>
+            </a:r>
+            <a:r>
+              <a:rPr lang="en-GB" b="1" dirty="0">
+                <a:latin typeface="Courier New" panose="02070309020205020404" pitchFamily="49" charset="0"/>
+                <a:cs typeface="Courier New" panose="02070309020205020404" pitchFamily="49" charset="0"/>
+              </a:rPr>
+              <a:t>$these</a:t>
             </a:r>
             <a:r>
               <a:rPr lang="en-GB" dirty="0">
                 <a:latin typeface="Courier New" panose="02070309020205020404" pitchFamily="49" charset="0"/>
                 <a:cs typeface="Courier New" panose="02070309020205020404" pitchFamily="49" charset="0"/>
               </a:rPr>
-              <a:t>)*, $</a:t>
-            </a:r>
-            <a:r>
-              <a:rPr lang="en-GB" dirty="0" err="1">
-                <a:latin typeface="Courier New" panose="02070309020205020404" pitchFamily="49" charset="0"/>
-                <a:cs typeface="Courier New" panose="02070309020205020404" pitchFamily="49" charset="0"/>
-              </a:rPr>
-              <a:t>prolog</a:t>
-            </a:r>
+              <a:t>)]’&gt;</a:t>
+            </a:r>
+          </a:p>
+          <a:p>
+            <a:pPr marL="0" indent="0">
+              <a:buNone/>
+            </a:pPr>
             <a:r>
               <a:rPr lang="en-GB" dirty="0">
                 <a:latin typeface="Courier New" panose="02070309020205020404" pitchFamily="49" charset="0"/>
                 <a:cs typeface="Courier New" panose="02070309020205020404" pitchFamily="49" charset="0"/>
               </a:rPr>
-              <a:t> as </a:t>
-            </a:r>
-            <a:r>
-              <a:rPr lang="en-GB" dirty="0" err="1">
-                <a:latin typeface="Courier New" panose="02070309020205020404" pitchFamily="49" charset="0"/>
-                <a:cs typeface="Courier New" panose="02070309020205020404" pitchFamily="49" charset="0"/>
-              </a:rPr>
-              <a:t>xs:string</a:t>
-            </a:r>
-            <a:r>
-              <a:rPr lang="en-GB" dirty="0">
-                <a:latin typeface="Courier New" panose="02070309020205020404" pitchFamily="49" charset="0"/>
-                <a:cs typeface="Courier New" panose="02070309020205020404" pitchFamily="49" charset="0"/>
-              </a:rPr>
-              <a:t>?, $context as map(*)) as element()*</a:t>
+              <a:t>	&lt;let name=‘these’ value=‘not-me.xml’/&gt;...</a:t>
             </a:r>
           </a:p>
           <a:p>
             <a:pPr marL="0" indent="0">
               <a:buNone/>
             </a:pPr>
-            <a:r>
-              <a:rPr lang="en-GB" dirty="0">
-                <a:latin typeface="Courier New" panose="02070309020205020404" pitchFamily="49" charset="0"/>
-                <a:cs typeface="Courier New" panose="02070309020205020404" pitchFamily="49" charset="0"/>
-              </a:rPr>
-              <a:t>{</a:t>
-            </a:r>
+            <a:endParaRPr lang="en-GB" dirty="0">
+              <a:latin typeface="Courier New" panose="02070309020205020404" pitchFamily="49" charset="0"/>
+              <a:cs typeface="Courier New" panose="02070309020205020404" pitchFamily="49" charset="0"/>
+            </a:endParaRPr>
           </a:p>
           <a:p>
             <a:pPr marL="0" indent="0">
               <a:buNone/>
             </a:pPr>
             <a:r>
-              <a:rPr lang="en-GB" dirty="0">
-                <a:latin typeface="Courier New" panose="02070309020205020404" pitchFamily="49" charset="0"/>
-                <a:cs typeface="Courier New" panose="02070309020205020404" pitchFamily="49" charset="0"/>
-              </a:rPr>
-              <a:t>  if(empty($rules))</a:t>
+              <a:rPr lang="en-GB" dirty="0"/>
+              <a:t>XQS assumes so.</a:t>
             </a:r>
           </a:p>
           <a:p>
             <a:pPr marL="0" indent="0">
               <a:buNone/>
             </a:pPr>
-            <a:r>
-              <a:rPr lang="en-GB" dirty="0">
-                <a:latin typeface="Courier New" panose="02070309020205020404" pitchFamily="49" charset="0"/>
-                <a:cs typeface="Courier New" panose="02070309020205020404" pitchFamily="49" charset="0"/>
-              </a:rPr>
-              <a:t>  then ()</a:t>
-            </a:r>
-          </a:p>
-          <a:p>
-            <a:pPr marL="0" indent="0">
-              <a:buNone/>
-            </a:pPr>
-            <a:r>
-              <a:rPr lang="en-GB" dirty="0">
-                <a:latin typeface="Courier New" panose="02070309020205020404" pitchFamily="49" charset="0"/>
-                <a:cs typeface="Courier New" panose="02070309020205020404" pitchFamily="49" charset="0"/>
-              </a:rPr>
-              <a:t>  else</a:t>
-            </a:r>
-          </a:p>
-          <a:p>
-            <a:pPr marL="0" indent="0">
-              <a:buNone/>
-            </a:pPr>
-            <a:r>
-              <a:rPr lang="en-GB" dirty="0">
-                <a:latin typeface="Courier New" panose="02070309020205020404" pitchFamily="49" charset="0"/>
-                <a:cs typeface="Courier New" panose="02070309020205020404" pitchFamily="49" charset="0"/>
-              </a:rPr>
-              <a:t>    let $result := </a:t>
-            </a:r>
-            <a:r>
-              <a:rPr lang="en-GB" b="1" dirty="0" err="1">
-                <a:latin typeface="Courier New" panose="02070309020205020404" pitchFamily="49" charset="0"/>
-                <a:cs typeface="Courier New" panose="02070309020205020404" pitchFamily="49" charset="0"/>
-              </a:rPr>
-              <a:t>eval:rule</a:t>
-            </a:r>
-            <a:r>
-              <a:rPr lang="en-GB" b="1" dirty="0">
-                <a:latin typeface="Courier New" panose="02070309020205020404" pitchFamily="49" charset="0"/>
-                <a:cs typeface="Courier New" panose="02070309020205020404" pitchFamily="49" charset="0"/>
-              </a:rPr>
-              <a:t>(head($rules), $</a:t>
-            </a:r>
-            <a:r>
-              <a:rPr lang="en-GB" b="1" dirty="0" err="1">
-                <a:latin typeface="Courier New" panose="02070309020205020404" pitchFamily="49" charset="0"/>
-                <a:cs typeface="Courier New" panose="02070309020205020404" pitchFamily="49" charset="0"/>
-              </a:rPr>
-              <a:t>prolog</a:t>
-            </a:r>
-            <a:r>
-              <a:rPr lang="en-GB" b="1" dirty="0">
-                <a:latin typeface="Courier New" panose="02070309020205020404" pitchFamily="49" charset="0"/>
-                <a:cs typeface="Courier New" panose="02070309020205020404" pitchFamily="49" charset="0"/>
-              </a:rPr>
-              <a:t>, $context)</a:t>
-            </a:r>
-          </a:p>
-          <a:p>
-            <a:pPr marL="0" indent="0">
-              <a:buNone/>
-            </a:pPr>
-            <a:r>
-              <a:rPr lang="en-GB" dirty="0">
-                <a:latin typeface="Courier New" panose="02070309020205020404" pitchFamily="49" charset="0"/>
-                <a:cs typeface="Courier New" panose="02070309020205020404" pitchFamily="49" charset="0"/>
-              </a:rPr>
-              <a:t>    return if($result)</a:t>
-            </a:r>
-          </a:p>
-          <a:p>
-            <a:pPr marL="0" indent="0">
-              <a:buNone/>
-            </a:pPr>
-            <a:r>
-              <a:rPr lang="en-GB" dirty="0">
-                <a:latin typeface="Courier New" panose="02070309020205020404" pitchFamily="49" charset="0"/>
-                <a:cs typeface="Courier New" panose="02070309020205020404" pitchFamily="49" charset="0"/>
-              </a:rPr>
-              <a:t>    then $result</a:t>
-            </a:r>
-          </a:p>
-          <a:p>
-            <a:pPr marL="0" indent="0">
-              <a:buNone/>
-            </a:pPr>
-            <a:r>
-              <a:rPr lang="en-GB" dirty="0">
-                <a:latin typeface="Courier New" panose="02070309020205020404" pitchFamily="49" charset="0"/>
-                <a:cs typeface="Courier New" panose="02070309020205020404" pitchFamily="49" charset="0"/>
-              </a:rPr>
-              <a:t>    else </a:t>
-            </a:r>
-            <a:r>
-              <a:rPr lang="en-GB" b="1" dirty="0" err="1">
-                <a:latin typeface="Courier New" panose="02070309020205020404" pitchFamily="49" charset="0"/>
-                <a:cs typeface="Courier New" panose="02070309020205020404" pitchFamily="49" charset="0"/>
-              </a:rPr>
-              <a:t>eval:rules</a:t>
-            </a:r>
-            <a:r>
-              <a:rPr lang="en-GB" b="1" dirty="0">
-                <a:latin typeface="Courier New" panose="02070309020205020404" pitchFamily="49" charset="0"/>
-                <a:cs typeface="Courier New" panose="02070309020205020404" pitchFamily="49" charset="0"/>
-              </a:rPr>
-              <a:t>(tail($rules), $</a:t>
-            </a:r>
-            <a:r>
-              <a:rPr lang="en-GB" b="1" dirty="0" err="1">
-                <a:latin typeface="Courier New" panose="02070309020205020404" pitchFamily="49" charset="0"/>
-                <a:cs typeface="Courier New" panose="02070309020205020404" pitchFamily="49" charset="0"/>
-              </a:rPr>
-              <a:t>prolog</a:t>
-            </a:r>
-            <a:r>
-              <a:rPr lang="en-GB" b="1" dirty="0">
-                <a:latin typeface="Courier New" panose="02070309020205020404" pitchFamily="49" charset="0"/>
-                <a:cs typeface="Courier New" panose="02070309020205020404" pitchFamily="49" charset="0"/>
-              </a:rPr>
-              <a:t>, $context)</a:t>
-            </a:r>
-          </a:p>
-          <a:p>
-            <a:pPr marL="0" indent="0">
-              <a:buNone/>
-            </a:pPr>
-            <a:r>
-              <a:rPr lang="en-GB" dirty="0">
-                <a:latin typeface="Courier New" panose="02070309020205020404" pitchFamily="49" charset="0"/>
-                <a:cs typeface="Courier New" panose="02070309020205020404" pitchFamily="49" charset="0"/>
-              </a:rPr>
-              <a:t>};</a:t>
-            </a:r>
+            <a:endParaRPr lang="en-GB" dirty="0">
+              <a:latin typeface="Courier New" panose="02070309020205020404" pitchFamily="49" charset="0"/>
+              <a:cs typeface="Courier New" panose="02070309020205020404" pitchFamily="49" charset="0"/>
+            </a:endParaRPr>
           </a:p>
         </p:txBody>
       </p:sp>
     </p:spTree>
     <p:extLst>
       <p:ext uri="{BB962C8B-B14F-4D97-AF65-F5344CB8AC3E}">
-        <p14:creationId xmlns:p14="http://schemas.microsoft.com/office/powerpoint/2010/main" val="1450008964"/>
+        <p14:creationId xmlns:p14="http://schemas.microsoft.com/office/powerpoint/2010/main" val="154519701"/>
       </p:ext>
     </p:extLst>
   </p:cSld>
@@ -10759,7 +10525,7 @@
           <p:cNvPr id="2" name="Title 1">
             <a:extLst>
               <a:ext uri="{FF2B5EF4-FFF2-40B4-BE49-F238E27FC236}">
-                <a16:creationId xmlns:a16="http://schemas.microsoft.com/office/drawing/2014/main" id="{AA8B0EB9-6F49-44E1-89EA-FBBFC96F4CAF}"/>
+                <a16:creationId xmlns:a16="http://schemas.microsoft.com/office/drawing/2014/main" id="{11EA74FB-8330-4915-9386-2E6B0C28DD6C}"/>
               </a:ext>
             </a:extLst>
           </p:cNvPr>
@@ -10777,7 +10543,7 @@
           <a:p>
             <a:r>
               <a:rPr lang="en-GB" dirty="0"/>
-              <a:t>Hidden syntax errors</a:t>
+              <a:t>Rules as if-then-else</a:t>
             </a:r>
           </a:p>
         </p:txBody>
@@ -10787,7 +10553,7 @@
           <p:cNvPr id="3" name="Content Placeholder 2">
             <a:extLst>
               <a:ext uri="{FF2B5EF4-FFF2-40B4-BE49-F238E27FC236}">
-                <a16:creationId xmlns:a16="http://schemas.microsoft.com/office/drawing/2014/main" id="{CEFDA6AB-AA81-462E-9433-90B7BF6DD222}"/>
+                <a16:creationId xmlns:a16="http://schemas.microsoft.com/office/drawing/2014/main" id="{9035933B-4233-452F-A32B-E2C56FC6F996}"/>
               </a:ext>
             </a:extLst>
           </p:cNvPr>
@@ -10800,7 +10566,9 @@
         </p:nvSpPr>
         <p:spPr/>
         <p:txBody>
-          <a:bodyPr/>
+          <a:bodyPr>
+            <a:normAutofit fontScale="77500" lnSpcReduction="20000"/>
+          </a:bodyPr>
           <a:lstStyle/>
           <a:p>
             <a:pPr marL="0" indent="0">
@@ -10808,20 +10576,79 @@
             </a:pPr>
             <a:r>
               <a:rPr lang="en-GB" dirty="0">
-                <a:latin typeface="+mj-lt"/>
-                <a:cs typeface="Courier New" panose="02070309020205020404" pitchFamily="49" charset="0"/>
-              </a:rPr>
-              <a:t>Analogous to interpreted languages:</a:t>
+                <a:latin typeface="Courier New" panose="02070309020205020404" pitchFamily="49" charset="0"/>
+                <a:cs typeface="Courier New" panose="02070309020205020404" pitchFamily="49" charset="0"/>
+              </a:rPr>
+              <a:t>declare function </a:t>
+            </a:r>
+            <a:r>
+              <a:rPr lang="en-GB" dirty="0" err="1">
+                <a:latin typeface="Courier New" panose="02070309020205020404" pitchFamily="49" charset="0"/>
+                <a:cs typeface="Courier New" panose="02070309020205020404" pitchFamily="49" charset="0"/>
+              </a:rPr>
+              <a:t>eval:rules</a:t>
+            </a:r>
+            <a:r>
+              <a:rPr lang="en-GB" dirty="0">
+                <a:latin typeface="Courier New" panose="02070309020205020404" pitchFamily="49" charset="0"/>
+                <a:cs typeface="Courier New" panose="02070309020205020404" pitchFamily="49" charset="0"/>
+              </a:rPr>
+              <a:t>($rules as element(</a:t>
+            </a:r>
+            <a:r>
+              <a:rPr lang="en-GB" dirty="0" err="1">
+                <a:latin typeface="Courier New" panose="02070309020205020404" pitchFamily="49" charset="0"/>
+                <a:cs typeface="Courier New" panose="02070309020205020404" pitchFamily="49" charset="0"/>
+              </a:rPr>
+              <a:t>sch:rule</a:t>
+            </a:r>
+            <a:r>
+              <a:rPr lang="en-GB" dirty="0">
+                <a:latin typeface="Courier New" panose="02070309020205020404" pitchFamily="49" charset="0"/>
+                <a:cs typeface="Courier New" panose="02070309020205020404" pitchFamily="49" charset="0"/>
+              </a:rPr>
+              <a:t>)*, $</a:t>
+            </a:r>
+            <a:r>
+              <a:rPr lang="en-GB" dirty="0" err="1">
+                <a:latin typeface="Courier New" panose="02070309020205020404" pitchFamily="49" charset="0"/>
+                <a:cs typeface="Courier New" panose="02070309020205020404" pitchFamily="49" charset="0"/>
+              </a:rPr>
+              <a:t>prolog</a:t>
+            </a:r>
+            <a:r>
+              <a:rPr lang="en-GB" dirty="0">
+                <a:latin typeface="Courier New" panose="02070309020205020404" pitchFamily="49" charset="0"/>
+                <a:cs typeface="Courier New" panose="02070309020205020404" pitchFamily="49" charset="0"/>
+              </a:rPr>
+              <a:t> as </a:t>
+            </a:r>
+            <a:r>
+              <a:rPr lang="en-GB" dirty="0" err="1">
+                <a:latin typeface="Courier New" panose="02070309020205020404" pitchFamily="49" charset="0"/>
+                <a:cs typeface="Courier New" panose="02070309020205020404" pitchFamily="49" charset="0"/>
+              </a:rPr>
+              <a:t>xs:string</a:t>
+            </a:r>
+            <a:r>
+              <a:rPr lang="en-GB" dirty="0">
+                <a:latin typeface="Courier New" panose="02070309020205020404" pitchFamily="49" charset="0"/>
+                <a:cs typeface="Courier New" panose="02070309020205020404" pitchFamily="49" charset="0"/>
+              </a:rPr>
+              <a:t>?, $context as map(*)) as element()*</a:t>
             </a:r>
           </a:p>
           <a:p>
             <a:pPr marL="0" indent="0">
               <a:buNone/>
             </a:pPr>
-            <a:endParaRPr lang="en-GB" dirty="0">
-              <a:latin typeface="Courier New" panose="02070309020205020404" pitchFamily="49" charset="0"/>
-              <a:cs typeface="Courier New" panose="02070309020205020404" pitchFamily="49" charset="0"/>
-            </a:endParaRPr>
+            <a:r>
+              <a:rPr lang="en-GB" dirty="0">
+                <a:latin typeface="Courier New" panose="02070309020205020404" pitchFamily="49" charset="0"/>
+                <a:cs typeface="Courier New" panose="02070309020205020404" pitchFamily="49" charset="0"/>
+              </a:rPr>
+              <a:t>{</a:t>
+            </a:r>
           </a:p>
           <a:p>
             <a:pPr marL="0" indent="0">
@@ -10832,21 +10659,19 @@
                 <a:latin typeface="Courier New" panose="02070309020205020404" pitchFamily="49" charset="0"/>
                 <a:cs typeface="Courier New" panose="02070309020205020404" pitchFamily="49" charset="0"/>
               </a:rPr>
-              <a:t>&lt;</a:t>
-            </a:r>
-            <a:r>
-              <a:rPr lang="en-GB" dirty="0" err="1">
-                <a:latin typeface="Courier New" panose="02070309020205020404" pitchFamily="49" charset="0"/>
-                <a:cs typeface="Courier New" panose="02070309020205020404" pitchFamily="49" charset="0"/>
-              </a:rPr>
-              <a:t>sch:rule</a:t>
-            </a:r>
+              <a:t>  if(empty($rules))</a:t>
+            </a:r>
+          </a:p>
+          <a:p>
+            <a:pPr marL="0" indent="0">
+              <a:buNone/>
+            </a:pPr>
             <a:r>
               <a:rPr lang="en-GB" dirty="0">
                 <a:latin typeface="Courier New" panose="02070309020205020404" pitchFamily="49" charset="0"/>
                 <a:cs typeface="Courier New" panose="02070309020205020404" pitchFamily="49" charset="0"/>
               </a:rPr>
-              <a:t> context="/.."&gt;</a:t>
+              <a:t>  then ()</a:t>
             </a:r>
           </a:p>
           <a:p>
@@ -10858,49 +10683,71 @@
                 <a:latin typeface="Courier New" panose="02070309020205020404" pitchFamily="49" charset="0"/>
                 <a:cs typeface="Courier New" panose="02070309020205020404" pitchFamily="49" charset="0"/>
               </a:rPr>
-              <a:t>    &lt;</a:t>
-            </a:r>
-            <a:r>
-              <a:rPr lang="en-GB" dirty="0" err="1">
-                <a:latin typeface="Courier New" panose="02070309020205020404" pitchFamily="49" charset="0"/>
-                <a:cs typeface="Courier New" panose="02070309020205020404" pitchFamily="49" charset="0"/>
-              </a:rPr>
-              <a:t>sch:report</a:t>
-            </a:r>
+              <a:t>  else</a:t>
+            </a:r>
+          </a:p>
+          <a:p>
+            <a:pPr marL="0" indent="0">
+              <a:buNone/>
+            </a:pPr>
             <a:r>
               <a:rPr lang="en-GB" dirty="0">
                 <a:latin typeface="Courier New" panose="02070309020205020404" pitchFamily="49" charset="0"/>
                 <a:cs typeface="Courier New" panose="02070309020205020404" pitchFamily="49" charset="0"/>
               </a:rPr>
-              <a:t> test="</a:t>
+              <a:t>    let $result := </a:t>
+            </a:r>
+            <a:r>
+              <a:rPr lang="en-GB" b="1" dirty="0" err="1">
+                <a:latin typeface="Courier New" panose="02070309020205020404" pitchFamily="49" charset="0"/>
+                <a:cs typeface="Courier New" panose="02070309020205020404" pitchFamily="49" charset="0"/>
+              </a:rPr>
+              <a:t>eval:rule</a:t>
             </a:r>
             <a:r>
               <a:rPr lang="en-GB" b="1" dirty="0">
                 <a:latin typeface="Courier New" panose="02070309020205020404" pitchFamily="49" charset="0"/>
                 <a:cs typeface="Courier New" panose="02070309020205020404" pitchFamily="49" charset="0"/>
               </a:rPr>
-              <a:t>???</a:t>
-            </a:r>
+              <a:t>(head($rules), $</a:t>
+            </a:r>
+            <a:r>
+              <a:rPr lang="en-GB" b="1" dirty="0" err="1">
+                <a:latin typeface="Courier New" panose="02070309020205020404" pitchFamily="49" charset="0"/>
+                <a:cs typeface="Courier New" panose="02070309020205020404" pitchFamily="49" charset="0"/>
+              </a:rPr>
+              <a:t>prolog</a:t>
+            </a:r>
+            <a:r>
+              <a:rPr lang="en-GB" b="1" dirty="0">
+                <a:latin typeface="Courier New" panose="02070309020205020404" pitchFamily="49" charset="0"/>
+                <a:cs typeface="Courier New" panose="02070309020205020404" pitchFamily="49" charset="0"/>
+              </a:rPr>
+              <a:t>, $context)</a:t>
+            </a:r>
+          </a:p>
+          <a:p>
+            <a:pPr marL="0" indent="0">
+              <a:buNone/>
+            </a:pPr>
             <a:r>
               <a:rPr lang="en-GB" dirty="0">
                 <a:latin typeface="Courier New" panose="02070309020205020404" pitchFamily="49" charset="0"/>
                 <a:cs typeface="Courier New" panose="02070309020205020404" pitchFamily="49" charset="0"/>
               </a:rPr>
-              <a:t>"&gt;[...]&lt;/</a:t>
-            </a:r>
-            <a:r>
-              <a:rPr lang="en-GB" dirty="0" err="1">
-                <a:latin typeface="Courier New" panose="02070309020205020404" pitchFamily="49" charset="0"/>
-                <a:cs typeface="Courier New" panose="02070309020205020404" pitchFamily="49" charset="0"/>
-              </a:rPr>
-              <a:t>sch:report</a:t>
-            </a:r>
+              <a:t>    return if($result)</a:t>
+            </a:r>
+          </a:p>
+          <a:p>
+            <a:pPr marL="0" indent="0">
+              <a:buNone/>
+            </a:pPr>
             <a:r>
               <a:rPr lang="en-GB" dirty="0">
                 <a:latin typeface="Courier New" panose="02070309020205020404" pitchFamily="49" charset="0"/>
                 <a:cs typeface="Courier New" panose="02070309020205020404" pitchFamily="49" charset="0"/>
               </a:rPr>
-              <a:t>&gt;</a:t>
+              <a:t>    then $result</a:t>
             </a:r>
           </a:p>
           <a:p>
@@ -10912,72 +10759,55 @@
                 <a:latin typeface="Courier New" panose="02070309020205020404" pitchFamily="49" charset="0"/>
                 <a:cs typeface="Courier New" panose="02070309020205020404" pitchFamily="49" charset="0"/>
               </a:rPr>
-              <a:t>&lt;/</a:t>
-            </a:r>
-            <a:r>
-              <a:rPr lang="en-GB" dirty="0" err="1">
-                <a:latin typeface="Courier New" panose="02070309020205020404" pitchFamily="49" charset="0"/>
-                <a:cs typeface="Courier New" panose="02070309020205020404" pitchFamily="49" charset="0"/>
-              </a:rPr>
-              <a:t>sch:rule</a:t>
-            </a:r>
+              <a:t>    else </a:t>
+            </a:r>
+            <a:r>
+              <a:rPr lang="en-GB" b="1" dirty="0" err="1">
+                <a:latin typeface="Courier New" panose="02070309020205020404" pitchFamily="49" charset="0"/>
+                <a:cs typeface="Courier New" panose="02070309020205020404" pitchFamily="49" charset="0"/>
+              </a:rPr>
+              <a:t>eval:rules</a:t>
+            </a:r>
+            <a:r>
+              <a:rPr lang="en-GB" b="1" dirty="0">
+                <a:latin typeface="Courier New" panose="02070309020205020404" pitchFamily="49" charset="0"/>
+                <a:cs typeface="Courier New" panose="02070309020205020404" pitchFamily="49" charset="0"/>
+              </a:rPr>
+              <a:t>(tail($rules), $</a:t>
+            </a:r>
+            <a:r>
+              <a:rPr lang="en-GB" b="1" dirty="0" err="1">
+                <a:latin typeface="Courier New" panose="02070309020205020404" pitchFamily="49" charset="0"/>
+                <a:cs typeface="Courier New" panose="02070309020205020404" pitchFamily="49" charset="0"/>
+              </a:rPr>
+              <a:t>prolog</a:t>
+            </a:r>
+            <a:r>
+              <a:rPr lang="en-GB" b="1" dirty="0">
+                <a:latin typeface="Courier New" panose="02070309020205020404" pitchFamily="49" charset="0"/>
+                <a:cs typeface="Courier New" panose="02070309020205020404" pitchFamily="49" charset="0"/>
+              </a:rPr>
+              <a:t>, $context)</a:t>
+            </a:r>
+          </a:p>
+          <a:p>
+            <a:pPr marL="0" indent="0">
+              <a:buNone/>
+            </a:pPr>
             <a:r>
               <a:rPr lang="en-GB" dirty="0">
                 <a:latin typeface="Courier New" panose="02070309020205020404" pitchFamily="49" charset="0"/>
                 <a:cs typeface="Courier New" panose="02070309020205020404" pitchFamily="49" charset="0"/>
               </a:rPr>
-              <a:t>&gt;</a:t>
-            </a:r>
-          </a:p>
-          <a:p>
-            <a:pPr marL="0" indent="0">
-              <a:buNone/>
-            </a:pPr>
-            <a:endParaRPr lang="en-GB" dirty="0">
-              <a:latin typeface="Courier New" panose="02070309020205020404" pitchFamily="49" charset="0"/>
-              <a:cs typeface="Courier New" panose="02070309020205020404" pitchFamily="49" charset="0"/>
-            </a:endParaRPr>
-          </a:p>
-          <a:p>
-            <a:pPr marL="0" indent="0">
-              <a:buNone/>
-            </a:pPr>
-            <a:r>
-              <a:rPr lang="en-GB" i="1" dirty="0">
-                <a:cs typeface="Courier New" panose="02070309020205020404" pitchFamily="49" charset="0"/>
-              </a:rPr>
-              <a:t>Remedy: </a:t>
-            </a:r>
-            <a:r>
-              <a:rPr lang="en-GB" dirty="0" err="1">
-                <a:latin typeface="Courier New" panose="02070309020205020404" pitchFamily="49" charset="0"/>
-                <a:cs typeface="Courier New" panose="02070309020205020404" pitchFamily="49" charset="0"/>
-              </a:rPr>
-              <a:t>xquery:parse</a:t>
-            </a:r>
-            <a:r>
-              <a:rPr lang="en-GB" dirty="0">
-                <a:latin typeface="Courier New" panose="02070309020205020404" pitchFamily="49" charset="0"/>
-                <a:cs typeface="Courier New" panose="02070309020205020404" pitchFamily="49" charset="0"/>
-              </a:rPr>
-              <a:t>()</a:t>
-            </a:r>
-          </a:p>
-          <a:p>
-            <a:pPr marL="0" indent="0">
-              <a:buNone/>
-            </a:pPr>
-            <a:endParaRPr lang="en-GB" dirty="0">
-              <a:latin typeface="Courier New" panose="02070309020205020404" pitchFamily="49" charset="0"/>
-              <a:cs typeface="Courier New" panose="02070309020205020404" pitchFamily="49" charset="0"/>
-            </a:endParaRPr>
+              <a:t>};</a:t>
+            </a:r>
           </a:p>
         </p:txBody>
       </p:sp>
     </p:spTree>
     <p:extLst>
       <p:ext uri="{BB962C8B-B14F-4D97-AF65-F5344CB8AC3E}">
-        <p14:creationId xmlns:p14="http://schemas.microsoft.com/office/powerpoint/2010/main" val="1223542012"/>
+        <p14:creationId xmlns:p14="http://schemas.microsoft.com/office/powerpoint/2010/main" val="1450008964"/>
       </p:ext>
     </p:extLst>
   </p:cSld>
@@ -11009,7 +10839,7 @@
           <p:cNvPr id="2" name="Title 1">
             <a:extLst>
               <a:ext uri="{FF2B5EF4-FFF2-40B4-BE49-F238E27FC236}">
-                <a16:creationId xmlns:a16="http://schemas.microsoft.com/office/drawing/2014/main" id="{A4AB8F6A-A471-4F21-8E56-5BD78423DDF6}"/>
+                <a16:creationId xmlns:a16="http://schemas.microsoft.com/office/drawing/2014/main" id="{AA8B0EB9-6F49-44E1-89EA-FBBFC96F4CAF}"/>
               </a:ext>
             </a:extLst>
           </p:cNvPr>
@@ -11027,7 +10857,7 @@
           <a:p>
             <a:r>
               <a:rPr lang="en-GB" dirty="0"/>
-              <a:t>Global read lock</a:t>
+              <a:t>Hidden syntax errors</a:t>
             </a:r>
           </a:p>
         </p:txBody>
@@ -11037,7 +10867,7 @@
           <p:cNvPr id="3" name="Content Placeholder 2">
             <a:extLst>
               <a:ext uri="{FF2B5EF4-FFF2-40B4-BE49-F238E27FC236}">
-                <a16:creationId xmlns:a16="http://schemas.microsoft.com/office/drawing/2014/main" id="{B4C353DE-393C-4166-B4D9-06CCFABA6BC9}"/>
+                <a16:creationId xmlns:a16="http://schemas.microsoft.com/office/drawing/2014/main" id="{CEFDA6AB-AA81-462E-9433-90B7BF6DD222}"/>
               </a:ext>
             </a:extLst>
           </p:cNvPr>
@@ -11053,51 +10883,181 @@
           <a:bodyPr/>
           <a:lstStyle/>
           <a:p>
+            <a:pPr marL="0" indent="0">
+              <a:buNone/>
+            </a:pPr>
+            <a:r>
+              <a:rPr lang="en-GB" dirty="0">
+                <a:latin typeface="+mj-lt"/>
+                <a:cs typeface="Courier New" panose="02070309020205020404" pitchFamily="49" charset="0"/>
+              </a:rPr>
+              <a:t>Analogous to interpreted languages:</a:t>
+            </a:r>
+          </a:p>
+          <a:p>
+            <a:pPr marL="0" indent="0">
+              <a:buNone/>
+            </a:pPr>
+            <a:endParaRPr lang="en-GB" dirty="0">
+              <a:latin typeface="Courier New" panose="02070309020205020404" pitchFamily="49" charset="0"/>
+              <a:cs typeface="Courier New" panose="02070309020205020404" pitchFamily="49" charset="0"/>
+            </a:endParaRPr>
+          </a:p>
+          <a:p>
+            <a:pPr marL="0" indent="0">
+              <a:buNone/>
+            </a:pPr>
+            <a:r>
+              <a:rPr lang="en-GB" dirty="0">
+                <a:latin typeface="Courier New" panose="02070309020205020404" pitchFamily="49" charset="0"/>
+                <a:cs typeface="Courier New" panose="02070309020205020404" pitchFamily="49" charset="0"/>
+              </a:rPr>
+              <a:t>&lt;</a:t>
+            </a:r>
             <a:r>
               <a:rPr lang="en-GB" dirty="0" err="1">
                 <a:latin typeface="Courier New" panose="02070309020205020404" pitchFamily="49" charset="0"/>
                 <a:cs typeface="Courier New" panose="02070309020205020404" pitchFamily="49" charset="0"/>
               </a:rPr>
-              <a:t>xquery:eval</a:t>
+              <a:t>sch:rule</a:t>
             </a:r>
             <a:r>
               <a:rPr lang="en-GB" dirty="0">
                 <a:latin typeface="Courier New" panose="02070309020205020404" pitchFamily="49" charset="0"/>
                 <a:cs typeface="Courier New" panose="02070309020205020404" pitchFamily="49" charset="0"/>
               </a:rPr>
+              <a:t> context="/.."&gt;</a:t>
+            </a:r>
+          </a:p>
+          <a:p>
+            <a:pPr marL="0" indent="0">
+              <a:buNone/>
+            </a:pPr>
+            <a:r>
+              <a:rPr lang="en-GB" dirty="0">
+                <a:latin typeface="Courier New" panose="02070309020205020404" pitchFamily="49" charset="0"/>
+                <a:cs typeface="Courier New" panose="02070309020205020404" pitchFamily="49" charset="0"/>
+              </a:rPr>
+              <a:t>    &lt;</a:t>
+            </a:r>
+            <a:r>
+              <a:rPr lang="en-GB" dirty="0" err="1">
+                <a:latin typeface="Courier New" panose="02070309020205020404" pitchFamily="49" charset="0"/>
+                <a:cs typeface="Courier New" panose="02070309020205020404" pitchFamily="49" charset="0"/>
+              </a:rPr>
+              <a:t>sch:report</a:t>
+            </a:r>
+            <a:r>
+              <a:rPr lang="en-GB" dirty="0">
+                <a:latin typeface="Courier New" panose="02070309020205020404" pitchFamily="49" charset="0"/>
+                <a:cs typeface="Courier New" panose="02070309020205020404" pitchFamily="49" charset="0"/>
+              </a:rPr>
+              <a:t> test="</a:t>
+            </a:r>
+            <a:r>
+              <a:rPr lang="en-GB" b="1" dirty="0">
+                <a:latin typeface="Courier New" panose="02070309020205020404" pitchFamily="49" charset="0"/>
+                <a:cs typeface="Courier New" panose="02070309020205020404" pitchFamily="49" charset="0"/>
+              </a:rPr>
+              <a:t>???</a:t>
+            </a:r>
+            <a:r>
+              <a:rPr lang="en-GB" dirty="0">
+                <a:latin typeface="Courier New" panose="02070309020205020404" pitchFamily="49" charset="0"/>
+                <a:cs typeface="Courier New" panose="02070309020205020404" pitchFamily="49" charset="0"/>
+              </a:rPr>
+              <a:t>"&gt;[...]&lt;/</a:t>
+            </a:r>
+            <a:r>
+              <a:rPr lang="en-GB" dirty="0" err="1">
+                <a:latin typeface="Courier New" panose="02070309020205020404" pitchFamily="49" charset="0"/>
+                <a:cs typeface="Courier New" panose="02070309020205020404" pitchFamily="49" charset="0"/>
+              </a:rPr>
+              <a:t>sch:report</a:t>
+            </a:r>
+            <a:r>
+              <a:rPr lang="en-GB" dirty="0">
+                <a:latin typeface="Courier New" panose="02070309020205020404" pitchFamily="49" charset="0"/>
+                <a:cs typeface="Courier New" panose="02070309020205020404" pitchFamily="49" charset="0"/>
+              </a:rPr>
+              <a:t>&gt;</a:t>
+            </a:r>
+          </a:p>
+          <a:p>
+            <a:pPr marL="0" indent="0">
+              <a:buNone/>
+            </a:pPr>
+            <a:r>
+              <a:rPr lang="en-GB" dirty="0">
+                <a:latin typeface="Courier New" panose="02070309020205020404" pitchFamily="49" charset="0"/>
+                <a:cs typeface="Courier New" panose="02070309020205020404" pitchFamily="49" charset="0"/>
+              </a:rPr>
+              <a:t>&lt;/</a:t>
+            </a:r>
+            <a:r>
+              <a:rPr lang="en-GB" dirty="0" err="1">
+                <a:latin typeface="Courier New" panose="02070309020205020404" pitchFamily="49" charset="0"/>
+                <a:cs typeface="Courier New" panose="02070309020205020404" pitchFamily="49" charset="0"/>
+              </a:rPr>
+              <a:t>sch:rule</a:t>
+            </a:r>
+            <a:r>
+              <a:rPr lang="en-GB" dirty="0">
+                <a:latin typeface="Courier New" panose="02070309020205020404" pitchFamily="49" charset="0"/>
+                <a:cs typeface="Courier New" panose="02070309020205020404" pitchFamily="49" charset="0"/>
+              </a:rPr>
+              <a:t>&gt;</a:t>
+            </a:r>
+          </a:p>
+          <a:p>
+            <a:pPr marL="0" indent="0">
+              <a:buNone/>
+            </a:pPr>
+            <a:endParaRPr lang="en-GB" dirty="0">
+              <a:latin typeface="Courier New" panose="02070309020205020404" pitchFamily="49" charset="0"/>
+              <a:cs typeface="Courier New" panose="02070309020205020404" pitchFamily="49" charset="0"/>
+            </a:endParaRPr>
+          </a:p>
+          <a:p>
+            <a:pPr marL="0" indent="0">
+              <a:buNone/>
+            </a:pPr>
+            <a:r>
+              <a:rPr lang="en-GB" i="1" dirty="0">
+                <a:cs typeface="Courier New" panose="02070309020205020404" pitchFamily="49" charset="0"/>
+              </a:rPr>
+              <a:t>Remedy: </a:t>
+            </a:r>
+            <a:r>
+              <a:rPr lang="en-GB" dirty="0" err="1">
+                <a:latin typeface="Courier New" panose="02070309020205020404" pitchFamily="49" charset="0"/>
+                <a:cs typeface="Courier New" panose="02070309020205020404" pitchFamily="49" charset="0"/>
+              </a:rPr>
+              <a:t>xquery:parse</a:t>
+            </a:r>
+            <a:r>
+              <a:rPr lang="en-GB" dirty="0">
+                <a:latin typeface="Courier New" panose="02070309020205020404" pitchFamily="49" charset="0"/>
+                <a:cs typeface="Courier New" panose="02070309020205020404" pitchFamily="49" charset="0"/>
+              </a:rPr>
               <a:t>()</a:t>
             </a:r>
-            <a:r>
-              <a:rPr lang="en-GB" dirty="0"/>
-              <a:t> imposes this</a:t>
-            </a:r>
-          </a:p>
-          <a:p>
-            <a:r>
-              <a:rPr lang="en-GB" dirty="0"/>
-              <a:t>No issue if not using </a:t>
-            </a:r>
-            <a:r>
-              <a:rPr lang="en-GB" dirty="0" err="1"/>
-              <a:t>BaseX</a:t>
-            </a:r>
-            <a:r>
-              <a:rPr lang="en-GB" dirty="0"/>
-              <a:t> as DB</a:t>
-            </a:r>
-          </a:p>
-          <a:p>
-            <a:r>
-              <a:rPr lang="en-GB" dirty="0"/>
-              <a:t>Otherwise: use compiled schema instead</a:t>
-            </a:r>
+          </a:p>
+          <a:p>
+            <a:pPr marL="0" indent="0">
+              <a:buNone/>
+            </a:pPr>
+            <a:endParaRPr lang="en-GB" dirty="0">
+              <a:latin typeface="Courier New" panose="02070309020205020404" pitchFamily="49" charset="0"/>
+              <a:cs typeface="Courier New" panose="02070309020205020404" pitchFamily="49" charset="0"/>
+            </a:endParaRPr>
           </a:p>
         </p:txBody>
       </p:sp>
     </p:spTree>
     <p:extLst>
       <p:ext uri="{BB962C8B-B14F-4D97-AF65-F5344CB8AC3E}">
-        <p14:creationId xmlns:p14="http://schemas.microsoft.com/office/powerpoint/2010/main" val="933325573"/>
+        <p14:creationId xmlns:p14="http://schemas.microsoft.com/office/powerpoint/2010/main" val="1223542012"/>
       </p:ext>
     </p:extLst>
   </p:cSld>
@@ -11129,7 +11089,7 @@
           <p:cNvPr id="2" name="Title 1">
             <a:extLst>
               <a:ext uri="{FF2B5EF4-FFF2-40B4-BE49-F238E27FC236}">
-                <a16:creationId xmlns:a16="http://schemas.microsoft.com/office/drawing/2014/main" id="{FB1659E1-3667-499F-BC3D-31CBAF28E2DA}"/>
+                <a16:creationId xmlns:a16="http://schemas.microsoft.com/office/drawing/2014/main" id="{A4AB8F6A-A471-4F21-8E56-5BD78423DDF6}"/>
               </a:ext>
             </a:extLst>
           </p:cNvPr>
@@ -11147,7 +11107,7 @@
           <a:p>
             <a:r>
               <a:rPr lang="en-GB" dirty="0"/>
-              <a:t>Compile schema</a:t>
+              <a:t>Global read lock</a:t>
             </a:r>
           </a:p>
         </p:txBody>
@@ -11157,7 +11117,7 @@
           <p:cNvPr id="3" name="Content Placeholder 2">
             <a:extLst>
               <a:ext uri="{FF2B5EF4-FFF2-40B4-BE49-F238E27FC236}">
-                <a16:creationId xmlns:a16="http://schemas.microsoft.com/office/drawing/2014/main" id="{AF99FFB9-8252-4ED5-A34D-B00C07FCE9FA}"/>
+                <a16:creationId xmlns:a16="http://schemas.microsoft.com/office/drawing/2014/main" id="{B4C353DE-393C-4166-B4D9-06CCFABA6BC9}"/>
               </a:ext>
             </a:extLst>
           </p:cNvPr>
@@ -11174,32 +11134,28 @@
           <a:lstStyle/>
           <a:p>
             <a:r>
-              <a:rPr lang="en-GB" dirty="0"/>
-              <a:t>Tangible code that can be debugged</a:t>
-            </a:r>
-          </a:p>
-          <a:p>
-            <a:r>
-              <a:rPr lang="en-GB" dirty="0"/>
-              <a:t>Function for each pattern, rule, assertion</a:t>
-            </a:r>
-          </a:p>
-          <a:p>
-            <a:r>
-              <a:rPr lang="en-GB" dirty="0"/>
-              <a:t>Output is XQuery main module</a:t>
-            </a:r>
-          </a:p>
-          <a:p>
-            <a:r>
-              <a:rPr lang="en-GB" dirty="0"/>
-              <a:t>Document or URI as external variable</a:t>
-            </a:r>
-          </a:p>
-          <a:p>
-            <a:r>
-              <a:rPr lang="en-GB" dirty="0"/>
-              <a:t>Runs under </a:t>
+              <a:rPr lang="en-GB" dirty="0" err="1">
+                <a:latin typeface="Courier New" panose="02070309020205020404" pitchFamily="49" charset="0"/>
+                <a:cs typeface="Courier New" panose="02070309020205020404" pitchFamily="49" charset="0"/>
+              </a:rPr>
+              <a:t>xquery:eval</a:t>
+            </a:r>
+            <a:r>
+              <a:rPr lang="en-GB" dirty="0">
+                <a:latin typeface="Courier New" panose="02070309020205020404" pitchFamily="49" charset="0"/>
+                <a:cs typeface="Courier New" panose="02070309020205020404" pitchFamily="49" charset="0"/>
+              </a:rPr>
+              <a:t>()</a:t>
+            </a:r>
+            <a:r>
+              <a:rPr lang="en-GB" dirty="0"/>
+              <a:t> imposes this</a:t>
+            </a:r>
+          </a:p>
+          <a:p>
+            <a:r>
+              <a:rPr lang="en-GB" dirty="0"/>
+              <a:t>No issue if not using </a:t>
             </a:r>
             <a:r>
               <a:rPr lang="en-GB" dirty="0" err="1"/>
@@ -11207,7 +11163,13 @@
             </a:r>
             <a:r>
               <a:rPr lang="en-GB" dirty="0"/>
-              <a:t> and Saxon (et al.?)</a:t>
+              <a:t> as DB</a:t>
+            </a:r>
+          </a:p>
+          <a:p>
+            <a:r>
+              <a:rPr lang="en-GB" dirty="0"/>
+              <a:t>Otherwise: use compiled schema instead</a:t>
             </a:r>
           </a:p>
         </p:txBody>
@@ -11215,7 +11177,7 @@
     </p:spTree>
     <p:extLst>
       <p:ext uri="{BB962C8B-B14F-4D97-AF65-F5344CB8AC3E}">
-        <p14:creationId xmlns:p14="http://schemas.microsoft.com/office/powerpoint/2010/main" val="3964751850"/>
+        <p14:creationId xmlns:p14="http://schemas.microsoft.com/office/powerpoint/2010/main" val="933325573"/>
       </p:ext>
     </p:extLst>
   </p:cSld>
@@ -11247,7 +11209,7 @@
           <p:cNvPr id="2" name="Title 1">
             <a:extLst>
               <a:ext uri="{FF2B5EF4-FFF2-40B4-BE49-F238E27FC236}">
-                <a16:creationId xmlns:a16="http://schemas.microsoft.com/office/drawing/2014/main" id="{F96FCF1B-0D3A-4A80-87A0-C78E472EBA72}"/>
+                <a16:creationId xmlns:a16="http://schemas.microsoft.com/office/drawing/2014/main" id="{FB1659E1-3667-499F-BC3D-31CBAF28E2DA}"/>
               </a:ext>
             </a:extLst>
           </p:cNvPr>
@@ -11265,7 +11227,7 @@
           <a:p>
             <a:r>
               <a:rPr lang="en-GB" dirty="0"/>
-              <a:t>Compile complications</a:t>
+              <a:t>Compile schema</a:t>
             </a:r>
           </a:p>
         </p:txBody>
@@ -11275,7 +11237,7 @@
           <p:cNvPr id="3" name="Content Placeholder 2">
             <a:extLst>
               <a:ext uri="{FF2B5EF4-FFF2-40B4-BE49-F238E27FC236}">
-                <a16:creationId xmlns:a16="http://schemas.microsoft.com/office/drawing/2014/main" id="{D8707E5D-55C2-4D8A-8EAE-4ED38B87597B}"/>
+                <a16:creationId xmlns:a16="http://schemas.microsoft.com/office/drawing/2014/main" id="{AF99FFB9-8252-4ED5-A34D-B00C07FCE9FA}"/>
               </a:ext>
             </a:extLst>
           </p:cNvPr>
@@ -11293,49 +11255,39 @@
           <a:p>
             <a:r>
               <a:rPr lang="en-GB" dirty="0"/>
-              <a:t>Assembled XQuery contains (SVRL) nodes and strings</a:t>
-            </a:r>
-          </a:p>
-          <a:p>
-            <a:pPr marL="0" indent="0">
-              <a:buNone/>
-            </a:pPr>
-            <a:r>
-              <a:rPr lang="en-GB" dirty="0">
-                <a:latin typeface="Courier New" panose="02070309020205020404" pitchFamily="49" charset="0"/>
-                <a:cs typeface="Courier New" panose="02070309020205020404" pitchFamily="49" charset="0"/>
-              </a:rPr>
-              <a:t>=&gt; serialize(map{‘method’:’</a:t>
-            </a:r>
-            <a:r>
-              <a:rPr lang="en-GB" dirty="0" err="1">
-                <a:latin typeface="Courier New" panose="02070309020205020404" pitchFamily="49" charset="0"/>
-                <a:cs typeface="Courier New" panose="02070309020205020404" pitchFamily="49" charset="0"/>
-              </a:rPr>
-              <a:t>basex</a:t>
-            </a:r>
-            <a:r>
-              <a:rPr lang="en-GB" dirty="0">
-                <a:latin typeface="Courier New" panose="02070309020205020404" pitchFamily="49" charset="0"/>
-                <a:cs typeface="Courier New" panose="02070309020205020404" pitchFamily="49" charset="0"/>
-              </a:rPr>
-              <a:t>’})</a:t>
-            </a:r>
-          </a:p>
-          <a:p>
-            <a:r>
-              <a:rPr lang="en-GB" dirty="0"/>
-              <a:t>Internal variables in XQS namespace</a:t>
-            </a:r>
-          </a:p>
-          <a:p>
-            <a:r>
-              <a:rPr lang="en-GB" dirty="0"/>
-              <a:t>Currently compiles </a:t>
-            </a:r>
-            <a:r>
-              <a:rPr lang="en-GB" i="1" dirty="0"/>
-              <a:t>per phase</a:t>
+              <a:t>Tangible code that can be debugged</a:t>
+            </a:r>
+          </a:p>
+          <a:p>
+            <a:r>
+              <a:rPr lang="en-GB" dirty="0"/>
+              <a:t>Function for each pattern, rule, assertion</a:t>
+            </a:r>
+          </a:p>
+          <a:p>
+            <a:r>
+              <a:rPr lang="en-GB" dirty="0"/>
+              <a:t>Output is XQuery main module</a:t>
+            </a:r>
+          </a:p>
+          <a:p>
+            <a:r>
+              <a:rPr lang="en-GB" dirty="0"/>
+              <a:t>Document or URI as external variable</a:t>
+            </a:r>
+          </a:p>
+          <a:p>
+            <a:r>
+              <a:rPr lang="en-GB" dirty="0"/>
+              <a:t>Runs under </a:t>
+            </a:r>
+            <a:r>
+              <a:rPr lang="en-GB" dirty="0" err="1"/>
+              <a:t>BaseX</a:t>
+            </a:r>
+            <a:r>
+              <a:rPr lang="en-GB" dirty="0"/>
+              <a:t> and Saxon (et al.?)</a:t>
             </a:r>
           </a:p>
         </p:txBody>
@@ -11343,7 +11295,7 @@
     </p:spTree>
     <p:extLst>
       <p:ext uri="{BB962C8B-B14F-4D97-AF65-F5344CB8AC3E}">
-        <p14:creationId xmlns:p14="http://schemas.microsoft.com/office/powerpoint/2010/main" val="889574556"/>
+        <p14:creationId xmlns:p14="http://schemas.microsoft.com/office/powerpoint/2010/main" val="3964751850"/>
       </p:ext>
     </p:extLst>
   </p:cSld>
@@ -11375,7 +11327,7 @@
           <p:cNvPr id="2" name="Title 1">
             <a:extLst>
               <a:ext uri="{FF2B5EF4-FFF2-40B4-BE49-F238E27FC236}">
-                <a16:creationId xmlns:a16="http://schemas.microsoft.com/office/drawing/2014/main" id="{5904455B-3142-4F47-92E2-FC5EB907500D}"/>
+                <a16:creationId xmlns:a16="http://schemas.microsoft.com/office/drawing/2014/main" id="{F96FCF1B-0D3A-4A80-87A0-C78E472EBA72}"/>
               </a:ext>
             </a:extLst>
           </p:cNvPr>
@@ -11393,7 +11345,7 @@
           <a:p>
             <a:r>
               <a:rPr lang="en-GB" dirty="0"/>
-              <a:t>Other features</a:t>
+              <a:t>Compile complications</a:t>
             </a:r>
           </a:p>
         </p:txBody>
@@ -11403,7 +11355,7 @@
           <p:cNvPr id="3" name="Content Placeholder 2">
             <a:extLst>
               <a:ext uri="{FF2B5EF4-FFF2-40B4-BE49-F238E27FC236}">
-                <a16:creationId xmlns:a16="http://schemas.microsoft.com/office/drawing/2014/main" id="{5BA4C3DA-DFEC-413C-A7BB-3226D67F3EFD}"/>
+                <a16:creationId xmlns:a16="http://schemas.microsoft.com/office/drawing/2014/main" id="{D8707E5D-55C2-4D8A-8EAE-4ED38B87597B}"/>
               </a:ext>
             </a:extLst>
           </p:cNvPr>
@@ -11421,7 +11373,7 @@
           <a:p>
             <a:r>
               <a:rPr lang="en-GB" dirty="0"/>
-              <a:t>User-defined functions:</a:t>
+              <a:t>Assembled XQuery contains (SVRL) nodes and strings</a:t>
             </a:r>
           </a:p>
           <a:p>
@@ -11429,198 +11381,41 @@
               <a:buNone/>
             </a:pPr>
             <a:r>
-              <a:rPr lang="en-GB" sz="2400" dirty="0">
-                <a:latin typeface="Courier New" panose="02070309020205020404" pitchFamily="49" charset="0"/>
-                <a:cs typeface="Courier New" panose="02070309020205020404" pitchFamily="49" charset="0"/>
-              </a:rPr>
-              <a:t>&lt;function </a:t>
-            </a:r>
-            <a:r>
-              <a:rPr lang="en-GB" sz="2400" dirty="0" err="1">
-                <a:latin typeface="Courier New" panose="02070309020205020404" pitchFamily="49" charset="0"/>
-                <a:cs typeface="Courier New" panose="02070309020205020404" pitchFamily="49" charset="0"/>
-              </a:rPr>
-              <a:t>xmlns</a:t>
-            </a:r>
-            <a:r>
-              <a:rPr lang="en-GB" sz="2400" dirty="0">
-                <a:latin typeface="Courier New" panose="02070309020205020404" pitchFamily="49" charset="0"/>
-                <a:cs typeface="Courier New" panose="02070309020205020404" pitchFamily="49" charset="0"/>
-              </a:rPr>
-              <a:t>='http://www.w3.org/2012/</a:t>
-            </a:r>
-            <a:r>
-              <a:rPr lang="en-GB" sz="2400" dirty="0" err="1">
-                <a:latin typeface="Courier New" panose="02070309020205020404" pitchFamily="49" charset="0"/>
-                <a:cs typeface="Courier New" panose="02070309020205020404" pitchFamily="49" charset="0"/>
-              </a:rPr>
-              <a:t>xquery</a:t>
-            </a:r>
-            <a:r>
-              <a:rPr lang="en-GB" sz="2400" dirty="0">
-                <a:latin typeface="Courier New" panose="02070309020205020404" pitchFamily="49" charset="0"/>
-                <a:cs typeface="Courier New" panose="02070309020205020404" pitchFamily="49" charset="0"/>
-              </a:rPr>
-              <a:t>’&gt;</a:t>
-            </a:r>
-            <a:br>
-              <a:rPr lang="en-GB" sz="2400" dirty="0">
-                <a:latin typeface="Courier New" panose="02070309020205020404" pitchFamily="49" charset="0"/>
-                <a:cs typeface="Courier New" panose="02070309020205020404" pitchFamily="49" charset="0"/>
-              </a:rPr>
-            </a:br>
-            <a:r>
-              <a:rPr lang="en-GB" sz="2400" b="1" dirty="0">
-                <a:latin typeface="Courier New" panose="02070309020205020404" pitchFamily="49" charset="0"/>
-                <a:cs typeface="Courier New" panose="02070309020205020404" pitchFamily="49" charset="0"/>
-              </a:rPr>
-              <a:t>declare function </a:t>
-            </a:r>
-            <a:r>
-              <a:rPr lang="en-GB" sz="2400" b="1" dirty="0" err="1">
-                <a:latin typeface="Courier New" panose="02070309020205020404" pitchFamily="49" charset="0"/>
-                <a:cs typeface="Courier New" panose="02070309020205020404" pitchFamily="49" charset="0"/>
-              </a:rPr>
-              <a:t>myfunc:test</a:t>
-            </a:r>
-            <a:r>
-              <a:rPr lang="en-GB" sz="2400" b="1" dirty="0">
-                <a:latin typeface="Courier New" panose="02070309020205020404" pitchFamily="49" charset="0"/>
-                <a:cs typeface="Courier New" panose="02070309020205020404" pitchFamily="49" charset="0"/>
-              </a:rPr>
-              <a:t>($</a:t>
-            </a:r>
-            <a:r>
-              <a:rPr lang="en-GB" sz="2400" b="1" dirty="0" err="1">
-                <a:latin typeface="Courier New" panose="02070309020205020404" pitchFamily="49" charset="0"/>
-                <a:cs typeface="Courier New" panose="02070309020205020404" pitchFamily="49" charset="0"/>
-              </a:rPr>
-              <a:t>arg</a:t>
-            </a:r>
-            <a:r>
-              <a:rPr lang="en-GB" sz="2400" b="1" dirty="0">
-                <a:latin typeface="Courier New" panose="02070309020205020404" pitchFamily="49" charset="0"/>
-                <a:cs typeface="Courier New" panose="02070309020205020404" pitchFamily="49" charset="0"/>
-              </a:rPr>
-              <a:t> as </a:t>
-            </a:r>
-            <a:r>
-              <a:rPr lang="en-GB" sz="2400" b="1" dirty="0" err="1">
-                <a:latin typeface="Courier New" panose="02070309020205020404" pitchFamily="49" charset="0"/>
-                <a:cs typeface="Courier New" panose="02070309020205020404" pitchFamily="49" charset="0"/>
-              </a:rPr>
-              <a:t>xs:string</a:t>
-            </a:r>
-            <a:r>
-              <a:rPr lang="en-GB" sz="2400" b="1" dirty="0">
-                <a:latin typeface="Courier New" panose="02070309020205020404" pitchFamily="49" charset="0"/>
-                <a:cs typeface="Courier New" panose="02070309020205020404" pitchFamily="49" charset="0"/>
-              </a:rPr>
-              <a:t>) as </a:t>
-            </a:r>
-            <a:r>
-              <a:rPr lang="en-GB" sz="2400" b="1" dirty="0" err="1">
-                <a:latin typeface="Courier New" panose="02070309020205020404" pitchFamily="49" charset="0"/>
-                <a:cs typeface="Courier New" panose="02070309020205020404" pitchFamily="49" charset="0"/>
-              </a:rPr>
-              <a:t>xs:string</a:t>
-            </a:r>
-            <a:r>
-              <a:rPr lang="en-GB" sz="2400" b="1" dirty="0">
-                <a:latin typeface="Courier New" panose="02070309020205020404" pitchFamily="49" charset="0"/>
-                <a:cs typeface="Courier New" panose="02070309020205020404" pitchFamily="49" charset="0"/>
-              </a:rPr>
-              <a:t>{$</a:t>
-            </a:r>
-            <a:r>
-              <a:rPr lang="en-GB" sz="2400" b="1" dirty="0" err="1">
-                <a:latin typeface="Courier New" panose="02070309020205020404" pitchFamily="49" charset="0"/>
-                <a:cs typeface="Courier New" panose="02070309020205020404" pitchFamily="49" charset="0"/>
-              </a:rPr>
-              <a:t>arg</a:t>
-            </a:r>
-            <a:r>
-              <a:rPr lang="en-GB" sz="2400" b="1" dirty="0">
-                <a:latin typeface="Courier New" panose="02070309020205020404" pitchFamily="49" charset="0"/>
-                <a:cs typeface="Courier New" panose="02070309020205020404" pitchFamily="49" charset="0"/>
-              </a:rPr>
-              <a:t>};</a:t>
-            </a:r>
-            <a:r>
-              <a:rPr lang="en-GB" sz="2400" dirty="0">
-                <a:latin typeface="Courier New" panose="02070309020205020404" pitchFamily="49" charset="0"/>
-                <a:cs typeface="Courier New" panose="02070309020205020404" pitchFamily="49" charset="0"/>
-              </a:rPr>
-              <a:t>&lt;/function&gt;</a:t>
-            </a:r>
-          </a:p>
-          <a:p>
-            <a:pPr marL="0" indent="0">
-              <a:buNone/>
-            </a:pPr>
-            <a:endParaRPr lang="en-GB" sz="2400" dirty="0">
-              <a:latin typeface="Courier New" panose="02070309020205020404" pitchFamily="49" charset="0"/>
-              <a:cs typeface="Courier New" panose="02070309020205020404" pitchFamily="49" charset="0"/>
-            </a:endParaRPr>
-          </a:p>
-          <a:p>
-            <a:r>
-              <a:rPr lang="en-GB" dirty="0"/>
-              <a:t>Maps as variables:</a:t>
-            </a:r>
-          </a:p>
-          <a:p>
-            <a:pPr marL="0" indent="0">
-              <a:buNone/>
-            </a:pPr>
-            <a:r>
-              <a:rPr lang="en-GB" sz="2400" dirty="0">
-                <a:latin typeface="Courier New" panose="02070309020205020404" pitchFamily="49" charset="0"/>
-                <a:cs typeface="Courier New" panose="02070309020205020404" pitchFamily="49" charset="0"/>
-              </a:rPr>
-              <a:t>&lt;</a:t>
-            </a:r>
-            <a:r>
-              <a:rPr lang="en-GB" sz="2400" dirty="0" err="1">
-                <a:latin typeface="Courier New" panose="02070309020205020404" pitchFamily="49" charset="0"/>
-                <a:cs typeface="Courier New" panose="02070309020205020404" pitchFamily="49" charset="0"/>
-              </a:rPr>
-              <a:t>sch:let</a:t>
-            </a:r>
-            <a:r>
-              <a:rPr lang="en-GB" sz="2400" dirty="0">
-                <a:latin typeface="Courier New" panose="02070309020205020404" pitchFamily="49" charset="0"/>
-                <a:cs typeface="Courier New" panose="02070309020205020404" pitchFamily="49" charset="0"/>
-              </a:rPr>
-              <a:t> name='foo' value="map{'</a:t>
-            </a:r>
-            <a:r>
-              <a:rPr lang="en-GB" sz="2400" dirty="0" err="1">
-                <a:latin typeface="Courier New" panose="02070309020205020404" pitchFamily="49" charset="0"/>
-                <a:cs typeface="Courier New" panose="02070309020205020404" pitchFamily="49" charset="0"/>
-              </a:rPr>
-              <a:t>foo':'bar</a:t>
-            </a:r>
-            <a:r>
-              <a:rPr lang="en-GB" sz="2400" dirty="0">
-                <a:latin typeface="Courier New" panose="02070309020205020404" pitchFamily="49" charset="0"/>
-                <a:cs typeface="Courier New" panose="02070309020205020404" pitchFamily="49" charset="0"/>
-              </a:rPr>
-              <a:t>'}}" 	</a:t>
-            </a:r>
-            <a:r>
-              <a:rPr lang="en-GB" sz="2400" b="1" dirty="0">
-                <a:latin typeface="Courier New" panose="02070309020205020404" pitchFamily="49" charset="0"/>
-                <a:cs typeface="Courier New" panose="02070309020205020404" pitchFamily="49" charset="0"/>
-              </a:rPr>
-              <a:t>as='map(*)'</a:t>
-            </a:r>
-            <a:r>
-              <a:rPr lang="en-GB" sz="2400" dirty="0">
-                <a:latin typeface="Courier New" panose="02070309020205020404" pitchFamily="49" charset="0"/>
-                <a:cs typeface="Courier New" panose="02070309020205020404" pitchFamily="49" charset="0"/>
-              </a:rPr>
-              <a:t>/&gt;</a:t>
+              <a:rPr lang="en-GB" dirty="0">
+                <a:latin typeface="Courier New" panose="02070309020205020404" pitchFamily="49" charset="0"/>
+                <a:cs typeface="Courier New" panose="02070309020205020404" pitchFamily="49" charset="0"/>
+              </a:rPr>
+              <a:t>=&gt; serialize(map{‘method’:’</a:t>
+            </a:r>
+            <a:r>
+              <a:rPr lang="en-GB" dirty="0" err="1">
+                <a:latin typeface="Courier New" panose="02070309020205020404" pitchFamily="49" charset="0"/>
+                <a:cs typeface="Courier New" panose="02070309020205020404" pitchFamily="49" charset="0"/>
+              </a:rPr>
+              <a:t>basex</a:t>
+            </a:r>
+            <a:r>
+              <a:rPr lang="en-GB" dirty="0">
+                <a:latin typeface="Courier New" panose="02070309020205020404" pitchFamily="49" charset="0"/>
+                <a:cs typeface="Courier New" panose="02070309020205020404" pitchFamily="49" charset="0"/>
+              </a:rPr>
+              <a:t>’})</a:t>
+            </a:r>
+          </a:p>
+          <a:p>
+            <a:r>
+              <a:rPr lang="en-GB" dirty="0"/>
+              <a:t>Internal variables in XQS namespace</a:t>
+            </a:r>
+          </a:p>
+          <a:p>
+            <a:r>
+              <a:rPr lang="en-GB" dirty="0"/>
+              <a:t>Currently compiles </a:t>
+            </a:r>
+            <a:r>
+              <a:rPr lang="en-GB" i="1" dirty="0"/>
+              <a:t>per phase</a:t>
             </a:r>
           </a:p>
         </p:txBody>
@@ -11628,7 +11423,7 @@
     </p:spTree>
     <p:extLst>
       <p:ext uri="{BB962C8B-B14F-4D97-AF65-F5344CB8AC3E}">
-        <p14:creationId xmlns:p14="http://schemas.microsoft.com/office/powerpoint/2010/main" val="1966342733"/>
+        <p14:creationId xmlns:p14="http://schemas.microsoft.com/office/powerpoint/2010/main" val="889574556"/>
       </p:ext>
     </p:extLst>
   </p:cSld>
@@ -11660,7 +11455,7 @@
           <p:cNvPr id="2" name="Title 1">
             <a:extLst>
               <a:ext uri="{FF2B5EF4-FFF2-40B4-BE49-F238E27FC236}">
-                <a16:creationId xmlns:a16="http://schemas.microsoft.com/office/drawing/2014/main" id="{6775A2C5-0F9E-4A8E-B122-59CE8682FDCF}"/>
+                <a16:creationId xmlns:a16="http://schemas.microsoft.com/office/drawing/2014/main" id="{5904455B-3142-4F47-92E2-FC5EB907500D}"/>
               </a:ext>
             </a:extLst>
           </p:cNvPr>
@@ -11678,7 +11473,7 @@
           <a:p>
             <a:r>
               <a:rPr lang="en-GB" dirty="0"/>
-              <a:t>Caveats</a:t>
+              <a:t>Other features</a:t>
             </a:r>
           </a:p>
         </p:txBody>
@@ -11688,7 +11483,7 @@
           <p:cNvPr id="3" name="Content Placeholder 2">
             <a:extLst>
               <a:ext uri="{FF2B5EF4-FFF2-40B4-BE49-F238E27FC236}">
-                <a16:creationId xmlns:a16="http://schemas.microsoft.com/office/drawing/2014/main" id="{3C3FBDD6-99E9-4118-909C-CF9C85026BBE}"/>
+                <a16:creationId xmlns:a16="http://schemas.microsoft.com/office/drawing/2014/main" id="{5BA4C3DA-DFEC-413C-A7BB-3226D67F3EFD}"/>
               </a:ext>
             </a:extLst>
           </p:cNvPr>
@@ -11706,60 +11501,214 @@
           <a:p>
             <a:r>
               <a:rPr lang="en-GB" dirty="0"/>
-              <a:t>Expansion &amp; inclusion deferred</a:t>
-            </a:r>
-          </a:p>
-          <a:p>
-            <a:pPr lvl="1"/>
-            <a:r>
-              <a:rPr lang="en-GB" dirty="0"/>
-              <a:t>BUT </a:t>
-            </a:r>
-            <a:r>
-              <a:rPr lang="en-GB" i="1" dirty="0"/>
-              <a:t>dynamic evaluation</a:t>
-            </a:r>
-            <a:r>
-              <a:rPr lang="en-GB" dirty="0"/>
-              <a:t> as well as compilation</a:t>
-            </a:r>
-          </a:p>
-          <a:p>
-            <a:r>
-              <a:rPr lang="en-GB" dirty="0"/>
-              <a:t>Reliant on </a:t>
-            </a:r>
-            <a:r>
-              <a:rPr lang="en-GB" dirty="0" err="1"/>
-              <a:t>BaseX</a:t>
-            </a:r>
-            <a:endParaRPr lang="en-GB" dirty="0"/>
-          </a:p>
-          <a:p>
-            <a:pPr lvl="1"/>
-            <a:r>
-              <a:rPr lang="en-GB" dirty="0"/>
-              <a:t>BUT compiled schemas (should be) portable</a:t>
-            </a:r>
-          </a:p>
-          <a:p>
-            <a:pPr lvl="1"/>
-            <a:r>
-              <a:rPr lang="en-GB" dirty="0"/>
-              <a:t>No need to store documents in </a:t>
-            </a:r>
-            <a:r>
-              <a:rPr lang="en-GB" dirty="0" err="1"/>
-              <a:t>BaseX</a:t>
-            </a:r>
-            <a:endParaRPr lang="en-GB" dirty="0"/>
+              <a:t>User-defined functions:</a:t>
+            </a:r>
+          </a:p>
+          <a:p>
+            <a:pPr marL="0" indent="0">
+              <a:buNone/>
+            </a:pPr>
+            <a:r>
+              <a:rPr lang="en-GB" sz="2400" dirty="0">
+                <a:latin typeface="Courier New" panose="02070309020205020404" pitchFamily="49" charset="0"/>
+                <a:cs typeface="Courier New" panose="02070309020205020404" pitchFamily="49" charset="0"/>
+              </a:rPr>
+              <a:t>&lt;function </a:t>
+            </a:r>
+            <a:r>
+              <a:rPr lang="en-GB" sz="2400" dirty="0" err="1">
+                <a:latin typeface="Courier New" panose="02070309020205020404" pitchFamily="49" charset="0"/>
+                <a:cs typeface="Courier New" panose="02070309020205020404" pitchFamily="49" charset="0"/>
+              </a:rPr>
+              <a:t>xmlns</a:t>
+            </a:r>
+            <a:r>
+              <a:rPr lang="en-GB" sz="2400" dirty="0">
+                <a:latin typeface="Courier New" panose="02070309020205020404" pitchFamily="49" charset="0"/>
+                <a:cs typeface="Courier New" panose="02070309020205020404" pitchFamily="49" charset="0"/>
+              </a:rPr>
+              <a:t>='http://www.w3.org/2012/</a:t>
+            </a:r>
+            <a:r>
+              <a:rPr lang="en-GB" sz="2400" dirty="0" err="1">
+                <a:latin typeface="Courier New" panose="02070309020205020404" pitchFamily="49" charset="0"/>
+                <a:cs typeface="Courier New" panose="02070309020205020404" pitchFamily="49" charset="0"/>
+              </a:rPr>
+              <a:t>xquery</a:t>
+            </a:r>
+            <a:r>
+              <a:rPr lang="en-GB" sz="2400" dirty="0">
+                <a:latin typeface="Courier New" panose="02070309020205020404" pitchFamily="49" charset="0"/>
+                <a:cs typeface="Courier New" panose="02070309020205020404" pitchFamily="49" charset="0"/>
+              </a:rPr>
+              <a:t>’&gt;</a:t>
+            </a:r>
+            <a:br>
+              <a:rPr lang="en-GB" sz="2400" dirty="0">
+                <a:latin typeface="Courier New" panose="02070309020205020404" pitchFamily="49" charset="0"/>
+                <a:cs typeface="Courier New" panose="02070309020205020404" pitchFamily="49" charset="0"/>
+              </a:rPr>
+            </a:br>
+            <a:r>
+              <a:rPr lang="en-GB" sz="2400" b="1" dirty="0">
+                <a:latin typeface="Courier New" panose="02070309020205020404" pitchFamily="49" charset="0"/>
+                <a:cs typeface="Courier New" panose="02070309020205020404" pitchFamily="49" charset="0"/>
+              </a:rPr>
+              <a:t>declare function </a:t>
+            </a:r>
+            <a:r>
+              <a:rPr lang="en-GB" sz="2400" b="1" dirty="0" err="1">
+                <a:latin typeface="Courier New" panose="02070309020205020404" pitchFamily="49" charset="0"/>
+                <a:cs typeface="Courier New" panose="02070309020205020404" pitchFamily="49" charset="0"/>
+              </a:rPr>
+              <a:t>myfunc:test</a:t>
+            </a:r>
+            <a:r>
+              <a:rPr lang="en-GB" sz="2400" b="1" dirty="0">
+                <a:latin typeface="Courier New" panose="02070309020205020404" pitchFamily="49" charset="0"/>
+                <a:cs typeface="Courier New" panose="02070309020205020404" pitchFamily="49" charset="0"/>
+              </a:rPr>
+              <a:t>($</a:t>
+            </a:r>
+            <a:r>
+              <a:rPr lang="en-GB" sz="2400" b="1" dirty="0" err="1">
+                <a:latin typeface="Courier New" panose="02070309020205020404" pitchFamily="49" charset="0"/>
+                <a:cs typeface="Courier New" panose="02070309020205020404" pitchFamily="49" charset="0"/>
+              </a:rPr>
+              <a:t>arg</a:t>
+            </a:r>
+            <a:r>
+              <a:rPr lang="en-GB" sz="2400" b="1" dirty="0">
+                <a:latin typeface="Courier New" panose="02070309020205020404" pitchFamily="49" charset="0"/>
+                <a:cs typeface="Courier New" panose="02070309020205020404" pitchFamily="49" charset="0"/>
+              </a:rPr>
+              <a:t> as </a:t>
+            </a:r>
+            <a:r>
+              <a:rPr lang="en-GB" sz="2400" b="1" dirty="0" err="1">
+                <a:latin typeface="Courier New" panose="02070309020205020404" pitchFamily="49" charset="0"/>
+                <a:cs typeface="Courier New" panose="02070309020205020404" pitchFamily="49" charset="0"/>
+              </a:rPr>
+              <a:t>xs:string</a:t>
+            </a:r>
+            <a:r>
+              <a:rPr lang="en-GB" sz="2400" b="1" dirty="0">
+                <a:latin typeface="Courier New" panose="02070309020205020404" pitchFamily="49" charset="0"/>
+                <a:cs typeface="Courier New" panose="02070309020205020404" pitchFamily="49" charset="0"/>
+              </a:rPr>
+              <a:t>) as </a:t>
+            </a:r>
+            <a:r>
+              <a:rPr lang="en-GB" sz="2400" b="1" dirty="0" err="1">
+                <a:latin typeface="Courier New" panose="02070309020205020404" pitchFamily="49" charset="0"/>
+                <a:cs typeface="Courier New" panose="02070309020205020404" pitchFamily="49" charset="0"/>
+              </a:rPr>
+              <a:t>xs:string</a:t>
+            </a:r>
+            <a:r>
+              <a:rPr lang="en-GB" sz="2400" b="1" dirty="0">
+                <a:latin typeface="Courier New" panose="02070309020205020404" pitchFamily="49" charset="0"/>
+                <a:cs typeface="Courier New" panose="02070309020205020404" pitchFamily="49" charset="0"/>
+              </a:rPr>
+              <a:t>{$</a:t>
+            </a:r>
+            <a:r>
+              <a:rPr lang="en-GB" sz="2400" b="1" dirty="0" err="1">
+                <a:latin typeface="Courier New" panose="02070309020205020404" pitchFamily="49" charset="0"/>
+                <a:cs typeface="Courier New" panose="02070309020205020404" pitchFamily="49" charset="0"/>
+              </a:rPr>
+              <a:t>arg</a:t>
+            </a:r>
+            <a:r>
+              <a:rPr lang="en-GB" sz="2400" b="1" dirty="0">
+                <a:latin typeface="Courier New" panose="02070309020205020404" pitchFamily="49" charset="0"/>
+                <a:cs typeface="Courier New" panose="02070309020205020404" pitchFamily="49" charset="0"/>
+              </a:rPr>
+              <a:t>};</a:t>
+            </a:r>
+            <a:r>
+              <a:rPr lang="en-GB" sz="2400" dirty="0">
+                <a:latin typeface="Courier New" panose="02070309020205020404" pitchFamily="49" charset="0"/>
+                <a:cs typeface="Courier New" panose="02070309020205020404" pitchFamily="49" charset="0"/>
+              </a:rPr>
+              <a:t>&lt;/function&gt;</a:t>
+            </a:r>
+          </a:p>
+          <a:p>
+            <a:pPr marL="0" indent="0">
+              <a:buNone/>
+            </a:pPr>
+            <a:endParaRPr lang="en-GB" sz="2400" dirty="0">
+              <a:latin typeface="Courier New" panose="02070309020205020404" pitchFamily="49" charset="0"/>
+              <a:cs typeface="Courier New" panose="02070309020205020404" pitchFamily="49" charset="0"/>
+            </a:endParaRPr>
+          </a:p>
+          <a:p>
+            <a:r>
+              <a:rPr lang="en-GB" dirty="0"/>
+              <a:t>Maps as variables:</a:t>
+            </a:r>
+          </a:p>
+          <a:p>
+            <a:pPr marL="0" indent="0">
+              <a:buNone/>
+            </a:pPr>
+            <a:r>
+              <a:rPr lang="en-GB" sz="2400" dirty="0">
+                <a:latin typeface="Courier New" panose="02070309020205020404" pitchFamily="49" charset="0"/>
+                <a:cs typeface="Courier New" panose="02070309020205020404" pitchFamily="49" charset="0"/>
+              </a:rPr>
+              <a:t>&lt;</a:t>
+            </a:r>
+            <a:r>
+              <a:rPr lang="en-GB" sz="2400" dirty="0" err="1">
+                <a:latin typeface="Courier New" panose="02070309020205020404" pitchFamily="49" charset="0"/>
+                <a:cs typeface="Courier New" panose="02070309020205020404" pitchFamily="49" charset="0"/>
+              </a:rPr>
+              <a:t>sch:let</a:t>
+            </a:r>
+            <a:r>
+              <a:rPr lang="en-GB" sz="2400" dirty="0">
+                <a:latin typeface="Courier New" panose="02070309020205020404" pitchFamily="49" charset="0"/>
+                <a:cs typeface="Courier New" panose="02070309020205020404" pitchFamily="49" charset="0"/>
+              </a:rPr>
+              <a:t> name='foo' value="map{'</a:t>
+            </a:r>
+            <a:r>
+              <a:rPr lang="en-GB" sz="2400" dirty="0" err="1">
+                <a:latin typeface="Courier New" panose="02070309020205020404" pitchFamily="49" charset="0"/>
+                <a:cs typeface="Courier New" panose="02070309020205020404" pitchFamily="49" charset="0"/>
+              </a:rPr>
+              <a:t>foo':'bar</a:t>
+            </a:r>
+            <a:r>
+              <a:rPr lang="en-GB" sz="2400" dirty="0">
+                <a:latin typeface="Courier New" panose="02070309020205020404" pitchFamily="49" charset="0"/>
+                <a:cs typeface="Courier New" panose="02070309020205020404" pitchFamily="49" charset="0"/>
+              </a:rPr>
+              <a:t>'}}" 	</a:t>
+            </a:r>
+            <a:r>
+              <a:rPr lang="en-GB" sz="2400" b="1" dirty="0">
+                <a:latin typeface="Courier New" panose="02070309020205020404" pitchFamily="49" charset="0"/>
+                <a:cs typeface="Courier New" panose="02070309020205020404" pitchFamily="49" charset="0"/>
+              </a:rPr>
+              <a:t>as='map(*)'</a:t>
+            </a:r>
+            <a:r>
+              <a:rPr lang="en-GB" sz="2400" dirty="0">
+                <a:latin typeface="Courier New" panose="02070309020205020404" pitchFamily="49" charset="0"/>
+                <a:cs typeface="Courier New" panose="02070309020205020404" pitchFamily="49" charset="0"/>
+              </a:rPr>
+              <a:t>/&gt;</a:t>
+            </a:r>
           </a:p>
         </p:txBody>
       </p:sp>
     </p:spTree>
     <p:extLst>
       <p:ext uri="{BB962C8B-B14F-4D97-AF65-F5344CB8AC3E}">
-        <p14:creationId xmlns:p14="http://schemas.microsoft.com/office/powerpoint/2010/main" val="1039456742"/>
+        <p14:creationId xmlns:p14="http://schemas.microsoft.com/office/powerpoint/2010/main" val="1966342733"/>
       </p:ext>
     </p:extLst>
   </p:cSld>
@@ -11770,7 +11719,7 @@
 </file>
 
 <file path=ppt/slides/slide3.xml><?xml version="1.0" encoding="utf-8"?>
-<p:sld xmlns:a="http://schemas.openxmlformats.org/drawingml/2006/main" xmlns:r="http://schemas.openxmlformats.org/officeDocument/2006/relationships" xmlns:p="http://schemas.openxmlformats.org/presentationml/2006/main">
+<p:sld xmlns:a="http://schemas.openxmlformats.org/drawingml/2006/main" xmlns:r="http://schemas.openxmlformats.org/officeDocument/2006/relationships" xmlns:p="http://schemas.openxmlformats.org/presentationml/2006/main" show="0">
   <p:cSld>
     <p:spTree>
       <p:nvGrpSpPr>
@@ -11791,7 +11740,7 @@
           <p:cNvPr id="2" name="Title 1">
             <a:extLst>
               <a:ext uri="{FF2B5EF4-FFF2-40B4-BE49-F238E27FC236}">
-                <a16:creationId xmlns:a16="http://schemas.microsoft.com/office/drawing/2014/main" id="{2445436C-6011-42E9-98AC-CEA1EDBE1D1B}"/>
+                <a16:creationId xmlns:a16="http://schemas.microsoft.com/office/drawing/2014/main" id="{784B8410-C00C-4672-BBB7-2BBC71FCE1E3}"/>
               </a:ext>
             </a:extLst>
           </p:cNvPr>
@@ -11809,7 +11758,7 @@
           <a:p>
             <a:r>
               <a:rPr lang="en-GB" dirty="0"/>
-              <a:t>About me</a:t>
+              <a:t>Agenda(?)</a:t>
             </a:r>
           </a:p>
         </p:txBody>
@@ -11819,7 +11768,7 @@
           <p:cNvPr id="3" name="Content Placeholder 2">
             <a:extLst>
               <a:ext uri="{FF2B5EF4-FFF2-40B4-BE49-F238E27FC236}">
-                <a16:creationId xmlns:a16="http://schemas.microsoft.com/office/drawing/2014/main" id="{12D5AB50-1D19-46BB-86AA-778CC5B5EDB5}"/>
+                <a16:creationId xmlns:a16="http://schemas.microsoft.com/office/drawing/2014/main" id="{63E9798D-91A3-4B18-902F-7250FD444FFC}"/>
               </a:ext>
             </a:extLst>
           </p:cNvPr>
@@ -11837,19 +11786,25 @@
           <a:p>
             <a:r>
               <a:rPr lang="en-GB" dirty="0"/>
-              <a:t>Project editor, ISO/IEC 19757-3</a:t>
-            </a:r>
-          </a:p>
-          <a:p>
-            <a:r>
-              <a:rPr lang="en-GB" dirty="0"/>
-              <a:t>Convenor, ISO/IEC JTC 1/SC 34/WG 10</a:t>
-            </a:r>
-          </a:p>
-          <a:p>
-            <a:r>
-              <a:rPr lang="en-GB" dirty="0"/>
-              <a:t>Work at publisher based in London</a:t>
+              <a:t>What it is</a:t>
+            </a:r>
+          </a:p>
+          <a:p>
+            <a:r>
+              <a:rPr lang="en-GB" dirty="0"/>
+              <a:t>Why do it</a:t>
+            </a:r>
+          </a:p>
+          <a:p>
+            <a:r>
+              <a:rPr lang="en-GB" dirty="0"/>
+              <a:t>Design goals</a:t>
+            </a:r>
+          </a:p>
+          <a:p>
+            <a:r>
+              <a:rPr lang="en-GB" dirty="0"/>
+              <a:t>[…]</a:t>
             </a:r>
           </a:p>
         </p:txBody>
@@ -11857,7 +11812,7 @@
     </p:spTree>
     <p:extLst>
       <p:ext uri="{BB962C8B-B14F-4D97-AF65-F5344CB8AC3E}">
-        <p14:creationId xmlns:p14="http://schemas.microsoft.com/office/powerpoint/2010/main" val="1778811556"/>
+        <p14:creationId xmlns:p14="http://schemas.microsoft.com/office/powerpoint/2010/main" val="822120073"/>
       </p:ext>
     </p:extLst>
   </p:cSld>
@@ -11889,7 +11844,7 @@
           <p:cNvPr id="2" name="Title 1">
             <a:extLst>
               <a:ext uri="{FF2B5EF4-FFF2-40B4-BE49-F238E27FC236}">
-                <a16:creationId xmlns:a16="http://schemas.microsoft.com/office/drawing/2014/main" id="{CFC0DFF2-8874-4DE0-AC5D-C5EFB1E0DD88}"/>
+                <a16:creationId xmlns:a16="http://schemas.microsoft.com/office/drawing/2014/main" id="{6775A2C5-0F9E-4A8E-B122-59CE8682FDCF}"/>
               </a:ext>
             </a:extLst>
           </p:cNvPr>
@@ -11907,7 +11862,7 @@
           <a:p>
             <a:r>
               <a:rPr lang="en-GB" dirty="0"/>
-              <a:t>Lessons learned</a:t>
+              <a:t>Caveats</a:t>
             </a:r>
           </a:p>
         </p:txBody>
@@ -11917,7 +11872,7 @@
           <p:cNvPr id="3" name="Content Placeholder 2">
             <a:extLst>
               <a:ext uri="{FF2B5EF4-FFF2-40B4-BE49-F238E27FC236}">
-                <a16:creationId xmlns:a16="http://schemas.microsoft.com/office/drawing/2014/main" id="{AC7CBF8B-EFF1-493E-BA47-16B781096507}"/>
+                <a16:creationId xmlns:a16="http://schemas.microsoft.com/office/drawing/2014/main" id="{3C3FBDD6-99E9-4118-909C-CF9C85026BBE}"/>
               </a:ext>
             </a:extLst>
           </p:cNvPr>
@@ -11928,43 +11883,59 @@
             <p:ph idx="1"/>
           </p:nvPr>
         </p:nvSpPr>
-        <p:spPr>
-          <a:xfrm>
-            <a:off x="838200" y="1855121"/>
-            <a:ext cx="10515600" cy="4351338"/>
-          </a:xfrm>
-        </p:spPr>
-        <p:txBody>
-          <a:bodyPr/>
-          <a:lstStyle/>
-          <a:p>
-            <a:r>
-              <a:rPr lang="en-GB" dirty="0"/>
-              <a:t>Start with compiling</a:t>
-            </a:r>
-          </a:p>
-          <a:p>
-            <a:r>
-              <a:rPr lang="en-GB" dirty="0"/>
-              <a:t>More work to maintain two methods and keep in sync</a:t>
-            </a:r>
-          </a:p>
-          <a:p>
-            <a:r>
-              <a:rPr lang="en-GB" dirty="0"/>
-              <a:t>Unit tests essentially the same for both</a:t>
-            </a:r>
-          </a:p>
-          <a:p>
-            <a:r>
-              <a:rPr lang="en-GB" dirty="0"/>
-              <a:t>Never try to write a paper at the same time as helping to organise a conference…</a:t>
-            </a:r>
-          </a:p>
-          <a:p>
+        <p:spPr/>
+        <p:txBody>
+          <a:bodyPr/>
+          <a:lstStyle/>
+          <a:p>
+            <a:r>
+              <a:rPr lang="en-GB" dirty="0"/>
+              <a:t>Expansion &amp; inclusion deferred</a:t>
+            </a:r>
+          </a:p>
+          <a:p>
+            <a:pPr lvl="1"/>
+            <a:r>
+              <a:rPr lang="en-GB" dirty="0"/>
+              <a:t>BUT </a:t>
+            </a:r>
+            <a:r>
+              <a:rPr lang="en-GB" i="1" dirty="0"/>
+              <a:t>dynamic evaluation</a:t>
+            </a:r>
+            <a:r>
+              <a:rPr lang="en-GB" dirty="0"/>
+              <a:t> as well as compilation</a:t>
+            </a:r>
+          </a:p>
+          <a:p>
+            <a:r>
+              <a:rPr lang="en-GB" dirty="0"/>
+              <a:t>Reliant on </a:t>
+            </a:r>
+            <a:r>
+              <a:rPr lang="en-GB" dirty="0" err="1"/>
+              <a:t>BaseX</a:t>
+            </a:r>
             <a:endParaRPr lang="en-GB" dirty="0"/>
           </a:p>
           <a:p>
+            <a:pPr lvl="1"/>
+            <a:r>
+              <a:rPr lang="en-GB" dirty="0"/>
+              <a:t>BUT compiled schemas (should be) portable</a:t>
+            </a:r>
+          </a:p>
+          <a:p>
+            <a:pPr lvl="1"/>
+            <a:r>
+              <a:rPr lang="en-GB" dirty="0"/>
+              <a:t>No need to store documents in </a:t>
+            </a:r>
+            <a:r>
+              <a:rPr lang="en-GB" dirty="0" err="1"/>
+              <a:t>BaseX</a:t>
+            </a:r>
             <a:endParaRPr lang="en-GB" dirty="0"/>
           </a:p>
         </p:txBody>
@@ -11972,7 +11943,7 @@
     </p:spTree>
     <p:extLst>
       <p:ext uri="{BB962C8B-B14F-4D97-AF65-F5344CB8AC3E}">
-        <p14:creationId xmlns:p14="http://schemas.microsoft.com/office/powerpoint/2010/main" val="1538454055"/>
+        <p14:creationId xmlns:p14="http://schemas.microsoft.com/office/powerpoint/2010/main" val="1039456742"/>
       </p:ext>
     </p:extLst>
   </p:cSld>
@@ -12004,7 +11975,7 @@
           <p:cNvPr id="2" name="Title 1">
             <a:extLst>
               <a:ext uri="{FF2B5EF4-FFF2-40B4-BE49-F238E27FC236}">
-                <a16:creationId xmlns:a16="http://schemas.microsoft.com/office/drawing/2014/main" id="{33E997F2-0690-46D5-BE9F-606F0618A286}"/>
+                <a16:creationId xmlns:a16="http://schemas.microsoft.com/office/drawing/2014/main" id="{CFC0DFF2-8874-4DE0-AC5D-C5EFB1E0DD88}"/>
               </a:ext>
             </a:extLst>
           </p:cNvPr>
@@ -12022,7 +11993,7 @@
           <a:p>
             <a:r>
               <a:rPr lang="en-GB" dirty="0"/>
-              <a:t>Learnings for XQuery QLB?</a:t>
+              <a:t>Lessons learned</a:t>
             </a:r>
           </a:p>
         </p:txBody>
@@ -12032,7 +12003,7 @@
           <p:cNvPr id="3" name="Content Placeholder 2">
             <a:extLst>
               <a:ext uri="{FF2B5EF4-FFF2-40B4-BE49-F238E27FC236}">
-                <a16:creationId xmlns:a16="http://schemas.microsoft.com/office/drawing/2014/main" id="{BA5C291A-766A-4484-AE8F-CDDA0DE3CF0C}"/>
+                <a16:creationId xmlns:a16="http://schemas.microsoft.com/office/drawing/2014/main" id="{AC7CBF8B-EFF1-493E-BA47-16B781096507}"/>
               </a:ext>
             </a:extLst>
           </p:cNvPr>
@@ -12043,39 +12014,41 @@
             <p:ph idx="1"/>
           </p:nvPr>
         </p:nvSpPr>
-        <p:spPr/>
-        <p:txBody>
-          <a:bodyPr/>
-          <a:lstStyle/>
-          <a:p>
-            <a:r>
-              <a:rPr lang="en-GB" dirty="0"/>
-              <a:t>Multiple docs as input?</a:t>
-            </a:r>
-          </a:p>
-          <a:p>
-            <a:r>
-              <a:rPr lang="en-GB" dirty="0"/>
-              <a:t>Specification of rule context</a:t>
-            </a:r>
-          </a:p>
-          <a:p>
-            <a:r>
-              <a:rPr lang="en-GB" dirty="0"/>
-              <a:t>Typed variables, generally</a:t>
-            </a:r>
-          </a:p>
-          <a:p>
-            <a:r>
-              <a:rPr lang="en-GB" dirty="0"/>
-              <a:t>User-defined functions</a:t>
-            </a:r>
-          </a:p>
-          <a:p>
-            <a:r>
-              <a:rPr lang="en-GB" dirty="0"/>
-              <a:t>Maps, arrays, anon functions as variables</a:t>
-            </a:r>
+        <p:spPr>
+          <a:xfrm>
+            <a:off x="838200" y="1855121"/>
+            <a:ext cx="10515600" cy="4351338"/>
+          </a:xfrm>
+        </p:spPr>
+        <p:txBody>
+          <a:bodyPr/>
+          <a:lstStyle/>
+          <a:p>
+            <a:r>
+              <a:rPr lang="en-GB" dirty="0"/>
+              <a:t>Start with compiling</a:t>
+            </a:r>
+          </a:p>
+          <a:p>
+            <a:r>
+              <a:rPr lang="en-GB" dirty="0"/>
+              <a:t>More work to maintain two methods and keep in sync</a:t>
+            </a:r>
+          </a:p>
+          <a:p>
+            <a:r>
+              <a:rPr lang="en-GB" dirty="0"/>
+              <a:t>Unit tests essentially the same for both</a:t>
+            </a:r>
+          </a:p>
+          <a:p>
+            <a:r>
+              <a:rPr lang="en-GB" dirty="0"/>
+              <a:t>Never try to write a paper at the same time as helping to organise a conference…</a:t>
+            </a:r>
+          </a:p>
+          <a:p>
+            <a:endParaRPr lang="en-GB" dirty="0"/>
           </a:p>
           <a:p>
             <a:endParaRPr lang="en-GB" dirty="0"/>
@@ -12085,7 +12058,7 @@
     </p:spTree>
     <p:extLst>
       <p:ext uri="{BB962C8B-B14F-4D97-AF65-F5344CB8AC3E}">
-        <p14:creationId xmlns:p14="http://schemas.microsoft.com/office/powerpoint/2010/main" val="3365200930"/>
+        <p14:creationId xmlns:p14="http://schemas.microsoft.com/office/powerpoint/2010/main" val="1538454055"/>
       </p:ext>
     </p:extLst>
   </p:cSld>
@@ -12117,6 +12090,119 @@
           <p:cNvPr id="2" name="Title 1">
             <a:extLst>
               <a:ext uri="{FF2B5EF4-FFF2-40B4-BE49-F238E27FC236}">
+                <a16:creationId xmlns:a16="http://schemas.microsoft.com/office/drawing/2014/main" id="{33E997F2-0690-46D5-BE9F-606F0618A286}"/>
+              </a:ext>
+            </a:extLst>
+          </p:cNvPr>
+          <p:cNvSpPr>
+            <a:spLocks noGrp="1"/>
+          </p:cNvSpPr>
+          <p:nvPr>
+            <p:ph type="title"/>
+          </p:nvPr>
+        </p:nvSpPr>
+        <p:spPr/>
+        <p:txBody>
+          <a:bodyPr/>
+          <a:lstStyle/>
+          <a:p>
+            <a:r>
+              <a:rPr lang="en-GB" dirty="0"/>
+              <a:t>Learnings for XQuery QLB?</a:t>
+            </a:r>
+          </a:p>
+        </p:txBody>
+      </p:sp>
+      <p:sp>
+        <p:nvSpPr>
+          <p:cNvPr id="3" name="Content Placeholder 2">
+            <a:extLst>
+              <a:ext uri="{FF2B5EF4-FFF2-40B4-BE49-F238E27FC236}">
+                <a16:creationId xmlns:a16="http://schemas.microsoft.com/office/drawing/2014/main" id="{BA5C291A-766A-4484-AE8F-CDDA0DE3CF0C}"/>
+              </a:ext>
+            </a:extLst>
+          </p:cNvPr>
+          <p:cNvSpPr>
+            <a:spLocks noGrp="1"/>
+          </p:cNvSpPr>
+          <p:nvPr>
+            <p:ph idx="1"/>
+          </p:nvPr>
+        </p:nvSpPr>
+        <p:spPr/>
+        <p:txBody>
+          <a:bodyPr/>
+          <a:lstStyle/>
+          <a:p>
+            <a:r>
+              <a:rPr lang="en-GB" dirty="0"/>
+              <a:t>Multiple docs as input?</a:t>
+            </a:r>
+          </a:p>
+          <a:p>
+            <a:r>
+              <a:rPr lang="en-GB" dirty="0"/>
+              <a:t>Specification of rule context</a:t>
+            </a:r>
+          </a:p>
+          <a:p>
+            <a:r>
+              <a:rPr lang="en-GB" dirty="0"/>
+              <a:t>Typed variables, generally</a:t>
+            </a:r>
+          </a:p>
+          <a:p>
+            <a:r>
+              <a:rPr lang="en-GB" dirty="0"/>
+              <a:t>User-defined functions</a:t>
+            </a:r>
+          </a:p>
+          <a:p>
+            <a:r>
+              <a:rPr lang="en-GB" dirty="0"/>
+              <a:t>Maps, arrays, anon functions as variables</a:t>
+            </a:r>
+          </a:p>
+          <a:p>
+            <a:endParaRPr lang="en-GB" dirty="0"/>
+          </a:p>
+        </p:txBody>
+      </p:sp>
+    </p:spTree>
+    <p:extLst>
+      <p:ext uri="{BB962C8B-B14F-4D97-AF65-F5344CB8AC3E}">
+        <p14:creationId xmlns:p14="http://schemas.microsoft.com/office/powerpoint/2010/main" val="3365200930"/>
+      </p:ext>
+    </p:extLst>
+  </p:cSld>
+  <p:clrMapOvr>
+    <a:masterClrMapping/>
+  </p:clrMapOvr>
+</p:sld>
+</file>
+
+<file path=ppt/slides/slide33.xml><?xml version="1.0" encoding="utf-8"?>
+<p:sld xmlns:a="http://schemas.openxmlformats.org/drawingml/2006/main" xmlns:r="http://schemas.openxmlformats.org/officeDocument/2006/relationships" xmlns:p="http://schemas.openxmlformats.org/presentationml/2006/main">
+  <p:cSld>
+    <p:spTree>
+      <p:nvGrpSpPr>
+        <p:cNvPr id="1" name=""/>
+        <p:cNvGrpSpPr/>
+        <p:nvPr/>
+      </p:nvGrpSpPr>
+      <p:grpSpPr>
+        <a:xfrm>
+          <a:off x="0" y="0"/>
+          <a:ext cx="0" cy="0"/>
+          <a:chOff x="0" y="0"/>
+          <a:chExt cx="0" cy="0"/>
+        </a:xfrm>
+      </p:grpSpPr>
+      <p:sp>
+        <p:nvSpPr>
+          <p:cNvPr id="2" name="Title 1">
+            <a:extLst>
+              <a:ext uri="{FF2B5EF4-FFF2-40B4-BE49-F238E27FC236}">
                 <a16:creationId xmlns:a16="http://schemas.microsoft.com/office/drawing/2014/main" id="{45019320-31CD-45EE-9597-4FF6957E9DD1}"/>
               </a:ext>
             </a:extLst>
@@ -12175,13 +12261,8 @@
           <a:p>
             <a:r>
               <a:rPr lang="en-GB" dirty="0"/>
-              <a:t>Issues </a:t>
-            </a:r>
-            <a:r>
-              <a:rPr lang="en-GB"/>
-              <a:t>in GitHub repo too</a:t>
-            </a:r>
-            <a:endParaRPr lang="en-GB" dirty="0"/>
+              <a:t>Issues in GitHub repo too</a:t>
+            </a:r>
           </a:p>
         </p:txBody>
       </p:sp>
@@ -12198,7 +12279,7 @@
 </p:sld>
 </file>
 
-<file path=ppt/slides/slide33.xml><?xml version="1.0" encoding="utf-8"?>
+<file path=ppt/slides/slide34.xml><?xml version="1.0" encoding="utf-8"?>
 <p:sld xmlns:a="http://schemas.openxmlformats.org/drawingml/2006/main" xmlns:r="http://schemas.openxmlformats.org/officeDocument/2006/relationships" xmlns:p="http://schemas.openxmlformats.org/presentationml/2006/main">
   <p:cSld>
     <p:spTree>
@@ -12331,7 +12412,7 @@
           <p:cNvPr id="2" name="Title 1">
             <a:extLst>
               <a:ext uri="{FF2B5EF4-FFF2-40B4-BE49-F238E27FC236}">
-                <a16:creationId xmlns:a16="http://schemas.microsoft.com/office/drawing/2014/main" id="{F2D4080F-24BE-44A7-84E8-CADF778B2EB5}"/>
+                <a16:creationId xmlns:a16="http://schemas.microsoft.com/office/drawing/2014/main" id="{2445436C-6011-42E9-98AC-CEA1EDBE1D1B}"/>
               </a:ext>
             </a:extLst>
           </p:cNvPr>
@@ -12349,7 +12430,7 @@
           <a:p>
             <a:r>
               <a:rPr lang="en-GB" dirty="0"/>
-              <a:t>About XQS</a:t>
+              <a:t>About me</a:t>
             </a:r>
           </a:p>
         </p:txBody>
@@ -12359,7 +12440,7 @@
           <p:cNvPr id="3" name="Content Placeholder 2">
             <a:extLst>
               <a:ext uri="{FF2B5EF4-FFF2-40B4-BE49-F238E27FC236}">
-                <a16:creationId xmlns:a16="http://schemas.microsoft.com/office/drawing/2014/main" id="{CD1D035C-C364-4021-BEDE-3C5F181DE2EA}"/>
+                <a16:creationId xmlns:a16="http://schemas.microsoft.com/office/drawing/2014/main" id="{12D5AB50-1D19-46BB-86AA-778CC5B5EDB5}"/>
               </a:ext>
             </a:extLst>
           </p:cNvPr>
@@ -12377,67 +12458,27 @@
           <a:p>
             <a:r>
               <a:rPr lang="en-GB" dirty="0"/>
-              <a:t>XQS = XQuery for </a:t>
-            </a:r>
-            <a:r>
-              <a:rPr lang="en-GB" dirty="0" err="1"/>
-              <a:t>Schematron</a:t>
-            </a:r>
-            <a:endParaRPr lang="en-GB" dirty="0"/>
-          </a:p>
-          <a:p>
-            <a:r>
-              <a:rPr lang="en-GB" dirty="0"/>
-              <a:t>Pronounced /</a:t>
-            </a:r>
-            <a:r>
-              <a:rPr lang="en-GB" dirty="0" err="1"/>
-              <a:t>ɛksˈkjuːz</a:t>
-            </a:r>
-            <a:r>
-              <a:rPr lang="en-GB" dirty="0"/>
-              <a:t>/</a:t>
-            </a:r>
-          </a:p>
-          <a:p>
-            <a:r>
-              <a:rPr lang="en-GB" dirty="0"/>
-              <a:t>Written in pure XQuery</a:t>
-            </a:r>
-          </a:p>
-          <a:p>
-            <a:r>
-              <a:rPr lang="en-GB" dirty="0" err="1"/>
-              <a:t>BaseX</a:t>
-            </a:r>
-            <a:r>
-              <a:rPr lang="en-GB" dirty="0"/>
-              <a:t> dialect of v3.1</a:t>
-            </a:r>
-          </a:p>
-          <a:p>
-            <a:r>
-              <a:rPr lang="en-GB" dirty="0"/>
-              <a:t>Tested under </a:t>
-            </a:r>
-            <a:r>
-              <a:rPr lang="en-GB" dirty="0" err="1"/>
-              <a:t>BaseX</a:t>
-            </a:r>
-            <a:r>
-              <a:rPr lang="en-GB" dirty="0"/>
-              <a:t> 10.x</a:t>
-            </a:r>
-          </a:p>
-          <a:p>
-            <a:endParaRPr lang="en-GB" dirty="0"/>
+              <a:t>Project editor, ISO/IEC 19757-3</a:t>
+            </a:r>
+          </a:p>
+          <a:p>
+            <a:r>
+              <a:rPr lang="en-GB" dirty="0"/>
+              <a:t>Convenor, ISO/IEC JTC 1/SC 34/WG 10</a:t>
+            </a:r>
+          </a:p>
+          <a:p>
+            <a:r>
+              <a:rPr lang="en-GB" dirty="0"/>
+              <a:t>Work at publisher based in London</a:t>
+            </a:r>
           </a:p>
         </p:txBody>
       </p:sp>
     </p:spTree>
     <p:extLst>
       <p:ext uri="{BB962C8B-B14F-4D97-AF65-F5344CB8AC3E}">
-        <p14:creationId xmlns:p14="http://schemas.microsoft.com/office/powerpoint/2010/main" val="3517387580"/>
+        <p14:creationId xmlns:p14="http://schemas.microsoft.com/office/powerpoint/2010/main" val="1778811556"/>
       </p:ext>
     </p:extLst>
   </p:cSld>
@@ -12469,6 +12510,144 @@
           <p:cNvPr id="2" name="Title 1">
             <a:extLst>
               <a:ext uri="{FF2B5EF4-FFF2-40B4-BE49-F238E27FC236}">
+                <a16:creationId xmlns:a16="http://schemas.microsoft.com/office/drawing/2014/main" id="{F2D4080F-24BE-44A7-84E8-CADF778B2EB5}"/>
+              </a:ext>
+            </a:extLst>
+          </p:cNvPr>
+          <p:cNvSpPr>
+            <a:spLocks noGrp="1"/>
+          </p:cNvSpPr>
+          <p:nvPr>
+            <p:ph type="title"/>
+          </p:nvPr>
+        </p:nvSpPr>
+        <p:spPr/>
+        <p:txBody>
+          <a:bodyPr/>
+          <a:lstStyle/>
+          <a:p>
+            <a:r>
+              <a:rPr lang="en-GB" dirty="0"/>
+              <a:t>About XQS</a:t>
+            </a:r>
+          </a:p>
+        </p:txBody>
+      </p:sp>
+      <p:sp>
+        <p:nvSpPr>
+          <p:cNvPr id="3" name="Content Placeholder 2">
+            <a:extLst>
+              <a:ext uri="{FF2B5EF4-FFF2-40B4-BE49-F238E27FC236}">
+                <a16:creationId xmlns:a16="http://schemas.microsoft.com/office/drawing/2014/main" id="{CD1D035C-C364-4021-BEDE-3C5F181DE2EA}"/>
+              </a:ext>
+            </a:extLst>
+          </p:cNvPr>
+          <p:cNvSpPr>
+            <a:spLocks noGrp="1"/>
+          </p:cNvSpPr>
+          <p:nvPr>
+            <p:ph idx="1"/>
+          </p:nvPr>
+        </p:nvSpPr>
+        <p:spPr/>
+        <p:txBody>
+          <a:bodyPr/>
+          <a:lstStyle/>
+          <a:p>
+            <a:r>
+              <a:rPr lang="en-GB" dirty="0"/>
+              <a:t>XQS = XQuery for </a:t>
+            </a:r>
+            <a:r>
+              <a:rPr lang="en-GB" dirty="0" err="1"/>
+              <a:t>Schematron</a:t>
+            </a:r>
+            <a:endParaRPr lang="en-GB" dirty="0"/>
+          </a:p>
+          <a:p>
+            <a:r>
+              <a:rPr lang="en-GB" dirty="0"/>
+              <a:t>Pronounced /</a:t>
+            </a:r>
+            <a:r>
+              <a:rPr lang="en-GB" dirty="0" err="1"/>
+              <a:t>ɛksˈkjuːz</a:t>
+            </a:r>
+            <a:r>
+              <a:rPr lang="en-GB" dirty="0"/>
+              <a:t>/</a:t>
+            </a:r>
+          </a:p>
+          <a:p>
+            <a:r>
+              <a:rPr lang="en-GB" dirty="0"/>
+              <a:t>Written in pure XQuery</a:t>
+            </a:r>
+          </a:p>
+          <a:p>
+            <a:r>
+              <a:rPr lang="en-GB" dirty="0" err="1"/>
+              <a:t>BaseX</a:t>
+            </a:r>
+            <a:r>
+              <a:rPr lang="en-GB" dirty="0"/>
+              <a:t> dialect of v3.1</a:t>
+            </a:r>
+          </a:p>
+          <a:p>
+            <a:r>
+              <a:rPr lang="en-GB" dirty="0"/>
+              <a:t>Tested under </a:t>
+            </a:r>
+            <a:r>
+              <a:rPr lang="en-GB" dirty="0" err="1"/>
+              <a:t>BaseX</a:t>
+            </a:r>
+            <a:r>
+              <a:rPr lang="en-GB" dirty="0"/>
+              <a:t> 10.x</a:t>
+            </a:r>
+          </a:p>
+          <a:p>
+            <a:endParaRPr lang="en-GB" dirty="0"/>
+          </a:p>
+        </p:txBody>
+      </p:sp>
+    </p:spTree>
+    <p:extLst>
+      <p:ext uri="{BB962C8B-B14F-4D97-AF65-F5344CB8AC3E}">
+        <p14:creationId xmlns:p14="http://schemas.microsoft.com/office/powerpoint/2010/main" val="3517387580"/>
+      </p:ext>
+    </p:extLst>
+  </p:cSld>
+  <p:clrMapOvr>
+    <a:masterClrMapping/>
+  </p:clrMapOvr>
+</p:sld>
+</file>
+
+<file path=ppt/slides/slide6.xml><?xml version="1.0" encoding="utf-8"?>
+<p:sld xmlns:a="http://schemas.openxmlformats.org/drawingml/2006/main" xmlns:r="http://schemas.openxmlformats.org/officeDocument/2006/relationships" xmlns:p="http://schemas.openxmlformats.org/presentationml/2006/main">
+  <p:cSld>
+    <p:spTree>
+      <p:nvGrpSpPr>
+        <p:cNvPr id="1" name=""/>
+        <p:cNvGrpSpPr/>
+        <p:nvPr/>
+      </p:nvGrpSpPr>
+      <p:grpSpPr>
+        <a:xfrm>
+          <a:off x="0" y="0"/>
+          <a:ext cx="0" cy="0"/>
+          <a:chOff x="0" y="0"/>
+          <a:chExt cx="0" cy="0"/>
+        </a:xfrm>
+      </p:grpSpPr>
+      <p:sp>
+        <p:nvSpPr>
+          <p:cNvPr id="2" name="Title 1">
+            <a:extLst>
+              <a:ext uri="{FF2B5EF4-FFF2-40B4-BE49-F238E27FC236}">
                 <a16:creationId xmlns:a16="http://schemas.microsoft.com/office/drawing/2014/main" id="{D94960CE-AA87-4ECC-B035-B00C0A6C8655}"/>
               </a:ext>
             </a:extLst>
@@ -12566,7 +12745,7 @@
 </p:sld>
 </file>
 
-<file path=ppt/slides/slide6.xml><?xml version="1.0" encoding="utf-8"?>
+<file path=ppt/slides/slide7.xml><?xml version="1.0" encoding="utf-8"?>
 <p:sld xmlns:a="http://schemas.openxmlformats.org/drawingml/2006/main" xmlns:r="http://schemas.openxmlformats.org/officeDocument/2006/relationships" xmlns:p="http://schemas.openxmlformats.org/presentationml/2006/main">
   <p:cSld>
     <p:spTree>
@@ -12663,7 +12842,7 @@
 </p:sld>
 </file>
 
-<file path=ppt/slides/slide7.xml><?xml version="1.0" encoding="utf-8"?>
+<file path=ppt/slides/slide8.xml><?xml version="1.0" encoding="utf-8"?>
 <p:sld xmlns:a="http://schemas.openxmlformats.org/drawingml/2006/main" xmlns:r="http://schemas.openxmlformats.org/officeDocument/2006/relationships" xmlns:p="http://schemas.openxmlformats.org/presentationml/2006/main">
   <p:cSld>
     <p:spTree>
@@ -12756,123 +12935,6 @@
 </p:sld>
 </file>
 
-<file path=ppt/slides/slide8.xml><?xml version="1.0" encoding="utf-8"?>
-<p:sld xmlns:a="http://schemas.openxmlformats.org/drawingml/2006/main" xmlns:r="http://schemas.openxmlformats.org/officeDocument/2006/relationships" xmlns:p="http://schemas.openxmlformats.org/presentationml/2006/main">
-  <p:cSld>
-    <p:spTree>
-      <p:nvGrpSpPr>
-        <p:cNvPr id="1" name=""/>
-        <p:cNvGrpSpPr/>
-        <p:nvPr/>
-      </p:nvGrpSpPr>
-      <p:grpSpPr>
-        <a:xfrm>
-          <a:off x="0" y="0"/>
-          <a:ext cx="0" cy="0"/>
-          <a:chOff x="0" y="0"/>
-          <a:chExt cx="0" cy="0"/>
-        </a:xfrm>
-      </p:grpSpPr>
-      <p:sp>
-        <p:nvSpPr>
-          <p:cNvPr id="2" name="Title 1">
-            <a:extLst>
-              <a:ext uri="{FF2B5EF4-FFF2-40B4-BE49-F238E27FC236}">
-                <a16:creationId xmlns:a16="http://schemas.microsoft.com/office/drawing/2014/main" id="{98ADF1FD-191D-443B-A3A1-A43027567AC0}"/>
-              </a:ext>
-            </a:extLst>
-          </p:cNvPr>
-          <p:cNvSpPr>
-            <a:spLocks noGrp="1"/>
-          </p:cNvSpPr>
-          <p:nvPr>
-            <p:ph type="title"/>
-          </p:nvPr>
-        </p:nvSpPr>
-        <p:spPr/>
-        <p:txBody>
-          <a:bodyPr/>
-          <a:lstStyle/>
-          <a:p>
-            <a:r>
-              <a:rPr lang="en-GB" dirty="0"/>
-              <a:t>What design goals?</a:t>
-            </a:r>
-          </a:p>
-        </p:txBody>
-      </p:sp>
-      <p:sp>
-        <p:nvSpPr>
-          <p:cNvPr id="3" name="Content Placeholder 2">
-            <a:extLst>
-              <a:ext uri="{FF2B5EF4-FFF2-40B4-BE49-F238E27FC236}">
-                <a16:creationId xmlns:a16="http://schemas.microsoft.com/office/drawing/2014/main" id="{42DAAE02-845A-44F5-81F9-7894B1596095}"/>
-              </a:ext>
-            </a:extLst>
-          </p:cNvPr>
-          <p:cNvSpPr>
-            <a:spLocks noGrp="1"/>
-          </p:cNvSpPr>
-          <p:nvPr>
-            <p:ph idx="1"/>
-          </p:nvPr>
-        </p:nvSpPr>
-        <p:spPr/>
-        <p:txBody>
-          <a:bodyPr/>
-          <a:lstStyle/>
-          <a:p>
-            <a:r>
-              <a:rPr lang="en-GB" dirty="0"/>
-              <a:t>Conformance over performance</a:t>
-            </a:r>
-          </a:p>
-          <a:p>
-            <a:pPr lvl="1"/>
-            <a:r>
-              <a:rPr lang="en-GB" dirty="0"/>
-              <a:t>No optimization at this stage</a:t>
-            </a:r>
-          </a:p>
-          <a:p>
-            <a:r>
-              <a:rPr lang="en-GB" dirty="0"/>
-              <a:t>”Dynamic evaluation” of schemas</a:t>
-            </a:r>
-          </a:p>
-          <a:p>
-            <a:r>
-              <a:rPr lang="en-GB" dirty="0"/>
-              <a:t>Portability of “compiled” schemas</a:t>
-            </a:r>
-          </a:p>
-          <a:p>
-            <a:r>
-              <a:rPr lang="en-GB" dirty="0"/>
-              <a:t>(SVRL output)</a:t>
-            </a:r>
-          </a:p>
-          <a:p>
-            <a:endParaRPr lang="en-GB" dirty="0"/>
-          </a:p>
-          <a:p>
-            <a:endParaRPr lang="en-GB" dirty="0"/>
-          </a:p>
-        </p:txBody>
-      </p:sp>
-    </p:spTree>
-    <p:extLst>
-      <p:ext uri="{BB962C8B-B14F-4D97-AF65-F5344CB8AC3E}">
-        <p14:creationId xmlns:p14="http://schemas.microsoft.com/office/powerpoint/2010/main" val="4132843633"/>
-      </p:ext>
-    </p:extLst>
-  </p:cSld>
-  <p:clrMapOvr>
-    <a:masterClrMapping/>
-  </p:clrMapOvr>
-</p:sld>
-</file>
-
 <file path=ppt/slides/slide9.xml><?xml version="1.0" encoding="utf-8"?>
 <p:sld xmlns:a="http://schemas.openxmlformats.org/drawingml/2006/main" xmlns:r="http://schemas.openxmlformats.org/officeDocument/2006/relationships" xmlns:p="http://schemas.openxmlformats.org/presentationml/2006/main">
   <p:cSld>
@@ -12895,7 +12957,7 @@
           <p:cNvPr id="2" name="Title 1">
             <a:extLst>
               <a:ext uri="{FF2B5EF4-FFF2-40B4-BE49-F238E27FC236}">
-                <a16:creationId xmlns:a16="http://schemas.microsoft.com/office/drawing/2014/main" id="{A983E35C-8894-4776-86DF-EAACF757D02F}"/>
+                <a16:creationId xmlns:a16="http://schemas.microsoft.com/office/drawing/2014/main" id="{98ADF1FD-191D-443B-A3A1-A43027567AC0}"/>
               </a:ext>
             </a:extLst>
           </p:cNvPr>
@@ -12913,50 +12975,74 @@
           <a:p>
             <a:r>
               <a:rPr lang="en-GB" dirty="0"/>
-              <a:t>How to do this?</a:t>
-            </a:r>
-          </a:p>
-        </p:txBody>
-      </p:sp>
-      <p:pic>
-        <p:nvPicPr>
-          <p:cNvPr id="9" name="Content Placeholder 8">
+              <a:t>What design goals?</a:t>
+            </a:r>
+          </a:p>
+        </p:txBody>
+      </p:sp>
+      <p:sp>
+        <p:nvSpPr>
+          <p:cNvPr id="3" name="Content Placeholder 2">
             <a:extLst>
               <a:ext uri="{FF2B5EF4-FFF2-40B4-BE49-F238E27FC236}">
-                <a16:creationId xmlns:a16="http://schemas.microsoft.com/office/drawing/2014/main" id="{552CFC33-29A6-48D4-A0DC-015D03021846}"/>
+                <a16:creationId xmlns:a16="http://schemas.microsoft.com/office/drawing/2014/main" id="{42DAAE02-845A-44F5-81F9-7894B1596095}"/>
               </a:ext>
             </a:extLst>
           </p:cNvPr>
-          <p:cNvPicPr>
-            <a:picLocks noGrp="1" noChangeAspect="1"/>
-          </p:cNvPicPr>
+          <p:cNvSpPr>
+            <a:spLocks noGrp="1"/>
+          </p:cNvSpPr>
           <p:nvPr>
             <p:ph idx="1"/>
           </p:nvPr>
-        </p:nvPicPr>
-        <p:blipFill>
-          <a:blip r:embed="rId3">
-            <a:extLst>
-              <a:ext uri="{28A0092B-C50C-407E-A947-70E740481C1C}">
-                <a14:useLocalDpi xmlns:a14="http://schemas.microsoft.com/office/drawing/2010/main" val="0"/>
-              </a:ext>
-            </a:extLst>
-          </a:blip>
-          <a:stretch>
-            <a:fillRect/>
-          </a:stretch>
-        </p:blipFill>
-        <p:spPr>
-          <a:xfrm>
-            <a:off x="4148839" y="2415693"/>
-            <a:ext cx="3661035" cy="3078598"/>
-          </a:xfrm>
-        </p:spPr>
-      </p:pic>
+        </p:nvSpPr>
+        <p:spPr/>
+        <p:txBody>
+          <a:bodyPr/>
+          <a:lstStyle/>
+          <a:p>
+            <a:r>
+              <a:rPr lang="en-GB" dirty="0"/>
+              <a:t>Conformance over performance</a:t>
+            </a:r>
+          </a:p>
+          <a:p>
+            <a:pPr lvl="1"/>
+            <a:r>
+              <a:rPr lang="en-GB" dirty="0"/>
+              <a:t>No optimization at this stage</a:t>
+            </a:r>
+          </a:p>
+          <a:p>
+            <a:r>
+              <a:rPr lang="en-GB" dirty="0"/>
+              <a:t>”Dynamic evaluation” of schemas</a:t>
+            </a:r>
+          </a:p>
+          <a:p>
+            <a:r>
+              <a:rPr lang="en-GB" dirty="0"/>
+              <a:t>Portability of “compiled” schemas</a:t>
+            </a:r>
+          </a:p>
+          <a:p>
+            <a:r>
+              <a:rPr lang="en-GB" dirty="0"/>
+              <a:t>(SVRL output)</a:t>
+            </a:r>
+          </a:p>
+          <a:p>
+            <a:endParaRPr lang="en-GB" dirty="0"/>
+          </a:p>
+          <a:p>
+            <a:endParaRPr lang="en-GB" dirty="0"/>
+          </a:p>
+        </p:txBody>
+      </p:sp>
     </p:spTree>
     <p:extLst>
       <p:ext uri="{BB962C8B-B14F-4D97-AF65-F5344CB8AC3E}">
-        <p14:creationId xmlns:p14="http://schemas.microsoft.com/office/powerpoint/2010/main" val="4047396875"/>
+        <p14:creationId xmlns:p14="http://schemas.microsoft.com/office/powerpoint/2010/main" val="4132843633"/>
       </p:ext>
     </p:extLst>
   </p:cSld>
